--- a/4_Presentation/Präsentation.pptx
+++ b/4_Presentation/Präsentation.pptx
@@ -12,7 +12,7 @@
   </p:handoutMasterIdLst>
   <p:sldIdLst>
     <p:sldId id="256" r:id="rId2"/>
-    <p:sldId id="271" r:id="rId3"/>
+    <p:sldId id="283" r:id="rId3"/>
     <p:sldId id="279" r:id="rId4"/>
     <p:sldId id="281" r:id="rId5"/>
     <p:sldId id="280" r:id="rId6"/>
@@ -128,7 +128,7 @@
         </p14:section>
         <p14:section name="Entwerfen, Morphen, mit Anmerkungen versehen, zusammenarbeiten, &quot;Sie wünschen&quot;" id="{B9B51309-D148-4332-87C2-07BE32FBCA3B}">
           <p14:sldIdLst>
-            <p14:sldId id="271"/>
+            <p14:sldId id="283"/>
             <p14:sldId id="279"/>
             <p14:sldId id="281"/>
             <p14:sldId id="280"/>
@@ -255,7 +255,7 @@
             <a:pPr rtl="0"/>
             <a:fld id="{A271CF6F-B353-47EF-80E6-4EDFE82542AA}" type="datetime1">
               <a:rPr lang="de-DE" smtClean="0"/>
-              <a:t>30.12.2023</a:t>
+              <a:t>01.01.2024</a:t>
             </a:fld>
             <a:endParaRPr lang="de-DE"/>
           </a:p>
@@ -425,7 +425,7 @@
             <a:fld id="{0D6A315A-AEB2-48A1-84FA-B4A8FE58B7D2}" type="datetime1">
               <a:rPr lang="de-DE" smtClean="0"/>
               <a:pPr/>
-              <a:t>30.12.2023</a:t>
+              <a:t>01.01.2024</a:t>
             </a:fld>
             <a:endParaRPr lang="de-DE" dirty="0"/>
           </a:p>
@@ -862,7 +862,7 @@
     </p:spTree>
     <p:extLst>
       <p:ext uri="{BB962C8B-B14F-4D97-AF65-F5344CB8AC3E}">
-        <p14:creationId xmlns:p14="http://schemas.microsoft.com/office/powerpoint/2010/main" val="3418909144"/>
+        <p14:creationId xmlns:p14="http://schemas.microsoft.com/office/powerpoint/2010/main" val="507898270"/>
       </p:ext>
     </p:extLst>
   </p:cSld>
@@ -1912,7 +1912,7 @@
             <a:pPr rtl="0"/>
             <a:fld id="{A8748828-F6EB-4704-9353-51DD373A1B63}" type="datetime1">
               <a:rPr lang="de-DE" noProof="0" smtClean="0"/>
-              <a:t>30.12.2023</a:t>
+              <a:t>01.01.2024</a:t>
             </a:fld>
             <a:endParaRPr lang="de-DE" noProof="0"/>
           </a:p>
@@ -2538,7 +2538,7 @@
             <a:pPr rtl="0"/>
             <a:fld id="{3BAA270F-9618-4C37-A567-2E8C03DB9594}" type="datetime1">
               <a:rPr lang="de-DE" noProof="0" smtClean="0"/>
-              <a:t>30.12.2023</a:t>
+              <a:t>01.01.2024</a:t>
             </a:fld>
             <a:endParaRPr lang="de-DE" noProof="0" dirty="0"/>
           </a:p>
@@ -3135,6 +3135,123 @@
           </a:prstGeom>
         </p:spPr>
       </p:pic>
+      <p:grpSp>
+        <p:nvGrpSpPr>
+          <p:cNvPr id="5" name="Gruppieren 4" descr="Kleiner Kreis mit enthaltener Zahl 1 zur Angabe von Schritt 1">
+            <a:extLst>
+              <a:ext uri="{FF2B5EF4-FFF2-40B4-BE49-F238E27FC236}">
+                <a16:creationId xmlns:a16="http://schemas.microsoft.com/office/drawing/2014/main" id="{39771933-B5ED-595F-EC9F-53AC411823D5}"/>
+              </a:ext>
+            </a:extLst>
+          </p:cNvPr>
+          <p:cNvGrpSpPr/>
+          <p:nvPr/>
+        </p:nvGrpSpPr>
+        <p:grpSpPr bwMode="blackWhite">
+          <a:xfrm>
+            <a:off x="531552" y="1917997"/>
+            <a:ext cx="558179" cy="409838"/>
+            <a:chOff x="6953426" y="711274"/>
+            <a:chExt cx="558179" cy="409838"/>
+          </a:xfrm>
+        </p:grpSpPr>
+        <p:sp>
+          <p:nvSpPr>
+            <p:cNvPr id="6" name="Ellipse 5" descr="Kleiner Kreis">
+              <a:extLst>
+                <a:ext uri="{FF2B5EF4-FFF2-40B4-BE49-F238E27FC236}">
+                  <a16:creationId xmlns:a16="http://schemas.microsoft.com/office/drawing/2014/main" id="{7D728C57-FC52-A627-FBB3-E16EE1A0A31C}"/>
+                </a:ext>
+              </a:extLst>
+            </p:cNvPr>
+            <p:cNvSpPr/>
+            <p:nvPr/>
+          </p:nvSpPr>
+          <p:spPr bwMode="blackWhite">
+            <a:xfrm>
+              <a:off x="7025069" y="711274"/>
+              <a:ext cx="409838" cy="409838"/>
+            </a:xfrm>
+            <a:prstGeom prst="ellipse">
+              <a:avLst/>
+            </a:prstGeom>
+            <a:solidFill>
+              <a:srgbClr val="D24726"/>
+            </a:solidFill>
+            <a:ln>
+              <a:noFill/>
+            </a:ln>
+          </p:spPr>
+          <p:style>
+            <a:lnRef idx="2">
+              <a:schemeClr val="accent1">
+                <a:shade val="50000"/>
+              </a:schemeClr>
+            </a:lnRef>
+            <a:fillRef idx="1">
+              <a:schemeClr val="accent1"/>
+            </a:fillRef>
+            <a:effectRef idx="0">
+              <a:schemeClr val="accent1"/>
+            </a:effectRef>
+            <a:fontRef idx="minor">
+              <a:schemeClr val="lt1"/>
+            </a:fontRef>
+          </p:style>
+          <p:txBody>
+            <a:bodyPr rtlCol="0" anchor="ctr"/>
+            <a:lstStyle/>
+            <a:p>
+              <a:pPr algn="ctr" rtl="0"/>
+              <a:endParaRPr lang="de-DE"/>
+            </a:p>
+          </p:txBody>
+        </p:sp>
+        <p:sp>
+          <p:nvSpPr>
+            <p:cNvPr id="7" name="Textfeld 6" descr="Zahl 1">
+              <a:extLst>
+                <a:ext uri="{FF2B5EF4-FFF2-40B4-BE49-F238E27FC236}">
+                  <a16:creationId xmlns:a16="http://schemas.microsoft.com/office/drawing/2014/main" id="{8F5F086C-DE1D-936B-74AC-07FB9E11781A}"/>
+                </a:ext>
+              </a:extLst>
+            </p:cNvPr>
+            <p:cNvSpPr txBox="1">
+              <a:spLocks noChangeAspect="1"/>
+            </p:cNvSpPr>
+            <p:nvPr/>
+          </p:nvSpPr>
+          <p:spPr bwMode="blackWhite">
+            <a:xfrm>
+              <a:off x="6953426" y="727564"/>
+              <a:ext cx="558179" cy="369332"/>
+            </a:xfrm>
+            <a:prstGeom prst="rect">
+              <a:avLst/>
+            </a:prstGeom>
+            <a:noFill/>
+          </p:spPr>
+          <p:txBody>
+            <a:bodyPr wrap="square" rtlCol="0">
+              <a:spAutoFit/>
+            </a:bodyPr>
+            <a:lstStyle/>
+            <a:p>
+              <a:pPr algn="ctr" rtl="0"/>
+              <a:r>
+                <a:rPr lang="de-DE">
+                  <a:solidFill>
+                    <a:schemeClr val="bg1"/>
+                  </a:solidFill>
+                  <a:latin typeface="Segoe UI Semibold" panose="020B0702040204020203" pitchFamily="34" charset="0"/>
+                  <a:cs typeface="Segoe UI Semibold" panose="020B0702040204020203" pitchFamily="34" charset="0"/>
+                </a:rPr>
+                <a:t>1</a:t>
+              </a:r>
+            </a:p>
+          </p:txBody>
+        </p:sp>
+      </p:grpSp>
     </p:spTree>
     <p:extLst>
       <p:ext uri="{BB962C8B-B14F-4D97-AF65-F5344CB8AC3E}">
@@ -3167,7 +3284,7 @@
       </p:grpSpPr>
       <p:sp>
         <p:nvSpPr>
-          <p:cNvPr id="8" name="Titel 7"/>
+          <p:cNvPr id="4" name="Titel 3"/>
           <p:cNvSpPr>
             <a:spLocks noGrp="1"/>
           </p:cNvSpPr>
@@ -3175,16 +3292,9 @@
             <p:ph type="title"/>
           </p:nvPr>
         </p:nvSpPr>
-        <p:spPr>
-          <a:xfrm>
-            <a:off x="521207" y="448056"/>
-            <a:ext cx="8977020" cy="640080"/>
-          </a:xfrm>
-        </p:spPr>
+        <p:spPr/>
         <p:txBody>
-          <a:bodyPr rtlCol="0">
-            <a:noAutofit/>
-          </a:bodyPr>
+          <a:bodyPr rtlCol="0"/>
           <a:lstStyle/>
           <a:p>
             <a:pPr rtl="0"/>
@@ -3193,14 +3303,113 @@
                 <a:latin typeface="Segoe UI Light" panose="020B0502040204020203" pitchFamily="34" charset="0"/>
                 <a:cs typeface="Segoe UI Light" panose="020B0502040204020203" pitchFamily="34" charset="0"/>
               </a:rPr>
-              <a:t>Verwendete Variablen</a:t>
+              <a:t>Inhalt der Präsentation</a:t>
             </a:r>
           </a:p>
         </p:txBody>
       </p:sp>
+      <p:grpSp>
+        <p:nvGrpSpPr>
+          <p:cNvPr id="18" name="Gruppieren 17" descr="Kleiner Kreis mit enthaltener Zahl 1 zur Angabe von Schritt 1"/>
+          <p:cNvGrpSpPr/>
+          <p:nvPr/>
+        </p:nvGrpSpPr>
+        <p:grpSpPr bwMode="blackWhite">
+          <a:xfrm>
+            <a:off x="522808" y="1409556"/>
+            <a:ext cx="558179" cy="409838"/>
+            <a:chOff x="6953426" y="711274"/>
+            <a:chExt cx="558179" cy="409838"/>
+          </a:xfrm>
+        </p:grpSpPr>
+        <p:sp>
+          <p:nvSpPr>
+            <p:cNvPr id="19" name="Ellipse 18" descr="Kleiner Kreis"/>
+            <p:cNvSpPr/>
+            <p:nvPr/>
+          </p:nvSpPr>
+          <p:spPr bwMode="blackWhite">
+            <a:xfrm>
+              <a:off x="7025069" y="711274"/>
+              <a:ext cx="409838" cy="409838"/>
+            </a:xfrm>
+            <a:prstGeom prst="ellipse">
+              <a:avLst/>
+            </a:prstGeom>
+            <a:solidFill>
+              <a:srgbClr val="D24726"/>
+            </a:solidFill>
+            <a:ln>
+              <a:noFill/>
+            </a:ln>
+          </p:spPr>
+          <p:style>
+            <a:lnRef idx="2">
+              <a:schemeClr val="accent1">
+                <a:shade val="50000"/>
+              </a:schemeClr>
+            </a:lnRef>
+            <a:fillRef idx="1">
+              <a:schemeClr val="accent1"/>
+            </a:fillRef>
+            <a:effectRef idx="0">
+              <a:schemeClr val="accent1"/>
+            </a:effectRef>
+            <a:fontRef idx="minor">
+              <a:schemeClr val="lt1"/>
+            </a:fontRef>
+          </p:style>
+          <p:txBody>
+            <a:bodyPr rtlCol="0" anchor="ctr"/>
+            <a:lstStyle/>
+            <a:p>
+              <a:pPr algn="ctr" rtl="0"/>
+              <a:endParaRPr lang="de-DE"/>
+            </a:p>
+          </p:txBody>
+        </p:sp>
+        <p:sp>
+          <p:nvSpPr>
+            <p:cNvPr id="20" name="Textfeld 19" descr="Zahl 1"/>
+            <p:cNvSpPr txBox="1">
+              <a:spLocks noChangeAspect="1"/>
+            </p:cNvSpPr>
+            <p:nvPr/>
+          </p:nvSpPr>
+          <p:spPr bwMode="blackWhite">
+            <a:xfrm>
+              <a:off x="6953426" y="727564"/>
+              <a:ext cx="558179" cy="369332"/>
+            </a:xfrm>
+            <a:prstGeom prst="rect">
+              <a:avLst/>
+            </a:prstGeom>
+            <a:noFill/>
+          </p:spPr>
+          <p:txBody>
+            <a:bodyPr wrap="square" rtlCol="0">
+              <a:spAutoFit/>
+            </a:bodyPr>
+            <a:lstStyle/>
+            <a:p>
+              <a:pPr algn="ctr" rtl="0"/>
+              <a:r>
+                <a:rPr lang="de-DE">
+                  <a:solidFill>
+                    <a:schemeClr val="bg1"/>
+                  </a:solidFill>
+                  <a:latin typeface="Segoe UI Semibold" panose="020B0702040204020203" pitchFamily="34" charset="0"/>
+                  <a:cs typeface="Segoe UI Semibold" panose="020B0702040204020203" pitchFamily="34" charset="0"/>
+                </a:rPr>
+                <a:t>1</a:t>
+              </a:r>
+            </a:p>
+          </p:txBody>
+        </p:sp>
+      </p:grpSp>
       <p:sp>
         <p:nvSpPr>
-          <p:cNvPr id="38" name="Inhaltsplatzhalter 17"/>
+          <p:cNvPr id="21" name="Inhaltsplatzhalter 17"/>
           <p:cNvSpPr txBox="1">
             <a:spLocks/>
           </p:cNvSpPr>
@@ -3208,8 +3417,8 @@
         </p:nvSpPr>
         <p:spPr>
           <a:xfrm>
-            <a:off x="541610" y="1524708"/>
-            <a:ext cx="4321704" cy="3871518"/>
+            <a:off x="1047770" y="1449748"/>
+            <a:ext cx="5399027" cy="596551"/>
           </a:xfrm>
           <a:prstGeom prst="rect">
             <a:avLst/>
@@ -3415,6 +3624,9 @@
           </a:lstStyle>
           <a:p>
             <a:pPr marL="0" lvl="0" indent="0" rtl="0">
+              <a:lnSpc>
+                <a:spcPct val="100000"/>
+              </a:lnSpc>
               <a:spcAft>
                 <a:spcPts val="600"/>
               </a:spcAft>
@@ -3423,26 +3635,745 @@
             </a:pPr>
             <a:r>
               <a:rPr lang="de-DE" sz="1100" dirty="0">
-                <a:latin typeface="Segoe UI" panose="020B0502040204020203" pitchFamily="34" charset="0"/>
-                <a:cs typeface="Segoe UI" panose="020B0502040204020203" pitchFamily="34" charset="0"/>
+                <a:solidFill>
+                  <a:prstClr val="black">
+                    <a:lumMod val="75000"/>
+                    <a:lumOff val="25000"/>
+                  </a:prstClr>
+                </a:solidFill>
+                <a:cs typeface="Segoe UI"/>
               </a:rPr>
-              <a:t>PowerPoint Designer schlägt auf der Grundlage des Inhalts Ihrer Folien professionelle Designs für Ihre Präsentation vor. </a:t>
+              <a:t>Einführung und Erklärung der Variablen</a:t>
             </a:r>
           </a:p>
+        </p:txBody>
+      </p:sp>
+      <p:grpSp>
+        <p:nvGrpSpPr>
+          <p:cNvPr id="33" name="Gruppieren 32" descr="Kleiner Kreis mit enthaltener Zahl 2 zur Angabe von Schritt 2"/>
+          <p:cNvGrpSpPr/>
+          <p:nvPr/>
+        </p:nvGrpSpPr>
+        <p:grpSpPr bwMode="blackWhite">
+          <a:xfrm>
+            <a:off x="522808" y="2046759"/>
+            <a:ext cx="558179" cy="409838"/>
+            <a:chOff x="6953426" y="711274"/>
+            <a:chExt cx="558179" cy="409838"/>
+          </a:xfrm>
+        </p:grpSpPr>
+        <p:sp>
+          <p:nvSpPr>
+            <p:cNvPr id="34" name="Ellipse 33" descr="Kleiner Kreis"/>
+            <p:cNvSpPr/>
+            <p:nvPr/>
+          </p:nvSpPr>
+          <p:spPr bwMode="blackWhite">
+            <a:xfrm>
+              <a:off x="7025069" y="711274"/>
+              <a:ext cx="409838" cy="409838"/>
+            </a:xfrm>
+            <a:prstGeom prst="ellipse">
+              <a:avLst/>
+            </a:prstGeom>
+            <a:solidFill>
+              <a:srgbClr val="D24726"/>
+            </a:solidFill>
+            <a:ln>
+              <a:noFill/>
+            </a:ln>
+          </p:spPr>
+          <p:style>
+            <a:lnRef idx="2">
+              <a:schemeClr val="accent1">
+                <a:shade val="50000"/>
+              </a:schemeClr>
+            </a:lnRef>
+            <a:fillRef idx="1">
+              <a:schemeClr val="accent1"/>
+            </a:fillRef>
+            <a:effectRef idx="0">
+              <a:schemeClr val="accent1"/>
+            </a:effectRef>
+            <a:fontRef idx="minor">
+              <a:schemeClr val="lt1"/>
+            </a:fontRef>
+          </p:style>
+          <p:txBody>
+            <a:bodyPr rtlCol="0" anchor="ctr"/>
+            <a:lstStyle/>
+            <a:p>
+              <a:pPr algn="ctr" rtl="0"/>
+              <a:endParaRPr lang="de-DE"/>
+            </a:p>
+          </p:txBody>
+        </p:sp>
+        <p:sp>
+          <p:nvSpPr>
+            <p:cNvPr id="35" name="Textfeld 34" descr="Zahl 2"/>
+            <p:cNvSpPr txBox="1">
+              <a:spLocks noChangeAspect="1"/>
+            </p:cNvSpPr>
+            <p:nvPr/>
+          </p:nvSpPr>
+          <p:spPr bwMode="blackWhite">
+            <a:xfrm>
+              <a:off x="6953426" y="727564"/>
+              <a:ext cx="558179" cy="369332"/>
+            </a:xfrm>
+            <a:prstGeom prst="rect">
+              <a:avLst/>
+            </a:prstGeom>
+            <a:noFill/>
+          </p:spPr>
+          <p:txBody>
+            <a:bodyPr wrap="square" rtlCol="0">
+              <a:spAutoFit/>
+            </a:bodyPr>
+            <a:lstStyle/>
+            <a:p>
+              <a:pPr algn="ctr" rtl="0"/>
+              <a:r>
+                <a:rPr lang="de-DE">
+                  <a:solidFill>
+                    <a:schemeClr val="bg1"/>
+                  </a:solidFill>
+                  <a:latin typeface="Segoe UI Semibold" panose="020B0702040204020203" pitchFamily="34" charset="0"/>
+                  <a:cs typeface="Segoe UI Semibold" panose="020B0702040204020203" pitchFamily="34" charset="0"/>
+                </a:rPr>
+                <a:t>2</a:t>
+              </a:r>
+            </a:p>
+          </p:txBody>
+        </p:sp>
+      </p:grpSp>
+      <p:sp>
+        <p:nvSpPr>
+          <p:cNvPr id="36" name="Inhaltsplatzhalter 17"/>
+          <p:cNvSpPr txBox="1">
+            <a:spLocks/>
+          </p:cNvSpPr>
+          <p:nvPr/>
+        </p:nvSpPr>
+        <p:spPr>
+          <a:xfrm>
+            <a:off x="1075932" y="2077848"/>
+            <a:ext cx="5113409" cy="480955"/>
+          </a:xfrm>
+          <a:prstGeom prst="rect">
+            <a:avLst/>
+          </a:prstGeom>
+        </p:spPr>
+        <p:txBody>
+          <a:bodyPr vert="horz" lIns="91440" tIns="45720" rIns="91440" bIns="45720" rtlCol="0">
+            <a:normAutofit/>
+          </a:bodyPr>
+          <a:lstStyle>
+            <a:lvl1pPr marL="228600" indent="-228600" algn="l" defTabSz="914400" rtl="0" eaLnBrk="1" latinLnBrk="0" hangingPunct="1">
+              <a:lnSpc>
+                <a:spcPts val="1800"/>
+              </a:lnSpc>
+              <a:spcBef>
+                <a:spcPts val="1000"/>
+              </a:spcBef>
+              <a:spcAft>
+                <a:spcPts val="1000"/>
+              </a:spcAft>
+              <a:buFont typeface="Arial" panose="020B0604020202020204" pitchFamily="34" charset="0"/>
+              <a:buChar char="•"/>
+              <a:defRPr lang="en-US" sz="1200" kern="1200" smtClean="0">
+                <a:solidFill>
+                  <a:schemeClr val="tx1">
+                    <a:lumMod val="75000"/>
+                    <a:lumOff val="25000"/>
+                  </a:schemeClr>
+                </a:solidFill>
+                <a:latin typeface="+mn-lt"/>
+                <a:ea typeface="+mn-ea"/>
+                <a:cs typeface="+mn-cs"/>
+              </a:defRPr>
+            </a:lvl1pPr>
+            <a:lvl2pPr marL="685800" indent="-228600" algn="l" defTabSz="914400" rtl="0" eaLnBrk="1" latinLnBrk="0" hangingPunct="1">
+              <a:lnSpc>
+                <a:spcPts val="1800"/>
+              </a:lnSpc>
+              <a:spcBef>
+                <a:spcPts val="1000"/>
+              </a:spcBef>
+              <a:spcAft>
+                <a:spcPts val="1000"/>
+              </a:spcAft>
+              <a:buFont typeface="Arial" panose="020B0604020202020204" pitchFamily="34" charset="0"/>
+              <a:buChar char="•"/>
+              <a:defRPr lang="en-US" sz="1200" kern="1200" smtClean="0">
+                <a:solidFill>
+                  <a:schemeClr val="tx1">
+                    <a:lumMod val="75000"/>
+                    <a:lumOff val="25000"/>
+                  </a:schemeClr>
+                </a:solidFill>
+                <a:latin typeface="+mn-lt"/>
+                <a:ea typeface="+mn-ea"/>
+                <a:cs typeface="+mn-cs"/>
+              </a:defRPr>
+            </a:lvl2pPr>
+            <a:lvl3pPr marL="1143000" indent="-228600" algn="l" defTabSz="914400" rtl="0" eaLnBrk="1" latinLnBrk="0" hangingPunct="1">
+              <a:lnSpc>
+                <a:spcPts val="1800"/>
+              </a:lnSpc>
+              <a:spcBef>
+                <a:spcPts val="1000"/>
+              </a:spcBef>
+              <a:spcAft>
+                <a:spcPts val="1000"/>
+              </a:spcAft>
+              <a:buFont typeface="Arial" panose="020B0604020202020204" pitchFamily="34" charset="0"/>
+              <a:buChar char="•"/>
+              <a:defRPr lang="en-US" sz="1200" kern="1200" smtClean="0">
+                <a:solidFill>
+                  <a:schemeClr val="tx1">
+                    <a:lumMod val="75000"/>
+                    <a:lumOff val="25000"/>
+                  </a:schemeClr>
+                </a:solidFill>
+                <a:latin typeface="+mn-lt"/>
+                <a:ea typeface="+mn-ea"/>
+                <a:cs typeface="+mn-cs"/>
+              </a:defRPr>
+            </a:lvl3pPr>
+            <a:lvl4pPr marL="1600200" indent="-228600" algn="l" defTabSz="914400" rtl="0" eaLnBrk="1" latinLnBrk="0" hangingPunct="1">
+              <a:lnSpc>
+                <a:spcPts val="1800"/>
+              </a:lnSpc>
+              <a:spcBef>
+                <a:spcPts val="1000"/>
+              </a:spcBef>
+              <a:spcAft>
+                <a:spcPts val="1000"/>
+              </a:spcAft>
+              <a:buFont typeface="Arial" panose="020B0604020202020204" pitchFamily="34" charset="0"/>
+              <a:buChar char="•"/>
+              <a:defRPr lang="en-US" sz="1200" kern="1200" smtClean="0">
+                <a:solidFill>
+                  <a:schemeClr val="tx1">
+                    <a:lumMod val="75000"/>
+                    <a:lumOff val="25000"/>
+                  </a:schemeClr>
+                </a:solidFill>
+                <a:latin typeface="+mn-lt"/>
+                <a:ea typeface="+mn-ea"/>
+                <a:cs typeface="+mn-cs"/>
+              </a:defRPr>
+            </a:lvl4pPr>
+            <a:lvl5pPr marL="2057400" indent="-228600" algn="l" defTabSz="914400" rtl="0" eaLnBrk="1" latinLnBrk="0" hangingPunct="1">
+              <a:lnSpc>
+                <a:spcPts val="1800"/>
+              </a:lnSpc>
+              <a:spcBef>
+                <a:spcPts val="1000"/>
+              </a:spcBef>
+              <a:spcAft>
+                <a:spcPts val="1000"/>
+              </a:spcAft>
+              <a:buFont typeface="Arial" panose="020B0604020202020204" pitchFamily="34" charset="0"/>
+              <a:buChar char="•"/>
+              <a:defRPr lang="en-US" sz="1200" kern="1200">
+                <a:solidFill>
+                  <a:schemeClr val="tx1">
+                    <a:lumMod val="75000"/>
+                    <a:lumOff val="25000"/>
+                  </a:schemeClr>
+                </a:solidFill>
+                <a:latin typeface="+mn-lt"/>
+                <a:ea typeface="+mn-ea"/>
+                <a:cs typeface="+mn-cs"/>
+              </a:defRPr>
+            </a:lvl5pPr>
+            <a:lvl6pPr marL="2514600" indent="-228600" algn="l" defTabSz="914400" rtl="0" eaLnBrk="1" latinLnBrk="0" hangingPunct="1">
+              <a:lnSpc>
+                <a:spcPct val="90000"/>
+              </a:lnSpc>
+              <a:spcBef>
+                <a:spcPct val="30000"/>
+              </a:spcBef>
+              <a:buFont typeface="Arial" panose="020B0604020202020204" pitchFamily="34" charset="0"/>
+              <a:buChar char="•"/>
+              <a:defRPr sz="1800" kern="1200">
+                <a:solidFill>
+                  <a:schemeClr val="tx1"/>
+                </a:solidFill>
+                <a:latin typeface="+mn-lt"/>
+                <a:ea typeface="+mn-ea"/>
+                <a:cs typeface="+mn-cs"/>
+              </a:defRPr>
+            </a:lvl6pPr>
+            <a:lvl7pPr marL="2971800" indent="-228600" algn="l" defTabSz="914400" rtl="0" eaLnBrk="1" latinLnBrk="0" hangingPunct="1">
+              <a:lnSpc>
+                <a:spcPct val="90000"/>
+              </a:lnSpc>
+              <a:spcBef>
+                <a:spcPct val="30000"/>
+              </a:spcBef>
+              <a:buFont typeface="Arial" panose="020B0604020202020204" pitchFamily="34" charset="0"/>
+              <a:buChar char="•"/>
+              <a:defRPr sz="1800" kern="1200">
+                <a:solidFill>
+                  <a:schemeClr val="tx1"/>
+                </a:solidFill>
+                <a:latin typeface="+mn-lt"/>
+                <a:ea typeface="+mn-ea"/>
+                <a:cs typeface="+mn-cs"/>
+              </a:defRPr>
+            </a:lvl7pPr>
+            <a:lvl8pPr marL="3429000" indent="-228600" algn="l" defTabSz="914400" rtl="0" eaLnBrk="1" latinLnBrk="0" hangingPunct="1">
+              <a:lnSpc>
+                <a:spcPct val="90000"/>
+              </a:lnSpc>
+              <a:spcBef>
+                <a:spcPct val="30000"/>
+              </a:spcBef>
+              <a:buFont typeface="Arial" panose="020B0604020202020204" pitchFamily="34" charset="0"/>
+              <a:buChar char="•"/>
+              <a:defRPr sz="1800" kern="1200">
+                <a:solidFill>
+                  <a:schemeClr val="tx1"/>
+                </a:solidFill>
+                <a:latin typeface="+mn-lt"/>
+                <a:ea typeface="+mn-ea"/>
+                <a:cs typeface="+mn-cs"/>
+              </a:defRPr>
+            </a:lvl8pPr>
+            <a:lvl9pPr marL="3886200" indent="-228600" algn="l" defTabSz="914400" rtl="0" eaLnBrk="1" latinLnBrk="0" hangingPunct="1">
+              <a:lnSpc>
+                <a:spcPct val="90000"/>
+              </a:lnSpc>
+              <a:spcBef>
+                <a:spcPct val="30000"/>
+              </a:spcBef>
+              <a:buFont typeface="Arial" panose="020B0604020202020204" pitchFamily="34" charset="0"/>
+              <a:buChar char="•"/>
+              <a:defRPr sz="1800" kern="1200">
+                <a:solidFill>
+                  <a:schemeClr val="tx1"/>
+                </a:solidFill>
+                <a:latin typeface="+mn-lt"/>
+                <a:ea typeface="+mn-ea"/>
+                <a:cs typeface="+mn-cs"/>
+              </a:defRPr>
+            </a:lvl9pPr>
+          </a:lstStyle>
           <a:p>
             <a:pPr marL="0" lvl="0" indent="0" rtl="0">
-              <a:spcAft>
-                <a:spcPts val="600"/>
+              <a:lnSpc>
+                <a:spcPct val="100000"/>
+              </a:lnSpc>
+              <a:spcAft>
+                <a:spcPts val="2000"/>
               </a:spcAft>
               <a:buNone/>
               <a:defRPr/>
             </a:pPr>
             <a:r>
               <a:rPr lang="de-DE" sz="1100" dirty="0">
+                <a:solidFill>
+                  <a:prstClr val="black">
+                    <a:lumMod val="75000"/>
+                    <a:lumOff val="25000"/>
+                  </a:prstClr>
+                </a:solidFill>
                 <a:latin typeface="Segoe UI" panose="020B0502040204020203" pitchFamily="34" charset="0"/>
                 <a:cs typeface="Segoe UI" panose="020B0502040204020203" pitchFamily="34" charset="0"/>
               </a:rPr>
-              <a:t>Das Feature Designer ist nur im Abonnement verfügbar. </a:t>
+              <a:t>Zugehörige Balkendiagramme mit Konfidenzintervallen</a:t>
+            </a:r>
+          </a:p>
+        </p:txBody>
+      </p:sp>
+      <p:grpSp>
+        <p:nvGrpSpPr>
+          <p:cNvPr id="22" name="Gruppieren 21" descr="Kleiner Kreis mit enthaltener Zahl 3 zur Angabe von Schritt 3"/>
+          <p:cNvGrpSpPr/>
+          <p:nvPr/>
+        </p:nvGrpSpPr>
+        <p:grpSpPr bwMode="blackWhite">
+          <a:xfrm>
+            <a:off x="522808" y="2732635"/>
+            <a:ext cx="558179" cy="409838"/>
+            <a:chOff x="6953426" y="711274"/>
+            <a:chExt cx="558179" cy="409838"/>
+          </a:xfrm>
+        </p:grpSpPr>
+        <p:sp>
+          <p:nvSpPr>
+            <p:cNvPr id="24" name="Ellipse 23" descr="Kleiner Kreis"/>
+            <p:cNvSpPr/>
+            <p:nvPr/>
+          </p:nvSpPr>
+          <p:spPr bwMode="blackWhite">
+            <a:xfrm>
+              <a:off x="7025069" y="711274"/>
+              <a:ext cx="409838" cy="409838"/>
+            </a:xfrm>
+            <a:prstGeom prst="ellipse">
+              <a:avLst/>
+            </a:prstGeom>
+            <a:solidFill>
+              <a:srgbClr val="D24726"/>
+            </a:solidFill>
+            <a:ln>
+              <a:noFill/>
+            </a:ln>
+          </p:spPr>
+          <p:style>
+            <a:lnRef idx="2">
+              <a:schemeClr val="accent1">
+                <a:shade val="50000"/>
+              </a:schemeClr>
+            </a:lnRef>
+            <a:fillRef idx="1">
+              <a:schemeClr val="accent1"/>
+            </a:fillRef>
+            <a:effectRef idx="0">
+              <a:schemeClr val="accent1"/>
+            </a:effectRef>
+            <a:fontRef idx="minor">
+              <a:schemeClr val="lt1"/>
+            </a:fontRef>
+          </p:style>
+          <p:txBody>
+            <a:bodyPr rtlCol="0" anchor="ctr"/>
+            <a:lstStyle/>
+            <a:p>
+              <a:pPr algn="ctr" rtl="0"/>
+              <a:endParaRPr lang="de-DE"/>
+            </a:p>
+          </p:txBody>
+        </p:sp>
+        <p:sp>
+          <p:nvSpPr>
+            <p:cNvPr id="30" name="Textfeld 29" descr="Zahl 3"/>
+            <p:cNvSpPr txBox="1">
+              <a:spLocks noChangeAspect="1"/>
+            </p:cNvSpPr>
+            <p:nvPr/>
+          </p:nvSpPr>
+          <p:spPr bwMode="blackWhite">
+            <a:xfrm>
+              <a:off x="6953426" y="727564"/>
+              <a:ext cx="558179" cy="369332"/>
+            </a:xfrm>
+            <a:prstGeom prst="rect">
+              <a:avLst/>
+            </a:prstGeom>
+            <a:noFill/>
+          </p:spPr>
+          <p:txBody>
+            <a:bodyPr wrap="square" rtlCol="0">
+              <a:spAutoFit/>
+            </a:bodyPr>
+            <a:lstStyle/>
+            <a:p>
+              <a:pPr algn="ctr" rtl="0"/>
+              <a:r>
+                <a:rPr lang="de-DE" dirty="0">
+                  <a:solidFill>
+                    <a:schemeClr val="bg1"/>
+                  </a:solidFill>
+                  <a:latin typeface="Segoe UI Semibold" panose="020B0702040204020203" pitchFamily="34" charset="0"/>
+                  <a:cs typeface="Segoe UI Semibold" panose="020B0702040204020203" pitchFamily="34" charset="0"/>
+                </a:rPr>
+                <a:t>3</a:t>
+              </a:r>
+            </a:p>
+          </p:txBody>
+        </p:sp>
+      </p:grpSp>
+      <p:sp>
+        <p:nvSpPr>
+          <p:cNvPr id="32" name="Inhaltsplatzhalter 17"/>
+          <p:cNvSpPr txBox="1">
+            <a:spLocks/>
+          </p:cNvSpPr>
+          <p:nvPr/>
+        </p:nvSpPr>
+        <p:spPr>
+          <a:xfrm>
+            <a:off x="1047770" y="2745393"/>
+            <a:ext cx="5303098" cy="1672700"/>
+          </a:xfrm>
+          <a:prstGeom prst="rect">
+            <a:avLst/>
+          </a:prstGeom>
+        </p:spPr>
+        <p:txBody>
+          <a:bodyPr vert="horz" lIns="91440" tIns="45720" rIns="91440" bIns="45720" rtlCol="0">
+            <a:normAutofit/>
+          </a:bodyPr>
+          <a:lstStyle>
+            <a:lvl1pPr marL="228600" indent="-228600" algn="l" defTabSz="914400" rtl="0" eaLnBrk="1" latinLnBrk="0" hangingPunct="1">
+              <a:lnSpc>
+                <a:spcPts val="1800"/>
+              </a:lnSpc>
+              <a:spcBef>
+                <a:spcPts val="1000"/>
+              </a:spcBef>
+              <a:spcAft>
+                <a:spcPts val="1000"/>
+              </a:spcAft>
+              <a:buFont typeface="Arial" panose="020B0604020202020204" pitchFamily="34" charset="0"/>
+              <a:buChar char="•"/>
+              <a:defRPr lang="en-US" sz="1200" kern="1200" smtClean="0">
+                <a:solidFill>
+                  <a:schemeClr val="tx1">
+                    <a:lumMod val="75000"/>
+                    <a:lumOff val="25000"/>
+                  </a:schemeClr>
+                </a:solidFill>
+                <a:latin typeface="+mn-lt"/>
+                <a:ea typeface="+mn-ea"/>
+                <a:cs typeface="+mn-cs"/>
+              </a:defRPr>
+            </a:lvl1pPr>
+            <a:lvl2pPr marL="685800" indent="-228600" algn="l" defTabSz="914400" rtl="0" eaLnBrk="1" latinLnBrk="0" hangingPunct="1">
+              <a:lnSpc>
+                <a:spcPts val="1800"/>
+              </a:lnSpc>
+              <a:spcBef>
+                <a:spcPts val="1000"/>
+              </a:spcBef>
+              <a:spcAft>
+                <a:spcPts val="1000"/>
+              </a:spcAft>
+              <a:buFont typeface="Arial" panose="020B0604020202020204" pitchFamily="34" charset="0"/>
+              <a:buChar char="•"/>
+              <a:defRPr lang="en-US" sz="1200" kern="1200" smtClean="0">
+                <a:solidFill>
+                  <a:schemeClr val="tx1">
+                    <a:lumMod val="75000"/>
+                    <a:lumOff val="25000"/>
+                  </a:schemeClr>
+                </a:solidFill>
+                <a:latin typeface="+mn-lt"/>
+                <a:ea typeface="+mn-ea"/>
+                <a:cs typeface="+mn-cs"/>
+              </a:defRPr>
+            </a:lvl2pPr>
+            <a:lvl3pPr marL="1143000" indent="-228600" algn="l" defTabSz="914400" rtl="0" eaLnBrk="1" latinLnBrk="0" hangingPunct="1">
+              <a:lnSpc>
+                <a:spcPts val="1800"/>
+              </a:lnSpc>
+              <a:spcBef>
+                <a:spcPts val="1000"/>
+              </a:spcBef>
+              <a:spcAft>
+                <a:spcPts val="1000"/>
+              </a:spcAft>
+              <a:buFont typeface="Arial" panose="020B0604020202020204" pitchFamily="34" charset="0"/>
+              <a:buChar char="•"/>
+              <a:defRPr lang="en-US" sz="1200" kern="1200" smtClean="0">
+                <a:solidFill>
+                  <a:schemeClr val="tx1">
+                    <a:lumMod val="75000"/>
+                    <a:lumOff val="25000"/>
+                  </a:schemeClr>
+                </a:solidFill>
+                <a:latin typeface="+mn-lt"/>
+                <a:ea typeface="+mn-ea"/>
+                <a:cs typeface="+mn-cs"/>
+              </a:defRPr>
+            </a:lvl3pPr>
+            <a:lvl4pPr marL="1600200" indent="-228600" algn="l" defTabSz="914400" rtl="0" eaLnBrk="1" latinLnBrk="0" hangingPunct="1">
+              <a:lnSpc>
+                <a:spcPts val="1800"/>
+              </a:lnSpc>
+              <a:spcBef>
+                <a:spcPts val="1000"/>
+              </a:spcBef>
+              <a:spcAft>
+                <a:spcPts val="1000"/>
+              </a:spcAft>
+              <a:buFont typeface="Arial" panose="020B0604020202020204" pitchFamily="34" charset="0"/>
+              <a:buChar char="•"/>
+              <a:defRPr lang="en-US" sz="1200" kern="1200" smtClean="0">
+                <a:solidFill>
+                  <a:schemeClr val="tx1">
+                    <a:lumMod val="75000"/>
+                    <a:lumOff val="25000"/>
+                  </a:schemeClr>
+                </a:solidFill>
+                <a:latin typeface="+mn-lt"/>
+                <a:ea typeface="+mn-ea"/>
+                <a:cs typeface="+mn-cs"/>
+              </a:defRPr>
+            </a:lvl4pPr>
+            <a:lvl5pPr marL="2057400" indent="-228600" algn="l" defTabSz="914400" rtl="0" eaLnBrk="1" latinLnBrk="0" hangingPunct="1">
+              <a:lnSpc>
+                <a:spcPts val="1800"/>
+              </a:lnSpc>
+              <a:spcBef>
+                <a:spcPts val="1000"/>
+              </a:spcBef>
+              <a:spcAft>
+                <a:spcPts val="1000"/>
+              </a:spcAft>
+              <a:buFont typeface="Arial" panose="020B0604020202020204" pitchFamily="34" charset="0"/>
+              <a:buChar char="•"/>
+              <a:defRPr lang="en-US" sz="1200" kern="1200">
+                <a:solidFill>
+                  <a:schemeClr val="tx1">
+                    <a:lumMod val="75000"/>
+                    <a:lumOff val="25000"/>
+                  </a:schemeClr>
+                </a:solidFill>
+                <a:latin typeface="+mn-lt"/>
+                <a:ea typeface="+mn-ea"/>
+                <a:cs typeface="+mn-cs"/>
+              </a:defRPr>
+            </a:lvl5pPr>
+            <a:lvl6pPr marL="2514600" indent="-228600" algn="l" defTabSz="914400" rtl="0" eaLnBrk="1" latinLnBrk="0" hangingPunct="1">
+              <a:lnSpc>
+                <a:spcPct val="90000"/>
+              </a:lnSpc>
+              <a:spcBef>
+                <a:spcPct val="30000"/>
+              </a:spcBef>
+              <a:buFont typeface="Arial" panose="020B0604020202020204" pitchFamily="34" charset="0"/>
+              <a:buChar char="•"/>
+              <a:defRPr sz="1800" kern="1200">
+                <a:solidFill>
+                  <a:schemeClr val="tx1"/>
+                </a:solidFill>
+                <a:latin typeface="+mn-lt"/>
+                <a:ea typeface="+mn-ea"/>
+                <a:cs typeface="+mn-cs"/>
+              </a:defRPr>
+            </a:lvl6pPr>
+            <a:lvl7pPr marL="2971800" indent="-228600" algn="l" defTabSz="914400" rtl="0" eaLnBrk="1" latinLnBrk="0" hangingPunct="1">
+              <a:lnSpc>
+                <a:spcPct val="90000"/>
+              </a:lnSpc>
+              <a:spcBef>
+                <a:spcPct val="30000"/>
+              </a:spcBef>
+              <a:buFont typeface="Arial" panose="020B0604020202020204" pitchFamily="34" charset="0"/>
+              <a:buChar char="•"/>
+              <a:defRPr sz="1800" kern="1200">
+                <a:solidFill>
+                  <a:schemeClr val="tx1"/>
+                </a:solidFill>
+                <a:latin typeface="+mn-lt"/>
+                <a:ea typeface="+mn-ea"/>
+                <a:cs typeface="+mn-cs"/>
+              </a:defRPr>
+            </a:lvl7pPr>
+            <a:lvl8pPr marL="3429000" indent="-228600" algn="l" defTabSz="914400" rtl="0" eaLnBrk="1" latinLnBrk="0" hangingPunct="1">
+              <a:lnSpc>
+                <a:spcPct val="90000"/>
+              </a:lnSpc>
+              <a:spcBef>
+                <a:spcPct val="30000"/>
+              </a:spcBef>
+              <a:buFont typeface="Arial" panose="020B0604020202020204" pitchFamily="34" charset="0"/>
+              <a:buChar char="•"/>
+              <a:defRPr sz="1800" kern="1200">
+                <a:solidFill>
+                  <a:schemeClr val="tx1"/>
+                </a:solidFill>
+                <a:latin typeface="+mn-lt"/>
+                <a:ea typeface="+mn-ea"/>
+                <a:cs typeface="+mn-cs"/>
+              </a:defRPr>
+            </a:lvl8pPr>
+            <a:lvl9pPr marL="3886200" indent="-228600" algn="l" defTabSz="914400" rtl="0" eaLnBrk="1" latinLnBrk="0" hangingPunct="1">
+              <a:lnSpc>
+                <a:spcPct val="90000"/>
+              </a:lnSpc>
+              <a:spcBef>
+                <a:spcPct val="30000"/>
+              </a:spcBef>
+              <a:buFont typeface="Arial" panose="020B0604020202020204" pitchFamily="34" charset="0"/>
+              <a:buChar char="•"/>
+              <a:defRPr sz="1800" kern="1200">
+                <a:solidFill>
+                  <a:schemeClr val="tx1"/>
+                </a:solidFill>
+                <a:latin typeface="+mn-lt"/>
+                <a:ea typeface="+mn-ea"/>
+                <a:cs typeface="+mn-cs"/>
+              </a:defRPr>
+            </a:lvl9pPr>
+          </a:lstStyle>
+          <a:p>
+            <a:pPr marL="0" lvl="0" indent="0" rtl="0">
+              <a:lnSpc>
+                <a:spcPct val="100000"/>
+              </a:lnSpc>
+              <a:spcAft>
+                <a:spcPts val="600"/>
+              </a:spcAft>
+              <a:buNone/>
+              <a:defRPr/>
+            </a:pPr>
+            <a:r>
+              <a:rPr lang="de-DE" sz="1100" dirty="0">
+                <a:solidFill>
+                  <a:prstClr val="black">
+                    <a:lumMod val="75000"/>
+                    <a:lumOff val="25000"/>
+                  </a:prstClr>
+                </a:solidFill>
+                <a:latin typeface="Segoe UI" panose="020B0502040204020203" pitchFamily="34" charset="0"/>
+                <a:cs typeface="Segoe UI" panose="020B0502040204020203" pitchFamily="34" charset="0"/>
+              </a:rPr>
+              <a:t>Optimierung eines linearen Modells</a:t>
+            </a:r>
+          </a:p>
+          <a:p>
+            <a:pPr lvl="1">
+              <a:lnSpc>
+                <a:spcPct val="100000"/>
+              </a:lnSpc>
+              <a:spcAft>
+                <a:spcPts val="600"/>
+              </a:spcAft>
+              <a:buAutoNum type="alphaLcParenR"/>
+              <a:defRPr/>
+            </a:pPr>
+            <a:r>
+              <a:rPr lang="de-DE" sz="1100" dirty="0">
+                <a:solidFill>
+                  <a:prstClr val="black">
+                    <a:lumMod val="75000"/>
+                    <a:lumOff val="25000"/>
+                  </a:prstClr>
+                </a:solidFill>
+                <a:cs typeface="Segoe UI"/>
+              </a:rPr>
+              <a:t>Modellgleichung</a:t>
+            </a:r>
+          </a:p>
+          <a:p>
+            <a:pPr lvl="1">
+              <a:lnSpc>
+                <a:spcPct val="100000"/>
+              </a:lnSpc>
+              <a:spcAft>
+                <a:spcPts val="600"/>
+              </a:spcAft>
+              <a:buAutoNum type="alphaLcParenR"/>
+              <a:defRPr/>
+            </a:pPr>
+            <a:r>
+              <a:rPr lang="de-DE" sz="1100" dirty="0" err="1">
+                <a:solidFill>
+                  <a:prstClr val="black">
+                    <a:lumMod val="75000"/>
+                    <a:lumOff val="25000"/>
+                  </a:prstClr>
+                </a:solidFill>
+                <a:cs typeface="Segoe UI"/>
+              </a:rPr>
+              <a:t>Adjusted</a:t>
             </a:r>
             <a:r>
               <a:rPr lang="de-DE" sz="1100" dirty="0">
@@ -3452,12 +4383,456 @@
                     <a:lumOff val="25000"/>
                   </a:prstClr>
                 </a:solidFill>
+                <a:cs typeface="Segoe UI"/>
+              </a:rPr>
+              <a:t> R²</a:t>
+            </a:r>
+          </a:p>
+          <a:p>
+            <a:pPr lvl="1">
+              <a:lnSpc>
+                <a:spcPct val="100000"/>
+              </a:lnSpc>
+              <a:spcAft>
+                <a:spcPts val="600"/>
+              </a:spcAft>
+              <a:buAutoNum type="alphaLcParenR"/>
+              <a:defRPr/>
+            </a:pPr>
+            <a:r>
+              <a:rPr lang="de-DE" sz="1100" dirty="0">
+                <a:solidFill>
+                  <a:prstClr val="black">
+                    <a:lumMod val="75000"/>
+                    <a:lumOff val="25000"/>
+                  </a:prstClr>
+                </a:solidFill>
+                <a:cs typeface="Segoe UI"/>
+              </a:rPr>
+              <a:t>MAPE für den Zeitraum 09.06.2019 - 30.07.2019</a:t>
+            </a:r>
+          </a:p>
+        </p:txBody>
+      </p:sp>
+      <p:grpSp>
+        <p:nvGrpSpPr>
+          <p:cNvPr id="37" name="Gruppieren 36" descr="Kleiner Kreis mit enthaltener Zahl 4 zur Angabe von Schritt 4"/>
+          <p:cNvGrpSpPr/>
+          <p:nvPr/>
+        </p:nvGrpSpPr>
+        <p:grpSpPr bwMode="blackWhite">
+          <a:xfrm>
+            <a:off x="522808" y="4121197"/>
+            <a:ext cx="558179" cy="409838"/>
+            <a:chOff x="6953426" y="711274"/>
+            <a:chExt cx="558179" cy="409838"/>
+          </a:xfrm>
+        </p:grpSpPr>
+        <p:sp>
+          <p:nvSpPr>
+            <p:cNvPr id="38" name="Ellipse 37" descr="Kleiner Kreis"/>
+            <p:cNvSpPr/>
+            <p:nvPr/>
+          </p:nvSpPr>
+          <p:spPr bwMode="blackWhite">
+            <a:xfrm>
+              <a:off x="7025069" y="711274"/>
+              <a:ext cx="409838" cy="409838"/>
+            </a:xfrm>
+            <a:prstGeom prst="ellipse">
+              <a:avLst/>
+            </a:prstGeom>
+            <a:solidFill>
+              <a:srgbClr val="D24726"/>
+            </a:solidFill>
+            <a:ln>
+              <a:noFill/>
+            </a:ln>
+          </p:spPr>
+          <p:style>
+            <a:lnRef idx="2">
+              <a:schemeClr val="accent1">
+                <a:shade val="50000"/>
+              </a:schemeClr>
+            </a:lnRef>
+            <a:fillRef idx="1">
+              <a:schemeClr val="accent1"/>
+            </a:fillRef>
+            <a:effectRef idx="0">
+              <a:schemeClr val="accent1"/>
+            </a:effectRef>
+            <a:fontRef idx="minor">
+              <a:schemeClr val="lt1"/>
+            </a:fontRef>
+          </p:style>
+          <p:txBody>
+            <a:bodyPr rtlCol="0" anchor="ctr"/>
+            <a:lstStyle/>
+            <a:p>
+              <a:pPr algn="ctr" rtl="0"/>
+              <a:endParaRPr lang="de-DE"/>
+            </a:p>
+          </p:txBody>
+        </p:sp>
+        <p:sp>
+          <p:nvSpPr>
+            <p:cNvPr id="39" name="Textfeld 38" descr="Zahl 4"/>
+            <p:cNvSpPr txBox="1">
+              <a:spLocks noChangeAspect="1"/>
+            </p:cNvSpPr>
+            <p:nvPr/>
+          </p:nvSpPr>
+          <p:spPr bwMode="blackWhite">
+            <a:xfrm>
+              <a:off x="6953426" y="727564"/>
+              <a:ext cx="558179" cy="369332"/>
+            </a:xfrm>
+            <a:prstGeom prst="rect">
+              <a:avLst/>
+            </a:prstGeom>
+            <a:noFill/>
+          </p:spPr>
+          <p:txBody>
+            <a:bodyPr wrap="square" rtlCol="0">
+              <a:spAutoFit/>
+            </a:bodyPr>
+            <a:lstStyle/>
+            <a:p>
+              <a:pPr algn="ctr" rtl="0"/>
+              <a:r>
+                <a:rPr lang="de-DE" dirty="0">
+                  <a:solidFill>
+                    <a:schemeClr val="bg1"/>
+                  </a:solidFill>
+                  <a:latin typeface="Segoe UI Semibold" panose="020B0702040204020203" pitchFamily="34" charset="0"/>
+                  <a:cs typeface="Segoe UI Semibold" panose="020B0702040204020203" pitchFamily="34" charset="0"/>
+                </a:rPr>
+                <a:t>4</a:t>
+              </a:r>
+            </a:p>
+          </p:txBody>
+        </p:sp>
+      </p:grpSp>
+      <p:sp>
+        <p:nvSpPr>
+          <p:cNvPr id="40" name="Inhaltsplatzhalter 17"/>
+          <p:cNvSpPr txBox="1">
+            <a:spLocks/>
+          </p:cNvSpPr>
+          <p:nvPr/>
+        </p:nvSpPr>
+        <p:spPr>
+          <a:xfrm>
+            <a:off x="1045242" y="4226433"/>
+            <a:ext cx="5303098" cy="2363638"/>
+          </a:xfrm>
+          <a:prstGeom prst="rect">
+            <a:avLst/>
+          </a:prstGeom>
+        </p:spPr>
+        <p:txBody>
+          <a:bodyPr vert="horz" lIns="91440" tIns="45720" rIns="91440" bIns="45720" rtlCol="0">
+            <a:normAutofit/>
+          </a:bodyPr>
+          <a:lstStyle>
+            <a:lvl1pPr marL="228600" indent="-228600" algn="l" defTabSz="914400" rtl="0" eaLnBrk="1" latinLnBrk="0" hangingPunct="1">
+              <a:lnSpc>
+                <a:spcPts val="1800"/>
+              </a:lnSpc>
+              <a:spcBef>
+                <a:spcPts val="1000"/>
+              </a:spcBef>
+              <a:spcAft>
+                <a:spcPts val="1000"/>
+              </a:spcAft>
+              <a:buFont typeface="Arial" panose="020B0604020202020204" pitchFamily="34" charset="0"/>
+              <a:buChar char="•"/>
+              <a:defRPr lang="en-US" sz="1200" kern="1200" smtClean="0">
+                <a:solidFill>
+                  <a:schemeClr val="tx1">
+                    <a:lumMod val="75000"/>
+                    <a:lumOff val="25000"/>
+                  </a:schemeClr>
+                </a:solidFill>
+                <a:latin typeface="+mn-lt"/>
+                <a:ea typeface="+mn-ea"/>
+                <a:cs typeface="+mn-cs"/>
+              </a:defRPr>
+            </a:lvl1pPr>
+            <a:lvl2pPr marL="685800" indent="-228600" algn="l" defTabSz="914400" rtl="0" eaLnBrk="1" latinLnBrk="0" hangingPunct="1">
+              <a:lnSpc>
+                <a:spcPts val="1800"/>
+              </a:lnSpc>
+              <a:spcBef>
+                <a:spcPts val="1000"/>
+              </a:spcBef>
+              <a:spcAft>
+                <a:spcPts val="1000"/>
+              </a:spcAft>
+              <a:buFont typeface="Arial" panose="020B0604020202020204" pitchFamily="34" charset="0"/>
+              <a:buChar char="•"/>
+              <a:defRPr lang="en-US" sz="1200" kern="1200" smtClean="0">
+                <a:solidFill>
+                  <a:schemeClr val="tx1">
+                    <a:lumMod val="75000"/>
+                    <a:lumOff val="25000"/>
+                  </a:schemeClr>
+                </a:solidFill>
+                <a:latin typeface="+mn-lt"/>
+                <a:ea typeface="+mn-ea"/>
+                <a:cs typeface="+mn-cs"/>
+              </a:defRPr>
+            </a:lvl2pPr>
+            <a:lvl3pPr marL="1143000" indent="-228600" algn="l" defTabSz="914400" rtl="0" eaLnBrk="1" latinLnBrk="0" hangingPunct="1">
+              <a:lnSpc>
+                <a:spcPts val="1800"/>
+              </a:lnSpc>
+              <a:spcBef>
+                <a:spcPts val="1000"/>
+              </a:spcBef>
+              <a:spcAft>
+                <a:spcPts val="1000"/>
+              </a:spcAft>
+              <a:buFont typeface="Arial" panose="020B0604020202020204" pitchFamily="34" charset="0"/>
+              <a:buChar char="•"/>
+              <a:defRPr lang="en-US" sz="1200" kern="1200" smtClean="0">
+                <a:solidFill>
+                  <a:schemeClr val="tx1">
+                    <a:lumMod val="75000"/>
+                    <a:lumOff val="25000"/>
+                  </a:schemeClr>
+                </a:solidFill>
+                <a:latin typeface="+mn-lt"/>
+                <a:ea typeface="+mn-ea"/>
+                <a:cs typeface="+mn-cs"/>
+              </a:defRPr>
+            </a:lvl3pPr>
+            <a:lvl4pPr marL="1600200" indent="-228600" algn="l" defTabSz="914400" rtl="0" eaLnBrk="1" latinLnBrk="0" hangingPunct="1">
+              <a:lnSpc>
+                <a:spcPts val="1800"/>
+              </a:lnSpc>
+              <a:spcBef>
+                <a:spcPts val="1000"/>
+              </a:spcBef>
+              <a:spcAft>
+                <a:spcPts val="1000"/>
+              </a:spcAft>
+              <a:buFont typeface="Arial" panose="020B0604020202020204" pitchFamily="34" charset="0"/>
+              <a:buChar char="•"/>
+              <a:defRPr lang="en-US" sz="1200" kern="1200" smtClean="0">
+                <a:solidFill>
+                  <a:schemeClr val="tx1">
+                    <a:lumMod val="75000"/>
+                    <a:lumOff val="25000"/>
+                  </a:schemeClr>
+                </a:solidFill>
+                <a:latin typeface="+mn-lt"/>
+                <a:ea typeface="+mn-ea"/>
+                <a:cs typeface="+mn-cs"/>
+              </a:defRPr>
+            </a:lvl4pPr>
+            <a:lvl5pPr marL="2057400" indent="-228600" algn="l" defTabSz="914400" rtl="0" eaLnBrk="1" latinLnBrk="0" hangingPunct="1">
+              <a:lnSpc>
+                <a:spcPts val="1800"/>
+              </a:lnSpc>
+              <a:spcBef>
+                <a:spcPts val="1000"/>
+              </a:spcBef>
+              <a:spcAft>
+                <a:spcPts val="1000"/>
+              </a:spcAft>
+              <a:buFont typeface="Arial" panose="020B0604020202020204" pitchFamily="34" charset="0"/>
+              <a:buChar char="•"/>
+              <a:defRPr lang="en-US" sz="1200" kern="1200">
+                <a:solidFill>
+                  <a:schemeClr val="tx1">
+                    <a:lumMod val="75000"/>
+                    <a:lumOff val="25000"/>
+                  </a:schemeClr>
+                </a:solidFill>
+                <a:latin typeface="+mn-lt"/>
+                <a:ea typeface="+mn-ea"/>
+                <a:cs typeface="+mn-cs"/>
+              </a:defRPr>
+            </a:lvl5pPr>
+            <a:lvl6pPr marL="2514600" indent="-228600" algn="l" defTabSz="914400" rtl="0" eaLnBrk="1" latinLnBrk="0" hangingPunct="1">
+              <a:lnSpc>
+                <a:spcPct val="90000"/>
+              </a:lnSpc>
+              <a:spcBef>
+                <a:spcPct val="30000"/>
+              </a:spcBef>
+              <a:buFont typeface="Arial" panose="020B0604020202020204" pitchFamily="34" charset="0"/>
+              <a:buChar char="•"/>
+              <a:defRPr sz="1800" kern="1200">
+                <a:solidFill>
+                  <a:schemeClr val="tx1"/>
+                </a:solidFill>
+                <a:latin typeface="+mn-lt"/>
+                <a:ea typeface="+mn-ea"/>
+                <a:cs typeface="+mn-cs"/>
+              </a:defRPr>
+            </a:lvl6pPr>
+            <a:lvl7pPr marL="2971800" indent="-228600" algn="l" defTabSz="914400" rtl="0" eaLnBrk="1" latinLnBrk="0" hangingPunct="1">
+              <a:lnSpc>
+                <a:spcPct val="90000"/>
+              </a:lnSpc>
+              <a:spcBef>
+                <a:spcPct val="30000"/>
+              </a:spcBef>
+              <a:buFont typeface="Arial" panose="020B0604020202020204" pitchFamily="34" charset="0"/>
+              <a:buChar char="•"/>
+              <a:defRPr sz="1800" kern="1200">
+                <a:solidFill>
+                  <a:schemeClr val="tx1"/>
+                </a:solidFill>
+                <a:latin typeface="+mn-lt"/>
+                <a:ea typeface="+mn-ea"/>
+                <a:cs typeface="+mn-cs"/>
+              </a:defRPr>
+            </a:lvl7pPr>
+            <a:lvl8pPr marL="3429000" indent="-228600" algn="l" defTabSz="914400" rtl="0" eaLnBrk="1" latinLnBrk="0" hangingPunct="1">
+              <a:lnSpc>
+                <a:spcPct val="90000"/>
+              </a:lnSpc>
+              <a:spcBef>
+                <a:spcPct val="30000"/>
+              </a:spcBef>
+              <a:buFont typeface="Arial" panose="020B0604020202020204" pitchFamily="34" charset="0"/>
+              <a:buChar char="•"/>
+              <a:defRPr sz="1800" kern="1200">
+                <a:solidFill>
+                  <a:schemeClr val="tx1"/>
+                </a:solidFill>
+                <a:latin typeface="+mn-lt"/>
+                <a:ea typeface="+mn-ea"/>
+                <a:cs typeface="+mn-cs"/>
+              </a:defRPr>
+            </a:lvl8pPr>
+            <a:lvl9pPr marL="3886200" indent="-228600" algn="l" defTabSz="914400" rtl="0" eaLnBrk="1" latinLnBrk="0" hangingPunct="1">
+              <a:lnSpc>
+                <a:spcPct val="90000"/>
+              </a:lnSpc>
+              <a:spcBef>
+                <a:spcPct val="30000"/>
+              </a:spcBef>
+              <a:buFont typeface="Arial" panose="020B0604020202020204" pitchFamily="34" charset="0"/>
+              <a:buChar char="•"/>
+              <a:defRPr sz="1800" kern="1200">
+                <a:solidFill>
+                  <a:schemeClr val="tx1"/>
+                </a:solidFill>
+                <a:latin typeface="+mn-lt"/>
+                <a:ea typeface="+mn-ea"/>
+                <a:cs typeface="+mn-cs"/>
+              </a:defRPr>
+            </a:lvl9pPr>
+          </a:lstStyle>
+          <a:p>
+            <a:pPr marL="0" lvl="0" indent="0" rtl="0">
+              <a:lnSpc>
+                <a:spcPct val="100000"/>
+              </a:lnSpc>
+              <a:spcAft>
+                <a:spcPts val="2000"/>
+              </a:spcAft>
+              <a:buNone/>
+              <a:defRPr/>
+            </a:pPr>
+            <a:r>
+              <a:rPr lang="de-DE" sz="1100" dirty="0">
+                <a:solidFill>
+                  <a:prstClr val="black">
+                    <a:lumMod val="75000"/>
+                    <a:lumOff val="25000"/>
+                  </a:prstClr>
+                </a:solidFill>
                 <a:latin typeface="Segoe UI" panose="020B0502040204020203" pitchFamily="34" charset="0"/>
                 <a:cs typeface="Segoe UI" panose="020B0502040204020203" pitchFamily="34" charset="0"/>
               </a:rPr>
-              <a:t>Wenn Sie über ein Office 365-Abonnement verfügen, sehen Sie auf der nächsten Folie anhand einer neuen Präsentation, wie es funktioniert.</a:t>
+              <a:t>Optimierung eines neuronalen Netzes</a:t>
+            </a:r>
+          </a:p>
+          <a:p>
+            <a:pPr lvl="1">
+              <a:lnSpc>
+                <a:spcPct val="100000"/>
+              </a:lnSpc>
+              <a:spcAft>
+                <a:spcPts val="2000"/>
+              </a:spcAft>
+              <a:buAutoNum type="alphaLcParenR"/>
+              <a:defRPr/>
+            </a:pPr>
+            <a:r>
+              <a:rPr lang="de-DE" sz="1100" dirty="0">
+                <a:solidFill>
+                  <a:prstClr val="black">
+                    <a:lumMod val="75000"/>
+                    <a:lumOff val="25000"/>
+                  </a:prstClr>
+                </a:solidFill>
+                <a:latin typeface="Segoe UI" panose="020B0502040204020203" pitchFamily="34" charset="0"/>
+                <a:cs typeface="Segoe UI" panose="020B0502040204020203" pitchFamily="34" charset="0"/>
+              </a:rPr>
+              <a:t>Source Code</a:t>
+            </a:r>
+          </a:p>
+          <a:p>
+            <a:pPr lvl="1">
+              <a:lnSpc>
+                <a:spcPct val="100000"/>
+              </a:lnSpc>
+              <a:spcAft>
+                <a:spcPts val="2000"/>
+              </a:spcAft>
+              <a:buAutoNum type="alphaLcParenR"/>
+              <a:defRPr/>
+            </a:pPr>
+            <a:r>
+              <a:rPr lang="de-DE" sz="1100" dirty="0">
+                <a:solidFill>
+                  <a:prstClr val="black">
+                    <a:lumMod val="75000"/>
+                    <a:lumOff val="25000"/>
+                  </a:prstClr>
+                </a:solidFill>
+                <a:latin typeface="Segoe UI" panose="020B0502040204020203" pitchFamily="34" charset="0"/>
+                <a:cs typeface="Segoe UI" panose="020B0502040204020203" pitchFamily="34" charset="0"/>
+              </a:rPr>
+              <a:t>Darstellung Loss-Funktion</a:t>
+            </a:r>
+          </a:p>
+          <a:p>
+            <a:pPr lvl="1">
+              <a:lnSpc>
+                <a:spcPct val="100000"/>
+              </a:lnSpc>
+              <a:spcAft>
+                <a:spcPts val="2000"/>
+              </a:spcAft>
+              <a:buAutoNum type="alphaLcParenR"/>
+              <a:defRPr/>
+            </a:pPr>
+            <a:r>
+              <a:rPr lang="de-DE" sz="1100" dirty="0">
+                <a:solidFill>
+                  <a:prstClr val="black">
+                    <a:lumMod val="75000"/>
+                    <a:lumOff val="25000"/>
+                  </a:prstClr>
+                </a:solidFill>
+                <a:cs typeface="Segoe UI"/>
+              </a:rPr>
+              <a:t>MAPE für den Zeitraum 09.06.2019 - 30.07.2019</a:t>
             </a:r>
             <a:endParaRPr lang="de-DE" sz="1100" dirty="0">
+              <a:solidFill>
+                <a:prstClr val="black">
+                  <a:lumMod val="75000"/>
+                  <a:lumOff val="25000"/>
+                </a:prstClr>
+              </a:solidFill>
               <a:latin typeface="Segoe UI" panose="020B0502040204020203" pitchFamily="34" charset="0"/>
               <a:cs typeface="Segoe UI" panose="020B0502040204020203" pitchFamily="34" charset="0"/>
             </a:endParaRPr>
@@ -3466,7 +4841,7 @@
       </p:sp>
       <p:pic>
         <p:nvPicPr>
-          <p:cNvPr id="5" name="Bild 4" descr="Bereich „Designideen“ mit verschiedenen Designoptionen"/>
+          <p:cNvPr id="29" name="Bild 28" descr="Registerkarte „Einfügen“ mit Option zum Einfügen eines Bilds"/>
           <p:cNvPicPr>
             <a:picLocks noChangeAspect="1"/>
           </p:cNvPicPr>
@@ -3474,13 +4849,36 @@
         </p:nvPicPr>
         <p:blipFill>
           <a:blip r:embed="rId3"/>
-          <a:srcRect l="11803" r="11803"/>
+          <a:srcRect/>
           <a:stretch/>
         </p:blipFill>
         <p:spPr>
           <a:xfrm>
-            <a:off x="4976037" y="1385113"/>
-            <a:ext cx="6513229" cy="4577621"/>
+            <a:off x="6880200" y="1455791"/>
+            <a:ext cx="2795081" cy="1592728"/>
+          </a:xfrm>
+          <a:prstGeom prst="rect">
+            <a:avLst/>
+          </a:prstGeom>
+        </p:spPr>
+      </p:pic>
+      <p:pic>
+        <p:nvPicPr>
+          <p:cNvPr id="23" name="Bild 22" descr="Dialogfeld „Designideen“ mit Aufforderung zur Benutzerbestätigung zum Abrufen von Designideen"/>
+          <p:cNvPicPr>
+            <a:picLocks noChangeAspect="1"/>
+          </p:cNvPicPr>
+          <p:nvPr/>
+        </p:nvPicPr>
+        <p:blipFill>
+          <a:blip r:embed="rId4"/>
+          <a:srcRect/>
+          <a:stretch/>
+        </p:blipFill>
+        <p:spPr>
+          <a:xfrm>
+            <a:off x="6693033" y="3067244"/>
+            <a:ext cx="2900886" cy="3506681"/>
           </a:xfrm>
           <a:prstGeom prst="rect">
             <a:avLst/>
@@ -3490,7 +4888,7 @@
     </p:spTree>
     <p:extLst>
       <p:ext uri="{BB962C8B-B14F-4D97-AF65-F5344CB8AC3E}">
-        <p14:creationId xmlns:p14="http://schemas.microsoft.com/office/powerpoint/2010/main" val="3457616166"/>
+        <p14:creationId xmlns:p14="http://schemas.microsoft.com/office/powerpoint/2010/main" val="1908584809"/>
       </p:ext>
     </p:extLst>
   </p:cSld>
@@ -4115,29 +5513,8 @@
                 </a:solidFill>
                 <a:cs typeface="Segoe UI"/>
               </a:rPr>
-              <a:t>Umsatzdaten </a:t>
+              <a:t>Umsatzdaten nach Warengruppen</a:t>
             </a:r>
-            <a:r>
-              <a:rPr lang="de-DE" sz="1100">
-                <a:solidFill>
-                  <a:prstClr val="black">
-                    <a:lumMod val="75000"/>
-                    <a:lumOff val="25000"/>
-                  </a:prstClr>
-                </a:solidFill>
-                <a:cs typeface="Segoe UI"/>
-              </a:rPr>
-              <a:t>nach Warengruppen</a:t>
-            </a:r>
-            <a:endParaRPr lang="de-DE" sz="1100" dirty="0">
-              <a:solidFill>
-                <a:prstClr val="black">
-                  <a:lumMod val="75000"/>
-                  <a:lumOff val="25000"/>
-                </a:prstClr>
-              </a:solidFill>
-              <a:cs typeface="Segoe UI"/>
-            </a:endParaRPr>
           </a:p>
         </p:txBody>
       </p:sp>
@@ -4149,7 +5526,7 @@
         </p:nvGrpSpPr>
         <p:grpSpPr bwMode="blackWhite">
           <a:xfrm>
-            <a:off x="531552" y="2804257"/>
+            <a:off x="531552" y="2555200"/>
             <a:ext cx="558179" cy="409838"/>
             <a:chOff x="6953426" y="711274"/>
             <a:chExt cx="558179" cy="409838"/>
@@ -4250,8 +5627,8 @@
         </p:nvSpPr>
         <p:spPr>
           <a:xfrm>
-            <a:off x="1056512" y="2844450"/>
-            <a:ext cx="5113409" cy="1392010"/>
+            <a:off x="1084676" y="2586289"/>
+            <a:ext cx="5113409" cy="756871"/>
           </a:xfrm>
           <a:prstGeom prst="rect">
             <a:avLst/>
@@ -4464,7 +5841,7 @@
               <a:defRPr/>
             </a:pPr>
             <a:r>
-              <a:rPr lang="de-DE" sz="1100">
+              <a:rPr lang="de-DE" sz="1100" dirty="0">
                 <a:solidFill>
                   <a:prstClr val="black">
                     <a:lumMod val="75000"/>
@@ -4474,166 +5851,7 @@
                 <a:latin typeface="Segoe UI" panose="020B0502040204020203" pitchFamily="34" charset="0"/>
                 <a:cs typeface="Segoe UI" panose="020B0502040204020203" pitchFamily="34" charset="0"/>
               </a:rPr>
-              <a:t>Fügen Sie auf der ersten der Folien ein Bild hinzu: Wechseln Sie zu</a:t>
-            </a:r>
-            <a:r>
-              <a:rPr lang="de-DE" sz="1100">
-                <a:solidFill>
-                  <a:prstClr val="black">
-                    <a:lumMod val="75000"/>
-                    <a:lumOff val="25000"/>
-                  </a:prstClr>
-                </a:solidFill>
-                <a:cs typeface="Segoe UI"/>
-              </a:rPr>
-              <a:t> </a:t>
-            </a:r>
-            <a:r>
-              <a:rPr lang="de-DE" sz="1100">
-                <a:solidFill>
-                  <a:srgbClr val="D24726"/>
-                </a:solidFill>
-                <a:latin typeface="Segoe UI Semibold" panose="020B0702040204020203" pitchFamily="34" charset="0"/>
-                <a:cs typeface="Segoe UI Semibold" panose="020B0702040204020203" pitchFamily="34" charset="0"/>
-              </a:rPr>
-              <a:t>Einfügen</a:t>
-            </a:r>
-            <a:r>
-              <a:rPr lang="de-DE" sz="1100">
-                <a:solidFill>
-                  <a:prstClr val="black">
-                    <a:lumMod val="75000"/>
-                    <a:lumOff val="25000"/>
-                  </a:prstClr>
-                </a:solidFill>
-                <a:cs typeface="Segoe UI"/>
-              </a:rPr>
-              <a:t> &gt; </a:t>
-            </a:r>
-            <a:r>
-              <a:rPr lang="de-DE" sz="1100">
-                <a:solidFill>
-                  <a:srgbClr val="D24726"/>
-                </a:solidFill>
-                <a:latin typeface="Segoe UI Semibold" panose="020B0702040204020203" pitchFamily="34" charset="0"/>
-                <a:cs typeface="Segoe UI Semibold" panose="020B0702040204020203" pitchFamily="34" charset="0"/>
-              </a:rPr>
-              <a:t>Bilder</a:t>
-            </a:r>
-            <a:r>
-              <a:rPr lang="de-DE" sz="1100">
-                <a:solidFill>
-                  <a:prstClr val="black">
-                    <a:lumMod val="75000"/>
-                    <a:lumOff val="25000"/>
-                  </a:prstClr>
-                </a:solidFill>
-                <a:cs typeface="Segoe UI"/>
-              </a:rPr>
-              <a:t> oder </a:t>
-            </a:r>
-            <a:r>
-              <a:rPr lang="de-DE" sz="1100">
-                <a:solidFill>
-                  <a:srgbClr val="D24726"/>
-                </a:solidFill>
-                <a:latin typeface="Segoe UI Semibold" panose="020B0702040204020203" pitchFamily="34" charset="0"/>
-                <a:cs typeface="Segoe UI Semibold" panose="020B0702040204020203" pitchFamily="34" charset="0"/>
-              </a:rPr>
-              <a:t>Einfügen</a:t>
-            </a:r>
-            <a:r>
-              <a:rPr lang="de-DE" sz="1100">
-                <a:solidFill>
-                  <a:prstClr val="black">
-                    <a:lumMod val="75000"/>
-                    <a:lumOff val="25000"/>
-                  </a:prstClr>
-                </a:solidFill>
-                <a:cs typeface="Segoe UI"/>
-              </a:rPr>
-              <a:t> &gt; </a:t>
-            </a:r>
-            <a:r>
-              <a:rPr lang="de-DE" sz="1100">
-                <a:solidFill>
-                  <a:srgbClr val="D24726"/>
-                </a:solidFill>
-                <a:latin typeface="Segoe UI Semibold" panose="020B0702040204020203" pitchFamily="34" charset="0"/>
-                <a:cs typeface="Segoe UI Semibold" panose="020B0702040204020203" pitchFamily="34" charset="0"/>
-              </a:rPr>
-              <a:t>Onlinebilder</a:t>
-            </a:r>
-            <a:r>
-              <a:rPr lang="de-DE" sz="1100">
-                <a:solidFill>
-                  <a:prstClr val="black">
-                    <a:lumMod val="75000"/>
-                    <a:lumOff val="25000"/>
-                  </a:prstClr>
-                </a:solidFill>
-                <a:cs typeface="Segoe UI"/>
-              </a:rPr>
-              <a:t>, </a:t>
-            </a:r>
-            <a:r>
-              <a:rPr lang="de-DE" sz="1100">
-                <a:solidFill>
-                  <a:prstClr val="black">
-                    <a:lumMod val="75000"/>
-                    <a:lumOff val="25000"/>
-                  </a:prstClr>
-                </a:solidFill>
-                <a:latin typeface="Segoe UI" panose="020B0502040204020203" pitchFamily="34" charset="0"/>
-                <a:cs typeface="Segoe UI" panose="020B0502040204020203" pitchFamily="34" charset="0"/>
-              </a:rPr>
-              <a:t>und wählen Sie das Bild aus.</a:t>
-            </a:r>
-            <a:br>
-              <a:rPr lang="de-DE" sz="1100">
-                <a:solidFill>
-                  <a:prstClr val="black">
-                    <a:lumMod val="75000"/>
-                    <a:lumOff val="25000"/>
-                  </a:prstClr>
-                </a:solidFill>
-                <a:latin typeface="Segoe UI" panose="020B0502040204020203" pitchFamily="34" charset="0"/>
-                <a:cs typeface="Segoe UI" panose="020B0502040204020203" pitchFamily="34" charset="0"/>
-              </a:rPr>
-            </a:br>
-            <a:br>
-              <a:rPr lang="de-DE" sz="1100">
-                <a:solidFill>
-                  <a:prstClr val="black">
-                    <a:lumMod val="75000"/>
-                    <a:lumOff val="25000"/>
-                  </a:prstClr>
-                </a:solidFill>
-                <a:cs typeface="Segoe UI"/>
-              </a:rPr>
-            </a:br>
-            <a:r>
-              <a:rPr lang="de-DE" sz="1100">
-                <a:solidFill>
-                  <a:srgbClr val="D24726"/>
-                </a:solidFill>
-                <a:latin typeface="Segoe UI Semibold" panose="020B0702040204020203" pitchFamily="34" charset="0"/>
-                <a:cs typeface="Segoe UI Semibold" panose="020B0702040204020203" pitchFamily="34" charset="0"/>
-              </a:rPr>
-              <a:t>Hinweis: </a:t>
-            </a:r>
-            <a:r>
-              <a:rPr lang="de-DE" sz="1100">
-                <a:solidFill>
-                  <a:prstClr val="black">
-                    <a:lumMod val="75000"/>
-                    <a:lumOff val="25000"/>
-                  </a:prstClr>
-                </a:solidFill>
-                <a:latin typeface="Segoe UI" panose="020B0502040204020203" pitchFamily="34" charset="0"/>
-                <a:cs typeface="Segoe UI" panose="020B0502040204020203" pitchFamily="34" charset="0"/>
-              </a:rPr>
-              <a:t>Zum Hinzufügen des Bilds benötigen Sie eine Onlineverbindung.</a:t>
+              <a:t>Kieler Woche</a:t>
             </a:r>
           </a:p>
         </p:txBody>
@@ -4646,7 +5864,7 @@
         </p:nvGrpSpPr>
         <p:grpSpPr bwMode="blackWhite">
           <a:xfrm>
-            <a:off x="531552" y="4208299"/>
+            <a:off x="531552" y="3241076"/>
             <a:ext cx="558179" cy="409838"/>
             <a:chOff x="6953426" y="711274"/>
             <a:chExt cx="558179" cy="409838"/>
@@ -4724,7 +5942,7 @@
             <a:p>
               <a:pPr algn="ctr" rtl="0"/>
               <a:r>
-                <a:rPr lang="de-DE">
+                <a:rPr lang="de-DE" dirty="0">
                   <a:solidFill>
                     <a:schemeClr val="bg1"/>
                   </a:solidFill>
@@ -4747,7 +5965,7 @@
         </p:nvSpPr>
         <p:spPr>
           <a:xfrm>
-            <a:off x="1056514" y="4236460"/>
+            <a:off x="1056514" y="3253834"/>
             <a:ext cx="5303098" cy="761144"/>
           </a:xfrm>
           <a:prstGeom prst="rect">
@@ -4961,7 +6179,7 @@
               <a:defRPr/>
             </a:pPr>
             <a:r>
-              <a:rPr lang="de-DE" sz="1100">
+              <a:rPr lang="de-DE" sz="1100" dirty="0">
                 <a:solidFill>
                   <a:prstClr val="black">
                     <a:lumMod val="75000"/>
@@ -4971,62 +6189,17 @@
                 <a:latin typeface="Segoe UI" panose="020B0502040204020203" pitchFamily="34" charset="0"/>
                 <a:cs typeface="Segoe UI" panose="020B0502040204020203" pitchFamily="34" charset="0"/>
               </a:rPr>
-              <a:t>Wenn PowerPoint Sie um die Berechtigung zum Abrufen von Designideen bittet, wählen Sie</a:t>
+              <a:t>Bewölkung</a:t>
             </a:r>
-            <a:r>
-              <a:rPr lang="de-DE" sz="1100">
-                <a:solidFill>
-                  <a:prstClr val="black">
-                    <a:lumMod val="75000"/>
-                    <a:lumOff val="25000"/>
-                  </a:prstClr>
-                </a:solidFill>
-                <a:cs typeface="Segoe UI"/>
-              </a:rPr>
-              <a:t> </a:t>
-            </a:r>
-            <a:r>
-              <a:rPr lang="de-DE" sz="1100">
-                <a:solidFill>
-                  <a:srgbClr val="D24726"/>
-                </a:solidFill>
-                <a:latin typeface="Segoe UI Semibold" panose="020B0702040204020203" pitchFamily="34" charset="0"/>
-                <a:cs typeface="Segoe UI Semibold" panose="020B0702040204020203" pitchFamily="34" charset="0"/>
-              </a:rPr>
-              <a:t>Los geh</a:t>
-            </a:r>
-            <a:r>
-              <a:rPr lang="de-DE" altLang="zh-CN" sz="1100">
-                <a:solidFill>
-                  <a:srgbClr val="D24726"/>
-                </a:solidFill>
-                <a:latin typeface="Segoe UI Semibold" panose="020B0702040204020203" pitchFamily="34" charset="0"/>
-                <a:cs typeface="Segoe UI Semibold" panose="020B0702040204020203" pitchFamily="34" charset="0"/>
-              </a:rPr>
-              <a:t>t</a:t>
-            </a:r>
-            <a:r>
-              <a:rPr lang="de-DE" sz="1100">
-                <a:solidFill>
-                  <a:srgbClr val="D24726"/>
-                </a:solidFill>
-                <a:latin typeface="Segoe UI Semibold" panose="020B0702040204020203" pitchFamily="34" charset="0"/>
-                <a:cs typeface="Segoe UI Semibold" panose="020B0702040204020203" pitchFamily="34" charset="0"/>
-              </a:rPr>
-              <a:t>‘s</a:t>
-            </a:r>
-            <a:r>
-              <a:rPr lang="de-DE" sz="1100">
-                <a:solidFill>
-                  <a:prstClr val="black">
-                    <a:lumMod val="75000"/>
-                    <a:lumOff val="25000"/>
-                  </a:prstClr>
-                </a:solidFill>
-                <a:cs typeface="Segoe UI"/>
-              </a:rPr>
-              <a:t> aus.</a:t>
-            </a:r>
+            <a:endParaRPr lang="de-DE" sz="1100" dirty="0">
+              <a:solidFill>
+                <a:prstClr val="black">
+                  <a:lumMod val="75000"/>
+                  <a:lumOff val="25000"/>
+                </a:prstClr>
+              </a:solidFill>
+              <a:cs typeface="Segoe UI"/>
+            </a:endParaRPr>
           </a:p>
         </p:txBody>
       </p:sp>
@@ -5038,7 +6211,7 @@
         </p:nvGrpSpPr>
         <p:grpSpPr bwMode="blackWhite">
           <a:xfrm>
-            <a:off x="531552" y="5137379"/>
+            <a:off x="521207" y="3918152"/>
             <a:ext cx="558179" cy="409838"/>
             <a:chOff x="6953426" y="711274"/>
             <a:chExt cx="558179" cy="409838"/>
@@ -5116,7 +6289,7 @@
             <a:p>
               <a:pPr algn="ctr" rtl="0"/>
               <a:r>
-                <a:rPr lang="de-DE">
+                <a:rPr lang="de-DE" dirty="0">
                   <a:solidFill>
                     <a:schemeClr val="bg1"/>
                   </a:solidFill>
@@ -5139,7 +6312,7 @@
         </p:nvSpPr>
         <p:spPr>
           <a:xfrm>
-            <a:off x="1056514" y="5177572"/>
+            <a:off x="1046169" y="3934442"/>
             <a:ext cx="5303098" cy="563538"/>
           </a:xfrm>
           <a:prstGeom prst="rect">
@@ -5353,7 +6526,7 @@
               <a:defRPr/>
             </a:pPr>
             <a:r>
-              <a:rPr lang="de-DE" sz="1100">
+              <a:rPr lang="de-DE" sz="1100" dirty="0">
                 <a:solidFill>
                   <a:prstClr val="black">
                     <a:lumMod val="75000"/>
@@ -5363,30 +6536,7 @@
                 <a:latin typeface="Segoe UI" panose="020B0502040204020203" pitchFamily="34" charset="0"/>
                 <a:cs typeface="Segoe UI" panose="020B0502040204020203" pitchFamily="34" charset="0"/>
               </a:rPr>
-              <a:t>Wählen Sie im Aufgabenbereich </a:t>
-            </a:r>
-            <a:r>
-              <a:rPr lang="de-DE" sz="1100">
-                <a:solidFill>
-                  <a:srgbClr val="D24726"/>
-                </a:solidFill>
-                <a:latin typeface="Segoe UI Semibold" panose="020B0702040204020203" pitchFamily="34" charset="0"/>
-                <a:cs typeface="Segoe UI Semibold" panose="020B0702040204020203" pitchFamily="34" charset="0"/>
-              </a:rPr>
-              <a:t>Designideen</a:t>
-            </a:r>
-            <a:r>
-              <a:rPr lang="de-DE" sz="1100">
-                <a:solidFill>
-                  <a:prstClr val="black">
-                    <a:lumMod val="75000"/>
-                    <a:lumOff val="25000"/>
-                  </a:prstClr>
-                </a:solidFill>
-                <a:latin typeface="Segoe UI" panose="020B0502040204020203" pitchFamily="34" charset="0"/>
-                <a:cs typeface="Segoe UI" panose="020B0502040204020203" pitchFamily="34" charset="0"/>
-              </a:rPr>
-              <a:t> ein Design aus, das Ihnen gefällt.</a:t>
+              <a:t>Temperatur</a:t>
             </a:r>
           </a:p>
         </p:txBody>
@@ -5437,6 +6587,1110 @@
           </a:prstGeom>
         </p:spPr>
       </p:pic>
+      <p:grpSp>
+        <p:nvGrpSpPr>
+          <p:cNvPr id="2" name="Gruppieren 1" descr="Kleiner Kreis mit enthaltener Zahl 3 zur Angabe von Schritt 3">
+            <a:extLst>
+              <a:ext uri="{FF2B5EF4-FFF2-40B4-BE49-F238E27FC236}">
+                <a16:creationId xmlns:a16="http://schemas.microsoft.com/office/drawing/2014/main" id="{45EA679F-414B-8C6E-CBCB-0A3086ABE14D}"/>
+              </a:ext>
+            </a:extLst>
+          </p:cNvPr>
+          <p:cNvGrpSpPr/>
+          <p:nvPr/>
+        </p:nvGrpSpPr>
+        <p:grpSpPr bwMode="blackWhite">
+          <a:xfrm>
+            <a:off x="531552" y="4547708"/>
+            <a:ext cx="558179" cy="409838"/>
+            <a:chOff x="6953426" y="711274"/>
+            <a:chExt cx="558179" cy="409838"/>
+          </a:xfrm>
+        </p:grpSpPr>
+        <p:sp>
+          <p:nvSpPr>
+            <p:cNvPr id="3" name="Ellipse 2" descr="Kleiner Kreis">
+              <a:extLst>
+                <a:ext uri="{FF2B5EF4-FFF2-40B4-BE49-F238E27FC236}">
+                  <a16:creationId xmlns:a16="http://schemas.microsoft.com/office/drawing/2014/main" id="{FD340FDB-4BE8-103C-7763-CD02EA49FFB1}"/>
+                </a:ext>
+              </a:extLst>
+            </p:cNvPr>
+            <p:cNvSpPr/>
+            <p:nvPr/>
+          </p:nvSpPr>
+          <p:spPr bwMode="blackWhite">
+            <a:xfrm>
+              <a:off x="7025069" y="711274"/>
+              <a:ext cx="409838" cy="409838"/>
+            </a:xfrm>
+            <a:prstGeom prst="ellipse">
+              <a:avLst/>
+            </a:prstGeom>
+            <a:solidFill>
+              <a:srgbClr val="D24726"/>
+            </a:solidFill>
+            <a:ln>
+              <a:noFill/>
+            </a:ln>
+          </p:spPr>
+          <p:style>
+            <a:lnRef idx="2">
+              <a:schemeClr val="accent1">
+                <a:shade val="50000"/>
+              </a:schemeClr>
+            </a:lnRef>
+            <a:fillRef idx="1">
+              <a:schemeClr val="accent1"/>
+            </a:fillRef>
+            <a:effectRef idx="0">
+              <a:schemeClr val="accent1"/>
+            </a:effectRef>
+            <a:fontRef idx="minor">
+              <a:schemeClr val="lt1"/>
+            </a:fontRef>
+          </p:style>
+          <p:txBody>
+            <a:bodyPr rtlCol="0" anchor="ctr"/>
+            <a:lstStyle/>
+            <a:p>
+              <a:pPr algn="ctr" rtl="0"/>
+              <a:endParaRPr lang="de-DE"/>
+            </a:p>
+          </p:txBody>
+        </p:sp>
+        <p:sp>
+          <p:nvSpPr>
+            <p:cNvPr id="5" name="Textfeld 4" descr="Zahl 3">
+              <a:extLst>
+                <a:ext uri="{FF2B5EF4-FFF2-40B4-BE49-F238E27FC236}">
+                  <a16:creationId xmlns:a16="http://schemas.microsoft.com/office/drawing/2014/main" id="{1E702753-74CD-047A-85A4-64306AA4F1D1}"/>
+                </a:ext>
+              </a:extLst>
+            </p:cNvPr>
+            <p:cNvSpPr txBox="1">
+              <a:spLocks noChangeAspect="1"/>
+            </p:cNvSpPr>
+            <p:nvPr/>
+          </p:nvSpPr>
+          <p:spPr bwMode="blackWhite">
+            <a:xfrm>
+              <a:off x="6953426" y="727564"/>
+              <a:ext cx="558179" cy="369332"/>
+            </a:xfrm>
+            <a:prstGeom prst="rect">
+              <a:avLst/>
+            </a:prstGeom>
+            <a:noFill/>
+          </p:spPr>
+          <p:txBody>
+            <a:bodyPr wrap="square" rtlCol="0">
+              <a:spAutoFit/>
+            </a:bodyPr>
+            <a:lstStyle/>
+            <a:p>
+              <a:pPr algn="ctr" rtl="0"/>
+              <a:r>
+                <a:rPr lang="de-DE" dirty="0">
+                  <a:solidFill>
+                    <a:schemeClr val="bg1"/>
+                  </a:solidFill>
+                  <a:latin typeface="Segoe UI Semibold" panose="020B0702040204020203" pitchFamily="34" charset="0"/>
+                  <a:cs typeface="Segoe UI Semibold" panose="020B0702040204020203" pitchFamily="34" charset="0"/>
+                </a:rPr>
+                <a:t>5</a:t>
+              </a:r>
+            </a:p>
+          </p:txBody>
+        </p:sp>
+      </p:grpSp>
+      <p:sp>
+        <p:nvSpPr>
+          <p:cNvPr id="6" name="Inhaltsplatzhalter 17">
+            <a:extLst>
+              <a:ext uri="{FF2B5EF4-FFF2-40B4-BE49-F238E27FC236}">
+                <a16:creationId xmlns:a16="http://schemas.microsoft.com/office/drawing/2014/main" id="{A8F18E22-B6BE-5480-F86F-5B9E125AAAEE}"/>
+              </a:ext>
+            </a:extLst>
+          </p:cNvPr>
+          <p:cNvSpPr txBox="1">
+            <a:spLocks/>
+          </p:cNvSpPr>
+          <p:nvPr/>
+        </p:nvSpPr>
+        <p:spPr>
+          <a:xfrm>
+            <a:off x="1056514" y="4560466"/>
+            <a:ext cx="5303098" cy="761144"/>
+          </a:xfrm>
+          <a:prstGeom prst="rect">
+            <a:avLst/>
+          </a:prstGeom>
+        </p:spPr>
+        <p:txBody>
+          <a:bodyPr vert="horz" lIns="91440" tIns="45720" rIns="91440" bIns="45720" rtlCol="0">
+            <a:normAutofit/>
+          </a:bodyPr>
+          <a:lstStyle>
+            <a:lvl1pPr marL="228600" indent="-228600" algn="l" defTabSz="914400" rtl="0" eaLnBrk="1" latinLnBrk="0" hangingPunct="1">
+              <a:lnSpc>
+                <a:spcPts val="1800"/>
+              </a:lnSpc>
+              <a:spcBef>
+                <a:spcPts val="1000"/>
+              </a:spcBef>
+              <a:spcAft>
+                <a:spcPts val="1000"/>
+              </a:spcAft>
+              <a:buFont typeface="Arial" panose="020B0604020202020204" pitchFamily="34" charset="0"/>
+              <a:buChar char="•"/>
+              <a:defRPr lang="en-US" sz="1200" kern="1200" smtClean="0">
+                <a:solidFill>
+                  <a:schemeClr val="tx1">
+                    <a:lumMod val="75000"/>
+                    <a:lumOff val="25000"/>
+                  </a:schemeClr>
+                </a:solidFill>
+                <a:latin typeface="+mn-lt"/>
+                <a:ea typeface="+mn-ea"/>
+                <a:cs typeface="+mn-cs"/>
+              </a:defRPr>
+            </a:lvl1pPr>
+            <a:lvl2pPr marL="685800" indent="-228600" algn="l" defTabSz="914400" rtl="0" eaLnBrk="1" latinLnBrk="0" hangingPunct="1">
+              <a:lnSpc>
+                <a:spcPts val="1800"/>
+              </a:lnSpc>
+              <a:spcBef>
+                <a:spcPts val="1000"/>
+              </a:spcBef>
+              <a:spcAft>
+                <a:spcPts val="1000"/>
+              </a:spcAft>
+              <a:buFont typeface="Arial" panose="020B0604020202020204" pitchFamily="34" charset="0"/>
+              <a:buChar char="•"/>
+              <a:defRPr lang="en-US" sz="1200" kern="1200" smtClean="0">
+                <a:solidFill>
+                  <a:schemeClr val="tx1">
+                    <a:lumMod val="75000"/>
+                    <a:lumOff val="25000"/>
+                  </a:schemeClr>
+                </a:solidFill>
+                <a:latin typeface="+mn-lt"/>
+                <a:ea typeface="+mn-ea"/>
+                <a:cs typeface="+mn-cs"/>
+              </a:defRPr>
+            </a:lvl2pPr>
+            <a:lvl3pPr marL="1143000" indent="-228600" algn="l" defTabSz="914400" rtl="0" eaLnBrk="1" latinLnBrk="0" hangingPunct="1">
+              <a:lnSpc>
+                <a:spcPts val="1800"/>
+              </a:lnSpc>
+              <a:spcBef>
+                <a:spcPts val="1000"/>
+              </a:spcBef>
+              <a:spcAft>
+                <a:spcPts val="1000"/>
+              </a:spcAft>
+              <a:buFont typeface="Arial" panose="020B0604020202020204" pitchFamily="34" charset="0"/>
+              <a:buChar char="•"/>
+              <a:defRPr lang="en-US" sz="1200" kern="1200" smtClean="0">
+                <a:solidFill>
+                  <a:schemeClr val="tx1">
+                    <a:lumMod val="75000"/>
+                    <a:lumOff val="25000"/>
+                  </a:schemeClr>
+                </a:solidFill>
+                <a:latin typeface="+mn-lt"/>
+                <a:ea typeface="+mn-ea"/>
+                <a:cs typeface="+mn-cs"/>
+              </a:defRPr>
+            </a:lvl3pPr>
+            <a:lvl4pPr marL="1600200" indent="-228600" algn="l" defTabSz="914400" rtl="0" eaLnBrk="1" latinLnBrk="0" hangingPunct="1">
+              <a:lnSpc>
+                <a:spcPts val="1800"/>
+              </a:lnSpc>
+              <a:spcBef>
+                <a:spcPts val="1000"/>
+              </a:spcBef>
+              <a:spcAft>
+                <a:spcPts val="1000"/>
+              </a:spcAft>
+              <a:buFont typeface="Arial" panose="020B0604020202020204" pitchFamily="34" charset="0"/>
+              <a:buChar char="•"/>
+              <a:defRPr lang="en-US" sz="1200" kern="1200" smtClean="0">
+                <a:solidFill>
+                  <a:schemeClr val="tx1">
+                    <a:lumMod val="75000"/>
+                    <a:lumOff val="25000"/>
+                  </a:schemeClr>
+                </a:solidFill>
+                <a:latin typeface="+mn-lt"/>
+                <a:ea typeface="+mn-ea"/>
+                <a:cs typeface="+mn-cs"/>
+              </a:defRPr>
+            </a:lvl4pPr>
+            <a:lvl5pPr marL="2057400" indent="-228600" algn="l" defTabSz="914400" rtl="0" eaLnBrk="1" latinLnBrk="0" hangingPunct="1">
+              <a:lnSpc>
+                <a:spcPts val="1800"/>
+              </a:lnSpc>
+              <a:spcBef>
+                <a:spcPts val="1000"/>
+              </a:spcBef>
+              <a:spcAft>
+                <a:spcPts val="1000"/>
+              </a:spcAft>
+              <a:buFont typeface="Arial" panose="020B0604020202020204" pitchFamily="34" charset="0"/>
+              <a:buChar char="•"/>
+              <a:defRPr lang="en-US" sz="1200" kern="1200">
+                <a:solidFill>
+                  <a:schemeClr val="tx1">
+                    <a:lumMod val="75000"/>
+                    <a:lumOff val="25000"/>
+                  </a:schemeClr>
+                </a:solidFill>
+                <a:latin typeface="+mn-lt"/>
+                <a:ea typeface="+mn-ea"/>
+                <a:cs typeface="+mn-cs"/>
+              </a:defRPr>
+            </a:lvl5pPr>
+            <a:lvl6pPr marL="2514600" indent="-228600" algn="l" defTabSz="914400" rtl="0" eaLnBrk="1" latinLnBrk="0" hangingPunct="1">
+              <a:lnSpc>
+                <a:spcPct val="90000"/>
+              </a:lnSpc>
+              <a:spcBef>
+                <a:spcPct val="30000"/>
+              </a:spcBef>
+              <a:buFont typeface="Arial" panose="020B0604020202020204" pitchFamily="34" charset="0"/>
+              <a:buChar char="•"/>
+              <a:defRPr sz="1800" kern="1200">
+                <a:solidFill>
+                  <a:schemeClr val="tx1"/>
+                </a:solidFill>
+                <a:latin typeface="+mn-lt"/>
+                <a:ea typeface="+mn-ea"/>
+                <a:cs typeface="+mn-cs"/>
+              </a:defRPr>
+            </a:lvl6pPr>
+            <a:lvl7pPr marL="2971800" indent="-228600" algn="l" defTabSz="914400" rtl="0" eaLnBrk="1" latinLnBrk="0" hangingPunct="1">
+              <a:lnSpc>
+                <a:spcPct val="90000"/>
+              </a:lnSpc>
+              <a:spcBef>
+                <a:spcPct val="30000"/>
+              </a:spcBef>
+              <a:buFont typeface="Arial" panose="020B0604020202020204" pitchFamily="34" charset="0"/>
+              <a:buChar char="•"/>
+              <a:defRPr sz="1800" kern="1200">
+                <a:solidFill>
+                  <a:schemeClr val="tx1"/>
+                </a:solidFill>
+                <a:latin typeface="+mn-lt"/>
+                <a:ea typeface="+mn-ea"/>
+                <a:cs typeface="+mn-cs"/>
+              </a:defRPr>
+            </a:lvl7pPr>
+            <a:lvl8pPr marL="3429000" indent="-228600" algn="l" defTabSz="914400" rtl="0" eaLnBrk="1" latinLnBrk="0" hangingPunct="1">
+              <a:lnSpc>
+                <a:spcPct val="90000"/>
+              </a:lnSpc>
+              <a:spcBef>
+                <a:spcPct val="30000"/>
+              </a:spcBef>
+              <a:buFont typeface="Arial" panose="020B0604020202020204" pitchFamily="34" charset="0"/>
+              <a:buChar char="•"/>
+              <a:defRPr sz="1800" kern="1200">
+                <a:solidFill>
+                  <a:schemeClr val="tx1"/>
+                </a:solidFill>
+                <a:latin typeface="+mn-lt"/>
+                <a:ea typeface="+mn-ea"/>
+                <a:cs typeface="+mn-cs"/>
+              </a:defRPr>
+            </a:lvl8pPr>
+            <a:lvl9pPr marL="3886200" indent="-228600" algn="l" defTabSz="914400" rtl="0" eaLnBrk="1" latinLnBrk="0" hangingPunct="1">
+              <a:lnSpc>
+                <a:spcPct val="90000"/>
+              </a:lnSpc>
+              <a:spcBef>
+                <a:spcPct val="30000"/>
+              </a:spcBef>
+              <a:buFont typeface="Arial" panose="020B0604020202020204" pitchFamily="34" charset="0"/>
+              <a:buChar char="•"/>
+              <a:defRPr sz="1800" kern="1200">
+                <a:solidFill>
+                  <a:schemeClr val="tx1"/>
+                </a:solidFill>
+                <a:latin typeface="+mn-lt"/>
+                <a:ea typeface="+mn-ea"/>
+                <a:cs typeface="+mn-cs"/>
+              </a:defRPr>
+            </a:lvl9pPr>
+          </a:lstStyle>
+          <a:p>
+            <a:pPr marL="0" lvl="0" indent="0" rtl="0">
+              <a:spcAft>
+                <a:spcPts val="600"/>
+              </a:spcAft>
+              <a:buNone/>
+              <a:defRPr/>
+            </a:pPr>
+            <a:r>
+              <a:rPr lang="de-DE" sz="1100" dirty="0">
+                <a:solidFill>
+                  <a:prstClr val="black">
+                    <a:lumMod val="75000"/>
+                    <a:lumOff val="25000"/>
+                  </a:prstClr>
+                </a:solidFill>
+                <a:latin typeface="Segoe UI" panose="020B0502040204020203" pitchFamily="34" charset="0"/>
+                <a:cs typeface="Segoe UI" panose="020B0502040204020203" pitchFamily="34" charset="0"/>
+              </a:rPr>
+              <a:t>Windgeschwindigkeit</a:t>
+            </a:r>
+            <a:endParaRPr lang="de-DE" sz="1100" dirty="0">
+              <a:solidFill>
+                <a:prstClr val="black">
+                  <a:lumMod val="75000"/>
+                  <a:lumOff val="25000"/>
+                </a:prstClr>
+              </a:solidFill>
+              <a:cs typeface="Segoe UI"/>
+            </a:endParaRPr>
+          </a:p>
+        </p:txBody>
+      </p:sp>
+      <p:grpSp>
+        <p:nvGrpSpPr>
+          <p:cNvPr id="7" name="Gruppieren 6" descr="Kleiner Kreis mit enthaltener Zahl 4 zur Angabe von Schritt 4">
+            <a:extLst>
+              <a:ext uri="{FF2B5EF4-FFF2-40B4-BE49-F238E27FC236}">
+                <a16:creationId xmlns:a16="http://schemas.microsoft.com/office/drawing/2014/main" id="{0F2DDA3D-52BB-8762-2149-DB564BC6933E}"/>
+              </a:ext>
+            </a:extLst>
+          </p:cNvPr>
+          <p:cNvGrpSpPr/>
+          <p:nvPr/>
+        </p:nvGrpSpPr>
+        <p:grpSpPr bwMode="blackWhite">
+          <a:xfrm>
+            <a:off x="521207" y="5224784"/>
+            <a:ext cx="558179" cy="409838"/>
+            <a:chOff x="6953426" y="711274"/>
+            <a:chExt cx="558179" cy="409838"/>
+          </a:xfrm>
+        </p:grpSpPr>
+        <p:sp>
+          <p:nvSpPr>
+            <p:cNvPr id="8" name="Ellipse 7" descr="Kleiner Kreis">
+              <a:extLst>
+                <a:ext uri="{FF2B5EF4-FFF2-40B4-BE49-F238E27FC236}">
+                  <a16:creationId xmlns:a16="http://schemas.microsoft.com/office/drawing/2014/main" id="{6610C740-A587-C0B5-13CA-F5CC96C435E9}"/>
+                </a:ext>
+              </a:extLst>
+            </p:cNvPr>
+            <p:cNvSpPr/>
+            <p:nvPr/>
+          </p:nvSpPr>
+          <p:spPr bwMode="blackWhite">
+            <a:xfrm>
+              <a:off x="7025069" y="711274"/>
+              <a:ext cx="409838" cy="409838"/>
+            </a:xfrm>
+            <a:prstGeom prst="ellipse">
+              <a:avLst/>
+            </a:prstGeom>
+            <a:solidFill>
+              <a:srgbClr val="D24726"/>
+            </a:solidFill>
+            <a:ln>
+              <a:noFill/>
+            </a:ln>
+          </p:spPr>
+          <p:style>
+            <a:lnRef idx="2">
+              <a:schemeClr val="accent1">
+                <a:shade val="50000"/>
+              </a:schemeClr>
+            </a:lnRef>
+            <a:fillRef idx="1">
+              <a:schemeClr val="accent1"/>
+            </a:fillRef>
+            <a:effectRef idx="0">
+              <a:schemeClr val="accent1"/>
+            </a:effectRef>
+            <a:fontRef idx="minor">
+              <a:schemeClr val="lt1"/>
+            </a:fontRef>
+          </p:style>
+          <p:txBody>
+            <a:bodyPr rtlCol="0" anchor="ctr"/>
+            <a:lstStyle/>
+            <a:p>
+              <a:pPr algn="ctr" rtl="0"/>
+              <a:endParaRPr lang="de-DE"/>
+            </a:p>
+          </p:txBody>
+        </p:sp>
+        <p:sp>
+          <p:nvSpPr>
+            <p:cNvPr id="9" name="Textfeld 8" descr="Zahl 4">
+              <a:extLst>
+                <a:ext uri="{FF2B5EF4-FFF2-40B4-BE49-F238E27FC236}">
+                  <a16:creationId xmlns:a16="http://schemas.microsoft.com/office/drawing/2014/main" id="{E59D011B-AD03-8216-ED4F-C4A2F12C4498}"/>
+                </a:ext>
+              </a:extLst>
+            </p:cNvPr>
+            <p:cNvSpPr txBox="1">
+              <a:spLocks noChangeAspect="1"/>
+            </p:cNvSpPr>
+            <p:nvPr/>
+          </p:nvSpPr>
+          <p:spPr bwMode="blackWhite">
+            <a:xfrm>
+              <a:off x="6953426" y="727564"/>
+              <a:ext cx="558179" cy="369332"/>
+            </a:xfrm>
+            <a:prstGeom prst="rect">
+              <a:avLst/>
+            </a:prstGeom>
+            <a:noFill/>
+          </p:spPr>
+          <p:txBody>
+            <a:bodyPr wrap="square" rtlCol="0">
+              <a:spAutoFit/>
+            </a:bodyPr>
+            <a:lstStyle/>
+            <a:p>
+              <a:pPr algn="ctr" rtl="0"/>
+              <a:r>
+                <a:rPr lang="de-DE" dirty="0">
+                  <a:solidFill>
+                    <a:schemeClr val="bg1"/>
+                  </a:solidFill>
+                  <a:latin typeface="Segoe UI Semibold" panose="020B0702040204020203" pitchFamily="34" charset="0"/>
+                  <a:cs typeface="Segoe UI Semibold" panose="020B0702040204020203" pitchFamily="34" charset="0"/>
+                </a:rPr>
+                <a:t>6</a:t>
+              </a:r>
+            </a:p>
+          </p:txBody>
+        </p:sp>
+      </p:grpSp>
+      <p:sp>
+        <p:nvSpPr>
+          <p:cNvPr id="10" name="Inhaltsplatzhalter 17">
+            <a:extLst>
+              <a:ext uri="{FF2B5EF4-FFF2-40B4-BE49-F238E27FC236}">
+                <a16:creationId xmlns:a16="http://schemas.microsoft.com/office/drawing/2014/main" id="{E45821F7-0233-EE16-58FF-1BFFA8950485}"/>
+              </a:ext>
+            </a:extLst>
+          </p:cNvPr>
+          <p:cNvSpPr txBox="1">
+            <a:spLocks/>
+          </p:cNvSpPr>
+          <p:nvPr/>
+        </p:nvSpPr>
+        <p:spPr>
+          <a:xfrm>
+            <a:off x="1046169" y="5241074"/>
+            <a:ext cx="5303098" cy="563538"/>
+          </a:xfrm>
+          <a:prstGeom prst="rect">
+            <a:avLst/>
+          </a:prstGeom>
+        </p:spPr>
+        <p:txBody>
+          <a:bodyPr vert="horz" lIns="91440" tIns="45720" rIns="91440" bIns="45720" rtlCol="0">
+            <a:normAutofit/>
+          </a:bodyPr>
+          <a:lstStyle>
+            <a:lvl1pPr marL="228600" indent="-228600" algn="l" defTabSz="914400" rtl="0" eaLnBrk="1" latinLnBrk="0" hangingPunct="1">
+              <a:lnSpc>
+                <a:spcPts val="1800"/>
+              </a:lnSpc>
+              <a:spcBef>
+                <a:spcPts val="1000"/>
+              </a:spcBef>
+              <a:spcAft>
+                <a:spcPts val="1000"/>
+              </a:spcAft>
+              <a:buFont typeface="Arial" panose="020B0604020202020204" pitchFamily="34" charset="0"/>
+              <a:buChar char="•"/>
+              <a:defRPr lang="en-US" sz="1200" kern="1200" smtClean="0">
+                <a:solidFill>
+                  <a:schemeClr val="tx1">
+                    <a:lumMod val="75000"/>
+                    <a:lumOff val="25000"/>
+                  </a:schemeClr>
+                </a:solidFill>
+                <a:latin typeface="+mn-lt"/>
+                <a:ea typeface="+mn-ea"/>
+                <a:cs typeface="+mn-cs"/>
+              </a:defRPr>
+            </a:lvl1pPr>
+            <a:lvl2pPr marL="685800" indent="-228600" algn="l" defTabSz="914400" rtl="0" eaLnBrk="1" latinLnBrk="0" hangingPunct="1">
+              <a:lnSpc>
+                <a:spcPts val="1800"/>
+              </a:lnSpc>
+              <a:spcBef>
+                <a:spcPts val="1000"/>
+              </a:spcBef>
+              <a:spcAft>
+                <a:spcPts val="1000"/>
+              </a:spcAft>
+              <a:buFont typeface="Arial" panose="020B0604020202020204" pitchFamily="34" charset="0"/>
+              <a:buChar char="•"/>
+              <a:defRPr lang="en-US" sz="1200" kern="1200" smtClean="0">
+                <a:solidFill>
+                  <a:schemeClr val="tx1">
+                    <a:lumMod val="75000"/>
+                    <a:lumOff val="25000"/>
+                  </a:schemeClr>
+                </a:solidFill>
+                <a:latin typeface="+mn-lt"/>
+                <a:ea typeface="+mn-ea"/>
+                <a:cs typeface="+mn-cs"/>
+              </a:defRPr>
+            </a:lvl2pPr>
+            <a:lvl3pPr marL="1143000" indent="-228600" algn="l" defTabSz="914400" rtl="0" eaLnBrk="1" latinLnBrk="0" hangingPunct="1">
+              <a:lnSpc>
+                <a:spcPts val="1800"/>
+              </a:lnSpc>
+              <a:spcBef>
+                <a:spcPts val="1000"/>
+              </a:spcBef>
+              <a:spcAft>
+                <a:spcPts val="1000"/>
+              </a:spcAft>
+              <a:buFont typeface="Arial" panose="020B0604020202020204" pitchFamily="34" charset="0"/>
+              <a:buChar char="•"/>
+              <a:defRPr lang="en-US" sz="1200" kern="1200" smtClean="0">
+                <a:solidFill>
+                  <a:schemeClr val="tx1">
+                    <a:lumMod val="75000"/>
+                    <a:lumOff val="25000"/>
+                  </a:schemeClr>
+                </a:solidFill>
+                <a:latin typeface="+mn-lt"/>
+                <a:ea typeface="+mn-ea"/>
+                <a:cs typeface="+mn-cs"/>
+              </a:defRPr>
+            </a:lvl3pPr>
+            <a:lvl4pPr marL="1600200" indent="-228600" algn="l" defTabSz="914400" rtl="0" eaLnBrk="1" latinLnBrk="0" hangingPunct="1">
+              <a:lnSpc>
+                <a:spcPts val="1800"/>
+              </a:lnSpc>
+              <a:spcBef>
+                <a:spcPts val="1000"/>
+              </a:spcBef>
+              <a:spcAft>
+                <a:spcPts val="1000"/>
+              </a:spcAft>
+              <a:buFont typeface="Arial" panose="020B0604020202020204" pitchFamily="34" charset="0"/>
+              <a:buChar char="•"/>
+              <a:defRPr lang="en-US" sz="1200" kern="1200" smtClean="0">
+                <a:solidFill>
+                  <a:schemeClr val="tx1">
+                    <a:lumMod val="75000"/>
+                    <a:lumOff val="25000"/>
+                  </a:schemeClr>
+                </a:solidFill>
+                <a:latin typeface="+mn-lt"/>
+                <a:ea typeface="+mn-ea"/>
+                <a:cs typeface="+mn-cs"/>
+              </a:defRPr>
+            </a:lvl4pPr>
+            <a:lvl5pPr marL="2057400" indent="-228600" algn="l" defTabSz="914400" rtl="0" eaLnBrk="1" latinLnBrk="0" hangingPunct="1">
+              <a:lnSpc>
+                <a:spcPts val="1800"/>
+              </a:lnSpc>
+              <a:spcBef>
+                <a:spcPts val="1000"/>
+              </a:spcBef>
+              <a:spcAft>
+                <a:spcPts val="1000"/>
+              </a:spcAft>
+              <a:buFont typeface="Arial" panose="020B0604020202020204" pitchFamily="34" charset="0"/>
+              <a:buChar char="•"/>
+              <a:defRPr lang="en-US" sz="1200" kern="1200">
+                <a:solidFill>
+                  <a:schemeClr val="tx1">
+                    <a:lumMod val="75000"/>
+                    <a:lumOff val="25000"/>
+                  </a:schemeClr>
+                </a:solidFill>
+                <a:latin typeface="+mn-lt"/>
+                <a:ea typeface="+mn-ea"/>
+                <a:cs typeface="+mn-cs"/>
+              </a:defRPr>
+            </a:lvl5pPr>
+            <a:lvl6pPr marL="2514600" indent="-228600" algn="l" defTabSz="914400" rtl="0" eaLnBrk="1" latinLnBrk="0" hangingPunct="1">
+              <a:lnSpc>
+                <a:spcPct val="90000"/>
+              </a:lnSpc>
+              <a:spcBef>
+                <a:spcPct val="30000"/>
+              </a:spcBef>
+              <a:buFont typeface="Arial" panose="020B0604020202020204" pitchFamily="34" charset="0"/>
+              <a:buChar char="•"/>
+              <a:defRPr sz="1800" kern="1200">
+                <a:solidFill>
+                  <a:schemeClr val="tx1"/>
+                </a:solidFill>
+                <a:latin typeface="+mn-lt"/>
+                <a:ea typeface="+mn-ea"/>
+                <a:cs typeface="+mn-cs"/>
+              </a:defRPr>
+            </a:lvl6pPr>
+            <a:lvl7pPr marL="2971800" indent="-228600" algn="l" defTabSz="914400" rtl="0" eaLnBrk="1" latinLnBrk="0" hangingPunct="1">
+              <a:lnSpc>
+                <a:spcPct val="90000"/>
+              </a:lnSpc>
+              <a:spcBef>
+                <a:spcPct val="30000"/>
+              </a:spcBef>
+              <a:buFont typeface="Arial" panose="020B0604020202020204" pitchFamily="34" charset="0"/>
+              <a:buChar char="•"/>
+              <a:defRPr sz="1800" kern="1200">
+                <a:solidFill>
+                  <a:schemeClr val="tx1"/>
+                </a:solidFill>
+                <a:latin typeface="+mn-lt"/>
+                <a:ea typeface="+mn-ea"/>
+                <a:cs typeface="+mn-cs"/>
+              </a:defRPr>
+            </a:lvl7pPr>
+            <a:lvl8pPr marL="3429000" indent="-228600" algn="l" defTabSz="914400" rtl="0" eaLnBrk="1" latinLnBrk="0" hangingPunct="1">
+              <a:lnSpc>
+                <a:spcPct val="90000"/>
+              </a:lnSpc>
+              <a:spcBef>
+                <a:spcPct val="30000"/>
+              </a:spcBef>
+              <a:buFont typeface="Arial" panose="020B0604020202020204" pitchFamily="34" charset="0"/>
+              <a:buChar char="•"/>
+              <a:defRPr sz="1800" kern="1200">
+                <a:solidFill>
+                  <a:schemeClr val="tx1"/>
+                </a:solidFill>
+                <a:latin typeface="+mn-lt"/>
+                <a:ea typeface="+mn-ea"/>
+                <a:cs typeface="+mn-cs"/>
+              </a:defRPr>
+            </a:lvl8pPr>
+            <a:lvl9pPr marL="3886200" indent="-228600" algn="l" defTabSz="914400" rtl="0" eaLnBrk="1" latinLnBrk="0" hangingPunct="1">
+              <a:lnSpc>
+                <a:spcPct val="90000"/>
+              </a:lnSpc>
+              <a:spcBef>
+                <a:spcPct val="30000"/>
+              </a:spcBef>
+              <a:buFont typeface="Arial" panose="020B0604020202020204" pitchFamily="34" charset="0"/>
+              <a:buChar char="•"/>
+              <a:defRPr sz="1800" kern="1200">
+                <a:solidFill>
+                  <a:schemeClr val="tx1"/>
+                </a:solidFill>
+                <a:latin typeface="+mn-lt"/>
+                <a:ea typeface="+mn-ea"/>
+                <a:cs typeface="+mn-cs"/>
+              </a:defRPr>
+            </a:lvl9pPr>
+          </a:lstStyle>
+          <a:p>
+            <a:pPr marL="0" lvl="0" indent="0" rtl="0">
+              <a:spcAft>
+                <a:spcPts val="2000"/>
+              </a:spcAft>
+              <a:buNone/>
+              <a:defRPr/>
+            </a:pPr>
+            <a:r>
+              <a:rPr lang="de-DE" sz="1100" dirty="0">
+                <a:solidFill>
+                  <a:prstClr val="black">
+                    <a:lumMod val="75000"/>
+                    <a:lumOff val="25000"/>
+                  </a:prstClr>
+                </a:solidFill>
+                <a:latin typeface="Segoe UI" panose="020B0502040204020203" pitchFamily="34" charset="0"/>
+                <a:cs typeface="Segoe UI" panose="020B0502040204020203" pitchFamily="34" charset="0"/>
+              </a:rPr>
+              <a:t>Wettercode</a:t>
+            </a:r>
+          </a:p>
+        </p:txBody>
+      </p:sp>
+      <p:grpSp>
+        <p:nvGrpSpPr>
+          <p:cNvPr id="11" name="Gruppieren 10" descr="Kleiner Kreis mit enthaltener Zahl 3 zur Angabe von Schritt 3">
+            <a:extLst>
+              <a:ext uri="{FF2B5EF4-FFF2-40B4-BE49-F238E27FC236}">
+                <a16:creationId xmlns:a16="http://schemas.microsoft.com/office/drawing/2014/main" id="{1C123C2D-1A23-421D-0F2C-78CB603B8CB2}"/>
+              </a:ext>
+            </a:extLst>
+          </p:cNvPr>
+          <p:cNvGrpSpPr/>
+          <p:nvPr/>
+        </p:nvGrpSpPr>
+        <p:grpSpPr bwMode="blackWhite">
+          <a:xfrm>
+            <a:off x="531552" y="5854340"/>
+            <a:ext cx="558179" cy="409838"/>
+            <a:chOff x="6953426" y="711274"/>
+            <a:chExt cx="558179" cy="409838"/>
+          </a:xfrm>
+        </p:grpSpPr>
+        <p:sp>
+          <p:nvSpPr>
+            <p:cNvPr id="12" name="Ellipse 11" descr="Kleiner Kreis">
+              <a:extLst>
+                <a:ext uri="{FF2B5EF4-FFF2-40B4-BE49-F238E27FC236}">
+                  <a16:creationId xmlns:a16="http://schemas.microsoft.com/office/drawing/2014/main" id="{3B6DD10F-516B-A099-7519-4F458A32130A}"/>
+                </a:ext>
+              </a:extLst>
+            </p:cNvPr>
+            <p:cNvSpPr/>
+            <p:nvPr/>
+          </p:nvSpPr>
+          <p:spPr bwMode="blackWhite">
+            <a:xfrm>
+              <a:off x="7025069" y="711274"/>
+              <a:ext cx="409838" cy="409838"/>
+            </a:xfrm>
+            <a:prstGeom prst="ellipse">
+              <a:avLst/>
+            </a:prstGeom>
+            <a:solidFill>
+              <a:srgbClr val="D24726"/>
+            </a:solidFill>
+            <a:ln>
+              <a:noFill/>
+            </a:ln>
+          </p:spPr>
+          <p:style>
+            <a:lnRef idx="2">
+              <a:schemeClr val="accent1">
+                <a:shade val="50000"/>
+              </a:schemeClr>
+            </a:lnRef>
+            <a:fillRef idx="1">
+              <a:schemeClr val="accent1"/>
+            </a:fillRef>
+            <a:effectRef idx="0">
+              <a:schemeClr val="accent1"/>
+            </a:effectRef>
+            <a:fontRef idx="minor">
+              <a:schemeClr val="lt1"/>
+            </a:fontRef>
+          </p:style>
+          <p:txBody>
+            <a:bodyPr rtlCol="0" anchor="ctr"/>
+            <a:lstStyle/>
+            <a:p>
+              <a:pPr algn="ctr" rtl="0"/>
+              <a:endParaRPr lang="de-DE"/>
+            </a:p>
+          </p:txBody>
+        </p:sp>
+        <p:sp>
+          <p:nvSpPr>
+            <p:cNvPr id="13" name="Textfeld 12" descr="Zahl 3">
+              <a:extLst>
+                <a:ext uri="{FF2B5EF4-FFF2-40B4-BE49-F238E27FC236}">
+                  <a16:creationId xmlns:a16="http://schemas.microsoft.com/office/drawing/2014/main" id="{146ABDAB-7E29-59D8-72DA-5C049AFC1673}"/>
+                </a:ext>
+              </a:extLst>
+            </p:cNvPr>
+            <p:cNvSpPr txBox="1">
+              <a:spLocks noChangeAspect="1"/>
+            </p:cNvSpPr>
+            <p:nvPr/>
+          </p:nvSpPr>
+          <p:spPr bwMode="blackWhite">
+            <a:xfrm>
+              <a:off x="6953426" y="727564"/>
+              <a:ext cx="558179" cy="369332"/>
+            </a:xfrm>
+            <a:prstGeom prst="rect">
+              <a:avLst/>
+            </a:prstGeom>
+            <a:noFill/>
+          </p:spPr>
+          <p:txBody>
+            <a:bodyPr wrap="square" rtlCol="0">
+              <a:spAutoFit/>
+            </a:bodyPr>
+            <a:lstStyle/>
+            <a:p>
+              <a:pPr algn="ctr" rtl="0"/>
+              <a:r>
+                <a:rPr lang="de-DE" dirty="0">
+                  <a:solidFill>
+                    <a:schemeClr val="bg1"/>
+                  </a:solidFill>
+                  <a:latin typeface="Segoe UI Semibold" panose="020B0702040204020203" pitchFamily="34" charset="0"/>
+                  <a:cs typeface="Segoe UI Semibold" panose="020B0702040204020203" pitchFamily="34" charset="0"/>
+                </a:rPr>
+                <a:t>7</a:t>
+              </a:r>
+            </a:p>
+          </p:txBody>
+        </p:sp>
+      </p:grpSp>
+      <p:sp>
+        <p:nvSpPr>
+          <p:cNvPr id="14" name="Inhaltsplatzhalter 17">
+            <a:extLst>
+              <a:ext uri="{FF2B5EF4-FFF2-40B4-BE49-F238E27FC236}">
+                <a16:creationId xmlns:a16="http://schemas.microsoft.com/office/drawing/2014/main" id="{922DBD11-E6EB-DD15-CEA2-821DDC94186E}"/>
+              </a:ext>
+            </a:extLst>
+          </p:cNvPr>
+          <p:cNvSpPr txBox="1">
+            <a:spLocks/>
+          </p:cNvSpPr>
+          <p:nvPr/>
+        </p:nvSpPr>
+        <p:spPr>
+          <a:xfrm>
+            <a:off x="1056514" y="5867098"/>
+            <a:ext cx="5303098" cy="761144"/>
+          </a:xfrm>
+          <a:prstGeom prst="rect">
+            <a:avLst/>
+          </a:prstGeom>
+        </p:spPr>
+        <p:txBody>
+          <a:bodyPr vert="horz" lIns="91440" tIns="45720" rIns="91440" bIns="45720" rtlCol="0">
+            <a:normAutofit/>
+          </a:bodyPr>
+          <a:lstStyle>
+            <a:lvl1pPr marL="228600" indent="-228600" algn="l" defTabSz="914400" rtl="0" eaLnBrk="1" latinLnBrk="0" hangingPunct="1">
+              <a:lnSpc>
+                <a:spcPts val="1800"/>
+              </a:lnSpc>
+              <a:spcBef>
+                <a:spcPts val="1000"/>
+              </a:spcBef>
+              <a:spcAft>
+                <a:spcPts val="1000"/>
+              </a:spcAft>
+              <a:buFont typeface="Arial" panose="020B0604020202020204" pitchFamily="34" charset="0"/>
+              <a:buChar char="•"/>
+              <a:defRPr lang="en-US" sz="1200" kern="1200" smtClean="0">
+                <a:solidFill>
+                  <a:schemeClr val="tx1">
+                    <a:lumMod val="75000"/>
+                    <a:lumOff val="25000"/>
+                  </a:schemeClr>
+                </a:solidFill>
+                <a:latin typeface="+mn-lt"/>
+                <a:ea typeface="+mn-ea"/>
+                <a:cs typeface="+mn-cs"/>
+              </a:defRPr>
+            </a:lvl1pPr>
+            <a:lvl2pPr marL="685800" indent="-228600" algn="l" defTabSz="914400" rtl="0" eaLnBrk="1" latinLnBrk="0" hangingPunct="1">
+              <a:lnSpc>
+                <a:spcPts val="1800"/>
+              </a:lnSpc>
+              <a:spcBef>
+                <a:spcPts val="1000"/>
+              </a:spcBef>
+              <a:spcAft>
+                <a:spcPts val="1000"/>
+              </a:spcAft>
+              <a:buFont typeface="Arial" panose="020B0604020202020204" pitchFamily="34" charset="0"/>
+              <a:buChar char="•"/>
+              <a:defRPr lang="en-US" sz="1200" kern="1200" smtClean="0">
+                <a:solidFill>
+                  <a:schemeClr val="tx1">
+                    <a:lumMod val="75000"/>
+                    <a:lumOff val="25000"/>
+                  </a:schemeClr>
+                </a:solidFill>
+                <a:latin typeface="+mn-lt"/>
+                <a:ea typeface="+mn-ea"/>
+                <a:cs typeface="+mn-cs"/>
+              </a:defRPr>
+            </a:lvl2pPr>
+            <a:lvl3pPr marL="1143000" indent="-228600" algn="l" defTabSz="914400" rtl="0" eaLnBrk="1" latinLnBrk="0" hangingPunct="1">
+              <a:lnSpc>
+                <a:spcPts val="1800"/>
+              </a:lnSpc>
+              <a:spcBef>
+                <a:spcPts val="1000"/>
+              </a:spcBef>
+              <a:spcAft>
+                <a:spcPts val="1000"/>
+              </a:spcAft>
+              <a:buFont typeface="Arial" panose="020B0604020202020204" pitchFamily="34" charset="0"/>
+              <a:buChar char="•"/>
+              <a:defRPr lang="en-US" sz="1200" kern="1200" smtClean="0">
+                <a:solidFill>
+                  <a:schemeClr val="tx1">
+                    <a:lumMod val="75000"/>
+                    <a:lumOff val="25000"/>
+                  </a:schemeClr>
+                </a:solidFill>
+                <a:latin typeface="+mn-lt"/>
+                <a:ea typeface="+mn-ea"/>
+                <a:cs typeface="+mn-cs"/>
+              </a:defRPr>
+            </a:lvl3pPr>
+            <a:lvl4pPr marL="1600200" indent="-228600" algn="l" defTabSz="914400" rtl="0" eaLnBrk="1" latinLnBrk="0" hangingPunct="1">
+              <a:lnSpc>
+                <a:spcPts val="1800"/>
+              </a:lnSpc>
+              <a:spcBef>
+                <a:spcPts val="1000"/>
+              </a:spcBef>
+              <a:spcAft>
+                <a:spcPts val="1000"/>
+              </a:spcAft>
+              <a:buFont typeface="Arial" panose="020B0604020202020204" pitchFamily="34" charset="0"/>
+              <a:buChar char="•"/>
+              <a:defRPr lang="en-US" sz="1200" kern="1200" smtClean="0">
+                <a:solidFill>
+                  <a:schemeClr val="tx1">
+                    <a:lumMod val="75000"/>
+                    <a:lumOff val="25000"/>
+                  </a:schemeClr>
+                </a:solidFill>
+                <a:latin typeface="+mn-lt"/>
+                <a:ea typeface="+mn-ea"/>
+                <a:cs typeface="+mn-cs"/>
+              </a:defRPr>
+            </a:lvl4pPr>
+            <a:lvl5pPr marL="2057400" indent="-228600" algn="l" defTabSz="914400" rtl="0" eaLnBrk="1" latinLnBrk="0" hangingPunct="1">
+              <a:lnSpc>
+                <a:spcPts val="1800"/>
+              </a:lnSpc>
+              <a:spcBef>
+                <a:spcPts val="1000"/>
+              </a:spcBef>
+              <a:spcAft>
+                <a:spcPts val="1000"/>
+              </a:spcAft>
+              <a:buFont typeface="Arial" panose="020B0604020202020204" pitchFamily="34" charset="0"/>
+              <a:buChar char="•"/>
+              <a:defRPr lang="en-US" sz="1200" kern="1200">
+                <a:solidFill>
+                  <a:schemeClr val="tx1">
+                    <a:lumMod val="75000"/>
+                    <a:lumOff val="25000"/>
+                  </a:schemeClr>
+                </a:solidFill>
+                <a:latin typeface="+mn-lt"/>
+                <a:ea typeface="+mn-ea"/>
+                <a:cs typeface="+mn-cs"/>
+              </a:defRPr>
+            </a:lvl5pPr>
+            <a:lvl6pPr marL="2514600" indent="-228600" algn="l" defTabSz="914400" rtl="0" eaLnBrk="1" latinLnBrk="0" hangingPunct="1">
+              <a:lnSpc>
+                <a:spcPct val="90000"/>
+              </a:lnSpc>
+              <a:spcBef>
+                <a:spcPct val="30000"/>
+              </a:spcBef>
+              <a:buFont typeface="Arial" panose="020B0604020202020204" pitchFamily="34" charset="0"/>
+              <a:buChar char="•"/>
+              <a:defRPr sz="1800" kern="1200">
+                <a:solidFill>
+                  <a:schemeClr val="tx1"/>
+                </a:solidFill>
+                <a:latin typeface="+mn-lt"/>
+                <a:ea typeface="+mn-ea"/>
+                <a:cs typeface="+mn-cs"/>
+              </a:defRPr>
+            </a:lvl6pPr>
+            <a:lvl7pPr marL="2971800" indent="-228600" algn="l" defTabSz="914400" rtl="0" eaLnBrk="1" latinLnBrk="0" hangingPunct="1">
+              <a:lnSpc>
+                <a:spcPct val="90000"/>
+              </a:lnSpc>
+              <a:spcBef>
+                <a:spcPct val="30000"/>
+              </a:spcBef>
+              <a:buFont typeface="Arial" panose="020B0604020202020204" pitchFamily="34" charset="0"/>
+              <a:buChar char="•"/>
+              <a:defRPr sz="1800" kern="1200">
+                <a:solidFill>
+                  <a:schemeClr val="tx1"/>
+                </a:solidFill>
+                <a:latin typeface="+mn-lt"/>
+                <a:ea typeface="+mn-ea"/>
+                <a:cs typeface="+mn-cs"/>
+              </a:defRPr>
+            </a:lvl7pPr>
+            <a:lvl8pPr marL="3429000" indent="-228600" algn="l" defTabSz="914400" rtl="0" eaLnBrk="1" latinLnBrk="0" hangingPunct="1">
+              <a:lnSpc>
+                <a:spcPct val="90000"/>
+              </a:lnSpc>
+              <a:spcBef>
+                <a:spcPct val="30000"/>
+              </a:spcBef>
+              <a:buFont typeface="Arial" panose="020B0604020202020204" pitchFamily="34" charset="0"/>
+              <a:buChar char="•"/>
+              <a:defRPr sz="1800" kern="1200">
+                <a:solidFill>
+                  <a:schemeClr val="tx1"/>
+                </a:solidFill>
+                <a:latin typeface="+mn-lt"/>
+                <a:ea typeface="+mn-ea"/>
+                <a:cs typeface="+mn-cs"/>
+              </a:defRPr>
+            </a:lvl8pPr>
+            <a:lvl9pPr marL="3886200" indent="-228600" algn="l" defTabSz="914400" rtl="0" eaLnBrk="1" latinLnBrk="0" hangingPunct="1">
+              <a:lnSpc>
+                <a:spcPct val="90000"/>
+              </a:lnSpc>
+              <a:spcBef>
+                <a:spcPct val="30000"/>
+              </a:spcBef>
+              <a:buFont typeface="Arial" panose="020B0604020202020204" pitchFamily="34" charset="0"/>
+              <a:buChar char="•"/>
+              <a:defRPr sz="1800" kern="1200">
+                <a:solidFill>
+                  <a:schemeClr val="tx1"/>
+                </a:solidFill>
+                <a:latin typeface="+mn-lt"/>
+                <a:ea typeface="+mn-ea"/>
+                <a:cs typeface="+mn-cs"/>
+              </a:defRPr>
+            </a:lvl9pPr>
+          </a:lstStyle>
+          <a:p>
+            <a:pPr marL="0" lvl="0" indent="0" rtl="0">
+              <a:spcAft>
+                <a:spcPts val="600"/>
+              </a:spcAft>
+              <a:buNone/>
+              <a:defRPr/>
+            </a:pPr>
+            <a:r>
+              <a:rPr lang="de-DE" sz="1100" dirty="0">
+                <a:solidFill>
+                  <a:prstClr val="black">
+                    <a:lumMod val="75000"/>
+                    <a:lumOff val="25000"/>
+                  </a:prstClr>
+                </a:solidFill>
+                <a:latin typeface="Segoe UI" panose="020B0502040204020203" pitchFamily="34" charset="0"/>
+                <a:cs typeface="Segoe UI" panose="020B0502040204020203" pitchFamily="34" charset="0"/>
+              </a:rPr>
+              <a:t>Schulferien</a:t>
+            </a:r>
+            <a:endParaRPr lang="de-DE" sz="1100" dirty="0">
+              <a:solidFill>
+                <a:prstClr val="black">
+                  <a:lumMod val="75000"/>
+                  <a:lumOff val="25000"/>
+                </a:prstClr>
+              </a:solidFill>
+              <a:cs typeface="Segoe UI"/>
+            </a:endParaRPr>
+          </a:p>
+        </p:txBody>
+      </p:sp>
     </p:spTree>
     <p:extLst>
       <p:ext uri="{BB962C8B-B14F-4D97-AF65-F5344CB8AC3E}">
@@ -10607,7 +12861,7 @@
           <a:effectLst/>
           <a:extLst>
             <a:ext uri="{C572A759-6A51-4108-AA02-DFA0A04FC94B}">
-              <ma14:wrappingTextBoxFlag xmlns="" xmlns:ma14="http://schemas.microsoft.com/office/mac/drawingml/2011/main"/>
+              <ma14:wrappingTextBoxFlag xmlns:ma14="http://schemas.microsoft.com/office/mac/drawingml/2011/main" xmlns=""/>
             </a:ext>
           </a:extLst>
         </p:spPr>

--- a/4_Presentation/Präsentation.pptx
+++ b/4_Presentation/Präsentation.pptx
@@ -5,21 +5,17 @@
     <p:sldMasterId id="2147483660" r:id="rId1"/>
   </p:sldMasterIdLst>
   <p:notesMasterIdLst>
-    <p:notesMasterId r:id="rId11"/>
+    <p:notesMasterId r:id="rId7"/>
   </p:notesMasterIdLst>
   <p:handoutMasterIdLst>
-    <p:handoutMasterId r:id="rId12"/>
+    <p:handoutMasterId r:id="rId8"/>
   </p:handoutMasterIdLst>
   <p:sldIdLst>
     <p:sldId id="256" r:id="rId2"/>
     <p:sldId id="283" r:id="rId3"/>
     <p:sldId id="279" r:id="rId4"/>
-    <p:sldId id="281" r:id="rId5"/>
-    <p:sldId id="280" r:id="rId6"/>
-    <p:sldId id="257" r:id="rId7"/>
-    <p:sldId id="275" r:id="rId8"/>
-    <p:sldId id="276" r:id="rId9"/>
-    <p:sldId id="282" r:id="rId10"/>
+    <p:sldId id="280" r:id="rId5"/>
+    <p:sldId id="282" r:id="rId6"/>
   </p:sldIdLst>
   <p:sldSz cx="12192000" cy="6858000"/>
   <p:notesSz cx="6858000" cy="9144000"/>
@@ -130,11 +126,7 @@
           <p14:sldIdLst>
             <p14:sldId id="283"/>
             <p14:sldId id="279"/>
-            <p14:sldId id="281"/>
             <p14:sldId id="280"/>
-            <p14:sldId id="257"/>
-            <p14:sldId id="275"/>
-            <p14:sldId id="276"/>
           </p14:sldIdLst>
         </p14:section>
         <p14:section name="Weitere Informationen" id="{2CC34DB2-6590-42C0-AD4B-A04C6060184E}">
@@ -1032,7 +1024,7 @@
     </p:spTree>
     <p:extLst>
       <p:ext uri="{BB962C8B-B14F-4D97-AF65-F5344CB8AC3E}">
-        <p14:creationId xmlns:p14="http://schemas.microsoft.com/office/powerpoint/2010/main" val="3277352653"/>
+        <p14:creationId xmlns:p14="http://schemas.microsoft.com/office/powerpoint/2010/main" val="1913463247"/>
       </p:ext>
     </p:extLst>
   </p:cSld>
@@ -1043,347 +1035,6 @@
 </file>
 
 <file path=ppt/notesSlides/notesSlide5.xml><?xml version="1.0" encoding="utf-8"?>
-<p:notes xmlns:a="http://schemas.openxmlformats.org/drawingml/2006/main" xmlns:r="http://schemas.openxmlformats.org/officeDocument/2006/relationships" xmlns:p="http://schemas.openxmlformats.org/presentationml/2006/main">
-  <p:cSld>
-    <p:spTree>
-      <p:nvGrpSpPr>
-        <p:cNvPr id="1" name=""/>
-        <p:cNvGrpSpPr/>
-        <p:nvPr/>
-      </p:nvGrpSpPr>
-      <p:grpSpPr>
-        <a:xfrm>
-          <a:off x="0" y="0"/>
-          <a:ext cx="0" cy="0"/>
-          <a:chOff x="0" y="0"/>
-          <a:chExt cx="0" cy="0"/>
-        </a:xfrm>
-      </p:grpSpPr>
-      <p:sp>
-        <p:nvSpPr>
-          <p:cNvPr id="2" name="Folienbildplatzhalter 1"/>
-          <p:cNvSpPr>
-            <a:spLocks noGrp="1" noRot="1" noChangeAspect="1"/>
-          </p:cNvSpPr>
-          <p:nvPr>
-            <p:ph type="sldImg"/>
-          </p:nvPr>
-        </p:nvSpPr>
-        <p:spPr/>
-      </p:sp>
-      <p:sp>
-        <p:nvSpPr>
-          <p:cNvPr id="3" name="Notizenplatzhalter 2"/>
-          <p:cNvSpPr>
-            <a:spLocks noGrp="1"/>
-          </p:cNvSpPr>
-          <p:nvPr>
-            <p:ph type="body" idx="1"/>
-          </p:nvPr>
-        </p:nvSpPr>
-        <p:spPr/>
-        <p:txBody>
-          <a:bodyPr/>
-          <a:lstStyle/>
-          <a:p>
-            <a:endParaRPr lang="de-DE" dirty="0"/>
-          </a:p>
-        </p:txBody>
-      </p:sp>
-      <p:sp>
-        <p:nvSpPr>
-          <p:cNvPr id="4" name="Foliennummernplatzhalter 3"/>
-          <p:cNvSpPr>
-            <a:spLocks noGrp="1"/>
-          </p:cNvSpPr>
-          <p:nvPr>
-            <p:ph type="sldNum" sz="quarter" idx="5"/>
-          </p:nvPr>
-        </p:nvSpPr>
-        <p:spPr/>
-        <p:txBody>
-          <a:bodyPr/>
-          <a:lstStyle/>
-          <a:p>
-            <a:pPr rtl="0"/>
-            <a:fld id="{DF61EA0F-A667-4B49-8422-0062BC55E249}" type="slidenum">
-              <a:rPr lang="de-DE" smtClean="0"/>
-              <a:t>5</a:t>
-            </a:fld>
-            <a:endParaRPr lang="de-DE"/>
-          </a:p>
-        </p:txBody>
-      </p:sp>
-    </p:spTree>
-    <p:extLst>
-      <p:ext uri="{BB962C8B-B14F-4D97-AF65-F5344CB8AC3E}">
-        <p14:creationId xmlns:p14="http://schemas.microsoft.com/office/powerpoint/2010/main" val="1913463247"/>
-      </p:ext>
-    </p:extLst>
-  </p:cSld>
-  <p:clrMapOvr>
-    <a:masterClrMapping/>
-  </p:clrMapOvr>
-</p:notes>
-</file>
-
-<file path=ppt/notesSlides/notesSlide6.xml><?xml version="1.0" encoding="utf-8"?>
-<p:notes xmlns:a="http://schemas.openxmlformats.org/drawingml/2006/main" xmlns:r="http://schemas.openxmlformats.org/officeDocument/2006/relationships" xmlns:p="http://schemas.openxmlformats.org/presentationml/2006/main">
-  <p:cSld>
-    <p:spTree>
-      <p:nvGrpSpPr>
-        <p:cNvPr id="1" name=""/>
-        <p:cNvGrpSpPr/>
-        <p:nvPr/>
-      </p:nvGrpSpPr>
-      <p:grpSpPr>
-        <a:xfrm>
-          <a:off x="0" y="0"/>
-          <a:ext cx="0" cy="0"/>
-          <a:chOff x="0" y="0"/>
-          <a:chExt cx="0" cy="0"/>
-        </a:xfrm>
-      </p:grpSpPr>
-      <p:sp>
-        <p:nvSpPr>
-          <p:cNvPr id="2" name="Folienbildplatzhalter 1"/>
-          <p:cNvSpPr>
-            <a:spLocks noGrp="1" noRot="1" noChangeAspect="1"/>
-          </p:cNvSpPr>
-          <p:nvPr>
-            <p:ph type="sldImg"/>
-          </p:nvPr>
-        </p:nvSpPr>
-        <p:spPr/>
-      </p:sp>
-      <p:sp>
-        <p:nvSpPr>
-          <p:cNvPr id="3" name="Notizenplatzhalter 2"/>
-          <p:cNvSpPr>
-            <a:spLocks noGrp="1"/>
-          </p:cNvSpPr>
-          <p:nvPr>
-            <p:ph type="body" idx="1"/>
-          </p:nvPr>
-        </p:nvSpPr>
-        <p:spPr/>
-        <p:txBody>
-          <a:bodyPr rtlCol="0"/>
-          <a:lstStyle/>
-          <a:p>
-            <a:pPr rtl="0"/>
-            <a:endParaRPr lang="de-DE" dirty="0"/>
-          </a:p>
-        </p:txBody>
-      </p:sp>
-      <p:sp>
-        <p:nvSpPr>
-          <p:cNvPr id="4" name="Foliennummernplatzhalter 3"/>
-          <p:cNvSpPr>
-            <a:spLocks noGrp="1"/>
-          </p:cNvSpPr>
-          <p:nvPr>
-            <p:ph type="sldNum" sz="quarter" idx="5"/>
-          </p:nvPr>
-        </p:nvSpPr>
-        <p:spPr/>
-        <p:txBody>
-          <a:bodyPr rtlCol="0"/>
-          <a:lstStyle/>
-          <a:p>
-            <a:pPr rtl="0"/>
-            <a:fld id="{DF61EA0F-A667-4B49-8422-0062BC55E249}" type="slidenum">
-              <a:rPr lang="de-DE" smtClean="0"/>
-              <a:t>6</a:t>
-            </a:fld>
-            <a:endParaRPr lang="de-DE"/>
-          </a:p>
-        </p:txBody>
-      </p:sp>
-    </p:spTree>
-    <p:extLst>
-      <p:ext uri="{BB962C8B-B14F-4D97-AF65-F5344CB8AC3E}">
-        <p14:creationId xmlns:p14="http://schemas.microsoft.com/office/powerpoint/2010/main" val="3034230060"/>
-      </p:ext>
-    </p:extLst>
-  </p:cSld>
-  <p:clrMapOvr>
-    <a:masterClrMapping/>
-  </p:clrMapOvr>
-</p:notes>
-</file>
-
-<file path=ppt/notesSlides/notesSlide7.xml><?xml version="1.0" encoding="utf-8"?>
-<p:notes xmlns:a="http://schemas.openxmlformats.org/drawingml/2006/main" xmlns:r="http://schemas.openxmlformats.org/officeDocument/2006/relationships" xmlns:p="http://schemas.openxmlformats.org/presentationml/2006/main">
-  <p:cSld>
-    <p:spTree>
-      <p:nvGrpSpPr>
-        <p:cNvPr id="1" name=""/>
-        <p:cNvGrpSpPr/>
-        <p:nvPr/>
-      </p:nvGrpSpPr>
-      <p:grpSpPr>
-        <a:xfrm>
-          <a:off x="0" y="0"/>
-          <a:ext cx="0" cy="0"/>
-          <a:chOff x="0" y="0"/>
-          <a:chExt cx="0" cy="0"/>
-        </a:xfrm>
-      </p:grpSpPr>
-      <p:sp>
-        <p:nvSpPr>
-          <p:cNvPr id="2" name="Folienbildplatzhalter 1"/>
-          <p:cNvSpPr>
-            <a:spLocks noGrp="1" noRot="1" noChangeAspect="1"/>
-          </p:cNvSpPr>
-          <p:nvPr>
-            <p:ph type="sldImg"/>
-          </p:nvPr>
-        </p:nvSpPr>
-        <p:spPr/>
-      </p:sp>
-      <p:sp>
-        <p:nvSpPr>
-          <p:cNvPr id="3" name="Notizenplatzhalter 2"/>
-          <p:cNvSpPr>
-            <a:spLocks noGrp="1"/>
-          </p:cNvSpPr>
-          <p:nvPr>
-            <p:ph type="body" idx="1"/>
-          </p:nvPr>
-        </p:nvSpPr>
-        <p:spPr/>
-        <p:txBody>
-          <a:bodyPr/>
-          <a:lstStyle/>
-          <a:p>
-            <a:endParaRPr lang="de-DE" dirty="0"/>
-          </a:p>
-        </p:txBody>
-      </p:sp>
-      <p:sp>
-        <p:nvSpPr>
-          <p:cNvPr id="4" name="Foliennummernplatzhalter 3"/>
-          <p:cNvSpPr>
-            <a:spLocks noGrp="1"/>
-          </p:cNvSpPr>
-          <p:nvPr>
-            <p:ph type="sldNum" sz="quarter" idx="5"/>
-          </p:nvPr>
-        </p:nvSpPr>
-        <p:spPr/>
-        <p:txBody>
-          <a:bodyPr/>
-          <a:lstStyle/>
-          <a:p>
-            <a:pPr rtl="0"/>
-            <a:fld id="{DF61EA0F-A667-4B49-8422-0062BC55E249}" type="slidenum">
-              <a:rPr lang="de-DE" smtClean="0"/>
-              <a:t>7</a:t>
-            </a:fld>
-            <a:endParaRPr lang="de-DE"/>
-          </a:p>
-        </p:txBody>
-      </p:sp>
-    </p:spTree>
-    <p:extLst>
-      <p:ext uri="{BB962C8B-B14F-4D97-AF65-F5344CB8AC3E}">
-        <p14:creationId xmlns:p14="http://schemas.microsoft.com/office/powerpoint/2010/main" val="4154460336"/>
-      </p:ext>
-    </p:extLst>
-  </p:cSld>
-  <p:clrMapOvr>
-    <a:masterClrMapping/>
-  </p:clrMapOvr>
-</p:notes>
-</file>
-
-<file path=ppt/notesSlides/notesSlide8.xml><?xml version="1.0" encoding="utf-8"?>
-<p:notes xmlns:a="http://schemas.openxmlformats.org/drawingml/2006/main" xmlns:r="http://schemas.openxmlformats.org/officeDocument/2006/relationships" xmlns:p="http://schemas.openxmlformats.org/presentationml/2006/main">
-  <p:cSld>
-    <p:spTree>
-      <p:nvGrpSpPr>
-        <p:cNvPr id="1" name=""/>
-        <p:cNvGrpSpPr/>
-        <p:nvPr/>
-      </p:nvGrpSpPr>
-      <p:grpSpPr>
-        <a:xfrm>
-          <a:off x="0" y="0"/>
-          <a:ext cx="0" cy="0"/>
-          <a:chOff x="0" y="0"/>
-          <a:chExt cx="0" cy="0"/>
-        </a:xfrm>
-      </p:grpSpPr>
-      <p:sp>
-        <p:nvSpPr>
-          <p:cNvPr id="2" name="Folienbildplatzhalter 1"/>
-          <p:cNvSpPr>
-            <a:spLocks noGrp="1" noRot="1" noChangeAspect="1"/>
-          </p:cNvSpPr>
-          <p:nvPr>
-            <p:ph type="sldImg"/>
-          </p:nvPr>
-        </p:nvSpPr>
-        <p:spPr/>
-      </p:sp>
-      <p:sp>
-        <p:nvSpPr>
-          <p:cNvPr id="3" name="Notizenplatzhalter 2"/>
-          <p:cNvSpPr>
-            <a:spLocks noGrp="1"/>
-          </p:cNvSpPr>
-          <p:nvPr>
-            <p:ph type="body" idx="1"/>
-          </p:nvPr>
-        </p:nvSpPr>
-        <p:spPr/>
-        <p:txBody>
-          <a:bodyPr/>
-          <a:lstStyle/>
-          <a:p>
-            <a:endParaRPr lang="de-DE" dirty="0"/>
-          </a:p>
-        </p:txBody>
-      </p:sp>
-      <p:sp>
-        <p:nvSpPr>
-          <p:cNvPr id="4" name="Foliennummernplatzhalter 3"/>
-          <p:cNvSpPr>
-            <a:spLocks noGrp="1"/>
-          </p:cNvSpPr>
-          <p:nvPr>
-            <p:ph type="sldNum" sz="quarter" idx="5"/>
-          </p:nvPr>
-        </p:nvSpPr>
-        <p:spPr/>
-        <p:txBody>
-          <a:bodyPr/>
-          <a:lstStyle/>
-          <a:p>
-            <a:pPr rtl="0"/>
-            <a:fld id="{DF61EA0F-A667-4B49-8422-0062BC55E249}" type="slidenum">
-              <a:rPr lang="de-DE" smtClean="0"/>
-              <a:t>8</a:t>
-            </a:fld>
-            <a:endParaRPr lang="de-DE"/>
-          </a:p>
-        </p:txBody>
-      </p:sp>
-    </p:spTree>
-    <p:extLst>
-      <p:ext uri="{BB962C8B-B14F-4D97-AF65-F5344CB8AC3E}">
-        <p14:creationId xmlns:p14="http://schemas.microsoft.com/office/powerpoint/2010/main" val="2771804624"/>
-      </p:ext>
-    </p:extLst>
-  </p:cSld>
-  <p:clrMapOvr>
-    <a:masterClrMapping/>
-  </p:clrMapOvr>
-</p:notes>
-</file>
-
-<file path=ppt/notesSlides/notesSlide9.xml><?xml version="1.0" encoding="utf-8"?>
 <p:notes xmlns:a="http://schemas.openxmlformats.org/drawingml/2006/main" xmlns:r="http://schemas.openxmlformats.org/officeDocument/2006/relationships" xmlns:p="http://schemas.openxmlformats.org/presentationml/2006/main">
   <p:cSld>
     <p:spTree>
@@ -1455,7 +1106,7 @@
             <a:pPr rtl="0"/>
             <a:fld id="{DF61EA0F-A667-4B49-8422-0062BC55E249}" type="slidenum">
               <a:rPr lang="de-DE" smtClean="0"/>
-              <a:t>9</a:t>
+              <a:t>5</a:t>
             </a:fld>
             <a:endParaRPr lang="de-DE"/>
           </a:p>
@@ -3135,123 +2786,6 @@
           </a:prstGeom>
         </p:spPr>
       </p:pic>
-      <p:grpSp>
-        <p:nvGrpSpPr>
-          <p:cNvPr id="5" name="Gruppieren 4" descr="Kleiner Kreis mit enthaltener Zahl 1 zur Angabe von Schritt 1">
-            <a:extLst>
-              <a:ext uri="{FF2B5EF4-FFF2-40B4-BE49-F238E27FC236}">
-                <a16:creationId xmlns:a16="http://schemas.microsoft.com/office/drawing/2014/main" id="{39771933-B5ED-595F-EC9F-53AC411823D5}"/>
-              </a:ext>
-            </a:extLst>
-          </p:cNvPr>
-          <p:cNvGrpSpPr/>
-          <p:nvPr/>
-        </p:nvGrpSpPr>
-        <p:grpSpPr bwMode="blackWhite">
-          <a:xfrm>
-            <a:off x="531552" y="1917997"/>
-            <a:ext cx="558179" cy="409838"/>
-            <a:chOff x="6953426" y="711274"/>
-            <a:chExt cx="558179" cy="409838"/>
-          </a:xfrm>
-        </p:grpSpPr>
-        <p:sp>
-          <p:nvSpPr>
-            <p:cNvPr id="6" name="Ellipse 5" descr="Kleiner Kreis">
-              <a:extLst>
-                <a:ext uri="{FF2B5EF4-FFF2-40B4-BE49-F238E27FC236}">
-                  <a16:creationId xmlns:a16="http://schemas.microsoft.com/office/drawing/2014/main" id="{7D728C57-FC52-A627-FBB3-E16EE1A0A31C}"/>
-                </a:ext>
-              </a:extLst>
-            </p:cNvPr>
-            <p:cNvSpPr/>
-            <p:nvPr/>
-          </p:nvSpPr>
-          <p:spPr bwMode="blackWhite">
-            <a:xfrm>
-              <a:off x="7025069" y="711274"/>
-              <a:ext cx="409838" cy="409838"/>
-            </a:xfrm>
-            <a:prstGeom prst="ellipse">
-              <a:avLst/>
-            </a:prstGeom>
-            <a:solidFill>
-              <a:srgbClr val="D24726"/>
-            </a:solidFill>
-            <a:ln>
-              <a:noFill/>
-            </a:ln>
-          </p:spPr>
-          <p:style>
-            <a:lnRef idx="2">
-              <a:schemeClr val="accent1">
-                <a:shade val="50000"/>
-              </a:schemeClr>
-            </a:lnRef>
-            <a:fillRef idx="1">
-              <a:schemeClr val="accent1"/>
-            </a:fillRef>
-            <a:effectRef idx="0">
-              <a:schemeClr val="accent1"/>
-            </a:effectRef>
-            <a:fontRef idx="minor">
-              <a:schemeClr val="lt1"/>
-            </a:fontRef>
-          </p:style>
-          <p:txBody>
-            <a:bodyPr rtlCol="0" anchor="ctr"/>
-            <a:lstStyle/>
-            <a:p>
-              <a:pPr algn="ctr" rtl="0"/>
-              <a:endParaRPr lang="de-DE"/>
-            </a:p>
-          </p:txBody>
-        </p:sp>
-        <p:sp>
-          <p:nvSpPr>
-            <p:cNvPr id="7" name="Textfeld 6" descr="Zahl 1">
-              <a:extLst>
-                <a:ext uri="{FF2B5EF4-FFF2-40B4-BE49-F238E27FC236}">
-                  <a16:creationId xmlns:a16="http://schemas.microsoft.com/office/drawing/2014/main" id="{8F5F086C-DE1D-936B-74AC-07FB9E11781A}"/>
-                </a:ext>
-              </a:extLst>
-            </p:cNvPr>
-            <p:cNvSpPr txBox="1">
-              <a:spLocks noChangeAspect="1"/>
-            </p:cNvSpPr>
-            <p:nvPr/>
-          </p:nvSpPr>
-          <p:spPr bwMode="blackWhite">
-            <a:xfrm>
-              <a:off x="6953426" y="727564"/>
-              <a:ext cx="558179" cy="369332"/>
-            </a:xfrm>
-            <a:prstGeom prst="rect">
-              <a:avLst/>
-            </a:prstGeom>
-            <a:noFill/>
-          </p:spPr>
-          <p:txBody>
-            <a:bodyPr wrap="square" rtlCol="0">
-              <a:spAutoFit/>
-            </a:bodyPr>
-            <a:lstStyle/>
-            <a:p>
-              <a:pPr algn="ctr" rtl="0"/>
-              <a:r>
-                <a:rPr lang="de-DE">
-                  <a:solidFill>
-                    <a:schemeClr val="bg1"/>
-                  </a:solidFill>
-                  <a:latin typeface="Segoe UI Semibold" panose="020B0702040204020203" pitchFamily="34" charset="0"/>
-                  <a:cs typeface="Segoe UI Semibold" panose="020B0702040204020203" pitchFamily="34" charset="0"/>
-                </a:rPr>
-                <a:t>1</a:t>
-              </a:r>
-            </a:p>
-          </p:txBody>
-        </p:sp>
-      </p:grpSp>
     </p:spTree>
     <p:extLst>
       <p:ext uri="{BB962C8B-B14F-4D97-AF65-F5344CB8AC3E}">
@@ -3981,7 +3515,6 @@
                     <a:lumOff val="25000"/>
                   </a:prstClr>
                 </a:solidFill>
-                <a:latin typeface="Segoe UI" panose="020B0502040204020203" pitchFamily="34" charset="0"/>
                 <a:cs typeface="Segoe UI" panose="020B0502040204020203" pitchFamily="34" charset="0"/>
               </a:rPr>
               <a:t>Zugehörige Balkendiagramme mit Konfidenzintervallen</a:t>
@@ -4747,7 +4280,6 @@
                     <a:lumOff val="25000"/>
                   </a:prstClr>
                 </a:solidFill>
-                <a:latin typeface="Segoe UI" panose="020B0502040204020203" pitchFamily="34" charset="0"/>
                 <a:cs typeface="Segoe UI" panose="020B0502040204020203" pitchFamily="34" charset="0"/>
               </a:rPr>
               <a:t>Optimierung eines neuronalen Netzes</a:t>
@@ -4772,7 +4304,6 @@
                     <a:lumOff val="25000"/>
                   </a:prstClr>
                 </a:solidFill>
-                <a:latin typeface="Segoe UI" panose="020B0502040204020203" pitchFamily="34" charset="0"/>
                 <a:cs typeface="Segoe UI" panose="020B0502040204020203" pitchFamily="34" charset="0"/>
               </a:rPr>
               <a:t>Source Code</a:t>
@@ -4797,7 +4328,6 @@
                     <a:lumOff val="25000"/>
                   </a:prstClr>
                 </a:solidFill>
-                <a:latin typeface="Segoe UI" panose="020B0502040204020203" pitchFamily="34" charset="0"/>
                 <a:cs typeface="Segoe UI" panose="020B0502040204020203" pitchFamily="34" charset="0"/>
               </a:rPr>
               <a:t>Darstellung Loss-Funktion</a:t>
@@ -4833,7 +4363,6 @@
                   <a:lumOff val="25000"/>
                 </a:prstClr>
               </a:solidFill>
-              <a:latin typeface="Segoe UI" panose="020B0502040204020203" pitchFamily="34" charset="0"/>
               <a:cs typeface="Segoe UI" panose="020B0502040204020203" pitchFamily="34" charset="0"/>
             </a:endParaRPr>
           </a:p>
@@ -4949,238 +4478,6 @@
           </a:p>
         </p:txBody>
       </p:sp>
-      <p:sp>
-        <p:nvSpPr>
-          <p:cNvPr id="25" name="Inhaltsplatzhalter 17"/>
-          <p:cNvSpPr txBox="1">
-            <a:spLocks/>
-          </p:cNvSpPr>
-          <p:nvPr/>
-        </p:nvSpPr>
-        <p:spPr>
-          <a:xfrm>
-            <a:off x="541609" y="1455491"/>
-            <a:ext cx="5110161" cy="471149"/>
-          </a:xfrm>
-          <a:prstGeom prst="rect">
-            <a:avLst/>
-          </a:prstGeom>
-        </p:spPr>
-        <p:txBody>
-          <a:bodyPr vert="horz" lIns="91440" tIns="45720" rIns="91440" bIns="45720" rtlCol="0">
-            <a:normAutofit/>
-          </a:bodyPr>
-          <a:lstStyle>
-            <a:lvl1pPr marL="228600" indent="-228600" algn="l" defTabSz="914400" rtl="0" eaLnBrk="1" latinLnBrk="0" hangingPunct="1">
-              <a:lnSpc>
-                <a:spcPts val="1800"/>
-              </a:lnSpc>
-              <a:spcBef>
-                <a:spcPts val="1000"/>
-              </a:spcBef>
-              <a:spcAft>
-                <a:spcPts val="1000"/>
-              </a:spcAft>
-              <a:buFont typeface="Arial" panose="020B0604020202020204" pitchFamily="34" charset="0"/>
-              <a:buChar char="•"/>
-              <a:defRPr lang="en-US" sz="1200" kern="1200" smtClean="0">
-                <a:solidFill>
-                  <a:schemeClr val="tx1">
-                    <a:lumMod val="75000"/>
-                    <a:lumOff val="25000"/>
-                  </a:schemeClr>
-                </a:solidFill>
-                <a:latin typeface="+mn-lt"/>
-                <a:ea typeface="+mn-ea"/>
-                <a:cs typeface="+mn-cs"/>
-              </a:defRPr>
-            </a:lvl1pPr>
-            <a:lvl2pPr marL="685800" indent="-228600" algn="l" defTabSz="914400" rtl="0" eaLnBrk="1" latinLnBrk="0" hangingPunct="1">
-              <a:lnSpc>
-                <a:spcPts val="1800"/>
-              </a:lnSpc>
-              <a:spcBef>
-                <a:spcPts val="1000"/>
-              </a:spcBef>
-              <a:spcAft>
-                <a:spcPts val="1000"/>
-              </a:spcAft>
-              <a:buFont typeface="Arial" panose="020B0604020202020204" pitchFamily="34" charset="0"/>
-              <a:buChar char="•"/>
-              <a:defRPr lang="en-US" sz="1200" kern="1200" smtClean="0">
-                <a:solidFill>
-                  <a:schemeClr val="tx1">
-                    <a:lumMod val="75000"/>
-                    <a:lumOff val="25000"/>
-                  </a:schemeClr>
-                </a:solidFill>
-                <a:latin typeface="+mn-lt"/>
-                <a:ea typeface="+mn-ea"/>
-                <a:cs typeface="+mn-cs"/>
-              </a:defRPr>
-            </a:lvl2pPr>
-            <a:lvl3pPr marL="1143000" indent="-228600" algn="l" defTabSz="914400" rtl="0" eaLnBrk="1" latinLnBrk="0" hangingPunct="1">
-              <a:lnSpc>
-                <a:spcPts val="1800"/>
-              </a:lnSpc>
-              <a:spcBef>
-                <a:spcPts val="1000"/>
-              </a:spcBef>
-              <a:spcAft>
-                <a:spcPts val="1000"/>
-              </a:spcAft>
-              <a:buFont typeface="Arial" panose="020B0604020202020204" pitchFamily="34" charset="0"/>
-              <a:buChar char="•"/>
-              <a:defRPr lang="en-US" sz="1200" kern="1200" smtClean="0">
-                <a:solidFill>
-                  <a:schemeClr val="tx1">
-                    <a:lumMod val="75000"/>
-                    <a:lumOff val="25000"/>
-                  </a:schemeClr>
-                </a:solidFill>
-                <a:latin typeface="+mn-lt"/>
-                <a:ea typeface="+mn-ea"/>
-                <a:cs typeface="+mn-cs"/>
-              </a:defRPr>
-            </a:lvl3pPr>
-            <a:lvl4pPr marL="1600200" indent="-228600" algn="l" defTabSz="914400" rtl="0" eaLnBrk="1" latinLnBrk="0" hangingPunct="1">
-              <a:lnSpc>
-                <a:spcPts val="1800"/>
-              </a:lnSpc>
-              <a:spcBef>
-                <a:spcPts val="1000"/>
-              </a:spcBef>
-              <a:spcAft>
-                <a:spcPts val="1000"/>
-              </a:spcAft>
-              <a:buFont typeface="Arial" panose="020B0604020202020204" pitchFamily="34" charset="0"/>
-              <a:buChar char="•"/>
-              <a:defRPr lang="en-US" sz="1200" kern="1200" smtClean="0">
-                <a:solidFill>
-                  <a:schemeClr val="tx1">
-                    <a:lumMod val="75000"/>
-                    <a:lumOff val="25000"/>
-                  </a:schemeClr>
-                </a:solidFill>
-                <a:latin typeface="+mn-lt"/>
-                <a:ea typeface="+mn-ea"/>
-                <a:cs typeface="+mn-cs"/>
-              </a:defRPr>
-            </a:lvl4pPr>
-            <a:lvl5pPr marL="2057400" indent="-228600" algn="l" defTabSz="914400" rtl="0" eaLnBrk="1" latinLnBrk="0" hangingPunct="1">
-              <a:lnSpc>
-                <a:spcPts val="1800"/>
-              </a:lnSpc>
-              <a:spcBef>
-                <a:spcPts val="1000"/>
-              </a:spcBef>
-              <a:spcAft>
-                <a:spcPts val="1000"/>
-              </a:spcAft>
-              <a:buFont typeface="Arial" panose="020B0604020202020204" pitchFamily="34" charset="0"/>
-              <a:buChar char="•"/>
-              <a:defRPr lang="en-US" sz="1200" kern="1200">
-                <a:solidFill>
-                  <a:schemeClr val="tx1">
-                    <a:lumMod val="75000"/>
-                    <a:lumOff val="25000"/>
-                  </a:schemeClr>
-                </a:solidFill>
-                <a:latin typeface="+mn-lt"/>
-                <a:ea typeface="+mn-ea"/>
-                <a:cs typeface="+mn-cs"/>
-              </a:defRPr>
-            </a:lvl5pPr>
-            <a:lvl6pPr marL="2514600" indent="-228600" algn="l" defTabSz="914400" rtl="0" eaLnBrk="1" latinLnBrk="0" hangingPunct="1">
-              <a:lnSpc>
-                <a:spcPct val="90000"/>
-              </a:lnSpc>
-              <a:spcBef>
-                <a:spcPct val="30000"/>
-              </a:spcBef>
-              <a:buFont typeface="Arial" panose="020B0604020202020204" pitchFamily="34" charset="0"/>
-              <a:buChar char="•"/>
-              <a:defRPr sz="1800" kern="1200">
-                <a:solidFill>
-                  <a:schemeClr val="tx1"/>
-                </a:solidFill>
-                <a:latin typeface="+mn-lt"/>
-                <a:ea typeface="+mn-ea"/>
-                <a:cs typeface="+mn-cs"/>
-              </a:defRPr>
-            </a:lvl6pPr>
-            <a:lvl7pPr marL="2971800" indent="-228600" algn="l" defTabSz="914400" rtl="0" eaLnBrk="1" latinLnBrk="0" hangingPunct="1">
-              <a:lnSpc>
-                <a:spcPct val="90000"/>
-              </a:lnSpc>
-              <a:spcBef>
-                <a:spcPct val="30000"/>
-              </a:spcBef>
-              <a:buFont typeface="Arial" panose="020B0604020202020204" pitchFamily="34" charset="0"/>
-              <a:buChar char="•"/>
-              <a:defRPr sz="1800" kern="1200">
-                <a:solidFill>
-                  <a:schemeClr val="tx1"/>
-                </a:solidFill>
-                <a:latin typeface="+mn-lt"/>
-                <a:ea typeface="+mn-ea"/>
-                <a:cs typeface="+mn-cs"/>
-              </a:defRPr>
-            </a:lvl7pPr>
-            <a:lvl8pPr marL="3429000" indent="-228600" algn="l" defTabSz="914400" rtl="0" eaLnBrk="1" latinLnBrk="0" hangingPunct="1">
-              <a:lnSpc>
-                <a:spcPct val="90000"/>
-              </a:lnSpc>
-              <a:spcBef>
-                <a:spcPct val="30000"/>
-              </a:spcBef>
-              <a:buFont typeface="Arial" panose="020B0604020202020204" pitchFamily="34" charset="0"/>
-              <a:buChar char="•"/>
-              <a:defRPr sz="1800" kern="1200">
-                <a:solidFill>
-                  <a:schemeClr val="tx1"/>
-                </a:solidFill>
-                <a:latin typeface="+mn-lt"/>
-                <a:ea typeface="+mn-ea"/>
-                <a:cs typeface="+mn-cs"/>
-              </a:defRPr>
-            </a:lvl8pPr>
-            <a:lvl9pPr marL="3886200" indent="-228600" algn="l" defTabSz="914400" rtl="0" eaLnBrk="1" latinLnBrk="0" hangingPunct="1">
-              <a:lnSpc>
-                <a:spcPct val="90000"/>
-              </a:lnSpc>
-              <a:spcBef>
-                <a:spcPct val="30000"/>
-              </a:spcBef>
-              <a:buFont typeface="Arial" panose="020B0604020202020204" pitchFamily="34" charset="0"/>
-              <a:buChar char="•"/>
-              <a:defRPr sz="1800" kern="1200">
-                <a:solidFill>
-                  <a:schemeClr val="tx1"/>
-                </a:solidFill>
-                <a:latin typeface="+mn-lt"/>
-                <a:ea typeface="+mn-ea"/>
-                <a:cs typeface="+mn-cs"/>
-              </a:defRPr>
-            </a:lvl9pPr>
-          </a:lstStyle>
-          <a:p>
-            <a:pPr marL="0" indent="0" rtl="0">
-              <a:spcAft>
-                <a:spcPts val="2000"/>
-              </a:spcAft>
-              <a:buNone/>
-            </a:pPr>
-            <a:r>
-              <a:rPr lang="de-DE" sz="1100">
-                <a:latin typeface="Segoe UI" panose="020B0502040204020203" pitchFamily="34" charset="0"/>
-                <a:cs typeface="Segoe UI" panose="020B0502040204020203" pitchFamily="34" charset="0"/>
-              </a:rPr>
-              <a:t>Und so funktioniert es:</a:t>
-            </a:r>
-          </a:p>
-        </p:txBody>
-      </p:sp>
       <p:grpSp>
         <p:nvGrpSpPr>
           <p:cNvPr id="18" name="Gruppieren 17" descr="Kleiner Kreis mit enthaltener Zahl 1 zur Angabe von Schritt 1"/>
@@ -5189,7 +4486,7 @@
         </p:nvGrpSpPr>
         <p:grpSpPr bwMode="blackWhite">
           <a:xfrm>
-            <a:off x="531552" y="1917997"/>
+            <a:off x="531552" y="1340027"/>
             <a:ext cx="558179" cy="409838"/>
             <a:chOff x="6953426" y="711274"/>
             <a:chExt cx="558179" cy="409838"/>
@@ -5267,7 +4564,7 @@
             <a:p>
               <a:pPr algn="ctr" rtl="0"/>
               <a:r>
-                <a:rPr lang="de-DE">
+                <a:rPr lang="de-DE" dirty="0">
                   <a:solidFill>
                     <a:schemeClr val="bg1"/>
                   </a:solidFill>
@@ -5290,7 +4587,7 @@
         </p:nvSpPr>
         <p:spPr>
           <a:xfrm>
-            <a:off x="1056514" y="1958189"/>
+            <a:off x="1056514" y="1380219"/>
             <a:ext cx="5399027" cy="596551"/>
           </a:xfrm>
           <a:prstGeom prst="rect">
@@ -5526,7 +4823,7 @@
         </p:nvGrpSpPr>
         <p:grpSpPr bwMode="blackWhite">
           <a:xfrm>
-            <a:off x="531552" y="2555200"/>
+            <a:off x="531552" y="1977230"/>
             <a:ext cx="558179" cy="409838"/>
             <a:chOff x="6953426" y="711274"/>
             <a:chExt cx="558179" cy="409838"/>
@@ -5627,7 +4924,7 @@
         </p:nvSpPr>
         <p:spPr>
           <a:xfrm>
-            <a:off x="1084676" y="2586289"/>
+            <a:off x="1084676" y="2008319"/>
             <a:ext cx="5113409" cy="756871"/>
           </a:xfrm>
           <a:prstGeom prst="rect">
@@ -5851,7 +5148,19 @@
                 <a:latin typeface="Segoe UI" panose="020B0502040204020203" pitchFamily="34" charset="0"/>
                 <a:cs typeface="Segoe UI" panose="020B0502040204020203" pitchFamily="34" charset="0"/>
               </a:rPr>
-              <a:t>Kieler Woche</a:t>
+              <a:t>Kieler </a:t>
+            </a:r>
+            <a:r>
+              <a:rPr lang="de-DE" sz="1100" dirty="0">
+                <a:solidFill>
+                  <a:prstClr val="black">
+                    <a:lumMod val="75000"/>
+                    <a:lumOff val="25000"/>
+                  </a:prstClr>
+                </a:solidFill>
+                <a:cs typeface="Segoe UI" panose="020B0502040204020203" pitchFamily="34" charset="0"/>
+              </a:rPr>
+              <a:t>Woche</a:t>
             </a:r>
           </a:p>
         </p:txBody>
@@ -5864,7 +5173,7 @@
         </p:nvGrpSpPr>
         <p:grpSpPr bwMode="blackWhite">
           <a:xfrm>
-            <a:off x="531552" y="3241076"/>
+            <a:off x="531552" y="2663106"/>
             <a:ext cx="558179" cy="409838"/>
             <a:chOff x="6953426" y="711274"/>
             <a:chExt cx="558179" cy="409838"/>
@@ -5965,7 +5274,7 @@
         </p:nvSpPr>
         <p:spPr>
           <a:xfrm>
-            <a:off x="1056514" y="3253834"/>
+            <a:off x="1056514" y="2675864"/>
             <a:ext cx="5303098" cy="761144"/>
           </a:xfrm>
           <a:prstGeom prst="rect">
@@ -6186,7 +5495,6 @@
                     <a:lumOff val="25000"/>
                   </a:prstClr>
                 </a:solidFill>
-                <a:latin typeface="Segoe UI" panose="020B0502040204020203" pitchFamily="34" charset="0"/>
                 <a:cs typeface="Segoe UI" panose="020B0502040204020203" pitchFamily="34" charset="0"/>
               </a:rPr>
               <a:t>Bewölkung</a:t>
@@ -6211,7 +5519,7 @@
         </p:nvGrpSpPr>
         <p:grpSpPr bwMode="blackWhite">
           <a:xfrm>
-            <a:off x="521207" y="3918152"/>
+            <a:off x="521207" y="3340182"/>
             <a:ext cx="558179" cy="409838"/>
             <a:chOff x="6953426" y="711274"/>
             <a:chExt cx="558179" cy="409838"/>
@@ -6312,7 +5620,7 @@
         </p:nvSpPr>
         <p:spPr>
           <a:xfrm>
-            <a:off x="1046169" y="3934442"/>
+            <a:off x="1046169" y="3356472"/>
             <a:ext cx="5303098" cy="563538"/>
           </a:xfrm>
           <a:prstGeom prst="rect">
@@ -6533,7 +5841,6 @@
                     <a:lumOff val="25000"/>
                   </a:prstClr>
                 </a:solidFill>
-                <a:latin typeface="Segoe UI" panose="020B0502040204020203" pitchFamily="34" charset="0"/>
                 <a:cs typeface="Segoe UI" panose="020B0502040204020203" pitchFamily="34" charset="0"/>
               </a:rPr>
               <a:t>Temperatur</a:t>
@@ -6601,7 +5908,7 @@
         </p:nvGrpSpPr>
         <p:grpSpPr bwMode="blackWhite">
           <a:xfrm>
-            <a:off x="531552" y="4547708"/>
+            <a:off x="531552" y="3969738"/>
             <a:ext cx="558179" cy="409838"/>
             <a:chOff x="6953426" y="711274"/>
             <a:chExt cx="558179" cy="409838"/>
@@ -6720,7 +6027,7 @@
         </p:nvSpPr>
         <p:spPr>
           <a:xfrm>
-            <a:off x="1056514" y="4560466"/>
+            <a:off x="1056514" y="3982496"/>
             <a:ext cx="5303098" cy="761144"/>
           </a:xfrm>
           <a:prstGeom prst="rect">
@@ -6941,7 +6248,6 @@
                     <a:lumOff val="25000"/>
                   </a:prstClr>
                 </a:solidFill>
-                <a:latin typeface="Segoe UI" panose="020B0502040204020203" pitchFamily="34" charset="0"/>
                 <a:cs typeface="Segoe UI" panose="020B0502040204020203" pitchFamily="34" charset="0"/>
               </a:rPr>
               <a:t>Windgeschwindigkeit</a:t>
@@ -6972,7 +6278,7 @@
         </p:nvGrpSpPr>
         <p:grpSpPr bwMode="blackWhite">
           <a:xfrm>
-            <a:off x="521207" y="5224784"/>
+            <a:off x="521207" y="4646814"/>
             <a:ext cx="558179" cy="409838"/>
             <a:chOff x="6953426" y="711274"/>
             <a:chExt cx="558179" cy="409838"/>
@@ -7091,7 +6397,7 @@
         </p:nvSpPr>
         <p:spPr>
           <a:xfrm>
-            <a:off x="1046169" y="5241074"/>
+            <a:off x="1046169" y="4663104"/>
             <a:ext cx="5303098" cy="563538"/>
           </a:xfrm>
           <a:prstGeom prst="rect">
@@ -7312,7 +6618,6 @@
                     <a:lumOff val="25000"/>
                   </a:prstClr>
                 </a:solidFill>
-                <a:latin typeface="Segoe UI" panose="020B0502040204020203" pitchFamily="34" charset="0"/>
                 <a:cs typeface="Segoe UI" panose="020B0502040204020203" pitchFamily="34" charset="0"/>
               </a:rPr>
               <a:t>Wettercode</a:t>
@@ -7334,7 +6639,7 @@
         </p:nvGrpSpPr>
         <p:grpSpPr bwMode="blackWhite">
           <a:xfrm>
-            <a:off x="531552" y="5854340"/>
+            <a:off x="531552" y="5276370"/>
             <a:ext cx="558179" cy="409838"/>
             <a:chOff x="6953426" y="711274"/>
             <a:chExt cx="558179" cy="409838"/>
@@ -7453,7 +6758,7 @@
         </p:nvSpPr>
         <p:spPr>
           <a:xfrm>
-            <a:off x="1056514" y="5867098"/>
+            <a:off x="1056514" y="5289128"/>
             <a:ext cx="5303098" cy="761144"/>
           </a:xfrm>
           <a:prstGeom prst="rect">
@@ -7674,7 +6979,6 @@
                     <a:lumOff val="25000"/>
                   </a:prstClr>
                 </a:solidFill>
-                <a:latin typeface="Segoe UI" panose="020B0502040204020203" pitchFamily="34" charset="0"/>
                 <a:cs typeface="Segoe UI" panose="020B0502040204020203" pitchFamily="34" charset="0"/>
               </a:rPr>
               <a:t>Schulferien</a:t>
@@ -7713,347 +7017,6 @@
 </file>
 
 <file path=ppt/slides/slide4.xml><?xml version="1.0" encoding="utf-8"?>
-<p:sld xmlns:a="http://schemas.openxmlformats.org/drawingml/2006/main" xmlns:r="http://schemas.openxmlformats.org/officeDocument/2006/relationships" xmlns:p="http://schemas.openxmlformats.org/presentationml/2006/main">
-  <p:cSld>
-    <p:spTree>
-      <p:nvGrpSpPr>
-        <p:cNvPr id="1" name=""/>
-        <p:cNvGrpSpPr/>
-        <p:nvPr/>
-      </p:nvGrpSpPr>
-      <p:grpSpPr>
-        <a:xfrm>
-          <a:off x="0" y="0"/>
-          <a:ext cx="0" cy="0"/>
-          <a:chOff x="0" y="0"/>
-          <a:chExt cx="0" cy="0"/>
-        </a:xfrm>
-      </p:grpSpPr>
-      <p:sp>
-        <p:nvSpPr>
-          <p:cNvPr id="3" name="Titel 2"/>
-          <p:cNvSpPr>
-            <a:spLocks noGrp="1"/>
-          </p:cNvSpPr>
-          <p:nvPr>
-            <p:ph type="title"/>
-          </p:nvPr>
-        </p:nvSpPr>
-        <p:spPr/>
-        <p:txBody>
-          <a:bodyPr rtlCol="0"/>
-          <a:lstStyle/>
-          <a:p>
-            <a:pPr rtl="0"/>
-            <a:r>
-              <a:rPr lang="de-DE">
-                <a:latin typeface="Segoe UI Light" panose="020B0502040204020203" pitchFamily="34" charset="0"/>
-                <a:cs typeface="Segoe UI Light" panose="020B0502040204020203" pitchFamily="34" charset="0"/>
-              </a:rPr>
-              <a:t>Morphen</a:t>
-            </a:r>
-          </a:p>
-        </p:txBody>
-      </p:sp>
-      <p:sp>
-        <p:nvSpPr>
-          <p:cNvPr id="5" name="Inhaltsplatzhalter 4"/>
-          <p:cNvSpPr>
-            <a:spLocks noGrp="1"/>
-          </p:cNvSpPr>
-          <p:nvPr>
-            <p:ph sz="half" idx="4294967295"/>
-          </p:nvPr>
-        </p:nvSpPr>
-        <p:spPr>
-          <a:xfrm>
-            <a:off x="541610" y="1431010"/>
-            <a:ext cx="4557164" cy="4790886"/>
-          </a:xfrm>
-        </p:spPr>
-        <p:txBody>
-          <a:bodyPr vert="horz" lIns="91440" tIns="45720" rIns="91440" bIns="45720" rtlCol="0">
-            <a:normAutofit/>
-          </a:bodyPr>
-          <a:lstStyle/>
-          <a:p>
-            <a:pPr marL="0" indent="0" rtl="0">
-              <a:lnSpc>
-                <a:spcPts val="1800"/>
-              </a:lnSpc>
-              <a:spcBef>
-                <a:spcPts val="1000"/>
-              </a:spcBef>
-              <a:spcAft>
-                <a:spcPts val="600"/>
-              </a:spcAft>
-              <a:buNone/>
-            </a:pPr>
-            <a:r>
-              <a:rPr lang="de-DE" sz="1100" dirty="0">
-                <a:solidFill>
-                  <a:prstClr val="black">
-                    <a:lumMod val="75000"/>
-                    <a:lumOff val="25000"/>
-                  </a:prstClr>
-                </a:solidFill>
-                <a:latin typeface="Segoe UI" panose="020B0502040204020203" pitchFamily="34" charset="0"/>
-                <a:cs typeface="Segoe UI" panose="020B0502040204020203" pitchFamily="34" charset="0"/>
-              </a:rPr>
-              <a:t>Morphen erzeugt flüssige Animationen und Objektbewegungen in Ihrer Präsentation. Sie verwenden für die Ausführung der Animation zwei ähnliche Folien, aber für Ihr Publikum scheint die Aktion auf einer Folie stattzufinden. </a:t>
-            </a:r>
-          </a:p>
-          <a:p>
-            <a:pPr marL="0" indent="0" rtl="0">
-              <a:lnSpc>
-                <a:spcPts val="1800"/>
-              </a:lnSpc>
-              <a:spcBef>
-                <a:spcPts val="1000"/>
-              </a:spcBef>
-              <a:spcAft>
-                <a:spcPts val="600"/>
-              </a:spcAft>
-              <a:buNone/>
-            </a:pPr>
-            <a:r>
-              <a:rPr lang="de-DE" sz="1100" dirty="0">
-                <a:solidFill>
-                  <a:prstClr val="black">
-                    <a:lumMod val="75000"/>
-                    <a:lumOff val="25000"/>
-                  </a:prstClr>
-                </a:solidFill>
-                <a:latin typeface="Segoe UI" panose="020B0502040204020203" pitchFamily="34" charset="0"/>
-                <a:cs typeface="Segoe UI" panose="020B0502040204020203" pitchFamily="34" charset="0"/>
-              </a:rPr>
-              <a:t>Um ein kurzes Beispiel anzusehen, können Sie das Video rechts </a:t>
-            </a:r>
-            <a:r>
-              <a:rPr lang="de-DE" sz="1100" b="1" dirty="0" err="1">
-                <a:solidFill>
-                  <a:srgbClr val="D24726"/>
-                </a:solidFill>
-                <a:latin typeface="Segoe UI" panose="020B0502040204020203" pitchFamily="34" charset="0"/>
-                <a:cs typeface="Segoe UI" panose="020B0502040204020203" pitchFamily="34" charset="0"/>
-              </a:rPr>
-              <a:t>wiedergabe</a:t>
-            </a:r>
-            <a:r>
-              <a:rPr lang="de-DE" sz="1100" dirty="0">
-                <a:solidFill>
-                  <a:prstClr val="black">
-                    <a:lumMod val="75000"/>
-                    <a:lumOff val="25000"/>
-                  </a:prstClr>
-                </a:solidFill>
-                <a:latin typeface="Segoe UI" panose="020B0502040204020203" pitchFamily="34" charset="0"/>
-                <a:cs typeface="Segoe UI" panose="020B0502040204020203" pitchFamily="34" charset="0"/>
-              </a:rPr>
-              <a:t>.</a:t>
-            </a:r>
-          </a:p>
-          <a:p>
-            <a:pPr marL="0" indent="0" rtl="0">
-              <a:lnSpc>
-                <a:spcPts val="1800"/>
-              </a:lnSpc>
-              <a:spcBef>
-                <a:spcPts val="1000"/>
-              </a:spcBef>
-              <a:spcAft>
-                <a:spcPts val="600"/>
-              </a:spcAft>
-              <a:buNone/>
-            </a:pPr>
-            <a:r>
-              <a:rPr lang="de-DE" sz="1100" dirty="0">
-                <a:solidFill>
-                  <a:prstClr val="black">
-                    <a:lumMod val="75000"/>
-                    <a:lumOff val="25000"/>
-                  </a:prstClr>
-                </a:solidFill>
-                <a:latin typeface="Segoe UI" panose="020B0502040204020203" pitchFamily="34" charset="0"/>
-                <a:cs typeface="Segoe UI" panose="020B0502040204020203" pitchFamily="34" charset="0"/>
-              </a:rPr>
-              <a:t>Das Feature Morphen ist nur im Abonnement verfügbar. Wenn Sie über ein Office 365-Abonnement verfügen, können Sie es mit den Schritten auf der nächsten Folie selbst ausprobieren.</a:t>
-            </a:r>
-          </a:p>
-          <a:p>
-            <a:pPr marL="0" indent="0" rtl="0">
-              <a:lnSpc>
-                <a:spcPts val="1800"/>
-              </a:lnSpc>
-              <a:spcBef>
-                <a:spcPts val="1000"/>
-              </a:spcBef>
-              <a:spcAft>
-                <a:spcPts val="600"/>
-              </a:spcAft>
-              <a:buNone/>
-            </a:pPr>
-            <a:endParaRPr lang="de-DE" sz="1100" dirty="0">
-              <a:solidFill>
-                <a:prstClr val="black">
-                  <a:lumMod val="75000"/>
-                  <a:lumOff val="25000"/>
-                </a:prstClr>
-              </a:solidFill>
-              <a:latin typeface="Segoe UI" panose="020B0502040204020203" pitchFamily="34" charset="0"/>
-              <a:cs typeface="Segoe UI" panose="020B0502040204020203" pitchFamily="34" charset="0"/>
-            </a:endParaRPr>
-          </a:p>
-        </p:txBody>
-      </p:sp>
-      <p:pic>
-        <p:nvPicPr>
-          <p:cNvPr id="7" name="Morphen-Video" descr="Video eines Beispiels der Morphen-Funktion, das mithilfe der Tastenkombination Alt+P wiedergegeben oder angehalten werden kann.">
-            <a:hlinkClick r:id="" action="ppaction://media"/>
-            <a:extLst>
-              <a:ext uri="{FF2B5EF4-FFF2-40B4-BE49-F238E27FC236}">
-                <a16:creationId xmlns:a16="http://schemas.microsoft.com/office/drawing/2014/main" id="{9F029C1A-F15A-44BF-996A-1F59B3110D78}"/>
-              </a:ext>
-            </a:extLst>
-          </p:cNvPr>
-          <p:cNvPicPr>
-            <a:picLocks noGrp="1" noChangeAspect="1"/>
-          </p:cNvPicPr>
-          <p:nvPr>
-            <p:ph sz="quarter" idx="10"/>
-            <a:videoFile r:link="rId2"/>
-            <p:extLst>
-              <p:ext uri="{DAA4B4D4-6D71-4841-9C94-3DE7FCFB9230}">
-                <p14:media xmlns:p14="http://schemas.microsoft.com/office/powerpoint/2010/main" r:embed="rId1">
-                  <p14:extLst>
-                    <p:ext uri="{3AFAAA56-56D3-431D-BCD4-E75A35582382}">
-                      <p173:tracksInfo xmlns:p173="http://schemas.microsoft.com/office/powerpoint/2017/3/main" displayLoc="media">
-                        <p173:trackLst>
-                          <p173:track id="{7D80394A-61EE-4513-90D2-E9A3DA581656}" label="caption" lang="" r:embed="rId5"/>
-                        </p173:trackLst>
-                      </p173:tracksInfo>
-                    </p:ext>
-                  </p14:extLst>
-                </p14:media>
-              </p:ext>
-            </p:extLst>
-          </p:nvPr>
-        </p:nvPicPr>
-        <p:blipFill>
-          <a:blip r:embed="rId6"/>
-          <a:stretch>
-            <a:fillRect/>
-          </a:stretch>
-        </p:blipFill>
-        <p:spPr>
-          <a:xfrm>
-            <a:off x="5418759" y="1540565"/>
-            <a:ext cx="6110288" cy="3438525"/>
-          </a:xfrm>
-        </p:spPr>
-      </p:pic>
-    </p:spTree>
-    <p:extLst>
-      <p:ext uri="{BB962C8B-B14F-4D97-AF65-F5344CB8AC3E}">
-        <p14:creationId xmlns:p14="http://schemas.microsoft.com/office/powerpoint/2010/main" val="958036878"/>
-      </p:ext>
-    </p:extLst>
-  </p:cSld>
-  <p:clrMapOvr>
-    <a:masterClrMapping/>
-  </p:clrMapOvr>
-  <mc:AlternateContent xmlns:mc="http://schemas.openxmlformats.org/markup-compatibility/2006" xmlns:p14="http://schemas.microsoft.com/office/powerpoint/2010/main">
-    <mc:Choice Requires="p14">
-      <p:transition p14:dur="10"/>
-    </mc:Choice>
-    <mc:Fallback xmlns="">
-      <p:transition/>
-    </mc:Fallback>
-  </mc:AlternateContent>
-  <p:timing>
-    <p:tnLst>
-      <p:par>
-        <p:cTn id="1" dur="indefinite" restart="never" nodeType="tmRoot">
-          <p:childTnLst>
-            <p:seq concurrent="1" nextAc="seek">
-              <p:cTn id="2" restart="whenNotActive" fill="hold" evtFilter="cancelBubble" nodeType="interactiveSeq">
-                <p:stCondLst>
-                  <p:cond evt="onClick" delay="0">
-                    <p:tgtEl>
-                      <p:spTgt spid="7"/>
-                    </p:tgtEl>
-                  </p:cond>
-                </p:stCondLst>
-                <p:endSync evt="end" delay="0">
-                  <p:rtn val="all"/>
-                </p:endSync>
-                <p:childTnLst>
-                  <p:par>
-                    <p:cTn id="3" fill="hold">
-                      <p:stCondLst>
-                        <p:cond delay="0"/>
-                      </p:stCondLst>
-                      <p:childTnLst>
-                        <p:par>
-                          <p:cTn id="4" fill="hold">
-                            <p:stCondLst>
-                              <p:cond delay="0"/>
-                            </p:stCondLst>
-                            <p:childTnLst>
-                              <p:par>
-                                <p:cTn id="5" presetID="2" presetClass="mediacall" presetSubtype="0" fill="hold" nodeType="clickEffect">
-                                  <p:stCondLst>
-                                    <p:cond delay="0"/>
-                                  </p:stCondLst>
-                                  <p:childTnLst>
-                                    <p:cmd type="call" cmd="togglePause">
-                                      <p:cBhvr>
-                                        <p:cTn id="6" dur="1" fill="hold"/>
-                                        <p:tgtEl>
-                                          <p:spTgt spid="7"/>
-                                        </p:tgtEl>
-                                      </p:cBhvr>
-                                    </p:cmd>
-                                  </p:childTnLst>
-                                </p:cTn>
-                              </p:par>
-                            </p:childTnLst>
-                          </p:cTn>
-                        </p:par>
-                      </p:childTnLst>
-                    </p:cTn>
-                  </p:par>
-                </p:childTnLst>
-              </p:cTn>
-              <p:nextCondLst>
-                <p:cond evt="onClick" delay="0">
-                  <p:tgtEl>
-                    <p:spTgt spid="7"/>
-                  </p:tgtEl>
-                </p:cond>
-              </p:nextCondLst>
-            </p:seq>
-            <p:video>
-              <p:cMediaNode vol="80000">
-                <p:cTn id="7" fill="hold" display="0">
-                  <p:stCondLst>
-                    <p:cond delay="indefinite"/>
-                  </p:stCondLst>
-                </p:cTn>
-                <p:tgtEl>
-                  <p:spTgt spid="7"/>
-                </p:tgtEl>
-              </p:cMediaNode>
-            </p:video>
-          </p:childTnLst>
-        </p:cTn>
-      </p:par>
-    </p:tnLst>
-  </p:timing>
-</p:sld>
-</file>
-
-<file path=ppt/slides/slide5.xml><?xml version="1.0" encoding="utf-8"?>
 <p:sld xmlns:a="http://schemas.openxmlformats.org/drawingml/2006/main" xmlns:r="http://schemas.openxmlformats.org/officeDocument/2006/relationships" xmlns:p="http://schemas.openxmlformats.org/presentationml/2006/main">
   <p:cSld>
     <p:spTree>
@@ -10077,4418 +9040,7 @@
 </p:sld>
 </file>
 
-<file path=ppt/slides/slide6.xml><?xml version="1.0" encoding="utf-8"?>
-<p:sld xmlns:a="http://schemas.openxmlformats.org/drawingml/2006/main" xmlns:r="http://schemas.openxmlformats.org/officeDocument/2006/relationships" xmlns:p="http://schemas.openxmlformats.org/presentationml/2006/main">
-  <p:cSld>
-    <p:spTree>
-      <p:nvGrpSpPr>
-        <p:cNvPr id="1" name=""/>
-        <p:cNvGrpSpPr/>
-        <p:nvPr/>
-      </p:nvGrpSpPr>
-      <p:grpSpPr>
-        <a:xfrm>
-          <a:off x="0" y="0"/>
-          <a:ext cx="0" cy="0"/>
-          <a:chOff x="0" y="0"/>
-          <a:chExt cx="0" cy="0"/>
-        </a:xfrm>
-      </p:grpSpPr>
-      <p:sp>
-        <p:nvSpPr>
-          <p:cNvPr id="2" name="Titel 1"/>
-          <p:cNvSpPr>
-            <a:spLocks noGrp="1"/>
-          </p:cNvSpPr>
-          <p:nvPr>
-            <p:ph type="title"/>
-          </p:nvPr>
-        </p:nvSpPr>
-        <p:spPr/>
-        <p:txBody>
-          <a:bodyPr rtlCol="0">
-            <a:normAutofit/>
-          </a:bodyPr>
-          <a:lstStyle/>
-          <a:p>
-            <a:pPr lvl="0" rtl="0"/>
-            <a:r>
-              <a:rPr lang="de-DE">
-                <a:latin typeface="Segoe UI Light" panose="020B0502040204020203" pitchFamily="34" charset="0"/>
-                <a:cs typeface="Segoe UI Light" panose="020B0502040204020203" pitchFamily="34" charset="0"/>
-              </a:rPr>
-              <a:t>Zusammenarbeit in Echtzeit</a:t>
-            </a:r>
-          </a:p>
-        </p:txBody>
-      </p:sp>
-      <p:sp>
-        <p:nvSpPr>
-          <p:cNvPr id="5" name="Inhaltsplatzhalter 4"/>
-          <p:cNvSpPr>
-            <a:spLocks noGrp="1"/>
-          </p:cNvSpPr>
-          <p:nvPr>
-            <p:ph sz="half" idx="4294967295"/>
-          </p:nvPr>
-        </p:nvSpPr>
-        <p:spPr>
-          <a:xfrm>
-            <a:off x="541611" y="1431010"/>
-            <a:ext cx="4413626" cy="3978275"/>
-          </a:xfrm>
-        </p:spPr>
-        <p:txBody>
-          <a:bodyPr vert="horz" lIns="91440" tIns="45720" rIns="91440" bIns="45720" rtlCol="0">
-            <a:normAutofit/>
-          </a:bodyPr>
-          <a:lstStyle/>
-          <a:p>
-            <a:pPr marL="0" indent="0" rtl="0">
-              <a:lnSpc>
-                <a:spcPts val="1800"/>
-              </a:lnSpc>
-              <a:spcBef>
-                <a:spcPts val="1000"/>
-              </a:spcBef>
-              <a:spcAft>
-                <a:spcPts val="2000"/>
-              </a:spcAft>
-              <a:buNone/>
-            </a:pPr>
-            <a:r>
-              <a:rPr lang="de-DE" sz="1100">
-                <a:solidFill>
-                  <a:prstClr val="black">
-                    <a:lumMod val="75000"/>
-                    <a:lumOff val="25000"/>
-                  </a:prstClr>
-                </a:solidFill>
-                <a:latin typeface="Segoe UI" panose="020B0502040204020203" pitchFamily="34" charset="0"/>
-                <a:cs typeface="Segoe UI" panose="020B0502040204020203" pitchFamily="34" charset="0"/>
-              </a:rPr>
-              <a:t>Wenn Sie Ihre Präsentation für andere freigeben, können Sie sie gleichzeitig mit Ihnen arbeiten sehen. </a:t>
-            </a:r>
-            <a:br>
-              <a:rPr lang="de-DE" sz="1100">
-                <a:solidFill>
-                  <a:prstClr val="black">
-                    <a:lumMod val="75000"/>
-                    <a:lumOff val="25000"/>
-                  </a:prstClr>
-                </a:solidFill>
-                <a:latin typeface="Segoe UI" panose="020B0502040204020203" pitchFamily="34" charset="0"/>
-                <a:cs typeface="Segoe UI" panose="020B0502040204020203" pitchFamily="34" charset="0"/>
-              </a:rPr>
-            </a:br>
-            <a:br>
-              <a:rPr lang="de-DE" sz="1100">
-                <a:solidFill>
-                  <a:prstClr val="black">
-                    <a:lumMod val="75000"/>
-                    <a:lumOff val="25000"/>
-                  </a:prstClr>
-                </a:solidFill>
-                <a:latin typeface="Segoe UI" panose="020B0502040204020203" pitchFamily="34" charset="0"/>
-                <a:cs typeface="Segoe UI" panose="020B0502040204020203" pitchFamily="34" charset="0"/>
-              </a:rPr>
-            </a:br>
-            <a:r>
-              <a:rPr lang="de-DE" sz="1100">
-                <a:solidFill>
-                  <a:prstClr val="black">
-                    <a:lumMod val="75000"/>
-                    <a:lumOff val="25000"/>
-                  </a:prstClr>
-                </a:solidFill>
-                <a:latin typeface="Segoe UI" panose="020B0502040204020203" pitchFamily="34" charset="0"/>
-                <a:cs typeface="Segoe UI" panose="020B0502040204020203" pitchFamily="34" charset="0"/>
-              </a:rPr>
-              <a:t>Und so funktioniert es:</a:t>
-            </a:r>
-          </a:p>
-        </p:txBody>
-      </p:sp>
-      <p:pic>
-        <p:nvPicPr>
-          <p:cNvPr id="11" name="Bild 10" descr="Freigabesymbol mit der Anzeige der Anzahl der Personen, die an der Präsentation arbeiten "/>
-          <p:cNvPicPr>
-            <a:picLocks noChangeAspect="1"/>
-          </p:cNvPicPr>
-          <p:nvPr/>
-        </p:nvPicPr>
-        <p:blipFill>
-          <a:blip r:embed="rId3"/>
-          <a:srcRect/>
-          <a:stretch/>
-        </p:blipFill>
-        <p:spPr>
-          <a:xfrm>
-            <a:off x="561984" y="2425111"/>
-            <a:ext cx="3262550" cy="1475659"/>
-          </a:xfrm>
-          <a:prstGeom prst="rect">
-            <a:avLst/>
-          </a:prstGeom>
-        </p:spPr>
-      </p:pic>
-      <p:grpSp>
-        <p:nvGrpSpPr>
-          <p:cNvPr id="33" name="Gruppieren 32" descr="Kleiner Kreis mit enthaltener Zahl 1 zur Angabe von Schritt 1"/>
-          <p:cNvGrpSpPr/>
-          <p:nvPr/>
-        </p:nvGrpSpPr>
-        <p:grpSpPr bwMode="blackWhite">
-          <a:xfrm>
-            <a:off x="558723" y="4531632"/>
-            <a:ext cx="558179" cy="409838"/>
-            <a:chOff x="6953426" y="711274"/>
-            <a:chExt cx="558179" cy="409838"/>
-          </a:xfrm>
-        </p:grpSpPr>
-        <p:sp>
-          <p:nvSpPr>
-            <p:cNvPr id="34" name="Ellipse 33" descr="Kleiner Kreis"/>
-            <p:cNvSpPr/>
-            <p:nvPr/>
-          </p:nvSpPr>
-          <p:spPr bwMode="blackWhite">
-            <a:xfrm>
-              <a:off x="7025069" y="711274"/>
-              <a:ext cx="409838" cy="409838"/>
-            </a:xfrm>
-            <a:prstGeom prst="ellipse">
-              <a:avLst/>
-            </a:prstGeom>
-            <a:solidFill>
-              <a:srgbClr val="D24726"/>
-            </a:solidFill>
-            <a:ln>
-              <a:noFill/>
-            </a:ln>
-          </p:spPr>
-          <p:style>
-            <a:lnRef idx="2">
-              <a:schemeClr val="accent1">
-                <a:shade val="50000"/>
-              </a:schemeClr>
-            </a:lnRef>
-            <a:fillRef idx="1">
-              <a:schemeClr val="accent1"/>
-            </a:fillRef>
-            <a:effectRef idx="0">
-              <a:schemeClr val="accent1"/>
-            </a:effectRef>
-            <a:fontRef idx="minor">
-              <a:schemeClr val="lt1"/>
-            </a:fontRef>
-          </p:style>
-          <p:txBody>
-            <a:bodyPr rtlCol="0" anchor="ctr"/>
-            <a:lstStyle/>
-            <a:p>
-              <a:pPr algn="ctr" rtl="0"/>
-              <a:endParaRPr lang="de-DE"/>
-            </a:p>
-          </p:txBody>
-        </p:sp>
-        <p:sp>
-          <p:nvSpPr>
-            <p:cNvPr id="35" name="Textfeld 34" descr="Zahl 1"/>
-            <p:cNvSpPr txBox="1"/>
-            <p:nvPr/>
-          </p:nvSpPr>
-          <p:spPr bwMode="blackWhite">
-            <a:xfrm>
-              <a:off x="6953426" y="727564"/>
-              <a:ext cx="558179" cy="369332"/>
-            </a:xfrm>
-            <a:prstGeom prst="rect">
-              <a:avLst/>
-            </a:prstGeom>
-            <a:noFill/>
-          </p:spPr>
-          <p:txBody>
-            <a:bodyPr wrap="square" rtlCol="0">
-              <a:spAutoFit/>
-            </a:bodyPr>
-            <a:lstStyle/>
-            <a:p>
-              <a:pPr algn="ctr" rtl="0"/>
-              <a:r>
-                <a:rPr lang="de-DE">
-                  <a:solidFill>
-                    <a:schemeClr val="bg1"/>
-                  </a:solidFill>
-                  <a:latin typeface="Segoe UI Semibold" panose="020B0702040204020203" pitchFamily="34" charset="0"/>
-                  <a:cs typeface="Segoe UI Semibold" panose="020B0702040204020203" pitchFamily="34" charset="0"/>
-                </a:rPr>
-                <a:t>1</a:t>
-              </a:r>
-            </a:p>
-          </p:txBody>
-        </p:sp>
-      </p:grpSp>
-      <p:sp>
-        <p:nvSpPr>
-          <p:cNvPr id="42" name="Inhaltsplatzhalter 17"/>
-          <p:cNvSpPr txBox="1">
-            <a:spLocks/>
-          </p:cNvSpPr>
-          <p:nvPr/>
-        </p:nvSpPr>
-        <p:spPr>
-          <a:xfrm>
-            <a:off x="1066038" y="4571824"/>
-            <a:ext cx="2778041" cy="1639506"/>
-          </a:xfrm>
-          <a:prstGeom prst="rect">
-            <a:avLst/>
-          </a:prstGeom>
-        </p:spPr>
-        <p:txBody>
-          <a:bodyPr vert="horz" lIns="91440" tIns="45720" rIns="91440" bIns="45720" rtlCol="0">
-            <a:noAutofit/>
-          </a:bodyPr>
-          <a:lstStyle>
-            <a:lvl1pPr marL="228600" indent="-228600" algn="l" defTabSz="914400" rtl="0" eaLnBrk="1" latinLnBrk="0" hangingPunct="1">
-              <a:lnSpc>
-                <a:spcPts val="1800"/>
-              </a:lnSpc>
-              <a:spcBef>
-                <a:spcPts val="1000"/>
-              </a:spcBef>
-              <a:spcAft>
-                <a:spcPts val="1000"/>
-              </a:spcAft>
-              <a:buFont typeface="Arial" panose="020B0604020202020204" pitchFamily="34" charset="0"/>
-              <a:buChar char="•"/>
-              <a:defRPr lang="en-US" sz="1200" kern="1200" smtClean="0">
-                <a:solidFill>
-                  <a:schemeClr val="tx1">
-                    <a:lumMod val="75000"/>
-                    <a:lumOff val="25000"/>
-                  </a:schemeClr>
-                </a:solidFill>
-                <a:latin typeface="+mn-lt"/>
-                <a:ea typeface="+mn-ea"/>
-                <a:cs typeface="+mn-cs"/>
-              </a:defRPr>
-            </a:lvl1pPr>
-            <a:lvl2pPr marL="685800" indent="-228600" algn="l" defTabSz="914400" rtl="0" eaLnBrk="1" latinLnBrk="0" hangingPunct="1">
-              <a:lnSpc>
-                <a:spcPts val="1800"/>
-              </a:lnSpc>
-              <a:spcBef>
-                <a:spcPts val="1000"/>
-              </a:spcBef>
-              <a:spcAft>
-                <a:spcPts val="1000"/>
-              </a:spcAft>
-              <a:buFont typeface="Arial" panose="020B0604020202020204" pitchFamily="34" charset="0"/>
-              <a:buChar char="•"/>
-              <a:defRPr lang="en-US" sz="1200" kern="1200" smtClean="0">
-                <a:solidFill>
-                  <a:schemeClr val="tx1">
-                    <a:lumMod val="75000"/>
-                    <a:lumOff val="25000"/>
-                  </a:schemeClr>
-                </a:solidFill>
-                <a:latin typeface="+mn-lt"/>
-                <a:ea typeface="+mn-ea"/>
-                <a:cs typeface="+mn-cs"/>
-              </a:defRPr>
-            </a:lvl2pPr>
-            <a:lvl3pPr marL="1143000" indent="-228600" algn="l" defTabSz="914400" rtl="0" eaLnBrk="1" latinLnBrk="0" hangingPunct="1">
-              <a:lnSpc>
-                <a:spcPts val="1800"/>
-              </a:lnSpc>
-              <a:spcBef>
-                <a:spcPts val="1000"/>
-              </a:spcBef>
-              <a:spcAft>
-                <a:spcPts val="1000"/>
-              </a:spcAft>
-              <a:buFont typeface="Arial" panose="020B0604020202020204" pitchFamily="34" charset="0"/>
-              <a:buChar char="•"/>
-              <a:defRPr lang="en-US" sz="1200" kern="1200" smtClean="0">
-                <a:solidFill>
-                  <a:schemeClr val="tx1">
-                    <a:lumMod val="75000"/>
-                    <a:lumOff val="25000"/>
-                  </a:schemeClr>
-                </a:solidFill>
-                <a:latin typeface="+mn-lt"/>
-                <a:ea typeface="+mn-ea"/>
-                <a:cs typeface="+mn-cs"/>
-              </a:defRPr>
-            </a:lvl3pPr>
-            <a:lvl4pPr marL="1600200" indent="-228600" algn="l" defTabSz="914400" rtl="0" eaLnBrk="1" latinLnBrk="0" hangingPunct="1">
-              <a:lnSpc>
-                <a:spcPts val="1800"/>
-              </a:lnSpc>
-              <a:spcBef>
-                <a:spcPts val="1000"/>
-              </a:spcBef>
-              <a:spcAft>
-                <a:spcPts val="1000"/>
-              </a:spcAft>
-              <a:buFont typeface="Arial" panose="020B0604020202020204" pitchFamily="34" charset="0"/>
-              <a:buChar char="•"/>
-              <a:defRPr lang="en-US" sz="1200" kern="1200" smtClean="0">
-                <a:solidFill>
-                  <a:schemeClr val="tx1">
-                    <a:lumMod val="75000"/>
-                    <a:lumOff val="25000"/>
-                  </a:schemeClr>
-                </a:solidFill>
-                <a:latin typeface="+mn-lt"/>
-                <a:ea typeface="+mn-ea"/>
-                <a:cs typeface="+mn-cs"/>
-              </a:defRPr>
-            </a:lvl4pPr>
-            <a:lvl5pPr marL="2057400" indent="-228600" algn="l" defTabSz="914400" rtl="0" eaLnBrk="1" latinLnBrk="0" hangingPunct="1">
-              <a:lnSpc>
-                <a:spcPts val="1800"/>
-              </a:lnSpc>
-              <a:spcBef>
-                <a:spcPts val="1000"/>
-              </a:spcBef>
-              <a:spcAft>
-                <a:spcPts val="1000"/>
-              </a:spcAft>
-              <a:buFont typeface="Arial" panose="020B0604020202020204" pitchFamily="34" charset="0"/>
-              <a:buChar char="•"/>
-              <a:defRPr lang="en-US" sz="1200" kern="1200">
-                <a:solidFill>
-                  <a:schemeClr val="tx1">
-                    <a:lumMod val="75000"/>
-                    <a:lumOff val="25000"/>
-                  </a:schemeClr>
-                </a:solidFill>
-                <a:latin typeface="+mn-lt"/>
-                <a:ea typeface="+mn-ea"/>
-                <a:cs typeface="+mn-cs"/>
-              </a:defRPr>
-            </a:lvl5pPr>
-            <a:lvl6pPr marL="2514600" indent="-228600" algn="l" defTabSz="914400" rtl="0" eaLnBrk="1" latinLnBrk="0" hangingPunct="1">
-              <a:lnSpc>
-                <a:spcPct val="90000"/>
-              </a:lnSpc>
-              <a:spcBef>
-                <a:spcPct val="30000"/>
-              </a:spcBef>
-              <a:buFont typeface="Arial" panose="020B0604020202020204" pitchFamily="34" charset="0"/>
-              <a:buChar char="•"/>
-              <a:defRPr sz="1800" kern="1200">
-                <a:solidFill>
-                  <a:schemeClr val="tx1"/>
-                </a:solidFill>
-                <a:latin typeface="+mn-lt"/>
-                <a:ea typeface="+mn-ea"/>
-                <a:cs typeface="+mn-cs"/>
-              </a:defRPr>
-            </a:lvl6pPr>
-            <a:lvl7pPr marL="2971800" indent="-228600" algn="l" defTabSz="914400" rtl="0" eaLnBrk="1" latinLnBrk="0" hangingPunct="1">
-              <a:lnSpc>
-                <a:spcPct val="90000"/>
-              </a:lnSpc>
-              <a:spcBef>
-                <a:spcPct val="30000"/>
-              </a:spcBef>
-              <a:buFont typeface="Arial" panose="020B0604020202020204" pitchFamily="34" charset="0"/>
-              <a:buChar char="•"/>
-              <a:defRPr sz="1800" kern="1200">
-                <a:solidFill>
-                  <a:schemeClr val="tx1"/>
-                </a:solidFill>
-                <a:latin typeface="+mn-lt"/>
-                <a:ea typeface="+mn-ea"/>
-                <a:cs typeface="+mn-cs"/>
-              </a:defRPr>
-            </a:lvl7pPr>
-            <a:lvl8pPr marL="3429000" indent="-228600" algn="l" defTabSz="914400" rtl="0" eaLnBrk="1" latinLnBrk="0" hangingPunct="1">
-              <a:lnSpc>
-                <a:spcPct val="90000"/>
-              </a:lnSpc>
-              <a:spcBef>
-                <a:spcPct val="30000"/>
-              </a:spcBef>
-              <a:buFont typeface="Arial" panose="020B0604020202020204" pitchFamily="34" charset="0"/>
-              <a:buChar char="•"/>
-              <a:defRPr sz="1800" kern="1200">
-                <a:solidFill>
-                  <a:schemeClr val="tx1"/>
-                </a:solidFill>
-                <a:latin typeface="+mn-lt"/>
-                <a:ea typeface="+mn-ea"/>
-                <a:cs typeface="+mn-cs"/>
-              </a:defRPr>
-            </a:lvl8pPr>
-            <a:lvl9pPr marL="3886200" indent="-228600" algn="l" defTabSz="914400" rtl="0" eaLnBrk="1" latinLnBrk="0" hangingPunct="1">
-              <a:lnSpc>
-                <a:spcPct val="90000"/>
-              </a:lnSpc>
-              <a:spcBef>
-                <a:spcPct val="30000"/>
-              </a:spcBef>
-              <a:buFont typeface="Arial" panose="020B0604020202020204" pitchFamily="34" charset="0"/>
-              <a:buChar char="•"/>
-              <a:defRPr sz="1800" kern="1200">
-                <a:solidFill>
-                  <a:schemeClr val="tx1"/>
-                </a:solidFill>
-                <a:latin typeface="+mn-lt"/>
-                <a:ea typeface="+mn-ea"/>
-                <a:cs typeface="+mn-cs"/>
-              </a:defRPr>
-            </a:lvl9pPr>
-          </a:lstStyle>
-          <a:p>
-            <a:pPr marL="0" indent="0" rtl="0">
-              <a:spcAft>
-                <a:spcPts val="2000"/>
-              </a:spcAft>
-              <a:buNone/>
-            </a:pPr>
-            <a:r>
-              <a:rPr lang="de-DE" sz="1100" dirty="0">
-                <a:solidFill>
-                  <a:prstClr val="black">
-                    <a:lumMod val="75000"/>
-                    <a:lumOff val="25000"/>
-                  </a:prstClr>
-                </a:solidFill>
-                <a:latin typeface="Segoe UI" panose="020B0502040204020203" pitchFamily="34" charset="0"/>
-                <a:cs typeface="Segoe UI" panose="020B0502040204020203" pitchFamily="34" charset="0"/>
-              </a:rPr>
-              <a:t>Wählen Sie oberhalb des Menübands </a:t>
-            </a:r>
-            <a:r>
-              <a:rPr lang="de-DE" sz="1100" dirty="0">
-                <a:solidFill>
-                  <a:srgbClr val="D24726"/>
-                </a:solidFill>
-                <a:latin typeface="Segoe UI" panose="020B0502040204020203" pitchFamily="34" charset="0"/>
-                <a:cs typeface="Segoe UI" panose="020B0502040204020203" pitchFamily="34" charset="0"/>
-              </a:rPr>
-              <a:t>Teilen</a:t>
-            </a:r>
-            <a:r>
-              <a:rPr lang="de-DE" sz="1100" dirty="0">
-                <a:solidFill>
-                  <a:prstClr val="black">
-                    <a:lumMod val="75000"/>
-                    <a:lumOff val="25000"/>
-                  </a:prstClr>
-                </a:solidFill>
-                <a:latin typeface="Segoe UI" panose="020B0502040204020203" pitchFamily="34" charset="0"/>
-                <a:cs typeface="Segoe UI" panose="020B0502040204020203" pitchFamily="34" charset="0"/>
-              </a:rPr>
-              <a:t> aus, oder verwenden Sie die Tastenkombination </a:t>
-            </a:r>
-            <a:r>
-              <a:rPr lang="de-DE" sz="1100" dirty="0">
-                <a:solidFill>
-                  <a:srgbClr val="D24726"/>
-                </a:solidFill>
-                <a:latin typeface="Segoe UI" panose="020B0502040204020203" pitchFamily="34" charset="0"/>
-                <a:cs typeface="Segoe UI" panose="020B0502040204020203" pitchFamily="34" charset="0"/>
-              </a:rPr>
-              <a:t>Alt+YS</a:t>
-            </a:r>
-            <a:r>
-              <a:rPr lang="de-DE" sz="1100" dirty="0">
-                <a:solidFill>
-                  <a:prstClr val="black">
-                    <a:lumMod val="75000"/>
-                    <a:lumOff val="25000"/>
-                  </a:prstClr>
-                </a:solidFill>
-                <a:latin typeface="Segoe UI" panose="020B0502040204020203" pitchFamily="34" charset="0"/>
-                <a:cs typeface="Segoe UI" panose="020B0502040204020203" pitchFamily="34" charset="0"/>
-              </a:rPr>
-              <a:t>, um Personen zur Mitarbeit einzuladen (An dieser Stelle können Sie in der Cloud speichern.)</a:t>
-            </a:r>
-          </a:p>
-        </p:txBody>
-      </p:sp>
-      <p:pic>
-        <p:nvPicPr>
-          <p:cNvPr id="9" name="Bild 8" descr="Markierung, die anzeigt, wer an einer Folie arbeitet"/>
-          <p:cNvPicPr>
-            <a:picLocks noChangeAspect="1"/>
-          </p:cNvPicPr>
-          <p:nvPr/>
-        </p:nvPicPr>
-        <p:blipFill>
-          <a:blip r:embed="rId4"/>
-          <a:srcRect/>
-          <a:stretch/>
-        </p:blipFill>
-        <p:spPr>
-          <a:xfrm>
-            <a:off x="3861352" y="2434307"/>
-            <a:ext cx="3841692" cy="2512927"/>
-          </a:xfrm>
-          <a:prstGeom prst="rect">
-            <a:avLst/>
-          </a:prstGeom>
-        </p:spPr>
-      </p:pic>
-      <p:grpSp>
-        <p:nvGrpSpPr>
-          <p:cNvPr id="36" name="Gruppieren 35" descr="Kleiner Kreis mit enthaltener Zahl 2 zur Angabe von Schritt 2"/>
-          <p:cNvGrpSpPr/>
-          <p:nvPr/>
-        </p:nvGrpSpPr>
-        <p:grpSpPr bwMode="blackWhite">
-          <a:xfrm>
-            <a:off x="4249102" y="4531632"/>
-            <a:ext cx="558179" cy="409838"/>
-            <a:chOff x="6953426" y="711274"/>
-            <a:chExt cx="558179" cy="409838"/>
-          </a:xfrm>
-        </p:grpSpPr>
-        <p:sp>
-          <p:nvSpPr>
-            <p:cNvPr id="37" name="Ellipse 36" descr="Kleiner Kreis"/>
-            <p:cNvSpPr/>
-            <p:nvPr/>
-          </p:nvSpPr>
-          <p:spPr bwMode="blackWhite">
-            <a:xfrm>
-              <a:off x="7025069" y="711274"/>
-              <a:ext cx="409838" cy="409838"/>
-            </a:xfrm>
-            <a:prstGeom prst="ellipse">
-              <a:avLst/>
-            </a:prstGeom>
-            <a:solidFill>
-              <a:srgbClr val="D24726"/>
-            </a:solidFill>
-            <a:ln>
-              <a:noFill/>
-            </a:ln>
-          </p:spPr>
-          <p:style>
-            <a:lnRef idx="2">
-              <a:schemeClr val="accent1">
-                <a:shade val="50000"/>
-              </a:schemeClr>
-            </a:lnRef>
-            <a:fillRef idx="1">
-              <a:schemeClr val="accent1"/>
-            </a:fillRef>
-            <a:effectRef idx="0">
-              <a:schemeClr val="accent1"/>
-            </a:effectRef>
-            <a:fontRef idx="minor">
-              <a:schemeClr val="lt1"/>
-            </a:fontRef>
-          </p:style>
-          <p:txBody>
-            <a:bodyPr rtlCol="0" anchor="ctr"/>
-            <a:lstStyle/>
-            <a:p>
-              <a:pPr algn="ctr" rtl="0"/>
-              <a:endParaRPr lang="de-DE"/>
-            </a:p>
-          </p:txBody>
-        </p:sp>
-        <p:sp>
-          <p:nvSpPr>
-            <p:cNvPr id="38" name="Textfeld 37" descr="Zahl 2"/>
-            <p:cNvSpPr txBox="1"/>
-            <p:nvPr/>
-          </p:nvSpPr>
-          <p:spPr bwMode="blackWhite">
-            <a:xfrm>
-              <a:off x="6953426" y="727564"/>
-              <a:ext cx="558179" cy="369332"/>
-            </a:xfrm>
-            <a:prstGeom prst="rect">
-              <a:avLst/>
-            </a:prstGeom>
-            <a:noFill/>
-          </p:spPr>
-          <p:txBody>
-            <a:bodyPr wrap="square" rtlCol="0">
-              <a:spAutoFit/>
-            </a:bodyPr>
-            <a:lstStyle/>
-            <a:p>
-              <a:pPr algn="ctr" rtl="0"/>
-              <a:r>
-                <a:rPr lang="de-DE">
-                  <a:solidFill>
-                    <a:schemeClr val="bg1"/>
-                  </a:solidFill>
-                  <a:latin typeface="Segoe UI Semibold" panose="020B0702040204020203" pitchFamily="34" charset="0"/>
-                  <a:cs typeface="Segoe UI Semibold" panose="020B0702040204020203" pitchFamily="34" charset="0"/>
-                </a:rPr>
-                <a:t>2</a:t>
-              </a:r>
-            </a:p>
-          </p:txBody>
-        </p:sp>
-      </p:grpSp>
-      <p:sp>
-        <p:nvSpPr>
-          <p:cNvPr id="43" name="Inhaltsplatzhalter 17"/>
-          <p:cNvSpPr txBox="1">
-            <a:spLocks/>
-          </p:cNvSpPr>
-          <p:nvPr/>
-        </p:nvSpPr>
-        <p:spPr>
-          <a:xfrm>
-            <a:off x="4747855" y="4571824"/>
-            <a:ext cx="3106367" cy="1324053"/>
-          </a:xfrm>
-          <a:prstGeom prst="rect">
-            <a:avLst/>
-          </a:prstGeom>
-        </p:spPr>
-        <p:txBody>
-          <a:bodyPr vert="horz" lIns="91440" tIns="45720" rIns="91440" bIns="45720" rtlCol="0">
-            <a:normAutofit/>
-          </a:bodyPr>
-          <a:lstStyle>
-            <a:lvl1pPr marL="228600" indent="-228600" algn="l" defTabSz="914400" rtl="0" eaLnBrk="1" latinLnBrk="0" hangingPunct="1">
-              <a:lnSpc>
-                <a:spcPts val="1800"/>
-              </a:lnSpc>
-              <a:spcBef>
-                <a:spcPts val="1000"/>
-              </a:spcBef>
-              <a:spcAft>
-                <a:spcPts val="1000"/>
-              </a:spcAft>
-              <a:buFont typeface="Arial" panose="020B0604020202020204" pitchFamily="34" charset="0"/>
-              <a:buChar char="•"/>
-              <a:defRPr lang="en-US" sz="1200" kern="1200" smtClean="0">
-                <a:solidFill>
-                  <a:schemeClr val="tx1">
-                    <a:lumMod val="75000"/>
-                    <a:lumOff val="25000"/>
-                  </a:schemeClr>
-                </a:solidFill>
-                <a:latin typeface="+mn-lt"/>
-                <a:ea typeface="+mn-ea"/>
-                <a:cs typeface="+mn-cs"/>
-              </a:defRPr>
-            </a:lvl1pPr>
-            <a:lvl2pPr marL="685800" indent="-228600" algn="l" defTabSz="914400" rtl="0" eaLnBrk="1" latinLnBrk="0" hangingPunct="1">
-              <a:lnSpc>
-                <a:spcPts val="1800"/>
-              </a:lnSpc>
-              <a:spcBef>
-                <a:spcPts val="1000"/>
-              </a:spcBef>
-              <a:spcAft>
-                <a:spcPts val="1000"/>
-              </a:spcAft>
-              <a:buFont typeface="Arial" panose="020B0604020202020204" pitchFamily="34" charset="0"/>
-              <a:buChar char="•"/>
-              <a:defRPr lang="en-US" sz="1200" kern="1200" smtClean="0">
-                <a:solidFill>
-                  <a:schemeClr val="tx1">
-                    <a:lumMod val="75000"/>
-                    <a:lumOff val="25000"/>
-                  </a:schemeClr>
-                </a:solidFill>
-                <a:latin typeface="+mn-lt"/>
-                <a:ea typeface="+mn-ea"/>
-                <a:cs typeface="+mn-cs"/>
-              </a:defRPr>
-            </a:lvl2pPr>
-            <a:lvl3pPr marL="1143000" indent="-228600" algn="l" defTabSz="914400" rtl="0" eaLnBrk="1" latinLnBrk="0" hangingPunct="1">
-              <a:lnSpc>
-                <a:spcPts val="1800"/>
-              </a:lnSpc>
-              <a:spcBef>
-                <a:spcPts val="1000"/>
-              </a:spcBef>
-              <a:spcAft>
-                <a:spcPts val="1000"/>
-              </a:spcAft>
-              <a:buFont typeface="Arial" panose="020B0604020202020204" pitchFamily="34" charset="0"/>
-              <a:buChar char="•"/>
-              <a:defRPr lang="en-US" sz="1200" kern="1200" smtClean="0">
-                <a:solidFill>
-                  <a:schemeClr val="tx1">
-                    <a:lumMod val="75000"/>
-                    <a:lumOff val="25000"/>
-                  </a:schemeClr>
-                </a:solidFill>
-                <a:latin typeface="+mn-lt"/>
-                <a:ea typeface="+mn-ea"/>
-                <a:cs typeface="+mn-cs"/>
-              </a:defRPr>
-            </a:lvl3pPr>
-            <a:lvl4pPr marL="1600200" indent="-228600" algn="l" defTabSz="914400" rtl="0" eaLnBrk="1" latinLnBrk="0" hangingPunct="1">
-              <a:lnSpc>
-                <a:spcPts val="1800"/>
-              </a:lnSpc>
-              <a:spcBef>
-                <a:spcPts val="1000"/>
-              </a:spcBef>
-              <a:spcAft>
-                <a:spcPts val="1000"/>
-              </a:spcAft>
-              <a:buFont typeface="Arial" panose="020B0604020202020204" pitchFamily="34" charset="0"/>
-              <a:buChar char="•"/>
-              <a:defRPr lang="en-US" sz="1200" kern="1200" smtClean="0">
-                <a:solidFill>
-                  <a:schemeClr val="tx1">
-                    <a:lumMod val="75000"/>
-                    <a:lumOff val="25000"/>
-                  </a:schemeClr>
-                </a:solidFill>
-                <a:latin typeface="+mn-lt"/>
-                <a:ea typeface="+mn-ea"/>
-                <a:cs typeface="+mn-cs"/>
-              </a:defRPr>
-            </a:lvl4pPr>
-            <a:lvl5pPr marL="2057400" indent="-228600" algn="l" defTabSz="914400" rtl="0" eaLnBrk="1" latinLnBrk="0" hangingPunct="1">
-              <a:lnSpc>
-                <a:spcPts val="1800"/>
-              </a:lnSpc>
-              <a:spcBef>
-                <a:spcPts val="1000"/>
-              </a:spcBef>
-              <a:spcAft>
-                <a:spcPts val="1000"/>
-              </a:spcAft>
-              <a:buFont typeface="Arial" panose="020B0604020202020204" pitchFamily="34" charset="0"/>
-              <a:buChar char="•"/>
-              <a:defRPr lang="en-US" sz="1200" kern="1200">
-                <a:solidFill>
-                  <a:schemeClr val="tx1">
-                    <a:lumMod val="75000"/>
-                    <a:lumOff val="25000"/>
-                  </a:schemeClr>
-                </a:solidFill>
-                <a:latin typeface="+mn-lt"/>
-                <a:ea typeface="+mn-ea"/>
-                <a:cs typeface="+mn-cs"/>
-              </a:defRPr>
-            </a:lvl5pPr>
-            <a:lvl6pPr marL="2514600" indent="-228600" algn="l" defTabSz="914400" rtl="0" eaLnBrk="1" latinLnBrk="0" hangingPunct="1">
-              <a:lnSpc>
-                <a:spcPct val="90000"/>
-              </a:lnSpc>
-              <a:spcBef>
-                <a:spcPct val="30000"/>
-              </a:spcBef>
-              <a:buFont typeface="Arial" panose="020B0604020202020204" pitchFamily="34" charset="0"/>
-              <a:buChar char="•"/>
-              <a:defRPr sz="1800" kern="1200">
-                <a:solidFill>
-                  <a:schemeClr val="tx1"/>
-                </a:solidFill>
-                <a:latin typeface="+mn-lt"/>
-                <a:ea typeface="+mn-ea"/>
-                <a:cs typeface="+mn-cs"/>
-              </a:defRPr>
-            </a:lvl6pPr>
-            <a:lvl7pPr marL="2971800" indent="-228600" algn="l" defTabSz="914400" rtl="0" eaLnBrk="1" latinLnBrk="0" hangingPunct="1">
-              <a:lnSpc>
-                <a:spcPct val="90000"/>
-              </a:lnSpc>
-              <a:spcBef>
-                <a:spcPct val="30000"/>
-              </a:spcBef>
-              <a:buFont typeface="Arial" panose="020B0604020202020204" pitchFamily="34" charset="0"/>
-              <a:buChar char="•"/>
-              <a:defRPr sz="1800" kern="1200">
-                <a:solidFill>
-                  <a:schemeClr val="tx1"/>
-                </a:solidFill>
-                <a:latin typeface="+mn-lt"/>
-                <a:ea typeface="+mn-ea"/>
-                <a:cs typeface="+mn-cs"/>
-              </a:defRPr>
-            </a:lvl7pPr>
-            <a:lvl8pPr marL="3429000" indent="-228600" algn="l" defTabSz="914400" rtl="0" eaLnBrk="1" latinLnBrk="0" hangingPunct="1">
-              <a:lnSpc>
-                <a:spcPct val="90000"/>
-              </a:lnSpc>
-              <a:spcBef>
-                <a:spcPct val="30000"/>
-              </a:spcBef>
-              <a:buFont typeface="Arial" panose="020B0604020202020204" pitchFamily="34" charset="0"/>
-              <a:buChar char="•"/>
-              <a:defRPr sz="1800" kern="1200">
-                <a:solidFill>
-                  <a:schemeClr val="tx1"/>
-                </a:solidFill>
-                <a:latin typeface="+mn-lt"/>
-                <a:ea typeface="+mn-ea"/>
-                <a:cs typeface="+mn-cs"/>
-              </a:defRPr>
-            </a:lvl8pPr>
-            <a:lvl9pPr marL="3886200" indent="-228600" algn="l" defTabSz="914400" rtl="0" eaLnBrk="1" latinLnBrk="0" hangingPunct="1">
-              <a:lnSpc>
-                <a:spcPct val="90000"/>
-              </a:lnSpc>
-              <a:spcBef>
-                <a:spcPct val="30000"/>
-              </a:spcBef>
-              <a:buFont typeface="Arial" panose="020B0604020202020204" pitchFamily="34" charset="0"/>
-              <a:buChar char="•"/>
-              <a:defRPr sz="1800" kern="1200">
-                <a:solidFill>
-                  <a:schemeClr val="tx1"/>
-                </a:solidFill>
-                <a:latin typeface="+mn-lt"/>
-                <a:ea typeface="+mn-ea"/>
-                <a:cs typeface="+mn-cs"/>
-              </a:defRPr>
-            </a:lvl9pPr>
-          </a:lstStyle>
-          <a:p>
-            <a:pPr marL="0" indent="0" rtl="0">
-              <a:spcAft>
-                <a:spcPts val="2000"/>
-              </a:spcAft>
-              <a:buNone/>
-            </a:pPr>
-            <a:r>
-              <a:rPr lang="de-DE" sz="1100">
-                <a:solidFill>
-                  <a:prstClr val="black">
-                    <a:lumMod val="75000"/>
-                    <a:lumOff val="25000"/>
-                  </a:prstClr>
-                </a:solidFill>
-                <a:latin typeface="Segoe UI" panose="020B0502040204020203" pitchFamily="34" charset="0"/>
-                <a:cs typeface="Segoe UI" panose="020B0502040204020203" pitchFamily="34" charset="0"/>
-              </a:rPr>
-              <a:t>Wenn sich andere Personen in der Präsentation befinden, zeigt eine Markierung an, wer sich auf welcher Folie befindet…</a:t>
-            </a:r>
-          </a:p>
-        </p:txBody>
-      </p:sp>
-      <p:pic>
-        <p:nvPicPr>
-          <p:cNvPr id="12" name="Bild 11" descr="Markierung, die den bearbeiteten Teil der Folie angibt"/>
-          <p:cNvPicPr>
-            <a:picLocks noChangeAspect="1"/>
-          </p:cNvPicPr>
-          <p:nvPr/>
-        </p:nvPicPr>
-        <p:blipFill>
-          <a:blip r:embed="rId5"/>
-          <a:srcRect/>
-          <a:stretch/>
-        </p:blipFill>
-        <p:spPr>
-          <a:xfrm>
-            <a:off x="7899419" y="2350394"/>
-            <a:ext cx="3563782" cy="2305343"/>
-          </a:xfrm>
-          <a:prstGeom prst="rect">
-            <a:avLst/>
-          </a:prstGeom>
-        </p:spPr>
-      </p:pic>
-      <p:grpSp>
-        <p:nvGrpSpPr>
-          <p:cNvPr id="39" name="Gruppieren 38" descr="Kleiner Kreis mit enthaltener Zahl 3 zur Angabe von Schritt 3"/>
-          <p:cNvGrpSpPr/>
-          <p:nvPr/>
-        </p:nvGrpSpPr>
-        <p:grpSpPr bwMode="blackWhite">
-          <a:xfrm>
-            <a:off x="7930921" y="4531632"/>
-            <a:ext cx="558179" cy="409838"/>
-            <a:chOff x="6953426" y="711274"/>
-            <a:chExt cx="558179" cy="409838"/>
-          </a:xfrm>
-        </p:grpSpPr>
-        <p:sp>
-          <p:nvSpPr>
-            <p:cNvPr id="40" name="Ellipse 39" descr="Kleiner Kreis"/>
-            <p:cNvSpPr/>
-            <p:nvPr/>
-          </p:nvSpPr>
-          <p:spPr bwMode="blackWhite">
-            <a:xfrm>
-              <a:off x="7025069" y="711274"/>
-              <a:ext cx="409838" cy="409838"/>
-            </a:xfrm>
-            <a:prstGeom prst="ellipse">
-              <a:avLst/>
-            </a:prstGeom>
-            <a:solidFill>
-              <a:srgbClr val="D24726"/>
-            </a:solidFill>
-            <a:ln>
-              <a:noFill/>
-            </a:ln>
-          </p:spPr>
-          <p:style>
-            <a:lnRef idx="2">
-              <a:schemeClr val="accent1">
-                <a:shade val="50000"/>
-              </a:schemeClr>
-            </a:lnRef>
-            <a:fillRef idx="1">
-              <a:schemeClr val="accent1"/>
-            </a:fillRef>
-            <a:effectRef idx="0">
-              <a:schemeClr val="accent1"/>
-            </a:effectRef>
-            <a:fontRef idx="minor">
-              <a:schemeClr val="lt1"/>
-            </a:fontRef>
-          </p:style>
-          <p:txBody>
-            <a:bodyPr rtlCol="0" anchor="ctr"/>
-            <a:lstStyle/>
-            <a:p>
-              <a:pPr algn="ctr" rtl="0"/>
-              <a:endParaRPr lang="de-DE"/>
-            </a:p>
-          </p:txBody>
-        </p:sp>
-        <p:sp>
-          <p:nvSpPr>
-            <p:cNvPr id="41" name="Textfeld 40" descr="Zahl 3"/>
-            <p:cNvSpPr txBox="1"/>
-            <p:nvPr/>
-          </p:nvSpPr>
-          <p:spPr bwMode="blackWhite">
-            <a:xfrm>
-              <a:off x="6953426" y="727564"/>
-              <a:ext cx="558179" cy="369332"/>
-            </a:xfrm>
-            <a:prstGeom prst="rect">
-              <a:avLst/>
-            </a:prstGeom>
-            <a:noFill/>
-          </p:spPr>
-          <p:txBody>
-            <a:bodyPr wrap="square" rtlCol="0">
-              <a:spAutoFit/>
-            </a:bodyPr>
-            <a:lstStyle/>
-            <a:p>
-              <a:pPr algn="ctr" rtl="0"/>
-              <a:r>
-                <a:rPr lang="de-DE">
-                  <a:solidFill>
-                    <a:schemeClr val="bg1"/>
-                  </a:solidFill>
-                  <a:latin typeface="Segoe UI Semibold" panose="020B0702040204020203" pitchFamily="34" charset="0"/>
-                  <a:cs typeface="Segoe UI Semibold" panose="020B0702040204020203" pitchFamily="34" charset="0"/>
-                </a:rPr>
-                <a:t>3</a:t>
-              </a:r>
-            </a:p>
-          </p:txBody>
-        </p:sp>
-      </p:grpSp>
-      <p:sp>
-        <p:nvSpPr>
-          <p:cNvPr id="44" name="Inhaltsplatzhalter 17"/>
-          <p:cNvSpPr txBox="1">
-            <a:spLocks/>
-          </p:cNvSpPr>
-          <p:nvPr/>
-        </p:nvSpPr>
-        <p:spPr>
-          <a:xfrm>
-            <a:off x="8429668" y="4571824"/>
-            <a:ext cx="2658635" cy="697760"/>
-          </a:xfrm>
-          <a:prstGeom prst="rect">
-            <a:avLst/>
-          </a:prstGeom>
-        </p:spPr>
-        <p:txBody>
-          <a:bodyPr vert="horz" lIns="91440" tIns="45720" rIns="91440" bIns="45720" rtlCol="0">
-            <a:normAutofit/>
-          </a:bodyPr>
-          <a:lstStyle>
-            <a:lvl1pPr marL="228600" indent="-228600" algn="l" defTabSz="914400" rtl="0" eaLnBrk="1" latinLnBrk="0" hangingPunct="1">
-              <a:lnSpc>
-                <a:spcPts val="1800"/>
-              </a:lnSpc>
-              <a:spcBef>
-                <a:spcPts val="1000"/>
-              </a:spcBef>
-              <a:spcAft>
-                <a:spcPts val="1000"/>
-              </a:spcAft>
-              <a:buFont typeface="Arial" panose="020B0604020202020204" pitchFamily="34" charset="0"/>
-              <a:buChar char="•"/>
-              <a:defRPr lang="en-US" sz="1200" kern="1200" smtClean="0">
-                <a:solidFill>
-                  <a:schemeClr val="tx1">
-                    <a:lumMod val="75000"/>
-                    <a:lumOff val="25000"/>
-                  </a:schemeClr>
-                </a:solidFill>
-                <a:latin typeface="+mn-lt"/>
-                <a:ea typeface="+mn-ea"/>
-                <a:cs typeface="+mn-cs"/>
-              </a:defRPr>
-            </a:lvl1pPr>
-            <a:lvl2pPr marL="685800" indent="-228600" algn="l" defTabSz="914400" rtl="0" eaLnBrk="1" latinLnBrk="0" hangingPunct="1">
-              <a:lnSpc>
-                <a:spcPts val="1800"/>
-              </a:lnSpc>
-              <a:spcBef>
-                <a:spcPts val="1000"/>
-              </a:spcBef>
-              <a:spcAft>
-                <a:spcPts val="1000"/>
-              </a:spcAft>
-              <a:buFont typeface="Arial" panose="020B0604020202020204" pitchFamily="34" charset="0"/>
-              <a:buChar char="•"/>
-              <a:defRPr lang="en-US" sz="1200" kern="1200" smtClean="0">
-                <a:solidFill>
-                  <a:schemeClr val="tx1">
-                    <a:lumMod val="75000"/>
-                    <a:lumOff val="25000"/>
-                  </a:schemeClr>
-                </a:solidFill>
-                <a:latin typeface="+mn-lt"/>
-                <a:ea typeface="+mn-ea"/>
-                <a:cs typeface="+mn-cs"/>
-              </a:defRPr>
-            </a:lvl2pPr>
-            <a:lvl3pPr marL="1143000" indent="-228600" algn="l" defTabSz="914400" rtl="0" eaLnBrk="1" latinLnBrk="0" hangingPunct="1">
-              <a:lnSpc>
-                <a:spcPts val="1800"/>
-              </a:lnSpc>
-              <a:spcBef>
-                <a:spcPts val="1000"/>
-              </a:spcBef>
-              <a:spcAft>
-                <a:spcPts val="1000"/>
-              </a:spcAft>
-              <a:buFont typeface="Arial" panose="020B0604020202020204" pitchFamily="34" charset="0"/>
-              <a:buChar char="•"/>
-              <a:defRPr lang="en-US" sz="1200" kern="1200" smtClean="0">
-                <a:solidFill>
-                  <a:schemeClr val="tx1">
-                    <a:lumMod val="75000"/>
-                    <a:lumOff val="25000"/>
-                  </a:schemeClr>
-                </a:solidFill>
-                <a:latin typeface="+mn-lt"/>
-                <a:ea typeface="+mn-ea"/>
-                <a:cs typeface="+mn-cs"/>
-              </a:defRPr>
-            </a:lvl3pPr>
-            <a:lvl4pPr marL="1600200" indent="-228600" algn="l" defTabSz="914400" rtl="0" eaLnBrk="1" latinLnBrk="0" hangingPunct="1">
-              <a:lnSpc>
-                <a:spcPts val="1800"/>
-              </a:lnSpc>
-              <a:spcBef>
-                <a:spcPts val="1000"/>
-              </a:spcBef>
-              <a:spcAft>
-                <a:spcPts val="1000"/>
-              </a:spcAft>
-              <a:buFont typeface="Arial" panose="020B0604020202020204" pitchFamily="34" charset="0"/>
-              <a:buChar char="•"/>
-              <a:defRPr lang="en-US" sz="1200" kern="1200" smtClean="0">
-                <a:solidFill>
-                  <a:schemeClr val="tx1">
-                    <a:lumMod val="75000"/>
-                    <a:lumOff val="25000"/>
-                  </a:schemeClr>
-                </a:solidFill>
-                <a:latin typeface="+mn-lt"/>
-                <a:ea typeface="+mn-ea"/>
-                <a:cs typeface="+mn-cs"/>
-              </a:defRPr>
-            </a:lvl4pPr>
-            <a:lvl5pPr marL="2057400" indent="-228600" algn="l" defTabSz="914400" rtl="0" eaLnBrk="1" latinLnBrk="0" hangingPunct="1">
-              <a:lnSpc>
-                <a:spcPts val="1800"/>
-              </a:lnSpc>
-              <a:spcBef>
-                <a:spcPts val="1000"/>
-              </a:spcBef>
-              <a:spcAft>
-                <a:spcPts val="1000"/>
-              </a:spcAft>
-              <a:buFont typeface="Arial" panose="020B0604020202020204" pitchFamily="34" charset="0"/>
-              <a:buChar char="•"/>
-              <a:defRPr lang="en-US" sz="1200" kern="1200">
-                <a:solidFill>
-                  <a:schemeClr val="tx1">
-                    <a:lumMod val="75000"/>
-                    <a:lumOff val="25000"/>
-                  </a:schemeClr>
-                </a:solidFill>
-                <a:latin typeface="+mn-lt"/>
-                <a:ea typeface="+mn-ea"/>
-                <a:cs typeface="+mn-cs"/>
-              </a:defRPr>
-            </a:lvl5pPr>
-            <a:lvl6pPr marL="2514600" indent="-228600" algn="l" defTabSz="914400" rtl="0" eaLnBrk="1" latinLnBrk="0" hangingPunct="1">
-              <a:lnSpc>
-                <a:spcPct val="90000"/>
-              </a:lnSpc>
-              <a:spcBef>
-                <a:spcPct val="30000"/>
-              </a:spcBef>
-              <a:buFont typeface="Arial" panose="020B0604020202020204" pitchFamily="34" charset="0"/>
-              <a:buChar char="•"/>
-              <a:defRPr sz="1800" kern="1200">
-                <a:solidFill>
-                  <a:schemeClr val="tx1"/>
-                </a:solidFill>
-                <a:latin typeface="+mn-lt"/>
-                <a:ea typeface="+mn-ea"/>
-                <a:cs typeface="+mn-cs"/>
-              </a:defRPr>
-            </a:lvl6pPr>
-            <a:lvl7pPr marL="2971800" indent="-228600" algn="l" defTabSz="914400" rtl="0" eaLnBrk="1" latinLnBrk="0" hangingPunct="1">
-              <a:lnSpc>
-                <a:spcPct val="90000"/>
-              </a:lnSpc>
-              <a:spcBef>
-                <a:spcPct val="30000"/>
-              </a:spcBef>
-              <a:buFont typeface="Arial" panose="020B0604020202020204" pitchFamily="34" charset="0"/>
-              <a:buChar char="•"/>
-              <a:defRPr sz="1800" kern="1200">
-                <a:solidFill>
-                  <a:schemeClr val="tx1"/>
-                </a:solidFill>
-                <a:latin typeface="+mn-lt"/>
-                <a:ea typeface="+mn-ea"/>
-                <a:cs typeface="+mn-cs"/>
-              </a:defRPr>
-            </a:lvl7pPr>
-            <a:lvl8pPr marL="3429000" indent="-228600" algn="l" defTabSz="914400" rtl="0" eaLnBrk="1" latinLnBrk="0" hangingPunct="1">
-              <a:lnSpc>
-                <a:spcPct val="90000"/>
-              </a:lnSpc>
-              <a:spcBef>
-                <a:spcPct val="30000"/>
-              </a:spcBef>
-              <a:buFont typeface="Arial" panose="020B0604020202020204" pitchFamily="34" charset="0"/>
-              <a:buChar char="•"/>
-              <a:defRPr sz="1800" kern="1200">
-                <a:solidFill>
-                  <a:schemeClr val="tx1"/>
-                </a:solidFill>
-                <a:latin typeface="+mn-lt"/>
-                <a:ea typeface="+mn-ea"/>
-                <a:cs typeface="+mn-cs"/>
-              </a:defRPr>
-            </a:lvl8pPr>
-            <a:lvl9pPr marL="3886200" indent="-228600" algn="l" defTabSz="914400" rtl="0" eaLnBrk="1" latinLnBrk="0" hangingPunct="1">
-              <a:lnSpc>
-                <a:spcPct val="90000"/>
-              </a:lnSpc>
-              <a:spcBef>
-                <a:spcPct val="30000"/>
-              </a:spcBef>
-              <a:buFont typeface="Arial" panose="020B0604020202020204" pitchFamily="34" charset="0"/>
-              <a:buChar char="•"/>
-              <a:defRPr sz="1800" kern="1200">
-                <a:solidFill>
-                  <a:schemeClr val="tx1"/>
-                </a:solidFill>
-                <a:latin typeface="+mn-lt"/>
-                <a:ea typeface="+mn-ea"/>
-                <a:cs typeface="+mn-cs"/>
-              </a:defRPr>
-            </a:lvl9pPr>
-          </a:lstStyle>
-          <a:p>
-            <a:pPr marL="0" indent="0" rtl="0">
-              <a:spcAft>
-                <a:spcPts val="2000"/>
-              </a:spcAft>
-              <a:buNone/>
-            </a:pPr>
-            <a:r>
-              <a:rPr lang="de-DE" sz="1100">
-                <a:solidFill>
-                  <a:prstClr val="black">
-                    <a:lumMod val="75000"/>
-                    <a:lumOff val="25000"/>
-                  </a:prstClr>
-                </a:solidFill>
-                <a:latin typeface="Segoe UI" panose="020B0502040204020203" pitchFamily="34" charset="0"/>
-                <a:cs typeface="Segoe UI" panose="020B0502040204020203" pitchFamily="34" charset="0"/>
-              </a:rPr>
-              <a:t>…und welchen Teil der Folie sie bearbeiten.</a:t>
-            </a:r>
-          </a:p>
-        </p:txBody>
-      </p:sp>
-    </p:spTree>
-    <p:extLst>
-      <p:ext uri="{BB962C8B-B14F-4D97-AF65-F5344CB8AC3E}">
-        <p14:creationId xmlns:p14="http://schemas.microsoft.com/office/powerpoint/2010/main" val="1328676004"/>
-      </p:ext>
-    </p:extLst>
-  </p:cSld>
-  <p:clrMapOvr>
-    <a:masterClrMapping/>
-  </p:clrMapOvr>
-  <mc:AlternateContent xmlns:mc="http://schemas.openxmlformats.org/markup-compatibility/2006" xmlns:p14="http://schemas.microsoft.com/office/powerpoint/2010/main">
-    <mc:Choice Requires="p14">
-      <p:transition p14:dur="10"/>
-    </mc:Choice>
-    <mc:Fallback xmlns="">
-      <p:transition/>
-    </mc:Fallback>
-  </mc:AlternateContent>
-</p:sld>
-</file>
-
-<file path=ppt/slides/slide7.xml><?xml version="1.0" encoding="utf-8"?>
-<p:sld xmlns:a="http://schemas.openxmlformats.org/drawingml/2006/main" xmlns:r="http://schemas.openxmlformats.org/officeDocument/2006/relationships" xmlns:p="http://schemas.openxmlformats.org/presentationml/2006/main">
-  <p:cSld>
-    <p:spTree>
-      <p:nvGrpSpPr>
-        <p:cNvPr id="1" name=""/>
-        <p:cNvGrpSpPr/>
-        <p:nvPr/>
-      </p:nvGrpSpPr>
-      <p:grpSpPr>
-        <a:xfrm>
-          <a:off x="0" y="0"/>
-          <a:ext cx="0" cy="0"/>
-          <a:chOff x="0" y="0"/>
-          <a:chExt cx="0" cy="0"/>
-        </a:xfrm>
-      </p:grpSpPr>
-      <p:sp>
-        <p:nvSpPr>
-          <p:cNvPr id="6" name="Titel 5"/>
-          <p:cNvSpPr>
-            <a:spLocks noGrp="1"/>
-          </p:cNvSpPr>
-          <p:nvPr>
-            <p:ph type="title"/>
-          </p:nvPr>
-        </p:nvSpPr>
-        <p:spPr/>
-        <p:txBody>
-          <a:bodyPr rtlCol="0">
-            <a:normAutofit fontScale="90000"/>
-          </a:bodyPr>
-          <a:lstStyle/>
-          <a:p>
-            <a:pPr rtl="0"/>
-            <a:r>
-              <a:rPr lang="de-DE">
-                <a:latin typeface="Segoe UI Light" panose="020B0502040204020203" pitchFamily="34" charset="0"/>
-                <a:cs typeface="Segoe UI Light" panose="020B0502040204020203" pitchFamily="34" charset="0"/>
-              </a:rPr>
-              <a:t>Mit "Sie wünschen" sind Sie sofort ein Experte.</a:t>
-            </a:r>
-          </a:p>
-        </p:txBody>
-      </p:sp>
-      <p:sp>
-        <p:nvSpPr>
-          <p:cNvPr id="38" name="Inhaltsplatzhalter 17"/>
-          <p:cNvSpPr txBox="1">
-            <a:spLocks/>
-          </p:cNvSpPr>
-          <p:nvPr/>
-        </p:nvSpPr>
-        <p:spPr>
-          <a:xfrm>
-            <a:off x="541609" y="1296100"/>
-            <a:ext cx="5110161" cy="1236475"/>
-          </a:xfrm>
-          <a:prstGeom prst="rect">
-            <a:avLst/>
-          </a:prstGeom>
-        </p:spPr>
-        <p:txBody>
-          <a:bodyPr vert="horz" lIns="91440" tIns="45720" rIns="91440" bIns="45720" rtlCol="0">
-            <a:normAutofit/>
-          </a:bodyPr>
-          <a:lstStyle>
-            <a:lvl1pPr marL="228600" indent="-228600" algn="l" defTabSz="914400" rtl="0" eaLnBrk="1" latinLnBrk="0" hangingPunct="1">
-              <a:lnSpc>
-                <a:spcPts val="1800"/>
-              </a:lnSpc>
-              <a:spcBef>
-                <a:spcPts val="1000"/>
-              </a:spcBef>
-              <a:spcAft>
-                <a:spcPts val="1000"/>
-              </a:spcAft>
-              <a:buFont typeface="Arial" panose="020B0604020202020204" pitchFamily="34" charset="0"/>
-              <a:buChar char="•"/>
-              <a:defRPr lang="en-US" sz="1200" kern="1200" smtClean="0">
-                <a:solidFill>
-                  <a:schemeClr val="tx1">
-                    <a:lumMod val="75000"/>
-                    <a:lumOff val="25000"/>
-                  </a:schemeClr>
-                </a:solidFill>
-                <a:latin typeface="+mn-lt"/>
-                <a:ea typeface="+mn-ea"/>
-                <a:cs typeface="+mn-cs"/>
-              </a:defRPr>
-            </a:lvl1pPr>
-            <a:lvl2pPr marL="685800" indent="-228600" algn="l" defTabSz="914400" rtl="0" eaLnBrk="1" latinLnBrk="0" hangingPunct="1">
-              <a:lnSpc>
-                <a:spcPts val="1800"/>
-              </a:lnSpc>
-              <a:spcBef>
-                <a:spcPts val="1000"/>
-              </a:spcBef>
-              <a:spcAft>
-                <a:spcPts val="1000"/>
-              </a:spcAft>
-              <a:buFont typeface="Arial" panose="020B0604020202020204" pitchFamily="34" charset="0"/>
-              <a:buChar char="•"/>
-              <a:defRPr lang="en-US" sz="1200" kern="1200" smtClean="0">
-                <a:solidFill>
-                  <a:schemeClr val="tx1">
-                    <a:lumMod val="75000"/>
-                    <a:lumOff val="25000"/>
-                  </a:schemeClr>
-                </a:solidFill>
-                <a:latin typeface="+mn-lt"/>
-                <a:ea typeface="+mn-ea"/>
-                <a:cs typeface="+mn-cs"/>
-              </a:defRPr>
-            </a:lvl2pPr>
-            <a:lvl3pPr marL="1143000" indent="-228600" algn="l" defTabSz="914400" rtl="0" eaLnBrk="1" latinLnBrk="0" hangingPunct="1">
-              <a:lnSpc>
-                <a:spcPts val="1800"/>
-              </a:lnSpc>
-              <a:spcBef>
-                <a:spcPts val="1000"/>
-              </a:spcBef>
-              <a:spcAft>
-                <a:spcPts val="1000"/>
-              </a:spcAft>
-              <a:buFont typeface="Arial" panose="020B0604020202020204" pitchFamily="34" charset="0"/>
-              <a:buChar char="•"/>
-              <a:defRPr lang="en-US" sz="1200" kern="1200" smtClean="0">
-                <a:solidFill>
-                  <a:schemeClr val="tx1">
-                    <a:lumMod val="75000"/>
-                    <a:lumOff val="25000"/>
-                  </a:schemeClr>
-                </a:solidFill>
-                <a:latin typeface="+mn-lt"/>
-                <a:ea typeface="+mn-ea"/>
-                <a:cs typeface="+mn-cs"/>
-              </a:defRPr>
-            </a:lvl3pPr>
-            <a:lvl4pPr marL="1600200" indent="-228600" algn="l" defTabSz="914400" rtl="0" eaLnBrk="1" latinLnBrk="0" hangingPunct="1">
-              <a:lnSpc>
-                <a:spcPts val="1800"/>
-              </a:lnSpc>
-              <a:spcBef>
-                <a:spcPts val="1000"/>
-              </a:spcBef>
-              <a:spcAft>
-                <a:spcPts val="1000"/>
-              </a:spcAft>
-              <a:buFont typeface="Arial" panose="020B0604020202020204" pitchFamily="34" charset="0"/>
-              <a:buChar char="•"/>
-              <a:defRPr lang="en-US" sz="1200" kern="1200" smtClean="0">
-                <a:solidFill>
-                  <a:schemeClr val="tx1">
-                    <a:lumMod val="75000"/>
-                    <a:lumOff val="25000"/>
-                  </a:schemeClr>
-                </a:solidFill>
-                <a:latin typeface="+mn-lt"/>
-                <a:ea typeface="+mn-ea"/>
-                <a:cs typeface="+mn-cs"/>
-              </a:defRPr>
-            </a:lvl4pPr>
-            <a:lvl5pPr marL="2057400" indent="-228600" algn="l" defTabSz="914400" rtl="0" eaLnBrk="1" latinLnBrk="0" hangingPunct="1">
-              <a:lnSpc>
-                <a:spcPts val="1800"/>
-              </a:lnSpc>
-              <a:spcBef>
-                <a:spcPts val="1000"/>
-              </a:spcBef>
-              <a:spcAft>
-                <a:spcPts val="1000"/>
-              </a:spcAft>
-              <a:buFont typeface="Arial" panose="020B0604020202020204" pitchFamily="34" charset="0"/>
-              <a:buChar char="•"/>
-              <a:defRPr lang="en-US" sz="1200" kern="1200">
-                <a:solidFill>
-                  <a:schemeClr val="tx1">
-                    <a:lumMod val="75000"/>
-                    <a:lumOff val="25000"/>
-                  </a:schemeClr>
-                </a:solidFill>
-                <a:latin typeface="+mn-lt"/>
-                <a:ea typeface="+mn-ea"/>
-                <a:cs typeface="+mn-cs"/>
-              </a:defRPr>
-            </a:lvl5pPr>
-            <a:lvl6pPr marL="2514600" indent="-228600" algn="l" defTabSz="914400" rtl="0" eaLnBrk="1" latinLnBrk="0" hangingPunct="1">
-              <a:lnSpc>
-                <a:spcPct val="90000"/>
-              </a:lnSpc>
-              <a:spcBef>
-                <a:spcPct val="30000"/>
-              </a:spcBef>
-              <a:buFont typeface="Arial" panose="020B0604020202020204" pitchFamily="34" charset="0"/>
-              <a:buChar char="•"/>
-              <a:defRPr sz="1800" kern="1200">
-                <a:solidFill>
-                  <a:schemeClr val="tx1"/>
-                </a:solidFill>
-                <a:latin typeface="+mn-lt"/>
-                <a:ea typeface="+mn-ea"/>
-                <a:cs typeface="+mn-cs"/>
-              </a:defRPr>
-            </a:lvl6pPr>
-            <a:lvl7pPr marL="2971800" indent="-228600" algn="l" defTabSz="914400" rtl="0" eaLnBrk="1" latinLnBrk="0" hangingPunct="1">
-              <a:lnSpc>
-                <a:spcPct val="90000"/>
-              </a:lnSpc>
-              <a:spcBef>
-                <a:spcPct val="30000"/>
-              </a:spcBef>
-              <a:buFont typeface="Arial" panose="020B0604020202020204" pitchFamily="34" charset="0"/>
-              <a:buChar char="•"/>
-              <a:defRPr sz="1800" kern="1200">
-                <a:solidFill>
-                  <a:schemeClr val="tx1"/>
-                </a:solidFill>
-                <a:latin typeface="+mn-lt"/>
-                <a:ea typeface="+mn-ea"/>
-                <a:cs typeface="+mn-cs"/>
-              </a:defRPr>
-            </a:lvl7pPr>
-            <a:lvl8pPr marL="3429000" indent="-228600" algn="l" defTabSz="914400" rtl="0" eaLnBrk="1" latinLnBrk="0" hangingPunct="1">
-              <a:lnSpc>
-                <a:spcPct val="90000"/>
-              </a:lnSpc>
-              <a:spcBef>
-                <a:spcPct val="30000"/>
-              </a:spcBef>
-              <a:buFont typeface="Arial" panose="020B0604020202020204" pitchFamily="34" charset="0"/>
-              <a:buChar char="•"/>
-              <a:defRPr sz="1800" kern="1200">
-                <a:solidFill>
-                  <a:schemeClr val="tx1"/>
-                </a:solidFill>
-                <a:latin typeface="+mn-lt"/>
-                <a:ea typeface="+mn-ea"/>
-                <a:cs typeface="+mn-cs"/>
-              </a:defRPr>
-            </a:lvl8pPr>
-            <a:lvl9pPr marL="3886200" indent="-228600" algn="l" defTabSz="914400" rtl="0" eaLnBrk="1" latinLnBrk="0" hangingPunct="1">
-              <a:lnSpc>
-                <a:spcPct val="90000"/>
-              </a:lnSpc>
-              <a:spcBef>
-                <a:spcPct val="30000"/>
-              </a:spcBef>
-              <a:buFont typeface="Arial" panose="020B0604020202020204" pitchFamily="34" charset="0"/>
-              <a:buChar char="•"/>
-              <a:defRPr sz="1800" kern="1200">
-                <a:solidFill>
-                  <a:schemeClr val="tx1"/>
-                </a:solidFill>
-                <a:latin typeface="+mn-lt"/>
-                <a:ea typeface="+mn-ea"/>
-                <a:cs typeface="+mn-cs"/>
-              </a:defRPr>
-            </a:lvl9pPr>
-          </a:lstStyle>
-          <a:p>
-            <a:pPr marL="0" indent="0" rtl="0">
-              <a:spcAft>
-                <a:spcPts val="2000"/>
-              </a:spcAft>
-              <a:buNone/>
-            </a:pPr>
-            <a:r>
-              <a:rPr lang="de-DE" sz="1100" dirty="0">
-                <a:solidFill>
-                  <a:prstClr val="black">
-                    <a:lumMod val="75000"/>
-                    <a:lumOff val="25000"/>
-                  </a:prstClr>
-                </a:solidFill>
-                <a:latin typeface="Segoe UI" panose="020B0502040204020203" pitchFamily="34" charset="0"/>
-                <a:cs typeface="Segoe UI" panose="020B0502040204020203" pitchFamily="34" charset="0"/>
-              </a:rPr>
-              <a:t>Über das Feld "Sie wünschen" finden Sie bei Bedarf den passenden Befehl, </a:t>
-            </a:r>
-            <a:br>
-              <a:rPr lang="de-DE" sz="1100" dirty="0">
-                <a:solidFill>
-                  <a:prstClr val="black">
-                    <a:lumMod val="75000"/>
-                    <a:lumOff val="25000"/>
-                  </a:prstClr>
-                </a:solidFill>
-                <a:latin typeface="Segoe UI" panose="020B0502040204020203" pitchFamily="34" charset="0"/>
-                <a:cs typeface="Segoe UI" panose="020B0502040204020203" pitchFamily="34" charset="0"/>
-              </a:rPr>
-            </a:br>
-            <a:r>
-              <a:rPr lang="de-DE" sz="1100" dirty="0">
-                <a:solidFill>
-                  <a:prstClr val="black">
-                    <a:lumMod val="75000"/>
-                    <a:lumOff val="25000"/>
-                  </a:prstClr>
-                </a:solidFill>
-                <a:latin typeface="Segoe UI" panose="020B0502040204020203" pitchFamily="34" charset="0"/>
-                <a:cs typeface="Segoe UI" panose="020B0502040204020203" pitchFamily="34" charset="0"/>
-              </a:rPr>
-              <a:t>wodurch Sie Zeit sparen und sich auf Ihre Arbeit konzentrieren können.</a:t>
-            </a:r>
-            <a:br>
-              <a:rPr lang="de-DE" sz="1100" dirty="0">
-                <a:latin typeface="Segoe UI" panose="020B0502040204020203" pitchFamily="34" charset="0"/>
-                <a:cs typeface="Segoe UI" panose="020B0502040204020203" pitchFamily="34" charset="0"/>
-              </a:rPr>
-            </a:br>
-            <a:br>
-              <a:rPr lang="de-DE" sz="1100" dirty="0">
-                <a:latin typeface="Segoe UI" panose="020B0502040204020203" pitchFamily="34" charset="0"/>
-                <a:cs typeface="Segoe UI" panose="020B0502040204020203" pitchFamily="34" charset="0"/>
-              </a:rPr>
-            </a:br>
-            <a:r>
-              <a:rPr lang="de-DE" sz="1100" dirty="0">
-                <a:latin typeface="Segoe UI" panose="020B0502040204020203" pitchFamily="34" charset="0"/>
-                <a:cs typeface="Segoe UI" panose="020B0502040204020203" pitchFamily="34" charset="0"/>
-              </a:rPr>
-              <a:t>Probieren Sie es aus:</a:t>
-            </a:r>
-          </a:p>
-        </p:txBody>
-      </p:sp>
-      <p:grpSp>
-        <p:nvGrpSpPr>
-          <p:cNvPr id="4" name="Gruppieren 3" descr="Kleiner Kreis mit enthaltener Zahl 1 zur Angabe von Schritt 1"/>
-          <p:cNvGrpSpPr/>
-          <p:nvPr/>
-        </p:nvGrpSpPr>
-        <p:grpSpPr bwMode="blackWhite">
-          <a:xfrm>
-            <a:off x="558723" y="2638502"/>
-            <a:ext cx="558179" cy="409838"/>
-            <a:chOff x="6953426" y="711274"/>
-            <a:chExt cx="558179" cy="409838"/>
-          </a:xfrm>
-        </p:grpSpPr>
-        <p:sp>
-          <p:nvSpPr>
-            <p:cNvPr id="2" name="Ellipse 1" descr="Kleiner Kreis"/>
-            <p:cNvSpPr/>
-            <p:nvPr/>
-          </p:nvSpPr>
-          <p:spPr bwMode="blackWhite">
-            <a:xfrm>
-              <a:off x="7025069" y="711274"/>
-              <a:ext cx="409838" cy="409838"/>
-            </a:xfrm>
-            <a:prstGeom prst="ellipse">
-              <a:avLst/>
-            </a:prstGeom>
-            <a:solidFill>
-              <a:srgbClr val="D24726"/>
-            </a:solidFill>
-            <a:ln>
-              <a:noFill/>
-            </a:ln>
-          </p:spPr>
-          <p:style>
-            <a:lnRef idx="2">
-              <a:schemeClr val="accent1">
-                <a:shade val="50000"/>
-              </a:schemeClr>
-            </a:lnRef>
-            <a:fillRef idx="1">
-              <a:schemeClr val="accent1"/>
-            </a:fillRef>
-            <a:effectRef idx="0">
-              <a:schemeClr val="accent1"/>
-            </a:effectRef>
-            <a:fontRef idx="minor">
-              <a:schemeClr val="lt1"/>
-            </a:fontRef>
-          </p:style>
-          <p:txBody>
-            <a:bodyPr rtlCol="0" anchor="ctr"/>
-            <a:lstStyle/>
-            <a:p>
-              <a:pPr algn="ctr" rtl="0"/>
-              <a:endParaRPr lang="de-DE"/>
-            </a:p>
-          </p:txBody>
-        </p:sp>
-        <p:sp>
-          <p:nvSpPr>
-            <p:cNvPr id="3" name="Textfeld 2" descr="Zahl 1"/>
-            <p:cNvSpPr txBox="1">
-              <a:spLocks noChangeAspect="1"/>
-            </p:cNvSpPr>
-            <p:nvPr/>
-          </p:nvSpPr>
-          <p:spPr bwMode="blackWhite">
-            <a:xfrm>
-              <a:off x="6953426" y="727564"/>
-              <a:ext cx="558179" cy="369332"/>
-            </a:xfrm>
-            <a:prstGeom prst="rect">
-              <a:avLst/>
-            </a:prstGeom>
-            <a:noFill/>
-          </p:spPr>
-          <p:txBody>
-            <a:bodyPr wrap="square" rtlCol="0">
-              <a:spAutoFit/>
-            </a:bodyPr>
-            <a:lstStyle/>
-            <a:p>
-              <a:pPr algn="ctr" rtl="0"/>
-              <a:r>
-                <a:rPr lang="de-DE">
-                  <a:solidFill>
-                    <a:schemeClr val="bg1"/>
-                  </a:solidFill>
-                  <a:latin typeface="Segoe UI Semibold" panose="020B0702040204020203" pitchFamily="34" charset="0"/>
-                  <a:cs typeface="Segoe UI Semibold" panose="020B0702040204020203" pitchFamily="34" charset="0"/>
-                </a:rPr>
-                <a:t>1</a:t>
-              </a:r>
-            </a:p>
-          </p:txBody>
-        </p:sp>
-      </p:grpSp>
-      <p:sp>
-        <p:nvSpPr>
-          <p:cNvPr id="29" name="Inhaltsplatzhalter 17"/>
-          <p:cNvSpPr txBox="1">
-            <a:spLocks/>
-          </p:cNvSpPr>
-          <p:nvPr/>
-        </p:nvSpPr>
-        <p:spPr>
-          <a:xfrm>
-            <a:off x="1066039" y="2678694"/>
-            <a:ext cx="3121671" cy="467647"/>
-          </a:xfrm>
-          <a:prstGeom prst="rect">
-            <a:avLst/>
-          </a:prstGeom>
-        </p:spPr>
-        <p:txBody>
-          <a:bodyPr vert="horz" lIns="91440" tIns="45720" rIns="91440" bIns="45720" rtlCol="0">
-            <a:normAutofit/>
-          </a:bodyPr>
-          <a:lstStyle>
-            <a:lvl1pPr marL="228600" indent="-228600" algn="l" defTabSz="914400" rtl="0" eaLnBrk="1" latinLnBrk="0" hangingPunct="1">
-              <a:lnSpc>
-                <a:spcPts val="1800"/>
-              </a:lnSpc>
-              <a:spcBef>
-                <a:spcPts val="1000"/>
-              </a:spcBef>
-              <a:spcAft>
-                <a:spcPts val="1000"/>
-              </a:spcAft>
-              <a:buFont typeface="Arial" panose="020B0604020202020204" pitchFamily="34" charset="0"/>
-              <a:buChar char="•"/>
-              <a:defRPr lang="en-US" sz="1200" kern="1200" smtClean="0">
-                <a:solidFill>
-                  <a:schemeClr val="tx1">
-                    <a:lumMod val="75000"/>
-                    <a:lumOff val="25000"/>
-                  </a:schemeClr>
-                </a:solidFill>
-                <a:latin typeface="+mn-lt"/>
-                <a:ea typeface="+mn-ea"/>
-                <a:cs typeface="+mn-cs"/>
-              </a:defRPr>
-            </a:lvl1pPr>
-            <a:lvl2pPr marL="685800" indent="-228600" algn="l" defTabSz="914400" rtl="0" eaLnBrk="1" latinLnBrk="0" hangingPunct="1">
-              <a:lnSpc>
-                <a:spcPts val="1800"/>
-              </a:lnSpc>
-              <a:spcBef>
-                <a:spcPts val="1000"/>
-              </a:spcBef>
-              <a:spcAft>
-                <a:spcPts val="1000"/>
-              </a:spcAft>
-              <a:buFont typeface="Arial" panose="020B0604020202020204" pitchFamily="34" charset="0"/>
-              <a:buChar char="•"/>
-              <a:defRPr lang="en-US" sz="1200" kern="1200" smtClean="0">
-                <a:solidFill>
-                  <a:schemeClr val="tx1">
-                    <a:lumMod val="75000"/>
-                    <a:lumOff val="25000"/>
-                  </a:schemeClr>
-                </a:solidFill>
-                <a:latin typeface="+mn-lt"/>
-                <a:ea typeface="+mn-ea"/>
-                <a:cs typeface="+mn-cs"/>
-              </a:defRPr>
-            </a:lvl2pPr>
-            <a:lvl3pPr marL="1143000" indent="-228600" algn="l" defTabSz="914400" rtl="0" eaLnBrk="1" latinLnBrk="0" hangingPunct="1">
-              <a:lnSpc>
-                <a:spcPts val="1800"/>
-              </a:lnSpc>
-              <a:spcBef>
-                <a:spcPts val="1000"/>
-              </a:spcBef>
-              <a:spcAft>
-                <a:spcPts val="1000"/>
-              </a:spcAft>
-              <a:buFont typeface="Arial" panose="020B0604020202020204" pitchFamily="34" charset="0"/>
-              <a:buChar char="•"/>
-              <a:defRPr lang="en-US" sz="1200" kern="1200" smtClean="0">
-                <a:solidFill>
-                  <a:schemeClr val="tx1">
-                    <a:lumMod val="75000"/>
-                    <a:lumOff val="25000"/>
-                  </a:schemeClr>
-                </a:solidFill>
-                <a:latin typeface="+mn-lt"/>
-                <a:ea typeface="+mn-ea"/>
-                <a:cs typeface="+mn-cs"/>
-              </a:defRPr>
-            </a:lvl3pPr>
-            <a:lvl4pPr marL="1600200" indent="-228600" algn="l" defTabSz="914400" rtl="0" eaLnBrk="1" latinLnBrk="0" hangingPunct="1">
-              <a:lnSpc>
-                <a:spcPts val="1800"/>
-              </a:lnSpc>
-              <a:spcBef>
-                <a:spcPts val="1000"/>
-              </a:spcBef>
-              <a:spcAft>
-                <a:spcPts val="1000"/>
-              </a:spcAft>
-              <a:buFont typeface="Arial" panose="020B0604020202020204" pitchFamily="34" charset="0"/>
-              <a:buChar char="•"/>
-              <a:defRPr lang="en-US" sz="1200" kern="1200" smtClean="0">
-                <a:solidFill>
-                  <a:schemeClr val="tx1">
-                    <a:lumMod val="75000"/>
-                    <a:lumOff val="25000"/>
-                  </a:schemeClr>
-                </a:solidFill>
-                <a:latin typeface="+mn-lt"/>
-                <a:ea typeface="+mn-ea"/>
-                <a:cs typeface="+mn-cs"/>
-              </a:defRPr>
-            </a:lvl4pPr>
-            <a:lvl5pPr marL="2057400" indent="-228600" algn="l" defTabSz="914400" rtl="0" eaLnBrk="1" latinLnBrk="0" hangingPunct="1">
-              <a:lnSpc>
-                <a:spcPts val="1800"/>
-              </a:lnSpc>
-              <a:spcBef>
-                <a:spcPts val="1000"/>
-              </a:spcBef>
-              <a:spcAft>
-                <a:spcPts val="1000"/>
-              </a:spcAft>
-              <a:buFont typeface="Arial" panose="020B0604020202020204" pitchFamily="34" charset="0"/>
-              <a:buChar char="•"/>
-              <a:defRPr lang="en-US" sz="1200" kern="1200">
-                <a:solidFill>
-                  <a:schemeClr val="tx1">
-                    <a:lumMod val="75000"/>
-                    <a:lumOff val="25000"/>
-                  </a:schemeClr>
-                </a:solidFill>
-                <a:latin typeface="+mn-lt"/>
-                <a:ea typeface="+mn-ea"/>
-                <a:cs typeface="+mn-cs"/>
-              </a:defRPr>
-            </a:lvl5pPr>
-            <a:lvl6pPr marL="2514600" indent="-228600" algn="l" defTabSz="914400" rtl="0" eaLnBrk="1" latinLnBrk="0" hangingPunct="1">
-              <a:lnSpc>
-                <a:spcPct val="90000"/>
-              </a:lnSpc>
-              <a:spcBef>
-                <a:spcPct val="30000"/>
-              </a:spcBef>
-              <a:buFont typeface="Arial" panose="020B0604020202020204" pitchFamily="34" charset="0"/>
-              <a:buChar char="•"/>
-              <a:defRPr sz="1800" kern="1200">
-                <a:solidFill>
-                  <a:schemeClr val="tx1"/>
-                </a:solidFill>
-                <a:latin typeface="+mn-lt"/>
-                <a:ea typeface="+mn-ea"/>
-                <a:cs typeface="+mn-cs"/>
-              </a:defRPr>
-            </a:lvl6pPr>
-            <a:lvl7pPr marL="2971800" indent="-228600" algn="l" defTabSz="914400" rtl="0" eaLnBrk="1" latinLnBrk="0" hangingPunct="1">
-              <a:lnSpc>
-                <a:spcPct val="90000"/>
-              </a:lnSpc>
-              <a:spcBef>
-                <a:spcPct val="30000"/>
-              </a:spcBef>
-              <a:buFont typeface="Arial" panose="020B0604020202020204" pitchFamily="34" charset="0"/>
-              <a:buChar char="•"/>
-              <a:defRPr sz="1800" kern="1200">
-                <a:solidFill>
-                  <a:schemeClr val="tx1"/>
-                </a:solidFill>
-                <a:latin typeface="+mn-lt"/>
-                <a:ea typeface="+mn-ea"/>
-                <a:cs typeface="+mn-cs"/>
-              </a:defRPr>
-            </a:lvl7pPr>
-            <a:lvl8pPr marL="3429000" indent="-228600" algn="l" defTabSz="914400" rtl="0" eaLnBrk="1" latinLnBrk="0" hangingPunct="1">
-              <a:lnSpc>
-                <a:spcPct val="90000"/>
-              </a:lnSpc>
-              <a:spcBef>
-                <a:spcPct val="30000"/>
-              </a:spcBef>
-              <a:buFont typeface="Arial" panose="020B0604020202020204" pitchFamily="34" charset="0"/>
-              <a:buChar char="•"/>
-              <a:defRPr sz="1800" kern="1200">
-                <a:solidFill>
-                  <a:schemeClr val="tx1"/>
-                </a:solidFill>
-                <a:latin typeface="+mn-lt"/>
-                <a:ea typeface="+mn-ea"/>
-                <a:cs typeface="+mn-cs"/>
-              </a:defRPr>
-            </a:lvl8pPr>
-            <a:lvl9pPr marL="3886200" indent="-228600" algn="l" defTabSz="914400" rtl="0" eaLnBrk="1" latinLnBrk="0" hangingPunct="1">
-              <a:lnSpc>
-                <a:spcPct val="90000"/>
-              </a:lnSpc>
-              <a:spcBef>
-                <a:spcPct val="30000"/>
-              </a:spcBef>
-              <a:buFont typeface="Arial" panose="020B0604020202020204" pitchFamily="34" charset="0"/>
-              <a:buChar char="•"/>
-              <a:defRPr sz="1800" kern="1200">
-                <a:solidFill>
-                  <a:schemeClr val="tx1"/>
-                </a:solidFill>
-                <a:latin typeface="+mn-lt"/>
-                <a:ea typeface="+mn-ea"/>
-                <a:cs typeface="+mn-cs"/>
-              </a:defRPr>
-            </a:lvl9pPr>
-          </a:lstStyle>
-          <a:p>
-            <a:pPr marL="0" lvl="0" indent="0" defTabSz="512763" rtl="0">
-              <a:lnSpc>
-                <a:spcPct val="100000"/>
-              </a:lnSpc>
-              <a:spcBef>
-                <a:spcPts val="0"/>
-              </a:spcBef>
-              <a:spcAft>
-                <a:spcPts val="2000"/>
-              </a:spcAft>
-              <a:buNone/>
-            </a:pPr>
-            <a:r>
-              <a:rPr lang="de-DE" sz="1100" dirty="0">
-                <a:solidFill>
-                  <a:prstClr val="black">
-                    <a:lumMod val="75000"/>
-                    <a:lumOff val="25000"/>
-                  </a:prstClr>
-                </a:solidFill>
-                <a:latin typeface="Segoe UI" panose="020B0502040204020203" pitchFamily="34" charset="0"/>
-                <a:cs typeface="Segoe UI" panose="020B0502040204020203" pitchFamily="34" charset="0"/>
-              </a:rPr>
-              <a:t>Wählen Sie </a:t>
-            </a:r>
-            <a:r>
-              <a:rPr lang="de-DE" sz="1100" dirty="0">
-                <a:solidFill>
-                  <a:srgbClr val="404040"/>
-                </a:solidFill>
-                <a:latin typeface="Segoe UI" panose="020B0502040204020203" pitchFamily="34" charset="0"/>
-                <a:cs typeface="Segoe UI" panose="020B0502040204020203" pitchFamily="34" charset="0"/>
-              </a:rPr>
-              <a:t>das Roboterbild </a:t>
-            </a:r>
-            <a:r>
-              <a:rPr lang="de-DE" sz="1100" dirty="0">
-                <a:solidFill>
-                  <a:prstClr val="black">
-                    <a:lumMod val="75000"/>
-                    <a:lumOff val="25000"/>
-                  </a:prstClr>
-                </a:solidFill>
-                <a:latin typeface="Segoe UI" panose="020B0502040204020203" pitchFamily="34" charset="0"/>
-                <a:cs typeface="Segoe UI" panose="020B0502040204020203" pitchFamily="34" charset="0"/>
-              </a:rPr>
-              <a:t>auf der rechten Seite aus.</a:t>
-            </a:r>
-          </a:p>
-        </p:txBody>
-      </p:sp>
-      <p:grpSp>
-        <p:nvGrpSpPr>
-          <p:cNvPr id="19" name="Gruppieren 18" descr="Kleiner Kreis mit enthaltener Zahl 2 zur Angabe von Schritt 2"/>
-          <p:cNvGrpSpPr/>
-          <p:nvPr/>
-        </p:nvGrpSpPr>
-        <p:grpSpPr bwMode="blackWhite">
-          <a:xfrm>
-            <a:off x="558723" y="3312993"/>
-            <a:ext cx="558179" cy="409838"/>
-            <a:chOff x="6953426" y="711274"/>
-            <a:chExt cx="558179" cy="409838"/>
-          </a:xfrm>
-        </p:grpSpPr>
-        <p:sp>
-          <p:nvSpPr>
-            <p:cNvPr id="20" name="Ellipse 19" descr="Kleiner Kreis"/>
-            <p:cNvSpPr/>
-            <p:nvPr/>
-          </p:nvSpPr>
-          <p:spPr bwMode="blackWhite">
-            <a:xfrm>
-              <a:off x="7025069" y="711274"/>
-              <a:ext cx="409838" cy="409838"/>
-            </a:xfrm>
-            <a:prstGeom prst="ellipse">
-              <a:avLst/>
-            </a:prstGeom>
-            <a:solidFill>
-              <a:srgbClr val="D24726"/>
-            </a:solidFill>
-            <a:ln>
-              <a:noFill/>
-            </a:ln>
-          </p:spPr>
-          <p:style>
-            <a:lnRef idx="2">
-              <a:schemeClr val="accent1">
-                <a:shade val="50000"/>
-              </a:schemeClr>
-            </a:lnRef>
-            <a:fillRef idx="1">
-              <a:schemeClr val="accent1"/>
-            </a:fillRef>
-            <a:effectRef idx="0">
-              <a:schemeClr val="accent1"/>
-            </a:effectRef>
-            <a:fontRef idx="minor">
-              <a:schemeClr val="lt1"/>
-            </a:fontRef>
-          </p:style>
-          <p:txBody>
-            <a:bodyPr rtlCol="0" anchor="ctr"/>
-            <a:lstStyle/>
-            <a:p>
-              <a:pPr algn="ctr" rtl="0"/>
-              <a:endParaRPr lang="de-DE"/>
-            </a:p>
-          </p:txBody>
-        </p:sp>
-        <p:sp>
-          <p:nvSpPr>
-            <p:cNvPr id="21" name="Textfeld 20" descr="Zahl 2"/>
-            <p:cNvSpPr txBox="1">
-              <a:spLocks noChangeAspect="1"/>
-            </p:cNvSpPr>
-            <p:nvPr/>
-          </p:nvSpPr>
-          <p:spPr bwMode="blackWhite">
-            <a:xfrm>
-              <a:off x="6953426" y="727564"/>
-              <a:ext cx="558179" cy="369332"/>
-            </a:xfrm>
-            <a:prstGeom prst="rect">
-              <a:avLst/>
-            </a:prstGeom>
-            <a:noFill/>
-          </p:spPr>
-          <p:txBody>
-            <a:bodyPr wrap="square" rtlCol="0">
-              <a:spAutoFit/>
-            </a:bodyPr>
-            <a:lstStyle/>
-            <a:p>
-              <a:pPr algn="ctr" rtl="0"/>
-              <a:r>
-                <a:rPr lang="de-DE">
-                  <a:solidFill>
-                    <a:schemeClr val="bg1"/>
-                  </a:solidFill>
-                  <a:latin typeface="Segoe UI Semibold" panose="020B0702040204020203" pitchFamily="34" charset="0"/>
-                  <a:cs typeface="Segoe UI Semibold" panose="020B0702040204020203" pitchFamily="34" charset="0"/>
-                </a:rPr>
-                <a:t>2</a:t>
-              </a:r>
-            </a:p>
-          </p:txBody>
-        </p:sp>
-      </p:grpSp>
-      <p:sp>
-        <p:nvSpPr>
-          <p:cNvPr id="22" name="Inhaltsplatzhalter 17"/>
-          <p:cNvSpPr txBox="1">
-            <a:spLocks/>
-          </p:cNvSpPr>
-          <p:nvPr/>
-        </p:nvSpPr>
-        <p:spPr>
-          <a:xfrm>
-            <a:off x="1066039" y="3353185"/>
-            <a:ext cx="3213221" cy="913994"/>
-          </a:xfrm>
-          <a:prstGeom prst="rect">
-            <a:avLst/>
-          </a:prstGeom>
-        </p:spPr>
-        <p:txBody>
-          <a:bodyPr vert="horz" lIns="91440" tIns="45720" rIns="91440" bIns="45720" rtlCol="0">
-            <a:normAutofit/>
-          </a:bodyPr>
-          <a:lstStyle>
-            <a:lvl1pPr marL="228600" indent="-228600" algn="l" defTabSz="914400" rtl="0" eaLnBrk="1" latinLnBrk="0" hangingPunct="1">
-              <a:lnSpc>
-                <a:spcPts val="1800"/>
-              </a:lnSpc>
-              <a:spcBef>
-                <a:spcPts val="1000"/>
-              </a:spcBef>
-              <a:spcAft>
-                <a:spcPts val="1000"/>
-              </a:spcAft>
-              <a:buFont typeface="Arial" panose="020B0604020202020204" pitchFamily="34" charset="0"/>
-              <a:buChar char="•"/>
-              <a:defRPr lang="en-US" sz="1200" kern="1200" smtClean="0">
-                <a:solidFill>
-                  <a:schemeClr val="tx1">
-                    <a:lumMod val="75000"/>
-                    <a:lumOff val="25000"/>
-                  </a:schemeClr>
-                </a:solidFill>
-                <a:latin typeface="+mn-lt"/>
-                <a:ea typeface="+mn-ea"/>
-                <a:cs typeface="+mn-cs"/>
-              </a:defRPr>
-            </a:lvl1pPr>
-            <a:lvl2pPr marL="685800" indent="-228600" algn="l" defTabSz="914400" rtl="0" eaLnBrk="1" latinLnBrk="0" hangingPunct="1">
-              <a:lnSpc>
-                <a:spcPts val="1800"/>
-              </a:lnSpc>
-              <a:spcBef>
-                <a:spcPts val="1000"/>
-              </a:spcBef>
-              <a:spcAft>
-                <a:spcPts val="1000"/>
-              </a:spcAft>
-              <a:buFont typeface="Arial" panose="020B0604020202020204" pitchFamily="34" charset="0"/>
-              <a:buChar char="•"/>
-              <a:defRPr lang="en-US" sz="1200" kern="1200" smtClean="0">
-                <a:solidFill>
-                  <a:schemeClr val="tx1">
-                    <a:lumMod val="75000"/>
-                    <a:lumOff val="25000"/>
-                  </a:schemeClr>
-                </a:solidFill>
-                <a:latin typeface="+mn-lt"/>
-                <a:ea typeface="+mn-ea"/>
-                <a:cs typeface="+mn-cs"/>
-              </a:defRPr>
-            </a:lvl2pPr>
-            <a:lvl3pPr marL="1143000" indent="-228600" algn="l" defTabSz="914400" rtl="0" eaLnBrk="1" latinLnBrk="0" hangingPunct="1">
-              <a:lnSpc>
-                <a:spcPts val="1800"/>
-              </a:lnSpc>
-              <a:spcBef>
-                <a:spcPts val="1000"/>
-              </a:spcBef>
-              <a:spcAft>
-                <a:spcPts val="1000"/>
-              </a:spcAft>
-              <a:buFont typeface="Arial" panose="020B0604020202020204" pitchFamily="34" charset="0"/>
-              <a:buChar char="•"/>
-              <a:defRPr lang="en-US" sz="1200" kern="1200" smtClean="0">
-                <a:solidFill>
-                  <a:schemeClr val="tx1">
-                    <a:lumMod val="75000"/>
-                    <a:lumOff val="25000"/>
-                  </a:schemeClr>
-                </a:solidFill>
-                <a:latin typeface="+mn-lt"/>
-                <a:ea typeface="+mn-ea"/>
-                <a:cs typeface="+mn-cs"/>
-              </a:defRPr>
-            </a:lvl3pPr>
-            <a:lvl4pPr marL="1600200" indent="-228600" algn="l" defTabSz="914400" rtl="0" eaLnBrk="1" latinLnBrk="0" hangingPunct="1">
-              <a:lnSpc>
-                <a:spcPts val="1800"/>
-              </a:lnSpc>
-              <a:spcBef>
-                <a:spcPts val="1000"/>
-              </a:spcBef>
-              <a:spcAft>
-                <a:spcPts val="1000"/>
-              </a:spcAft>
-              <a:buFont typeface="Arial" panose="020B0604020202020204" pitchFamily="34" charset="0"/>
-              <a:buChar char="•"/>
-              <a:defRPr lang="en-US" sz="1200" kern="1200" smtClean="0">
-                <a:solidFill>
-                  <a:schemeClr val="tx1">
-                    <a:lumMod val="75000"/>
-                    <a:lumOff val="25000"/>
-                  </a:schemeClr>
-                </a:solidFill>
-                <a:latin typeface="+mn-lt"/>
-                <a:ea typeface="+mn-ea"/>
-                <a:cs typeface="+mn-cs"/>
-              </a:defRPr>
-            </a:lvl4pPr>
-            <a:lvl5pPr marL="2057400" indent="-228600" algn="l" defTabSz="914400" rtl="0" eaLnBrk="1" latinLnBrk="0" hangingPunct="1">
-              <a:lnSpc>
-                <a:spcPts val="1800"/>
-              </a:lnSpc>
-              <a:spcBef>
-                <a:spcPts val="1000"/>
-              </a:spcBef>
-              <a:spcAft>
-                <a:spcPts val="1000"/>
-              </a:spcAft>
-              <a:buFont typeface="Arial" panose="020B0604020202020204" pitchFamily="34" charset="0"/>
-              <a:buChar char="•"/>
-              <a:defRPr lang="en-US" sz="1200" kern="1200">
-                <a:solidFill>
-                  <a:schemeClr val="tx1">
-                    <a:lumMod val="75000"/>
-                    <a:lumOff val="25000"/>
-                  </a:schemeClr>
-                </a:solidFill>
-                <a:latin typeface="+mn-lt"/>
-                <a:ea typeface="+mn-ea"/>
-                <a:cs typeface="+mn-cs"/>
-              </a:defRPr>
-            </a:lvl5pPr>
-            <a:lvl6pPr marL="2514600" indent="-228600" algn="l" defTabSz="914400" rtl="0" eaLnBrk="1" latinLnBrk="0" hangingPunct="1">
-              <a:lnSpc>
-                <a:spcPct val="90000"/>
-              </a:lnSpc>
-              <a:spcBef>
-                <a:spcPct val="30000"/>
-              </a:spcBef>
-              <a:buFont typeface="Arial" panose="020B0604020202020204" pitchFamily="34" charset="0"/>
-              <a:buChar char="•"/>
-              <a:defRPr sz="1800" kern="1200">
-                <a:solidFill>
-                  <a:schemeClr val="tx1"/>
-                </a:solidFill>
-                <a:latin typeface="+mn-lt"/>
-                <a:ea typeface="+mn-ea"/>
-                <a:cs typeface="+mn-cs"/>
-              </a:defRPr>
-            </a:lvl6pPr>
-            <a:lvl7pPr marL="2971800" indent="-228600" algn="l" defTabSz="914400" rtl="0" eaLnBrk="1" latinLnBrk="0" hangingPunct="1">
-              <a:lnSpc>
-                <a:spcPct val="90000"/>
-              </a:lnSpc>
-              <a:spcBef>
-                <a:spcPct val="30000"/>
-              </a:spcBef>
-              <a:buFont typeface="Arial" panose="020B0604020202020204" pitchFamily="34" charset="0"/>
-              <a:buChar char="•"/>
-              <a:defRPr sz="1800" kern="1200">
-                <a:solidFill>
-                  <a:schemeClr val="tx1"/>
-                </a:solidFill>
-                <a:latin typeface="+mn-lt"/>
-                <a:ea typeface="+mn-ea"/>
-                <a:cs typeface="+mn-cs"/>
-              </a:defRPr>
-            </a:lvl7pPr>
-            <a:lvl8pPr marL="3429000" indent="-228600" algn="l" defTabSz="914400" rtl="0" eaLnBrk="1" latinLnBrk="0" hangingPunct="1">
-              <a:lnSpc>
-                <a:spcPct val="90000"/>
-              </a:lnSpc>
-              <a:spcBef>
-                <a:spcPct val="30000"/>
-              </a:spcBef>
-              <a:buFont typeface="Arial" panose="020B0604020202020204" pitchFamily="34" charset="0"/>
-              <a:buChar char="•"/>
-              <a:defRPr sz="1800" kern="1200">
-                <a:solidFill>
-                  <a:schemeClr val="tx1"/>
-                </a:solidFill>
-                <a:latin typeface="+mn-lt"/>
-                <a:ea typeface="+mn-ea"/>
-                <a:cs typeface="+mn-cs"/>
-              </a:defRPr>
-            </a:lvl8pPr>
-            <a:lvl9pPr marL="3886200" indent="-228600" algn="l" defTabSz="914400" rtl="0" eaLnBrk="1" latinLnBrk="0" hangingPunct="1">
-              <a:lnSpc>
-                <a:spcPct val="90000"/>
-              </a:lnSpc>
-              <a:spcBef>
-                <a:spcPct val="30000"/>
-              </a:spcBef>
-              <a:buFont typeface="Arial" panose="020B0604020202020204" pitchFamily="34" charset="0"/>
-              <a:buChar char="•"/>
-              <a:defRPr sz="1800" kern="1200">
-                <a:solidFill>
-                  <a:schemeClr val="tx1"/>
-                </a:solidFill>
-                <a:latin typeface="+mn-lt"/>
-                <a:ea typeface="+mn-ea"/>
-                <a:cs typeface="+mn-cs"/>
-              </a:defRPr>
-            </a:lvl9pPr>
-          </a:lstStyle>
-          <a:p>
-            <a:pPr marL="0" indent="0" rtl="0">
-              <a:buNone/>
-            </a:pPr>
-            <a:r>
-              <a:rPr lang="de-DE" sz="1100" dirty="0">
-                <a:solidFill>
-                  <a:prstClr val="black">
-                    <a:lumMod val="75000"/>
-                    <a:lumOff val="25000"/>
-                  </a:prstClr>
-                </a:solidFill>
-                <a:latin typeface="Segoe UI" panose="020B0502040204020203" pitchFamily="34" charset="0"/>
-                <a:cs typeface="Segoe UI" panose="020B0502040204020203" pitchFamily="34" charset="0"/>
-              </a:rPr>
-              <a:t>Geben Sie im Feld </a:t>
-            </a:r>
-            <a:r>
-              <a:rPr lang="de-DE" sz="1100" dirty="0">
-                <a:solidFill>
-                  <a:srgbClr val="D24726"/>
-                </a:solidFill>
-                <a:latin typeface="Segoe UI Semibold" panose="020B0702040204020203" pitchFamily="34" charset="0"/>
-                <a:cs typeface="Segoe UI Semibold" panose="020B0702040204020203" pitchFamily="34" charset="0"/>
-              </a:rPr>
-              <a:t>Sie wünschen</a:t>
-            </a:r>
-            <a:r>
-              <a:rPr lang="de-DE" sz="1100" dirty="0">
-                <a:solidFill>
-                  <a:prstClr val="black">
-                    <a:lumMod val="75000"/>
-                    <a:lumOff val="25000"/>
-                  </a:prstClr>
-                </a:solidFill>
-              </a:rPr>
-              <a:t> </a:t>
-            </a:r>
-            <a:r>
-              <a:rPr lang="de-DE" sz="1100" i="1" dirty="0">
-                <a:solidFill>
-                  <a:srgbClr val="D24726"/>
-                </a:solidFill>
-                <a:latin typeface="Segoe UI" panose="020B0502040204020203" pitchFamily="34" charset="0"/>
-                <a:cs typeface="Segoe UI" panose="020B0502040204020203" pitchFamily="34" charset="0"/>
-              </a:rPr>
-              <a:t>Animation</a:t>
-            </a:r>
-            <a:r>
-              <a:rPr lang="de-DE" sz="1100" dirty="0">
-                <a:solidFill>
-                  <a:prstClr val="black">
-                    <a:lumMod val="75000"/>
-                    <a:lumOff val="25000"/>
-                  </a:prstClr>
-                </a:solidFill>
-              </a:rPr>
-              <a:t> </a:t>
-            </a:r>
-            <a:r>
-              <a:rPr lang="de-DE" sz="1100" dirty="0">
-                <a:solidFill>
-                  <a:prstClr val="black">
-                    <a:lumMod val="75000"/>
-                    <a:lumOff val="25000"/>
-                  </a:prstClr>
-                </a:solidFill>
-                <a:latin typeface="Segoe UI" panose="020B0502040204020203" pitchFamily="34" charset="0"/>
-                <a:cs typeface="Segoe UI" panose="020B0502040204020203" pitchFamily="34" charset="0"/>
-              </a:rPr>
-              <a:t>ein, und wählen Sie dann </a:t>
-            </a:r>
-            <a:r>
-              <a:rPr lang="de-DE" sz="1100" dirty="0">
-                <a:solidFill>
-                  <a:srgbClr val="D24726"/>
-                </a:solidFill>
-                <a:latin typeface="Segoe UI Semibold" panose="020B0702040204020203" pitchFamily="34" charset="0"/>
-                <a:cs typeface="Segoe UI Semibold" panose="020B0702040204020203" pitchFamily="34" charset="0"/>
-              </a:rPr>
-              <a:t>Animation hinzufügen</a:t>
-            </a:r>
-            <a:r>
-              <a:rPr lang="de-DE" sz="1100" dirty="0">
-                <a:solidFill>
-                  <a:prstClr val="black">
-                    <a:lumMod val="75000"/>
-                    <a:lumOff val="25000"/>
-                  </a:prstClr>
-                </a:solidFill>
-                <a:latin typeface="Segoe UI" panose="020B0502040204020203" pitchFamily="34" charset="0"/>
-                <a:cs typeface="Segoe UI" panose="020B0502040204020203" pitchFamily="34" charset="0"/>
-              </a:rPr>
-              <a:t> aus.</a:t>
-            </a:r>
-          </a:p>
-        </p:txBody>
-      </p:sp>
-      <p:grpSp>
-        <p:nvGrpSpPr>
-          <p:cNvPr id="31" name="Gruppieren 30" descr="Kleiner Kreis mit enthaltener Zahl 3 zur Angabe von Schritt 3"/>
-          <p:cNvGrpSpPr/>
-          <p:nvPr/>
-        </p:nvGrpSpPr>
-        <p:grpSpPr bwMode="blackWhite">
-          <a:xfrm>
-            <a:off x="557319" y="4263506"/>
-            <a:ext cx="558179" cy="409838"/>
-            <a:chOff x="6953426" y="711274"/>
-            <a:chExt cx="558179" cy="409838"/>
-          </a:xfrm>
-        </p:grpSpPr>
-        <p:sp>
-          <p:nvSpPr>
-            <p:cNvPr id="32" name="Ellipse 31" descr="Kleiner Kreis"/>
-            <p:cNvSpPr/>
-            <p:nvPr/>
-          </p:nvSpPr>
-          <p:spPr bwMode="blackWhite">
-            <a:xfrm>
-              <a:off x="7025069" y="711274"/>
-              <a:ext cx="409838" cy="409838"/>
-            </a:xfrm>
-            <a:prstGeom prst="ellipse">
-              <a:avLst/>
-            </a:prstGeom>
-            <a:solidFill>
-              <a:srgbClr val="D24726"/>
-            </a:solidFill>
-            <a:ln>
-              <a:noFill/>
-            </a:ln>
-          </p:spPr>
-          <p:style>
-            <a:lnRef idx="2">
-              <a:schemeClr val="accent1">
-                <a:shade val="50000"/>
-              </a:schemeClr>
-            </a:lnRef>
-            <a:fillRef idx="1">
-              <a:schemeClr val="accent1"/>
-            </a:fillRef>
-            <a:effectRef idx="0">
-              <a:schemeClr val="accent1"/>
-            </a:effectRef>
-            <a:fontRef idx="minor">
-              <a:schemeClr val="lt1"/>
-            </a:fontRef>
-          </p:style>
-          <p:txBody>
-            <a:bodyPr rtlCol="0" anchor="ctr"/>
-            <a:lstStyle/>
-            <a:p>
-              <a:pPr algn="ctr" rtl="0"/>
-              <a:endParaRPr lang="de-DE"/>
-            </a:p>
-          </p:txBody>
-        </p:sp>
-        <p:sp>
-          <p:nvSpPr>
-            <p:cNvPr id="33" name="Textfeld 32" descr="Zahl 3"/>
-            <p:cNvSpPr txBox="1">
-              <a:spLocks noChangeAspect="1"/>
-            </p:cNvSpPr>
-            <p:nvPr/>
-          </p:nvSpPr>
-          <p:spPr bwMode="blackWhite">
-            <a:xfrm>
-              <a:off x="6953426" y="727564"/>
-              <a:ext cx="558179" cy="369332"/>
-            </a:xfrm>
-            <a:prstGeom prst="rect">
-              <a:avLst/>
-            </a:prstGeom>
-            <a:noFill/>
-          </p:spPr>
-          <p:txBody>
-            <a:bodyPr wrap="square" rtlCol="0">
-              <a:spAutoFit/>
-            </a:bodyPr>
-            <a:lstStyle/>
-            <a:p>
-              <a:pPr algn="ctr" rtl="0"/>
-              <a:r>
-                <a:rPr lang="de-DE">
-                  <a:solidFill>
-                    <a:schemeClr val="bg1"/>
-                  </a:solidFill>
-                  <a:latin typeface="Segoe UI Semibold" panose="020B0702040204020203" pitchFamily="34" charset="0"/>
-                  <a:cs typeface="Segoe UI Semibold" panose="020B0702040204020203" pitchFamily="34" charset="0"/>
-                </a:rPr>
-                <a:t>3</a:t>
-              </a:r>
-            </a:p>
-          </p:txBody>
-        </p:sp>
-      </p:grpSp>
-      <p:sp>
-        <p:nvSpPr>
-          <p:cNvPr id="34" name="Inhaltsplatzhalter 17"/>
-          <p:cNvSpPr txBox="1">
-            <a:spLocks/>
-          </p:cNvSpPr>
-          <p:nvPr/>
-        </p:nvSpPr>
-        <p:spPr>
-          <a:xfrm>
-            <a:off x="1064636" y="4303697"/>
-            <a:ext cx="1851559" cy="1446087"/>
-          </a:xfrm>
-          <a:prstGeom prst="rect">
-            <a:avLst/>
-          </a:prstGeom>
-        </p:spPr>
-        <p:txBody>
-          <a:bodyPr vert="horz" lIns="91440" tIns="45720" rIns="91440" bIns="45720" rtlCol="0">
-            <a:normAutofit/>
-          </a:bodyPr>
-          <a:lstStyle>
-            <a:lvl1pPr marL="228600" indent="-228600" algn="l" defTabSz="914400" rtl="0" eaLnBrk="1" latinLnBrk="0" hangingPunct="1">
-              <a:lnSpc>
-                <a:spcPts val="1800"/>
-              </a:lnSpc>
-              <a:spcBef>
-                <a:spcPts val="1000"/>
-              </a:spcBef>
-              <a:spcAft>
-                <a:spcPts val="1000"/>
-              </a:spcAft>
-              <a:buFont typeface="Arial" panose="020B0604020202020204" pitchFamily="34" charset="0"/>
-              <a:buChar char="•"/>
-              <a:defRPr lang="en-US" sz="1200" kern="1200" smtClean="0">
-                <a:solidFill>
-                  <a:schemeClr val="tx1">
-                    <a:lumMod val="75000"/>
-                    <a:lumOff val="25000"/>
-                  </a:schemeClr>
-                </a:solidFill>
-                <a:latin typeface="+mn-lt"/>
-                <a:ea typeface="+mn-ea"/>
-                <a:cs typeface="+mn-cs"/>
-              </a:defRPr>
-            </a:lvl1pPr>
-            <a:lvl2pPr marL="685800" indent="-228600" algn="l" defTabSz="914400" rtl="0" eaLnBrk="1" latinLnBrk="0" hangingPunct="1">
-              <a:lnSpc>
-                <a:spcPts val="1800"/>
-              </a:lnSpc>
-              <a:spcBef>
-                <a:spcPts val="1000"/>
-              </a:spcBef>
-              <a:spcAft>
-                <a:spcPts val="1000"/>
-              </a:spcAft>
-              <a:buFont typeface="Arial" panose="020B0604020202020204" pitchFamily="34" charset="0"/>
-              <a:buChar char="•"/>
-              <a:defRPr lang="en-US" sz="1200" kern="1200" smtClean="0">
-                <a:solidFill>
-                  <a:schemeClr val="tx1">
-                    <a:lumMod val="75000"/>
-                    <a:lumOff val="25000"/>
-                  </a:schemeClr>
-                </a:solidFill>
-                <a:latin typeface="+mn-lt"/>
-                <a:ea typeface="+mn-ea"/>
-                <a:cs typeface="+mn-cs"/>
-              </a:defRPr>
-            </a:lvl2pPr>
-            <a:lvl3pPr marL="1143000" indent="-228600" algn="l" defTabSz="914400" rtl="0" eaLnBrk="1" latinLnBrk="0" hangingPunct="1">
-              <a:lnSpc>
-                <a:spcPts val="1800"/>
-              </a:lnSpc>
-              <a:spcBef>
-                <a:spcPts val="1000"/>
-              </a:spcBef>
-              <a:spcAft>
-                <a:spcPts val="1000"/>
-              </a:spcAft>
-              <a:buFont typeface="Arial" panose="020B0604020202020204" pitchFamily="34" charset="0"/>
-              <a:buChar char="•"/>
-              <a:defRPr lang="en-US" sz="1200" kern="1200" smtClean="0">
-                <a:solidFill>
-                  <a:schemeClr val="tx1">
-                    <a:lumMod val="75000"/>
-                    <a:lumOff val="25000"/>
-                  </a:schemeClr>
-                </a:solidFill>
-                <a:latin typeface="+mn-lt"/>
-                <a:ea typeface="+mn-ea"/>
-                <a:cs typeface="+mn-cs"/>
-              </a:defRPr>
-            </a:lvl3pPr>
-            <a:lvl4pPr marL="1600200" indent="-228600" algn="l" defTabSz="914400" rtl="0" eaLnBrk="1" latinLnBrk="0" hangingPunct="1">
-              <a:lnSpc>
-                <a:spcPts val="1800"/>
-              </a:lnSpc>
-              <a:spcBef>
-                <a:spcPts val="1000"/>
-              </a:spcBef>
-              <a:spcAft>
-                <a:spcPts val="1000"/>
-              </a:spcAft>
-              <a:buFont typeface="Arial" panose="020B0604020202020204" pitchFamily="34" charset="0"/>
-              <a:buChar char="•"/>
-              <a:defRPr lang="en-US" sz="1200" kern="1200" smtClean="0">
-                <a:solidFill>
-                  <a:schemeClr val="tx1">
-                    <a:lumMod val="75000"/>
-                    <a:lumOff val="25000"/>
-                  </a:schemeClr>
-                </a:solidFill>
-                <a:latin typeface="+mn-lt"/>
-                <a:ea typeface="+mn-ea"/>
-                <a:cs typeface="+mn-cs"/>
-              </a:defRPr>
-            </a:lvl4pPr>
-            <a:lvl5pPr marL="2057400" indent="-228600" algn="l" defTabSz="914400" rtl="0" eaLnBrk="1" latinLnBrk="0" hangingPunct="1">
-              <a:lnSpc>
-                <a:spcPts val="1800"/>
-              </a:lnSpc>
-              <a:spcBef>
-                <a:spcPts val="1000"/>
-              </a:spcBef>
-              <a:spcAft>
-                <a:spcPts val="1000"/>
-              </a:spcAft>
-              <a:buFont typeface="Arial" panose="020B0604020202020204" pitchFamily="34" charset="0"/>
-              <a:buChar char="•"/>
-              <a:defRPr lang="en-US" sz="1200" kern="1200">
-                <a:solidFill>
-                  <a:schemeClr val="tx1">
-                    <a:lumMod val="75000"/>
-                    <a:lumOff val="25000"/>
-                  </a:schemeClr>
-                </a:solidFill>
-                <a:latin typeface="+mn-lt"/>
-                <a:ea typeface="+mn-ea"/>
-                <a:cs typeface="+mn-cs"/>
-              </a:defRPr>
-            </a:lvl5pPr>
-            <a:lvl6pPr marL="2514600" indent="-228600" algn="l" defTabSz="914400" rtl="0" eaLnBrk="1" latinLnBrk="0" hangingPunct="1">
-              <a:lnSpc>
-                <a:spcPct val="90000"/>
-              </a:lnSpc>
-              <a:spcBef>
-                <a:spcPct val="30000"/>
-              </a:spcBef>
-              <a:buFont typeface="Arial" panose="020B0604020202020204" pitchFamily="34" charset="0"/>
-              <a:buChar char="•"/>
-              <a:defRPr sz="1800" kern="1200">
-                <a:solidFill>
-                  <a:schemeClr val="tx1"/>
-                </a:solidFill>
-                <a:latin typeface="+mn-lt"/>
-                <a:ea typeface="+mn-ea"/>
-                <a:cs typeface="+mn-cs"/>
-              </a:defRPr>
-            </a:lvl6pPr>
-            <a:lvl7pPr marL="2971800" indent="-228600" algn="l" defTabSz="914400" rtl="0" eaLnBrk="1" latinLnBrk="0" hangingPunct="1">
-              <a:lnSpc>
-                <a:spcPct val="90000"/>
-              </a:lnSpc>
-              <a:spcBef>
-                <a:spcPct val="30000"/>
-              </a:spcBef>
-              <a:buFont typeface="Arial" panose="020B0604020202020204" pitchFamily="34" charset="0"/>
-              <a:buChar char="•"/>
-              <a:defRPr sz="1800" kern="1200">
-                <a:solidFill>
-                  <a:schemeClr val="tx1"/>
-                </a:solidFill>
-                <a:latin typeface="+mn-lt"/>
-                <a:ea typeface="+mn-ea"/>
-                <a:cs typeface="+mn-cs"/>
-              </a:defRPr>
-            </a:lvl7pPr>
-            <a:lvl8pPr marL="3429000" indent="-228600" algn="l" defTabSz="914400" rtl="0" eaLnBrk="1" latinLnBrk="0" hangingPunct="1">
-              <a:lnSpc>
-                <a:spcPct val="90000"/>
-              </a:lnSpc>
-              <a:spcBef>
-                <a:spcPct val="30000"/>
-              </a:spcBef>
-              <a:buFont typeface="Arial" panose="020B0604020202020204" pitchFamily="34" charset="0"/>
-              <a:buChar char="•"/>
-              <a:defRPr sz="1800" kern="1200">
-                <a:solidFill>
-                  <a:schemeClr val="tx1"/>
-                </a:solidFill>
-                <a:latin typeface="+mn-lt"/>
-                <a:ea typeface="+mn-ea"/>
-                <a:cs typeface="+mn-cs"/>
-              </a:defRPr>
-            </a:lvl8pPr>
-            <a:lvl9pPr marL="3886200" indent="-228600" algn="l" defTabSz="914400" rtl="0" eaLnBrk="1" latinLnBrk="0" hangingPunct="1">
-              <a:lnSpc>
-                <a:spcPct val="90000"/>
-              </a:lnSpc>
-              <a:spcBef>
-                <a:spcPct val="30000"/>
-              </a:spcBef>
-              <a:buFont typeface="Arial" panose="020B0604020202020204" pitchFamily="34" charset="0"/>
-              <a:buChar char="•"/>
-              <a:defRPr sz="1800" kern="1200">
-                <a:solidFill>
-                  <a:schemeClr val="tx1"/>
-                </a:solidFill>
-                <a:latin typeface="+mn-lt"/>
-                <a:ea typeface="+mn-ea"/>
-                <a:cs typeface="+mn-cs"/>
-              </a:defRPr>
-            </a:lvl9pPr>
-          </a:lstStyle>
-          <a:p>
-            <a:pPr marL="0" indent="0" defTabSz="512763" rtl="0">
-              <a:spcAft>
-                <a:spcPts val="2000"/>
-              </a:spcAft>
-              <a:buNone/>
-            </a:pPr>
-            <a:r>
-              <a:rPr lang="de-DE" sz="1100" dirty="0">
-                <a:solidFill>
-                  <a:prstClr val="black">
-                    <a:lumMod val="75000"/>
-                    <a:lumOff val="25000"/>
-                  </a:prstClr>
-                </a:solidFill>
-                <a:latin typeface="Segoe UI" panose="020B0502040204020203" pitchFamily="34" charset="0"/>
-                <a:cs typeface="Segoe UI" panose="020B0502040204020203" pitchFamily="34" charset="0"/>
-              </a:rPr>
-              <a:t>Wählen Sie einen Animationseffekt aus, wie etwa </a:t>
-            </a:r>
-            <a:r>
-              <a:rPr lang="de-DE" sz="1100" dirty="0">
-                <a:solidFill>
-                  <a:srgbClr val="D24726"/>
-                </a:solidFill>
-                <a:latin typeface="Segoe UI Semibold" panose="020B0702040204020203" pitchFamily="34" charset="0"/>
-                <a:cs typeface="Segoe UI Semibold" panose="020B0702040204020203" pitchFamily="34" charset="0"/>
-              </a:rPr>
-              <a:t>Zoom</a:t>
-            </a:r>
-            <a:r>
-              <a:rPr lang="de-DE" sz="1100" dirty="0">
-                <a:solidFill>
-                  <a:prstClr val="black">
-                    <a:lumMod val="75000"/>
-                    <a:lumOff val="25000"/>
-                  </a:prstClr>
-                </a:solidFill>
-                <a:latin typeface="Segoe UI" panose="020B0502040204020203" pitchFamily="34" charset="0"/>
-                <a:cs typeface="Segoe UI" panose="020B0502040204020203" pitchFamily="34" charset="0"/>
-              </a:rPr>
-              <a:t>, und sehen Sie, </a:t>
-            </a:r>
-            <a:br>
-              <a:rPr lang="de-DE" sz="1100" dirty="0">
-                <a:solidFill>
-                  <a:prstClr val="black">
-                    <a:lumMod val="75000"/>
-                    <a:lumOff val="25000"/>
-                  </a:prstClr>
-                </a:solidFill>
-                <a:latin typeface="Segoe UI" panose="020B0502040204020203" pitchFamily="34" charset="0"/>
-                <a:cs typeface="Segoe UI" panose="020B0502040204020203" pitchFamily="34" charset="0"/>
-              </a:rPr>
-            </a:br>
-            <a:r>
-              <a:rPr lang="de-DE" sz="1100" dirty="0">
-                <a:solidFill>
-                  <a:prstClr val="black">
-                    <a:lumMod val="75000"/>
-                    <a:lumOff val="25000"/>
-                  </a:prstClr>
-                </a:solidFill>
-                <a:latin typeface="Segoe UI" panose="020B0502040204020203" pitchFamily="34" charset="0"/>
-                <a:cs typeface="Segoe UI" panose="020B0502040204020203" pitchFamily="34" charset="0"/>
-              </a:rPr>
-              <a:t>was geschieht.</a:t>
-            </a:r>
-          </a:p>
-        </p:txBody>
-      </p:sp>
-      <p:sp>
-        <p:nvSpPr>
-          <p:cNvPr id="25" name="Textfeld 16" descr="Mich auswählen"/>
-          <p:cNvSpPr txBox="1"/>
-          <p:nvPr/>
-        </p:nvSpPr>
-        <p:spPr>
-          <a:xfrm rot="21077122">
-            <a:off x="6043297" y="1772253"/>
-            <a:ext cx="1334770" cy="435610"/>
-          </a:xfrm>
-          <a:prstGeom prst="rect">
-            <a:avLst/>
-          </a:prstGeom>
-          <a:noFill/>
-          <a:ln>
-            <a:noFill/>
-          </a:ln>
-          <a:effectLst/>
-          <a:extLst>
-            <a:ext uri="{C572A759-6A51-4108-AA02-DFA0A04FC94B}">
-              <ma14:wrappingTextBoxFlag xmlns:ma14="http://schemas.microsoft.com/office/mac/drawingml/2011/main" xmlns=""/>
-            </a:ext>
-          </a:extLst>
-        </p:spPr>
-        <p:txBody>
-          <a:bodyPr rot="0" spcFirstLastPara="0" vert="horz" wrap="none" lIns="91440" tIns="45720" rIns="91440" bIns="45720" numCol="1" spcCol="0" rtlCol="0" fromWordArt="0" anchor="t" anchorCtr="0" forceAA="0" compatLnSpc="1">
-            <a:prstTxWarp prst="textNoShape">
-              <a:avLst/>
-            </a:prstTxWarp>
-            <a:noAutofit/>
-          </a:bodyPr>
-          <a:lstStyle/>
-          <a:p>
-            <a:pPr marL="0" marR="0" algn="ctr" rtl="0">
-              <a:spcBef>
-                <a:spcPts val="0"/>
-              </a:spcBef>
-              <a:spcAft>
-                <a:spcPts val="200"/>
-              </a:spcAft>
-              <a:tabLst>
-                <a:tab pos="4931410" algn="l"/>
-              </a:tabLst>
-            </a:pPr>
-            <a:r>
-              <a:rPr lang="de-DE" sz="1200" b="1" kern="1000" spc="100">
-                <a:ln>
-                  <a:noFill/>
-                </a:ln>
-                <a:solidFill>
-                  <a:srgbClr val="D24726"/>
-                </a:solidFill>
-                <a:effectLst/>
-                <a:latin typeface="Segoe UI Semibold" panose="020B0702040204020203" pitchFamily="34" charset="0"/>
-                <a:ea typeface="SimHei" panose="02010609060101010101" pitchFamily="49" charset="-122"/>
-                <a:cs typeface="Times New Roman" panose="02020603050405020304" pitchFamily="18" charset="0"/>
-              </a:rPr>
-              <a:t>MICH AUSWÄHLEN</a:t>
-            </a:r>
-            <a:endParaRPr lang="de-DE" sz="1200" b="1" kern="1400">
-              <a:solidFill>
-                <a:srgbClr val="D24726"/>
-              </a:solidFill>
-              <a:effectLst/>
-              <a:latin typeface="Segoe UI Light" panose="020B0502040204020203" pitchFamily="34" charset="0"/>
-              <a:ea typeface="SimHei" panose="02010609060101010101" pitchFamily="49" charset="-122"/>
-              <a:cs typeface="Times New Roman" panose="02020603050405020304" pitchFamily="18" charset="0"/>
-            </a:endParaRPr>
-          </a:p>
-        </p:txBody>
-      </p:sp>
-      <p:pic>
-        <p:nvPicPr>
-          <p:cNvPr id="5" name="Bild 4" descr="Feld „Sie wünschen&quot;"/>
-          <p:cNvPicPr>
-            <a:picLocks noChangeAspect="1"/>
-          </p:cNvPicPr>
-          <p:nvPr/>
-        </p:nvPicPr>
-        <p:blipFill>
-          <a:blip r:embed="rId3"/>
-          <a:srcRect/>
-          <a:stretch/>
-        </p:blipFill>
-        <p:spPr>
-          <a:xfrm>
-            <a:off x="4407766" y="3410945"/>
-            <a:ext cx="2106152" cy="220832"/>
-          </a:xfrm>
-          <a:prstGeom prst="rect">
-            <a:avLst/>
-          </a:prstGeom>
-        </p:spPr>
-      </p:pic>
-      <p:pic>
-        <p:nvPicPr>
-          <p:cNvPr id="7" name="Bild 6" descr="Registerkarte „Animationen“ mit Zoom-Option"/>
-          <p:cNvPicPr>
-            <a:picLocks noChangeAspect="1"/>
-          </p:cNvPicPr>
-          <p:nvPr/>
-        </p:nvPicPr>
-        <p:blipFill>
-          <a:blip r:embed="rId4"/>
-          <a:srcRect/>
-          <a:stretch/>
-        </p:blipFill>
-        <p:spPr>
-          <a:xfrm>
-            <a:off x="3063240" y="4069080"/>
-            <a:ext cx="3803903" cy="2438400"/>
-          </a:xfrm>
-          <a:prstGeom prst="rect">
-            <a:avLst/>
-          </a:prstGeom>
-        </p:spPr>
-      </p:pic>
-      <p:pic>
-        <p:nvPicPr>
-          <p:cNvPr id="24" name="Bild 23">
-            <a:extLst>
-              <a:ext uri="{C183D7F6-B498-43B3-948B-1728B52AA6E4}">
-                <adec:decorative xmlns:adec="http://schemas.microsoft.com/office/drawing/2017/decorative" val="1"/>
-              </a:ext>
-            </a:extLst>
-          </p:cNvPr>
-          <p:cNvPicPr/>
-          <p:nvPr/>
-        </p:nvPicPr>
-        <p:blipFill>
-          <a:blip r:embed="rId5" cstate="print">
-            <a:extLst>
-              <a:ext uri="{28A0092B-C50C-407E-A947-70E740481C1C}">
-                <a14:useLocalDpi xmlns:a14="http://schemas.microsoft.com/office/drawing/2010/main" val="0"/>
-              </a:ext>
-            </a:extLst>
-          </a:blip>
-          <a:stretch>
-            <a:fillRect/>
-          </a:stretch>
-        </p:blipFill>
-        <p:spPr>
-          <a:xfrm rot="3861835" flipH="1">
-            <a:off x="6740574" y="1787378"/>
-            <a:ext cx="851862" cy="939987"/>
-          </a:xfrm>
-          <a:prstGeom prst="rect">
-            <a:avLst/>
-          </a:prstGeom>
-        </p:spPr>
-      </p:pic>
-      <p:pic>
-        <p:nvPicPr>
-          <p:cNvPr id="23" name="Bild 22" descr="Roboter"/>
-          <p:cNvPicPr>
-            <a:picLocks noChangeAspect="1"/>
-          </p:cNvPicPr>
-          <p:nvPr/>
-        </p:nvPicPr>
-        <p:blipFill>
-          <a:blip r:embed="rId6"/>
-          <a:stretch>
-            <a:fillRect/>
-          </a:stretch>
-        </p:blipFill>
-        <p:spPr>
-          <a:xfrm>
-            <a:off x="7912741" y="1646170"/>
-            <a:ext cx="2775459" cy="4531804"/>
-          </a:xfrm>
-          <a:prstGeom prst="rect">
-            <a:avLst/>
-          </a:prstGeom>
-        </p:spPr>
-      </p:pic>
-    </p:spTree>
-    <p:extLst>
-      <p:ext uri="{BB962C8B-B14F-4D97-AF65-F5344CB8AC3E}">
-        <p14:creationId xmlns:p14="http://schemas.microsoft.com/office/powerpoint/2010/main" val="727668169"/>
-      </p:ext>
-    </p:extLst>
-  </p:cSld>
-  <p:clrMapOvr>
-    <a:masterClrMapping/>
-  </p:clrMapOvr>
-  <mc:AlternateContent xmlns:mc="http://schemas.openxmlformats.org/markup-compatibility/2006" xmlns:p14="http://schemas.microsoft.com/office/powerpoint/2010/main">
-    <mc:Choice Requires="p14">
-      <p:transition p14:dur="10"/>
-    </mc:Choice>
-    <mc:Fallback xmlns="">
-      <p:transition/>
-    </mc:Fallback>
-  </mc:AlternateContent>
-</p:sld>
-</file>
-
-<file path=ppt/slides/slide8.xml><?xml version="1.0" encoding="utf-8"?>
-<p:sld xmlns:a="http://schemas.openxmlformats.org/drawingml/2006/main" xmlns:r="http://schemas.openxmlformats.org/officeDocument/2006/relationships" xmlns:p="http://schemas.openxmlformats.org/presentationml/2006/main">
-  <p:cSld>
-    <p:spTree>
-      <p:nvGrpSpPr>
-        <p:cNvPr id="1" name=""/>
-        <p:cNvGrpSpPr/>
-        <p:nvPr/>
-      </p:nvGrpSpPr>
-      <p:grpSpPr>
-        <a:xfrm>
-          <a:off x="0" y="0"/>
-          <a:ext cx="0" cy="0"/>
-          <a:chOff x="0" y="0"/>
-          <a:chExt cx="0" cy="0"/>
-        </a:xfrm>
-      </p:grpSpPr>
-      <p:sp>
-        <p:nvSpPr>
-          <p:cNvPr id="8" name="Titel 7"/>
-          <p:cNvSpPr>
-            <a:spLocks noGrp="1"/>
-          </p:cNvSpPr>
-          <p:nvPr>
-            <p:ph type="title"/>
-          </p:nvPr>
-        </p:nvSpPr>
-        <p:spPr/>
-        <p:txBody>
-          <a:bodyPr rtlCol="0">
-            <a:normAutofit fontScale="90000"/>
-          </a:bodyPr>
-          <a:lstStyle/>
-          <a:p>
-            <a:pPr rtl="0"/>
-            <a:r>
-              <a:rPr lang="de-DE">
-                <a:latin typeface="Segoe UI Light" panose="020B0502040204020203" pitchFamily="34" charset="0"/>
-                <a:cs typeface="Segoe UI Light" panose="020B0502040204020203" pitchFamily="34" charset="0"/>
-              </a:rPr>
-              <a:t>Recherchieren Sie, ohne Ihre Folien zu verlassen</a:t>
-            </a:r>
-          </a:p>
-        </p:txBody>
-      </p:sp>
-      <p:sp>
-        <p:nvSpPr>
-          <p:cNvPr id="16" name="Inhaltsplatzhalter 17"/>
-          <p:cNvSpPr txBox="1">
-            <a:spLocks/>
-          </p:cNvSpPr>
-          <p:nvPr/>
-        </p:nvSpPr>
-        <p:spPr>
-          <a:xfrm>
-            <a:off x="541609" y="1296100"/>
-            <a:ext cx="6093106" cy="1236475"/>
-          </a:xfrm>
-          <a:prstGeom prst="rect">
-            <a:avLst/>
-          </a:prstGeom>
-        </p:spPr>
-        <p:txBody>
-          <a:bodyPr vert="horz" lIns="91440" tIns="45720" rIns="91440" bIns="45720" rtlCol="0">
-            <a:normAutofit/>
-          </a:bodyPr>
-          <a:lstStyle>
-            <a:lvl1pPr marL="228600" indent="-228600" algn="l" defTabSz="914400" rtl="0" eaLnBrk="1" latinLnBrk="0" hangingPunct="1">
-              <a:lnSpc>
-                <a:spcPts val="1800"/>
-              </a:lnSpc>
-              <a:spcBef>
-                <a:spcPts val="1000"/>
-              </a:spcBef>
-              <a:spcAft>
-                <a:spcPts val="1000"/>
-              </a:spcAft>
-              <a:buFont typeface="Arial" panose="020B0604020202020204" pitchFamily="34" charset="0"/>
-              <a:buChar char="•"/>
-              <a:defRPr lang="en-US" sz="1200" kern="1200" smtClean="0">
-                <a:solidFill>
-                  <a:schemeClr val="tx1">
-                    <a:lumMod val="75000"/>
-                    <a:lumOff val="25000"/>
-                  </a:schemeClr>
-                </a:solidFill>
-                <a:latin typeface="+mn-lt"/>
-                <a:ea typeface="+mn-ea"/>
-                <a:cs typeface="+mn-cs"/>
-              </a:defRPr>
-            </a:lvl1pPr>
-            <a:lvl2pPr marL="685800" indent="-228600" algn="l" defTabSz="914400" rtl="0" eaLnBrk="1" latinLnBrk="0" hangingPunct="1">
-              <a:lnSpc>
-                <a:spcPts val="1800"/>
-              </a:lnSpc>
-              <a:spcBef>
-                <a:spcPts val="1000"/>
-              </a:spcBef>
-              <a:spcAft>
-                <a:spcPts val="1000"/>
-              </a:spcAft>
-              <a:buFont typeface="Arial" panose="020B0604020202020204" pitchFamily="34" charset="0"/>
-              <a:buChar char="•"/>
-              <a:defRPr lang="en-US" sz="1200" kern="1200" smtClean="0">
-                <a:solidFill>
-                  <a:schemeClr val="tx1">
-                    <a:lumMod val="75000"/>
-                    <a:lumOff val="25000"/>
-                  </a:schemeClr>
-                </a:solidFill>
-                <a:latin typeface="+mn-lt"/>
-                <a:ea typeface="+mn-ea"/>
-                <a:cs typeface="+mn-cs"/>
-              </a:defRPr>
-            </a:lvl2pPr>
-            <a:lvl3pPr marL="1143000" indent="-228600" algn="l" defTabSz="914400" rtl="0" eaLnBrk="1" latinLnBrk="0" hangingPunct="1">
-              <a:lnSpc>
-                <a:spcPts val="1800"/>
-              </a:lnSpc>
-              <a:spcBef>
-                <a:spcPts val="1000"/>
-              </a:spcBef>
-              <a:spcAft>
-                <a:spcPts val="1000"/>
-              </a:spcAft>
-              <a:buFont typeface="Arial" panose="020B0604020202020204" pitchFamily="34" charset="0"/>
-              <a:buChar char="•"/>
-              <a:defRPr lang="en-US" sz="1200" kern="1200" smtClean="0">
-                <a:solidFill>
-                  <a:schemeClr val="tx1">
-                    <a:lumMod val="75000"/>
-                    <a:lumOff val="25000"/>
-                  </a:schemeClr>
-                </a:solidFill>
-                <a:latin typeface="+mn-lt"/>
-                <a:ea typeface="+mn-ea"/>
-                <a:cs typeface="+mn-cs"/>
-              </a:defRPr>
-            </a:lvl3pPr>
-            <a:lvl4pPr marL="1600200" indent="-228600" algn="l" defTabSz="914400" rtl="0" eaLnBrk="1" latinLnBrk="0" hangingPunct="1">
-              <a:lnSpc>
-                <a:spcPts val="1800"/>
-              </a:lnSpc>
-              <a:spcBef>
-                <a:spcPts val="1000"/>
-              </a:spcBef>
-              <a:spcAft>
-                <a:spcPts val="1000"/>
-              </a:spcAft>
-              <a:buFont typeface="Arial" panose="020B0604020202020204" pitchFamily="34" charset="0"/>
-              <a:buChar char="•"/>
-              <a:defRPr lang="en-US" sz="1200" kern="1200" smtClean="0">
-                <a:solidFill>
-                  <a:schemeClr val="tx1">
-                    <a:lumMod val="75000"/>
-                    <a:lumOff val="25000"/>
-                  </a:schemeClr>
-                </a:solidFill>
-                <a:latin typeface="+mn-lt"/>
-                <a:ea typeface="+mn-ea"/>
-                <a:cs typeface="+mn-cs"/>
-              </a:defRPr>
-            </a:lvl4pPr>
-            <a:lvl5pPr marL="2057400" indent="-228600" algn="l" defTabSz="914400" rtl="0" eaLnBrk="1" latinLnBrk="0" hangingPunct="1">
-              <a:lnSpc>
-                <a:spcPts val="1800"/>
-              </a:lnSpc>
-              <a:spcBef>
-                <a:spcPts val="1000"/>
-              </a:spcBef>
-              <a:spcAft>
-                <a:spcPts val="1000"/>
-              </a:spcAft>
-              <a:buFont typeface="Arial" panose="020B0604020202020204" pitchFamily="34" charset="0"/>
-              <a:buChar char="•"/>
-              <a:defRPr lang="en-US" sz="1200" kern="1200">
-                <a:solidFill>
-                  <a:schemeClr val="tx1">
-                    <a:lumMod val="75000"/>
-                    <a:lumOff val="25000"/>
-                  </a:schemeClr>
-                </a:solidFill>
-                <a:latin typeface="+mn-lt"/>
-                <a:ea typeface="+mn-ea"/>
-                <a:cs typeface="+mn-cs"/>
-              </a:defRPr>
-            </a:lvl5pPr>
-            <a:lvl6pPr marL="2514600" indent="-228600" algn="l" defTabSz="914400" rtl="0" eaLnBrk="1" latinLnBrk="0" hangingPunct="1">
-              <a:lnSpc>
-                <a:spcPct val="90000"/>
-              </a:lnSpc>
-              <a:spcBef>
-                <a:spcPct val="30000"/>
-              </a:spcBef>
-              <a:buFont typeface="Arial" panose="020B0604020202020204" pitchFamily="34" charset="0"/>
-              <a:buChar char="•"/>
-              <a:defRPr sz="1800" kern="1200">
-                <a:solidFill>
-                  <a:schemeClr val="tx1"/>
-                </a:solidFill>
-                <a:latin typeface="+mn-lt"/>
-                <a:ea typeface="+mn-ea"/>
-                <a:cs typeface="+mn-cs"/>
-              </a:defRPr>
-            </a:lvl6pPr>
-            <a:lvl7pPr marL="2971800" indent="-228600" algn="l" defTabSz="914400" rtl="0" eaLnBrk="1" latinLnBrk="0" hangingPunct="1">
-              <a:lnSpc>
-                <a:spcPct val="90000"/>
-              </a:lnSpc>
-              <a:spcBef>
-                <a:spcPct val="30000"/>
-              </a:spcBef>
-              <a:buFont typeface="Arial" panose="020B0604020202020204" pitchFamily="34" charset="0"/>
-              <a:buChar char="•"/>
-              <a:defRPr sz="1800" kern="1200">
-                <a:solidFill>
-                  <a:schemeClr val="tx1"/>
-                </a:solidFill>
-                <a:latin typeface="+mn-lt"/>
-                <a:ea typeface="+mn-ea"/>
-                <a:cs typeface="+mn-cs"/>
-              </a:defRPr>
-            </a:lvl7pPr>
-            <a:lvl8pPr marL="3429000" indent="-228600" algn="l" defTabSz="914400" rtl="0" eaLnBrk="1" latinLnBrk="0" hangingPunct="1">
-              <a:lnSpc>
-                <a:spcPct val="90000"/>
-              </a:lnSpc>
-              <a:spcBef>
-                <a:spcPct val="30000"/>
-              </a:spcBef>
-              <a:buFont typeface="Arial" panose="020B0604020202020204" pitchFamily="34" charset="0"/>
-              <a:buChar char="•"/>
-              <a:defRPr sz="1800" kern="1200">
-                <a:solidFill>
-                  <a:schemeClr val="tx1"/>
-                </a:solidFill>
-                <a:latin typeface="+mn-lt"/>
-                <a:ea typeface="+mn-ea"/>
-                <a:cs typeface="+mn-cs"/>
-              </a:defRPr>
-            </a:lvl8pPr>
-            <a:lvl9pPr marL="3886200" indent="-228600" algn="l" defTabSz="914400" rtl="0" eaLnBrk="1" latinLnBrk="0" hangingPunct="1">
-              <a:lnSpc>
-                <a:spcPct val="90000"/>
-              </a:lnSpc>
-              <a:spcBef>
-                <a:spcPct val="30000"/>
-              </a:spcBef>
-              <a:buFont typeface="Arial" panose="020B0604020202020204" pitchFamily="34" charset="0"/>
-              <a:buChar char="•"/>
-              <a:defRPr sz="1800" kern="1200">
-                <a:solidFill>
-                  <a:schemeClr val="tx1"/>
-                </a:solidFill>
-                <a:latin typeface="+mn-lt"/>
-                <a:ea typeface="+mn-ea"/>
-                <a:cs typeface="+mn-cs"/>
-              </a:defRPr>
-            </a:lvl9pPr>
-          </a:lstStyle>
-          <a:p>
-            <a:pPr marL="0" indent="0" rtl="0">
-              <a:spcAft>
-                <a:spcPts val="2000"/>
-              </a:spcAft>
-              <a:buNone/>
-            </a:pPr>
-            <a:r>
-              <a:rPr lang="de-DE" sz="1100" dirty="0">
-                <a:latin typeface="Segoe UI" panose="020B0502040204020203" pitchFamily="34" charset="0"/>
-                <a:cs typeface="Segoe UI" panose="020B0502040204020203" pitchFamily="34" charset="0"/>
-              </a:rPr>
-              <a:t>Das intelligente Nachschlagen bringt Rechercheergebnisse direkt in PowerPoint.</a:t>
-            </a:r>
-            <a:br>
-              <a:rPr lang="de-DE" sz="1100" dirty="0">
-                <a:latin typeface="Segoe UI" panose="020B0502040204020203" pitchFamily="34" charset="0"/>
-                <a:cs typeface="Segoe UI" panose="020B0502040204020203" pitchFamily="34" charset="0"/>
-              </a:rPr>
-            </a:br>
-            <a:br>
-              <a:rPr lang="de-DE" sz="1100" dirty="0">
-                <a:latin typeface="Segoe UI" panose="020B0502040204020203" pitchFamily="34" charset="0"/>
-                <a:cs typeface="Segoe UI" panose="020B0502040204020203" pitchFamily="34" charset="0"/>
-              </a:rPr>
-            </a:br>
-            <a:r>
-              <a:rPr lang="de-DE" sz="1100" dirty="0">
-                <a:latin typeface="Segoe UI" panose="020B0502040204020203" pitchFamily="34" charset="0"/>
-                <a:cs typeface="Segoe UI" panose="020B0502040204020203" pitchFamily="34" charset="0"/>
-              </a:rPr>
-              <a:t>Probieren Sie es aus:</a:t>
-            </a:r>
-          </a:p>
-        </p:txBody>
-      </p:sp>
-      <p:pic>
-        <p:nvPicPr>
-          <p:cNvPr id="18" name="Bild 17" descr="Drei Bilder, in denen die Funktion &quot;Intelligentes Nachschlagen&quot; dargestellt ist"/>
-          <p:cNvPicPr>
-            <a:picLocks noChangeAspect="1"/>
-          </p:cNvPicPr>
-          <p:nvPr/>
-        </p:nvPicPr>
-        <p:blipFill>
-          <a:blip r:embed="rId3"/>
-          <a:srcRect/>
-          <a:stretch/>
-        </p:blipFill>
-        <p:spPr>
-          <a:xfrm>
-            <a:off x="494408" y="2145058"/>
-            <a:ext cx="11129521" cy="3197087"/>
-          </a:xfrm>
-          <a:prstGeom prst="rect">
-            <a:avLst/>
-          </a:prstGeom>
-        </p:spPr>
-      </p:pic>
-      <p:grpSp>
-        <p:nvGrpSpPr>
-          <p:cNvPr id="33" name="Gruppieren 32" descr="Kleiner Kreis mit enthaltener Zahl 1 zur Angabe von Schritt 1"/>
-          <p:cNvGrpSpPr/>
-          <p:nvPr/>
-        </p:nvGrpSpPr>
-        <p:grpSpPr bwMode="blackWhite">
-          <a:xfrm>
-            <a:off x="558723" y="5233381"/>
-            <a:ext cx="558179" cy="409838"/>
-            <a:chOff x="6953426" y="711274"/>
-            <a:chExt cx="558179" cy="409838"/>
-          </a:xfrm>
-        </p:grpSpPr>
-        <p:sp>
-          <p:nvSpPr>
-            <p:cNvPr id="34" name="Ellipse 33" descr="Kleiner Kreis"/>
-            <p:cNvSpPr/>
-            <p:nvPr/>
-          </p:nvSpPr>
-          <p:spPr bwMode="blackWhite">
-            <a:xfrm>
-              <a:off x="7025069" y="711274"/>
-              <a:ext cx="409838" cy="409838"/>
-            </a:xfrm>
-            <a:prstGeom prst="ellipse">
-              <a:avLst/>
-            </a:prstGeom>
-            <a:solidFill>
-              <a:srgbClr val="D24726"/>
-            </a:solidFill>
-            <a:ln>
-              <a:noFill/>
-            </a:ln>
-          </p:spPr>
-          <p:style>
-            <a:lnRef idx="2">
-              <a:schemeClr val="accent1">
-                <a:shade val="50000"/>
-              </a:schemeClr>
-            </a:lnRef>
-            <a:fillRef idx="1">
-              <a:schemeClr val="accent1"/>
-            </a:fillRef>
-            <a:effectRef idx="0">
-              <a:schemeClr val="accent1"/>
-            </a:effectRef>
-            <a:fontRef idx="minor">
-              <a:schemeClr val="lt1"/>
-            </a:fontRef>
-          </p:style>
-          <p:txBody>
-            <a:bodyPr rtlCol="0" anchor="ctr"/>
-            <a:lstStyle/>
-            <a:p>
-              <a:pPr algn="ctr" rtl="0"/>
-              <a:endParaRPr lang="de-DE"/>
-            </a:p>
-          </p:txBody>
-        </p:sp>
-        <p:sp>
-          <p:nvSpPr>
-            <p:cNvPr id="35" name="Textfeld 34" descr="Zahl 1"/>
-            <p:cNvSpPr txBox="1"/>
-            <p:nvPr/>
-          </p:nvSpPr>
-          <p:spPr bwMode="blackWhite">
-            <a:xfrm>
-              <a:off x="6953426" y="727564"/>
-              <a:ext cx="558179" cy="369332"/>
-            </a:xfrm>
-            <a:prstGeom prst="rect">
-              <a:avLst/>
-            </a:prstGeom>
-            <a:noFill/>
-          </p:spPr>
-          <p:txBody>
-            <a:bodyPr wrap="square" rtlCol="0">
-              <a:spAutoFit/>
-            </a:bodyPr>
-            <a:lstStyle/>
-            <a:p>
-              <a:pPr algn="ctr" rtl="0"/>
-              <a:r>
-                <a:rPr lang="de-DE">
-                  <a:solidFill>
-                    <a:schemeClr val="bg1"/>
-                  </a:solidFill>
-                  <a:latin typeface="Segoe UI Semibold" panose="020B0702040204020203" pitchFamily="34" charset="0"/>
-                  <a:cs typeface="Segoe UI Semibold" panose="020B0702040204020203" pitchFamily="34" charset="0"/>
-                </a:rPr>
-                <a:t>1</a:t>
-              </a:r>
-            </a:p>
-          </p:txBody>
-        </p:sp>
-      </p:grpSp>
-      <p:sp>
-        <p:nvSpPr>
-          <p:cNvPr id="42" name="Inhaltsplatzhalter 17"/>
-          <p:cNvSpPr txBox="1">
-            <a:spLocks/>
-          </p:cNvSpPr>
-          <p:nvPr/>
-        </p:nvSpPr>
-        <p:spPr>
-          <a:xfrm>
-            <a:off x="1066038" y="5273573"/>
-            <a:ext cx="2919669" cy="1298398"/>
-          </a:xfrm>
-          <a:prstGeom prst="rect">
-            <a:avLst/>
-          </a:prstGeom>
-        </p:spPr>
-        <p:txBody>
-          <a:bodyPr vert="horz" lIns="91440" tIns="45720" rIns="91440" bIns="45720" rtlCol="0">
-            <a:normAutofit/>
-          </a:bodyPr>
-          <a:lstStyle>
-            <a:lvl1pPr marL="228600" indent="-228600" algn="l" defTabSz="914400" rtl="0" eaLnBrk="1" latinLnBrk="0" hangingPunct="1">
-              <a:lnSpc>
-                <a:spcPts val="1800"/>
-              </a:lnSpc>
-              <a:spcBef>
-                <a:spcPts val="1000"/>
-              </a:spcBef>
-              <a:spcAft>
-                <a:spcPts val="1000"/>
-              </a:spcAft>
-              <a:buFont typeface="Arial" panose="020B0604020202020204" pitchFamily="34" charset="0"/>
-              <a:buChar char="•"/>
-              <a:defRPr lang="en-US" sz="1200" kern="1200" smtClean="0">
-                <a:solidFill>
-                  <a:schemeClr val="tx1">
-                    <a:lumMod val="75000"/>
-                    <a:lumOff val="25000"/>
-                  </a:schemeClr>
-                </a:solidFill>
-                <a:latin typeface="+mn-lt"/>
-                <a:ea typeface="+mn-ea"/>
-                <a:cs typeface="+mn-cs"/>
-              </a:defRPr>
-            </a:lvl1pPr>
-            <a:lvl2pPr marL="685800" indent="-228600" algn="l" defTabSz="914400" rtl="0" eaLnBrk="1" latinLnBrk="0" hangingPunct="1">
-              <a:lnSpc>
-                <a:spcPts val="1800"/>
-              </a:lnSpc>
-              <a:spcBef>
-                <a:spcPts val="1000"/>
-              </a:spcBef>
-              <a:spcAft>
-                <a:spcPts val="1000"/>
-              </a:spcAft>
-              <a:buFont typeface="Arial" panose="020B0604020202020204" pitchFamily="34" charset="0"/>
-              <a:buChar char="•"/>
-              <a:defRPr lang="en-US" sz="1200" kern="1200" smtClean="0">
-                <a:solidFill>
-                  <a:schemeClr val="tx1">
-                    <a:lumMod val="75000"/>
-                    <a:lumOff val="25000"/>
-                  </a:schemeClr>
-                </a:solidFill>
-                <a:latin typeface="+mn-lt"/>
-                <a:ea typeface="+mn-ea"/>
-                <a:cs typeface="+mn-cs"/>
-              </a:defRPr>
-            </a:lvl2pPr>
-            <a:lvl3pPr marL="1143000" indent="-228600" algn="l" defTabSz="914400" rtl="0" eaLnBrk="1" latinLnBrk="0" hangingPunct="1">
-              <a:lnSpc>
-                <a:spcPts val="1800"/>
-              </a:lnSpc>
-              <a:spcBef>
-                <a:spcPts val="1000"/>
-              </a:spcBef>
-              <a:spcAft>
-                <a:spcPts val="1000"/>
-              </a:spcAft>
-              <a:buFont typeface="Arial" panose="020B0604020202020204" pitchFamily="34" charset="0"/>
-              <a:buChar char="•"/>
-              <a:defRPr lang="en-US" sz="1200" kern="1200" smtClean="0">
-                <a:solidFill>
-                  <a:schemeClr val="tx1">
-                    <a:lumMod val="75000"/>
-                    <a:lumOff val="25000"/>
-                  </a:schemeClr>
-                </a:solidFill>
-                <a:latin typeface="+mn-lt"/>
-                <a:ea typeface="+mn-ea"/>
-                <a:cs typeface="+mn-cs"/>
-              </a:defRPr>
-            </a:lvl3pPr>
-            <a:lvl4pPr marL="1600200" indent="-228600" algn="l" defTabSz="914400" rtl="0" eaLnBrk="1" latinLnBrk="0" hangingPunct="1">
-              <a:lnSpc>
-                <a:spcPts val="1800"/>
-              </a:lnSpc>
-              <a:spcBef>
-                <a:spcPts val="1000"/>
-              </a:spcBef>
-              <a:spcAft>
-                <a:spcPts val="1000"/>
-              </a:spcAft>
-              <a:buFont typeface="Arial" panose="020B0604020202020204" pitchFamily="34" charset="0"/>
-              <a:buChar char="•"/>
-              <a:defRPr lang="en-US" sz="1200" kern="1200" smtClean="0">
-                <a:solidFill>
-                  <a:schemeClr val="tx1">
-                    <a:lumMod val="75000"/>
-                    <a:lumOff val="25000"/>
-                  </a:schemeClr>
-                </a:solidFill>
-                <a:latin typeface="+mn-lt"/>
-                <a:ea typeface="+mn-ea"/>
-                <a:cs typeface="+mn-cs"/>
-              </a:defRPr>
-            </a:lvl4pPr>
-            <a:lvl5pPr marL="2057400" indent="-228600" algn="l" defTabSz="914400" rtl="0" eaLnBrk="1" latinLnBrk="0" hangingPunct="1">
-              <a:lnSpc>
-                <a:spcPts val="1800"/>
-              </a:lnSpc>
-              <a:spcBef>
-                <a:spcPts val="1000"/>
-              </a:spcBef>
-              <a:spcAft>
-                <a:spcPts val="1000"/>
-              </a:spcAft>
-              <a:buFont typeface="Arial" panose="020B0604020202020204" pitchFamily="34" charset="0"/>
-              <a:buChar char="•"/>
-              <a:defRPr lang="en-US" sz="1200" kern="1200">
-                <a:solidFill>
-                  <a:schemeClr val="tx1">
-                    <a:lumMod val="75000"/>
-                    <a:lumOff val="25000"/>
-                  </a:schemeClr>
-                </a:solidFill>
-                <a:latin typeface="+mn-lt"/>
-                <a:ea typeface="+mn-ea"/>
-                <a:cs typeface="+mn-cs"/>
-              </a:defRPr>
-            </a:lvl5pPr>
-            <a:lvl6pPr marL="2514600" indent="-228600" algn="l" defTabSz="914400" rtl="0" eaLnBrk="1" latinLnBrk="0" hangingPunct="1">
-              <a:lnSpc>
-                <a:spcPct val="90000"/>
-              </a:lnSpc>
-              <a:spcBef>
-                <a:spcPct val="30000"/>
-              </a:spcBef>
-              <a:buFont typeface="Arial" panose="020B0604020202020204" pitchFamily="34" charset="0"/>
-              <a:buChar char="•"/>
-              <a:defRPr sz="1800" kern="1200">
-                <a:solidFill>
-                  <a:schemeClr val="tx1"/>
-                </a:solidFill>
-                <a:latin typeface="+mn-lt"/>
-                <a:ea typeface="+mn-ea"/>
-                <a:cs typeface="+mn-cs"/>
-              </a:defRPr>
-            </a:lvl6pPr>
-            <a:lvl7pPr marL="2971800" indent="-228600" algn="l" defTabSz="914400" rtl="0" eaLnBrk="1" latinLnBrk="0" hangingPunct="1">
-              <a:lnSpc>
-                <a:spcPct val="90000"/>
-              </a:lnSpc>
-              <a:spcBef>
-                <a:spcPct val="30000"/>
-              </a:spcBef>
-              <a:buFont typeface="Arial" panose="020B0604020202020204" pitchFamily="34" charset="0"/>
-              <a:buChar char="•"/>
-              <a:defRPr sz="1800" kern="1200">
-                <a:solidFill>
-                  <a:schemeClr val="tx1"/>
-                </a:solidFill>
-                <a:latin typeface="+mn-lt"/>
-                <a:ea typeface="+mn-ea"/>
-                <a:cs typeface="+mn-cs"/>
-              </a:defRPr>
-            </a:lvl7pPr>
-            <a:lvl8pPr marL="3429000" indent="-228600" algn="l" defTabSz="914400" rtl="0" eaLnBrk="1" latinLnBrk="0" hangingPunct="1">
-              <a:lnSpc>
-                <a:spcPct val="90000"/>
-              </a:lnSpc>
-              <a:spcBef>
-                <a:spcPct val="30000"/>
-              </a:spcBef>
-              <a:buFont typeface="Arial" panose="020B0604020202020204" pitchFamily="34" charset="0"/>
-              <a:buChar char="•"/>
-              <a:defRPr sz="1800" kern="1200">
-                <a:solidFill>
-                  <a:schemeClr val="tx1"/>
-                </a:solidFill>
-                <a:latin typeface="+mn-lt"/>
-                <a:ea typeface="+mn-ea"/>
-                <a:cs typeface="+mn-cs"/>
-              </a:defRPr>
-            </a:lvl8pPr>
-            <a:lvl9pPr marL="3886200" indent="-228600" algn="l" defTabSz="914400" rtl="0" eaLnBrk="1" latinLnBrk="0" hangingPunct="1">
-              <a:lnSpc>
-                <a:spcPct val="90000"/>
-              </a:lnSpc>
-              <a:spcBef>
-                <a:spcPct val="30000"/>
-              </a:spcBef>
-              <a:buFont typeface="Arial" panose="020B0604020202020204" pitchFamily="34" charset="0"/>
-              <a:buChar char="•"/>
-              <a:defRPr sz="1800" kern="1200">
-                <a:solidFill>
-                  <a:schemeClr val="tx1"/>
-                </a:solidFill>
-                <a:latin typeface="+mn-lt"/>
-                <a:ea typeface="+mn-ea"/>
-                <a:cs typeface="+mn-cs"/>
-              </a:defRPr>
-            </a:lvl9pPr>
-          </a:lstStyle>
-          <a:p>
-            <a:pPr marL="0" indent="0" rtl="0">
-              <a:spcAft>
-                <a:spcPts val="2000"/>
-              </a:spcAft>
-              <a:buNone/>
-            </a:pPr>
-            <a:r>
-              <a:rPr lang="de-DE" sz="1100" dirty="0">
-                <a:solidFill>
-                  <a:prstClr val="black">
-                    <a:lumMod val="75000"/>
-                    <a:lumOff val="25000"/>
-                  </a:prstClr>
-                </a:solidFill>
-                <a:latin typeface="Segoe UI" panose="020B0502040204020203" pitchFamily="34" charset="0"/>
-                <a:cs typeface="Segoe UI" panose="020B0502040204020203" pitchFamily="34" charset="0"/>
-              </a:rPr>
-              <a:t>Klicken Sie mit der rechten Maustaste auf das Wort </a:t>
-            </a:r>
-            <a:r>
-              <a:rPr lang="de-DE" sz="1100" i="1" dirty="0">
-                <a:solidFill>
-                  <a:srgbClr val="D24726"/>
-                </a:solidFill>
-                <a:latin typeface="Segoe UI" panose="020B0502040204020203" pitchFamily="34" charset="0"/>
-                <a:cs typeface="Segoe UI" panose="020B0502040204020203" pitchFamily="34" charset="0"/>
-              </a:rPr>
-              <a:t>Büro</a:t>
-            </a:r>
-            <a:r>
-              <a:rPr lang="de-DE" sz="1100" dirty="0">
-                <a:solidFill>
-                  <a:prstClr val="black">
-                    <a:lumMod val="75000"/>
-                    <a:lumOff val="25000"/>
-                  </a:prstClr>
-                </a:solidFill>
-                <a:latin typeface="Segoe UI" panose="020B0502040204020203" pitchFamily="34" charset="0"/>
-                <a:cs typeface="Segoe UI" panose="020B0502040204020203" pitchFamily="34" charset="0"/>
-              </a:rPr>
-              <a:t> in der folgenden Formulierung: </a:t>
-            </a:r>
-            <a:r>
-              <a:rPr lang="de-DE" sz="1800" dirty="0">
-                <a:solidFill>
-                  <a:prstClr val="black">
-                    <a:lumMod val="75000"/>
-                    <a:lumOff val="25000"/>
-                  </a:prstClr>
-                </a:solidFill>
-                <a:latin typeface="Segoe UI" panose="020B0502040204020203" pitchFamily="34" charset="0"/>
-                <a:cs typeface="Segoe UI" panose="020B0502040204020203" pitchFamily="34" charset="0"/>
-              </a:rPr>
-              <a:t>Büromöbel</a:t>
-            </a:r>
-          </a:p>
-        </p:txBody>
-      </p:sp>
-      <p:grpSp>
-        <p:nvGrpSpPr>
-          <p:cNvPr id="36" name="Gruppieren 35" descr="Kleiner Kreis mit enthaltener Zahl 2 zur Angabe von Schritt 2"/>
-          <p:cNvGrpSpPr/>
-          <p:nvPr/>
-        </p:nvGrpSpPr>
-        <p:grpSpPr bwMode="blackWhite">
-          <a:xfrm>
-            <a:off x="4249102" y="5233381"/>
-            <a:ext cx="558179" cy="409838"/>
-            <a:chOff x="6953426" y="711274"/>
-            <a:chExt cx="558179" cy="409838"/>
-          </a:xfrm>
-        </p:grpSpPr>
-        <p:sp>
-          <p:nvSpPr>
-            <p:cNvPr id="37" name="Ellipse 36" descr="Kleiner Kreis"/>
-            <p:cNvSpPr/>
-            <p:nvPr/>
-          </p:nvSpPr>
-          <p:spPr bwMode="blackWhite">
-            <a:xfrm>
-              <a:off x="7025069" y="711274"/>
-              <a:ext cx="409838" cy="409838"/>
-            </a:xfrm>
-            <a:prstGeom prst="ellipse">
-              <a:avLst/>
-            </a:prstGeom>
-            <a:solidFill>
-              <a:srgbClr val="D24726"/>
-            </a:solidFill>
-            <a:ln>
-              <a:noFill/>
-            </a:ln>
-          </p:spPr>
-          <p:style>
-            <a:lnRef idx="2">
-              <a:schemeClr val="accent1">
-                <a:shade val="50000"/>
-              </a:schemeClr>
-            </a:lnRef>
-            <a:fillRef idx="1">
-              <a:schemeClr val="accent1"/>
-            </a:fillRef>
-            <a:effectRef idx="0">
-              <a:schemeClr val="accent1"/>
-            </a:effectRef>
-            <a:fontRef idx="minor">
-              <a:schemeClr val="lt1"/>
-            </a:fontRef>
-          </p:style>
-          <p:txBody>
-            <a:bodyPr rtlCol="0" anchor="ctr"/>
-            <a:lstStyle/>
-            <a:p>
-              <a:pPr algn="ctr" rtl="0"/>
-              <a:endParaRPr lang="de-DE"/>
-            </a:p>
-          </p:txBody>
-        </p:sp>
-        <p:sp>
-          <p:nvSpPr>
-            <p:cNvPr id="38" name="Textfeld 37" descr="Zahl 2"/>
-            <p:cNvSpPr txBox="1"/>
-            <p:nvPr/>
-          </p:nvSpPr>
-          <p:spPr bwMode="blackWhite">
-            <a:xfrm>
-              <a:off x="6953426" y="727564"/>
-              <a:ext cx="558179" cy="369332"/>
-            </a:xfrm>
-            <a:prstGeom prst="rect">
-              <a:avLst/>
-            </a:prstGeom>
-            <a:noFill/>
-          </p:spPr>
-          <p:txBody>
-            <a:bodyPr wrap="square" rtlCol="0">
-              <a:spAutoFit/>
-            </a:bodyPr>
-            <a:lstStyle/>
-            <a:p>
-              <a:pPr algn="ctr" rtl="0"/>
-              <a:r>
-                <a:rPr lang="de-DE">
-                  <a:solidFill>
-                    <a:schemeClr val="bg1"/>
-                  </a:solidFill>
-                  <a:latin typeface="Segoe UI Semibold" panose="020B0702040204020203" pitchFamily="34" charset="0"/>
-                  <a:cs typeface="Segoe UI Semibold" panose="020B0702040204020203" pitchFamily="34" charset="0"/>
-                </a:rPr>
-                <a:t>2</a:t>
-              </a:r>
-            </a:p>
-          </p:txBody>
-        </p:sp>
-      </p:grpSp>
-      <p:sp>
-        <p:nvSpPr>
-          <p:cNvPr id="43" name="Inhaltsplatzhalter 17"/>
-          <p:cNvSpPr txBox="1">
-            <a:spLocks/>
-          </p:cNvSpPr>
-          <p:nvPr/>
-        </p:nvSpPr>
-        <p:spPr>
-          <a:xfrm>
-            <a:off x="4747855" y="5273573"/>
-            <a:ext cx="3106367" cy="1324053"/>
-          </a:xfrm>
-          <a:prstGeom prst="rect">
-            <a:avLst/>
-          </a:prstGeom>
-        </p:spPr>
-        <p:txBody>
-          <a:bodyPr vert="horz" lIns="91440" tIns="45720" rIns="91440" bIns="45720" rtlCol="0">
-            <a:normAutofit/>
-          </a:bodyPr>
-          <a:lstStyle>
-            <a:lvl1pPr marL="228600" indent="-228600" algn="l" defTabSz="914400" rtl="0" eaLnBrk="1" latinLnBrk="0" hangingPunct="1">
-              <a:lnSpc>
-                <a:spcPts val="1800"/>
-              </a:lnSpc>
-              <a:spcBef>
-                <a:spcPts val="1000"/>
-              </a:spcBef>
-              <a:spcAft>
-                <a:spcPts val="1000"/>
-              </a:spcAft>
-              <a:buFont typeface="Arial" panose="020B0604020202020204" pitchFamily="34" charset="0"/>
-              <a:buChar char="•"/>
-              <a:defRPr lang="en-US" sz="1200" kern="1200" smtClean="0">
-                <a:solidFill>
-                  <a:schemeClr val="tx1">
-                    <a:lumMod val="75000"/>
-                    <a:lumOff val="25000"/>
-                  </a:schemeClr>
-                </a:solidFill>
-                <a:latin typeface="+mn-lt"/>
-                <a:ea typeface="+mn-ea"/>
-                <a:cs typeface="+mn-cs"/>
-              </a:defRPr>
-            </a:lvl1pPr>
-            <a:lvl2pPr marL="685800" indent="-228600" algn="l" defTabSz="914400" rtl="0" eaLnBrk="1" latinLnBrk="0" hangingPunct="1">
-              <a:lnSpc>
-                <a:spcPts val="1800"/>
-              </a:lnSpc>
-              <a:spcBef>
-                <a:spcPts val="1000"/>
-              </a:spcBef>
-              <a:spcAft>
-                <a:spcPts val="1000"/>
-              </a:spcAft>
-              <a:buFont typeface="Arial" panose="020B0604020202020204" pitchFamily="34" charset="0"/>
-              <a:buChar char="•"/>
-              <a:defRPr lang="en-US" sz="1200" kern="1200" smtClean="0">
-                <a:solidFill>
-                  <a:schemeClr val="tx1">
-                    <a:lumMod val="75000"/>
-                    <a:lumOff val="25000"/>
-                  </a:schemeClr>
-                </a:solidFill>
-                <a:latin typeface="+mn-lt"/>
-                <a:ea typeface="+mn-ea"/>
-                <a:cs typeface="+mn-cs"/>
-              </a:defRPr>
-            </a:lvl2pPr>
-            <a:lvl3pPr marL="1143000" indent="-228600" algn="l" defTabSz="914400" rtl="0" eaLnBrk="1" latinLnBrk="0" hangingPunct="1">
-              <a:lnSpc>
-                <a:spcPts val="1800"/>
-              </a:lnSpc>
-              <a:spcBef>
-                <a:spcPts val="1000"/>
-              </a:spcBef>
-              <a:spcAft>
-                <a:spcPts val="1000"/>
-              </a:spcAft>
-              <a:buFont typeface="Arial" panose="020B0604020202020204" pitchFamily="34" charset="0"/>
-              <a:buChar char="•"/>
-              <a:defRPr lang="en-US" sz="1200" kern="1200" smtClean="0">
-                <a:solidFill>
-                  <a:schemeClr val="tx1">
-                    <a:lumMod val="75000"/>
-                    <a:lumOff val="25000"/>
-                  </a:schemeClr>
-                </a:solidFill>
-                <a:latin typeface="+mn-lt"/>
-                <a:ea typeface="+mn-ea"/>
-                <a:cs typeface="+mn-cs"/>
-              </a:defRPr>
-            </a:lvl3pPr>
-            <a:lvl4pPr marL="1600200" indent="-228600" algn="l" defTabSz="914400" rtl="0" eaLnBrk="1" latinLnBrk="0" hangingPunct="1">
-              <a:lnSpc>
-                <a:spcPts val="1800"/>
-              </a:lnSpc>
-              <a:spcBef>
-                <a:spcPts val="1000"/>
-              </a:spcBef>
-              <a:spcAft>
-                <a:spcPts val="1000"/>
-              </a:spcAft>
-              <a:buFont typeface="Arial" panose="020B0604020202020204" pitchFamily="34" charset="0"/>
-              <a:buChar char="•"/>
-              <a:defRPr lang="en-US" sz="1200" kern="1200" smtClean="0">
-                <a:solidFill>
-                  <a:schemeClr val="tx1">
-                    <a:lumMod val="75000"/>
-                    <a:lumOff val="25000"/>
-                  </a:schemeClr>
-                </a:solidFill>
-                <a:latin typeface="+mn-lt"/>
-                <a:ea typeface="+mn-ea"/>
-                <a:cs typeface="+mn-cs"/>
-              </a:defRPr>
-            </a:lvl4pPr>
-            <a:lvl5pPr marL="2057400" indent="-228600" algn="l" defTabSz="914400" rtl="0" eaLnBrk="1" latinLnBrk="0" hangingPunct="1">
-              <a:lnSpc>
-                <a:spcPts val="1800"/>
-              </a:lnSpc>
-              <a:spcBef>
-                <a:spcPts val="1000"/>
-              </a:spcBef>
-              <a:spcAft>
-                <a:spcPts val="1000"/>
-              </a:spcAft>
-              <a:buFont typeface="Arial" panose="020B0604020202020204" pitchFamily="34" charset="0"/>
-              <a:buChar char="•"/>
-              <a:defRPr lang="en-US" sz="1200" kern="1200">
-                <a:solidFill>
-                  <a:schemeClr val="tx1">
-                    <a:lumMod val="75000"/>
-                    <a:lumOff val="25000"/>
-                  </a:schemeClr>
-                </a:solidFill>
-                <a:latin typeface="+mn-lt"/>
-                <a:ea typeface="+mn-ea"/>
-                <a:cs typeface="+mn-cs"/>
-              </a:defRPr>
-            </a:lvl5pPr>
-            <a:lvl6pPr marL="2514600" indent="-228600" algn="l" defTabSz="914400" rtl="0" eaLnBrk="1" latinLnBrk="0" hangingPunct="1">
-              <a:lnSpc>
-                <a:spcPct val="90000"/>
-              </a:lnSpc>
-              <a:spcBef>
-                <a:spcPct val="30000"/>
-              </a:spcBef>
-              <a:buFont typeface="Arial" panose="020B0604020202020204" pitchFamily="34" charset="0"/>
-              <a:buChar char="•"/>
-              <a:defRPr sz="1800" kern="1200">
-                <a:solidFill>
-                  <a:schemeClr val="tx1"/>
-                </a:solidFill>
-                <a:latin typeface="+mn-lt"/>
-                <a:ea typeface="+mn-ea"/>
-                <a:cs typeface="+mn-cs"/>
-              </a:defRPr>
-            </a:lvl6pPr>
-            <a:lvl7pPr marL="2971800" indent="-228600" algn="l" defTabSz="914400" rtl="0" eaLnBrk="1" latinLnBrk="0" hangingPunct="1">
-              <a:lnSpc>
-                <a:spcPct val="90000"/>
-              </a:lnSpc>
-              <a:spcBef>
-                <a:spcPct val="30000"/>
-              </a:spcBef>
-              <a:buFont typeface="Arial" panose="020B0604020202020204" pitchFamily="34" charset="0"/>
-              <a:buChar char="•"/>
-              <a:defRPr sz="1800" kern="1200">
-                <a:solidFill>
-                  <a:schemeClr val="tx1"/>
-                </a:solidFill>
-                <a:latin typeface="+mn-lt"/>
-                <a:ea typeface="+mn-ea"/>
-                <a:cs typeface="+mn-cs"/>
-              </a:defRPr>
-            </a:lvl7pPr>
-            <a:lvl8pPr marL="3429000" indent="-228600" algn="l" defTabSz="914400" rtl="0" eaLnBrk="1" latinLnBrk="0" hangingPunct="1">
-              <a:lnSpc>
-                <a:spcPct val="90000"/>
-              </a:lnSpc>
-              <a:spcBef>
-                <a:spcPct val="30000"/>
-              </a:spcBef>
-              <a:buFont typeface="Arial" panose="020B0604020202020204" pitchFamily="34" charset="0"/>
-              <a:buChar char="•"/>
-              <a:defRPr sz="1800" kern="1200">
-                <a:solidFill>
-                  <a:schemeClr val="tx1"/>
-                </a:solidFill>
-                <a:latin typeface="+mn-lt"/>
-                <a:ea typeface="+mn-ea"/>
-                <a:cs typeface="+mn-cs"/>
-              </a:defRPr>
-            </a:lvl8pPr>
-            <a:lvl9pPr marL="3886200" indent="-228600" algn="l" defTabSz="914400" rtl="0" eaLnBrk="1" latinLnBrk="0" hangingPunct="1">
-              <a:lnSpc>
-                <a:spcPct val="90000"/>
-              </a:lnSpc>
-              <a:spcBef>
-                <a:spcPct val="30000"/>
-              </a:spcBef>
-              <a:buFont typeface="Arial" panose="020B0604020202020204" pitchFamily="34" charset="0"/>
-              <a:buChar char="•"/>
-              <a:defRPr sz="1800" kern="1200">
-                <a:solidFill>
-                  <a:schemeClr val="tx1"/>
-                </a:solidFill>
-                <a:latin typeface="+mn-lt"/>
-                <a:ea typeface="+mn-ea"/>
-                <a:cs typeface="+mn-cs"/>
-              </a:defRPr>
-            </a:lvl9pPr>
-          </a:lstStyle>
-          <a:p>
-            <a:pPr marL="0" indent="0" rtl="0">
-              <a:spcAft>
-                <a:spcPts val="2000"/>
-              </a:spcAft>
-              <a:buNone/>
-            </a:pPr>
-            <a:r>
-              <a:rPr lang="de-DE" sz="1100" dirty="0">
-                <a:latin typeface="Segoe UI" panose="020B0502040204020203" pitchFamily="34" charset="0"/>
-                <a:cs typeface="Segoe UI" panose="020B0502040204020203" pitchFamily="34" charset="0"/>
-              </a:rPr>
-              <a:t>Wählen Sie </a:t>
-            </a:r>
-            <a:r>
-              <a:rPr lang="de-DE" sz="1100" dirty="0">
-                <a:solidFill>
-                  <a:srgbClr val="D24726"/>
-                </a:solidFill>
-                <a:latin typeface="Segoe UI Semibold" panose="020B0702040204020203" pitchFamily="34" charset="0"/>
-                <a:cs typeface="Segoe UI Semibold" panose="020B0702040204020203" pitchFamily="34" charset="0"/>
-              </a:rPr>
-              <a:t>Intelligente Suche </a:t>
-            </a:r>
-            <a:r>
-              <a:rPr lang="de-DE" sz="1100" dirty="0">
-                <a:latin typeface="Segoe UI" panose="020B0502040204020203" pitchFamily="34" charset="0"/>
-                <a:cs typeface="Segoe UI" panose="020B0502040204020203" pitchFamily="34" charset="0"/>
-              </a:rPr>
-              <a:t>aus, und beachten Sie, dass die Ergebnisse sich auf den Kontext dieser Formulierung anstatt auf </a:t>
-            </a:r>
-            <a:r>
-              <a:rPr lang="de-DE" sz="1800" dirty="0">
-                <a:latin typeface="Segoe UI" panose="020B0502040204020203" pitchFamily="34" charset="0"/>
-                <a:cs typeface="Segoe UI" panose="020B0502040204020203" pitchFamily="34" charset="0"/>
-              </a:rPr>
-              <a:t>Microsoft Office-Apps</a:t>
-            </a:r>
-            <a:r>
-              <a:rPr lang="de-DE" dirty="0">
-                <a:latin typeface="Segoe UI" panose="020B0502040204020203" pitchFamily="34" charset="0"/>
-                <a:cs typeface="Segoe UI" panose="020B0502040204020203" pitchFamily="34" charset="0"/>
-              </a:rPr>
-              <a:t> </a:t>
-            </a:r>
-            <a:r>
-              <a:rPr lang="de-DE" sz="1100" dirty="0">
-                <a:latin typeface="Segoe UI" panose="020B0502040204020203" pitchFamily="34" charset="0"/>
-                <a:cs typeface="Segoe UI" panose="020B0502040204020203" pitchFamily="34" charset="0"/>
-              </a:rPr>
-              <a:t>beziehen.</a:t>
-            </a:r>
-            <a:endParaRPr lang="de-DE" sz="1100" dirty="0">
-              <a:solidFill>
-                <a:srgbClr val="D24726"/>
-              </a:solidFill>
-              <a:latin typeface="Segoe UI" panose="020B0502040204020203" pitchFamily="34" charset="0"/>
-              <a:cs typeface="Segoe UI" panose="020B0502040204020203" pitchFamily="34" charset="0"/>
-            </a:endParaRPr>
-          </a:p>
-        </p:txBody>
-      </p:sp>
-      <p:grpSp>
-        <p:nvGrpSpPr>
-          <p:cNvPr id="39" name="Gruppieren 38" descr="Kleiner Kreis mit enthaltener Zahl 3 zur Angabe von Schritt 3"/>
-          <p:cNvGrpSpPr/>
-          <p:nvPr/>
-        </p:nvGrpSpPr>
-        <p:grpSpPr bwMode="blackWhite">
-          <a:xfrm>
-            <a:off x="7930921" y="5233381"/>
-            <a:ext cx="558179" cy="409838"/>
-            <a:chOff x="6953426" y="711274"/>
-            <a:chExt cx="558179" cy="409838"/>
-          </a:xfrm>
-        </p:grpSpPr>
-        <p:sp>
-          <p:nvSpPr>
-            <p:cNvPr id="40" name="Ellipse 39" descr="Kleiner Kreis"/>
-            <p:cNvSpPr/>
-            <p:nvPr/>
-          </p:nvSpPr>
-          <p:spPr bwMode="blackWhite">
-            <a:xfrm>
-              <a:off x="7025069" y="711274"/>
-              <a:ext cx="409838" cy="409838"/>
-            </a:xfrm>
-            <a:prstGeom prst="ellipse">
-              <a:avLst/>
-            </a:prstGeom>
-            <a:solidFill>
-              <a:srgbClr val="D24726"/>
-            </a:solidFill>
-            <a:ln>
-              <a:noFill/>
-            </a:ln>
-          </p:spPr>
-          <p:style>
-            <a:lnRef idx="2">
-              <a:schemeClr val="accent1">
-                <a:shade val="50000"/>
-              </a:schemeClr>
-            </a:lnRef>
-            <a:fillRef idx="1">
-              <a:schemeClr val="accent1"/>
-            </a:fillRef>
-            <a:effectRef idx="0">
-              <a:schemeClr val="accent1"/>
-            </a:effectRef>
-            <a:fontRef idx="minor">
-              <a:schemeClr val="lt1"/>
-            </a:fontRef>
-          </p:style>
-          <p:txBody>
-            <a:bodyPr rtlCol="0" anchor="ctr"/>
-            <a:lstStyle/>
-            <a:p>
-              <a:pPr algn="ctr" rtl="0"/>
-              <a:endParaRPr lang="de-DE"/>
-            </a:p>
-          </p:txBody>
-        </p:sp>
-        <p:sp>
-          <p:nvSpPr>
-            <p:cNvPr id="41" name="Textfeld 40" descr="Zahl 3"/>
-            <p:cNvSpPr txBox="1"/>
-            <p:nvPr/>
-          </p:nvSpPr>
-          <p:spPr bwMode="blackWhite">
-            <a:xfrm>
-              <a:off x="6953426" y="727564"/>
-              <a:ext cx="558179" cy="369332"/>
-            </a:xfrm>
-            <a:prstGeom prst="rect">
-              <a:avLst/>
-            </a:prstGeom>
-            <a:noFill/>
-          </p:spPr>
-          <p:txBody>
-            <a:bodyPr wrap="square" rtlCol="0">
-              <a:spAutoFit/>
-            </a:bodyPr>
-            <a:lstStyle/>
-            <a:p>
-              <a:pPr algn="ctr" rtl="0"/>
-              <a:r>
-                <a:rPr lang="de-DE">
-                  <a:solidFill>
-                    <a:schemeClr val="bg1"/>
-                  </a:solidFill>
-                  <a:latin typeface="Segoe UI Semibold" panose="020B0702040204020203" pitchFamily="34" charset="0"/>
-                  <a:cs typeface="Segoe UI Semibold" panose="020B0702040204020203" pitchFamily="34" charset="0"/>
-                </a:rPr>
-                <a:t>3</a:t>
-              </a:r>
-            </a:p>
-          </p:txBody>
-        </p:sp>
-      </p:grpSp>
-      <p:sp>
-        <p:nvSpPr>
-          <p:cNvPr id="44" name="Inhaltsplatzhalter 17"/>
-          <p:cNvSpPr txBox="1">
-            <a:spLocks/>
-          </p:cNvSpPr>
-          <p:nvPr/>
-        </p:nvSpPr>
-        <p:spPr>
-          <a:xfrm>
-            <a:off x="8429668" y="5273573"/>
-            <a:ext cx="3107336" cy="1341886"/>
-          </a:xfrm>
-          <a:prstGeom prst="rect">
-            <a:avLst/>
-          </a:prstGeom>
-        </p:spPr>
-        <p:txBody>
-          <a:bodyPr vert="horz" lIns="91440" tIns="45720" rIns="91440" bIns="45720" rtlCol="0">
-            <a:normAutofit/>
-          </a:bodyPr>
-          <a:lstStyle>
-            <a:lvl1pPr marL="228600" indent="-228600" algn="l" defTabSz="914400" rtl="0" eaLnBrk="1" latinLnBrk="0" hangingPunct="1">
-              <a:lnSpc>
-                <a:spcPts val="1800"/>
-              </a:lnSpc>
-              <a:spcBef>
-                <a:spcPts val="1000"/>
-              </a:spcBef>
-              <a:spcAft>
-                <a:spcPts val="1000"/>
-              </a:spcAft>
-              <a:buFont typeface="Arial" panose="020B0604020202020204" pitchFamily="34" charset="0"/>
-              <a:buChar char="•"/>
-              <a:defRPr lang="en-US" sz="1200" kern="1200" smtClean="0">
-                <a:solidFill>
-                  <a:schemeClr val="tx1">
-                    <a:lumMod val="75000"/>
-                    <a:lumOff val="25000"/>
-                  </a:schemeClr>
-                </a:solidFill>
-                <a:latin typeface="+mn-lt"/>
-                <a:ea typeface="+mn-ea"/>
-                <a:cs typeface="+mn-cs"/>
-              </a:defRPr>
-            </a:lvl1pPr>
-            <a:lvl2pPr marL="685800" indent="-228600" algn="l" defTabSz="914400" rtl="0" eaLnBrk="1" latinLnBrk="0" hangingPunct="1">
-              <a:lnSpc>
-                <a:spcPts val="1800"/>
-              </a:lnSpc>
-              <a:spcBef>
-                <a:spcPts val="1000"/>
-              </a:spcBef>
-              <a:spcAft>
-                <a:spcPts val="1000"/>
-              </a:spcAft>
-              <a:buFont typeface="Arial" panose="020B0604020202020204" pitchFamily="34" charset="0"/>
-              <a:buChar char="•"/>
-              <a:defRPr lang="en-US" sz="1200" kern="1200" smtClean="0">
-                <a:solidFill>
-                  <a:schemeClr val="tx1">
-                    <a:lumMod val="75000"/>
-                    <a:lumOff val="25000"/>
-                  </a:schemeClr>
-                </a:solidFill>
-                <a:latin typeface="+mn-lt"/>
-                <a:ea typeface="+mn-ea"/>
-                <a:cs typeface="+mn-cs"/>
-              </a:defRPr>
-            </a:lvl2pPr>
-            <a:lvl3pPr marL="1143000" indent="-228600" algn="l" defTabSz="914400" rtl="0" eaLnBrk="1" latinLnBrk="0" hangingPunct="1">
-              <a:lnSpc>
-                <a:spcPts val="1800"/>
-              </a:lnSpc>
-              <a:spcBef>
-                <a:spcPts val="1000"/>
-              </a:spcBef>
-              <a:spcAft>
-                <a:spcPts val="1000"/>
-              </a:spcAft>
-              <a:buFont typeface="Arial" panose="020B0604020202020204" pitchFamily="34" charset="0"/>
-              <a:buChar char="•"/>
-              <a:defRPr lang="en-US" sz="1200" kern="1200" smtClean="0">
-                <a:solidFill>
-                  <a:schemeClr val="tx1">
-                    <a:lumMod val="75000"/>
-                    <a:lumOff val="25000"/>
-                  </a:schemeClr>
-                </a:solidFill>
-                <a:latin typeface="+mn-lt"/>
-                <a:ea typeface="+mn-ea"/>
-                <a:cs typeface="+mn-cs"/>
-              </a:defRPr>
-            </a:lvl3pPr>
-            <a:lvl4pPr marL="1600200" indent="-228600" algn="l" defTabSz="914400" rtl="0" eaLnBrk="1" latinLnBrk="0" hangingPunct="1">
-              <a:lnSpc>
-                <a:spcPts val="1800"/>
-              </a:lnSpc>
-              <a:spcBef>
-                <a:spcPts val="1000"/>
-              </a:spcBef>
-              <a:spcAft>
-                <a:spcPts val="1000"/>
-              </a:spcAft>
-              <a:buFont typeface="Arial" panose="020B0604020202020204" pitchFamily="34" charset="0"/>
-              <a:buChar char="•"/>
-              <a:defRPr lang="en-US" sz="1200" kern="1200" smtClean="0">
-                <a:solidFill>
-                  <a:schemeClr val="tx1">
-                    <a:lumMod val="75000"/>
-                    <a:lumOff val="25000"/>
-                  </a:schemeClr>
-                </a:solidFill>
-                <a:latin typeface="+mn-lt"/>
-                <a:ea typeface="+mn-ea"/>
-                <a:cs typeface="+mn-cs"/>
-              </a:defRPr>
-            </a:lvl4pPr>
-            <a:lvl5pPr marL="2057400" indent="-228600" algn="l" defTabSz="914400" rtl="0" eaLnBrk="1" latinLnBrk="0" hangingPunct="1">
-              <a:lnSpc>
-                <a:spcPts val="1800"/>
-              </a:lnSpc>
-              <a:spcBef>
-                <a:spcPts val="1000"/>
-              </a:spcBef>
-              <a:spcAft>
-                <a:spcPts val="1000"/>
-              </a:spcAft>
-              <a:buFont typeface="Arial" panose="020B0604020202020204" pitchFamily="34" charset="0"/>
-              <a:buChar char="•"/>
-              <a:defRPr lang="en-US" sz="1200" kern="1200">
-                <a:solidFill>
-                  <a:schemeClr val="tx1">
-                    <a:lumMod val="75000"/>
-                    <a:lumOff val="25000"/>
-                  </a:schemeClr>
-                </a:solidFill>
-                <a:latin typeface="+mn-lt"/>
-                <a:ea typeface="+mn-ea"/>
-                <a:cs typeface="+mn-cs"/>
-              </a:defRPr>
-            </a:lvl5pPr>
-            <a:lvl6pPr marL="2514600" indent="-228600" algn="l" defTabSz="914400" rtl="0" eaLnBrk="1" latinLnBrk="0" hangingPunct="1">
-              <a:lnSpc>
-                <a:spcPct val="90000"/>
-              </a:lnSpc>
-              <a:spcBef>
-                <a:spcPct val="30000"/>
-              </a:spcBef>
-              <a:buFont typeface="Arial" panose="020B0604020202020204" pitchFamily="34" charset="0"/>
-              <a:buChar char="•"/>
-              <a:defRPr sz="1800" kern="1200">
-                <a:solidFill>
-                  <a:schemeClr val="tx1"/>
-                </a:solidFill>
-                <a:latin typeface="+mn-lt"/>
-                <a:ea typeface="+mn-ea"/>
-                <a:cs typeface="+mn-cs"/>
-              </a:defRPr>
-            </a:lvl6pPr>
-            <a:lvl7pPr marL="2971800" indent="-228600" algn="l" defTabSz="914400" rtl="0" eaLnBrk="1" latinLnBrk="0" hangingPunct="1">
-              <a:lnSpc>
-                <a:spcPct val="90000"/>
-              </a:lnSpc>
-              <a:spcBef>
-                <a:spcPct val="30000"/>
-              </a:spcBef>
-              <a:buFont typeface="Arial" panose="020B0604020202020204" pitchFamily="34" charset="0"/>
-              <a:buChar char="•"/>
-              <a:defRPr sz="1800" kern="1200">
-                <a:solidFill>
-                  <a:schemeClr val="tx1"/>
-                </a:solidFill>
-                <a:latin typeface="+mn-lt"/>
-                <a:ea typeface="+mn-ea"/>
-                <a:cs typeface="+mn-cs"/>
-              </a:defRPr>
-            </a:lvl7pPr>
-            <a:lvl8pPr marL="3429000" indent="-228600" algn="l" defTabSz="914400" rtl="0" eaLnBrk="1" latinLnBrk="0" hangingPunct="1">
-              <a:lnSpc>
-                <a:spcPct val="90000"/>
-              </a:lnSpc>
-              <a:spcBef>
-                <a:spcPct val="30000"/>
-              </a:spcBef>
-              <a:buFont typeface="Arial" panose="020B0604020202020204" pitchFamily="34" charset="0"/>
-              <a:buChar char="•"/>
-              <a:defRPr sz="1800" kern="1200">
-                <a:solidFill>
-                  <a:schemeClr val="tx1"/>
-                </a:solidFill>
-                <a:latin typeface="+mn-lt"/>
-                <a:ea typeface="+mn-ea"/>
-                <a:cs typeface="+mn-cs"/>
-              </a:defRPr>
-            </a:lvl8pPr>
-            <a:lvl9pPr marL="3886200" indent="-228600" algn="l" defTabSz="914400" rtl="0" eaLnBrk="1" latinLnBrk="0" hangingPunct="1">
-              <a:lnSpc>
-                <a:spcPct val="90000"/>
-              </a:lnSpc>
-              <a:spcBef>
-                <a:spcPct val="30000"/>
-              </a:spcBef>
-              <a:buFont typeface="Arial" panose="020B0604020202020204" pitchFamily="34" charset="0"/>
-              <a:buChar char="•"/>
-              <a:defRPr sz="1800" kern="1200">
-                <a:solidFill>
-                  <a:schemeClr val="tx1"/>
-                </a:solidFill>
-                <a:latin typeface="+mn-lt"/>
-                <a:ea typeface="+mn-ea"/>
-                <a:cs typeface="+mn-cs"/>
-              </a:defRPr>
-            </a:lvl9pPr>
-          </a:lstStyle>
-          <a:p>
-            <a:pPr marL="0" lvl="0" indent="0" rtl="0">
-              <a:spcAft>
-                <a:spcPts val="2000"/>
-              </a:spcAft>
-              <a:buNone/>
-            </a:pPr>
-            <a:r>
-              <a:rPr lang="de-DE" sz="1100" dirty="0">
-                <a:latin typeface="Segoe UI" panose="020B0502040204020203" pitchFamily="34" charset="0"/>
-                <a:cs typeface="Segoe UI" panose="020B0502040204020203" pitchFamily="34" charset="0"/>
-              </a:rPr>
-              <a:t>Probieren Sie nur so zum Spaß das Intelligente Nachschlagen erneut aus, indem Sie in Schritt 2 auf das Wort </a:t>
-            </a:r>
-            <a:r>
-              <a:rPr lang="de-DE" sz="1100" i="1" dirty="0">
-                <a:solidFill>
-                  <a:srgbClr val="D24726"/>
-                </a:solidFill>
-                <a:latin typeface="Segoe UI" panose="020B0502040204020203" pitchFamily="34" charset="0"/>
-                <a:cs typeface="Segoe UI" panose="020B0502040204020203" pitchFamily="34" charset="0"/>
-              </a:rPr>
-              <a:t>Office</a:t>
-            </a:r>
-            <a:r>
-              <a:rPr lang="de-DE" sz="1100" dirty="0"/>
-              <a:t> </a:t>
-            </a:r>
-            <a:r>
-              <a:rPr lang="de-DE" sz="1100" dirty="0">
-                <a:latin typeface="Segoe UI" panose="020B0502040204020203" pitchFamily="34" charset="0"/>
-                <a:cs typeface="Segoe UI" panose="020B0502040204020203" pitchFamily="34" charset="0"/>
-              </a:rPr>
-              <a:t>klicken.</a:t>
-            </a:r>
-          </a:p>
-          <a:p>
-            <a:pPr marL="0" indent="0" rtl="0">
-              <a:spcAft>
-                <a:spcPts val="2000"/>
-              </a:spcAft>
-              <a:buNone/>
-            </a:pPr>
-            <a:endParaRPr lang="de-DE" sz="1100" dirty="0">
-              <a:solidFill>
-                <a:prstClr val="black">
-                  <a:lumMod val="75000"/>
-                  <a:lumOff val="25000"/>
-                </a:prstClr>
-              </a:solidFill>
-            </a:endParaRPr>
-          </a:p>
-        </p:txBody>
-      </p:sp>
-    </p:spTree>
-    <p:extLst>
-      <p:ext uri="{BB962C8B-B14F-4D97-AF65-F5344CB8AC3E}">
-        <p14:creationId xmlns:p14="http://schemas.microsoft.com/office/powerpoint/2010/main" val="1769326051"/>
-      </p:ext>
-    </p:extLst>
-  </p:cSld>
-  <p:clrMapOvr>
-    <a:masterClrMapping/>
-  </p:clrMapOvr>
-  <mc:AlternateContent xmlns:mc="http://schemas.openxmlformats.org/markup-compatibility/2006" xmlns:p14="http://schemas.microsoft.com/office/powerpoint/2010/main">
-    <mc:Choice Requires="p14">
-      <p:transition p14:dur="10"/>
-    </mc:Choice>
-    <mc:Fallback xmlns="">
-      <p:transition/>
-    </mc:Fallback>
-  </mc:AlternateContent>
-</p:sld>
-</file>
-
-<file path=ppt/slides/slide9.xml><?xml version="1.0" encoding="utf-8"?>
+<file path=ppt/slides/slide5.xml><?xml version="1.0" encoding="utf-8"?>
 <p:sld xmlns:a="http://schemas.openxmlformats.org/drawingml/2006/main" xmlns:r="http://schemas.openxmlformats.org/officeDocument/2006/relationships" xmlns:p="http://schemas.openxmlformats.org/presentationml/2006/main">
   <p:cSld>
     <p:spTree>

--- a/4_Presentation/Präsentation.pptx
+++ b/4_Presentation/Präsentation.pptx
@@ -14,7 +14,7 @@
     <p:sldId id="256" r:id="rId2"/>
     <p:sldId id="283" r:id="rId3"/>
     <p:sldId id="279" r:id="rId4"/>
-    <p:sldId id="280" r:id="rId5"/>
+    <p:sldId id="284" r:id="rId5"/>
     <p:sldId id="282" r:id="rId6"/>
   </p:sldIdLst>
   <p:sldSz cx="12192000" cy="6858000"/>
@@ -126,7 +126,7 @@
           <p14:sldIdLst>
             <p14:sldId id="283"/>
             <p14:sldId id="279"/>
-            <p14:sldId id="280"/>
+            <p14:sldId id="284"/>
           </p14:sldIdLst>
         </p14:section>
         <p14:section name="Weitere Informationen" id="{2CC34DB2-6590-42C0-AD4B-A04C6060184E}">
@@ -1024,7 +1024,7 @@
     </p:spTree>
     <p:extLst>
       <p:ext uri="{BB962C8B-B14F-4D97-AF65-F5344CB8AC3E}">
-        <p14:creationId xmlns:p14="http://schemas.microsoft.com/office/powerpoint/2010/main" val="1913463247"/>
+        <p14:creationId xmlns:p14="http://schemas.microsoft.com/office/powerpoint/2010/main" val="1574235022"/>
       </p:ext>
     </p:extLst>
   </p:cSld>
@@ -3530,7 +3530,7 @@
         </p:nvGrpSpPr>
         <p:grpSpPr bwMode="blackWhite">
           <a:xfrm>
-            <a:off x="522808" y="2732635"/>
+            <a:off x="522808" y="2618520"/>
             <a:ext cx="558179" cy="409838"/>
             <a:chOff x="6953426" y="711274"/>
             <a:chExt cx="558179" cy="409838"/>
@@ -3631,7 +3631,7 @@
         </p:nvSpPr>
         <p:spPr>
           <a:xfrm>
-            <a:off x="1047770" y="2745393"/>
+            <a:off x="1047770" y="2631278"/>
             <a:ext cx="5303098" cy="1672700"/>
           </a:xfrm>
           <a:prstGeom prst="rect">
@@ -3640,7 +3640,7 @@
         </p:spPr>
         <p:txBody>
           <a:bodyPr vert="horz" lIns="91440" tIns="45720" rIns="91440" bIns="45720" rtlCol="0">
-            <a:normAutofit/>
+            <a:normAutofit lnSpcReduction="10000"/>
           </a:bodyPr>
           <a:lstStyle>
             <a:lvl1pPr marL="228600" indent="-228600" algn="l" defTabSz="914400" rtl="0" eaLnBrk="1" latinLnBrk="0" hangingPunct="1">
@@ -3855,7 +3855,6 @@
                     <a:lumOff val="25000"/>
                   </a:prstClr>
                 </a:solidFill>
-                <a:latin typeface="Segoe UI" panose="020B0502040204020203" pitchFamily="34" charset="0"/>
                 <a:cs typeface="Segoe UI" panose="020B0502040204020203" pitchFamily="34" charset="0"/>
               </a:rPr>
               <a:t>Optimierung eines linearen Modells</a:t>
@@ -3942,7 +3941,127 @@
                 </a:solidFill>
                 <a:cs typeface="Segoe UI"/>
               </a:rPr>
-              <a:t>MAPE für den Zeitraum 09.06.2019 - 30.07.2019</a:t>
+              <a:t>(M)</a:t>
+            </a:r>
+            <a:r>
+              <a:rPr lang="de-DE" sz="1100" dirty="0" err="1">
+                <a:solidFill>
+                  <a:prstClr val="black">
+                    <a:lumMod val="75000"/>
+                    <a:lumOff val="25000"/>
+                  </a:prstClr>
+                </a:solidFill>
+                <a:cs typeface="Segoe UI"/>
+              </a:rPr>
+              <a:t>ean</a:t>
+            </a:r>
+            <a:r>
+              <a:rPr lang="de-DE" sz="1100" dirty="0">
+                <a:solidFill>
+                  <a:prstClr val="black">
+                    <a:lumMod val="75000"/>
+                    <a:lumOff val="25000"/>
+                  </a:prstClr>
+                </a:solidFill>
+                <a:cs typeface="Segoe UI"/>
+              </a:rPr>
+              <a:t> (A)</a:t>
+            </a:r>
+            <a:r>
+              <a:rPr lang="de-DE" sz="1100" dirty="0" err="1">
+                <a:solidFill>
+                  <a:prstClr val="black">
+                    <a:lumMod val="75000"/>
+                    <a:lumOff val="25000"/>
+                  </a:prstClr>
+                </a:solidFill>
+                <a:cs typeface="Segoe UI"/>
+              </a:rPr>
+              <a:t>bsolute</a:t>
+            </a:r>
+            <a:r>
+              <a:rPr lang="de-DE" sz="1100" dirty="0">
+                <a:solidFill>
+                  <a:prstClr val="black">
+                    <a:lumMod val="75000"/>
+                    <a:lumOff val="25000"/>
+                  </a:prstClr>
+                </a:solidFill>
+                <a:cs typeface="Segoe UI"/>
+              </a:rPr>
+              <a:t> (P)</a:t>
+            </a:r>
+            <a:r>
+              <a:rPr lang="de-DE" sz="1100" dirty="0" err="1">
+                <a:solidFill>
+                  <a:prstClr val="black">
+                    <a:lumMod val="75000"/>
+                    <a:lumOff val="25000"/>
+                  </a:prstClr>
+                </a:solidFill>
+                <a:cs typeface="Segoe UI"/>
+              </a:rPr>
+              <a:t>ercentage</a:t>
+            </a:r>
+            <a:r>
+              <a:rPr lang="de-DE" sz="1100" dirty="0">
+                <a:solidFill>
+                  <a:prstClr val="black">
+                    <a:lumMod val="75000"/>
+                    <a:lumOff val="25000"/>
+                  </a:prstClr>
+                </a:solidFill>
+                <a:cs typeface="Segoe UI"/>
+              </a:rPr>
+              <a:t> (E)</a:t>
+            </a:r>
+            <a:r>
+              <a:rPr lang="de-DE" sz="1100" dirty="0" err="1">
+                <a:solidFill>
+                  <a:prstClr val="black">
+                    <a:lumMod val="75000"/>
+                    <a:lumOff val="25000"/>
+                  </a:prstClr>
+                </a:solidFill>
+                <a:cs typeface="Segoe UI"/>
+              </a:rPr>
+              <a:t>rror</a:t>
+            </a:r>
+            <a:r>
+              <a:rPr lang="de-DE" sz="1100" dirty="0">
+                <a:solidFill>
+                  <a:prstClr val="black">
+                    <a:lumMod val="75000"/>
+                    <a:lumOff val="25000"/>
+                  </a:prstClr>
+                </a:solidFill>
+                <a:cs typeface="Segoe UI"/>
+              </a:rPr>
+              <a:t> für den Zeitraum</a:t>
+            </a:r>
+          </a:p>
+          <a:p>
+            <a:pPr marL="457200" lvl="1" indent="0">
+              <a:lnSpc>
+                <a:spcPct val="100000"/>
+              </a:lnSpc>
+              <a:spcAft>
+                <a:spcPts val="600"/>
+              </a:spcAft>
+              <a:buNone/>
+              <a:defRPr/>
+            </a:pPr>
+            <a:r>
+              <a:rPr lang="de-DE" sz="1100" dirty="0">
+                <a:solidFill>
+                  <a:prstClr val="black">
+                    <a:lumMod val="75000"/>
+                    <a:lumOff val="25000"/>
+                  </a:prstClr>
+                </a:solidFill>
+                <a:cs typeface="Segoe UI"/>
+              </a:rPr>
+              <a:t>09.06.2019 - 30.07.2019</a:t>
             </a:r>
           </a:p>
         </p:txBody>
@@ -3955,7 +4074,7 @@
         </p:nvGrpSpPr>
         <p:grpSpPr bwMode="blackWhite">
           <a:xfrm>
-            <a:off x="522808" y="4121197"/>
+            <a:off x="553498" y="4389126"/>
             <a:ext cx="558179" cy="409838"/>
             <a:chOff x="6953426" y="711274"/>
             <a:chExt cx="558179" cy="409838"/>
@@ -4056,7 +4175,7 @@
         </p:nvSpPr>
         <p:spPr>
           <a:xfrm>
-            <a:off x="1045242" y="4226433"/>
+            <a:off x="1075932" y="4494362"/>
             <a:ext cx="5303098" cy="2363638"/>
           </a:xfrm>
           <a:prstGeom prst="rect">
@@ -4065,7 +4184,7 @@
         </p:spPr>
         <p:txBody>
           <a:bodyPr vert="horz" lIns="91440" tIns="45720" rIns="91440" bIns="45720" rtlCol="0">
-            <a:normAutofit/>
+            <a:noAutofit/>
           </a:bodyPr>
           <a:lstStyle>
             <a:lvl1pPr marL="228600" indent="-228600" algn="l" defTabSz="914400" rtl="0" eaLnBrk="1" latinLnBrk="0" hangingPunct="1">
@@ -4354,7 +4473,127 @@
                 </a:solidFill>
                 <a:cs typeface="Segoe UI"/>
               </a:rPr>
-              <a:t>MAPE für den Zeitraum 09.06.2019 - 30.07.2019</a:t>
+              <a:t>(M)</a:t>
+            </a:r>
+            <a:r>
+              <a:rPr lang="de-DE" sz="1100" dirty="0" err="1">
+                <a:solidFill>
+                  <a:prstClr val="black">
+                    <a:lumMod val="75000"/>
+                    <a:lumOff val="25000"/>
+                  </a:prstClr>
+                </a:solidFill>
+                <a:cs typeface="Segoe UI"/>
+              </a:rPr>
+              <a:t>ean</a:t>
+            </a:r>
+            <a:r>
+              <a:rPr lang="de-DE" sz="1100" dirty="0">
+                <a:solidFill>
+                  <a:prstClr val="black">
+                    <a:lumMod val="75000"/>
+                    <a:lumOff val="25000"/>
+                  </a:prstClr>
+                </a:solidFill>
+                <a:cs typeface="Segoe UI"/>
+              </a:rPr>
+              <a:t> (A)</a:t>
+            </a:r>
+            <a:r>
+              <a:rPr lang="de-DE" sz="1100" dirty="0" err="1">
+                <a:solidFill>
+                  <a:prstClr val="black">
+                    <a:lumMod val="75000"/>
+                    <a:lumOff val="25000"/>
+                  </a:prstClr>
+                </a:solidFill>
+                <a:cs typeface="Segoe UI"/>
+              </a:rPr>
+              <a:t>bsolute</a:t>
+            </a:r>
+            <a:r>
+              <a:rPr lang="de-DE" sz="1100" dirty="0">
+                <a:solidFill>
+                  <a:prstClr val="black">
+                    <a:lumMod val="75000"/>
+                    <a:lumOff val="25000"/>
+                  </a:prstClr>
+                </a:solidFill>
+                <a:cs typeface="Segoe UI"/>
+              </a:rPr>
+              <a:t> (P)</a:t>
+            </a:r>
+            <a:r>
+              <a:rPr lang="de-DE" sz="1100" dirty="0" err="1">
+                <a:solidFill>
+                  <a:prstClr val="black">
+                    <a:lumMod val="75000"/>
+                    <a:lumOff val="25000"/>
+                  </a:prstClr>
+                </a:solidFill>
+                <a:cs typeface="Segoe UI"/>
+              </a:rPr>
+              <a:t>ercentage</a:t>
+            </a:r>
+            <a:r>
+              <a:rPr lang="de-DE" sz="1100" dirty="0">
+                <a:solidFill>
+                  <a:prstClr val="black">
+                    <a:lumMod val="75000"/>
+                    <a:lumOff val="25000"/>
+                  </a:prstClr>
+                </a:solidFill>
+                <a:cs typeface="Segoe UI"/>
+              </a:rPr>
+              <a:t> (E)</a:t>
+            </a:r>
+            <a:r>
+              <a:rPr lang="de-DE" sz="1100" dirty="0" err="1">
+                <a:solidFill>
+                  <a:prstClr val="black">
+                    <a:lumMod val="75000"/>
+                    <a:lumOff val="25000"/>
+                  </a:prstClr>
+                </a:solidFill>
+                <a:cs typeface="Segoe UI"/>
+              </a:rPr>
+              <a:t>rror</a:t>
+            </a:r>
+            <a:r>
+              <a:rPr lang="de-DE" sz="1100" dirty="0">
+                <a:solidFill>
+                  <a:prstClr val="black">
+                    <a:lumMod val="75000"/>
+                    <a:lumOff val="25000"/>
+                  </a:prstClr>
+                </a:solidFill>
+                <a:cs typeface="Segoe UI"/>
+              </a:rPr>
+              <a:t> für den Zeitraum</a:t>
+            </a:r>
+          </a:p>
+          <a:p>
+            <a:pPr marL="457200" lvl="1" indent="0">
+              <a:lnSpc>
+                <a:spcPct val="100000"/>
+              </a:lnSpc>
+              <a:spcAft>
+                <a:spcPts val="2000"/>
+              </a:spcAft>
+              <a:buNone/>
+              <a:defRPr/>
+            </a:pPr>
+            <a:r>
+              <a:rPr lang="de-DE" sz="1100" dirty="0">
+                <a:solidFill>
+                  <a:prstClr val="black">
+                    <a:lumMod val="75000"/>
+                    <a:lumOff val="25000"/>
+                  </a:prstClr>
+                </a:solidFill>
+                <a:cs typeface="Segoe UI"/>
+              </a:rPr>
+              <a:t>09.06.2019 - 30.07.2019</a:t>
             </a:r>
             <a:endParaRPr lang="de-DE" sz="1100" dirty="0">
               <a:solidFill>
@@ -4467,13 +4706,27 @@
           <a:bodyPr rtlCol="0"/>
           <a:lstStyle/>
           <a:p>
-            <a:pPr rtl="0"/>
+            <a:pPr marL="0" lvl="0" indent="0" rtl="0">
+              <a:lnSpc>
+                <a:spcPct val="100000"/>
+              </a:lnSpc>
+              <a:spcAft>
+                <a:spcPts val="600"/>
+              </a:spcAft>
+              <a:buNone/>
+              <a:defRPr/>
+            </a:pPr>
             <a:r>
-              <a:rPr lang="de-DE" dirty="0">
-                <a:latin typeface="Segoe UI Light" panose="020B0502040204020203" pitchFamily="34" charset="0"/>
-                <a:cs typeface="Segoe UI Light" panose="020B0502040204020203" pitchFamily="34" charset="0"/>
+              <a:rPr lang="de-DE" sz="2800" dirty="0">
+                <a:solidFill>
+                  <a:prstClr val="black">
+                    <a:lumMod val="75000"/>
+                    <a:lumOff val="25000"/>
+                  </a:prstClr>
+                </a:solidFill>
+                <a:cs typeface="Segoe UI"/>
               </a:rPr>
-              <a:t>Verwendete Variablen</a:t>
+              <a:t>Einführung und Erklärung der Variablen</a:t>
             </a:r>
           </a:p>
         </p:txBody>
@@ -4810,7 +5063,7 @@
                 </a:solidFill>
                 <a:cs typeface="Segoe UI"/>
               </a:rPr>
-              <a:t>Umsatzdaten nach Warengruppen</a:t>
+              <a:t>Umsatzdaten nach Warengruppen gruppiert</a:t>
             </a:r>
           </a:p>
         </p:txBody>
@@ -5160,7 +5413,7 @@
                 </a:solidFill>
                 <a:cs typeface="Segoe UI" panose="020B0502040204020203" pitchFamily="34" charset="0"/>
               </a:rPr>
-              <a:t>Woche</a:t>
+              <a:t>Woche: Betroffenes Datum mit Wahrheitswert 1 versehen</a:t>
             </a:r>
           </a:p>
         </p:txBody>
@@ -6981,7 +7234,377 @@
                 </a:solidFill>
                 <a:cs typeface="Segoe UI" panose="020B0502040204020203" pitchFamily="34" charset="0"/>
               </a:rPr>
-              <a:t>Schulferien</a:t>
+              <a:t>Schulferien: Betroffenes Datum mit Wahrheitswert 1 versehen</a:t>
+            </a:r>
+            <a:endParaRPr lang="de-DE" sz="1100" dirty="0">
+              <a:solidFill>
+                <a:prstClr val="black">
+                  <a:lumMod val="75000"/>
+                  <a:lumOff val="25000"/>
+                </a:prstClr>
+              </a:solidFill>
+              <a:cs typeface="Segoe UI"/>
+            </a:endParaRPr>
+          </a:p>
+        </p:txBody>
+      </p:sp>
+      <p:grpSp>
+        <p:nvGrpSpPr>
+          <p:cNvPr id="27" name="Gruppieren 26" descr="Kleiner Kreis mit enthaltener Zahl 3 zur Angabe von Schritt 3">
+            <a:extLst>
+              <a:ext uri="{FF2B5EF4-FFF2-40B4-BE49-F238E27FC236}">
+                <a16:creationId xmlns:a16="http://schemas.microsoft.com/office/drawing/2014/main" id="{5E898050-F948-990C-4666-327D925937D0}"/>
+              </a:ext>
+            </a:extLst>
+          </p:cNvPr>
+          <p:cNvGrpSpPr/>
+          <p:nvPr/>
+        </p:nvGrpSpPr>
+        <p:grpSpPr bwMode="blackWhite">
+          <a:xfrm>
+            <a:off x="531552" y="5872947"/>
+            <a:ext cx="558179" cy="409838"/>
+            <a:chOff x="6953426" y="711274"/>
+            <a:chExt cx="558179" cy="409838"/>
+          </a:xfrm>
+        </p:grpSpPr>
+        <p:sp>
+          <p:nvSpPr>
+            <p:cNvPr id="28" name="Ellipse 27" descr="Kleiner Kreis">
+              <a:extLst>
+                <a:ext uri="{FF2B5EF4-FFF2-40B4-BE49-F238E27FC236}">
+                  <a16:creationId xmlns:a16="http://schemas.microsoft.com/office/drawing/2014/main" id="{7D09B161-0F23-C75C-9193-2DB16A298A3A}"/>
+                </a:ext>
+              </a:extLst>
+            </p:cNvPr>
+            <p:cNvSpPr/>
+            <p:nvPr/>
+          </p:nvSpPr>
+          <p:spPr bwMode="blackWhite">
+            <a:xfrm>
+              <a:off x="7025069" y="711274"/>
+              <a:ext cx="409838" cy="409838"/>
+            </a:xfrm>
+            <a:prstGeom prst="ellipse">
+              <a:avLst/>
+            </a:prstGeom>
+            <a:solidFill>
+              <a:srgbClr val="D24726"/>
+            </a:solidFill>
+            <a:ln>
+              <a:noFill/>
+            </a:ln>
+          </p:spPr>
+          <p:style>
+            <a:lnRef idx="2">
+              <a:schemeClr val="accent1">
+                <a:shade val="50000"/>
+              </a:schemeClr>
+            </a:lnRef>
+            <a:fillRef idx="1">
+              <a:schemeClr val="accent1"/>
+            </a:fillRef>
+            <a:effectRef idx="0">
+              <a:schemeClr val="accent1"/>
+            </a:effectRef>
+            <a:fontRef idx="minor">
+              <a:schemeClr val="lt1"/>
+            </a:fontRef>
+          </p:style>
+          <p:txBody>
+            <a:bodyPr rtlCol="0" anchor="ctr"/>
+            <a:lstStyle/>
+            <a:p>
+              <a:pPr algn="ctr" rtl="0"/>
+              <a:endParaRPr lang="de-DE"/>
+            </a:p>
+          </p:txBody>
+        </p:sp>
+        <p:sp>
+          <p:nvSpPr>
+            <p:cNvPr id="31" name="Textfeld 30" descr="Zahl 3">
+              <a:extLst>
+                <a:ext uri="{FF2B5EF4-FFF2-40B4-BE49-F238E27FC236}">
+                  <a16:creationId xmlns:a16="http://schemas.microsoft.com/office/drawing/2014/main" id="{81306A9F-936C-B05D-B293-78F6875CB065}"/>
+                </a:ext>
+              </a:extLst>
+            </p:cNvPr>
+            <p:cNvSpPr txBox="1">
+              <a:spLocks noChangeAspect="1"/>
+            </p:cNvSpPr>
+            <p:nvPr/>
+          </p:nvSpPr>
+          <p:spPr bwMode="blackWhite">
+            <a:xfrm>
+              <a:off x="6953426" y="727564"/>
+              <a:ext cx="558179" cy="369332"/>
+            </a:xfrm>
+            <a:prstGeom prst="rect">
+              <a:avLst/>
+            </a:prstGeom>
+            <a:noFill/>
+          </p:spPr>
+          <p:txBody>
+            <a:bodyPr wrap="square" rtlCol="0">
+              <a:spAutoFit/>
+            </a:bodyPr>
+            <a:lstStyle/>
+            <a:p>
+              <a:pPr algn="ctr" rtl="0"/>
+              <a:r>
+                <a:rPr lang="de-DE" dirty="0">
+                  <a:solidFill>
+                    <a:schemeClr val="bg1"/>
+                  </a:solidFill>
+                  <a:latin typeface="Segoe UI Semibold" panose="020B0702040204020203" pitchFamily="34" charset="0"/>
+                  <a:cs typeface="Segoe UI Semibold" panose="020B0702040204020203" pitchFamily="34" charset="0"/>
+                </a:rPr>
+                <a:t>8</a:t>
+              </a:r>
+            </a:p>
+          </p:txBody>
+        </p:sp>
+      </p:grpSp>
+      <p:sp>
+        <p:nvSpPr>
+          <p:cNvPr id="41" name="Inhaltsplatzhalter 17">
+            <a:extLst>
+              <a:ext uri="{FF2B5EF4-FFF2-40B4-BE49-F238E27FC236}">
+                <a16:creationId xmlns:a16="http://schemas.microsoft.com/office/drawing/2014/main" id="{2BFBB399-2AE2-DCEA-0503-A5FEE510F7CB}"/>
+              </a:ext>
+            </a:extLst>
+          </p:cNvPr>
+          <p:cNvSpPr txBox="1">
+            <a:spLocks/>
+          </p:cNvSpPr>
+          <p:nvPr/>
+        </p:nvSpPr>
+        <p:spPr>
+          <a:xfrm>
+            <a:off x="1056514" y="5885705"/>
+            <a:ext cx="5303098" cy="761144"/>
+          </a:xfrm>
+          <a:prstGeom prst="rect">
+            <a:avLst/>
+          </a:prstGeom>
+        </p:spPr>
+        <p:txBody>
+          <a:bodyPr vert="horz" lIns="91440" tIns="45720" rIns="91440" bIns="45720" rtlCol="0">
+            <a:normAutofit/>
+          </a:bodyPr>
+          <a:lstStyle>
+            <a:lvl1pPr marL="228600" indent="-228600" algn="l" defTabSz="914400" rtl="0" eaLnBrk="1" latinLnBrk="0" hangingPunct="1">
+              <a:lnSpc>
+                <a:spcPts val="1800"/>
+              </a:lnSpc>
+              <a:spcBef>
+                <a:spcPts val="1000"/>
+              </a:spcBef>
+              <a:spcAft>
+                <a:spcPts val="1000"/>
+              </a:spcAft>
+              <a:buFont typeface="Arial" panose="020B0604020202020204" pitchFamily="34" charset="0"/>
+              <a:buChar char="•"/>
+              <a:defRPr lang="en-US" sz="1200" kern="1200" smtClean="0">
+                <a:solidFill>
+                  <a:schemeClr val="tx1">
+                    <a:lumMod val="75000"/>
+                    <a:lumOff val="25000"/>
+                  </a:schemeClr>
+                </a:solidFill>
+                <a:latin typeface="+mn-lt"/>
+                <a:ea typeface="+mn-ea"/>
+                <a:cs typeface="+mn-cs"/>
+              </a:defRPr>
+            </a:lvl1pPr>
+            <a:lvl2pPr marL="685800" indent="-228600" algn="l" defTabSz="914400" rtl="0" eaLnBrk="1" latinLnBrk="0" hangingPunct="1">
+              <a:lnSpc>
+                <a:spcPts val="1800"/>
+              </a:lnSpc>
+              <a:spcBef>
+                <a:spcPts val="1000"/>
+              </a:spcBef>
+              <a:spcAft>
+                <a:spcPts val="1000"/>
+              </a:spcAft>
+              <a:buFont typeface="Arial" panose="020B0604020202020204" pitchFamily="34" charset="0"/>
+              <a:buChar char="•"/>
+              <a:defRPr lang="en-US" sz="1200" kern="1200" smtClean="0">
+                <a:solidFill>
+                  <a:schemeClr val="tx1">
+                    <a:lumMod val="75000"/>
+                    <a:lumOff val="25000"/>
+                  </a:schemeClr>
+                </a:solidFill>
+                <a:latin typeface="+mn-lt"/>
+                <a:ea typeface="+mn-ea"/>
+                <a:cs typeface="+mn-cs"/>
+              </a:defRPr>
+            </a:lvl2pPr>
+            <a:lvl3pPr marL="1143000" indent="-228600" algn="l" defTabSz="914400" rtl="0" eaLnBrk="1" latinLnBrk="0" hangingPunct="1">
+              <a:lnSpc>
+                <a:spcPts val="1800"/>
+              </a:lnSpc>
+              <a:spcBef>
+                <a:spcPts val="1000"/>
+              </a:spcBef>
+              <a:spcAft>
+                <a:spcPts val="1000"/>
+              </a:spcAft>
+              <a:buFont typeface="Arial" panose="020B0604020202020204" pitchFamily="34" charset="0"/>
+              <a:buChar char="•"/>
+              <a:defRPr lang="en-US" sz="1200" kern="1200" smtClean="0">
+                <a:solidFill>
+                  <a:schemeClr val="tx1">
+                    <a:lumMod val="75000"/>
+                    <a:lumOff val="25000"/>
+                  </a:schemeClr>
+                </a:solidFill>
+                <a:latin typeface="+mn-lt"/>
+                <a:ea typeface="+mn-ea"/>
+                <a:cs typeface="+mn-cs"/>
+              </a:defRPr>
+            </a:lvl3pPr>
+            <a:lvl4pPr marL="1600200" indent="-228600" algn="l" defTabSz="914400" rtl="0" eaLnBrk="1" latinLnBrk="0" hangingPunct="1">
+              <a:lnSpc>
+                <a:spcPts val="1800"/>
+              </a:lnSpc>
+              <a:spcBef>
+                <a:spcPts val="1000"/>
+              </a:spcBef>
+              <a:spcAft>
+                <a:spcPts val="1000"/>
+              </a:spcAft>
+              <a:buFont typeface="Arial" panose="020B0604020202020204" pitchFamily="34" charset="0"/>
+              <a:buChar char="•"/>
+              <a:defRPr lang="en-US" sz="1200" kern="1200" smtClean="0">
+                <a:solidFill>
+                  <a:schemeClr val="tx1">
+                    <a:lumMod val="75000"/>
+                    <a:lumOff val="25000"/>
+                  </a:schemeClr>
+                </a:solidFill>
+                <a:latin typeface="+mn-lt"/>
+                <a:ea typeface="+mn-ea"/>
+                <a:cs typeface="+mn-cs"/>
+              </a:defRPr>
+            </a:lvl4pPr>
+            <a:lvl5pPr marL="2057400" indent="-228600" algn="l" defTabSz="914400" rtl="0" eaLnBrk="1" latinLnBrk="0" hangingPunct="1">
+              <a:lnSpc>
+                <a:spcPts val="1800"/>
+              </a:lnSpc>
+              <a:spcBef>
+                <a:spcPts val="1000"/>
+              </a:spcBef>
+              <a:spcAft>
+                <a:spcPts val="1000"/>
+              </a:spcAft>
+              <a:buFont typeface="Arial" panose="020B0604020202020204" pitchFamily="34" charset="0"/>
+              <a:buChar char="•"/>
+              <a:defRPr lang="en-US" sz="1200" kern="1200">
+                <a:solidFill>
+                  <a:schemeClr val="tx1">
+                    <a:lumMod val="75000"/>
+                    <a:lumOff val="25000"/>
+                  </a:schemeClr>
+                </a:solidFill>
+                <a:latin typeface="+mn-lt"/>
+                <a:ea typeface="+mn-ea"/>
+                <a:cs typeface="+mn-cs"/>
+              </a:defRPr>
+            </a:lvl5pPr>
+            <a:lvl6pPr marL="2514600" indent="-228600" algn="l" defTabSz="914400" rtl="0" eaLnBrk="1" latinLnBrk="0" hangingPunct="1">
+              <a:lnSpc>
+                <a:spcPct val="90000"/>
+              </a:lnSpc>
+              <a:spcBef>
+                <a:spcPct val="30000"/>
+              </a:spcBef>
+              <a:buFont typeface="Arial" panose="020B0604020202020204" pitchFamily="34" charset="0"/>
+              <a:buChar char="•"/>
+              <a:defRPr sz="1800" kern="1200">
+                <a:solidFill>
+                  <a:schemeClr val="tx1"/>
+                </a:solidFill>
+                <a:latin typeface="+mn-lt"/>
+                <a:ea typeface="+mn-ea"/>
+                <a:cs typeface="+mn-cs"/>
+              </a:defRPr>
+            </a:lvl6pPr>
+            <a:lvl7pPr marL="2971800" indent="-228600" algn="l" defTabSz="914400" rtl="0" eaLnBrk="1" latinLnBrk="0" hangingPunct="1">
+              <a:lnSpc>
+                <a:spcPct val="90000"/>
+              </a:lnSpc>
+              <a:spcBef>
+                <a:spcPct val="30000"/>
+              </a:spcBef>
+              <a:buFont typeface="Arial" panose="020B0604020202020204" pitchFamily="34" charset="0"/>
+              <a:buChar char="•"/>
+              <a:defRPr sz="1800" kern="1200">
+                <a:solidFill>
+                  <a:schemeClr val="tx1"/>
+                </a:solidFill>
+                <a:latin typeface="+mn-lt"/>
+                <a:ea typeface="+mn-ea"/>
+                <a:cs typeface="+mn-cs"/>
+              </a:defRPr>
+            </a:lvl7pPr>
+            <a:lvl8pPr marL="3429000" indent="-228600" algn="l" defTabSz="914400" rtl="0" eaLnBrk="1" latinLnBrk="0" hangingPunct="1">
+              <a:lnSpc>
+                <a:spcPct val="90000"/>
+              </a:lnSpc>
+              <a:spcBef>
+                <a:spcPct val="30000"/>
+              </a:spcBef>
+              <a:buFont typeface="Arial" panose="020B0604020202020204" pitchFamily="34" charset="0"/>
+              <a:buChar char="•"/>
+              <a:defRPr sz="1800" kern="1200">
+                <a:solidFill>
+                  <a:schemeClr val="tx1"/>
+                </a:solidFill>
+                <a:latin typeface="+mn-lt"/>
+                <a:ea typeface="+mn-ea"/>
+                <a:cs typeface="+mn-cs"/>
+              </a:defRPr>
+            </a:lvl8pPr>
+            <a:lvl9pPr marL="3886200" indent="-228600" algn="l" defTabSz="914400" rtl="0" eaLnBrk="1" latinLnBrk="0" hangingPunct="1">
+              <a:lnSpc>
+                <a:spcPct val="90000"/>
+              </a:lnSpc>
+              <a:spcBef>
+                <a:spcPct val="30000"/>
+              </a:spcBef>
+              <a:buFont typeface="Arial" panose="020B0604020202020204" pitchFamily="34" charset="0"/>
+              <a:buChar char="•"/>
+              <a:defRPr sz="1800" kern="1200">
+                <a:solidFill>
+                  <a:schemeClr val="tx1"/>
+                </a:solidFill>
+                <a:latin typeface="+mn-lt"/>
+                <a:ea typeface="+mn-ea"/>
+                <a:cs typeface="+mn-cs"/>
+              </a:defRPr>
+            </a:lvl9pPr>
+          </a:lstStyle>
+          <a:p>
+            <a:pPr marL="0" lvl="0" indent="0" rtl="0">
+              <a:spcAft>
+                <a:spcPts val="600"/>
+              </a:spcAft>
+              <a:buNone/>
+              <a:defRPr/>
+            </a:pPr>
+            <a:r>
+              <a:rPr lang="de-DE" sz="1100" dirty="0">
+                <a:solidFill>
+                  <a:prstClr val="black">
+                    <a:lumMod val="75000"/>
+                    <a:lumOff val="25000"/>
+                  </a:prstClr>
+                </a:solidFill>
+                <a:cs typeface="Segoe UI" panose="020B0502040204020203" pitchFamily="34" charset="0"/>
+              </a:rPr>
+              <a:t>Wochenende: Betroffenes Datum mit Wahrheitswert 1 versehen</a:t>
             </a:r>
             <a:endParaRPr lang="de-DE" sz="1100" dirty="0">
               <a:solidFill>
@@ -7035,7 +7658,7 @@
       </p:grpSpPr>
       <p:sp>
         <p:nvSpPr>
-          <p:cNvPr id="3" name="Titel 2"/>
+          <p:cNvPr id="4" name="Titel 3"/>
           <p:cNvSpPr>
             <a:spLocks noGrp="1"/>
           </p:cNvSpPr>
@@ -7043,264 +7666,52 @@
             <p:ph type="title"/>
           </p:nvPr>
         </p:nvSpPr>
-        <p:spPr/>
+        <p:spPr>
+          <a:xfrm>
+            <a:off x="521207" y="448056"/>
+            <a:ext cx="8950597" cy="640080"/>
+          </a:xfrm>
+        </p:spPr>
         <p:txBody>
-          <a:bodyPr rtlCol="0"/>
+          <a:bodyPr rtlCol="0">
+            <a:normAutofit/>
+          </a:bodyPr>
           <a:lstStyle/>
           <a:p>
-            <a:pPr rtl="0"/>
-            <a:r>
-              <a:rPr lang="de-DE"/>
-              <a:t>Einrichten von </a:t>
-            </a:r>
-            <a:r>
-              <a:rPr lang="de-DE">
-                <a:latin typeface="Segoe UI Light" panose="020B0502040204020203" pitchFamily="34" charset="0"/>
-                <a:cs typeface="Segoe UI Light" panose="020B0502040204020203" pitchFamily="34" charset="0"/>
-              </a:rPr>
-              <a:t>Morphen</a:t>
-            </a:r>
-          </a:p>
-        </p:txBody>
-      </p:sp>
-      <p:sp>
-        <p:nvSpPr>
-          <p:cNvPr id="30" name="Inhaltsplatzhalter 17"/>
-          <p:cNvSpPr txBox="1">
-            <a:spLocks/>
-          </p:cNvSpPr>
-          <p:nvPr/>
-        </p:nvSpPr>
-        <p:spPr>
-          <a:xfrm>
-            <a:off x="541609" y="1455491"/>
-            <a:ext cx="5110161" cy="471149"/>
-          </a:xfrm>
-          <a:prstGeom prst="rect">
-            <a:avLst/>
-          </a:prstGeom>
-        </p:spPr>
-        <p:txBody>
-          <a:bodyPr vert="horz" lIns="91440" tIns="45720" rIns="91440" bIns="45720" rtlCol="0">
-            <a:normAutofit/>
-          </a:bodyPr>
-          <a:lstStyle>
-            <a:lvl1pPr marL="228600" indent="-228600" algn="l" defTabSz="914400" rtl="0" eaLnBrk="1" latinLnBrk="0" hangingPunct="1">
-              <a:lnSpc>
-                <a:spcPts val="1800"/>
-              </a:lnSpc>
-              <a:spcBef>
-                <a:spcPts val="1000"/>
-              </a:spcBef>
-              <a:spcAft>
-                <a:spcPts val="1000"/>
-              </a:spcAft>
-              <a:buFont typeface="Arial" panose="020B0604020202020204" pitchFamily="34" charset="0"/>
-              <a:buChar char="•"/>
-              <a:defRPr lang="en-US" sz="1200" kern="1200" smtClean="0">
-                <a:solidFill>
-                  <a:schemeClr val="tx1">
-                    <a:lumMod val="75000"/>
-                    <a:lumOff val="25000"/>
-                  </a:schemeClr>
-                </a:solidFill>
-                <a:latin typeface="+mn-lt"/>
-                <a:ea typeface="+mn-ea"/>
-                <a:cs typeface="+mn-cs"/>
-              </a:defRPr>
-            </a:lvl1pPr>
-            <a:lvl2pPr marL="685800" indent="-228600" algn="l" defTabSz="914400" rtl="0" eaLnBrk="1" latinLnBrk="0" hangingPunct="1">
-              <a:lnSpc>
-                <a:spcPts val="1800"/>
-              </a:lnSpc>
-              <a:spcBef>
-                <a:spcPts val="1000"/>
-              </a:spcBef>
-              <a:spcAft>
-                <a:spcPts val="1000"/>
-              </a:spcAft>
-              <a:buFont typeface="Arial" panose="020B0604020202020204" pitchFamily="34" charset="0"/>
-              <a:buChar char="•"/>
-              <a:defRPr lang="en-US" sz="1200" kern="1200" smtClean="0">
-                <a:solidFill>
-                  <a:schemeClr val="tx1">
-                    <a:lumMod val="75000"/>
-                    <a:lumOff val="25000"/>
-                  </a:schemeClr>
-                </a:solidFill>
-                <a:latin typeface="+mn-lt"/>
-                <a:ea typeface="+mn-ea"/>
-                <a:cs typeface="+mn-cs"/>
-              </a:defRPr>
-            </a:lvl2pPr>
-            <a:lvl3pPr marL="1143000" indent="-228600" algn="l" defTabSz="914400" rtl="0" eaLnBrk="1" latinLnBrk="0" hangingPunct="1">
-              <a:lnSpc>
-                <a:spcPts val="1800"/>
-              </a:lnSpc>
-              <a:spcBef>
-                <a:spcPts val="1000"/>
-              </a:spcBef>
-              <a:spcAft>
-                <a:spcPts val="1000"/>
-              </a:spcAft>
-              <a:buFont typeface="Arial" panose="020B0604020202020204" pitchFamily="34" charset="0"/>
-              <a:buChar char="•"/>
-              <a:defRPr lang="en-US" sz="1200" kern="1200" smtClean="0">
-                <a:solidFill>
-                  <a:schemeClr val="tx1">
-                    <a:lumMod val="75000"/>
-                    <a:lumOff val="25000"/>
-                  </a:schemeClr>
-                </a:solidFill>
-                <a:latin typeface="+mn-lt"/>
-                <a:ea typeface="+mn-ea"/>
-                <a:cs typeface="+mn-cs"/>
-              </a:defRPr>
-            </a:lvl3pPr>
-            <a:lvl4pPr marL="1600200" indent="-228600" algn="l" defTabSz="914400" rtl="0" eaLnBrk="1" latinLnBrk="0" hangingPunct="1">
-              <a:lnSpc>
-                <a:spcPts val="1800"/>
-              </a:lnSpc>
-              <a:spcBef>
-                <a:spcPts val="1000"/>
-              </a:spcBef>
-              <a:spcAft>
-                <a:spcPts val="1000"/>
-              </a:spcAft>
-              <a:buFont typeface="Arial" panose="020B0604020202020204" pitchFamily="34" charset="0"/>
-              <a:buChar char="•"/>
-              <a:defRPr lang="en-US" sz="1200" kern="1200" smtClean="0">
-                <a:solidFill>
-                  <a:schemeClr val="tx1">
-                    <a:lumMod val="75000"/>
-                    <a:lumOff val="25000"/>
-                  </a:schemeClr>
-                </a:solidFill>
-                <a:latin typeface="+mn-lt"/>
-                <a:ea typeface="+mn-ea"/>
-                <a:cs typeface="+mn-cs"/>
-              </a:defRPr>
-            </a:lvl4pPr>
-            <a:lvl5pPr marL="2057400" indent="-228600" algn="l" defTabSz="914400" rtl="0" eaLnBrk="1" latinLnBrk="0" hangingPunct="1">
-              <a:lnSpc>
-                <a:spcPts val="1800"/>
-              </a:lnSpc>
-              <a:spcBef>
-                <a:spcPts val="1000"/>
-              </a:spcBef>
-              <a:spcAft>
-                <a:spcPts val="1000"/>
-              </a:spcAft>
-              <a:buFont typeface="Arial" panose="020B0604020202020204" pitchFamily="34" charset="0"/>
-              <a:buChar char="•"/>
-              <a:defRPr lang="en-US" sz="1200" kern="1200">
-                <a:solidFill>
-                  <a:schemeClr val="tx1">
-                    <a:lumMod val="75000"/>
-                    <a:lumOff val="25000"/>
-                  </a:schemeClr>
-                </a:solidFill>
-                <a:latin typeface="+mn-lt"/>
-                <a:ea typeface="+mn-ea"/>
-                <a:cs typeface="+mn-cs"/>
-              </a:defRPr>
-            </a:lvl5pPr>
-            <a:lvl6pPr marL="2514600" indent="-228600" algn="l" defTabSz="914400" rtl="0" eaLnBrk="1" latinLnBrk="0" hangingPunct="1">
-              <a:lnSpc>
-                <a:spcPct val="90000"/>
-              </a:lnSpc>
-              <a:spcBef>
-                <a:spcPct val="30000"/>
-              </a:spcBef>
-              <a:buFont typeface="Arial" panose="020B0604020202020204" pitchFamily="34" charset="0"/>
-              <a:buChar char="•"/>
-              <a:defRPr sz="1800" kern="1200">
-                <a:solidFill>
-                  <a:schemeClr val="tx1"/>
-                </a:solidFill>
-                <a:latin typeface="+mn-lt"/>
-                <a:ea typeface="+mn-ea"/>
-                <a:cs typeface="+mn-cs"/>
-              </a:defRPr>
-            </a:lvl6pPr>
-            <a:lvl7pPr marL="2971800" indent="-228600" algn="l" defTabSz="914400" rtl="0" eaLnBrk="1" latinLnBrk="0" hangingPunct="1">
-              <a:lnSpc>
-                <a:spcPct val="90000"/>
-              </a:lnSpc>
-              <a:spcBef>
-                <a:spcPct val="30000"/>
-              </a:spcBef>
-              <a:buFont typeface="Arial" panose="020B0604020202020204" pitchFamily="34" charset="0"/>
-              <a:buChar char="•"/>
-              <a:defRPr sz="1800" kern="1200">
-                <a:solidFill>
-                  <a:schemeClr val="tx1"/>
-                </a:solidFill>
-                <a:latin typeface="+mn-lt"/>
-                <a:ea typeface="+mn-ea"/>
-                <a:cs typeface="+mn-cs"/>
-              </a:defRPr>
-            </a:lvl7pPr>
-            <a:lvl8pPr marL="3429000" indent="-228600" algn="l" defTabSz="914400" rtl="0" eaLnBrk="1" latinLnBrk="0" hangingPunct="1">
-              <a:lnSpc>
-                <a:spcPct val="90000"/>
-              </a:lnSpc>
-              <a:spcBef>
-                <a:spcPct val="30000"/>
-              </a:spcBef>
-              <a:buFont typeface="Arial" panose="020B0604020202020204" pitchFamily="34" charset="0"/>
-              <a:buChar char="•"/>
-              <a:defRPr sz="1800" kern="1200">
-                <a:solidFill>
-                  <a:schemeClr val="tx1"/>
-                </a:solidFill>
-                <a:latin typeface="+mn-lt"/>
-                <a:ea typeface="+mn-ea"/>
-                <a:cs typeface="+mn-cs"/>
-              </a:defRPr>
-            </a:lvl8pPr>
-            <a:lvl9pPr marL="3886200" indent="-228600" algn="l" defTabSz="914400" rtl="0" eaLnBrk="1" latinLnBrk="0" hangingPunct="1">
-              <a:lnSpc>
-                <a:spcPct val="90000"/>
-              </a:lnSpc>
-              <a:spcBef>
-                <a:spcPct val="30000"/>
-              </a:spcBef>
-              <a:buFont typeface="Arial" panose="020B0604020202020204" pitchFamily="34" charset="0"/>
-              <a:buChar char="•"/>
-              <a:defRPr sz="1800" kern="1200">
-                <a:solidFill>
-                  <a:schemeClr val="tx1"/>
-                </a:solidFill>
-                <a:latin typeface="+mn-lt"/>
-                <a:ea typeface="+mn-ea"/>
-                <a:cs typeface="+mn-cs"/>
-              </a:defRPr>
-            </a:lvl9pPr>
-          </a:lstStyle>
-          <a:p>
-            <a:pPr marL="0" indent="0" rtl="0">
+            <a:pPr marL="0" lvl="0" indent="0" rtl="0">
+              <a:lnSpc>
+                <a:spcPct val="100000"/>
+              </a:lnSpc>
               <a:spcAft>
                 <a:spcPts val="2000"/>
               </a:spcAft>
               <a:buNone/>
+              <a:defRPr/>
             </a:pPr>
             <a:r>
-              <a:rPr lang="de-DE" sz="1100" dirty="0"/>
-              <a:t>Probieren Sie es mit diesen zwei einfachen "Planeten" selbst aus:</a:t>
+              <a:rPr lang="de-DE" sz="2800" dirty="0">
+                <a:solidFill>
+                  <a:prstClr val="black">
+                    <a:lumMod val="75000"/>
+                    <a:lumOff val="25000"/>
+                  </a:prstClr>
+                </a:solidFill>
+                <a:cs typeface="Segoe UI" panose="020B0502040204020203" pitchFamily="34" charset="0"/>
+              </a:rPr>
+              <a:t>Zugehörige Balkendiagramme mit Konfidenzintervallen</a:t>
             </a:r>
           </a:p>
         </p:txBody>
       </p:sp>
       <p:grpSp>
         <p:nvGrpSpPr>
-          <p:cNvPr id="13" name="Gruppieren 12" descr="Kleiner Kreis mit enthaltener Zahl 1 zur Angabe von Schritt 1"/>
+          <p:cNvPr id="18" name="Gruppieren 17" descr="Kleiner Kreis mit enthaltener Zahl 1 zur Angabe von Schritt 1"/>
           <p:cNvGrpSpPr/>
           <p:nvPr/>
         </p:nvGrpSpPr>
         <p:grpSpPr bwMode="blackWhite">
           <a:xfrm>
-            <a:off x="558723" y="1917997"/>
+            <a:off x="531552" y="1340027"/>
             <a:ext cx="558179" cy="409838"/>
             <a:chOff x="6953426" y="711274"/>
             <a:chExt cx="558179" cy="409838"/>
@@ -7308,7 +7719,7 @@
         </p:grpSpPr>
         <p:sp>
           <p:nvSpPr>
-            <p:cNvPr id="14" name="Ellipse 13" descr="Kleiner Kreis"/>
+            <p:cNvPr id="19" name="Ellipse 18" descr="Kleiner Kreis"/>
             <p:cNvSpPr/>
             <p:nvPr/>
           </p:nvSpPr>
@@ -7354,7 +7765,7 @@
         </p:sp>
         <p:sp>
           <p:nvSpPr>
-            <p:cNvPr id="15" name="Textfeld 14" descr="Zahl 1"/>
+            <p:cNvPr id="20" name="Textfeld 19" descr="Zahl 1"/>
             <p:cNvSpPr txBox="1">
               <a:spLocks noChangeAspect="1"/>
             </p:cNvSpPr>
@@ -7378,7 +7789,7 @@
             <a:p>
               <a:pPr algn="ctr" rtl="0"/>
               <a:r>
-                <a:rPr lang="de-DE">
+                <a:rPr lang="de-DE" dirty="0">
                   <a:solidFill>
                     <a:schemeClr val="bg1"/>
                   </a:solidFill>
@@ -7393,7 +7804,7 @@
       </p:grpSp>
       <p:sp>
         <p:nvSpPr>
-          <p:cNvPr id="16" name="Inhaltsplatzhalter 17"/>
+          <p:cNvPr id="21" name="Inhaltsplatzhalter 17"/>
           <p:cNvSpPr txBox="1">
             <a:spLocks/>
           </p:cNvSpPr>
@@ -7401,8 +7812,8 @@
         </p:nvSpPr>
         <p:spPr>
           <a:xfrm>
-            <a:off x="1066039" y="1958189"/>
-            <a:ext cx="3336142" cy="913994"/>
+            <a:off x="1056514" y="1380219"/>
+            <a:ext cx="5399027" cy="596551"/>
           </a:xfrm>
           <a:prstGeom prst="rect">
             <a:avLst/>
@@ -7410,7 +7821,7 @@
         </p:spPr>
         <p:txBody>
           <a:bodyPr vert="horz" lIns="91440" tIns="45720" rIns="91440" bIns="45720" rtlCol="0">
-            <a:noAutofit/>
+            <a:normAutofit/>
           </a:bodyPr>
           <a:lstStyle>
             <a:lvl1pPr marL="228600" indent="-228600" algn="l" defTabSz="914400" rtl="0" eaLnBrk="1" latinLnBrk="0" hangingPunct="1">
@@ -7607,11 +8018,12 @@
             </a:lvl9pPr>
           </a:lstStyle>
           <a:p>
-            <a:pPr marL="0" indent="0" rtl="0">
-              <a:spcAft>
-                <a:spcPts val="2000"/>
+            <a:pPr marL="0" lvl="0" indent="0" rtl="0">
+              <a:spcAft>
+                <a:spcPts val="600"/>
               </a:spcAft>
               <a:buNone/>
+              <a:defRPr/>
             </a:pPr>
             <a:r>
               <a:rPr lang="de-DE" sz="1100" dirty="0">
@@ -7621,58 +8033,22 @@
                     <a:lumOff val="25000"/>
                   </a:prstClr>
                 </a:solidFill>
-                <a:latin typeface="Segoe UI" panose="020B0502040204020203" pitchFamily="34" charset="0"/>
-                <a:cs typeface="Segoe UI" panose="020B0502040204020203" pitchFamily="34" charset="0"/>
-              </a:rPr>
-              <a:t>Duplizieren Sie diese Folie: Klicken Sie mit der rechten Maustaste auf das Folienminiaturabbild, und wählen Sie</a:t>
-            </a:r>
-            <a:r>
-              <a:rPr lang="de-DE" sz="1100" dirty="0">
-                <a:solidFill>
-                  <a:prstClr val="black">
-                    <a:lumMod val="75000"/>
-                    <a:lumOff val="25000"/>
-                  </a:prstClr>
-                </a:solidFill>
                 <a:cs typeface="Segoe UI"/>
               </a:rPr>
-              <a:t> </a:t>
-            </a:r>
-            <a:r>
-              <a:rPr lang="de-DE" sz="1100" dirty="0">
-                <a:solidFill>
-                  <a:srgbClr val="D24726"/>
-                </a:solidFill>
-                <a:latin typeface="Segoe UI Semibold" panose="020B0702040204020203" pitchFamily="34" charset="0"/>
-                <a:cs typeface="Segoe UI Semibold" panose="020B0702040204020203" pitchFamily="34" charset="0"/>
-              </a:rPr>
-              <a:t>Folie duplizieren</a:t>
-            </a:r>
-            <a:r>
-              <a:rPr lang="de-DE" sz="1100" dirty="0">
-                <a:solidFill>
-                  <a:prstClr val="black">
-                    <a:lumMod val="75000"/>
-                    <a:lumOff val="25000"/>
-                  </a:prstClr>
-                </a:solidFill>
-                <a:latin typeface="Segoe UI" panose="020B0502040204020203" pitchFamily="34" charset="0"/>
-                <a:cs typeface="Segoe UI" panose="020B0502040204020203" pitchFamily="34" charset="0"/>
-              </a:rPr>
-              <a:t> aus.</a:t>
+              <a:t>Umsatzdaten nach Warengruppen</a:t>
             </a:r>
           </a:p>
         </p:txBody>
       </p:sp>
       <p:grpSp>
         <p:nvGrpSpPr>
-          <p:cNvPr id="18" name="Gruppieren 17" descr="Kleiner Kreis mit enthaltener Zahl 2 zur Angabe von Schritt 2"/>
+          <p:cNvPr id="33" name="Gruppieren 32" descr="Kleiner Kreis mit enthaltener Zahl 2 zur Angabe von Schritt 2"/>
           <p:cNvGrpSpPr/>
           <p:nvPr/>
         </p:nvGrpSpPr>
         <p:grpSpPr bwMode="blackWhite">
           <a:xfrm>
-            <a:off x="558723" y="2896735"/>
+            <a:off x="531552" y="1977230"/>
             <a:ext cx="558179" cy="409838"/>
             <a:chOff x="6953426" y="711274"/>
             <a:chExt cx="558179" cy="409838"/>
@@ -7680,7 +8056,7 @@
         </p:grpSpPr>
         <p:sp>
           <p:nvSpPr>
-            <p:cNvPr id="23" name="Ellipse 22" descr="Kleiner Kreis"/>
+            <p:cNvPr id="34" name="Ellipse 33" descr="Kleiner Kreis"/>
             <p:cNvSpPr/>
             <p:nvPr/>
           </p:nvSpPr>
@@ -7726,7 +8102,7 @@
         </p:sp>
         <p:sp>
           <p:nvSpPr>
-            <p:cNvPr id="24" name="Textfeld 23" descr="Zahl 2"/>
+            <p:cNvPr id="35" name="Textfeld 34" descr="Zahl 2"/>
             <p:cNvSpPr txBox="1">
               <a:spLocks noChangeAspect="1"/>
             </p:cNvSpPr>
@@ -7765,7 +8141,7 @@
       </p:grpSp>
       <p:sp>
         <p:nvSpPr>
-          <p:cNvPr id="25" name="Inhaltsplatzhalter 17"/>
+          <p:cNvPr id="36" name="Inhaltsplatzhalter 17"/>
           <p:cNvSpPr txBox="1">
             <a:spLocks/>
           </p:cNvSpPr>
@@ -7773,8 +8149,8 @@
         </p:nvSpPr>
         <p:spPr>
           <a:xfrm>
-            <a:off x="1066038" y="2936927"/>
-            <a:ext cx="3333155" cy="1456101"/>
+            <a:off x="1084676" y="2008319"/>
+            <a:ext cx="5113409" cy="756871"/>
           </a:xfrm>
           <a:prstGeom prst="rect">
             <a:avLst/>
@@ -7782,7 +8158,7 @@
         </p:spPr>
         <p:txBody>
           <a:bodyPr vert="horz" lIns="91440" tIns="45720" rIns="91440" bIns="45720" rtlCol="0">
-            <a:noAutofit/>
+            <a:normAutofit/>
           </a:bodyPr>
           <a:lstStyle>
             <a:lvl1pPr marL="228600" indent="-228600" algn="l" defTabSz="914400" rtl="0" eaLnBrk="1" latinLnBrk="0" hangingPunct="1">
@@ -7979,11 +8355,12 @@
             </a:lvl9pPr>
           </a:lstStyle>
           <a:p>
-            <a:pPr marL="0" indent="0" rtl="0">
+            <a:pPr marL="0" lvl="0" indent="0" rtl="0">
               <a:spcAft>
                 <a:spcPts val="2000"/>
               </a:spcAft>
               <a:buNone/>
+              <a:defRPr/>
             </a:pPr>
             <a:r>
               <a:rPr lang="de-DE" sz="1100" dirty="0">
@@ -7996,65 +8373,32 @@
                 <a:latin typeface="Segoe UI" panose="020B0502040204020203" pitchFamily="34" charset="0"/>
                 <a:cs typeface="Segoe UI" panose="020B0502040204020203" pitchFamily="34" charset="0"/>
               </a:rPr>
-              <a:t>Ändern Sie auf der zweiten dieser beiden identischen Folien die Formen auf der rechten Seite in irgendeiner Weise (z. B. durch Verschieben, Ändern der Größe oder der Farbe), und wechseln Sie dann zu </a:t>
+              <a:t>Kieler </a:t>
             </a:r>
             <a:r>
               <a:rPr lang="de-DE" sz="1100" dirty="0">
                 <a:solidFill>
-                  <a:srgbClr val="D24726"/>
-                </a:solidFill>
-                <a:latin typeface="Segoe UI Semibold" panose="020B0702040204020203" pitchFamily="34" charset="0"/>
-                <a:cs typeface="Segoe UI Semibold" panose="020B0702040204020203" pitchFamily="34" charset="0"/>
-              </a:rPr>
-              <a:t>Übergänge</a:t>
-            </a:r>
-            <a:r>
-              <a:rPr lang="de-DE" sz="1100" dirty="0">
-                <a:solidFill>
                   <a:prstClr val="black">
                     <a:lumMod val="75000"/>
                     <a:lumOff val="25000"/>
                   </a:prstClr>
                 </a:solidFill>
-                <a:cs typeface="Segoe UI"/>
-              </a:rPr>
-              <a:t> &gt; </a:t>
-            </a:r>
-            <a:r>
-              <a:rPr lang="de-DE" sz="1100" dirty="0">
-                <a:solidFill>
-                  <a:srgbClr val="D24726"/>
-                </a:solidFill>
-                <a:latin typeface="Segoe UI Semibold" panose="020B0702040204020203" pitchFamily="34" charset="0"/>
-                <a:cs typeface="Segoe UI Semibold" panose="020B0702040204020203" pitchFamily="34" charset="0"/>
-              </a:rPr>
-              <a:t>Morphen</a:t>
-            </a:r>
-            <a:r>
-              <a:rPr lang="de-DE" sz="1100" dirty="0">
-                <a:solidFill>
-                  <a:prstClr val="black">
-                    <a:lumMod val="75000"/>
-                    <a:lumOff val="25000"/>
-                  </a:prstClr>
-                </a:solidFill>
-                <a:latin typeface="Segoe UI" panose="020B0502040204020203" pitchFamily="34" charset="0"/>
                 <a:cs typeface="Segoe UI" panose="020B0502040204020203" pitchFamily="34" charset="0"/>
               </a:rPr>
-              <a:t>.</a:t>
+              <a:t>Woche: Betroffenes Datum mit Wahrheitswert 1 versehen</a:t>
             </a:r>
           </a:p>
         </p:txBody>
       </p:sp>
       <p:grpSp>
         <p:nvGrpSpPr>
-          <p:cNvPr id="26" name="Gruppieren 25" descr="Kleiner Kreis mit enthaltener Zahl 3 zur Angabe von Schritt 3"/>
+          <p:cNvPr id="22" name="Gruppieren 21" descr="Kleiner Kreis mit enthaltener Zahl 3 zur Angabe von Schritt 3"/>
           <p:cNvGrpSpPr/>
           <p:nvPr/>
         </p:nvGrpSpPr>
         <p:grpSpPr bwMode="blackWhite">
           <a:xfrm>
-            <a:off x="557319" y="4344232"/>
+            <a:off x="531552" y="2663106"/>
             <a:ext cx="558179" cy="409838"/>
             <a:chOff x="6953426" y="711274"/>
             <a:chExt cx="558179" cy="409838"/>
@@ -8062,7 +8406,7 @@
         </p:grpSpPr>
         <p:sp>
           <p:nvSpPr>
-            <p:cNvPr id="27" name="Ellipse 26" descr="Kleiner Kreis"/>
+            <p:cNvPr id="24" name="Ellipse 23" descr="Kleiner Kreis"/>
             <p:cNvSpPr/>
             <p:nvPr/>
           </p:nvSpPr>
@@ -8108,7 +8452,7 @@
         </p:sp>
         <p:sp>
           <p:nvSpPr>
-            <p:cNvPr id="28" name="Textfeld 27" descr="Zahl 3"/>
+            <p:cNvPr id="30" name="Textfeld 29" descr="Zahl 3"/>
             <p:cNvSpPr txBox="1">
               <a:spLocks noChangeAspect="1"/>
             </p:cNvSpPr>
@@ -8132,7 +8476,7 @@
             <a:p>
               <a:pPr algn="ctr" rtl="0"/>
               <a:r>
-                <a:rPr lang="de-DE">
+                <a:rPr lang="de-DE" dirty="0">
                   <a:solidFill>
                     <a:schemeClr val="bg1"/>
                   </a:solidFill>
@@ -8147,7 +8491,7 @@
       </p:grpSp>
       <p:sp>
         <p:nvSpPr>
-          <p:cNvPr id="29" name="Inhaltsplatzhalter 17"/>
+          <p:cNvPr id="32" name="Inhaltsplatzhalter 17"/>
           <p:cNvSpPr txBox="1">
             <a:spLocks/>
           </p:cNvSpPr>
@@ -8155,8 +8499,8 @@
         </p:nvSpPr>
         <p:spPr>
           <a:xfrm>
-            <a:off x="1076799" y="4360522"/>
-            <a:ext cx="2784602" cy="1217980"/>
+            <a:off x="1056514" y="2675864"/>
+            <a:ext cx="5303098" cy="761144"/>
           </a:xfrm>
           <a:prstGeom prst="rect">
             <a:avLst/>
@@ -8361,11 +8705,12 @@
             </a:lvl9pPr>
           </a:lstStyle>
           <a:p>
-            <a:pPr marL="0" indent="0" rtl="0">
-              <a:spcAft>
-                <a:spcPts val="2000"/>
+            <a:pPr marL="0" lvl="0" indent="0" rtl="0">
+              <a:spcAft>
+                <a:spcPts val="600"/>
               </a:spcAft>
               <a:buNone/>
+              <a:defRPr/>
             </a:pPr>
             <a:r>
               <a:rPr lang="de-DE" sz="1100" dirty="0">
@@ -8375,96 +8720,124 @@
                     <a:lumOff val="25000"/>
                   </a:prstClr>
                 </a:solidFill>
-                <a:latin typeface="Segoe UI" panose="020B0502040204020203" pitchFamily="34" charset="0"/>
                 <a:cs typeface="Segoe UI" panose="020B0502040204020203" pitchFamily="34" charset="0"/>
               </a:rPr>
-              <a:t>Kehren Sie zur ersten der beiden Folien zurück, drücken Sie die Schaltfläche</a:t>
+              <a:t>Bewölkung</a:t>
             </a:r>
-            <a:r>
-              <a:rPr lang="de-DE" sz="1100" dirty="0">
-                <a:solidFill>
-                  <a:prstClr val="black">
-                    <a:lumMod val="75000"/>
-                    <a:lumOff val="25000"/>
-                  </a:prstClr>
-                </a:solidFill>
-              </a:rPr>
-              <a:t> </a:t>
-            </a:r>
-            <a:r>
-              <a:rPr lang="de-DE" sz="1100" dirty="0">
-                <a:solidFill>
-                  <a:srgbClr val="D24726"/>
-                </a:solidFill>
-                <a:latin typeface="Segoe UI Semibold" panose="020B0702040204020203" pitchFamily="34" charset="0"/>
-                <a:cs typeface="Segoe UI Semibold" panose="020B0702040204020203" pitchFamily="34" charset="0"/>
-              </a:rPr>
-              <a:t>Bildschirmpräsentation</a:t>
-            </a:r>
-            <a:r>
-              <a:rPr lang="de-DE" sz="1100" dirty="0">
-                <a:solidFill>
-                  <a:prstClr val="black">
-                    <a:lumMod val="75000"/>
-                    <a:lumOff val="25000"/>
-                  </a:prstClr>
-                </a:solidFill>
-                <a:latin typeface="Segoe UI" panose="020B0502040204020203" pitchFamily="34" charset="0"/>
-                <a:cs typeface="Segoe UI" panose="020B0502040204020203" pitchFamily="34" charset="0"/>
-              </a:rPr>
-              <a:t>, und wählen Sie dann</a:t>
-            </a:r>
-            <a:r>
-              <a:rPr lang="de-DE" sz="1100" dirty="0">
-                <a:solidFill>
-                  <a:prstClr val="black">
-                    <a:lumMod val="75000"/>
-                    <a:lumOff val="25000"/>
-                  </a:prstClr>
-                </a:solidFill>
-              </a:rPr>
-              <a:t> </a:t>
-            </a:r>
-            <a:r>
-              <a:rPr lang="de-DE" sz="1100" dirty="0">
-                <a:solidFill>
-                  <a:srgbClr val="D24726"/>
-                </a:solidFill>
-                <a:latin typeface="Segoe UI Semibold" panose="020B0702040204020203" pitchFamily="34" charset="0"/>
-                <a:cs typeface="Segoe UI Semibold" panose="020B0702040204020203" pitchFamily="34" charset="0"/>
-              </a:rPr>
-              <a:t>Wiedergabe</a:t>
-            </a:r>
-            <a:r>
-              <a:rPr lang="de-DE" sz="1100" dirty="0">
-                <a:solidFill>
-                  <a:prstClr val="black">
-                    <a:lumMod val="75000"/>
-                    <a:lumOff val="25000"/>
-                  </a:prstClr>
-                </a:solidFill>
-              </a:rPr>
-              <a:t> </a:t>
-            </a:r>
-            <a:r>
-              <a:rPr lang="de-DE" sz="1100" dirty="0">
-                <a:solidFill>
-                  <a:prstClr val="black">
-                    <a:lumMod val="75000"/>
-                    <a:lumOff val="25000"/>
-                  </a:prstClr>
-                </a:solidFill>
-                <a:latin typeface="Segoe UI" panose="020B0502040204020203" pitchFamily="34" charset="0"/>
-                <a:cs typeface="Segoe UI" panose="020B0502040204020203" pitchFamily="34" charset="0"/>
-              </a:rPr>
-              <a:t>aus, um das Morphen Ihres Kreises zu sehen!</a:t>
-            </a:r>
+            <a:endParaRPr lang="de-DE" sz="1100" dirty="0">
+              <a:solidFill>
+                <a:prstClr val="black">
+                  <a:lumMod val="75000"/>
+                  <a:lumOff val="25000"/>
+                </a:prstClr>
+              </a:solidFill>
+              <a:cs typeface="Segoe UI"/>
+            </a:endParaRPr>
           </a:p>
         </p:txBody>
       </p:sp>
+      <p:grpSp>
+        <p:nvGrpSpPr>
+          <p:cNvPr id="37" name="Gruppieren 36" descr="Kleiner Kreis mit enthaltener Zahl 4 zur Angabe von Schritt 4"/>
+          <p:cNvGrpSpPr/>
+          <p:nvPr/>
+        </p:nvGrpSpPr>
+        <p:grpSpPr bwMode="blackWhite">
+          <a:xfrm>
+            <a:off x="521207" y="3340182"/>
+            <a:ext cx="558179" cy="409838"/>
+            <a:chOff x="6953426" y="711274"/>
+            <a:chExt cx="558179" cy="409838"/>
+          </a:xfrm>
+        </p:grpSpPr>
+        <p:sp>
+          <p:nvSpPr>
+            <p:cNvPr id="38" name="Ellipse 37" descr="Kleiner Kreis"/>
+            <p:cNvSpPr/>
+            <p:nvPr/>
+          </p:nvSpPr>
+          <p:spPr bwMode="blackWhite">
+            <a:xfrm>
+              <a:off x="7025069" y="711274"/>
+              <a:ext cx="409838" cy="409838"/>
+            </a:xfrm>
+            <a:prstGeom prst="ellipse">
+              <a:avLst/>
+            </a:prstGeom>
+            <a:solidFill>
+              <a:srgbClr val="D24726"/>
+            </a:solidFill>
+            <a:ln>
+              <a:noFill/>
+            </a:ln>
+          </p:spPr>
+          <p:style>
+            <a:lnRef idx="2">
+              <a:schemeClr val="accent1">
+                <a:shade val="50000"/>
+              </a:schemeClr>
+            </a:lnRef>
+            <a:fillRef idx="1">
+              <a:schemeClr val="accent1"/>
+            </a:fillRef>
+            <a:effectRef idx="0">
+              <a:schemeClr val="accent1"/>
+            </a:effectRef>
+            <a:fontRef idx="minor">
+              <a:schemeClr val="lt1"/>
+            </a:fontRef>
+          </p:style>
+          <p:txBody>
+            <a:bodyPr rtlCol="0" anchor="ctr"/>
+            <a:lstStyle/>
+            <a:p>
+              <a:pPr algn="ctr" rtl="0"/>
+              <a:endParaRPr lang="de-DE"/>
+            </a:p>
+          </p:txBody>
+        </p:sp>
+        <p:sp>
+          <p:nvSpPr>
+            <p:cNvPr id="39" name="Textfeld 38" descr="Zahl 4"/>
+            <p:cNvSpPr txBox="1">
+              <a:spLocks noChangeAspect="1"/>
+            </p:cNvSpPr>
+            <p:nvPr/>
+          </p:nvSpPr>
+          <p:spPr bwMode="blackWhite">
+            <a:xfrm>
+              <a:off x="6953426" y="727564"/>
+              <a:ext cx="558179" cy="369332"/>
+            </a:xfrm>
+            <a:prstGeom prst="rect">
+              <a:avLst/>
+            </a:prstGeom>
+            <a:noFill/>
+          </p:spPr>
+          <p:txBody>
+            <a:bodyPr wrap="square" rtlCol="0">
+              <a:spAutoFit/>
+            </a:bodyPr>
+            <a:lstStyle/>
+            <a:p>
+              <a:pPr algn="ctr" rtl="0"/>
+              <a:r>
+                <a:rPr lang="de-DE" dirty="0">
+                  <a:solidFill>
+                    <a:schemeClr val="bg1"/>
+                  </a:solidFill>
+                  <a:latin typeface="Segoe UI Semibold" panose="020B0702040204020203" pitchFamily="34" charset="0"/>
+                  <a:cs typeface="Segoe UI Semibold" panose="020B0702040204020203" pitchFamily="34" charset="0"/>
+                </a:rPr>
+                <a:t>4</a:t>
+              </a:r>
+            </a:p>
+          </p:txBody>
+        </p:sp>
+      </p:grpSp>
       <p:sp>
         <p:nvSpPr>
-          <p:cNvPr id="17" name="Inhaltsplatzhalter 17"/>
+          <p:cNvPr id="40" name="Inhaltsplatzhalter 17"/>
           <p:cNvSpPr txBox="1">
             <a:spLocks/>
           </p:cNvSpPr>
@@ -8472,8 +8845,8 @@
         </p:nvSpPr>
         <p:spPr>
           <a:xfrm>
-            <a:off x="628962" y="5832234"/>
-            <a:ext cx="3449878" cy="692907"/>
+            <a:off x="1046169" y="3356472"/>
+            <a:ext cx="5303098" cy="563538"/>
           </a:xfrm>
           <a:prstGeom prst="rect">
             <a:avLst/>
@@ -8678,97 +9051,31 @@
             </a:lvl9pPr>
           </a:lstStyle>
           <a:p>
-            <a:pPr marL="0" indent="0" rtl="0">
+            <a:pPr marL="0" lvl="0" indent="0" rtl="0">
               <a:spcAft>
                 <a:spcPts val="2000"/>
               </a:spcAft>
               <a:buNone/>
+              <a:defRPr/>
             </a:pPr>
             <a:r>
               <a:rPr lang="de-DE" sz="1100" dirty="0">
                 <a:solidFill>
-                  <a:srgbClr val="D24726"/>
-                </a:solidFill>
-                <a:latin typeface="Segoe UI Semibold" panose="020B0702040204020203" pitchFamily="34" charset="0"/>
-                <a:cs typeface="Segoe UI Semibold" panose="020B0702040204020203" pitchFamily="34" charset="0"/>
-              </a:rPr>
-              <a:t>Hinweis: </a:t>
-            </a:r>
-            <a:r>
-              <a:rPr lang="de-DE" sz="1100" dirty="0">
-                <a:solidFill>
                   <a:prstClr val="black">
                     <a:lumMod val="75000"/>
                     <a:lumOff val="25000"/>
                   </a:prstClr>
                 </a:solidFill>
-              </a:rPr>
-              <a:t>Durch </a:t>
-            </a:r>
-            <a:r>
-              <a:rPr lang="de-DE" sz="1100" dirty="0">
-                <a:solidFill>
-                  <a:srgbClr val="404040"/>
-                </a:solidFill>
-                <a:latin typeface="Segoe UI Semibold" panose="020B0702040204020203" pitchFamily="34" charset="0"/>
-                <a:cs typeface="Segoe UI Semibold" panose="020B0702040204020203" pitchFamily="34" charset="0"/>
-              </a:rPr>
-              <a:t>Effektoptionen </a:t>
-            </a:r>
-            <a:r>
-              <a:rPr lang="de-DE" sz="1100" dirty="0">
-                <a:solidFill>
-                  <a:prstClr val="black">
-                    <a:lumMod val="75000"/>
-                    <a:lumOff val="25000"/>
-                  </a:prstClr>
-                </a:solidFill>
-                <a:latin typeface="Segoe UI" panose="020B0502040204020203" pitchFamily="34" charset="0"/>
                 <a:cs typeface="Segoe UI" panose="020B0502040204020203" pitchFamily="34" charset="0"/>
               </a:rPr>
-              <a:t>erhalten Sie sogar noch mehr Möglichkeiten beim</a:t>
-            </a:r>
-            <a:r>
-              <a:rPr lang="de-DE" sz="1100" dirty="0">
-                <a:solidFill>
-                  <a:prstClr val="black">
-                    <a:lumMod val="75000"/>
-                    <a:lumOff val="25000"/>
-                  </a:prstClr>
-                </a:solidFill>
-              </a:rPr>
-              <a:t> </a:t>
-            </a:r>
-            <a:r>
-              <a:rPr lang="de-DE" sz="1100" dirty="0">
-                <a:solidFill>
-                  <a:prstClr val="black">
-                    <a:lumMod val="75000"/>
-                    <a:lumOff val="25000"/>
-                  </a:prstClr>
-                </a:solidFill>
-                <a:latin typeface="Segoe UI Semibold" panose="020B0702040204020203" pitchFamily="34" charset="0"/>
-                <a:cs typeface="Segoe UI Semibold" panose="020B0702040204020203" pitchFamily="34" charset="0"/>
-              </a:rPr>
-              <a:t>Morphen</a:t>
-            </a:r>
-            <a:r>
-              <a:rPr lang="de-DE" sz="1100" dirty="0">
-                <a:solidFill>
-                  <a:prstClr val="black">
-                    <a:lumMod val="75000"/>
-                    <a:lumOff val="25000"/>
-                  </a:prstClr>
-                </a:solidFill>
-              </a:rPr>
-              <a:t>.</a:t>
+              <a:t>Temperatur</a:t>
             </a:r>
           </a:p>
         </p:txBody>
       </p:sp>
       <p:pic>
         <p:nvPicPr>
-          <p:cNvPr id="2" name="Bild 1" descr="Kontextmenü der Folienminiaturansicht mit Anzeige der Option „Folie duplizieren“"/>
+          <p:cNvPr id="29" name="Bild 28" descr="Registerkarte „Einfügen“ mit Option zum Einfügen eines Bilds"/>
           <p:cNvPicPr>
             <a:picLocks noChangeAspect="1"/>
           </p:cNvPicPr>
@@ -8781,8 +9088,8 @@
         </p:blipFill>
         <p:spPr>
           <a:xfrm>
-            <a:off x="4762094" y="1532712"/>
-            <a:ext cx="1402148" cy="1649444"/>
+            <a:off x="6880200" y="1455791"/>
+            <a:ext cx="2795081" cy="1592728"/>
           </a:xfrm>
           <a:prstGeom prst="rect">
             <a:avLst/>
@@ -8791,7 +9098,7 @@
       </p:pic>
       <p:pic>
         <p:nvPicPr>
-          <p:cNvPr id="6" name="Bild 5" descr="Registerkarte „Übergänge“ mit der Anzeige „Morphen-Übergang“"/>
+          <p:cNvPr id="23" name="Bild 22" descr="Dialogfeld „Designideen“ mit Aufforderung zur Benutzerbestätigung zum Abrufen von Designideen"/>
           <p:cNvPicPr>
             <a:picLocks noChangeAspect="1"/>
           </p:cNvPicPr>
@@ -8804,225 +9111,1481 @@
         </p:blipFill>
         <p:spPr>
           <a:xfrm>
-            <a:off x="4400599" y="3172786"/>
-            <a:ext cx="2468760" cy="1159569"/>
+            <a:off x="6693033" y="3067244"/>
+            <a:ext cx="2900886" cy="3506681"/>
           </a:xfrm>
           <a:prstGeom prst="rect">
             <a:avLst/>
           </a:prstGeom>
         </p:spPr>
       </p:pic>
-      <p:pic>
-        <p:nvPicPr>
-          <p:cNvPr id="5" name="Bild 4" descr="Schaltfläche „Bildschirmpräsentation“"/>
-          <p:cNvPicPr>
-            <a:picLocks noChangeAspect="1"/>
-          </p:cNvPicPr>
+      <p:grpSp>
+        <p:nvGrpSpPr>
+          <p:cNvPr id="2" name="Gruppieren 1" descr="Kleiner Kreis mit enthaltener Zahl 3 zur Angabe von Schritt 3">
+            <a:extLst>
+              <a:ext uri="{FF2B5EF4-FFF2-40B4-BE49-F238E27FC236}">
+                <a16:creationId xmlns:a16="http://schemas.microsoft.com/office/drawing/2014/main" id="{45EA679F-414B-8C6E-CBCB-0A3086ABE14D}"/>
+              </a:ext>
+            </a:extLst>
+          </p:cNvPr>
+          <p:cNvGrpSpPr/>
           <p:nvPr/>
-        </p:nvPicPr>
-        <p:blipFill>
-          <a:blip r:embed="rId5"/>
-          <a:srcRect/>
-          <a:stretch/>
-        </p:blipFill>
+        </p:nvGrpSpPr>
+        <p:grpSpPr bwMode="blackWhite">
+          <a:xfrm>
+            <a:off x="531552" y="3969738"/>
+            <a:ext cx="558179" cy="409838"/>
+            <a:chOff x="6953426" y="711274"/>
+            <a:chExt cx="558179" cy="409838"/>
+          </a:xfrm>
+        </p:grpSpPr>
+        <p:sp>
+          <p:nvSpPr>
+            <p:cNvPr id="3" name="Ellipse 2" descr="Kleiner Kreis">
+              <a:extLst>
+                <a:ext uri="{FF2B5EF4-FFF2-40B4-BE49-F238E27FC236}">
+                  <a16:creationId xmlns:a16="http://schemas.microsoft.com/office/drawing/2014/main" id="{FD340FDB-4BE8-103C-7763-CD02EA49FFB1}"/>
+                </a:ext>
+              </a:extLst>
+            </p:cNvPr>
+            <p:cNvSpPr/>
+            <p:nvPr/>
+          </p:nvSpPr>
+          <p:spPr bwMode="blackWhite">
+            <a:xfrm>
+              <a:off x="7025069" y="711274"/>
+              <a:ext cx="409838" cy="409838"/>
+            </a:xfrm>
+            <a:prstGeom prst="ellipse">
+              <a:avLst/>
+            </a:prstGeom>
+            <a:solidFill>
+              <a:srgbClr val="D24726"/>
+            </a:solidFill>
+            <a:ln>
+              <a:noFill/>
+            </a:ln>
+          </p:spPr>
+          <p:style>
+            <a:lnRef idx="2">
+              <a:schemeClr val="accent1">
+                <a:shade val="50000"/>
+              </a:schemeClr>
+            </a:lnRef>
+            <a:fillRef idx="1">
+              <a:schemeClr val="accent1"/>
+            </a:fillRef>
+            <a:effectRef idx="0">
+              <a:schemeClr val="accent1"/>
+            </a:effectRef>
+            <a:fontRef idx="minor">
+              <a:schemeClr val="lt1"/>
+            </a:fontRef>
+          </p:style>
+          <p:txBody>
+            <a:bodyPr rtlCol="0" anchor="ctr"/>
+            <a:lstStyle/>
+            <a:p>
+              <a:pPr algn="ctr" rtl="0"/>
+              <a:endParaRPr lang="de-DE"/>
+            </a:p>
+          </p:txBody>
+        </p:sp>
+        <p:sp>
+          <p:nvSpPr>
+            <p:cNvPr id="5" name="Textfeld 4" descr="Zahl 3">
+              <a:extLst>
+                <a:ext uri="{FF2B5EF4-FFF2-40B4-BE49-F238E27FC236}">
+                  <a16:creationId xmlns:a16="http://schemas.microsoft.com/office/drawing/2014/main" id="{1E702753-74CD-047A-85A4-64306AA4F1D1}"/>
+                </a:ext>
+              </a:extLst>
+            </p:cNvPr>
+            <p:cNvSpPr txBox="1">
+              <a:spLocks noChangeAspect="1"/>
+            </p:cNvSpPr>
+            <p:nvPr/>
+          </p:nvSpPr>
+          <p:spPr bwMode="blackWhite">
+            <a:xfrm>
+              <a:off x="6953426" y="727564"/>
+              <a:ext cx="558179" cy="369332"/>
+            </a:xfrm>
+            <a:prstGeom prst="rect">
+              <a:avLst/>
+            </a:prstGeom>
+            <a:noFill/>
+          </p:spPr>
+          <p:txBody>
+            <a:bodyPr wrap="square" rtlCol="0">
+              <a:spAutoFit/>
+            </a:bodyPr>
+            <a:lstStyle/>
+            <a:p>
+              <a:pPr algn="ctr" rtl="0"/>
+              <a:r>
+                <a:rPr lang="de-DE" dirty="0">
+                  <a:solidFill>
+                    <a:schemeClr val="bg1"/>
+                  </a:solidFill>
+                  <a:latin typeface="Segoe UI Semibold" panose="020B0702040204020203" pitchFamily="34" charset="0"/>
+                  <a:cs typeface="Segoe UI Semibold" panose="020B0702040204020203" pitchFamily="34" charset="0"/>
+                </a:rPr>
+                <a:t>5</a:t>
+              </a:r>
+            </a:p>
+          </p:txBody>
+        </p:sp>
+      </p:grpSp>
+      <p:sp>
+        <p:nvSpPr>
+          <p:cNvPr id="6" name="Inhaltsplatzhalter 17">
+            <a:extLst>
+              <a:ext uri="{FF2B5EF4-FFF2-40B4-BE49-F238E27FC236}">
+                <a16:creationId xmlns:a16="http://schemas.microsoft.com/office/drawing/2014/main" id="{A8F18E22-B6BE-5480-F86F-5B9E125AAAEE}"/>
+              </a:ext>
+            </a:extLst>
+          </p:cNvPr>
+          <p:cNvSpPr txBox="1">
+            <a:spLocks/>
+          </p:cNvSpPr>
+          <p:nvPr/>
+        </p:nvSpPr>
         <p:spPr>
           <a:xfrm>
-            <a:off x="4553782" y="4344232"/>
-            <a:ext cx="2134319" cy="887083"/>
+            <a:off x="1056514" y="3982496"/>
+            <a:ext cx="5303098" cy="761144"/>
           </a:xfrm>
           <a:prstGeom prst="rect">
             <a:avLst/>
           </a:prstGeom>
         </p:spPr>
-      </p:pic>
-      <p:cxnSp>
-        <p:nvCxnSpPr>
-          <p:cNvPr id="20" name="Gerader Verbinder 19">
+        <p:txBody>
+          <a:bodyPr vert="horz" lIns="91440" tIns="45720" rIns="91440" bIns="45720" rtlCol="0">
+            <a:normAutofit/>
+          </a:bodyPr>
+          <a:lstStyle>
+            <a:lvl1pPr marL="228600" indent="-228600" algn="l" defTabSz="914400" rtl="0" eaLnBrk="1" latinLnBrk="0" hangingPunct="1">
+              <a:lnSpc>
+                <a:spcPts val="1800"/>
+              </a:lnSpc>
+              <a:spcBef>
+                <a:spcPts val="1000"/>
+              </a:spcBef>
+              <a:spcAft>
+                <a:spcPts val="1000"/>
+              </a:spcAft>
+              <a:buFont typeface="Arial" panose="020B0604020202020204" pitchFamily="34" charset="0"/>
+              <a:buChar char="•"/>
+              <a:defRPr lang="en-US" sz="1200" kern="1200" smtClean="0">
+                <a:solidFill>
+                  <a:schemeClr val="tx1">
+                    <a:lumMod val="75000"/>
+                    <a:lumOff val="25000"/>
+                  </a:schemeClr>
+                </a:solidFill>
+                <a:latin typeface="+mn-lt"/>
+                <a:ea typeface="+mn-ea"/>
+                <a:cs typeface="+mn-cs"/>
+              </a:defRPr>
+            </a:lvl1pPr>
+            <a:lvl2pPr marL="685800" indent="-228600" algn="l" defTabSz="914400" rtl="0" eaLnBrk="1" latinLnBrk="0" hangingPunct="1">
+              <a:lnSpc>
+                <a:spcPts val="1800"/>
+              </a:lnSpc>
+              <a:spcBef>
+                <a:spcPts val="1000"/>
+              </a:spcBef>
+              <a:spcAft>
+                <a:spcPts val="1000"/>
+              </a:spcAft>
+              <a:buFont typeface="Arial" panose="020B0604020202020204" pitchFamily="34" charset="0"/>
+              <a:buChar char="•"/>
+              <a:defRPr lang="en-US" sz="1200" kern="1200" smtClean="0">
+                <a:solidFill>
+                  <a:schemeClr val="tx1">
+                    <a:lumMod val="75000"/>
+                    <a:lumOff val="25000"/>
+                  </a:schemeClr>
+                </a:solidFill>
+                <a:latin typeface="+mn-lt"/>
+                <a:ea typeface="+mn-ea"/>
+                <a:cs typeface="+mn-cs"/>
+              </a:defRPr>
+            </a:lvl2pPr>
+            <a:lvl3pPr marL="1143000" indent="-228600" algn="l" defTabSz="914400" rtl="0" eaLnBrk="1" latinLnBrk="0" hangingPunct="1">
+              <a:lnSpc>
+                <a:spcPts val="1800"/>
+              </a:lnSpc>
+              <a:spcBef>
+                <a:spcPts val="1000"/>
+              </a:spcBef>
+              <a:spcAft>
+                <a:spcPts val="1000"/>
+              </a:spcAft>
+              <a:buFont typeface="Arial" panose="020B0604020202020204" pitchFamily="34" charset="0"/>
+              <a:buChar char="•"/>
+              <a:defRPr lang="en-US" sz="1200" kern="1200" smtClean="0">
+                <a:solidFill>
+                  <a:schemeClr val="tx1">
+                    <a:lumMod val="75000"/>
+                    <a:lumOff val="25000"/>
+                  </a:schemeClr>
+                </a:solidFill>
+                <a:latin typeface="+mn-lt"/>
+                <a:ea typeface="+mn-ea"/>
+                <a:cs typeface="+mn-cs"/>
+              </a:defRPr>
+            </a:lvl3pPr>
+            <a:lvl4pPr marL="1600200" indent="-228600" algn="l" defTabSz="914400" rtl="0" eaLnBrk="1" latinLnBrk="0" hangingPunct="1">
+              <a:lnSpc>
+                <a:spcPts val="1800"/>
+              </a:lnSpc>
+              <a:spcBef>
+                <a:spcPts val="1000"/>
+              </a:spcBef>
+              <a:spcAft>
+                <a:spcPts val="1000"/>
+              </a:spcAft>
+              <a:buFont typeface="Arial" panose="020B0604020202020204" pitchFamily="34" charset="0"/>
+              <a:buChar char="•"/>
+              <a:defRPr lang="en-US" sz="1200" kern="1200" smtClean="0">
+                <a:solidFill>
+                  <a:schemeClr val="tx1">
+                    <a:lumMod val="75000"/>
+                    <a:lumOff val="25000"/>
+                  </a:schemeClr>
+                </a:solidFill>
+                <a:latin typeface="+mn-lt"/>
+                <a:ea typeface="+mn-ea"/>
+                <a:cs typeface="+mn-cs"/>
+              </a:defRPr>
+            </a:lvl4pPr>
+            <a:lvl5pPr marL="2057400" indent="-228600" algn="l" defTabSz="914400" rtl="0" eaLnBrk="1" latinLnBrk="0" hangingPunct="1">
+              <a:lnSpc>
+                <a:spcPts val="1800"/>
+              </a:lnSpc>
+              <a:spcBef>
+                <a:spcPts val="1000"/>
+              </a:spcBef>
+              <a:spcAft>
+                <a:spcPts val="1000"/>
+              </a:spcAft>
+              <a:buFont typeface="Arial" panose="020B0604020202020204" pitchFamily="34" charset="0"/>
+              <a:buChar char="•"/>
+              <a:defRPr lang="en-US" sz="1200" kern="1200">
+                <a:solidFill>
+                  <a:schemeClr val="tx1">
+                    <a:lumMod val="75000"/>
+                    <a:lumOff val="25000"/>
+                  </a:schemeClr>
+                </a:solidFill>
+                <a:latin typeface="+mn-lt"/>
+                <a:ea typeface="+mn-ea"/>
+                <a:cs typeface="+mn-cs"/>
+              </a:defRPr>
+            </a:lvl5pPr>
+            <a:lvl6pPr marL="2514600" indent="-228600" algn="l" defTabSz="914400" rtl="0" eaLnBrk="1" latinLnBrk="0" hangingPunct="1">
+              <a:lnSpc>
+                <a:spcPct val="90000"/>
+              </a:lnSpc>
+              <a:spcBef>
+                <a:spcPct val="30000"/>
+              </a:spcBef>
+              <a:buFont typeface="Arial" panose="020B0604020202020204" pitchFamily="34" charset="0"/>
+              <a:buChar char="•"/>
+              <a:defRPr sz="1800" kern="1200">
+                <a:solidFill>
+                  <a:schemeClr val="tx1"/>
+                </a:solidFill>
+                <a:latin typeface="+mn-lt"/>
+                <a:ea typeface="+mn-ea"/>
+                <a:cs typeface="+mn-cs"/>
+              </a:defRPr>
+            </a:lvl6pPr>
+            <a:lvl7pPr marL="2971800" indent="-228600" algn="l" defTabSz="914400" rtl="0" eaLnBrk="1" latinLnBrk="0" hangingPunct="1">
+              <a:lnSpc>
+                <a:spcPct val="90000"/>
+              </a:lnSpc>
+              <a:spcBef>
+                <a:spcPct val="30000"/>
+              </a:spcBef>
+              <a:buFont typeface="Arial" panose="020B0604020202020204" pitchFamily="34" charset="0"/>
+              <a:buChar char="•"/>
+              <a:defRPr sz="1800" kern="1200">
+                <a:solidFill>
+                  <a:schemeClr val="tx1"/>
+                </a:solidFill>
+                <a:latin typeface="+mn-lt"/>
+                <a:ea typeface="+mn-ea"/>
+                <a:cs typeface="+mn-cs"/>
+              </a:defRPr>
+            </a:lvl7pPr>
+            <a:lvl8pPr marL="3429000" indent="-228600" algn="l" defTabSz="914400" rtl="0" eaLnBrk="1" latinLnBrk="0" hangingPunct="1">
+              <a:lnSpc>
+                <a:spcPct val="90000"/>
+              </a:lnSpc>
+              <a:spcBef>
+                <a:spcPct val="30000"/>
+              </a:spcBef>
+              <a:buFont typeface="Arial" panose="020B0604020202020204" pitchFamily="34" charset="0"/>
+              <a:buChar char="•"/>
+              <a:defRPr sz="1800" kern="1200">
+                <a:solidFill>
+                  <a:schemeClr val="tx1"/>
+                </a:solidFill>
+                <a:latin typeface="+mn-lt"/>
+                <a:ea typeface="+mn-ea"/>
+                <a:cs typeface="+mn-cs"/>
+              </a:defRPr>
+            </a:lvl8pPr>
+            <a:lvl9pPr marL="3886200" indent="-228600" algn="l" defTabSz="914400" rtl="0" eaLnBrk="1" latinLnBrk="0" hangingPunct="1">
+              <a:lnSpc>
+                <a:spcPct val="90000"/>
+              </a:lnSpc>
+              <a:spcBef>
+                <a:spcPct val="30000"/>
+              </a:spcBef>
+              <a:buFont typeface="Arial" panose="020B0604020202020204" pitchFamily="34" charset="0"/>
+              <a:buChar char="•"/>
+              <a:defRPr sz="1800" kern="1200">
+                <a:solidFill>
+                  <a:schemeClr val="tx1"/>
+                </a:solidFill>
+                <a:latin typeface="+mn-lt"/>
+                <a:ea typeface="+mn-ea"/>
+                <a:cs typeface="+mn-cs"/>
+              </a:defRPr>
+            </a:lvl9pPr>
+          </a:lstStyle>
+          <a:p>
+            <a:pPr marL="0" lvl="0" indent="0" rtl="0">
+              <a:spcAft>
+                <a:spcPts val="600"/>
+              </a:spcAft>
+              <a:buNone/>
+              <a:defRPr/>
+            </a:pPr>
+            <a:r>
+              <a:rPr lang="de-DE" sz="1100" dirty="0">
+                <a:solidFill>
+                  <a:prstClr val="black">
+                    <a:lumMod val="75000"/>
+                    <a:lumOff val="25000"/>
+                  </a:prstClr>
+                </a:solidFill>
+                <a:cs typeface="Segoe UI" panose="020B0502040204020203" pitchFamily="34" charset="0"/>
+              </a:rPr>
+              <a:t>Windgeschwindigkeit</a:t>
+            </a:r>
+            <a:endParaRPr lang="de-DE" sz="1100" dirty="0">
+              <a:solidFill>
+                <a:prstClr val="black">
+                  <a:lumMod val="75000"/>
+                  <a:lumOff val="25000"/>
+                </a:prstClr>
+              </a:solidFill>
+              <a:cs typeface="Segoe UI"/>
+            </a:endParaRPr>
+          </a:p>
+        </p:txBody>
+      </p:sp>
+      <p:grpSp>
+        <p:nvGrpSpPr>
+          <p:cNvPr id="7" name="Gruppieren 6" descr="Kleiner Kreis mit enthaltener Zahl 4 zur Angabe von Schritt 4">
             <a:extLst>
-              <a:ext uri="{C183D7F6-B498-43B3-948B-1728B52AA6E4}">
-                <adec:decorative xmlns:adec="http://schemas.microsoft.com/office/drawing/2017/decorative" val="1"/>
+              <a:ext uri="{FF2B5EF4-FFF2-40B4-BE49-F238E27FC236}">
+                <a16:creationId xmlns:a16="http://schemas.microsoft.com/office/drawing/2014/main" id="{0F2DDA3D-52BB-8762-2149-DB564BC6933E}"/>
               </a:ext>
             </a:extLst>
           </p:cNvPr>
-          <p:cNvCxnSpPr/>
+          <p:cNvGrpSpPr/>
           <p:nvPr/>
-        </p:nvCxnSpPr>
-        <p:spPr>
+        </p:nvGrpSpPr>
+        <p:grpSpPr bwMode="blackWhite">
           <a:xfrm>
-            <a:off x="7013569" y="1472431"/>
-            <a:ext cx="0" cy="4892634"/>
+            <a:off x="521207" y="4646814"/>
+            <a:ext cx="558179" cy="409838"/>
+            <a:chOff x="6953426" y="711274"/>
+            <a:chExt cx="558179" cy="409838"/>
           </a:xfrm>
-          <a:prstGeom prst="line">
-            <a:avLst/>
-          </a:prstGeom>
-          <a:ln w="9525">
+        </p:grpSpPr>
+        <p:sp>
+          <p:nvSpPr>
+            <p:cNvPr id="8" name="Ellipse 7" descr="Kleiner Kreis">
+              <a:extLst>
+                <a:ext uri="{FF2B5EF4-FFF2-40B4-BE49-F238E27FC236}">
+                  <a16:creationId xmlns:a16="http://schemas.microsoft.com/office/drawing/2014/main" id="{6610C740-A587-C0B5-13CA-F5CC96C435E9}"/>
+                </a:ext>
+              </a:extLst>
+            </p:cNvPr>
+            <p:cNvSpPr/>
+            <p:nvPr/>
+          </p:nvSpPr>
+          <p:spPr bwMode="blackWhite">
+            <a:xfrm>
+              <a:off x="7025069" y="711274"/>
+              <a:ext cx="409838" cy="409838"/>
+            </a:xfrm>
+            <a:prstGeom prst="ellipse">
+              <a:avLst/>
+            </a:prstGeom>
             <a:solidFill>
-              <a:schemeClr val="bg2">
-                <a:lumMod val="90000"/>
+              <a:srgbClr val="D24726"/>
+            </a:solidFill>
+            <a:ln>
+              <a:noFill/>
+            </a:ln>
+          </p:spPr>
+          <p:style>
+            <a:lnRef idx="2">
+              <a:schemeClr val="accent1">
+                <a:shade val="50000"/>
               </a:schemeClr>
-            </a:solidFill>
-          </a:ln>
-        </p:spPr>
-        <p:style>
-          <a:lnRef idx="1">
-            <a:schemeClr val="accent1"/>
-          </a:lnRef>
-          <a:fillRef idx="0">
-            <a:schemeClr val="accent1"/>
-          </a:fillRef>
-          <a:effectRef idx="0">
-            <a:schemeClr val="accent1"/>
-          </a:effectRef>
-          <a:fontRef idx="minor">
-            <a:schemeClr val="tx1"/>
-          </a:fontRef>
-        </p:style>
-      </p:cxnSp>
+            </a:lnRef>
+            <a:fillRef idx="1">
+              <a:schemeClr val="accent1"/>
+            </a:fillRef>
+            <a:effectRef idx="0">
+              <a:schemeClr val="accent1"/>
+            </a:effectRef>
+            <a:fontRef idx="minor">
+              <a:schemeClr val="lt1"/>
+            </a:fontRef>
+          </p:style>
+          <p:txBody>
+            <a:bodyPr rtlCol="0" anchor="ctr"/>
+            <a:lstStyle/>
+            <a:p>
+              <a:pPr algn="ctr" rtl="0"/>
+              <a:endParaRPr lang="de-DE"/>
+            </a:p>
+          </p:txBody>
+        </p:sp>
+        <p:sp>
+          <p:nvSpPr>
+            <p:cNvPr id="9" name="Textfeld 8" descr="Zahl 4">
+              <a:extLst>
+                <a:ext uri="{FF2B5EF4-FFF2-40B4-BE49-F238E27FC236}">
+                  <a16:creationId xmlns:a16="http://schemas.microsoft.com/office/drawing/2014/main" id="{E59D011B-AD03-8216-ED4F-C4A2F12C4498}"/>
+                </a:ext>
+              </a:extLst>
+            </p:cNvPr>
+            <p:cNvSpPr txBox="1">
+              <a:spLocks noChangeAspect="1"/>
+            </p:cNvSpPr>
+            <p:nvPr/>
+          </p:nvSpPr>
+          <p:spPr bwMode="blackWhite">
+            <a:xfrm>
+              <a:off x="6953426" y="727564"/>
+              <a:ext cx="558179" cy="369332"/>
+            </a:xfrm>
+            <a:prstGeom prst="rect">
+              <a:avLst/>
+            </a:prstGeom>
+            <a:noFill/>
+          </p:spPr>
+          <p:txBody>
+            <a:bodyPr wrap="square" rtlCol="0">
+              <a:spAutoFit/>
+            </a:bodyPr>
+            <a:lstStyle/>
+            <a:p>
+              <a:pPr algn="ctr" rtl="0"/>
+              <a:r>
+                <a:rPr lang="de-DE" dirty="0">
+                  <a:solidFill>
+                    <a:schemeClr val="bg1"/>
+                  </a:solidFill>
+                  <a:latin typeface="Segoe UI Semibold" panose="020B0702040204020203" pitchFamily="34" charset="0"/>
+                  <a:cs typeface="Segoe UI Semibold" panose="020B0702040204020203" pitchFamily="34" charset="0"/>
+                </a:rPr>
+                <a:t>6</a:t>
+              </a:r>
+            </a:p>
+          </p:txBody>
+        </p:sp>
+      </p:grpSp>
       <p:sp>
         <p:nvSpPr>
-          <p:cNvPr id="10" name="Ellipse 9" descr="Großer blauer Kreis mit einem enthaltenen kleinen hellblauen Kreis"/>
-          <p:cNvSpPr/>
+          <p:cNvPr id="10" name="Inhaltsplatzhalter 17">
+            <a:extLst>
+              <a:ext uri="{FF2B5EF4-FFF2-40B4-BE49-F238E27FC236}">
+                <a16:creationId xmlns:a16="http://schemas.microsoft.com/office/drawing/2014/main" id="{E45821F7-0233-EE16-58FF-1BFFA8950485}"/>
+              </a:ext>
+            </a:extLst>
+          </p:cNvPr>
+          <p:cNvSpPr txBox="1">
+            <a:spLocks/>
+          </p:cNvSpPr>
           <p:nvPr/>
         </p:nvSpPr>
         <p:spPr>
           <a:xfrm>
-            <a:off x="7516617" y="1944862"/>
-            <a:ext cx="3827244" cy="3743233"/>
+            <a:off x="1046169" y="4663104"/>
+            <a:ext cx="5303098" cy="563538"/>
           </a:xfrm>
-          <a:prstGeom prst="ellipse">
+          <a:prstGeom prst="rect">
             <a:avLst/>
           </a:prstGeom>
-          <a:solidFill>
-            <a:schemeClr val="accent1">
-              <a:lumMod val="75000"/>
-            </a:schemeClr>
-          </a:solidFill>
-          <a:ln>
-            <a:noFill/>
-          </a:ln>
         </p:spPr>
-        <p:style>
-          <a:lnRef idx="2">
-            <a:schemeClr val="accent1">
-              <a:shade val="50000"/>
-            </a:schemeClr>
-          </a:lnRef>
-          <a:fillRef idx="1">
-            <a:schemeClr val="accent1"/>
-          </a:fillRef>
-          <a:effectRef idx="0">
-            <a:schemeClr val="accent1"/>
-          </a:effectRef>
-          <a:fontRef idx="minor">
-            <a:schemeClr val="lt1"/>
-          </a:fontRef>
-        </p:style>
         <p:txBody>
-          <a:bodyPr rtlCol="0" anchor="ctr"/>
-          <a:lstStyle/>
+          <a:bodyPr vert="horz" lIns="91440" tIns="45720" rIns="91440" bIns="45720" rtlCol="0">
+            <a:normAutofit/>
+          </a:bodyPr>
+          <a:lstStyle>
+            <a:lvl1pPr marL="228600" indent="-228600" algn="l" defTabSz="914400" rtl="0" eaLnBrk="1" latinLnBrk="0" hangingPunct="1">
+              <a:lnSpc>
+                <a:spcPts val="1800"/>
+              </a:lnSpc>
+              <a:spcBef>
+                <a:spcPts val="1000"/>
+              </a:spcBef>
+              <a:spcAft>
+                <a:spcPts val="1000"/>
+              </a:spcAft>
+              <a:buFont typeface="Arial" panose="020B0604020202020204" pitchFamily="34" charset="0"/>
+              <a:buChar char="•"/>
+              <a:defRPr lang="en-US" sz="1200" kern="1200" smtClean="0">
+                <a:solidFill>
+                  <a:schemeClr val="tx1">
+                    <a:lumMod val="75000"/>
+                    <a:lumOff val="25000"/>
+                  </a:schemeClr>
+                </a:solidFill>
+                <a:latin typeface="+mn-lt"/>
+                <a:ea typeface="+mn-ea"/>
+                <a:cs typeface="+mn-cs"/>
+              </a:defRPr>
+            </a:lvl1pPr>
+            <a:lvl2pPr marL="685800" indent="-228600" algn="l" defTabSz="914400" rtl="0" eaLnBrk="1" latinLnBrk="0" hangingPunct="1">
+              <a:lnSpc>
+                <a:spcPts val="1800"/>
+              </a:lnSpc>
+              <a:spcBef>
+                <a:spcPts val="1000"/>
+              </a:spcBef>
+              <a:spcAft>
+                <a:spcPts val="1000"/>
+              </a:spcAft>
+              <a:buFont typeface="Arial" panose="020B0604020202020204" pitchFamily="34" charset="0"/>
+              <a:buChar char="•"/>
+              <a:defRPr lang="en-US" sz="1200" kern="1200" smtClean="0">
+                <a:solidFill>
+                  <a:schemeClr val="tx1">
+                    <a:lumMod val="75000"/>
+                    <a:lumOff val="25000"/>
+                  </a:schemeClr>
+                </a:solidFill>
+                <a:latin typeface="+mn-lt"/>
+                <a:ea typeface="+mn-ea"/>
+                <a:cs typeface="+mn-cs"/>
+              </a:defRPr>
+            </a:lvl2pPr>
+            <a:lvl3pPr marL="1143000" indent="-228600" algn="l" defTabSz="914400" rtl="0" eaLnBrk="1" latinLnBrk="0" hangingPunct="1">
+              <a:lnSpc>
+                <a:spcPts val="1800"/>
+              </a:lnSpc>
+              <a:spcBef>
+                <a:spcPts val="1000"/>
+              </a:spcBef>
+              <a:spcAft>
+                <a:spcPts val="1000"/>
+              </a:spcAft>
+              <a:buFont typeface="Arial" panose="020B0604020202020204" pitchFamily="34" charset="0"/>
+              <a:buChar char="•"/>
+              <a:defRPr lang="en-US" sz="1200" kern="1200" smtClean="0">
+                <a:solidFill>
+                  <a:schemeClr val="tx1">
+                    <a:lumMod val="75000"/>
+                    <a:lumOff val="25000"/>
+                  </a:schemeClr>
+                </a:solidFill>
+                <a:latin typeface="+mn-lt"/>
+                <a:ea typeface="+mn-ea"/>
+                <a:cs typeface="+mn-cs"/>
+              </a:defRPr>
+            </a:lvl3pPr>
+            <a:lvl4pPr marL="1600200" indent="-228600" algn="l" defTabSz="914400" rtl="0" eaLnBrk="1" latinLnBrk="0" hangingPunct="1">
+              <a:lnSpc>
+                <a:spcPts val="1800"/>
+              </a:lnSpc>
+              <a:spcBef>
+                <a:spcPts val="1000"/>
+              </a:spcBef>
+              <a:spcAft>
+                <a:spcPts val="1000"/>
+              </a:spcAft>
+              <a:buFont typeface="Arial" panose="020B0604020202020204" pitchFamily="34" charset="0"/>
+              <a:buChar char="•"/>
+              <a:defRPr lang="en-US" sz="1200" kern="1200" smtClean="0">
+                <a:solidFill>
+                  <a:schemeClr val="tx1">
+                    <a:lumMod val="75000"/>
+                    <a:lumOff val="25000"/>
+                  </a:schemeClr>
+                </a:solidFill>
+                <a:latin typeface="+mn-lt"/>
+                <a:ea typeface="+mn-ea"/>
+                <a:cs typeface="+mn-cs"/>
+              </a:defRPr>
+            </a:lvl4pPr>
+            <a:lvl5pPr marL="2057400" indent="-228600" algn="l" defTabSz="914400" rtl="0" eaLnBrk="1" latinLnBrk="0" hangingPunct="1">
+              <a:lnSpc>
+                <a:spcPts val="1800"/>
+              </a:lnSpc>
+              <a:spcBef>
+                <a:spcPts val="1000"/>
+              </a:spcBef>
+              <a:spcAft>
+                <a:spcPts val="1000"/>
+              </a:spcAft>
+              <a:buFont typeface="Arial" panose="020B0604020202020204" pitchFamily="34" charset="0"/>
+              <a:buChar char="•"/>
+              <a:defRPr lang="en-US" sz="1200" kern="1200">
+                <a:solidFill>
+                  <a:schemeClr val="tx1">
+                    <a:lumMod val="75000"/>
+                    <a:lumOff val="25000"/>
+                  </a:schemeClr>
+                </a:solidFill>
+                <a:latin typeface="+mn-lt"/>
+                <a:ea typeface="+mn-ea"/>
+                <a:cs typeface="+mn-cs"/>
+              </a:defRPr>
+            </a:lvl5pPr>
+            <a:lvl6pPr marL="2514600" indent="-228600" algn="l" defTabSz="914400" rtl="0" eaLnBrk="1" latinLnBrk="0" hangingPunct="1">
+              <a:lnSpc>
+                <a:spcPct val="90000"/>
+              </a:lnSpc>
+              <a:spcBef>
+                <a:spcPct val="30000"/>
+              </a:spcBef>
+              <a:buFont typeface="Arial" panose="020B0604020202020204" pitchFamily="34" charset="0"/>
+              <a:buChar char="•"/>
+              <a:defRPr sz="1800" kern="1200">
+                <a:solidFill>
+                  <a:schemeClr val="tx1"/>
+                </a:solidFill>
+                <a:latin typeface="+mn-lt"/>
+                <a:ea typeface="+mn-ea"/>
+                <a:cs typeface="+mn-cs"/>
+              </a:defRPr>
+            </a:lvl6pPr>
+            <a:lvl7pPr marL="2971800" indent="-228600" algn="l" defTabSz="914400" rtl="0" eaLnBrk="1" latinLnBrk="0" hangingPunct="1">
+              <a:lnSpc>
+                <a:spcPct val="90000"/>
+              </a:lnSpc>
+              <a:spcBef>
+                <a:spcPct val="30000"/>
+              </a:spcBef>
+              <a:buFont typeface="Arial" panose="020B0604020202020204" pitchFamily="34" charset="0"/>
+              <a:buChar char="•"/>
+              <a:defRPr sz="1800" kern="1200">
+                <a:solidFill>
+                  <a:schemeClr val="tx1"/>
+                </a:solidFill>
+                <a:latin typeface="+mn-lt"/>
+                <a:ea typeface="+mn-ea"/>
+                <a:cs typeface="+mn-cs"/>
+              </a:defRPr>
+            </a:lvl7pPr>
+            <a:lvl8pPr marL="3429000" indent="-228600" algn="l" defTabSz="914400" rtl="0" eaLnBrk="1" latinLnBrk="0" hangingPunct="1">
+              <a:lnSpc>
+                <a:spcPct val="90000"/>
+              </a:lnSpc>
+              <a:spcBef>
+                <a:spcPct val="30000"/>
+              </a:spcBef>
+              <a:buFont typeface="Arial" panose="020B0604020202020204" pitchFamily="34" charset="0"/>
+              <a:buChar char="•"/>
+              <a:defRPr sz="1800" kern="1200">
+                <a:solidFill>
+                  <a:schemeClr val="tx1"/>
+                </a:solidFill>
+                <a:latin typeface="+mn-lt"/>
+                <a:ea typeface="+mn-ea"/>
+                <a:cs typeface="+mn-cs"/>
+              </a:defRPr>
+            </a:lvl8pPr>
+            <a:lvl9pPr marL="3886200" indent="-228600" algn="l" defTabSz="914400" rtl="0" eaLnBrk="1" latinLnBrk="0" hangingPunct="1">
+              <a:lnSpc>
+                <a:spcPct val="90000"/>
+              </a:lnSpc>
+              <a:spcBef>
+                <a:spcPct val="30000"/>
+              </a:spcBef>
+              <a:buFont typeface="Arial" panose="020B0604020202020204" pitchFamily="34" charset="0"/>
+              <a:buChar char="•"/>
+              <a:defRPr sz="1800" kern="1200">
+                <a:solidFill>
+                  <a:schemeClr val="tx1"/>
+                </a:solidFill>
+                <a:latin typeface="+mn-lt"/>
+                <a:ea typeface="+mn-ea"/>
+                <a:cs typeface="+mn-cs"/>
+              </a:defRPr>
+            </a:lvl9pPr>
+          </a:lstStyle>
           <a:p>
-            <a:pPr marL="0" marR="0" lvl="0" indent="0" algn="ctr" defTabSz="914400" rtl="0" eaLnBrk="1" fontAlgn="auto" latinLnBrk="0" hangingPunct="1">
-              <a:lnSpc>
-                <a:spcPct val="100000"/>
-              </a:lnSpc>
-              <a:spcBef>
-                <a:spcPts val="0"/>
-              </a:spcBef>
-              <a:spcAft>
-                <a:spcPts val="0"/>
-              </a:spcAft>
-              <a:buClrTx/>
-              <a:buSzTx/>
-              <a:buFontTx/>
+            <a:pPr marL="0" lvl="0" indent="0" rtl="0">
+              <a:spcAft>
+                <a:spcPts val="2000"/>
+              </a:spcAft>
               <a:buNone/>
-              <a:tabLst/>
               <a:defRPr/>
             </a:pPr>
-            <a:endParaRPr kumimoji="0" lang="de-DE" sz="1800" b="0" i="0" u="none" strike="noStrike" kern="0" cap="none" spc="0" normalizeH="0" baseline="0">
-              <a:ln>
-                <a:noFill/>
-              </a:ln>
+            <a:r>
+              <a:rPr lang="de-DE" sz="1100" dirty="0">
+                <a:solidFill>
+                  <a:prstClr val="black">
+                    <a:lumMod val="75000"/>
+                    <a:lumOff val="25000"/>
+                  </a:prstClr>
+                </a:solidFill>
+                <a:cs typeface="Segoe UI" panose="020B0502040204020203" pitchFamily="34" charset="0"/>
+              </a:rPr>
+              <a:t>Wettercode</a:t>
+            </a:r>
+          </a:p>
+        </p:txBody>
+      </p:sp>
+      <p:grpSp>
+        <p:nvGrpSpPr>
+          <p:cNvPr id="11" name="Gruppieren 10" descr="Kleiner Kreis mit enthaltener Zahl 3 zur Angabe von Schritt 3">
+            <a:extLst>
+              <a:ext uri="{FF2B5EF4-FFF2-40B4-BE49-F238E27FC236}">
+                <a16:creationId xmlns:a16="http://schemas.microsoft.com/office/drawing/2014/main" id="{1C123C2D-1A23-421D-0F2C-78CB603B8CB2}"/>
+              </a:ext>
+            </a:extLst>
+          </p:cNvPr>
+          <p:cNvGrpSpPr/>
+          <p:nvPr/>
+        </p:nvGrpSpPr>
+        <p:grpSpPr bwMode="blackWhite">
+          <a:xfrm>
+            <a:off x="531552" y="5276370"/>
+            <a:ext cx="558179" cy="409838"/>
+            <a:chOff x="6953426" y="711274"/>
+            <a:chExt cx="558179" cy="409838"/>
+          </a:xfrm>
+        </p:grpSpPr>
+        <p:sp>
+          <p:nvSpPr>
+            <p:cNvPr id="12" name="Ellipse 11" descr="Kleiner Kreis">
+              <a:extLst>
+                <a:ext uri="{FF2B5EF4-FFF2-40B4-BE49-F238E27FC236}">
+                  <a16:creationId xmlns:a16="http://schemas.microsoft.com/office/drawing/2014/main" id="{3B6DD10F-516B-A099-7519-4F458A32130A}"/>
+                </a:ext>
+              </a:extLst>
+            </p:cNvPr>
+            <p:cNvSpPr/>
+            <p:nvPr/>
+          </p:nvSpPr>
+          <p:spPr bwMode="blackWhite">
+            <a:xfrm>
+              <a:off x="7025069" y="711274"/>
+              <a:ext cx="409838" cy="409838"/>
+            </a:xfrm>
+            <a:prstGeom prst="ellipse">
+              <a:avLst/>
+            </a:prstGeom>
+            <a:solidFill>
+              <a:srgbClr val="D24726"/>
+            </a:solidFill>
+            <a:ln>
+              <a:noFill/>
+            </a:ln>
+          </p:spPr>
+          <p:style>
+            <a:lnRef idx="2">
+              <a:schemeClr val="accent1">
+                <a:shade val="50000"/>
+              </a:schemeClr>
+            </a:lnRef>
+            <a:fillRef idx="1">
+              <a:schemeClr val="accent1"/>
+            </a:fillRef>
+            <a:effectRef idx="0">
+              <a:schemeClr val="accent1"/>
+            </a:effectRef>
+            <a:fontRef idx="minor">
+              <a:schemeClr val="lt1"/>
+            </a:fontRef>
+          </p:style>
+          <p:txBody>
+            <a:bodyPr rtlCol="0" anchor="ctr"/>
+            <a:lstStyle/>
+            <a:p>
+              <a:pPr algn="ctr" rtl="0"/>
+              <a:endParaRPr lang="de-DE"/>
+            </a:p>
+          </p:txBody>
+        </p:sp>
+        <p:sp>
+          <p:nvSpPr>
+            <p:cNvPr id="13" name="Textfeld 12" descr="Zahl 3">
+              <a:extLst>
+                <a:ext uri="{FF2B5EF4-FFF2-40B4-BE49-F238E27FC236}">
+                  <a16:creationId xmlns:a16="http://schemas.microsoft.com/office/drawing/2014/main" id="{146ABDAB-7E29-59D8-72DA-5C049AFC1673}"/>
+                </a:ext>
+              </a:extLst>
+            </p:cNvPr>
+            <p:cNvSpPr txBox="1">
+              <a:spLocks noChangeAspect="1"/>
+            </p:cNvSpPr>
+            <p:nvPr/>
+          </p:nvSpPr>
+          <p:spPr bwMode="blackWhite">
+            <a:xfrm>
+              <a:off x="6953426" y="727564"/>
+              <a:ext cx="558179" cy="369332"/>
+            </a:xfrm>
+            <a:prstGeom prst="rect">
+              <a:avLst/>
+            </a:prstGeom>
+            <a:noFill/>
+          </p:spPr>
+          <p:txBody>
+            <a:bodyPr wrap="square" rtlCol="0">
+              <a:spAutoFit/>
+            </a:bodyPr>
+            <a:lstStyle/>
+            <a:p>
+              <a:pPr algn="ctr" rtl="0"/>
+              <a:r>
+                <a:rPr lang="de-DE" dirty="0">
+                  <a:solidFill>
+                    <a:schemeClr val="bg1"/>
+                  </a:solidFill>
+                  <a:latin typeface="Segoe UI Semibold" panose="020B0702040204020203" pitchFamily="34" charset="0"/>
+                  <a:cs typeface="Segoe UI Semibold" panose="020B0702040204020203" pitchFamily="34" charset="0"/>
+                </a:rPr>
+                <a:t>7</a:t>
+              </a:r>
+            </a:p>
+          </p:txBody>
+        </p:sp>
+      </p:grpSp>
+      <p:sp>
+        <p:nvSpPr>
+          <p:cNvPr id="14" name="Inhaltsplatzhalter 17">
+            <a:extLst>
+              <a:ext uri="{FF2B5EF4-FFF2-40B4-BE49-F238E27FC236}">
+                <a16:creationId xmlns:a16="http://schemas.microsoft.com/office/drawing/2014/main" id="{922DBD11-E6EB-DD15-CEA2-821DDC94186E}"/>
+              </a:ext>
+            </a:extLst>
+          </p:cNvPr>
+          <p:cNvSpPr txBox="1">
+            <a:spLocks/>
+          </p:cNvSpPr>
+          <p:nvPr/>
+        </p:nvSpPr>
+        <p:spPr>
+          <a:xfrm>
+            <a:off x="1056514" y="5289128"/>
+            <a:ext cx="5303098" cy="761144"/>
+          </a:xfrm>
+          <a:prstGeom prst="rect">
+            <a:avLst/>
+          </a:prstGeom>
+        </p:spPr>
+        <p:txBody>
+          <a:bodyPr vert="horz" lIns="91440" tIns="45720" rIns="91440" bIns="45720" rtlCol="0">
+            <a:normAutofit/>
+          </a:bodyPr>
+          <a:lstStyle>
+            <a:lvl1pPr marL="228600" indent="-228600" algn="l" defTabSz="914400" rtl="0" eaLnBrk="1" latinLnBrk="0" hangingPunct="1">
+              <a:lnSpc>
+                <a:spcPts val="1800"/>
+              </a:lnSpc>
+              <a:spcBef>
+                <a:spcPts val="1000"/>
+              </a:spcBef>
+              <a:spcAft>
+                <a:spcPts val="1000"/>
+              </a:spcAft>
+              <a:buFont typeface="Arial" panose="020B0604020202020204" pitchFamily="34" charset="0"/>
+              <a:buChar char="•"/>
+              <a:defRPr lang="en-US" sz="1200" kern="1200" smtClean="0">
+                <a:solidFill>
+                  <a:schemeClr val="tx1">
+                    <a:lumMod val="75000"/>
+                    <a:lumOff val="25000"/>
+                  </a:schemeClr>
+                </a:solidFill>
+                <a:latin typeface="+mn-lt"/>
+                <a:ea typeface="+mn-ea"/>
+                <a:cs typeface="+mn-cs"/>
+              </a:defRPr>
+            </a:lvl1pPr>
+            <a:lvl2pPr marL="685800" indent="-228600" algn="l" defTabSz="914400" rtl="0" eaLnBrk="1" latinLnBrk="0" hangingPunct="1">
+              <a:lnSpc>
+                <a:spcPts val="1800"/>
+              </a:lnSpc>
+              <a:spcBef>
+                <a:spcPts val="1000"/>
+              </a:spcBef>
+              <a:spcAft>
+                <a:spcPts val="1000"/>
+              </a:spcAft>
+              <a:buFont typeface="Arial" panose="020B0604020202020204" pitchFamily="34" charset="0"/>
+              <a:buChar char="•"/>
+              <a:defRPr lang="en-US" sz="1200" kern="1200" smtClean="0">
+                <a:solidFill>
+                  <a:schemeClr val="tx1">
+                    <a:lumMod val="75000"/>
+                    <a:lumOff val="25000"/>
+                  </a:schemeClr>
+                </a:solidFill>
+                <a:latin typeface="+mn-lt"/>
+                <a:ea typeface="+mn-ea"/>
+                <a:cs typeface="+mn-cs"/>
+              </a:defRPr>
+            </a:lvl2pPr>
+            <a:lvl3pPr marL="1143000" indent="-228600" algn="l" defTabSz="914400" rtl="0" eaLnBrk="1" latinLnBrk="0" hangingPunct="1">
+              <a:lnSpc>
+                <a:spcPts val="1800"/>
+              </a:lnSpc>
+              <a:spcBef>
+                <a:spcPts val="1000"/>
+              </a:spcBef>
+              <a:spcAft>
+                <a:spcPts val="1000"/>
+              </a:spcAft>
+              <a:buFont typeface="Arial" panose="020B0604020202020204" pitchFamily="34" charset="0"/>
+              <a:buChar char="•"/>
+              <a:defRPr lang="en-US" sz="1200" kern="1200" smtClean="0">
+                <a:solidFill>
+                  <a:schemeClr val="tx1">
+                    <a:lumMod val="75000"/>
+                    <a:lumOff val="25000"/>
+                  </a:schemeClr>
+                </a:solidFill>
+                <a:latin typeface="+mn-lt"/>
+                <a:ea typeface="+mn-ea"/>
+                <a:cs typeface="+mn-cs"/>
+              </a:defRPr>
+            </a:lvl3pPr>
+            <a:lvl4pPr marL="1600200" indent="-228600" algn="l" defTabSz="914400" rtl="0" eaLnBrk="1" latinLnBrk="0" hangingPunct="1">
+              <a:lnSpc>
+                <a:spcPts val="1800"/>
+              </a:lnSpc>
+              <a:spcBef>
+                <a:spcPts val="1000"/>
+              </a:spcBef>
+              <a:spcAft>
+                <a:spcPts val="1000"/>
+              </a:spcAft>
+              <a:buFont typeface="Arial" panose="020B0604020202020204" pitchFamily="34" charset="0"/>
+              <a:buChar char="•"/>
+              <a:defRPr lang="en-US" sz="1200" kern="1200" smtClean="0">
+                <a:solidFill>
+                  <a:schemeClr val="tx1">
+                    <a:lumMod val="75000"/>
+                    <a:lumOff val="25000"/>
+                  </a:schemeClr>
+                </a:solidFill>
+                <a:latin typeface="+mn-lt"/>
+                <a:ea typeface="+mn-ea"/>
+                <a:cs typeface="+mn-cs"/>
+              </a:defRPr>
+            </a:lvl4pPr>
+            <a:lvl5pPr marL="2057400" indent="-228600" algn="l" defTabSz="914400" rtl="0" eaLnBrk="1" latinLnBrk="0" hangingPunct="1">
+              <a:lnSpc>
+                <a:spcPts val="1800"/>
+              </a:lnSpc>
+              <a:spcBef>
+                <a:spcPts val="1000"/>
+              </a:spcBef>
+              <a:spcAft>
+                <a:spcPts val="1000"/>
+              </a:spcAft>
+              <a:buFont typeface="Arial" panose="020B0604020202020204" pitchFamily="34" charset="0"/>
+              <a:buChar char="•"/>
+              <a:defRPr lang="en-US" sz="1200" kern="1200">
+                <a:solidFill>
+                  <a:schemeClr val="tx1">
+                    <a:lumMod val="75000"/>
+                    <a:lumOff val="25000"/>
+                  </a:schemeClr>
+                </a:solidFill>
+                <a:latin typeface="+mn-lt"/>
+                <a:ea typeface="+mn-ea"/>
+                <a:cs typeface="+mn-cs"/>
+              </a:defRPr>
+            </a:lvl5pPr>
+            <a:lvl6pPr marL="2514600" indent="-228600" algn="l" defTabSz="914400" rtl="0" eaLnBrk="1" latinLnBrk="0" hangingPunct="1">
+              <a:lnSpc>
+                <a:spcPct val="90000"/>
+              </a:lnSpc>
+              <a:spcBef>
+                <a:spcPct val="30000"/>
+              </a:spcBef>
+              <a:buFont typeface="Arial" panose="020B0604020202020204" pitchFamily="34" charset="0"/>
+              <a:buChar char="•"/>
+              <a:defRPr sz="1800" kern="1200">
+                <a:solidFill>
+                  <a:schemeClr val="tx1"/>
+                </a:solidFill>
+                <a:latin typeface="+mn-lt"/>
+                <a:ea typeface="+mn-ea"/>
+                <a:cs typeface="+mn-cs"/>
+              </a:defRPr>
+            </a:lvl6pPr>
+            <a:lvl7pPr marL="2971800" indent="-228600" algn="l" defTabSz="914400" rtl="0" eaLnBrk="1" latinLnBrk="0" hangingPunct="1">
+              <a:lnSpc>
+                <a:spcPct val="90000"/>
+              </a:lnSpc>
+              <a:spcBef>
+                <a:spcPct val="30000"/>
+              </a:spcBef>
+              <a:buFont typeface="Arial" panose="020B0604020202020204" pitchFamily="34" charset="0"/>
+              <a:buChar char="•"/>
+              <a:defRPr sz="1800" kern="1200">
+                <a:solidFill>
+                  <a:schemeClr val="tx1"/>
+                </a:solidFill>
+                <a:latin typeface="+mn-lt"/>
+                <a:ea typeface="+mn-ea"/>
+                <a:cs typeface="+mn-cs"/>
+              </a:defRPr>
+            </a:lvl7pPr>
+            <a:lvl8pPr marL="3429000" indent="-228600" algn="l" defTabSz="914400" rtl="0" eaLnBrk="1" latinLnBrk="0" hangingPunct="1">
+              <a:lnSpc>
+                <a:spcPct val="90000"/>
+              </a:lnSpc>
+              <a:spcBef>
+                <a:spcPct val="30000"/>
+              </a:spcBef>
+              <a:buFont typeface="Arial" panose="020B0604020202020204" pitchFamily="34" charset="0"/>
+              <a:buChar char="•"/>
+              <a:defRPr sz="1800" kern="1200">
+                <a:solidFill>
+                  <a:schemeClr val="tx1"/>
+                </a:solidFill>
+                <a:latin typeface="+mn-lt"/>
+                <a:ea typeface="+mn-ea"/>
+                <a:cs typeface="+mn-cs"/>
+              </a:defRPr>
+            </a:lvl8pPr>
+            <a:lvl9pPr marL="3886200" indent="-228600" algn="l" defTabSz="914400" rtl="0" eaLnBrk="1" latinLnBrk="0" hangingPunct="1">
+              <a:lnSpc>
+                <a:spcPct val="90000"/>
+              </a:lnSpc>
+              <a:spcBef>
+                <a:spcPct val="30000"/>
+              </a:spcBef>
+              <a:buFont typeface="Arial" panose="020B0604020202020204" pitchFamily="34" charset="0"/>
+              <a:buChar char="•"/>
+              <a:defRPr sz="1800" kern="1200">
+                <a:solidFill>
+                  <a:schemeClr val="tx1"/>
+                </a:solidFill>
+                <a:latin typeface="+mn-lt"/>
+                <a:ea typeface="+mn-ea"/>
+                <a:cs typeface="+mn-cs"/>
+              </a:defRPr>
+            </a:lvl9pPr>
+          </a:lstStyle>
+          <a:p>
+            <a:pPr marL="0" lvl="0" indent="0" rtl="0">
+              <a:spcAft>
+                <a:spcPts val="600"/>
+              </a:spcAft>
+              <a:buNone/>
+              <a:defRPr/>
+            </a:pPr>
+            <a:r>
+              <a:rPr lang="de-DE" sz="1100" dirty="0">
+                <a:solidFill>
+                  <a:prstClr val="black">
+                    <a:lumMod val="75000"/>
+                    <a:lumOff val="25000"/>
+                  </a:prstClr>
+                </a:solidFill>
+                <a:cs typeface="Segoe UI" panose="020B0502040204020203" pitchFamily="34" charset="0"/>
+              </a:rPr>
+              <a:t>Schulferien: Betroffenes Datum mit Wahrheitswert 1 versehen</a:t>
+            </a:r>
+            <a:endParaRPr lang="de-DE" sz="1100" dirty="0">
               <a:solidFill>
-                <a:sysClr val="windowText" lastClr="000000"/>
+                <a:prstClr val="black">
+                  <a:lumMod val="75000"/>
+                  <a:lumOff val="25000"/>
+                </a:prstClr>
               </a:solidFill>
-              <a:effectLst/>
-              <a:uLnTx/>
-              <a:uFillTx/>
+              <a:cs typeface="Segoe UI"/>
             </a:endParaRPr>
           </a:p>
         </p:txBody>
       </p:sp>
+      <p:grpSp>
+        <p:nvGrpSpPr>
+          <p:cNvPr id="27" name="Gruppieren 26" descr="Kleiner Kreis mit enthaltener Zahl 3 zur Angabe von Schritt 3">
+            <a:extLst>
+              <a:ext uri="{FF2B5EF4-FFF2-40B4-BE49-F238E27FC236}">
+                <a16:creationId xmlns:a16="http://schemas.microsoft.com/office/drawing/2014/main" id="{5E898050-F948-990C-4666-327D925937D0}"/>
+              </a:ext>
+            </a:extLst>
+          </p:cNvPr>
+          <p:cNvGrpSpPr/>
+          <p:nvPr/>
+        </p:nvGrpSpPr>
+        <p:grpSpPr bwMode="blackWhite">
+          <a:xfrm>
+            <a:off x="531552" y="5872947"/>
+            <a:ext cx="558179" cy="409838"/>
+            <a:chOff x="6953426" y="711274"/>
+            <a:chExt cx="558179" cy="409838"/>
+          </a:xfrm>
+        </p:grpSpPr>
+        <p:sp>
+          <p:nvSpPr>
+            <p:cNvPr id="28" name="Ellipse 27" descr="Kleiner Kreis">
+              <a:extLst>
+                <a:ext uri="{FF2B5EF4-FFF2-40B4-BE49-F238E27FC236}">
+                  <a16:creationId xmlns:a16="http://schemas.microsoft.com/office/drawing/2014/main" id="{7D09B161-0F23-C75C-9193-2DB16A298A3A}"/>
+                </a:ext>
+              </a:extLst>
+            </p:cNvPr>
+            <p:cNvSpPr/>
+            <p:nvPr/>
+          </p:nvSpPr>
+          <p:spPr bwMode="blackWhite">
+            <a:xfrm>
+              <a:off x="7025069" y="711274"/>
+              <a:ext cx="409838" cy="409838"/>
+            </a:xfrm>
+            <a:prstGeom prst="ellipse">
+              <a:avLst/>
+            </a:prstGeom>
+            <a:solidFill>
+              <a:srgbClr val="D24726"/>
+            </a:solidFill>
+            <a:ln>
+              <a:noFill/>
+            </a:ln>
+          </p:spPr>
+          <p:style>
+            <a:lnRef idx="2">
+              <a:schemeClr val="accent1">
+                <a:shade val="50000"/>
+              </a:schemeClr>
+            </a:lnRef>
+            <a:fillRef idx="1">
+              <a:schemeClr val="accent1"/>
+            </a:fillRef>
+            <a:effectRef idx="0">
+              <a:schemeClr val="accent1"/>
+            </a:effectRef>
+            <a:fontRef idx="minor">
+              <a:schemeClr val="lt1"/>
+            </a:fontRef>
+          </p:style>
+          <p:txBody>
+            <a:bodyPr rtlCol="0" anchor="ctr"/>
+            <a:lstStyle/>
+            <a:p>
+              <a:pPr algn="ctr" rtl="0"/>
+              <a:endParaRPr lang="de-DE"/>
+            </a:p>
+          </p:txBody>
+        </p:sp>
+        <p:sp>
+          <p:nvSpPr>
+            <p:cNvPr id="31" name="Textfeld 30" descr="Zahl 3">
+              <a:extLst>
+                <a:ext uri="{FF2B5EF4-FFF2-40B4-BE49-F238E27FC236}">
+                  <a16:creationId xmlns:a16="http://schemas.microsoft.com/office/drawing/2014/main" id="{81306A9F-936C-B05D-B293-78F6875CB065}"/>
+                </a:ext>
+              </a:extLst>
+            </p:cNvPr>
+            <p:cNvSpPr txBox="1">
+              <a:spLocks noChangeAspect="1"/>
+            </p:cNvSpPr>
+            <p:nvPr/>
+          </p:nvSpPr>
+          <p:spPr bwMode="blackWhite">
+            <a:xfrm>
+              <a:off x="6953426" y="727564"/>
+              <a:ext cx="558179" cy="369332"/>
+            </a:xfrm>
+            <a:prstGeom prst="rect">
+              <a:avLst/>
+            </a:prstGeom>
+            <a:noFill/>
+          </p:spPr>
+          <p:txBody>
+            <a:bodyPr wrap="square" rtlCol="0">
+              <a:spAutoFit/>
+            </a:bodyPr>
+            <a:lstStyle/>
+            <a:p>
+              <a:pPr algn="ctr" rtl="0"/>
+              <a:r>
+                <a:rPr lang="de-DE" dirty="0">
+                  <a:solidFill>
+                    <a:schemeClr val="bg1"/>
+                  </a:solidFill>
+                  <a:latin typeface="Segoe UI Semibold" panose="020B0702040204020203" pitchFamily="34" charset="0"/>
+                  <a:cs typeface="Segoe UI Semibold" panose="020B0702040204020203" pitchFamily="34" charset="0"/>
+                </a:rPr>
+                <a:t>8</a:t>
+              </a:r>
+            </a:p>
+          </p:txBody>
+        </p:sp>
+      </p:grpSp>
       <p:sp>
         <p:nvSpPr>
-          <p:cNvPr id="11" name="Ellipse 10" descr="Kleiner hellblauer Kreis in einem großen dunkelblauen Kreis"/>
-          <p:cNvSpPr/>
+          <p:cNvPr id="41" name="Inhaltsplatzhalter 17">
+            <a:extLst>
+              <a:ext uri="{FF2B5EF4-FFF2-40B4-BE49-F238E27FC236}">
+                <a16:creationId xmlns:a16="http://schemas.microsoft.com/office/drawing/2014/main" id="{2BFBB399-2AE2-DCEA-0503-A5FEE510F7CB}"/>
+              </a:ext>
+            </a:extLst>
+          </p:cNvPr>
+          <p:cNvSpPr txBox="1">
+            <a:spLocks/>
+          </p:cNvSpPr>
           <p:nvPr/>
         </p:nvSpPr>
-        <p:spPr bwMode="ltGray">
+        <p:spPr>
           <a:xfrm>
-            <a:off x="8366315" y="2796642"/>
-            <a:ext cx="2148929" cy="2101759"/>
+            <a:off x="1056514" y="5885705"/>
+            <a:ext cx="5303098" cy="761144"/>
           </a:xfrm>
-          <a:prstGeom prst="ellipse">
+          <a:prstGeom prst="rect">
             <a:avLst/>
           </a:prstGeom>
-          <a:solidFill>
-            <a:schemeClr val="accent1">
-              <a:lumMod val="40000"/>
-              <a:lumOff val="60000"/>
-            </a:schemeClr>
-          </a:solidFill>
-          <a:ln>
-            <a:noFill/>
-          </a:ln>
         </p:spPr>
-        <p:style>
-          <a:lnRef idx="2">
-            <a:schemeClr val="accent1">
-              <a:shade val="50000"/>
-            </a:schemeClr>
-          </a:lnRef>
-          <a:fillRef idx="1">
-            <a:schemeClr val="accent1"/>
-          </a:fillRef>
-          <a:effectRef idx="0">
-            <a:schemeClr val="accent1"/>
-          </a:effectRef>
-          <a:fontRef idx="minor">
-            <a:schemeClr val="lt1"/>
-          </a:fontRef>
-        </p:style>
         <p:txBody>
-          <a:bodyPr rtlCol="0" anchor="ctr"/>
-          <a:lstStyle/>
+          <a:bodyPr vert="horz" lIns="91440" tIns="45720" rIns="91440" bIns="45720" rtlCol="0">
+            <a:normAutofit/>
+          </a:bodyPr>
+          <a:lstStyle>
+            <a:lvl1pPr marL="228600" indent="-228600" algn="l" defTabSz="914400" rtl="0" eaLnBrk="1" latinLnBrk="0" hangingPunct="1">
+              <a:lnSpc>
+                <a:spcPts val="1800"/>
+              </a:lnSpc>
+              <a:spcBef>
+                <a:spcPts val="1000"/>
+              </a:spcBef>
+              <a:spcAft>
+                <a:spcPts val="1000"/>
+              </a:spcAft>
+              <a:buFont typeface="Arial" panose="020B0604020202020204" pitchFamily="34" charset="0"/>
+              <a:buChar char="•"/>
+              <a:defRPr lang="en-US" sz="1200" kern="1200" smtClean="0">
+                <a:solidFill>
+                  <a:schemeClr val="tx1">
+                    <a:lumMod val="75000"/>
+                    <a:lumOff val="25000"/>
+                  </a:schemeClr>
+                </a:solidFill>
+                <a:latin typeface="+mn-lt"/>
+                <a:ea typeface="+mn-ea"/>
+                <a:cs typeface="+mn-cs"/>
+              </a:defRPr>
+            </a:lvl1pPr>
+            <a:lvl2pPr marL="685800" indent="-228600" algn="l" defTabSz="914400" rtl="0" eaLnBrk="1" latinLnBrk="0" hangingPunct="1">
+              <a:lnSpc>
+                <a:spcPts val="1800"/>
+              </a:lnSpc>
+              <a:spcBef>
+                <a:spcPts val="1000"/>
+              </a:spcBef>
+              <a:spcAft>
+                <a:spcPts val="1000"/>
+              </a:spcAft>
+              <a:buFont typeface="Arial" panose="020B0604020202020204" pitchFamily="34" charset="0"/>
+              <a:buChar char="•"/>
+              <a:defRPr lang="en-US" sz="1200" kern="1200" smtClean="0">
+                <a:solidFill>
+                  <a:schemeClr val="tx1">
+                    <a:lumMod val="75000"/>
+                    <a:lumOff val="25000"/>
+                  </a:schemeClr>
+                </a:solidFill>
+                <a:latin typeface="+mn-lt"/>
+                <a:ea typeface="+mn-ea"/>
+                <a:cs typeface="+mn-cs"/>
+              </a:defRPr>
+            </a:lvl2pPr>
+            <a:lvl3pPr marL="1143000" indent="-228600" algn="l" defTabSz="914400" rtl="0" eaLnBrk="1" latinLnBrk="0" hangingPunct="1">
+              <a:lnSpc>
+                <a:spcPts val="1800"/>
+              </a:lnSpc>
+              <a:spcBef>
+                <a:spcPts val="1000"/>
+              </a:spcBef>
+              <a:spcAft>
+                <a:spcPts val="1000"/>
+              </a:spcAft>
+              <a:buFont typeface="Arial" panose="020B0604020202020204" pitchFamily="34" charset="0"/>
+              <a:buChar char="•"/>
+              <a:defRPr lang="en-US" sz="1200" kern="1200" smtClean="0">
+                <a:solidFill>
+                  <a:schemeClr val="tx1">
+                    <a:lumMod val="75000"/>
+                    <a:lumOff val="25000"/>
+                  </a:schemeClr>
+                </a:solidFill>
+                <a:latin typeface="+mn-lt"/>
+                <a:ea typeface="+mn-ea"/>
+                <a:cs typeface="+mn-cs"/>
+              </a:defRPr>
+            </a:lvl3pPr>
+            <a:lvl4pPr marL="1600200" indent="-228600" algn="l" defTabSz="914400" rtl="0" eaLnBrk="1" latinLnBrk="0" hangingPunct="1">
+              <a:lnSpc>
+                <a:spcPts val="1800"/>
+              </a:lnSpc>
+              <a:spcBef>
+                <a:spcPts val="1000"/>
+              </a:spcBef>
+              <a:spcAft>
+                <a:spcPts val="1000"/>
+              </a:spcAft>
+              <a:buFont typeface="Arial" panose="020B0604020202020204" pitchFamily="34" charset="0"/>
+              <a:buChar char="•"/>
+              <a:defRPr lang="en-US" sz="1200" kern="1200" smtClean="0">
+                <a:solidFill>
+                  <a:schemeClr val="tx1">
+                    <a:lumMod val="75000"/>
+                    <a:lumOff val="25000"/>
+                  </a:schemeClr>
+                </a:solidFill>
+                <a:latin typeface="+mn-lt"/>
+                <a:ea typeface="+mn-ea"/>
+                <a:cs typeface="+mn-cs"/>
+              </a:defRPr>
+            </a:lvl4pPr>
+            <a:lvl5pPr marL="2057400" indent="-228600" algn="l" defTabSz="914400" rtl="0" eaLnBrk="1" latinLnBrk="0" hangingPunct="1">
+              <a:lnSpc>
+                <a:spcPts val="1800"/>
+              </a:lnSpc>
+              <a:spcBef>
+                <a:spcPts val="1000"/>
+              </a:spcBef>
+              <a:spcAft>
+                <a:spcPts val="1000"/>
+              </a:spcAft>
+              <a:buFont typeface="Arial" panose="020B0604020202020204" pitchFamily="34" charset="0"/>
+              <a:buChar char="•"/>
+              <a:defRPr lang="en-US" sz="1200" kern="1200">
+                <a:solidFill>
+                  <a:schemeClr val="tx1">
+                    <a:lumMod val="75000"/>
+                    <a:lumOff val="25000"/>
+                  </a:schemeClr>
+                </a:solidFill>
+                <a:latin typeface="+mn-lt"/>
+                <a:ea typeface="+mn-ea"/>
+                <a:cs typeface="+mn-cs"/>
+              </a:defRPr>
+            </a:lvl5pPr>
+            <a:lvl6pPr marL="2514600" indent="-228600" algn="l" defTabSz="914400" rtl="0" eaLnBrk="1" latinLnBrk="0" hangingPunct="1">
+              <a:lnSpc>
+                <a:spcPct val="90000"/>
+              </a:lnSpc>
+              <a:spcBef>
+                <a:spcPct val="30000"/>
+              </a:spcBef>
+              <a:buFont typeface="Arial" panose="020B0604020202020204" pitchFamily="34" charset="0"/>
+              <a:buChar char="•"/>
+              <a:defRPr sz="1800" kern="1200">
+                <a:solidFill>
+                  <a:schemeClr val="tx1"/>
+                </a:solidFill>
+                <a:latin typeface="+mn-lt"/>
+                <a:ea typeface="+mn-ea"/>
+                <a:cs typeface="+mn-cs"/>
+              </a:defRPr>
+            </a:lvl6pPr>
+            <a:lvl7pPr marL="2971800" indent="-228600" algn="l" defTabSz="914400" rtl="0" eaLnBrk="1" latinLnBrk="0" hangingPunct="1">
+              <a:lnSpc>
+                <a:spcPct val="90000"/>
+              </a:lnSpc>
+              <a:spcBef>
+                <a:spcPct val="30000"/>
+              </a:spcBef>
+              <a:buFont typeface="Arial" panose="020B0604020202020204" pitchFamily="34" charset="0"/>
+              <a:buChar char="•"/>
+              <a:defRPr sz="1800" kern="1200">
+                <a:solidFill>
+                  <a:schemeClr val="tx1"/>
+                </a:solidFill>
+                <a:latin typeface="+mn-lt"/>
+                <a:ea typeface="+mn-ea"/>
+                <a:cs typeface="+mn-cs"/>
+              </a:defRPr>
+            </a:lvl7pPr>
+            <a:lvl8pPr marL="3429000" indent="-228600" algn="l" defTabSz="914400" rtl="0" eaLnBrk="1" latinLnBrk="0" hangingPunct="1">
+              <a:lnSpc>
+                <a:spcPct val="90000"/>
+              </a:lnSpc>
+              <a:spcBef>
+                <a:spcPct val="30000"/>
+              </a:spcBef>
+              <a:buFont typeface="Arial" panose="020B0604020202020204" pitchFamily="34" charset="0"/>
+              <a:buChar char="•"/>
+              <a:defRPr sz="1800" kern="1200">
+                <a:solidFill>
+                  <a:schemeClr val="tx1"/>
+                </a:solidFill>
+                <a:latin typeface="+mn-lt"/>
+                <a:ea typeface="+mn-ea"/>
+                <a:cs typeface="+mn-cs"/>
+              </a:defRPr>
+            </a:lvl8pPr>
+            <a:lvl9pPr marL="3886200" indent="-228600" algn="l" defTabSz="914400" rtl="0" eaLnBrk="1" latinLnBrk="0" hangingPunct="1">
+              <a:lnSpc>
+                <a:spcPct val="90000"/>
+              </a:lnSpc>
+              <a:spcBef>
+                <a:spcPct val="30000"/>
+              </a:spcBef>
+              <a:buFont typeface="Arial" panose="020B0604020202020204" pitchFamily="34" charset="0"/>
+              <a:buChar char="•"/>
+              <a:defRPr sz="1800" kern="1200">
+                <a:solidFill>
+                  <a:schemeClr val="tx1"/>
+                </a:solidFill>
+                <a:latin typeface="+mn-lt"/>
+                <a:ea typeface="+mn-ea"/>
+                <a:cs typeface="+mn-cs"/>
+              </a:defRPr>
+            </a:lvl9pPr>
+          </a:lstStyle>
           <a:p>
-            <a:pPr marL="0" marR="0" lvl="0" indent="0" algn="ctr" defTabSz="914400" rtl="0" eaLnBrk="1" fontAlgn="auto" latinLnBrk="0" hangingPunct="1">
-              <a:lnSpc>
-                <a:spcPct val="100000"/>
-              </a:lnSpc>
-              <a:spcBef>
-                <a:spcPts val="0"/>
-              </a:spcBef>
-              <a:spcAft>
-                <a:spcPts val="0"/>
-              </a:spcAft>
-              <a:buClrTx/>
-              <a:buSzTx/>
-              <a:buFontTx/>
+            <a:pPr marL="0" lvl="0" indent="0" rtl="0">
+              <a:spcAft>
+                <a:spcPts val="600"/>
+              </a:spcAft>
               <a:buNone/>
-              <a:tabLst/>
               <a:defRPr/>
             </a:pPr>
-            <a:endParaRPr kumimoji="0" lang="de-DE" sz="1800" b="0" i="0" u="none" strike="noStrike" kern="0" cap="none" spc="0" normalizeH="0" baseline="0">
-              <a:ln>
-                <a:noFill/>
-              </a:ln>
+            <a:r>
+              <a:rPr lang="de-DE" sz="1100" dirty="0">
+                <a:solidFill>
+                  <a:prstClr val="black">
+                    <a:lumMod val="75000"/>
+                    <a:lumOff val="25000"/>
+                  </a:prstClr>
+                </a:solidFill>
+                <a:cs typeface="Segoe UI" panose="020B0502040204020203" pitchFamily="34" charset="0"/>
+              </a:rPr>
+              <a:t>Wochenende: Betroffenes Datum mit Wahrheitswert 1 versehen</a:t>
+            </a:r>
+            <a:endParaRPr lang="de-DE" sz="1100" dirty="0">
               <a:solidFill>
-                <a:sysClr val="windowText" lastClr="000000"/>
+                <a:prstClr val="black">
+                  <a:lumMod val="75000"/>
+                  <a:lumOff val="25000"/>
+                </a:prstClr>
               </a:solidFill>
-              <a:effectLst/>
-              <a:uLnTx/>
-              <a:uFillTx/>
+              <a:cs typeface="Segoe UI"/>
             </a:endParaRPr>
           </a:p>
         </p:txBody>
@@ -9030,13 +10593,21 @@
     </p:spTree>
     <p:extLst>
       <p:ext uri="{BB962C8B-B14F-4D97-AF65-F5344CB8AC3E}">
-        <p14:creationId xmlns:p14="http://schemas.microsoft.com/office/powerpoint/2010/main" val="2596833607"/>
+        <p14:creationId xmlns:p14="http://schemas.microsoft.com/office/powerpoint/2010/main" val="56762546"/>
       </p:ext>
     </p:extLst>
   </p:cSld>
   <p:clrMapOvr>
     <a:masterClrMapping/>
   </p:clrMapOvr>
+  <mc:AlternateContent xmlns:mc="http://schemas.openxmlformats.org/markup-compatibility/2006" xmlns:p14="http://schemas.microsoft.com/office/powerpoint/2010/main">
+    <mc:Choice Requires="p14">
+      <p:transition p14:dur="10"/>
+    </mc:Choice>
+    <mc:Fallback xmlns="">
+      <p:transition/>
+    </mc:Fallback>
+  </mc:AlternateContent>
 </p:sld>
 </file>
 

--- a/4_Presentation/Präsentation.pptx
+++ b/4_Presentation/Präsentation.pptx
@@ -3177,7 +3177,7 @@
                 </a:solidFill>
                 <a:cs typeface="Segoe UI"/>
               </a:rPr>
-              <a:t>Einführung und Erklärung der Variablen</a:t>
+              <a:t>Einführung, Erklärung und Aufbereitung der Variablen</a:t>
             </a:r>
           </a:p>
         </p:txBody>
@@ -3190,7 +3190,7 @@
         </p:nvGrpSpPr>
         <p:grpSpPr bwMode="blackWhite">
           <a:xfrm>
-            <a:off x="522808" y="2046759"/>
+            <a:off x="521207" y="1966777"/>
             <a:ext cx="558179" cy="409838"/>
             <a:chOff x="6953426" y="711274"/>
             <a:chExt cx="558179" cy="409838"/>
@@ -3268,7 +3268,7 @@
             <a:p>
               <a:pPr algn="ctr" rtl="0"/>
               <a:r>
-                <a:rPr lang="de-DE">
+                <a:rPr lang="de-DE" dirty="0">
                   <a:solidFill>
                     <a:schemeClr val="bg1"/>
                   </a:solidFill>
@@ -3291,7 +3291,7 @@
         </p:nvSpPr>
         <p:spPr>
           <a:xfrm>
-            <a:off x="1075932" y="2077848"/>
+            <a:off x="1046169" y="1984239"/>
             <a:ext cx="5113409" cy="480955"/>
           </a:xfrm>
           <a:prstGeom prst="rect">
@@ -3530,7 +3530,7 @@
         </p:nvGrpSpPr>
         <p:grpSpPr bwMode="blackWhite">
           <a:xfrm>
-            <a:off x="522808" y="2618520"/>
+            <a:off x="518679" y="2509406"/>
             <a:ext cx="558179" cy="409838"/>
             <a:chOff x="6953426" y="711274"/>
             <a:chExt cx="558179" cy="409838"/>
@@ -3631,7 +3631,7 @@
         </p:nvSpPr>
         <p:spPr>
           <a:xfrm>
-            <a:off x="1047770" y="2631278"/>
+            <a:off x="1029624" y="2523998"/>
             <a:ext cx="5303098" cy="1672700"/>
           </a:xfrm>
           <a:prstGeom prst="rect">
@@ -4074,7 +4074,7 @@
         </p:nvGrpSpPr>
         <p:grpSpPr bwMode="blackWhite">
           <a:xfrm>
-            <a:off x="553498" y="4389126"/>
+            <a:off x="516151" y="4201033"/>
             <a:ext cx="558179" cy="409838"/>
             <a:chOff x="6953426" y="711274"/>
             <a:chExt cx="558179" cy="409838"/>
@@ -4175,7 +4175,7 @@
         </p:nvSpPr>
         <p:spPr>
           <a:xfrm>
-            <a:off x="1075932" y="4494362"/>
+            <a:off x="1046169" y="4210287"/>
             <a:ext cx="5303098" cy="2363638"/>
           </a:xfrm>
           <a:prstGeom prst="rect">
@@ -4701,9 +4701,16 @@
             <p:ph type="title"/>
           </p:nvPr>
         </p:nvSpPr>
-        <p:spPr/>
+        <p:spPr>
+          <a:xfrm>
+            <a:off x="521207" y="448056"/>
+            <a:ext cx="8188684" cy="640080"/>
+          </a:xfrm>
+        </p:spPr>
         <p:txBody>
-          <a:bodyPr rtlCol="0"/>
+          <a:bodyPr rtlCol="0">
+            <a:normAutofit/>
+          </a:bodyPr>
           <a:lstStyle/>
           <a:p>
             <a:pPr marL="0" lvl="0" indent="0" rtl="0">
@@ -4726,7 +4733,7 @@
                 </a:solidFill>
                 <a:cs typeface="Segoe UI"/>
               </a:rPr>
-              <a:t>Einführung und Erklärung der Variablen</a:t>
+              <a:t>Einführung, Erklärung und Aufbereitung der Variablen</a:t>
             </a:r>
           </a:p>
         </p:txBody>
@@ -4840,7 +4847,7 @@
         </p:nvSpPr>
         <p:spPr>
           <a:xfrm>
-            <a:off x="1056514" y="1380219"/>
+            <a:off x="1117893" y="1345924"/>
             <a:ext cx="5399027" cy="596551"/>
           </a:xfrm>
           <a:prstGeom prst="rect">
@@ -5063,7 +5070,7 @@
                 </a:solidFill>
                 <a:cs typeface="Segoe UI"/>
               </a:rPr>
-              <a:t>Umsatzdaten nach Warengruppen gruppiert</a:t>
+              <a:t>Umsatzdaten nach Warengruppen sortiert</a:t>
             </a:r>
           </a:p>
         </p:txBody>
@@ -5076,7 +5083,7 @@
         </p:nvGrpSpPr>
         <p:grpSpPr bwMode="blackWhite">
           <a:xfrm>
-            <a:off x="531552" y="1977230"/>
+            <a:off x="531552" y="1885533"/>
             <a:ext cx="558179" cy="409838"/>
             <a:chOff x="6953426" y="711274"/>
             <a:chExt cx="558179" cy="409838"/>
@@ -5154,7 +5161,7 @@
             <a:p>
               <a:pPr algn="ctr" rtl="0"/>
               <a:r>
-                <a:rPr lang="de-DE">
+                <a:rPr lang="de-DE" dirty="0">
                   <a:solidFill>
                     <a:schemeClr val="bg1"/>
                   </a:solidFill>
@@ -5177,8 +5184,8 @@
         </p:nvSpPr>
         <p:spPr>
           <a:xfrm>
-            <a:off x="1084676" y="2008319"/>
-            <a:ext cx="5113409" cy="756871"/>
+            <a:off x="1117893" y="1885533"/>
+            <a:ext cx="5113409" cy="2212088"/>
           </a:xfrm>
           <a:prstGeom prst="rect">
             <a:avLst/>
@@ -5384,6 +5391,9 @@
           </a:lstStyle>
           <a:p>
             <a:pPr marL="0" lvl="0" indent="0" rtl="0">
+              <a:lnSpc>
+                <a:spcPct val="100000"/>
+              </a:lnSpc>
               <a:spcAft>
                 <a:spcPts val="2000"/>
               </a:spcAft>
@@ -5398,11 +5408,22 @@
                     <a:lumOff val="25000"/>
                   </a:prstClr>
                 </a:solidFill>
-                <a:latin typeface="Segoe UI" panose="020B0502040204020203" pitchFamily="34" charset="0"/>
                 <a:cs typeface="Segoe UI" panose="020B0502040204020203" pitchFamily="34" charset="0"/>
               </a:rPr>
-              <a:t>Kieler </a:t>
+              <a:t>Datumsspezifische Ereignisse mit Wahrheitswert 1 versehen:</a:t>
             </a:r>
+          </a:p>
+          <a:p>
+            <a:pPr lvl="0" rtl="0">
+              <a:lnSpc>
+                <a:spcPct val="100000"/>
+              </a:lnSpc>
+              <a:spcAft>
+                <a:spcPts val="2000"/>
+              </a:spcAft>
+              <a:buAutoNum type="alphaLcParenR"/>
+              <a:defRPr/>
+            </a:pPr>
             <a:r>
               <a:rPr lang="de-DE" sz="1100" dirty="0">
                 <a:solidFill>
@@ -5413,7 +5434,55 @@
                 </a:solidFill>
                 <a:cs typeface="Segoe UI" panose="020B0502040204020203" pitchFamily="34" charset="0"/>
               </a:rPr>
-              <a:t>Woche: Betroffenes Datum mit Wahrheitswert 1 versehen</a:t>
+              <a:t>Kieler Woche</a:t>
+            </a:r>
+          </a:p>
+          <a:p>
+            <a:pPr lvl="0" rtl="0">
+              <a:lnSpc>
+                <a:spcPct val="100000"/>
+              </a:lnSpc>
+              <a:spcAft>
+                <a:spcPts val="2000"/>
+              </a:spcAft>
+              <a:buAutoNum type="alphaLcParenR"/>
+              <a:defRPr/>
+            </a:pPr>
+            <a:r>
+              <a:rPr lang="de-DE" sz="1100" dirty="0">
+                <a:solidFill>
+                  <a:prstClr val="black">
+                    <a:lumMod val="75000"/>
+                    <a:lumOff val="25000"/>
+                  </a:prstClr>
+                </a:solidFill>
+                <a:cs typeface="Segoe UI" panose="020B0502040204020203" pitchFamily="34" charset="0"/>
+              </a:rPr>
+              <a:t>Schulferien</a:t>
+            </a:r>
+          </a:p>
+          <a:p>
+            <a:pPr lvl="0" rtl="0">
+              <a:lnSpc>
+                <a:spcPct val="100000"/>
+              </a:lnSpc>
+              <a:spcAft>
+                <a:spcPts val="2000"/>
+              </a:spcAft>
+              <a:buAutoNum type="alphaLcParenR"/>
+              <a:defRPr/>
+            </a:pPr>
+            <a:r>
+              <a:rPr lang="de-DE" sz="1100" dirty="0">
+                <a:solidFill>
+                  <a:prstClr val="black">
+                    <a:lumMod val="75000"/>
+                    <a:lumOff val="25000"/>
+                  </a:prstClr>
+                </a:solidFill>
+                <a:cs typeface="Segoe UI" panose="020B0502040204020203" pitchFamily="34" charset="0"/>
+              </a:rPr>
+              <a:t>Wochenende</a:t>
             </a:r>
           </a:p>
         </p:txBody>
@@ -5426,7 +5495,7 @@
         </p:nvGrpSpPr>
         <p:grpSpPr bwMode="blackWhite">
           <a:xfrm>
-            <a:off x="531552" y="2663106"/>
+            <a:off x="559714" y="4107329"/>
             <a:ext cx="558179" cy="409838"/>
             <a:chOff x="6953426" y="711274"/>
             <a:chExt cx="558179" cy="409838"/>
@@ -5527,8 +5596,8 @@
         </p:nvSpPr>
         <p:spPr>
           <a:xfrm>
-            <a:off x="1056514" y="2675864"/>
-            <a:ext cx="5303098" cy="761144"/>
+            <a:off x="1089731" y="4092585"/>
+            <a:ext cx="5303098" cy="2212088"/>
           </a:xfrm>
           <a:prstGeom prst="rect">
             <a:avLst/>
@@ -5734,8 +5803,11 @@
           </a:lstStyle>
           <a:p>
             <a:pPr marL="0" lvl="0" indent="0" rtl="0">
-              <a:spcAft>
-                <a:spcPts val="600"/>
+              <a:lnSpc>
+                <a:spcPct val="100000"/>
+              </a:lnSpc>
+              <a:spcAft>
+                <a:spcPts val="2000"/>
               </a:spcAft>
               <a:buNone/>
               <a:defRPr/>
@@ -5750,340 +5822,18 @@
                 </a:solidFill>
                 <a:cs typeface="Segoe UI" panose="020B0502040204020203" pitchFamily="34" charset="0"/>
               </a:rPr>
-              <a:t>Bewölkung</a:t>
+              <a:t>Naturspezifische Bedingungen/Ereignisse:</a:t>
             </a:r>
-            <a:endParaRPr lang="de-DE" sz="1100" dirty="0">
-              <a:solidFill>
-                <a:prstClr val="black">
-                  <a:lumMod val="75000"/>
-                  <a:lumOff val="25000"/>
-                </a:prstClr>
-              </a:solidFill>
-              <a:cs typeface="Segoe UI"/>
-            </a:endParaRPr>
           </a:p>
-        </p:txBody>
-      </p:sp>
-      <p:grpSp>
-        <p:nvGrpSpPr>
-          <p:cNvPr id="37" name="Gruppieren 36" descr="Kleiner Kreis mit enthaltener Zahl 4 zur Angabe von Schritt 4"/>
-          <p:cNvGrpSpPr/>
-          <p:nvPr/>
-        </p:nvGrpSpPr>
-        <p:grpSpPr bwMode="blackWhite">
-          <a:xfrm>
-            <a:off x="521207" y="3340182"/>
-            <a:ext cx="558179" cy="409838"/>
-            <a:chOff x="6953426" y="711274"/>
-            <a:chExt cx="558179" cy="409838"/>
-          </a:xfrm>
-        </p:grpSpPr>
-        <p:sp>
-          <p:nvSpPr>
-            <p:cNvPr id="38" name="Ellipse 37" descr="Kleiner Kreis"/>
-            <p:cNvSpPr/>
-            <p:nvPr/>
-          </p:nvSpPr>
-          <p:spPr bwMode="blackWhite">
-            <a:xfrm>
-              <a:off x="7025069" y="711274"/>
-              <a:ext cx="409838" cy="409838"/>
-            </a:xfrm>
-            <a:prstGeom prst="ellipse">
-              <a:avLst/>
-            </a:prstGeom>
-            <a:solidFill>
-              <a:srgbClr val="D24726"/>
-            </a:solidFill>
-            <a:ln>
-              <a:noFill/>
-            </a:ln>
-          </p:spPr>
-          <p:style>
-            <a:lnRef idx="2">
-              <a:schemeClr val="accent1">
-                <a:shade val="50000"/>
-              </a:schemeClr>
-            </a:lnRef>
-            <a:fillRef idx="1">
-              <a:schemeClr val="accent1"/>
-            </a:fillRef>
-            <a:effectRef idx="0">
-              <a:schemeClr val="accent1"/>
-            </a:effectRef>
-            <a:fontRef idx="minor">
-              <a:schemeClr val="lt1"/>
-            </a:fontRef>
-          </p:style>
-          <p:txBody>
-            <a:bodyPr rtlCol="0" anchor="ctr"/>
-            <a:lstStyle/>
-            <a:p>
-              <a:pPr algn="ctr" rtl="0"/>
-              <a:endParaRPr lang="de-DE"/>
-            </a:p>
-          </p:txBody>
-        </p:sp>
-        <p:sp>
-          <p:nvSpPr>
-            <p:cNvPr id="39" name="Textfeld 38" descr="Zahl 4"/>
-            <p:cNvSpPr txBox="1">
-              <a:spLocks noChangeAspect="1"/>
-            </p:cNvSpPr>
-            <p:nvPr/>
-          </p:nvSpPr>
-          <p:spPr bwMode="blackWhite">
-            <a:xfrm>
-              <a:off x="6953426" y="727564"/>
-              <a:ext cx="558179" cy="369332"/>
-            </a:xfrm>
-            <a:prstGeom prst="rect">
-              <a:avLst/>
-            </a:prstGeom>
-            <a:noFill/>
-          </p:spPr>
-          <p:txBody>
-            <a:bodyPr wrap="square" rtlCol="0">
-              <a:spAutoFit/>
-            </a:bodyPr>
-            <a:lstStyle/>
-            <a:p>
-              <a:pPr algn="ctr" rtl="0"/>
-              <a:r>
-                <a:rPr lang="de-DE" dirty="0">
-                  <a:solidFill>
-                    <a:schemeClr val="bg1"/>
-                  </a:solidFill>
-                  <a:latin typeface="Segoe UI Semibold" panose="020B0702040204020203" pitchFamily="34" charset="0"/>
-                  <a:cs typeface="Segoe UI Semibold" panose="020B0702040204020203" pitchFamily="34" charset="0"/>
-                </a:rPr>
-                <a:t>4</a:t>
-              </a:r>
-            </a:p>
-          </p:txBody>
-        </p:sp>
-      </p:grpSp>
-      <p:sp>
-        <p:nvSpPr>
-          <p:cNvPr id="40" name="Inhaltsplatzhalter 17"/>
-          <p:cNvSpPr txBox="1">
-            <a:spLocks/>
-          </p:cNvSpPr>
-          <p:nvPr/>
-        </p:nvSpPr>
-        <p:spPr>
-          <a:xfrm>
-            <a:off x="1046169" y="3356472"/>
-            <a:ext cx="5303098" cy="563538"/>
-          </a:xfrm>
-          <a:prstGeom prst="rect">
-            <a:avLst/>
-          </a:prstGeom>
-        </p:spPr>
-        <p:txBody>
-          <a:bodyPr vert="horz" lIns="91440" tIns="45720" rIns="91440" bIns="45720" rtlCol="0">
-            <a:normAutofit/>
-          </a:bodyPr>
-          <a:lstStyle>
-            <a:lvl1pPr marL="228600" indent="-228600" algn="l" defTabSz="914400" rtl="0" eaLnBrk="1" latinLnBrk="0" hangingPunct="1">
-              <a:lnSpc>
-                <a:spcPts val="1800"/>
-              </a:lnSpc>
-              <a:spcBef>
-                <a:spcPts val="1000"/>
-              </a:spcBef>
-              <a:spcAft>
-                <a:spcPts val="1000"/>
-              </a:spcAft>
-              <a:buFont typeface="Arial" panose="020B0604020202020204" pitchFamily="34" charset="0"/>
-              <a:buChar char="•"/>
-              <a:defRPr lang="en-US" sz="1200" kern="1200" smtClean="0">
-                <a:solidFill>
-                  <a:schemeClr val="tx1">
-                    <a:lumMod val="75000"/>
-                    <a:lumOff val="25000"/>
-                  </a:schemeClr>
-                </a:solidFill>
-                <a:latin typeface="+mn-lt"/>
-                <a:ea typeface="+mn-ea"/>
-                <a:cs typeface="+mn-cs"/>
-              </a:defRPr>
-            </a:lvl1pPr>
-            <a:lvl2pPr marL="685800" indent="-228600" algn="l" defTabSz="914400" rtl="0" eaLnBrk="1" latinLnBrk="0" hangingPunct="1">
-              <a:lnSpc>
-                <a:spcPts val="1800"/>
-              </a:lnSpc>
-              <a:spcBef>
-                <a:spcPts val="1000"/>
-              </a:spcBef>
-              <a:spcAft>
-                <a:spcPts val="1000"/>
-              </a:spcAft>
-              <a:buFont typeface="Arial" panose="020B0604020202020204" pitchFamily="34" charset="0"/>
-              <a:buChar char="•"/>
-              <a:defRPr lang="en-US" sz="1200" kern="1200" smtClean="0">
-                <a:solidFill>
-                  <a:schemeClr val="tx1">
-                    <a:lumMod val="75000"/>
-                    <a:lumOff val="25000"/>
-                  </a:schemeClr>
-                </a:solidFill>
-                <a:latin typeface="+mn-lt"/>
-                <a:ea typeface="+mn-ea"/>
-                <a:cs typeface="+mn-cs"/>
-              </a:defRPr>
-            </a:lvl2pPr>
-            <a:lvl3pPr marL="1143000" indent="-228600" algn="l" defTabSz="914400" rtl="0" eaLnBrk="1" latinLnBrk="0" hangingPunct="1">
-              <a:lnSpc>
-                <a:spcPts val="1800"/>
-              </a:lnSpc>
-              <a:spcBef>
-                <a:spcPts val="1000"/>
-              </a:spcBef>
-              <a:spcAft>
-                <a:spcPts val="1000"/>
-              </a:spcAft>
-              <a:buFont typeface="Arial" panose="020B0604020202020204" pitchFamily="34" charset="0"/>
-              <a:buChar char="•"/>
-              <a:defRPr lang="en-US" sz="1200" kern="1200" smtClean="0">
-                <a:solidFill>
-                  <a:schemeClr val="tx1">
-                    <a:lumMod val="75000"/>
-                    <a:lumOff val="25000"/>
-                  </a:schemeClr>
-                </a:solidFill>
-                <a:latin typeface="+mn-lt"/>
-                <a:ea typeface="+mn-ea"/>
-                <a:cs typeface="+mn-cs"/>
-              </a:defRPr>
-            </a:lvl3pPr>
-            <a:lvl4pPr marL="1600200" indent="-228600" algn="l" defTabSz="914400" rtl="0" eaLnBrk="1" latinLnBrk="0" hangingPunct="1">
-              <a:lnSpc>
-                <a:spcPts val="1800"/>
-              </a:lnSpc>
-              <a:spcBef>
-                <a:spcPts val="1000"/>
-              </a:spcBef>
-              <a:spcAft>
-                <a:spcPts val="1000"/>
-              </a:spcAft>
-              <a:buFont typeface="Arial" panose="020B0604020202020204" pitchFamily="34" charset="0"/>
-              <a:buChar char="•"/>
-              <a:defRPr lang="en-US" sz="1200" kern="1200" smtClean="0">
-                <a:solidFill>
-                  <a:schemeClr val="tx1">
-                    <a:lumMod val="75000"/>
-                    <a:lumOff val="25000"/>
-                  </a:schemeClr>
-                </a:solidFill>
-                <a:latin typeface="+mn-lt"/>
-                <a:ea typeface="+mn-ea"/>
-                <a:cs typeface="+mn-cs"/>
-              </a:defRPr>
-            </a:lvl4pPr>
-            <a:lvl5pPr marL="2057400" indent="-228600" algn="l" defTabSz="914400" rtl="0" eaLnBrk="1" latinLnBrk="0" hangingPunct="1">
-              <a:lnSpc>
-                <a:spcPts val="1800"/>
-              </a:lnSpc>
-              <a:spcBef>
-                <a:spcPts val="1000"/>
-              </a:spcBef>
-              <a:spcAft>
-                <a:spcPts val="1000"/>
-              </a:spcAft>
-              <a:buFont typeface="Arial" panose="020B0604020202020204" pitchFamily="34" charset="0"/>
-              <a:buChar char="•"/>
-              <a:defRPr lang="en-US" sz="1200" kern="1200">
-                <a:solidFill>
-                  <a:schemeClr val="tx1">
-                    <a:lumMod val="75000"/>
-                    <a:lumOff val="25000"/>
-                  </a:schemeClr>
-                </a:solidFill>
-                <a:latin typeface="+mn-lt"/>
-                <a:ea typeface="+mn-ea"/>
-                <a:cs typeface="+mn-cs"/>
-              </a:defRPr>
-            </a:lvl5pPr>
-            <a:lvl6pPr marL="2514600" indent="-228600" algn="l" defTabSz="914400" rtl="0" eaLnBrk="1" latinLnBrk="0" hangingPunct="1">
-              <a:lnSpc>
-                <a:spcPct val="90000"/>
-              </a:lnSpc>
-              <a:spcBef>
-                <a:spcPct val="30000"/>
-              </a:spcBef>
-              <a:buFont typeface="Arial" panose="020B0604020202020204" pitchFamily="34" charset="0"/>
-              <a:buChar char="•"/>
-              <a:defRPr sz="1800" kern="1200">
-                <a:solidFill>
-                  <a:schemeClr val="tx1"/>
-                </a:solidFill>
-                <a:latin typeface="+mn-lt"/>
-                <a:ea typeface="+mn-ea"/>
-                <a:cs typeface="+mn-cs"/>
-              </a:defRPr>
-            </a:lvl6pPr>
-            <a:lvl7pPr marL="2971800" indent="-228600" algn="l" defTabSz="914400" rtl="0" eaLnBrk="1" latinLnBrk="0" hangingPunct="1">
-              <a:lnSpc>
-                <a:spcPct val="90000"/>
-              </a:lnSpc>
-              <a:spcBef>
-                <a:spcPct val="30000"/>
-              </a:spcBef>
-              <a:buFont typeface="Arial" panose="020B0604020202020204" pitchFamily="34" charset="0"/>
-              <a:buChar char="•"/>
-              <a:defRPr sz="1800" kern="1200">
-                <a:solidFill>
-                  <a:schemeClr val="tx1"/>
-                </a:solidFill>
-                <a:latin typeface="+mn-lt"/>
-                <a:ea typeface="+mn-ea"/>
-                <a:cs typeface="+mn-cs"/>
-              </a:defRPr>
-            </a:lvl7pPr>
-            <a:lvl8pPr marL="3429000" indent="-228600" algn="l" defTabSz="914400" rtl="0" eaLnBrk="1" latinLnBrk="0" hangingPunct="1">
-              <a:lnSpc>
-                <a:spcPct val="90000"/>
-              </a:lnSpc>
-              <a:spcBef>
-                <a:spcPct val="30000"/>
-              </a:spcBef>
-              <a:buFont typeface="Arial" panose="020B0604020202020204" pitchFamily="34" charset="0"/>
-              <a:buChar char="•"/>
-              <a:defRPr sz="1800" kern="1200">
-                <a:solidFill>
-                  <a:schemeClr val="tx1"/>
-                </a:solidFill>
-                <a:latin typeface="+mn-lt"/>
-                <a:ea typeface="+mn-ea"/>
-                <a:cs typeface="+mn-cs"/>
-              </a:defRPr>
-            </a:lvl8pPr>
-            <a:lvl9pPr marL="3886200" indent="-228600" algn="l" defTabSz="914400" rtl="0" eaLnBrk="1" latinLnBrk="0" hangingPunct="1">
-              <a:lnSpc>
-                <a:spcPct val="90000"/>
-              </a:lnSpc>
-              <a:spcBef>
-                <a:spcPct val="30000"/>
-              </a:spcBef>
-              <a:buFont typeface="Arial" panose="020B0604020202020204" pitchFamily="34" charset="0"/>
-              <a:buChar char="•"/>
-              <a:defRPr sz="1800" kern="1200">
-                <a:solidFill>
-                  <a:schemeClr val="tx1"/>
-                </a:solidFill>
-                <a:latin typeface="+mn-lt"/>
-                <a:ea typeface="+mn-ea"/>
-                <a:cs typeface="+mn-cs"/>
-              </a:defRPr>
-            </a:lvl9pPr>
-          </a:lstStyle>
           <a:p>
-            <a:pPr marL="0" lvl="0" indent="0" rtl="0">
+            <a:pPr lvl="0" rtl="0">
+              <a:lnSpc>
+                <a:spcPct val="100000"/>
+              </a:lnSpc>
               <a:spcAft>
                 <a:spcPts val="2000"/>
               </a:spcAft>
-              <a:buNone/>
+              <a:buAutoNum type="alphaLcParenR"/>
               <a:defRPr/>
             </a:pPr>
             <a:r>
@@ -6096,7 +5846,55 @@
                 </a:solidFill>
                 <a:cs typeface="Segoe UI" panose="020B0502040204020203" pitchFamily="34" charset="0"/>
               </a:rPr>
-              <a:t>Temperatur</a:t>
+              <a:t>Temperatur </a:t>
+            </a:r>
+          </a:p>
+          <a:p>
+            <a:pPr lvl="0" rtl="0">
+              <a:lnSpc>
+                <a:spcPct val="100000"/>
+              </a:lnSpc>
+              <a:spcAft>
+                <a:spcPts val="2000"/>
+              </a:spcAft>
+              <a:buAutoNum type="alphaLcParenR"/>
+              <a:defRPr/>
+            </a:pPr>
+            <a:r>
+              <a:rPr lang="de-DE" sz="1100" dirty="0">
+                <a:solidFill>
+                  <a:prstClr val="black">
+                    <a:lumMod val="75000"/>
+                    <a:lumOff val="25000"/>
+                  </a:prstClr>
+                </a:solidFill>
+                <a:cs typeface="Segoe UI" panose="020B0502040204020203" pitchFamily="34" charset="0"/>
+              </a:rPr>
+              <a:t>Windgeschwindigkeit</a:t>
+            </a:r>
+          </a:p>
+          <a:p>
+            <a:pPr lvl="0" rtl="0">
+              <a:lnSpc>
+                <a:spcPct val="100000"/>
+              </a:lnSpc>
+              <a:spcAft>
+                <a:spcPts val="2000"/>
+              </a:spcAft>
+              <a:buAutoNum type="alphaLcParenR"/>
+              <a:defRPr/>
+            </a:pPr>
+            <a:r>
+              <a:rPr lang="de-DE" sz="1100" dirty="0">
+                <a:solidFill>
+                  <a:prstClr val="black">
+                    <a:lumMod val="75000"/>
+                    <a:lumOff val="25000"/>
+                  </a:prstClr>
+                </a:solidFill>
+                <a:cs typeface="Segoe UI" panose="020B0502040204020203" pitchFamily="34" charset="0"/>
+              </a:rPr>
+              <a:t>Wettercode</a:t>
             </a:r>
           </a:p>
         </p:txBody>
@@ -6147,1477 +5945,6 @@
           </a:prstGeom>
         </p:spPr>
       </p:pic>
-      <p:grpSp>
-        <p:nvGrpSpPr>
-          <p:cNvPr id="2" name="Gruppieren 1" descr="Kleiner Kreis mit enthaltener Zahl 3 zur Angabe von Schritt 3">
-            <a:extLst>
-              <a:ext uri="{FF2B5EF4-FFF2-40B4-BE49-F238E27FC236}">
-                <a16:creationId xmlns:a16="http://schemas.microsoft.com/office/drawing/2014/main" id="{45EA679F-414B-8C6E-CBCB-0A3086ABE14D}"/>
-              </a:ext>
-            </a:extLst>
-          </p:cNvPr>
-          <p:cNvGrpSpPr/>
-          <p:nvPr/>
-        </p:nvGrpSpPr>
-        <p:grpSpPr bwMode="blackWhite">
-          <a:xfrm>
-            <a:off x="531552" y="3969738"/>
-            <a:ext cx="558179" cy="409838"/>
-            <a:chOff x="6953426" y="711274"/>
-            <a:chExt cx="558179" cy="409838"/>
-          </a:xfrm>
-        </p:grpSpPr>
-        <p:sp>
-          <p:nvSpPr>
-            <p:cNvPr id="3" name="Ellipse 2" descr="Kleiner Kreis">
-              <a:extLst>
-                <a:ext uri="{FF2B5EF4-FFF2-40B4-BE49-F238E27FC236}">
-                  <a16:creationId xmlns:a16="http://schemas.microsoft.com/office/drawing/2014/main" id="{FD340FDB-4BE8-103C-7763-CD02EA49FFB1}"/>
-                </a:ext>
-              </a:extLst>
-            </p:cNvPr>
-            <p:cNvSpPr/>
-            <p:nvPr/>
-          </p:nvSpPr>
-          <p:spPr bwMode="blackWhite">
-            <a:xfrm>
-              <a:off x="7025069" y="711274"/>
-              <a:ext cx="409838" cy="409838"/>
-            </a:xfrm>
-            <a:prstGeom prst="ellipse">
-              <a:avLst/>
-            </a:prstGeom>
-            <a:solidFill>
-              <a:srgbClr val="D24726"/>
-            </a:solidFill>
-            <a:ln>
-              <a:noFill/>
-            </a:ln>
-          </p:spPr>
-          <p:style>
-            <a:lnRef idx="2">
-              <a:schemeClr val="accent1">
-                <a:shade val="50000"/>
-              </a:schemeClr>
-            </a:lnRef>
-            <a:fillRef idx="1">
-              <a:schemeClr val="accent1"/>
-            </a:fillRef>
-            <a:effectRef idx="0">
-              <a:schemeClr val="accent1"/>
-            </a:effectRef>
-            <a:fontRef idx="minor">
-              <a:schemeClr val="lt1"/>
-            </a:fontRef>
-          </p:style>
-          <p:txBody>
-            <a:bodyPr rtlCol="0" anchor="ctr"/>
-            <a:lstStyle/>
-            <a:p>
-              <a:pPr algn="ctr" rtl="0"/>
-              <a:endParaRPr lang="de-DE"/>
-            </a:p>
-          </p:txBody>
-        </p:sp>
-        <p:sp>
-          <p:nvSpPr>
-            <p:cNvPr id="5" name="Textfeld 4" descr="Zahl 3">
-              <a:extLst>
-                <a:ext uri="{FF2B5EF4-FFF2-40B4-BE49-F238E27FC236}">
-                  <a16:creationId xmlns:a16="http://schemas.microsoft.com/office/drawing/2014/main" id="{1E702753-74CD-047A-85A4-64306AA4F1D1}"/>
-                </a:ext>
-              </a:extLst>
-            </p:cNvPr>
-            <p:cNvSpPr txBox="1">
-              <a:spLocks noChangeAspect="1"/>
-            </p:cNvSpPr>
-            <p:nvPr/>
-          </p:nvSpPr>
-          <p:spPr bwMode="blackWhite">
-            <a:xfrm>
-              <a:off x="6953426" y="727564"/>
-              <a:ext cx="558179" cy="369332"/>
-            </a:xfrm>
-            <a:prstGeom prst="rect">
-              <a:avLst/>
-            </a:prstGeom>
-            <a:noFill/>
-          </p:spPr>
-          <p:txBody>
-            <a:bodyPr wrap="square" rtlCol="0">
-              <a:spAutoFit/>
-            </a:bodyPr>
-            <a:lstStyle/>
-            <a:p>
-              <a:pPr algn="ctr" rtl="0"/>
-              <a:r>
-                <a:rPr lang="de-DE" dirty="0">
-                  <a:solidFill>
-                    <a:schemeClr val="bg1"/>
-                  </a:solidFill>
-                  <a:latin typeface="Segoe UI Semibold" panose="020B0702040204020203" pitchFamily="34" charset="0"/>
-                  <a:cs typeface="Segoe UI Semibold" panose="020B0702040204020203" pitchFamily="34" charset="0"/>
-                </a:rPr>
-                <a:t>5</a:t>
-              </a:r>
-            </a:p>
-          </p:txBody>
-        </p:sp>
-      </p:grpSp>
-      <p:sp>
-        <p:nvSpPr>
-          <p:cNvPr id="6" name="Inhaltsplatzhalter 17">
-            <a:extLst>
-              <a:ext uri="{FF2B5EF4-FFF2-40B4-BE49-F238E27FC236}">
-                <a16:creationId xmlns:a16="http://schemas.microsoft.com/office/drawing/2014/main" id="{A8F18E22-B6BE-5480-F86F-5B9E125AAAEE}"/>
-              </a:ext>
-            </a:extLst>
-          </p:cNvPr>
-          <p:cNvSpPr txBox="1">
-            <a:spLocks/>
-          </p:cNvSpPr>
-          <p:nvPr/>
-        </p:nvSpPr>
-        <p:spPr>
-          <a:xfrm>
-            <a:off x="1056514" y="3982496"/>
-            <a:ext cx="5303098" cy="761144"/>
-          </a:xfrm>
-          <a:prstGeom prst="rect">
-            <a:avLst/>
-          </a:prstGeom>
-        </p:spPr>
-        <p:txBody>
-          <a:bodyPr vert="horz" lIns="91440" tIns="45720" rIns="91440" bIns="45720" rtlCol="0">
-            <a:normAutofit/>
-          </a:bodyPr>
-          <a:lstStyle>
-            <a:lvl1pPr marL="228600" indent="-228600" algn="l" defTabSz="914400" rtl="0" eaLnBrk="1" latinLnBrk="0" hangingPunct="1">
-              <a:lnSpc>
-                <a:spcPts val="1800"/>
-              </a:lnSpc>
-              <a:spcBef>
-                <a:spcPts val="1000"/>
-              </a:spcBef>
-              <a:spcAft>
-                <a:spcPts val="1000"/>
-              </a:spcAft>
-              <a:buFont typeface="Arial" panose="020B0604020202020204" pitchFamily="34" charset="0"/>
-              <a:buChar char="•"/>
-              <a:defRPr lang="en-US" sz="1200" kern="1200" smtClean="0">
-                <a:solidFill>
-                  <a:schemeClr val="tx1">
-                    <a:lumMod val="75000"/>
-                    <a:lumOff val="25000"/>
-                  </a:schemeClr>
-                </a:solidFill>
-                <a:latin typeface="+mn-lt"/>
-                <a:ea typeface="+mn-ea"/>
-                <a:cs typeface="+mn-cs"/>
-              </a:defRPr>
-            </a:lvl1pPr>
-            <a:lvl2pPr marL="685800" indent="-228600" algn="l" defTabSz="914400" rtl="0" eaLnBrk="1" latinLnBrk="0" hangingPunct="1">
-              <a:lnSpc>
-                <a:spcPts val="1800"/>
-              </a:lnSpc>
-              <a:spcBef>
-                <a:spcPts val="1000"/>
-              </a:spcBef>
-              <a:spcAft>
-                <a:spcPts val="1000"/>
-              </a:spcAft>
-              <a:buFont typeface="Arial" panose="020B0604020202020204" pitchFamily="34" charset="0"/>
-              <a:buChar char="•"/>
-              <a:defRPr lang="en-US" sz="1200" kern="1200" smtClean="0">
-                <a:solidFill>
-                  <a:schemeClr val="tx1">
-                    <a:lumMod val="75000"/>
-                    <a:lumOff val="25000"/>
-                  </a:schemeClr>
-                </a:solidFill>
-                <a:latin typeface="+mn-lt"/>
-                <a:ea typeface="+mn-ea"/>
-                <a:cs typeface="+mn-cs"/>
-              </a:defRPr>
-            </a:lvl2pPr>
-            <a:lvl3pPr marL="1143000" indent="-228600" algn="l" defTabSz="914400" rtl="0" eaLnBrk="1" latinLnBrk="0" hangingPunct="1">
-              <a:lnSpc>
-                <a:spcPts val="1800"/>
-              </a:lnSpc>
-              <a:spcBef>
-                <a:spcPts val="1000"/>
-              </a:spcBef>
-              <a:spcAft>
-                <a:spcPts val="1000"/>
-              </a:spcAft>
-              <a:buFont typeface="Arial" panose="020B0604020202020204" pitchFamily="34" charset="0"/>
-              <a:buChar char="•"/>
-              <a:defRPr lang="en-US" sz="1200" kern="1200" smtClean="0">
-                <a:solidFill>
-                  <a:schemeClr val="tx1">
-                    <a:lumMod val="75000"/>
-                    <a:lumOff val="25000"/>
-                  </a:schemeClr>
-                </a:solidFill>
-                <a:latin typeface="+mn-lt"/>
-                <a:ea typeface="+mn-ea"/>
-                <a:cs typeface="+mn-cs"/>
-              </a:defRPr>
-            </a:lvl3pPr>
-            <a:lvl4pPr marL="1600200" indent="-228600" algn="l" defTabSz="914400" rtl="0" eaLnBrk="1" latinLnBrk="0" hangingPunct="1">
-              <a:lnSpc>
-                <a:spcPts val="1800"/>
-              </a:lnSpc>
-              <a:spcBef>
-                <a:spcPts val="1000"/>
-              </a:spcBef>
-              <a:spcAft>
-                <a:spcPts val="1000"/>
-              </a:spcAft>
-              <a:buFont typeface="Arial" panose="020B0604020202020204" pitchFamily="34" charset="0"/>
-              <a:buChar char="•"/>
-              <a:defRPr lang="en-US" sz="1200" kern="1200" smtClean="0">
-                <a:solidFill>
-                  <a:schemeClr val="tx1">
-                    <a:lumMod val="75000"/>
-                    <a:lumOff val="25000"/>
-                  </a:schemeClr>
-                </a:solidFill>
-                <a:latin typeface="+mn-lt"/>
-                <a:ea typeface="+mn-ea"/>
-                <a:cs typeface="+mn-cs"/>
-              </a:defRPr>
-            </a:lvl4pPr>
-            <a:lvl5pPr marL="2057400" indent="-228600" algn="l" defTabSz="914400" rtl="0" eaLnBrk="1" latinLnBrk="0" hangingPunct="1">
-              <a:lnSpc>
-                <a:spcPts val="1800"/>
-              </a:lnSpc>
-              <a:spcBef>
-                <a:spcPts val="1000"/>
-              </a:spcBef>
-              <a:spcAft>
-                <a:spcPts val="1000"/>
-              </a:spcAft>
-              <a:buFont typeface="Arial" panose="020B0604020202020204" pitchFamily="34" charset="0"/>
-              <a:buChar char="•"/>
-              <a:defRPr lang="en-US" sz="1200" kern="1200">
-                <a:solidFill>
-                  <a:schemeClr val="tx1">
-                    <a:lumMod val="75000"/>
-                    <a:lumOff val="25000"/>
-                  </a:schemeClr>
-                </a:solidFill>
-                <a:latin typeface="+mn-lt"/>
-                <a:ea typeface="+mn-ea"/>
-                <a:cs typeface="+mn-cs"/>
-              </a:defRPr>
-            </a:lvl5pPr>
-            <a:lvl6pPr marL="2514600" indent="-228600" algn="l" defTabSz="914400" rtl="0" eaLnBrk="1" latinLnBrk="0" hangingPunct="1">
-              <a:lnSpc>
-                <a:spcPct val="90000"/>
-              </a:lnSpc>
-              <a:spcBef>
-                <a:spcPct val="30000"/>
-              </a:spcBef>
-              <a:buFont typeface="Arial" panose="020B0604020202020204" pitchFamily="34" charset="0"/>
-              <a:buChar char="•"/>
-              <a:defRPr sz="1800" kern="1200">
-                <a:solidFill>
-                  <a:schemeClr val="tx1"/>
-                </a:solidFill>
-                <a:latin typeface="+mn-lt"/>
-                <a:ea typeface="+mn-ea"/>
-                <a:cs typeface="+mn-cs"/>
-              </a:defRPr>
-            </a:lvl6pPr>
-            <a:lvl7pPr marL="2971800" indent="-228600" algn="l" defTabSz="914400" rtl="0" eaLnBrk="1" latinLnBrk="0" hangingPunct="1">
-              <a:lnSpc>
-                <a:spcPct val="90000"/>
-              </a:lnSpc>
-              <a:spcBef>
-                <a:spcPct val="30000"/>
-              </a:spcBef>
-              <a:buFont typeface="Arial" panose="020B0604020202020204" pitchFamily="34" charset="0"/>
-              <a:buChar char="•"/>
-              <a:defRPr sz="1800" kern="1200">
-                <a:solidFill>
-                  <a:schemeClr val="tx1"/>
-                </a:solidFill>
-                <a:latin typeface="+mn-lt"/>
-                <a:ea typeface="+mn-ea"/>
-                <a:cs typeface="+mn-cs"/>
-              </a:defRPr>
-            </a:lvl7pPr>
-            <a:lvl8pPr marL="3429000" indent="-228600" algn="l" defTabSz="914400" rtl="0" eaLnBrk="1" latinLnBrk="0" hangingPunct="1">
-              <a:lnSpc>
-                <a:spcPct val="90000"/>
-              </a:lnSpc>
-              <a:spcBef>
-                <a:spcPct val="30000"/>
-              </a:spcBef>
-              <a:buFont typeface="Arial" panose="020B0604020202020204" pitchFamily="34" charset="0"/>
-              <a:buChar char="•"/>
-              <a:defRPr sz="1800" kern="1200">
-                <a:solidFill>
-                  <a:schemeClr val="tx1"/>
-                </a:solidFill>
-                <a:latin typeface="+mn-lt"/>
-                <a:ea typeface="+mn-ea"/>
-                <a:cs typeface="+mn-cs"/>
-              </a:defRPr>
-            </a:lvl8pPr>
-            <a:lvl9pPr marL="3886200" indent="-228600" algn="l" defTabSz="914400" rtl="0" eaLnBrk="1" latinLnBrk="0" hangingPunct="1">
-              <a:lnSpc>
-                <a:spcPct val="90000"/>
-              </a:lnSpc>
-              <a:spcBef>
-                <a:spcPct val="30000"/>
-              </a:spcBef>
-              <a:buFont typeface="Arial" panose="020B0604020202020204" pitchFamily="34" charset="0"/>
-              <a:buChar char="•"/>
-              <a:defRPr sz="1800" kern="1200">
-                <a:solidFill>
-                  <a:schemeClr val="tx1"/>
-                </a:solidFill>
-                <a:latin typeface="+mn-lt"/>
-                <a:ea typeface="+mn-ea"/>
-                <a:cs typeface="+mn-cs"/>
-              </a:defRPr>
-            </a:lvl9pPr>
-          </a:lstStyle>
-          <a:p>
-            <a:pPr marL="0" lvl="0" indent="0" rtl="0">
-              <a:spcAft>
-                <a:spcPts val="600"/>
-              </a:spcAft>
-              <a:buNone/>
-              <a:defRPr/>
-            </a:pPr>
-            <a:r>
-              <a:rPr lang="de-DE" sz="1100" dirty="0">
-                <a:solidFill>
-                  <a:prstClr val="black">
-                    <a:lumMod val="75000"/>
-                    <a:lumOff val="25000"/>
-                  </a:prstClr>
-                </a:solidFill>
-                <a:cs typeface="Segoe UI" panose="020B0502040204020203" pitchFamily="34" charset="0"/>
-              </a:rPr>
-              <a:t>Windgeschwindigkeit</a:t>
-            </a:r>
-            <a:endParaRPr lang="de-DE" sz="1100" dirty="0">
-              <a:solidFill>
-                <a:prstClr val="black">
-                  <a:lumMod val="75000"/>
-                  <a:lumOff val="25000"/>
-                </a:prstClr>
-              </a:solidFill>
-              <a:cs typeface="Segoe UI"/>
-            </a:endParaRPr>
-          </a:p>
-        </p:txBody>
-      </p:sp>
-      <p:grpSp>
-        <p:nvGrpSpPr>
-          <p:cNvPr id="7" name="Gruppieren 6" descr="Kleiner Kreis mit enthaltener Zahl 4 zur Angabe von Schritt 4">
-            <a:extLst>
-              <a:ext uri="{FF2B5EF4-FFF2-40B4-BE49-F238E27FC236}">
-                <a16:creationId xmlns:a16="http://schemas.microsoft.com/office/drawing/2014/main" id="{0F2DDA3D-52BB-8762-2149-DB564BC6933E}"/>
-              </a:ext>
-            </a:extLst>
-          </p:cNvPr>
-          <p:cNvGrpSpPr/>
-          <p:nvPr/>
-        </p:nvGrpSpPr>
-        <p:grpSpPr bwMode="blackWhite">
-          <a:xfrm>
-            <a:off x="521207" y="4646814"/>
-            <a:ext cx="558179" cy="409838"/>
-            <a:chOff x="6953426" y="711274"/>
-            <a:chExt cx="558179" cy="409838"/>
-          </a:xfrm>
-        </p:grpSpPr>
-        <p:sp>
-          <p:nvSpPr>
-            <p:cNvPr id="8" name="Ellipse 7" descr="Kleiner Kreis">
-              <a:extLst>
-                <a:ext uri="{FF2B5EF4-FFF2-40B4-BE49-F238E27FC236}">
-                  <a16:creationId xmlns:a16="http://schemas.microsoft.com/office/drawing/2014/main" id="{6610C740-A587-C0B5-13CA-F5CC96C435E9}"/>
-                </a:ext>
-              </a:extLst>
-            </p:cNvPr>
-            <p:cNvSpPr/>
-            <p:nvPr/>
-          </p:nvSpPr>
-          <p:spPr bwMode="blackWhite">
-            <a:xfrm>
-              <a:off x="7025069" y="711274"/>
-              <a:ext cx="409838" cy="409838"/>
-            </a:xfrm>
-            <a:prstGeom prst="ellipse">
-              <a:avLst/>
-            </a:prstGeom>
-            <a:solidFill>
-              <a:srgbClr val="D24726"/>
-            </a:solidFill>
-            <a:ln>
-              <a:noFill/>
-            </a:ln>
-          </p:spPr>
-          <p:style>
-            <a:lnRef idx="2">
-              <a:schemeClr val="accent1">
-                <a:shade val="50000"/>
-              </a:schemeClr>
-            </a:lnRef>
-            <a:fillRef idx="1">
-              <a:schemeClr val="accent1"/>
-            </a:fillRef>
-            <a:effectRef idx="0">
-              <a:schemeClr val="accent1"/>
-            </a:effectRef>
-            <a:fontRef idx="minor">
-              <a:schemeClr val="lt1"/>
-            </a:fontRef>
-          </p:style>
-          <p:txBody>
-            <a:bodyPr rtlCol="0" anchor="ctr"/>
-            <a:lstStyle/>
-            <a:p>
-              <a:pPr algn="ctr" rtl="0"/>
-              <a:endParaRPr lang="de-DE"/>
-            </a:p>
-          </p:txBody>
-        </p:sp>
-        <p:sp>
-          <p:nvSpPr>
-            <p:cNvPr id="9" name="Textfeld 8" descr="Zahl 4">
-              <a:extLst>
-                <a:ext uri="{FF2B5EF4-FFF2-40B4-BE49-F238E27FC236}">
-                  <a16:creationId xmlns:a16="http://schemas.microsoft.com/office/drawing/2014/main" id="{E59D011B-AD03-8216-ED4F-C4A2F12C4498}"/>
-                </a:ext>
-              </a:extLst>
-            </p:cNvPr>
-            <p:cNvSpPr txBox="1">
-              <a:spLocks noChangeAspect="1"/>
-            </p:cNvSpPr>
-            <p:nvPr/>
-          </p:nvSpPr>
-          <p:spPr bwMode="blackWhite">
-            <a:xfrm>
-              <a:off x="6953426" y="727564"/>
-              <a:ext cx="558179" cy="369332"/>
-            </a:xfrm>
-            <a:prstGeom prst="rect">
-              <a:avLst/>
-            </a:prstGeom>
-            <a:noFill/>
-          </p:spPr>
-          <p:txBody>
-            <a:bodyPr wrap="square" rtlCol="0">
-              <a:spAutoFit/>
-            </a:bodyPr>
-            <a:lstStyle/>
-            <a:p>
-              <a:pPr algn="ctr" rtl="0"/>
-              <a:r>
-                <a:rPr lang="de-DE" dirty="0">
-                  <a:solidFill>
-                    <a:schemeClr val="bg1"/>
-                  </a:solidFill>
-                  <a:latin typeface="Segoe UI Semibold" panose="020B0702040204020203" pitchFamily="34" charset="0"/>
-                  <a:cs typeface="Segoe UI Semibold" panose="020B0702040204020203" pitchFamily="34" charset="0"/>
-                </a:rPr>
-                <a:t>6</a:t>
-              </a:r>
-            </a:p>
-          </p:txBody>
-        </p:sp>
-      </p:grpSp>
-      <p:sp>
-        <p:nvSpPr>
-          <p:cNvPr id="10" name="Inhaltsplatzhalter 17">
-            <a:extLst>
-              <a:ext uri="{FF2B5EF4-FFF2-40B4-BE49-F238E27FC236}">
-                <a16:creationId xmlns:a16="http://schemas.microsoft.com/office/drawing/2014/main" id="{E45821F7-0233-EE16-58FF-1BFFA8950485}"/>
-              </a:ext>
-            </a:extLst>
-          </p:cNvPr>
-          <p:cNvSpPr txBox="1">
-            <a:spLocks/>
-          </p:cNvSpPr>
-          <p:nvPr/>
-        </p:nvSpPr>
-        <p:spPr>
-          <a:xfrm>
-            <a:off x="1046169" y="4663104"/>
-            <a:ext cx="5303098" cy="563538"/>
-          </a:xfrm>
-          <a:prstGeom prst="rect">
-            <a:avLst/>
-          </a:prstGeom>
-        </p:spPr>
-        <p:txBody>
-          <a:bodyPr vert="horz" lIns="91440" tIns="45720" rIns="91440" bIns="45720" rtlCol="0">
-            <a:normAutofit/>
-          </a:bodyPr>
-          <a:lstStyle>
-            <a:lvl1pPr marL="228600" indent="-228600" algn="l" defTabSz="914400" rtl="0" eaLnBrk="1" latinLnBrk="0" hangingPunct="1">
-              <a:lnSpc>
-                <a:spcPts val="1800"/>
-              </a:lnSpc>
-              <a:spcBef>
-                <a:spcPts val="1000"/>
-              </a:spcBef>
-              <a:spcAft>
-                <a:spcPts val="1000"/>
-              </a:spcAft>
-              <a:buFont typeface="Arial" panose="020B0604020202020204" pitchFamily="34" charset="0"/>
-              <a:buChar char="•"/>
-              <a:defRPr lang="en-US" sz="1200" kern="1200" smtClean="0">
-                <a:solidFill>
-                  <a:schemeClr val="tx1">
-                    <a:lumMod val="75000"/>
-                    <a:lumOff val="25000"/>
-                  </a:schemeClr>
-                </a:solidFill>
-                <a:latin typeface="+mn-lt"/>
-                <a:ea typeface="+mn-ea"/>
-                <a:cs typeface="+mn-cs"/>
-              </a:defRPr>
-            </a:lvl1pPr>
-            <a:lvl2pPr marL="685800" indent="-228600" algn="l" defTabSz="914400" rtl="0" eaLnBrk="1" latinLnBrk="0" hangingPunct="1">
-              <a:lnSpc>
-                <a:spcPts val="1800"/>
-              </a:lnSpc>
-              <a:spcBef>
-                <a:spcPts val="1000"/>
-              </a:spcBef>
-              <a:spcAft>
-                <a:spcPts val="1000"/>
-              </a:spcAft>
-              <a:buFont typeface="Arial" panose="020B0604020202020204" pitchFamily="34" charset="0"/>
-              <a:buChar char="•"/>
-              <a:defRPr lang="en-US" sz="1200" kern="1200" smtClean="0">
-                <a:solidFill>
-                  <a:schemeClr val="tx1">
-                    <a:lumMod val="75000"/>
-                    <a:lumOff val="25000"/>
-                  </a:schemeClr>
-                </a:solidFill>
-                <a:latin typeface="+mn-lt"/>
-                <a:ea typeface="+mn-ea"/>
-                <a:cs typeface="+mn-cs"/>
-              </a:defRPr>
-            </a:lvl2pPr>
-            <a:lvl3pPr marL="1143000" indent="-228600" algn="l" defTabSz="914400" rtl="0" eaLnBrk="1" latinLnBrk="0" hangingPunct="1">
-              <a:lnSpc>
-                <a:spcPts val="1800"/>
-              </a:lnSpc>
-              <a:spcBef>
-                <a:spcPts val="1000"/>
-              </a:spcBef>
-              <a:spcAft>
-                <a:spcPts val="1000"/>
-              </a:spcAft>
-              <a:buFont typeface="Arial" panose="020B0604020202020204" pitchFamily="34" charset="0"/>
-              <a:buChar char="•"/>
-              <a:defRPr lang="en-US" sz="1200" kern="1200" smtClean="0">
-                <a:solidFill>
-                  <a:schemeClr val="tx1">
-                    <a:lumMod val="75000"/>
-                    <a:lumOff val="25000"/>
-                  </a:schemeClr>
-                </a:solidFill>
-                <a:latin typeface="+mn-lt"/>
-                <a:ea typeface="+mn-ea"/>
-                <a:cs typeface="+mn-cs"/>
-              </a:defRPr>
-            </a:lvl3pPr>
-            <a:lvl4pPr marL="1600200" indent="-228600" algn="l" defTabSz="914400" rtl="0" eaLnBrk="1" latinLnBrk="0" hangingPunct="1">
-              <a:lnSpc>
-                <a:spcPts val="1800"/>
-              </a:lnSpc>
-              <a:spcBef>
-                <a:spcPts val="1000"/>
-              </a:spcBef>
-              <a:spcAft>
-                <a:spcPts val="1000"/>
-              </a:spcAft>
-              <a:buFont typeface="Arial" panose="020B0604020202020204" pitchFamily="34" charset="0"/>
-              <a:buChar char="•"/>
-              <a:defRPr lang="en-US" sz="1200" kern="1200" smtClean="0">
-                <a:solidFill>
-                  <a:schemeClr val="tx1">
-                    <a:lumMod val="75000"/>
-                    <a:lumOff val="25000"/>
-                  </a:schemeClr>
-                </a:solidFill>
-                <a:latin typeface="+mn-lt"/>
-                <a:ea typeface="+mn-ea"/>
-                <a:cs typeface="+mn-cs"/>
-              </a:defRPr>
-            </a:lvl4pPr>
-            <a:lvl5pPr marL="2057400" indent="-228600" algn="l" defTabSz="914400" rtl="0" eaLnBrk="1" latinLnBrk="0" hangingPunct="1">
-              <a:lnSpc>
-                <a:spcPts val="1800"/>
-              </a:lnSpc>
-              <a:spcBef>
-                <a:spcPts val="1000"/>
-              </a:spcBef>
-              <a:spcAft>
-                <a:spcPts val="1000"/>
-              </a:spcAft>
-              <a:buFont typeface="Arial" panose="020B0604020202020204" pitchFamily="34" charset="0"/>
-              <a:buChar char="•"/>
-              <a:defRPr lang="en-US" sz="1200" kern="1200">
-                <a:solidFill>
-                  <a:schemeClr val="tx1">
-                    <a:lumMod val="75000"/>
-                    <a:lumOff val="25000"/>
-                  </a:schemeClr>
-                </a:solidFill>
-                <a:latin typeface="+mn-lt"/>
-                <a:ea typeface="+mn-ea"/>
-                <a:cs typeface="+mn-cs"/>
-              </a:defRPr>
-            </a:lvl5pPr>
-            <a:lvl6pPr marL="2514600" indent="-228600" algn="l" defTabSz="914400" rtl="0" eaLnBrk="1" latinLnBrk="0" hangingPunct="1">
-              <a:lnSpc>
-                <a:spcPct val="90000"/>
-              </a:lnSpc>
-              <a:spcBef>
-                <a:spcPct val="30000"/>
-              </a:spcBef>
-              <a:buFont typeface="Arial" panose="020B0604020202020204" pitchFamily="34" charset="0"/>
-              <a:buChar char="•"/>
-              <a:defRPr sz="1800" kern="1200">
-                <a:solidFill>
-                  <a:schemeClr val="tx1"/>
-                </a:solidFill>
-                <a:latin typeface="+mn-lt"/>
-                <a:ea typeface="+mn-ea"/>
-                <a:cs typeface="+mn-cs"/>
-              </a:defRPr>
-            </a:lvl6pPr>
-            <a:lvl7pPr marL="2971800" indent="-228600" algn="l" defTabSz="914400" rtl="0" eaLnBrk="1" latinLnBrk="0" hangingPunct="1">
-              <a:lnSpc>
-                <a:spcPct val="90000"/>
-              </a:lnSpc>
-              <a:spcBef>
-                <a:spcPct val="30000"/>
-              </a:spcBef>
-              <a:buFont typeface="Arial" panose="020B0604020202020204" pitchFamily="34" charset="0"/>
-              <a:buChar char="•"/>
-              <a:defRPr sz="1800" kern="1200">
-                <a:solidFill>
-                  <a:schemeClr val="tx1"/>
-                </a:solidFill>
-                <a:latin typeface="+mn-lt"/>
-                <a:ea typeface="+mn-ea"/>
-                <a:cs typeface="+mn-cs"/>
-              </a:defRPr>
-            </a:lvl7pPr>
-            <a:lvl8pPr marL="3429000" indent="-228600" algn="l" defTabSz="914400" rtl="0" eaLnBrk="1" latinLnBrk="0" hangingPunct="1">
-              <a:lnSpc>
-                <a:spcPct val="90000"/>
-              </a:lnSpc>
-              <a:spcBef>
-                <a:spcPct val="30000"/>
-              </a:spcBef>
-              <a:buFont typeface="Arial" panose="020B0604020202020204" pitchFamily="34" charset="0"/>
-              <a:buChar char="•"/>
-              <a:defRPr sz="1800" kern="1200">
-                <a:solidFill>
-                  <a:schemeClr val="tx1"/>
-                </a:solidFill>
-                <a:latin typeface="+mn-lt"/>
-                <a:ea typeface="+mn-ea"/>
-                <a:cs typeface="+mn-cs"/>
-              </a:defRPr>
-            </a:lvl8pPr>
-            <a:lvl9pPr marL="3886200" indent="-228600" algn="l" defTabSz="914400" rtl="0" eaLnBrk="1" latinLnBrk="0" hangingPunct="1">
-              <a:lnSpc>
-                <a:spcPct val="90000"/>
-              </a:lnSpc>
-              <a:spcBef>
-                <a:spcPct val="30000"/>
-              </a:spcBef>
-              <a:buFont typeface="Arial" panose="020B0604020202020204" pitchFamily="34" charset="0"/>
-              <a:buChar char="•"/>
-              <a:defRPr sz="1800" kern="1200">
-                <a:solidFill>
-                  <a:schemeClr val="tx1"/>
-                </a:solidFill>
-                <a:latin typeface="+mn-lt"/>
-                <a:ea typeface="+mn-ea"/>
-                <a:cs typeface="+mn-cs"/>
-              </a:defRPr>
-            </a:lvl9pPr>
-          </a:lstStyle>
-          <a:p>
-            <a:pPr marL="0" lvl="0" indent="0" rtl="0">
-              <a:spcAft>
-                <a:spcPts val="2000"/>
-              </a:spcAft>
-              <a:buNone/>
-              <a:defRPr/>
-            </a:pPr>
-            <a:r>
-              <a:rPr lang="de-DE" sz="1100" dirty="0">
-                <a:solidFill>
-                  <a:prstClr val="black">
-                    <a:lumMod val="75000"/>
-                    <a:lumOff val="25000"/>
-                  </a:prstClr>
-                </a:solidFill>
-                <a:cs typeface="Segoe UI" panose="020B0502040204020203" pitchFamily="34" charset="0"/>
-              </a:rPr>
-              <a:t>Wettercode</a:t>
-            </a:r>
-          </a:p>
-        </p:txBody>
-      </p:sp>
-      <p:grpSp>
-        <p:nvGrpSpPr>
-          <p:cNvPr id="11" name="Gruppieren 10" descr="Kleiner Kreis mit enthaltener Zahl 3 zur Angabe von Schritt 3">
-            <a:extLst>
-              <a:ext uri="{FF2B5EF4-FFF2-40B4-BE49-F238E27FC236}">
-                <a16:creationId xmlns:a16="http://schemas.microsoft.com/office/drawing/2014/main" id="{1C123C2D-1A23-421D-0F2C-78CB603B8CB2}"/>
-              </a:ext>
-            </a:extLst>
-          </p:cNvPr>
-          <p:cNvGrpSpPr/>
-          <p:nvPr/>
-        </p:nvGrpSpPr>
-        <p:grpSpPr bwMode="blackWhite">
-          <a:xfrm>
-            <a:off x="531552" y="5276370"/>
-            <a:ext cx="558179" cy="409838"/>
-            <a:chOff x="6953426" y="711274"/>
-            <a:chExt cx="558179" cy="409838"/>
-          </a:xfrm>
-        </p:grpSpPr>
-        <p:sp>
-          <p:nvSpPr>
-            <p:cNvPr id="12" name="Ellipse 11" descr="Kleiner Kreis">
-              <a:extLst>
-                <a:ext uri="{FF2B5EF4-FFF2-40B4-BE49-F238E27FC236}">
-                  <a16:creationId xmlns:a16="http://schemas.microsoft.com/office/drawing/2014/main" id="{3B6DD10F-516B-A099-7519-4F458A32130A}"/>
-                </a:ext>
-              </a:extLst>
-            </p:cNvPr>
-            <p:cNvSpPr/>
-            <p:nvPr/>
-          </p:nvSpPr>
-          <p:spPr bwMode="blackWhite">
-            <a:xfrm>
-              <a:off x="7025069" y="711274"/>
-              <a:ext cx="409838" cy="409838"/>
-            </a:xfrm>
-            <a:prstGeom prst="ellipse">
-              <a:avLst/>
-            </a:prstGeom>
-            <a:solidFill>
-              <a:srgbClr val="D24726"/>
-            </a:solidFill>
-            <a:ln>
-              <a:noFill/>
-            </a:ln>
-          </p:spPr>
-          <p:style>
-            <a:lnRef idx="2">
-              <a:schemeClr val="accent1">
-                <a:shade val="50000"/>
-              </a:schemeClr>
-            </a:lnRef>
-            <a:fillRef idx="1">
-              <a:schemeClr val="accent1"/>
-            </a:fillRef>
-            <a:effectRef idx="0">
-              <a:schemeClr val="accent1"/>
-            </a:effectRef>
-            <a:fontRef idx="minor">
-              <a:schemeClr val="lt1"/>
-            </a:fontRef>
-          </p:style>
-          <p:txBody>
-            <a:bodyPr rtlCol="0" anchor="ctr"/>
-            <a:lstStyle/>
-            <a:p>
-              <a:pPr algn="ctr" rtl="0"/>
-              <a:endParaRPr lang="de-DE"/>
-            </a:p>
-          </p:txBody>
-        </p:sp>
-        <p:sp>
-          <p:nvSpPr>
-            <p:cNvPr id="13" name="Textfeld 12" descr="Zahl 3">
-              <a:extLst>
-                <a:ext uri="{FF2B5EF4-FFF2-40B4-BE49-F238E27FC236}">
-                  <a16:creationId xmlns:a16="http://schemas.microsoft.com/office/drawing/2014/main" id="{146ABDAB-7E29-59D8-72DA-5C049AFC1673}"/>
-                </a:ext>
-              </a:extLst>
-            </p:cNvPr>
-            <p:cNvSpPr txBox="1">
-              <a:spLocks noChangeAspect="1"/>
-            </p:cNvSpPr>
-            <p:nvPr/>
-          </p:nvSpPr>
-          <p:spPr bwMode="blackWhite">
-            <a:xfrm>
-              <a:off x="6953426" y="727564"/>
-              <a:ext cx="558179" cy="369332"/>
-            </a:xfrm>
-            <a:prstGeom prst="rect">
-              <a:avLst/>
-            </a:prstGeom>
-            <a:noFill/>
-          </p:spPr>
-          <p:txBody>
-            <a:bodyPr wrap="square" rtlCol="0">
-              <a:spAutoFit/>
-            </a:bodyPr>
-            <a:lstStyle/>
-            <a:p>
-              <a:pPr algn="ctr" rtl="0"/>
-              <a:r>
-                <a:rPr lang="de-DE" dirty="0">
-                  <a:solidFill>
-                    <a:schemeClr val="bg1"/>
-                  </a:solidFill>
-                  <a:latin typeface="Segoe UI Semibold" panose="020B0702040204020203" pitchFamily="34" charset="0"/>
-                  <a:cs typeface="Segoe UI Semibold" panose="020B0702040204020203" pitchFamily="34" charset="0"/>
-                </a:rPr>
-                <a:t>7</a:t>
-              </a:r>
-            </a:p>
-          </p:txBody>
-        </p:sp>
-      </p:grpSp>
-      <p:sp>
-        <p:nvSpPr>
-          <p:cNvPr id="14" name="Inhaltsplatzhalter 17">
-            <a:extLst>
-              <a:ext uri="{FF2B5EF4-FFF2-40B4-BE49-F238E27FC236}">
-                <a16:creationId xmlns:a16="http://schemas.microsoft.com/office/drawing/2014/main" id="{922DBD11-E6EB-DD15-CEA2-821DDC94186E}"/>
-              </a:ext>
-            </a:extLst>
-          </p:cNvPr>
-          <p:cNvSpPr txBox="1">
-            <a:spLocks/>
-          </p:cNvSpPr>
-          <p:nvPr/>
-        </p:nvSpPr>
-        <p:spPr>
-          <a:xfrm>
-            <a:off x="1056514" y="5289128"/>
-            <a:ext cx="5303098" cy="761144"/>
-          </a:xfrm>
-          <a:prstGeom prst="rect">
-            <a:avLst/>
-          </a:prstGeom>
-        </p:spPr>
-        <p:txBody>
-          <a:bodyPr vert="horz" lIns="91440" tIns="45720" rIns="91440" bIns="45720" rtlCol="0">
-            <a:normAutofit/>
-          </a:bodyPr>
-          <a:lstStyle>
-            <a:lvl1pPr marL="228600" indent="-228600" algn="l" defTabSz="914400" rtl="0" eaLnBrk="1" latinLnBrk="0" hangingPunct="1">
-              <a:lnSpc>
-                <a:spcPts val="1800"/>
-              </a:lnSpc>
-              <a:spcBef>
-                <a:spcPts val="1000"/>
-              </a:spcBef>
-              <a:spcAft>
-                <a:spcPts val="1000"/>
-              </a:spcAft>
-              <a:buFont typeface="Arial" panose="020B0604020202020204" pitchFamily="34" charset="0"/>
-              <a:buChar char="•"/>
-              <a:defRPr lang="en-US" sz="1200" kern="1200" smtClean="0">
-                <a:solidFill>
-                  <a:schemeClr val="tx1">
-                    <a:lumMod val="75000"/>
-                    <a:lumOff val="25000"/>
-                  </a:schemeClr>
-                </a:solidFill>
-                <a:latin typeface="+mn-lt"/>
-                <a:ea typeface="+mn-ea"/>
-                <a:cs typeface="+mn-cs"/>
-              </a:defRPr>
-            </a:lvl1pPr>
-            <a:lvl2pPr marL="685800" indent="-228600" algn="l" defTabSz="914400" rtl="0" eaLnBrk="1" latinLnBrk="0" hangingPunct="1">
-              <a:lnSpc>
-                <a:spcPts val="1800"/>
-              </a:lnSpc>
-              <a:spcBef>
-                <a:spcPts val="1000"/>
-              </a:spcBef>
-              <a:spcAft>
-                <a:spcPts val="1000"/>
-              </a:spcAft>
-              <a:buFont typeface="Arial" panose="020B0604020202020204" pitchFamily="34" charset="0"/>
-              <a:buChar char="•"/>
-              <a:defRPr lang="en-US" sz="1200" kern="1200" smtClean="0">
-                <a:solidFill>
-                  <a:schemeClr val="tx1">
-                    <a:lumMod val="75000"/>
-                    <a:lumOff val="25000"/>
-                  </a:schemeClr>
-                </a:solidFill>
-                <a:latin typeface="+mn-lt"/>
-                <a:ea typeface="+mn-ea"/>
-                <a:cs typeface="+mn-cs"/>
-              </a:defRPr>
-            </a:lvl2pPr>
-            <a:lvl3pPr marL="1143000" indent="-228600" algn="l" defTabSz="914400" rtl="0" eaLnBrk="1" latinLnBrk="0" hangingPunct="1">
-              <a:lnSpc>
-                <a:spcPts val="1800"/>
-              </a:lnSpc>
-              <a:spcBef>
-                <a:spcPts val="1000"/>
-              </a:spcBef>
-              <a:spcAft>
-                <a:spcPts val="1000"/>
-              </a:spcAft>
-              <a:buFont typeface="Arial" panose="020B0604020202020204" pitchFamily="34" charset="0"/>
-              <a:buChar char="•"/>
-              <a:defRPr lang="en-US" sz="1200" kern="1200" smtClean="0">
-                <a:solidFill>
-                  <a:schemeClr val="tx1">
-                    <a:lumMod val="75000"/>
-                    <a:lumOff val="25000"/>
-                  </a:schemeClr>
-                </a:solidFill>
-                <a:latin typeface="+mn-lt"/>
-                <a:ea typeface="+mn-ea"/>
-                <a:cs typeface="+mn-cs"/>
-              </a:defRPr>
-            </a:lvl3pPr>
-            <a:lvl4pPr marL="1600200" indent="-228600" algn="l" defTabSz="914400" rtl="0" eaLnBrk="1" latinLnBrk="0" hangingPunct="1">
-              <a:lnSpc>
-                <a:spcPts val="1800"/>
-              </a:lnSpc>
-              <a:spcBef>
-                <a:spcPts val="1000"/>
-              </a:spcBef>
-              <a:spcAft>
-                <a:spcPts val="1000"/>
-              </a:spcAft>
-              <a:buFont typeface="Arial" panose="020B0604020202020204" pitchFamily="34" charset="0"/>
-              <a:buChar char="•"/>
-              <a:defRPr lang="en-US" sz="1200" kern="1200" smtClean="0">
-                <a:solidFill>
-                  <a:schemeClr val="tx1">
-                    <a:lumMod val="75000"/>
-                    <a:lumOff val="25000"/>
-                  </a:schemeClr>
-                </a:solidFill>
-                <a:latin typeface="+mn-lt"/>
-                <a:ea typeface="+mn-ea"/>
-                <a:cs typeface="+mn-cs"/>
-              </a:defRPr>
-            </a:lvl4pPr>
-            <a:lvl5pPr marL="2057400" indent="-228600" algn="l" defTabSz="914400" rtl="0" eaLnBrk="1" latinLnBrk="0" hangingPunct="1">
-              <a:lnSpc>
-                <a:spcPts val="1800"/>
-              </a:lnSpc>
-              <a:spcBef>
-                <a:spcPts val="1000"/>
-              </a:spcBef>
-              <a:spcAft>
-                <a:spcPts val="1000"/>
-              </a:spcAft>
-              <a:buFont typeface="Arial" panose="020B0604020202020204" pitchFamily="34" charset="0"/>
-              <a:buChar char="•"/>
-              <a:defRPr lang="en-US" sz="1200" kern="1200">
-                <a:solidFill>
-                  <a:schemeClr val="tx1">
-                    <a:lumMod val="75000"/>
-                    <a:lumOff val="25000"/>
-                  </a:schemeClr>
-                </a:solidFill>
-                <a:latin typeface="+mn-lt"/>
-                <a:ea typeface="+mn-ea"/>
-                <a:cs typeface="+mn-cs"/>
-              </a:defRPr>
-            </a:lvl5pPr>
-            <a:lvl6pPr marL="2514600" indent="-228600" algn="l" defTabSz="914400" rtl="0" eaLnBrk="1" latinLnBrk="0" hangingPunct="1">
-              <a:lnSpc>
-                <a:spcPct val="90000"/>
-              </a:lnSpc>
-              <a:spcBef>
-                <a:spcPct val="30000"/>
-              </a:spcBef>
-              <a:buFont typeface="Arial" panose="020B0604020202020204" pitchFamily="34" charset="0"/>
-              <a:buChar char="•"/>
-              <a:defRPr sz="1800" kern="1200">
-                <a:solidFill>
-                  <a:schemeClr val="tx1"/>
-                </a:solidFill>
-                <a:latin typeface="+mn-lt"/>
-                <a:ea typeface="+mn-ea"/>
-                <a:cs typeface="+mn-cs"/>
-              </a:defRPr>
-            </a:lvl6pPr>
-            <a:lvl7pPr marL="2971800" indent="-228600" algn="l" defTabSz="914400" rtl="0" eaLnBrk="1" latinLnBrk="0" hangingPunct="1">
-              <a:lnSpc>
-                <a:spcPct val="90000"/>
-              </a:lnSpc>
-              <a:spcBef>
-                <a:spcPct val="30000"/>
-              </a:spcBef>
-              <a:buFont typeface="Arial" panose="020B0604020202020204" pitchFamily="34" charset="0"/>
-              <a:buChar char="•"/>
-              <a:defRPr sz="1800" kern="1200">
-                <a:solidFill>
-                  <a:schemeClr val="tx1"/>
-                </a:solidFill>
-                <a:latin typeface="+mn-lt"/>
-                <a:ea typeface="+mn-ea"/>
-                <a:cs typeface="+mn-cs"/>
-              </a:defRPr>
-            </a:lvl7pPr>
-            <a:lvl8pPr marL="3429000" indent="-228600" algn="l" defTabSz="914400" rtl="0" eaLnBrk="1" latinLnBrk="0" hangingPunct="1">
-              <a:lnSpc>
-                <a:spcPct val="90000"/>
-              </a:lnSpc>
-              <a:spcBef>
-                <a:spcPct val="30000"/>
-              </a:spcBef>
-              <a:buFont typeface="Arial" panose="020B0604020202020204" pitchFamily="34" charset="0"/>
-              <a:buChar char="•"/>
-              <a:defRPr sz="1800" kern="1200">
-                <a:solidFill>
-                  <a:schemeClr val="tx1"/>
-                </a:solidFill>
-                <a:latin typeface="+mn-lt"/>
-                <a:ea typeface="+mn-ea"/>
-                <a:cs typeface="+mn-cs"/>
-              </a:defRPr>
-            </a:lvl8pPr>
-            <a:lvl9pPr marL="3886200" indent="-228600" algn="l" defTabSz="914400" rtl="0" eaLnBrk="1" latinLnBrk="0" hangingPunct="1">
-              <a:lnSpc>
-                <a:spcPct val="90000"/>
-              </a:lnSpc>
-              <a:spcBef>
-                <a:spcPct val="30000"/>
-              </a:spcBef>
-              <a:buFont typeface="Arial" panose="020B0604020202020204" pitchFamily="34" charset="0"/>
-              <a:buChar char="•"/>
-              <a:defRPr sz="1800" kern="1200">
-                <a:solidFill>
-                  <a:schemeClr val="tx1"/>
-                </a:solidFill>
-                <a:latin typeface="+mn-lt"/>
-                <a:ea typeface="+mn-ea"/>
-                <a:cs typeface="+mn-cs"/>
-              </a:defRPr>
-            </a:lvl9pPr>
-          </a:lstStyle>
-          <a:p>
-            <a:pPr marL="0" lvl="0" indent="0" rtl="0">
-              <a:spcAft>
-                <a:spcPts val="600"/>
-              </a:spcAft>
-              <a:buNone/>
-              <a:defRPr/>
-            </a:pPr>
-            <a:r>
-              <a:rPr lang="de-DE" sz="1100" dirty="0">
-                <a:solidFill>
-                  <a:prstClr val="black">
-                    <a:lumMod val="75000"/>
-                    <a:lumOff val="25000"/>
-                  </a:prstClr>
-                </a:solidFill>
-                <a:cs typeface="Segoe UI" panose="020B0502040204020203" pitchFamily="34" charset="0"/>
-              </a:rPr>
-              <a:t>Schulferien: Betroffenes Datum mit Wahrheitswert 1 versehen</a:t>
-            </a:r>
-            <a:endParaRPr lang="de-DE" sz="1100" dirty="0">
-              <a:solidFill>
-                <a:prstClr val="black">
-                  <a:lumMod val="75000"/>
-                  <a:lumOff val="25000"/>
-                </a:prstClr>
-              </a:solidFill>
-              <a:cs typeface="Segoe UI"/>
-            </a:endParaRPr>
-          </a:p>
-        </p:txBody>
-      </p:sp>
-      <p:grpSp>
-        <p:nvGrpSpPr>
-          <p:cNvPr id="27" name="Gruppieren 26" descr="Kleiner Kreis mit enthaltener Zahl 3 zur Angabe von Schritt 3">
-            <a:extLst>
-              <a:ext uri="{FF2B5EF4-FFF2-40B4-BE49-F238E27FC236}">
-                <a16:creationId xmlns:a16="http://schemas.microsoft.com/office/drawing/2014/main" id="{5E898050-F948-990C-4666-327D925937D0}"/>
-              </a:ext>
-            </a:extLst>
-          </p:cNvPr>
-          <p:cNvGrpSpPr/>
-          <p:nvPr/>
-        </p:nvGrpSpPr>
-        <p:grpSpPr bwMode="blackWhite">
-          <a:xfrm>
-            <a:off x="531552" y="5872947"/>
-            <a:ext cx="558179" cy="409838"/>
-            <a:chOff x="6953426" y="711274"/>
-            <a:chExt cx="558179" cy="409838"/>
-          </a:xfrm>
-        </p:grpSpPr>
-        <p:sp>
-          <p:nvSpPr>
-            <p:cNvPr id="28" name="Ellipse 27" descr="Kleiner Kreis">
-              <a:extLst>
-                <a:ext uri="{FF2B5EF4-FFF2-40B4-BE49-F238E27FC236}">
-                  <a16:creationId xmlns:a16="http://schemas.microsoft.com/office/drawing/2014/main" id="{7D09B161-0F23-C75C-9193-2DB16A298A3A}"/>
-                </a:ext>
-              </a:extLst>
-            </p:cNvPr>
-            <p:cNvSpPr/>
-            <p:nvPr/>
-          </p:nvSpPr>
-          <p:spPr bwMode="blackWhite">
-            <a:xfrm>
-              <a:off x="7025069" y="711274"/>
-              <a:ext cx="409838" cy="409838"/>
-            </a:xfrm>
-            <a:prstGeom prst="ellipse">
-              <a:avLst/>
-            </a:prstGeom>
-            <a:solidFill>
-              <a:srgbClr val="D24726"/>
-            </a:solidFill>
-            <a:ln>
-              <a:noFill/>
-            </a:ln>
-          </p:spPr>
-          <p:style>
-            <a:lnRef idx="2">
-              <a:schemeClr val="accent1">
-                <a:shade val="50000"/>
-              </a:schemeClr>
-            </a:lnRef>
-            <a:fillRef idx="1">
-              <a:schemeClr val="accent1"/>
-            </a:fillRef>
-            <a:effectRef idx="0">
-              <a:schemeClr val="accent1"/>
-            </a:effectRef>
-            <a:fontRef idx="minor">
-              <a:schemeClr val="lt1"/>
-            </a:fontRef>
-          </p:style>
-          <p:txBody>
-            <a:bodyPr rtlCol="0" anchor="ctr"/>
-            <a:lstStyle/>
-            <a:p>
-              <a:pPr algn="ctr" rtl="0"/>
-              <a:endParaRPr lang="de-DE"/>
-            </a:p>
-          </p:txBody>
-        </p:sp>
-        <p:sp>
-          <p:nvSpPr>
-            <p:cNvPr id="31" name="Textfeld 30" descr="Zahl 3">
-              <a:extLst>
-                <a:ext uri="{FF2B5EF4-FFF2-40B4-BE49-F238E27FC236}">
-                  <a16:creationId xmlns:a16="http://schemas.microsoft.com/office/drawing/2014/main" id="{81306A9F-936C-B05D-B293-78F6875CB065}"/>
-                </a:ext>
-              </a:extLst>
-            </p:cNvPr>
-            <p:cNvSpPr txBox="1">
-              <a:spLocks noChangeAspect="1"/>
-            </p:cNvSpPr>
-            <p:nvPr/>
-          </p:nvSpPr>
-          <p:spPr bwMode="blackWhite">
-            <a:xfrm>
-              <a:off x="6953426" y="727564"/>
-              <a:ext cx="558179" cy="369332"/>
-            </a:xfrm>
-            <a:prstGeom prst="rect">
-              <a:avLst/>
-            </a:prstGeom>
-            <a:noFill/>
-          </p:spPr>
-          <p:txBody>
-            <a:bodyPr wrap="square" rtlCol="0">
-              <a:spAutoFit/>
-            </a:bodyPr>
-            <a:lstStyle/>
-            <a:p>
-              <a:pPr algn="ctr" rtl="0"/>
-              <a:r>
-                <a:rPr lang="de-DE" dirty="0">
-                  <a:solidFill>
-                    <a:schemeClr val="bg1"/>
-                  </a:solidFill>
-                  <a:latin typeface="Segoe UI Semibold" panose="020B0702040204020203" pitchFamily="34" charset="0"/>
-                  <a:cs typeface="Segoe UI Semibold" panose="020B0702040204020203" pitchFamily="34" charset="0"/>
-                </a:rPr>
-                <a:t>8</a:t>
-              </a:r>
-            </a:p>
-          </p:txBody>
-        </p:sp>
-      </p:grpSp>
-      <p:sp>
-        <p:nvSpPr>
-          <p:cNvPr id="41" name="Inhaltsplatzhalter 17">
-            <a:extLst>
-              <a:ext uri="{FF2B5EF4-FFF2-40B4-BE49-F238E27FC236}">
-                <a16:creationId xmlns:a16="http://schemas.microsoft.com/office/drawing/2014/main" id="{2BFBB399-2AE2-DCEA-0503-A5FEE510F7CB}"/>
-              </a:ext>
-            </a:extLst>
-          </p:cNvPr>
-          <p:cNvSpPr txBox="1">
-            <a:spLocks/>
-          </p:cNvSpPr>
-          <p:nvPr/>
-        </p:nvSpPr>
-        <p:spPr>
-          <a:xfrm>
-            <a:off x="1056514" y="5885705"/>
-            <a:ext cx="5303098" cy="761144"/>
-          </a:xfrm>
-          <a:prstGeom prst="rect">
-            <a:avLst/>
-          </a:prstGeom>
-        </p:spPr>
-        <p:txBody>
-          <a:bodyPr vert="horz" lIns="91440" tIns="45720" rIns="91440" bIns="45720" rtlCol="0">
-            <a:normAutofit/>
-          </a:bodyPr>
-          <a:lstStyle>
-            <a:lvl1pPr marL="228600" indent="-228600" algn="l" defTabSz="914400" rtl="0" eaLnBrk="1" latinLnBrk="0" hangingPunct="1">
-              <a:lnSpc>
-                <a:spcPts val="1800"/>
-              </a:lnSpc>
-              <a:spcBef>
-                <a:spcPts val="1000"/>
-              </a:spcBef>
-              <a:spcAft>
-                <a:spcPts val="1000"/>
-              </a:spcAft>
-              <a:buFont typeface="Arial" panose="020B0604020202020204" pitchFamily="34" charset="0"/>
-              <a:buChar char="•"/>
-              <a:defRPr lang="en-US" sz="1200" kern="1200" smtClean="0">
-                <a:solidFill>
-                  <a:schemeClr val="tx1">
-                    <a:lumMod val="75000"/>
-                    <a:lumOff val="25000"/>
-                  </a:schemeClr>
-                </a:solidFill>
-                <a:latin typeface="+mn-lt"/>
-                <a:ea typeface="+mn-ea"/>
-                <a:cs typeface="+mn-cs"/>
-              </a:defRPr>
-            </a:lvl1pPr>
-            <a:lvl2pPr marL="685800" indent="-228600" algn="l" defTabSz="914400" rtl="0" eaLnBrk="1" latinLnBrk="0" hangingPunct="1">
-              <a:lnSpc>
-                <a:spcPts val="1800"/>
-              </a:lnSpc>
-              <a:spcBef>
-                <a:spcPts val="1000"/>
-              </a:spcBef>
-              <a:spcAft>
-                <a:spcPts val="1000"/>
-              </a:spcAft>
-              <a:buFont typeface="Arial" panose="020B0604020202020204" pitchFamily="34" charset="0"/>
-              <a:buChar char="•"/>
-              <a:defRPr lang="en-US" sz="1200" kern="1200" smtClean="0">
-                <a:solidFill>
-                  <a:schemeClr val="tx1">
-                    <a:lumMod val="75000"/>
-                    <a:lumOff val="25000"/>
-                  </a:schemeClr>
-                </a:solidFill>
-                <a:latin typeface="+mn-lt"/>
-                <a:ea typeface="+mn-ea"/>
-                <a:cs typeface="+mn-cs"/>
-              </a:defRPr>
-            </a:lvl2pPr>
-            <a:lvl3pPr marL="1143000" indent="-228600" algn="l" defTabSz="914400" rtl="0" eaLnBrk="1" latinLnBrk="0" hangingPunct="1">
-              <a:lnSpc>
-                <a:spcPts val="1800"/>
-              </a:lnSpc>
-              <a:spcBef>
-                <a:spcPts val="1000"/>
-              </a:spcBef>
-              <a:spcAft>
-                <a:spcPts val="1000"/>
-              </a:spcAft>
-              <a:buFont typeface="Arial" panose="020B0604020202020204" pitchFamily="34" charset="0"/>
-              <a:buChar char="•"/>
-              <a:defRPr lang="en-US" sz="1200" kern="1200" smtClean="0">
-                <a:solidFill>
-                  <a:schemeClr val="tx1">
-                    <a:lumMod val="75000"/>
-                    <a:lumOff val="25000"/>
-                  </a:schemeClr>
-                </a:solidFill>
-                <a:latin typeface="+mn-lt"/>
-                <a:ea typeface="+mn-ea"/>
-                <a:cs typeface="+mn-cs"/>
-              </a:defRPr>
-            </a:lvl3pPr>
-            <a:lvl4pPr marL="1600200" indent="-228600" algn="l" defTabSz="914400" rtl="0" eaLnBrk="1" latinLnBrk="0" hangingPunct="1">
-              <a:lnSpc>
-                <a:spcPts val="1800"/>
-              </a:lnSpc>
-              <a:spcBef>
-                <a:spcPts val="1000"/>
-              </a:spcBef>
-              <a:spcAft>
-                <a:spcPts val="1000"/>
-              </a:spcAft>
-              <a:buFont typeface="Arial" panose="020B0604020202020204" pitchFamily="34" charset="0"/>
-              <a:buChar char="•"/>
-              <a:defRPr lang="en-US" sz="1200" kern="1200" smtClean="0">
-                <a:solidFill>
-                  <a:schemeClr val="tx1">
-                    <a:lumMod val="75000"/>
-                    <a:lumOff val="25000"/>
-                  </a:schemeClr>
-                </a:solidFill>
-                <a:latin typeface="+mn-lt"/>
-                <a:ea typeface="+mn-ea"/>
-                <a:cs typeface="+mn-cs"/>
-              </a:defRPr>
-            </a:lvl4pPr>
-            <a:lvl5pPr marL="2057400" indent="-228600" algn="l" defTabSz="914400" rtl="0" eaLnBrk="1" latinLnBrk="0" hangingPunct="1">
-              <a:lnSpc>
-                <a:spcPts val="1800"/>
-              </a:lnSpc>
-              <a:spcBef>
-                <a:spcPts val="1000"/>
-              </a:spcBef>
-              <a:spcAft>
-                <a:spcPts val="1000"/>
-              </a:spcAft>
-              <a:buFont typeface="Arial" panose="020B0604020202020204" pitchFamily="34" charset="0"/>
-              <a:buChar char="•"/>
-              <a:defRPr lang="en-US" sz="1200" kern="1200">
-                <a:solidFill>
-                  <a:schemeClr val="tx1">
-                    <a:lumMod val="75000"/>
-                    <a:lumOff val="25000"/>
-                  </a:schemeClr>
-                </a:solidFill>
-                <a:latin typeface="+mn-lt"/>
-                <a:ea typeface="+mn-ea"/>
-                <a:cs typeface="+mn-cs"/>
-              </a:defRPr>
-            </a:lvl5pPr>
-            <a:lvl6pPr marL="2514600" indent="-228600" algn="l" defTabSz="914400" rtl="0" eaLnBrk="1" latinLnBrk="0" hangingPunct="1">
-              <a:lnSpc>
-                <a:spcPct val="90000"/>
-              </a:lnSpc>
-              <a:spcBef>
-                <a:spcPct val="30000"/>
-              </a:spcBef>
-              <a:buFont typeface="Arial" panose="020B0604020202020204" pitchFamily="34" charset="0"/>
-              <a:buChar char="•"/>
-              <a:defRPr sz="1800" kern="1200">
-                <a:solidFill>
-                  <a:schemeClr val="tx1"/>
-                </a:solidFill>
-                <a:latin typeface="+mn-lt"/>
-                <a:ea typeface="+mn-ea"/>
-                <a:cs typeface="+mn-cs"/>
-              </a:defRPr>
-            </a:lvl6pPr>
-            <a:lvl7pPr marL="2971800" indent="-228600" algn="l" defTabSz="914400" rtl="0" eaLnBrk="1" latinLnBrk="0" hangingPunct="1">
-              <a:lnSpc>
-                <a:spcPct val="90000"/>
-              </a:lnSpc>
-              <a:spcBef>
-                <a:spcPct val="30000"/>
-              </a:spcBef>
-              <a:buFont typeface="Arial" panose="020B0604020202020204" pitchFamily="34" charset="0"/>
-              <a:buChar char="•"/>
-              <a:defRPr sz="1800" kern="1200">
-                <a:solidFill>
-                  <a:schemeClr val="tx1"/>
-                </a:solidFill>
-                <a:latin typeface="+mn-lt"/>
-                <a:ea typeface="+mn-ea"/>
-                <a:cs typeface="+mn-cs"/>
-              </a:defRPr>
-            </a:lvl7pPr>
-            <a:lvl8pPr marL="3429000" indent="-228600" algn="l" defTabSz="914400" rtl="0" eaLnBrk="1" latinLnBrk="0" hangingPunct="1">
-              <a:lnSpc>
-                <a:spcPct val="90000"/>
-              </a:lnSpc>
-              <a:spcBef>
-                <a:spcPct val="30000"/>
-              </a:spcBef>
-              <a:buFont typeface="Arial" panose="020B0604020202020204" pitchFamily="34" charset="0"/>
-              <a:buChar char="•"/>
-              <a:defRPr sz="1800" kern="1200">
-                <a:solidFill>
-                  <a:schemeClr val="tx1"/>
-                </a:solidFill>
-                <a:latin typeface="+mn-lt"/>
-                <a:ea typeface="+mn-ea"/>
-                <a:cs typeface="+mn-cs"/>
-              </a:defRPr>
-            </a:lvl8pPr>
-            <a:lvl9pPr marL="3886200" indent="-228600" algn="l" defTabSz="914400" rtl="0" eaLnBrk="1" latinLnBrk="0" hangingPunct="1">
-              <a:lnSpc>
-                <a:spcPct val="90000"/>
-              </a:lnSpc>
-              <a:spcBef>
-                <a:spcPct val="30000"/>
-              </a:spcBef>
-              <a:buFont typeface="Arial" panose="020B0604020202020204" pitchFamily="34" charset="0"/>
-              <a:buChar char="•"/>
-              <a:defRPr sz="1800" kern="1200">
-                <a:solidFill>
-                  <a:schemeClr val="tx1"/>
-                </a:solidFill>
-                <a:latin typeface="+mn-lt"/>
-                <a:ea typeface="+mn-ea"/>
-                <a:cs typeface="+mn-cs"/>
-              </a:defRPr>
-            </a:lvl9pPr>
-          </a:lstStyle>
-          <a:p>
-            <a:pPr marL="0" lvl="0" indent="0" rtl="0">
-              <a:spcAft>
-                <a:spcPts val="600"/>
-              </a:spcAft>
-              <a:buNone/>
-              <a:defRPr/>
-            </a:pPr>
-            <a:r>
-              <a:rPr lang="de-DE" sz="1100" dirty="0">
-                <a:solidFill>
-                  <a:prstClr val="black">
-                    <a:lumMod val="75000"/>
-                    <a:lumOff val="25000"/>
-                  </a:prstClr>
-                </a:solidFill>
-                <a:cs typeface="Segoe UI" panose="020B0502040204020203" pitchFamily="34" charset="0"/>
-              </a:rPr>
-              <a:t>Wochenende: Betroffenes Datum mit Wahrheitswert 1 versehen</a:t>
-            </a:r>
-            <a:endParaRPr lang="de-DE" sz="1100" dirty="0">
-              <a:solidFill>
-                <a:prstClr val="black">
-                  <a:lumMod val="75000"/>
-                  <a:lumOff val="25000"/>
-                </a:prstClr>
-              </a:solidFill>
-              <a:cs typeface="Segoe UI"/>
-            </a:endParaRPr>
-          </a:p>
-        </p:txBody>
-      </p:sp>
     </p:spTree>
     <p:extLst>
       <p:ext uri="{BB962C8B-B14F-4D97-AF65-F5344CB8AC3E}">

--- a/4_Presentation/Präsentation.pptx
+++ b/4_Presentation/Präsentation.pptx
@@ -5,17 +5,21 @@
     <p:sldMasterId id="2147483660" r:id="rId1"/>
   </p:sldMasterIdLst>
   <p:notesMasterIdLst>
-    <p:notesMasterId r:id="rId7"/>
+    <p:notesMasterId r:id="rId11"/>
   </p:notesMasterIdLst>
   <p:handoutMasterIdLst>
-    <p:handoutMasterId r:id="rId8"/>
+    <p:handoutMasterId r:id="rId12"/>
   </p:handoutMasterIdLst>
   <p:sldIdLst>
     <p:sldId id="256" r:id="rId2"/>
     <p:sldId id="283" r:id="rId3"/>
     <p:sldId id="279" r:id="rId4"/>
     <p:sldId id="284" r:id="rId5"/>
-    <p:sldId id="282" r:id="rId6"/>
+    <p:sldId id="285" r:id="rId6"/>
+    <p:sldId id="286" r:id="rId7"/>
+    <p:sldId id="287" r:id="rId8"/>
+    <p:sldId id="288" r:id="rId9"/>
+    <p:sldId id="282" r:id="rId10"/>
   </p:sldIdLst>
   <p:sldSz cx="12192000" cy="6858000"/>
   <p:notesSz cx="6858000" cy="9144000"/>
@@ -127,6 +131,10 @@
             <p14:sldId id="283"/>
             <p14:sldId id="279"/>
             <p14:sldId id="284"/>
+            <p14:sldId id="285"/>
+            <p14:sldId id="286"/>
+            <p14:sldId id="287"/>
+            <p14:sldId id="288"/>
           </p14:sldIdLst>
         </p14:section>
         <p14:section name="Weitere Informationen" id="{2CC34DB2-6590-42C0-AD4B-A04C6060184E}">
@@ -247,7 +255,7 @@
             <a:pPr rtl="0"/>
             <a:fld id="{A271CF6F-B353-47EF-80E6-4EDFE82542AA}" type="datetime1">
               <a:rPr lang="de-DE" smtClean="0"/>
-              <a:t>01.01.2024</a:t>
+              <a:t>09.01.2024</a:t>
             </a:fld>
             <a:endParaRPr lang="de-DE"/>
           </a:p>
@@ -417,7 +425,7 @@
             <a:fld id="{0D6A315A-AEB2-48A1-84FA-B4A8FE58B7D2}" type="datetime1">
               <a:rPr lang="de-DE" smtClean="0"/>
               <a:pPr/>
-              <a:t>01.01.2024</a:t>
+              <a:t>09.01.2024</a:t>
             </a:fld>
             <a:endParaRPr lang="de-DE" dirty="0"/>
           </a:p>
@@ -1024,7 +1032,7 @@
     </p:spTree>
     <p:extLst>
       <p:ext uri="{BB962C8B-B14F-4D97-AF65-F5344CB8AC3E}">
-        <p14:creationId xmlns:p14="http://schemas.microsoft.com/office/powerpoint/2010/main" val="1574235022"/>
+        <p14:creationId xmlns:p14="http://schemas.microsoft.com/office/powerpoint/2010/main" val="1200741448"/>
       </p:ext>
     </p:extLst>
   </p:cSld>
@@ -1035,6 +1043,346 @@
 </file>
 
 <file path=ppt/notesSlides/notesSlide5.xml><?xml version="1.0" encoding="utf-8"?>
+<p:notes xmlns:a="http://schemas.openxmlformats.org/drawingml/2006/main" xmlns:r="http://schemas.openxmlformats.org/officeDocument/2006/relationships" xmlns:p="http://schemas.openxmlformats.org/presentationml/2006/main">
+  <p:cSld>
+    <p:spTree>
+      <p:nvGrpSpPr>
+        <p:cNvPr id="1" name=""/>
+        <p:cNvGrpSpPr/>
+        <p:nvPr/>
+      </p:nvGrpSpPr>
+      <p:grpSpPr>
+        <a:xfrm>
+          <a:off x="0" y="0"/>
+          <a:ext cx="0" cy="0"/>
+          <a:chOff x="0" y="0"/>
+          <a:chExt cx="0" cy="0"/>
+        </a:xfrm>
+      </p:grpSpPr>
+      <p:sp>
+        <p:nvSpPr>
+          <p:cNvPr id="2" name="Folienbildplatzhalter 1"/>
+          <p:cNvSpPr>
+            <a:spLocks noGrp="1" noRot="1" noChangeAspect="1"/>
+          </p:cNvSpPr>
+          <p:nvPr>
+            <p:ph type="sldImg"/>
+          </p:nvPr>
+        </p:nvSpPr>
+        <p:spPr/>
+      </p:sp>
+      <p:sp>
+        <p:nvSpPr>
+          <p:cNvPr id="3" name="Notizenplatzhalter 2"/>
+          <p:cNvSpPr>
+            <a:spLocks noGrp="1"/>
+          </p:cNvSpPr>
+          <p:nvPr>
+            <p:ph type="body" idx="1"/>
+          </p:nvPr>
+        </p:nvSpPr>
+        <p:spPr/>
+        <p:txBody>
+          <a:bodyPr/>
+          <a:lstStyle/>
+          <a:p>
+            <a:endParaRPr lang="de-DE" dirty="0"/>
+          </a:p>
+        </p:txBody>
+      </p:sp>
+      <p:sp>
+        <p:nvSpPr>
+          <p:cNvPr id="4" name="Foliennummernplatzhalter 3"/>
+          <p:cNvSpPr>
+            <a:spLocks noGrp="1"/>
+          </p:cNvSpPr>
+          <p:nvPr>
+            <p:ph type="sldNum" sz="quarter" idx="5"/>
+          </p:nvPr>
+        </p:nvSpPr>
+        <p:spPr/>
+        <p:txBody>
+          <a:bodyPr/>
+          <a:lstStyle/>
+          <a:p>
+            <a:pPr rtl="0"/>
+            <a:fld id="{DF61EA0F-A667-4B49-8422-0062BC55E249}" type="slidenum">
+              <a:rPr lang="de-DE" smtClean="0"/>
+              <a:t>5</a:t>
+            </a:fld>
+            <a:endParaRPr lang="de-DE"/>
+          </a:p>
+        </p:txBody>
+      </p:sp>
+    </p:spTree>
+    <p:extLst>
+      <p:ext uri="{BB962C8B-B14F-4D97-AF65-F5344CB8AC3E}">
+        <p14:creationId xmlns:p14="http://schemas.microsoft.com/office/powerpoint/2010/main" val="3593577788"/>
+      </p:ext>
+    </p:extLst>
+  </p:cSld>
+  <p:clrMapOvr>
+    <a:masterClrMapping/>
+  </p:clrMapOvr>
+</p:notes>
+</file>
+
+<file path=ppt/notesSlides/notesSlide6.xml><?xml version="1.0" encoding="utf-8"?>
+<p:notes xmlns:a="http://schemas.openxmlformats.org/drawingml/2006/main" xmlns:r="http://schemas.openxmlformats.org/officeDocument/2006/relationships" xmlns:p="http://schemas.openxmlformats.org/presentationml/2006/main">
+  <p:cSld>
+    <p:spTree>
+      <p:nvGrpSpPr>
+        <p:cNvPr id="1" name=""/>
+        <p:cNvGrpSpPr/>
+        <p:nvPr/>
+      </p:nvGrpSpPr>
+      <p:grpSpPr>
+        <a:xfrm>
+          <a:off x="0" y="0"/>
+          <a:ext cx="0" cy="0"/>
+          <a:chOff x="0" y="0"/>
+          <a:chExt cx="0" cy="0"/>
+        </a:xfrm>
+      </p:grpSpPr>
+      <p:sp>
+        <p:nvSpPr>
+          <p:cNvPr id="2" name="Folienbildplatzhalter 1"/>
+          <p:cNvSpPr>
+            <a:spLocks noGrp="1" noRot="1" noChangeAspect="1"/>
+          </p:cNvSpPr>
+          <p:nvPr>
+            <p:ph type="sldImg"/>
+          </p:nvPr>
+        </p:nvSpPr>
+        <p:spPr/>
+      </p:sp>
+      <p:sp>
+        <p:nvSpPr>
+          <p:cNvPr id="3" name="Notizenplatzhalter 2"/>
+          <p:cNvSpPr>
+            <a:spLocks noGrp="1"/>
+          </p:cNvSpPr>
+          <p:nvPr>
+            <p:ph type="body" idx="1"/>
+          </p:nvPr>
+        </p:nvSpPr>
+        <p:spPr/>
+        <p:txBody>
+          <a:bodyPr/>
+          <a:lstStyle/>
+          <a:p>
+            <a:endParaRPr lang="de-DE" dirty="0"/>
+          </a:p>
+        </p:txBody>
+      </p:sp>
+      <p:sp>
+        <p:nvSpPr>
+          <p:cNvPr id="4" name="Foliennummernplatzhalter 3"/>
+          <p:cNvSpPr>
+            <a:spLocks noGrp="1"/>
+          </p:cNvSpPr>
+          <p:nvPr>
+            <p:ph type="sldNum" sz="quarter" idx="5"/>
+          </p:nvPr>
+        </p:nvSpPr>
+        <p:spPr/>
+        <p:txBody>
+          <a:bodyPr/>
+          <a:lstStyle/>
+          <a:p>
+            <a:pPr rtl="0"/>
+            <a:fld id="{DF61EA0F-A667-4B49-8422-0062BC55E249}" type="slidenum">
+              <a:rPr lang="de-DE" smtClean="0"/>
+              <a:t>6</a:t>
+            </a:fld>
+            <a:endParaRPr lang="de-DE"/>
+          </a:p>
+        </p:txBody>
+      </p:sp>
+    </p:spTree>
+    <p:extLst>
+      <p:ext uri="{BB962C8B-B14F-4D97-AF65-F5344CB8AC3E}">
+        <p14:creationId xmlns:p14="http://schemas.microsoft.com/office/powerpoint/2010/main" val="3387612041"/>
+      </p:ext>
+    </p:extLst>
+  </p:cSld>
+  <p:clrMapOvr>
+    <a:masterClrMapping/>
+  </p:clrMapOvr>
+</p:notes>
+</file>
+
+<file path=ppt/notesSlides/notesSlide7.xml><?xml version="1.0" encoding="utf-8"?>
+<p:notes xmlns:a="http://schemas.openxmlformats.org/drawingml/2006/main" xmlns:r="http://schemas.openxmlformats.org/officeDocument/2006/relationships" xmlns:p="http://schemas.openxmlformats.org/presentationml/2006/main">
+  <p:cSld>
+    <p:spTree>
+      <p:nvGrpSpPr>
+        <p:cNvPr id="1" name=""/>
+        <p:cNvGrpSpPr/>
+        <p:nvPr/>
+      </p:nvGrpSpPr>
+      <p:grpSpPr>
+        <a:xfrm>
+          <a:off x="0" y="0"/>
+          <a:ext cx="0" cy="0"/>
+          <a:chOff x="0" y="0"/>
+          <a:chExt cx="0" cy="0"/>
+        </a:xfrm>
+      </p:grpSpPr>
+      <p:sp>
+        <p:nvSpPr>
+          <p:cNvPr id="2" name="Folienbildplatzhalter 1"/>
+          <p:cNvSpPr>
+            <a:spLocks noGrp="1" noRot="1" noChangeAspect="1"/>
+          </p:cNvSpPr>
+          <p:nvPr>
+            <p:ph type="sldImg"/>
+          </p:nvPr>
+        </p:nvSpPr>
+        <p:spPr/>
+      </p:sp>
+      <p:sp>
+        <p:nvSpPr>
+          <p:cNvPr id="3" name="Notizenplatzhalter 2"/>
+          <p:cNvSpPr>
+            <a:spLocks noGrp="1"/>
+          </p:cNvSpPr>
+          <p:nvPr>
+            <p:ph type="body" idx="1"/>
+          </p:nvPr>
+        </p:nvSpPr>
+        <p:spPr/>
+        <p:txBody>
+          <a:bodyPr/>
+          <a:lstStyle/>
+          <a:p>
+            <a:endParaRPr lang="de-DE" dirty="0"/>
+          </a:p>
+        </p:txBody>
+      </p:sp>
+      <p:sp>
+        <p:nvSpPr>
+          <p:cNvPr id="4" name="Foliennummernplatzhalter 3"/>
+          <p:cNvSpPr>
+            <a:spLocks noGrp="1"/>
+          </p:cNvSpPr>
+          <p:nvPr>
+            <p:ph type="sldNum" sz="quarter" idx="5"/>
+          </p:nvPr>
+        </p:nvSpPr>
+        <p:spPr/>
+        <p:txBody>
+          <a:bodyPr/>
+          <a:lstStyle/>
+          <a:p>
+            <a:pPr rtl="0"/>
+            <a:fld id="{DF61EA0F-A667-4B49-8422-0062BC55E249}" type="slidenum">
+              <a:rPr lang="de-DE" smtClean="0"/>
+              <a:t>7</a:t>
+            </a:fld>
+            <a:endParaRPr lang="de-DE"/>
+          </a:p>
+        </p:txBody>
+      </p:sp>
+    </p:spTree>
+    <p:extLst>
+      <p:ext uri="{BB962C8B-B14F-4D97-AF65-F5344CB8AC3E}">
+        <p14:creationId xmlns:p14="http://schemas.microsoft.com/office/powerpoint/2010/main" val="230614925"/>
+      </p:ext>
+    </p:extLst>
+  </p:cSld>
+  <p:clrMapOvr>
+    <a:masterClrMapping/>
+  </p:clrMapOvr>
+</p:notes>
+</file>
+
+<file path=ppt/notesSlides/notesSlide8.xml><?xml version="1.0" encoding="utf-8"?>
+<p:notes xmlns:a="http://schemas.openxmlformats.org/drawingml/2006/main" xmlns:r="http://schemas.openxmlformats.org/officeDocument/2006/relationships" xmlns:p="http://schemas.openxmlformats.org/presentationml/2006/main">
+  <p:cSld>
+    <p:spTree>
+      <p:nvGrpSpPr>
+        <p:cNvPr id="1" name=""/>
+        <p:cNvGrpSpPr/>
+        <p:nvPr/>
+      </p:nvGrpSpPr>
+      <p:grpSpPr>
+        <a:xfrm>
+          <a:off x="0" y="0"/>
+          <a:ext cx="0" cy="0"/>
+          <a:chOff x="0" y="0"/>
+          <a:chExt cx="0" cy="0"/>
+        </a:xfrm>
+      </p:grpSpPr>
+      <p:sp>
+        <p:nvSpPr>
+          <p:cNvPr id="2" name="Folienbildplatzhalter 1"/>
+          <p:cNvSpPr>
+            <a:spLocks noGrp="1" noRot="1" noChangeAspect="1"/>
+          </p:cNvSpPr>
+          <p:nvPr>
+            <p:ph type="sldImg"/>
+          </p:nvPr>
+        </p:nvSpPr>
+        <p:spPr/>
+      </p:sp>
+      <p:sp>
+        <p:nvSpPr>
+          <p:cNvPr id="3" name="Notizenplatzhalter 2"/>
+          <p:cNvSpPr>
+            <a:spLocks noGrp="1"/>
+          </p:cNvSpPr>
+          <p:nvPr>
+            <p:ph type="body" idx="1"/>
+          </p:nvPr>
+        </p:nvSpPr>
+        <p:spPr/>
+        <p:txBody>
+          <a:bodyPr/>
+          <a:lstStyle/>
+          <a:p>
+            <a:endParaRPr lang="de-DE" dirty="0"/>
+          </a:p>
+        </p:txBody>
+      </p:sp>
+      <p:sp>
+        <p:nvSpPr>
+          <p:cNvPr id="4" name="Foliennummernplatzhalter 3"/>
+          <p:cNvSpPr>
+            <a:spLocks noGrp="1"/>
+          </p:cNvSpPr>
+          <p:nvPr>
+            <p:ph type="sldNum" sz="quarter" idx="5"/>
+          </p:nvPr>
+        </p:nvSpPr>
+        <p:spPr/>
+        <p:txBody>
+          <a:bodyPr/>
+          <a:lstStyle/>
+          <a:p>
+            <a:pPr rtl="0"/>
+            <a:fld id="{DF61EA0F-A667-4B49-8422-0062BC55E249}" type="slidenum">
+              <a:rPr lang="de-DE" smtClean="0"/>
+              <a:t>8</a:t>
+            </a:fld>
+            <a:endParaRPr lang="de-DE"/>
+          </a:p>
+        </p:txBody>
+      </p:sp>
+    </p:spTree>
+    <p:extLst>
+      <p:ext uri="{BB962C8B-B14F-4D97-AF65-F5344CB8AC3E}">
+        <p14:creationId xmlns:p14="http://schemas.microsoft.com/office/powerpoint/2010/main" val="4114611874"/>
+      </p:ext>
+    </p:extLst>
+  </p:cSld>
+  <p:clrMapOvr>
+    <a:masterClrMapping/>
+  </p:clrMapOvr>
+</p:notes>
+</file>
+
+<file path=ppt/notesSlides/notesSlide9.xml><?xml version="1.0" encoding="utf-8"?>
 <p:notes xmlns:a="http://schemas.openxmlformats.org/drawingml/2006/main" xmlns:r="http://schemas.openxmlformats.org/officeDocument/2006/relationships" xmlns:p="http://schemas.openxmlformats.org/presentationml/2006/main">
   <p:cSld>
     <p:spTree>
@@ -1106,7 +1454,7 @@
             <a:pPr rtl="0"/>
             <a:fld id="{DF61EA0F-A667-4B49-8422-0062BC55E249}" type="slidenum">
               <a:rPr lang="de-DE" smtClean="0"/>
-              <a:t>5</a:t>
+              <a:t>9</a:t>
             </a:fld>
             <a:endParaRPr lang="de-DE"/>
           </a:p>
@@ -1563,7 +1911,7 @@
             <a:pPr rtl="0"/>
             <a:fld id="{A8748828-F6EB-4704-9353-51DD373A1B63}" type="datetime1">
               <a:rPr lang="de-DE" noProof="0" smtClean="0"/>
-              <a:t>01.01.2024</a:t>
+              <a:t>09.01.2024</a:t>
             </a:fld>
             <a:endParaRPr lang="de-DE" noProof="0"/>
           </a:p>
@@ -2189,7 +2537,7 @@
             <a:pPr rtl="0"/>
             <a:fld id="{3BAA270F-9618-4C37-A567-2E8C03DB9594}" type="datetime1">
               <a:rPr lang="de-DE" noProof="0" smtClean="0"/>
-              <a:t>01.01.2024</a:t>
+              <a:t>09.01.2024</a:t>
             </a:fld>
             <a:endParaRPr lang="de-DE" noProof="0" dirty="0"/>
           </a:p>
@@ -4607,52 +4955,6 @@
           </a:p>
         </p:txBody>
       </p:sp>
-      <p:pic>
-        <p:nvPicPr>
-          <p:cNvPr id="29" name="Bild 28" descr="Registerkarte „Einfügen“ mit Option zum Einfügen eines Bilds"/>
-          <p:cNvPicPr>
-            <a:picLocks noChangeAspect="1"/>
-          </p:cNvPicPr>
-          <p:nvPr/>
-        </p:nvPicPr>
-        <p:blipFill>
-          <a:blip r:embed="rId3"/>
-          <a:srcRect/>
-          <a:stretch/>
-        </p:blipFill>
-        <p:spPr>
-          <a:xfrm>
-            <a:off x="6880200" y="1455791"/>
-            <a:ext cx="2795081" cy="1592728"/>
-          </a:xfrm>
-          <a:prstGeom prst="rect">
-            <a:avLst/>
-          </a:prstGeom>
-        </p:spPr>
-      </p:pic>
-      <p:pic>
-        <p:nvPicPr>
-          <p:cNvPr id="23" name="Bild 22" descr="Dialogfeld „Designideen“ mit Aufforderung zur Benutzerbestätigung zum Abrufen von Designideen"/>
-          <p:cNvPicPr>
-            <a:picLocks noChangeAspect="1"/>
-          </p:cNvPicPr>
-          <p:nvPr/>
-        </p:nvPicPr>
-        <p:blipFill>
-          <a:blip r:embed="rId4"/>
-          <a:srcRect/>
-          <a:stretch/>
-        </p:blipFill>
-        <p:spPr>
-          <a:xfrm>
-            <a:off x="6693033" y="3067244"/>
-            <a:ext cx="2900886" cy="3506681"/>
-          </a:xfrm>
-          <a:prstGeom prst="rect">
-            <a:avLst/>
-          </a:prstGeom>
-        </p:spPr>
-      </p:pic>
     </p:spTree>
     <p:extLst>
       <p:ext uri="{BB962C8B-B14F-4D97-AF65-F5344CB8AC3E}">
@@ -5070,7 +5372,7 @@
                 </a:solidFill>
                 <a:cs typeface="Segoe UI"/>
               </a:rPr>
-              <a:t>Umsatzdaten nach Warengruppen sortiert</a:t>
+              <a:t>Umsatzdaten nach Warengruppen sortiert (Kategorie)</a:t>
             </a:r>
           </a:p>
         </p:txBody>
@@ -5410,7 +5712,7 @@
                 </a:solidFill>
                 <a:cs typeface="Segoe UI" panose="020B0502040204020203" pitchFamily="34" charset="0"/>
               </a:rPr>
-              <a:t>Datumsspezifische Ereignisse mit Wahrheitswert 1 versehen:</a:t>
+              <a:t>Datumsspezifische Ereignisse mit Wahrheitswert 1 versehen (Boolean):</a:t>
             </a:r>
           </a:p>
           <a:p>
@@ -5846,8 +6148,53 @@
                 </a:solidFill>
                 <a:cs typeface="Segoe UI" panose="020B0502040204020203" pitchFamily="34" charset="0"/>
               </a:rPr>
-              <a:t>Temperatur </a:t>
-            </a:r>
+              <a:t>Temperatur (</a:t>
+            </a:r>
+            <a:r>
+              <a:rPr lang="en-US" sz="1100" dirty="0">
+                <a:solidFill>
+                  <a:prstClr val="black">
+                    <a:lumMod val="75000"/>
+                    <a:lumOff val="25000"/>
+                  </a:prstClr>
+                </a:solidFill>
+                <a:cs typeface="Segoe UI" panose="020B0502040204020203" pitchFamily="34" charset="0"/>
+              </a:rPr>
+              <a:t>is not linear, needs to be used as a binned category,-8.475 to 31.438 degrees) (</a:t>
+            </a:r>
+            <a:r>
+              <a:rPr lang="en-US" sz="1100" dirty="0" err="1">
+                <a:solidFill>
+                  <a:prstClr val="black">
+                    <a:lumMod val="75000"/>
+                    <a:lumOff val="25000"/>
+                  </a:prstClr>
+                </a:solidFill>
+                <a:cs typeface="Segoe UI" panose="020B0502040204020203" pitchFamily="34" charset="0"/>
+              </a:rPr>
+              <a:t>Manuell</a:t>
+            </a:r>
+            <a:r>
+              <a:rPr lang="en-US" sz="1100" dirty="0">
+                <a:solidFill>
+                  <a:prstClr val="black">
+                    <a:lumMod val="75000"/>
+                    <a:lumOff val="25000"/>
+                  </a:prstClr>
+                </a:solidFill>
+                <a:cs typeface="Segoe UI" panose="020B0502040204020203" pitchFamily="34" charset="0"/>
+              </a:rPr>
+              <a:t>:(-10, 0, 5, 10, 15, 20, 25, 35))</a:t>
+            </a:r>
+            <a:endParaRPr lang="de-DE" sz="1100" dirty="0">
+              <a:solidFill>
+                <a:prstClr val="black">
+                  <a:lumMod val="75000"/>
+                  <a:lumOff val="25000"/>
+                </a:prstClr>
+              </a:solidFill>
+              <a:cs typeface="Segoe UI" panose="020B0502040204020203" pitchFamily="34" charset="0"/>
+            </a:endParaRPr>
           </a:p>
           <a:p>
             <a:pPr lvl="0" rtl="0">
@@ -5870,8 +6217,29 @@
                 </a:solidFill>
                 <a:cs typeface="Segoe UI" panose="020B0502040204020203" pitchFamily="34" charset="0"/>
               </a:rPr>
-              <a:t>Windgeschwindigkeit</a:t>
-            </a:r>
+              <a:t>Windgeschwindigkeit (</a:t>
+            </a:r>
+            <a:r>
+              <a:rPr lang="en-US" sz="1100" dirty="0">
+                <a:solidFill>
+                  <a:prstClr val="black">
+                    <a:lumMod val="75000"/>
+                    <a:lumOff val="25000"/>
+                  </a:prstClr>
+                </a:solidFill>
+                <a:cs typeface="Segoe UI" panose="020B0502040204020203" pitchFamily="34" charset="0"/>
+              </a:rPr>
+              <a:t>is linear, use as it is)</a:t>
+            </a:r>
+            <a:endParaRPr lang="de-DE" sz="1100" dirty="0">
+              <a:solidFill>
+                <a:prstClr val="black">
+                  <a:lumMod val="75000"/>
+                  <a:lumOff val="25000"/>
+                </a:prstClr>
+              </a:solidFill>
+              <a:cs typeface="Segoe UI" panose="020B0502040204020203" pitchFamily="34" charset="0"/>
+            </a:endParaRPr>
           </a:p>
           <a:p>
             <a:pPr lvl="0" rtl="0">
@@ -5894,57 +6262,32 @@
                 </a:solidFill>
                 <a:cs typeface="Segoe UI" panose="020B0502040204020203" pitchFamily="34" charset="0"/>
               </a:rPr>
-              <a:t>Wettercode</a:t>
-            </a:r>
+              <a:t>Wettercode (</a:t>
+            </a:r>
+            <a:r>
+              <a:rPr lang="en-US" sz="1100" dirty="0">
+                <a:solidFill>
+                  <a:prstClr val="black">
+                    <a:lumMod val="75000"/>
+                    <a:lumOff val="25000"/>
+                  </a:prstClr>
+                </a:solidFill>
+                <a:cs typeface="Segoe UI" panose="020B0502040204020203" pitchFamily="34" charset="0"/>
+              </a:rPr>
+              <a:t>too many missing values and therefore currently not useful)</a:t>
+            </a:r>
+            <a:endParaRPr lang="de-DE" sz="1100" dirty="0">
+              <a:solidFill>
+                <a:prstClr val="black">
+                  <a:lumMod val="75000"/>
+                  <a:lumOff val="25000"/>
+                </a:prstClr>
+              </a:solidFill>
+              <a:cs typeface="Segoe UI" panose="020B0502040204020203" pitchFamily="34" charset="0"/>
+            </a:endParaRPr>
           </a:p>
         </p:txBody>
       </p:sp>
-      <p:pic>
-        <p:nvPicPr>
-          <p:cNvPr id="29" name="Bild 28" descr="Registerkarte „Einfügen“ mit Option zum Einfügen eines Bilds"/>
-          <p:cNvPicPr>
-            <a:picLocks noChangeAspect="1"/>
-          </p:cNvPicPr>
-          <p:nvPr/>
-        </p:nvPicPr>
-        <p:blipFill>
-          <a:blip r:embed="rId3"/>
-          <a:srcRect/>
-          <a:stretch/>
-        </p:blipFill>
-        <p:spPr>
-          <a:xfrm>
-            <a:off x="6880200" y="1455791"/>
-            <a:ext cx="2795081" cy="1592728"/>
-          </a:xfrm>
-          <a:prstGeom prst="rect">
-            <a:avLst/>
-          </a:prstGeom>
-        </p:spPr>
-      </p:pic>
-      <p:pic>
-        <p:nvPicPr>
-          <p:cNvPr id="23" name="Bild 22" descr="Dialogfeld „Designideen“ mit Aufforderung zur Benutzerbestätigung zum Abrufen von Designideen"/>
-          <p:cNvPicPr>
-            <a:picLocks noChangeAspect="1"/>
-          </p:cNvPicPr>
-          <p:nvPr/>
-        </p:nvPicPr>
-        <p:blipFill>
-          <a:blip r:embed="rId4"/>
-          <a:srcRect/>
-          <a:stretch/>
-        </p:blipFill>
-        <p:spPr>
-          <a:xfrm>
-            <a:off x="6693033" y="3067244"/>
-            <a:ext cx="2900886" cy="3506681"/>
-          </a:xfrm>
-          <a:prstGeom prst="rect">
-            <a:avLst/>
-          </a:prstGeom>
-        </p:spPr>
-      </p:pic>
     </p:spTree>
     <p:extLst>
       <p:ext uri="{BB962C8B-B14F-4D97-AF65-F5344CB8AC3E}">
@@ -5996,12 +6339,12 @@
         <p:spPr>
           <a:xfrm>
             <a:off x="521207" y="448056"/>
-            <a:ext cx="8950597" cy="640080"/>
+            <a:ext cx="8188684" cy="640080"/>
           </a:xfrm>
         </p:spPr>
         <p:txBody>
           <a:bodyPr rtlCol="0">
-            <a:normAutofit/>
+            <a:normAutofit fontScale="90000"/>
           </a:bodyPr>
           <a:lstStyle/>
           <a:p>
@@ -6030,1379 +6373,15 @@
           </a:p>
         </p:txBody>
       </p:sp>
-      <p:grpSp>
-        <p:nvGrpSpPr>
-          <p:cNvPr id="18" name="Gruppieren 17" descr="Kleiner Kreis mit enthaltener Zahl 1 zur Angabe von Schritt 1"/>
-          <p:cNvGrpSpPr/>
-          <p:nvPr/>
-        </p:nvGrpSpPr>
-        <p:grpSpPr bwMode="blackWhite">
-          <a:xfrm>
-            <a:off x="531552" y="1340027"/>
-            <a:ext cx="558179" cy="409838"/>
-            <a:chOff x="6953426" y="711274"/>
-            <a:chExt cx="558179" cy="409838"/>
-          </a:xfrm>
-        </p:grpSpPr>
-        <p:sp>
-          <p:nvSpPr>
-            <p:cNvPr id="19" name="Ellipse 18" descr="Kleiner Kreis"/>
-            <p:cNvSpPr/>
-            <p:nvPr/>
-          </p:nvSpPr>
-          <p:spPr bwMode="blackWhite">
-            <a:xfrm>
-              <a:off x="7025069" y="711274"/>
-              <a:ext cx="409838" cy="409838"/>
-            </a:xfrm>
-            <a:prstGeom prst="ellipse">
-              <a:avLst/>
-            </a:prstGeom>
-            <a:solidFill>
-              <a:srgbClr val="D24726"/>
-            </a:solidFill>
-            <a:ln>
-              <a:noFill/>
-            </a:ln>
-          </p:spPr>
-          <p:style>
-            <a:lnRef idx="2">
-              <a:schemeClr val="accent1">
-                <a:shade val="50000"/>
-              </a:schemeClr>
-            </a:lnRef>
-            <a:fillRef idx="1">
-              <a:schemeClr val="accent1"/>
-            </a:fillRef>
-            <a:effectRef idx="0">
-              <a:schemeClr val="accent1"/>
-            </a:effectRef>
-            <a:fontRef idx="minor">
-              <a:schemeClr val="lt1"/>
-            </a:fontRef>
-          </p:style>
-          <p:txBody>
-            <a:bodyPr rtlCol="0" anchor="ctr"/>
-            <a:lstStyle/>
-            <a:p>
-              <a:pPr algn="ctr" rtl="0"/>
-              <a:endParaRPr lang="de-DE"/>
-            </a:p>
-          </p:txBody>
-        </p:sp>
-        <p:sp>
-          <p:nvSpPr>
-            <p:cNvPr id="20" name="Textfeld 19" descr="Zahl 1"/>
-            <p:cNvSpPr txBox="1">
-              <a:spLocks noChangeAspect="1"/>
-            </p:cNvSpPr>
-            <p:nvPr/>
-          </p:nvSpPr>
-          <p:spPr bwMode="blackWhite">
-            <a:xfrm>
-              <a:off x="6953426" y="727564"/>
-              <a:ext cx="558179" cy="369332"/>
-            </a:xfrm>
-            <a:prstGeom prst="rect">
-              <a:avLst/>
-            </a:prstGeom>
-            <a:noFill/>
-          </p:spPr>
-          <p:txBody>
-            <a:bodyPr wrap="square" rtlCol="0">
-              <a:spAutoFit/>
-            </a:bodyPr>
-            <a:lstStyle/>
-            <a:p>
-              <a:pPr algn="ctr" rtl="0"/>
-              <a:r>
-                <a:rPr lang="de-DE" dirty="0">
-                  <a:solidFill>
-                    <a:schemeClr val="bg1"/>
-                  </a:solidFill>
-                  <a:latin typeface="Segoe UI Semibold" panose="020B0702040204020203" pitchFamily="34" charset="0"/>
-                  <a:cs typeface="Segoe UI Semibold" panose="020B0702040204020203" pitchFamily="34" charset="0"/>
-                </a:rPr>
-                <a:t>1</a:t>
-              </a:r>
-            </a:p>
-          </p:txBody>
-        </p:sp>
-      </p:grpSp>
-      <p:sp>
-        <p:nvSpPr>
-          <p:cNvPr id="21" name="Inhaltsplatzhalter 17"/>
-          <p:cNvSpPr txBox="1">
-            <a:spLocks/>
-          </p:cNvSpPr>
-          <p:nvPr/>
-        </p:nvSpPr>
-        <p:spPr>
-          <a:xfrm>
-            <a:off x="1056514" y="1380219"/>
-            <a:ext cx="5399027" cy="596551"/>
-          </a:xfrm>
-          <a:prstGeom prst="rect">
-            <a:avLst/>
-          </a:prstGeom>
-        </p:spPr>
-        <p:txBody>
-          <a:bodyPr vert="horz" lIns="91440" tIns="45720" rIns="91440" bIns="45720" rtlCol="0">
-            <a:normAutofit/>
-          </a:bodyPr>
-          <a:lstStyle>
-            <a:lvl1pPr marL="228600" indent="-228600" algn="l" defTabSz="914400" rtl="0" eaLnBrk="1" latinLnBrk="0" hangingPunct="1">
-              <a:lnSpc>
-                <a:spcPts val="1800"/>
-              </a:lnSpc>
-              <a:spcBef>
-                <a:spcPts val="1000"/>
-              </a:spcBef>
-              <a:spcAft>
-                <a:spcPts val="1000"/>
-              </a:spcAft>
-              <a:buFont typeface="Arial" panose="020B0604020202020204" pitchFamily="34" charset="0"/>
-              <a:buChar char="•"/>
-              <a:defRPr lang="en-US" sz="1200" kern="1200" smtClean="0">
-                <a:solidFill>
-                  <a:schemeClr val="tx1">
-                    <a:lumMod val="75000"/>
-                    <a:lumOff val="25000"/>
-                  </a:schemeClr>
-                </a:solidFill>
-                <a:latin typeface="+mn-lt"/>
-                <a:ea typeface="+mn-ea"/>
-                <a:cs typeface="+mn-cs"/>
-              </a:defRPr>
-            </a:lvl1pPr>
-            <a:lvl2pPr marL="685800" indent="-228600" algn="l" defTabSz="914400" rtl="0" eaLnBrk="1" latinLnBrk="0" hangingPunct="1">
-              <a:lnSpc>
-                <a:spcPts val="1800"/>
-              </a:lnSpc>
-              <a:spcBef>
-                <a:spcPts val="1000"/>
-              </a:spcBef>
-              <a:spcAft>
-                <a:spcPts val="1000"/>
-              </a:spcAft>
-              <a:buFont typeface="Arial" panose="020B0604020202020204" pitchFamily="34" charset="0"/>
-              <a:buChar char="•"/>
-              <a:defRPr lang="en-US" sz="1200" kern="1200" smtClean="0">
-                <a:solidFill>
-                  <a:schemeClr val="tx1">
-                    <a:lumMod val="75000"/>
-                    <a:lumOff val="25000"/>
-                  </a:schemeClr>
-                </a:solidFill>
-                <a:latin typeface="+mn-lt"/>
-                <a:ea typeface="+mn-ea"/>
-                <a:cs typeface="+mn-cs"/>
-              </a:defRPr>
-            </a:lvl2pPr>
-            <a:lvl3pPr marL="1143000" indent="-228600" algn="l" defTabSz="914400" rtl="0" eaLnBrk="1" latinLnBrk="0" hangingPunct="1">
-              <a:lnSpc>
-                <a:spcPts val="1800"/>
-              </a:lnSpc>
-              <a:spcBef>
-                <a:spcPts val="1000"/>
-              </a:spcBef>
-              <a:spcAft>
-                <a:spcPts val="1000"/>
-              </a:spcAft>
-              <a:buFont typeface="Arial" panose="020B0604020202020204" pitchFamily="34" charset="0"/>
-              <a:buChar char="•"/>
-              <a:defRPr lang="en-US" sz="1200" kern="1200" smtClean="0">
-                <a:solidFill>
-                  <a:schemeClr val="tx1">
-                    <a:lumMod val="75000"/>
-                    <a:lumOff val="25000"/>
-                  </a:schemeClr>
-                </a:solidFill>
-                <a:latin typeface="+mn-lt"/>
-                <a:ea typeface="+mn-ea"/>
-                <a:cs typeface="+mn-cs"/>
-              </a:defRPr>
-            </a:lvl3pPr>
-            <a:lvl4pPr marL="1600200" indent="-228600" algn="l" defTabSz="914400" rtl="0" eaLnBrk="1" latinLnBrk="0" hangingPunct="1">
-              <a:lnSpc>
-                <a:spcPts val="1800"/>
-              </a:lnSpc>
-              <a:spcBef>
-                <a:spcPts val="1000"/>
-              </a:spcBef>
-              <a:spcAft>
-                <a:spcPts val="1000"/>
-              </a:spcAft>
-              <a:buFont typeface="Arial" panose="020B0604020202020204" pitchFamily="34" charset="0"/>
-              <a:buChar char="•"/>
-              <a:defRPr lang="en-US" sz="1200" kern="1200" smtClean="0">
-                <a:solidFill>
-                  <a:schemeClr val="tx1">
-                    <a:lumMod val="75000"/>
-                    <a:lumOff val="25000"/>
-                  </a:schemeClr>
-                </a:solidFill>
-                <a:latin typeface="+mn-lt"/>
-                <a:ea typeface="+mn-ea"/>
-                <a:cs typeface="+mn-cs"/>
-              </a:defRPr>
-            </a:lvl4pPr>
-            <a:lvl5pPr marL="2057400" indent="-228600" algn="l" defTabSz="914400" rtl="0" eaLnBrk="1" latinLnBrk="0" hangingPunct="1">
-              <a:lnSpc>
-                <a:spcPts val="1800"/>
-              </a:lnSpc>
-              <a:spcBef>
-                <a:spcPts val="1000"/>
-              </a:spcBef>
-              <a:spcAft>
-                <a:spcPts val="1000"/>
-              </a:spcAft>
-              <a:buFont typeface="Arial" panose="020B0604020202020204" pitchFamily="34" charset="0"/>
-              <a:buChar char="•"/>
-              <a:defRPr lang="en-US" sz="1200" kern="1200">
-                <a:solidFill>
-                  <a:schemeClr val="tx1">
-                    <a:lumMod val="75000"/>
-                    <a:lumOff val="25000"/>
-                  </a:schemeClr>
-                </a:solidFill>
-                <a:latin typeface="+mn-lt"/>
-                <a:ea typeface="+mn-ea"/>
-                <a:cs typeface="+mn-cs"/>
-              </a:defRPr>
-            </a:lvl5pPr>
-            <a:lvl6pPr marL="2514600" indent="-228600" algn="l" defTabSz="914400" rtl="0" eaLnBrk="1" latinLnBrk="0" hangingPunct="1">
-              <a:lnSpc>
-                <a:spcPct val="90000"/>
-              </a:lnSpc>
-              <a:spcBef>
-                <a:spcPct val="30000"/>
-              </a:spcBef>
-              <a:buFont typeface="Arial" panose="020B0604020202020204" pitchFamily="34" charset="0"/>
-              <a:buChar char="•"/>
-              <a:defRPr sz="1800" kern="1200">
-                <a:solidFill>
-                  <a:schemeClr val="tx1"/>
-                </a:solidFill>
-                <a:latin typeface="+mn-lt"/>
-                <a:ea typeface="+mn-ea"/>
-                <a:cs typeface="+mn-cs"/>
-              </a:defRPr>
-            </a:lvl6pPr>
-            <a:lvl7pPr marL="2971800" indent="-228600" algn="l" defTabSz="914400" rtl="0" eaLnBrk="1" latinLnBrk="0" hangingPunct="1">
-              <a:lnSpc>
-                <a:spcPct val="90000"/>
-              </a:lnSpc>
-              <a:spcBef>
-                <a:spcPct val="30000"/>
-              </a:spcBef>
-              <a:buFont typeface="Arial" panose="020B0604020202020204" pitchFamily="34" charset="0"/>
-              <a:buChar char="•"/>
-              <a:defRPr sz="1800" kern="1200">
-                <a:solidFill>
-                  <a:schemeClr val="tx1"/>
-                </a:solidFill>
-                <a:latin typeface="+mn-lt"/>
-                <a:ea typeface="+mn-ea"/>
-                <a:cs typeface="+mn-cs"/>
-              </a:defRPr>
-            </a:lvl7pPr>
-            <a:lvl8pPr marL="3429000" indent="-228600" algn="l" defTabSz="914400" rtl="0" eaLnBrk="1" latinLnBrk="0" hangingPunct="1">
-              <a:lnSpc>
-                <a:spcPct val="90000"/>
-              </a:lnSpc>
-              <a:spcBef>
-                <a:spcPct val="30000"/>
-              </a:spcBef>
-              <a:buFont typeface="Arial" panose="020B0604020202020204" pitchFamily="34" charset="0"/>
-              <a:buChar char="•"/>
-              <a:defRPr sz="1800" kern="1200">
-                <a:solidFill>
-                  <a:schemeClr val="tx1"/>
-                </a:solidFill>
-                <a:latin typeface="+mn-lt"/>
-                <a:ea typeface="+mn-ea"/>
-                <a:cs typeface="+mn-cs"/>
-              </a:defRPr>
-            </a:lvl8pPr>
-            <a:lvl9pPr marL="3886200" indent="-228600" algn="l" defTabSz="914400" rtl="0" eaLnBrk="1" latinLnBrk="0" hangingPunct="1">
-              <a:lnSpc>
-                <a:spcPct val="90000"/>
-              </a:lnSpc>
-              <a:spcBef>
-                <a:spcPct val="30000"/>
-              </a:spcBef>
-              <a:buFont typeface="Arial" panose="020B0604020202020204" pitchFamily="34" charset="0"/>
-              <a:buChar char="•"/>
-              <a:defRPr sz="1800" kern="1200">
-                <a:solidFill>
-                  <a:schemeClr val="tx1"/>
-                </a:solidFill>
-                <a:latin typeface="+mn-lt"/>
-                <a:ea typeface="+mn-ea"/>
-                <a:cs typeface="+mn-cs"/>
-              </a:defRPr>
-            </a:lvl9pPr>
-          </a:lstStyle>
-          <a:p>
-            <a:pPr marL="0" lvl="0" indent="0" rtl="0">
-              <a:spcAft>
-                <a:spcPts val="600"/>
-              </a:spcAft>
-              <a:buNone/>
-              <a:defRPr/>
-            </a:pPr>
-            <a:r>
-              <a:rPr lang="de-DE" sz="1100" dirty="0">
-                <a:solidFill>
-                  <a:prstClr val="black">
-                    <a:lumMod val="75000"/>
-                    <a:lumOff val="25000"/>
-                  </a:prstClr>
-                </a:solidFill>
-                <a:cs typeface="Segoe UI"/>
-              </a:rPr>
-              <a:t>Umsatzdaten nach Warengruppen</a:t>
-            </a:r>
-          </a:p>
-        </p:txBody>
-      </p:sp>
-      <p:grpSp>
-        <p:nvGrpSpPr>
-          <p:cNvPr id="33" name="Gruppieren 32" descr="Kleiner Kreis mit enthaltener Zahl 2 zur Angabe von Schritt 2"/>
-          <p:cNvGrpSpPr/>
-          <p:nvPr/>
-        </p:nvGrpSpPr>
-        <p:grpSpPr bwMode="blackWhite">
-          <a:xfrm>
-            <a:off x="531552" y="1977230"/>
-            <a:ext cx="558179" cy="409838"/>
-            <a:chOff x="6953426" y="711274"/>
-            <a:chExt cx="558179" cy="409838"/>
-          </a:xfrm>
-        </p:grpSpPr>
-        <p:sp>
-          <p:nvSpPr>
-            <p:cNvPr id="34" name="Ellipse 33" descr="Kleiner Kreis"/>
-            <p:cNvSpPr/>
-            <p:nvPr/>
-          </p:nvSpPr>
-          <p:spPr bwMode="blackWhite">
-            <a:xfrm>
-              <a:off x="7025069" y="711274"/>
-              <a:ext cx="409838" cy="409838"/>
-            </a:xfrm>
-            <a:prstGeom prst="ellipse">
-              <a:avLst/>
-            </a:prstGeom>
-            <a:solidFill>
-              <a:srgbClr val="D24726"/>
-            </a:solidFill>
-            <a:ln>
-              <a:noFill/>
-            </a:ln>
-          </p:spPr>
-          <p:style>
-            <a:lnRef idx="2">
-              <a:schemeClr val="accent1">
-                <a:shade val="50000"/>
-              </a:schemeClr>
-            </a:lnRef>
-            <a:fillRef idx="1">
-              <a:schemeClr val="accent1"/>
-            </a:fillRef>
-            <a:effectRef idx="0">
-              <a:schemeClr val="accent1"/>
-            </a:effectRef>
-            <a:fontRef idx="minor">
-              <a:schemeClr val="lt1"/>
-            </a:fontRef>
-          </p:style>
-          <p:txBody>
-            <a:bodyPr rtlCol="0" anchor="ctr"/>
-            <a:lstStyle/>
-            <a:p>
-              <a:pPr algn="ctr" rtl="0"/>
-              <a:endParaRPr lang="de-DE"/>
-            </a:p>
-          </p:txBody>
-        </p:sp>
-        <p:sp>
-          <p:nvSpPr>
-            <p:cNvPr id="35" name="Textfeld 34" descr="Zahl 2"/>
-            <p:cNvSpPr txBox="1">
-              <a:spLocks noChangeAspect="1"/>
-            </p:cNvSpPr>
-            <p:nvPr/>
-          </p:nvSpPr>
-          <p:spPr bwMode="blackWhite">
-            <a:xfrm>
-              <a:off x="6953426" y="727564"/>
-              <a:ext cx="558179" cy="369332"/>
-            </a:xfrm>
-            <a:prstGeom prst="rect">
-              <a:avLst/>
-            </a:prstGeom>
-            <a:noFill/>
-          </p:spPr>
-          <p:txBody>
-            <a:bodyPr wrap="square" rtlCol="0">
-              <a:spAutoFit/>
-            </a:bodyPr>
-            <a:lstStyle/>
-            <a:p>
-              <a:pPr algn="ctr" rtl="0"/>
-              <a:r>
-                <a:rPr lang="de-DE">
-                  <a:solidFill>
-                    <a:schemeClr val="bg1"/>
-                  </a:solidFill>
-                  <a:latin typeface="Segoe UI Semibold" panose="020B0702040204020203" pitchFamily="34" charset="0"/>
-                  <a:cs typeface="Segoe UI Semibold" panose="020B0702040204020203" pitchFamily="34" charset="0"/>
-                </a:rPr>
-                <a:t>2</a:t>
-              </a:r>
-            </a:p>
-          </p:txBody>
-        </p:sp>
-      </p:grpSp>
-      <p:sp>
-        <p:nvSpPr>
-          <p:cNvPr id="36" name="Inhaltsplatzhalter 17"/>
-          <p:cNvSpPr txBox="1">
-            <a:spLocks/>
-          </p:cNvSpPr>
-          <p:nvPr/>
-        </p:nvSpPr>
-        <p:spPr>
-          <a:xfrm>
-            <a:off x="1084676" y="2008319"/>
-            <a:ext cx="5113409" cy="756871"/>
-          </a:xfrm>
-          <a:prstGeom prst="rect">
-            <a:avLst/>
-          </a:prstGeom>
-        </p:spPr>
-        <p:txBody>
-          <a:bodyPr vert="horz" lIns="91440" tIns="45720" rIns="91440" bIns="45720" rtlCol="0">
-            <a:normAutofit/>
-          </a:bodyPr>
-          <a:lstStyle>
-            <a:lvl1pPr marL="228600" indent="-228600" algn="l" defTabSz="914400" rtl="0" eaLnBrk="1" latinLnBrk="0" hangingPunct="1">
-              <a:lnSpc>
-                <a:spcPts val="1800"/>
-              </a:lnSpc>
-              <a:spcBef>
-                <a:spcPts val="1000"/>
-              </a:spcBef>
-              <a:spcAft>
-                <a:spcPts val="1000"/>
-              </a:spcAft>
-              <a:buFont typeface="Arial" panose="020B0604020202020204" pitchFamily="34" charset="0"/>
-              <a:buChar char="•"/>
-              <a:defRPr lang="en-US" sz="1200" kern="1200" smtClean="0">
-                <a:solidFill>
-                  <a:schemeClr val="tx1">
-                    <a:lumMod val="75000"/>
-                    <a:lumOff val="25000"/>
-                  </a:schemeClr>
-                </a:solidFill>
-                <a:latin typeface="+mn-lt"/>
-                <a:ea typeface="+mn-ea"/>
-                <a:cs typeface="+mn-cs"/>
-              </a:defRPr>
-            </a:lvl1pPr>
-            <a:lvl2pPr marL="685800" indent="-228600" algn="l" defTabSz="914400" rtl="0" eaLnBrk="1" latinLnBrk="0" hangingPunct="1">
-              <a:lnSpc>
-                <a:spcPts val="1800"/>
-              </a:lnSpc>
-              <a:spcBef>
-                <a:spcPts val="1000"/>
-              </a:spcBef>
-              <a:spcAft>
-                <a:spcPts val="1000"/>
-              </a:spcAft>
-              <a:buFont typeface="Arial" panose="020B0604020202020204" pitchFamily="34" charset="0"/>
-              <a:buChar char="•"/>
-              <a:defRPr lang="en-US" sz="1200" kern="1200" smtClean="0">
-                <a:solidFill>
-                  <a:schemeClr val="tx1">
-                    <a:lumMod val="75000"/>
-                    <a:lumOff val="25000"/>
-                  </a:schemeClr>
-                </a:solidFill>
-                <a:latin typeface="+mn-lt"/>
-                <a:ea typeface="+mn-ea"/>
-                <a:cs typeface="+mn-cs"/>
-              </a:defRPr>
-            </a:lvl2pPr>
-            <a:lvl3pPr marL="1143000" indent="-228600" algn="l" defTabSz="914400" rtl="0" eaLnBrk="1" latinLnBrk="0" hangingPunct="1">
-              <a:lnSpc>
-                <a:spcPts val="1800"/>
-              </a:lnSpc>
-              <a:spcBef>
-                <a:spcPts val="1000"/>
-              </a:spcBef>
-              <a:spcAft>
-                <a:spcPts val="1000"/>
-              </a:spcAft>
-              <a:buFont typeface="Arial" panose="020B0604020202020204" pitchFamily="34" charset="0"/>
-              <a:buChar char="•"/>
-              <a:defRPr lang="en-US" sz="1200" kern="1200" smtClean="0">
-                <a:solidFill>
-                  <a:schemeClr val="tx1">
-                    <a:lumMod val="75000"/>
-                    <a:lumOff val="25000"/>
-                  </a:schemeClr>
-                </a:solidFill>
-                <a:latin typeface="+mn-lt"/>
-                <a:ea typeface="+mn-ea"/>
-                <a:cs typeface="+mn-cs"/>
-              </a:defRPr>
-            </a:lvl3pPr>
-            <a:lvl4pPr marL="1600200" indent="-228600" algn="l" defTabSz="914400" rtl="0" eaLnBrk="1" latinLnBrk="0" hangingPunct="1">
-              <a:lnSpc>
-                <a:spcPts val="1800"/>
-              </a:lnSpc>
-              <a:spcBef>
-                <a:spcPts val="1000"/>
-              </a:spcBef>
-              <a:spcAft>
-                <a:spcPts val="1000"/>
-              </a:spcAft>
-              <a:buFont typeface="Arial" panose="020B0604020202020204" pitchFamily="34" charset="0"/>
-              <a:buChar char="•"/>
-              <a:defRPr lang="en-US" sz="1200" kern="1200" smtClean="0">
-                <a:solidFill>
-                  <a:schemeClr val="tx1">
-                    <a:lumMod val="75000"/>
-                    <a:lumOff val="25000"/>
-                  </a:schemeClr>
-                </a:solidFill>
-                <a:latin typeface="+mn-lt"/>
-                <a:ea typeface="+mn-ea"/>
-                <a:cs typeface="+mn-cs"/>
-              </a:defRPr>
-            </a:lvl4pPr>
-            <a:lvl5pPr marL="2057400" indent="-228600" algn="l" defTabSz="914400" rtl="0" eaLnBrk="1" latinLnBrk="0" hangingPunct="1">
-              <a:lnSpc>
-                <a:spcPts val="1800"/>
-              </a:lnSpc>
-              <a:spcBef>
-                <a:spcPts val="1000"/>
-              </a:spcBef>
-              <a:spcAft>
-                <a:spcPts val="1000"/>
-              </a:spcAft>
-              <a:buFont typeface="Arial" panose="020B0604020202020204" pitchFamily="34" charset="0"/>
-              <a:buChar char="•"/>
-              <a:defRPr lang="en-US" sz="1200" kern="1200">
-                <a:solidFill>
-                  <a:schemeClr val="tx1">
-                    <a:lumMod val="75000"/>
-                    <a:lumOff val="25000"/>
-                  </a:schemeClr>
-                </a:solidFill>
-                <a:latin typeface="+mn-lt"/>
-                <a:ea typeface="+mn-ea"/>
-                <a:cs typeface="+mn-cs"/>
-              </a:defRPr>
-            </a:lvl5pPr>
-            <a:lvl6pPr marL="2514600" indent="-228600" algn="l" defTabSz="914400" rtl="0" eaLnBrk="1" latinLnBrk="0" hangingPunct="1">
-              <a:lnSpc>
-                <a:spcPct val="90000"/>
-              </a:lnSpc>
-              <a:spcBef>
-                <a:spcPct val="30000"/>
-              </a:spcBef>
-              <a:buFont typeface="Arial" panose="020B0604020202020204" pitchFamily="34" charset="0"/>
-              <a:buChar char="•"/>
-              <a:defRPr sz="1800" kern="1200">
-                <a:solidFill>
-                  <a:schemeClr val="tx1"/>
-                </a:solidFill>
-                <a:latin typeface="+mn-lt"/>
-                <a:ea typeface="+mn-ea"/>
-                <a:cs typeface="+mn-cs"/>
-              </a:defRPr>
-            </a:lvl6pPr>
-            <a:lvl7pPr marL="2971800" indent="-228600" algn="l" defTabSz="914400" rtl="0" eaLnBrk="1" latinLnBrk="0" hangingPunct="1">
-              <a:lnSpc>
-                <a:spcPct val="90000"/>
-              </a:lnSpc>
-              <a:spcBef>
-                <a:spcPct val="30000"/>
-              </a:spcBef>
-              <a:buFont typeface="Arial" panose="020B0604020202020204" pitchFamily="34" charset="0"/>
-              <a:buChar char="•"/>
-              <a:defRPr sz="1800" kern="1200">
-                <a:solidFill>
-                  <a:schemeClr val="tx1"/>
-                </a:solidFill>
-                <a:latin typeface="+mn-lt"/>
-                <a:ea typeface="+mn-ea"/>
-                <a:cs typeface="+mn-cs"/>
-              </a:defRPr>
-            </a:lvl7pPr>
-            <a:lvl8pPr marL="3429000" indent="-228600" algn="l" defTabSz="914400" rtl="0" eaLnBrk="1" latinLnBrk="0" hangingPunct="1">
-              <a:lnSpc>
-                <a:spcPct val="90000"/>
-              </a:lnSpc>
-              <a:spcBef>
-                <a:spcPct val="30000"/>
-              </a:spcBef>
-              <a:buFont typeface="Arial" panose="020B0604020202020204" pitchFamily="34" charset="0"/>
-              <a:buChar char="•"/>
-              <a:defRPr sz="1800" kern="1200">
-                <a:solidFill>
-                  <a:schemeClr val="tx1"/>
-                </a:solidFill>
-                <a:latin typeface="+mn-lt"/>
-                <a:ea typeface="+mn-ea"/>
-                <a:cs typeface="+mn-cs"/>
-              </a:defRPr>
-            </a:lvl8pPr>
-            <a:lvl9pPr marL="3886200" indent="-228600" algn="l" defTabSz="914400" rtl="0" eaLnBrk="1" latinLnBrk="0" hangingPunct="1">
-              <a:lnSpc>
-                <a:spcPct val="90000"/>
-              </a:lnSpc>
-              <a:spcBef>
-                <a:spcPct val="30000"/>
-              </a:spcBef>
-              <a:buFont typeface="Arial" panose="020B0604020202020204" pitchFamily="34" charset="0"/>
-              <a:buChar char="•"/>
-              <a:defRPr sz="1800" kern="1200">
-                <a:solidFill>
-                  <a:schemeClr val="tx1"/>
-                </a:solidFill>
-                <a:latin typeface="+mn-lt"/>
-                <a:ea typeface="+mn-ea"/>
-                <a:cs typeface="+mn-cs"/>
-              </a:defRPr>
-            </a:lvl9pPr>
-          </a:lstStyle>
-          <a:p>
-            <a:pPr marL="0" lvl="0" indent="0" rtl="0">
-              <a:spcAft>
-                <a:spcPts val="2000"/>
-              </a:spcAft>
-              <a:buNone/>
-              <a:defRPr/>
-            </a:pPr>
-            <a:r>
-              <a:rPr lang="de-DE" sz="1100" dirty="0">
-                <a:solidFill>
-                  <a:prstClr val="black">
-                    <a:lumMod val="75000"/>
-                    <a:lumOff val="25000"/>
-                  </a:prstClr>
-                </a:solidFill>
-                <a:latin typeface="Segoe UI" panose="020B0502040204020203" pitchFamily="34" charset="0"/>
-                <a:cs typeface="Segoe UI" panose="020B0502040204020203" pitchFamily="34" charset="0"/>
-              </a:rPr>
-              <a:t>Kieler </a:t>
-            </a:r>
-            <a:r>
-              <a:rPr lang="de-DE" sz="1100" dirty="0">
-                <a:solidFill>
-                  <a:prstClr val="black">
-                    <a:lumMod val="75000"/>
-                    <a:lumOff val="25000"/>
-                  </a:prstClr>
-                </a:solidFill>
-                <a:cs typeface="Segoe UI" panose="020B0502040204020203" pitchFamily="34" charset="0"/>
-              </a:rPr>
-              <a:t>Woche: Betroffenes Datum mit Wahrheitswert 1 versehen</a:t>
-            </a:r>
-          </a:p>
-        </p:txBody>
-      </p:sp>
-      <p:grpSp>
-        <p:nvGrpSpPr>
-          <p:cNvPr id="22" name="Gruppieren 21" descr="Kleiner Kreis mit enthaltener Zahl 3 zur Angabe von Schritt 3"/>
-          <p:cNvGrpSpPr/>
-          <p:nvPr/>
-        </p:nvGrpSpPr>
-        <p:grpSpPr bwMode="blackWhite">
-          <a:xfrm>
-            <a:off x="531552" y="2663106"/>
-            <a:ext cx="558179" cy="409838"/>
-            <a:chOff x="6953426" y="711274"/>
-            <a:chExt cx="558179" cy="409838"/>
-          </a:xfrm>
-        </p:grpSpPr>
-        <p:sp>
-          <p:nvSpPr>
-            <p:cNvPr id="24" name="Ellipse 23" descr="Kleiner Kreis"/>
-            <p:cNvSpPr/>
-            <p:nvPr/>
-          </p:nvSpPr>
-          <p:spPr bwMode="blackWhite">
-            <a:xfrm>
-              <a:off x="7025069" y="711274"/>
-              <a:ext cx="409838" cy="409838"/>
-            </a:xfrm>
-            <a:prstGeom prst="ellipse">
-              <a:avLst/>
-            </a:prstGeom>
-            <a:solidFill>
-              <a:srgbClr val="D24726"/>
-            </a:solidFill>
-            <a:ln>
-              <a:noFill/>
-            </a:ln>
-          </p:spPr>
-          <p:style>
-            <a:lnRef idx="2">
-              <a:schemeClr val="accent1">
-                <a:shade val="50000"/>
-              </a:schemeClr>
-            </a:lnRef>
-            <a:fillRef idx="1">
-              <a:schemeClr val="accent1"/>
-            </a:fillRef>
-            <a:effectRef idx="0">
-              <a:schemeClr val="accent1"/>
-            </a:effectRef>
-            <a:fontRef idx="minor">
-              <a:schemeClr val="lt1"/>
-            </a:fontRef>
-          </p:style>
-          <p:txBody>
-            <a:bodyPr rtlCol="0" anchor="ctr"/>
-            <a:lstStyle/>
-            <a:p>
-              <a:pPr algn="ctr" rtl="0"/>
-              <a:endParaRPr lang="de-DE"/>
-            </a:p>
-          </p:txBody>
-        </p:sp>
-        <p:sp>
-          <p:nvSpPr>
-            <p:cNvPr id="30" name="Textfeld 29" descr="Zahl 3"/>
-            <p:cNvSpPr txBox="1">
-              <a:spLocks noChangeAspect="1"/>
-            </p:cNvSpPr>
-            <p:nvPr/>
-          </p:nvSpPr>
-          <p:spPr bwMode="blackWhite">
-            <a:xfrm>
-              <a:off x="6953426" y="727564"/>
-              <a:ext cx="558179" cy="369332"/>
-            </a:xfrm>
-            <a:prstGeom prst="rect">
-              <a:avLst/>
-            </a:prstGeom>
-            <a:noFill/>
-          </p:spPr>
-          <p:txBody>
-            <a:bodyPr wrap="square" rtlCol="0">
-              <a:spAutoFit/>
-            </a:bodyPr>
-            <a:lstStyle/>
-            <a:p>
-              <a:pPr algn="ctr" rtl="0"/>
-              <a:r>
-                <a:rPr lang="de-DE" dirty="0">
-                  <a:solidFill>
-                    <a:schemeClr val="bg1"/>
-                  </a:solidFill>
-                  <a:latin typeface="Segoe UI Semibold" panose="020B0702040204020203" pitchFamily="34" charset="0"/>
-                  <a:cs typeface="Segoe UI Semibold" panose="020B0702040204020203" pitchFamily="34" charset="0"/>
-                </a:rPr>
-                <a:t>3</a:t>
-              </a:r>
-            </a:p>
-          </p:txBody>
-        </p:sp>
-      </p:grpSp>
-      <p:sp>
-        <p:nvSpPr>
-          <p:cNvPr id="32" name="Inhaltsplatzhalter 17"/>
-          <p:cNvSpPr txBox="1">
-            <a:spLocks/>
-          </p:cNvSpPr>
-          <p:nvPr/>
-        </p:nvSpPr>
-        <p:spPr>
-          <a:xfrm>
-            <a:off x="1056514" y="2675864"/>
-            <a:ext cx="5303098" cy="761144"/>
-          </a:xfrm>
-          <a:prstGeom prst="rect">
-            <a:avLst/>
-          </a:prstGeom>
-        </p:spPr>
-        <p:txBody>
-          <a:bodyPr vert="horz" lIns="91440" tIns="45720" rIns="91440" bIns="45720" rtlCol="0">
-            <a:normAutofit/>
-          </a:bodyPr>
-          <a:lstStyle>
-            <a:lvl1pPr marL="228600" indent="-228600" algn="l" defTabSz="914400" rtl="0" eaLnBrk="1" latinLnBrk="0" hangingPunct="1">
-              <a:lnSpc>
-                <a:spcPts val="1800"/>
-              </a:lnSpc>
-              <a:spcBef>
-                <a:spcPts val="1000"/>
-              </a:spcBef>
-              <a:spcAft>
-                <a:spcPts val="1000"/>
-              </a:spcAft>
-              <a:buFont typeface="Arial" panose="020B0604020202020204" pitchFamily="34" charset="0"/>
-              <a:buChar char="•"/>
-              <a:defRPr lang="en-US" sz="1200" kern="1200" smtClean="0">
-                <a:solidFill>
-                  <a:schemeClr val="tx1">
-                    <a:lumMod val="75000"/>
-                    <a:lumOff val="25000"/>
-                  </a:schemeClr>
-                </a:solidFill>
-                <a:latin typeface="+mn-lt"/>
-                <a:ea typeface="+mn-ea"/>
-                <a:cs typeface="+mn-cs"/>
-              </a:defRPr>
-            </a:lvl1pPr>
-            <a:lvl2pPr marL="685800" indent="-228600" algn="l" defTabSz="914400" rtl="0" eaLnBrk="1" latinLnBrk="0" hangingPunct="1">
-              <a:lnSpc>
-                <a:spcPts val="1800"/>
-              </a:lnSpc>
-              <a:spcBef>
-                <a:spcPts val="1000"/>
-              </a:spcBef>
-              <a:spcAft>
-                <a:spcPts val="1000"/>
-              </a:spcAft>
-              <a:buFont typeface="Arial" panose="020B0604020202020204" pitchFamily="34" charset="0"/>
-              <a:buChar char="•"/>
-              <a:defRPr lang="en-US" sz="1200" kern="1200" smtClean="0">
-                <a:solidFill>
-                  <a:schemeClr val="tx1">
-                    <a:lumMod val="75000"/>
-                    <a:lumOff val="25000"/>
-                  </a:schemeClr>
-                </a:solidFill>
-                <a:latin typeface="+mn-lt"/>
-                <a:ea typeface="+mn-ea"/>
-                <a:cs typeface="+mn-cs"/>
-              </a:defRPr>
-            </a:lvl2pPr>
-            <a:lvl3pPr marL="1143000" indent="-228600" algn="l" defTabSz="914400" rtl="0" eaLnBrk="1" latinLnBrk="0" hangingPunct="1">
-              <a:lnSpc>
-                <a:spcPts val="1800"/>
-              </a:lnSpc>
-              <a:spcBef>
-                <a:spcPts val="1000"/>
-              </a:spcBef>
-              <a:spcAft>
-                <a:spcPts val="1000"/>
-              </a:spcAft>
-              <a:buFont typeface="Arial" panose="020B0604020202020204" pitchFamily="34" charset="0"/>
-              <a:buChar char="•"/>
-              <a:defRPr lang="en-US" sz="1200" kern="1200" smtClean="0">
-                <a:solidFill>
-                  <a:schemeClr val="tx1">
-                    <a:lumMod val="75000"/>
-                    <a:lumOff val="25000"/>
-                  </a:schemeClr>
-                </a:solidFill>
-                <a:latin typeface="+mn-lt"/>
-                <a:ea typeface="+mn-ea"/>
-                <a:cs typeface="+mn-cs"/>
-              </a:defRPr>
-            </a:lvl3pPr>
-            <a:lvl4pPr marL="1600200" indent="-228600" algn="l" defTabSz="914400" rtl="0" eaLnBrk="1" latinLnBrk="0" hangingPunct="1">
-              <a:lnSpc>
-                <a:spcPts val="1800"/>
-              </a:lnSpc>
-              <a:spcBef>
-                <a:spcPts val="1000"/>
-              </a:spcBef>
-              <a:spcAft>
-                <a:spcPts val="1000"/>
-              </a:spcAft>
-              <a:buFont typeface="Arial" panose="020B0604020202020204" pitchFamily="34" charset="0"/>
-              <a:buChar char="•"/>
-              <a:defRPr lang="en-US" sz="1200" kern="1200" smtClean="0">
-                <a:solidFill>
-                  <a:schemeClr val="tx1">
-                    <a:lumMod val="75000"/>
-                    <a:lumOff val="25000"/>
-                  </a:schemeClr>
-                </a:solidFill>
-                <a:latin typeface="+mn-lt"/>
-                <a:ea typeface="+mn-ea"/>
-                <a:cs typeface="+mn-cs"/>
-              </a:defRPr>
-            </a:lvl4pPr>
-            <a:lvl5pPr marL="2057400" indent="-228600" algn="l" defTabSz="914400" rtl="0" eaLnBrk="1" latinLnBrk="0" hangingPunct="1">
-              <a:lnSpc>
-                <a:spcPts val="1800"/>
-              </a:lnSpc>
-              <a:spcBef>
-                <a:spcPts val="1000"/>
-              </a:spcBef>
-              <a:spcAft>
-                <a:spcPts val="1000"/>
-              </a:spcAft>
-              <a:buFont typeface="Arial" panose="020B0604020202020204" pitchFamily="34" charset="0"/>
-              <a:buChar char="•"/>
-              <a:defRPr lang="en-US" sz="1200" kern="1200">
-                <a:solidFill>
-                  <a:schemeClr val="tx1">
-                    <a:lumMod val="75000"/>
-                    <a:lumOff val="25000"/>
-                  </a:schemeClr>
-                </a:solidFill>
-                <a:latin typeface="+mn-lt"/>
-                <a:ea typeface="+mn-ea"/>
-                <a:cs typeface="+mn-cs"/>
-              </a:defRPr>
-            </a:lvl5pPr>
-            <a:lvl6pPr marL="2514600" indent="-228600" algn="l" defTabSz="914400" rtl="0" eaLnBrk="1" latinLnBrk="0" hangingPunct="1">
-              <a:lnSpc>
-                <a:spcPct val="90000"/>
-              </a:lnSpc>
-              <a:spcBef>
-                <a:spcPct val="30000"/>
-              </a:spcBef>
-              <a:buFont typeface="Arial" panose="020B0604020202020204" pitchFamily="34" charset="0"/>
-              <a:buChar char="•"/>
-              <a:defRPr sz="1800" kern="1200">
-                <a:solidFill>
-                  <a:schemeClr val="tx1"/>
-                </a:solidFill>
-                <a:latin typeface="+mn-lt"/>
-                <a:ea typeface="+mn-ea"/>
-                <a:cs typeface="+mn-cs"/>
-              </a:defRPr>
-            </a:lvl6pPr>
-            <a:lvl7pPr marL="2971800" indent="-228600" algn="l" defTabSz="914400" rtl="0" eaLnBrk="1" latinLnBrk="0" hangingPunct="1">
-              <a:lnSpc>
-                <a:spcPct val="90000"/>
-              </a:lnSpc>
-              <a:spcBef>
-                <a:spcPct val="30000"/>
-              </a:spcBef>
-              <a:buFont typeface="Arial" panose="020B0604020202020204" pitchFamily="34" charset="0"/>
-              <a:buChar char="•"/>
-              <a:defRPr sz="1800" kern="1200">
-                <a:solidFill>
-                  <a:schemeClr val="tx1"/>
-                </a:solidFill>
-                <a:latin typeface="+mn-lt"/>
-                <a:ea typeface="+mn-ea"/>
-                <a:cs typeface="+mn-cs"/>
-              </a:defRPr>
-            </a:lvl7pPr>
-            <a:lvl8pPr marL="3429000" indent="-228600" algn="l" defTabSz="914400" rtl="0" eaLnBrk="1" latinLnBrk="0" hangingPunct="1">
-              <a:lnSpc>
-                <a:spcPct val="90000"/>
-              </a:lnSpc>
-              <a:spcBef>
-                <a:spcPct val="30000"/>
-              </a:spcBef>
-              <a:buFont typeface="Arial" panose="020B0604020202020204" pitchFamily="34" charset="0"/>
-              <a:buChar char="•"/>
-              <a:defRPr sz="1800" kern="1200">
-                <a:solidFill>
-                  <a:schemeClr val="tx1"/>
-                </a:solidFill>
-                <a:latin typeface="+mn-lt"/>
-                <a:ea typeface="+mn-ea"/>
-                <a:cs typeface="+mn-cs"/>
-              </a:defRPr>
-            </a:lvl8pPr>
-            <a:lvl9pPr marL="3886200" indent="-228600" algn="l" defTabSz="914400" rtl="0" eaLnBrk="1" latinLnBrk="0" hangingPunct="1">
-              <a:lnSpc>
-                <a:spcPct val="90000"/>
-              </a:lnSpc>
-              <a:spcBef>
-                <a:spcPct val="30000"/>
-              </a:spcBef>
-              <a:buFont typeface="Arial" panose="020B0604020202020204" pitchFamily="34" charset="0"/>
-              <a:buChar char="•"/>
-              <a:defRPr sz="1800" kern="1200">
-                <a:solidFill>
-                  <a:schemeClr val="tx1"/>
-                </a:solidFill>
-                <a:latin typeface="+mn-lt"/>
-                <a:ea typeface="+mn-ea"/>
-                <a:cs typeface="+mn-cs"/>
-              </a:defRPr>
-            </a:lvl9pPr>
-          </a:lstStyle>
-          <a:p>
-            <a:pPr marL="0" lvl="0" indent="0" rtl="0">
-              <a:spcAft>
-                <a:spcPts val="600"/>
-              </a:spcAft>
-              <a:buNone/>
-              <a:defRPr/>
-            </a:pPr>
-            <a:r>
-              <a:rPr lang="de-DE" sz="1100" dirty="0">
-                <a:solidFill>
-                  <a:prstClr val="black">
-                    <a:lumMod val="75000"/>
-                    <a:lumOff val="25000"/>
-                  </a:prstClr>
-                </a:solidFill>
-                <a:cs typeface="Segoe UI" panose="020B0502040204020203" pitchFamily="34" charset="0"/>
-              </a:rPr>
-              <a:t>Bewölkung</a:t>
-            </a:r>
-            <a:endParaRPr lang="de-DE" sz="1100" dirty="0">
-              <a:solidFill>
-                <a:prstClr val="black">
-                  <a:lumMod val="75000"/>
-                  <a:lumOff val="25000"/>
-                </a:prstClr>
-              </a:solidFill>
-              <a:cs typeface="Segoe UI"/>
-            </a:endParaRPr>
-          </a:p>
-        </p:txBody>
-      </p:sp>
-      <p:grpSp>
-        <p:nvGrpSpPr>
-          <p:cNvPr id="37" name="Gruppieren 36" descr="Kleiner Kreis mit enthaltener Zahl 4 zur Angabe von Schritt 4"/>
-          <p:cNvGrpSpPr/>
-          <p:nvPr/>
-        </p:nvGrpSpPr>
-        <p:grpSpPr bwMode="blackWhite">
-          <a:xfrm>
-            <a:off x="521207" y="3340182"/>
-            <a:ext cx="558179" cy="409838"/>
-            <a:chOff x="6953426" y="711274"/>
-            <a:chExt cx="558179" cy="409838"/>
-          </a:xfrm>
-        </p:grpSpPr>
-        <p:sp>
-          <p:nvSpPr>
-            <p:cNvPr id="38" name="Ellipse 37" descr="Kleiner Kreis"/>
-            <p:cNvSpPr/>
-            <p:nvPr/>
-          </p:nvSpPr>
-          <p:spPr bwMode="blackWhite">
-            <a:xfrm>
-              <a:off x="7025069" y="711274"/>
-              <a:ext cx="409838" cy="409838"/>
-            </a:xfrm>
-            <a:prstGeom prst="ellipse">
-              <a:avLst/>
-            </a:prstGeom>
-            <a:solidFill>
-              <a:srgbClr val="D24726"/>
-            </a:solidFill>
-            <a:ln>
-              <a:noFill/>
-            </a:ln>
-          </p:spPr>
-          <p:style>
-            <a:lnRef idx="2">
-              <a:schemeClr val="accent1">
-                <a:shade val="50000"/>
-              </a:schemeClr>
-            </a:lnRef>
-            <a:fillRef idx="1">
-              <a:schemeClr val="accent1"/>
-            </a:fillRef>
-            <a:effectRef idx="0">
-              <a:schemeClr val="accent1"/>
-            </a:effectRef>
-            <a:fontRef idx="minor">
-              <a:schemeClr val="lt1"/>
-            </a:fontRef>
-          </p:style>
-          <p:txBody>
-            <a:bodyPr rtlCol="0" anchor="ctr"/>
-            <a:lstStyle/>
-            <a:p>
-              <a:pPr algn="ctr" rtl="0"/>
-              <a:endParaRPr lang="de-DE"/>
-            </a:p>
-          </p:txBody>
-        </p:sp>
-        <p:sp>
-          <p:nvSpPr>
-            <p:cNvPr id="39" name="Textfeld 38" descr="Zahl 4"/>
-            <p:cNvSpPr txBox="1">
-              <a:spLocks noChangeAspect="1"/>
-            </p:cNvSpPr>
-            <p:nvPr/>
-          </p:nvSpPr>
-          <p:spPr bwMode="blackWhite">
-            <a:xfrm>
-              <a:off x="6953426" y="727564"/>
-              <a:ext cx="558179" cy="369332"/>
-            </a:xfrm>
-            <a:prstGeom prst="rect">
-              <a:avLst/>
-            </a:prstGeom>
-            <a:noFill/>
-          </p:spPr>
-          <p:txBody>
-            <a:bodyPr wrap="square" rtlCol="0">
-              <a:spAutoFit/>
-            </a:bodyPr>
-            <a:lstStyle/>
-            <a:p>
-              <a:pPr algn="ctr" rtl="0"/>
-              <a:r>
-                <a:rPr lang="de-DE" dirty="0">
-                  <a:solidFill>
-                    <a:schemeClr val="bg1"/>
-                  </a:solidFill>
-                  <a:latin typeface="Segoe UI Semibold" panose="020B0702040204020203" pitchFamily="34" charset="0"/>
-                  <a:cs typeface="Segoe UI Semibold" panose="020B0702040204020203" pitchFamily="34" charset="0"/>
-                </a:rPr>
-                <a:t>4</a:t>
-              </a:r>
-            </a:p>
-          </p:txBody>
-        </p:sp>
-      </p:grpSp>
-      <p:sp>
-        <p:nvSpPr>
-          <p:cNvPr id="40" name="Inhaltsplatzhalter 17"/>
-          <p:cNvSpPr txBox="1">
-            <a:spLocks/>
-          </p:cNvSpPr>
-          <p:nvPr/>
-        </p:nvSpPr>
-        <p:spPr>
-          <a:xfrm>
-            <a:off x="1046169" y="3356472"/>
-            <a:ext cx="5303098" cy="563538"/>
-          </a:xfrm>
-          <a:prstGeom prst="rect">
-            <a:avLst/>
-          </a:prstGeom>
-        </p:spPr>
-        <p:txBody>
-          <a:bodyPr vert="horz" lIns="91440" tIns="45720" rIns="91440" bIns="45720" rtlCol="0">
-            <a:normAutofit/>
-          </a:bodyPr>
-          <a:lstStyle>
-            <a:lvl1pPr marL="228600" indent="-228600" algn="l" defTabSz="914400" rtl="0" eaLnBrk="1" latinLnBrk="0" hangingPunct="1">
-              <a:lnSpc>
-                <a:spcPts val="1800"/>
-              </a:lnSpc>
-              <a:spcBef>
-                <a:spcPts val="1000"/>
-              </a:spcBef>
-              <a:spcAft>
-                <a:spcPts val="1000"/>
-              </a:spcAft>
-              <a:buFont typeface="Arial" panose="020B0604020202020204" pitchFamily="34" charset="0"/>
-              <a:buChar char="•"/>
-              <a:defRPr lang="en-US" sz="1200" kern="1200" smtClean="0">
-                <a:solidFill>
-                  <a:schemeClr val="tx1">
-                    <a:lumMod val="75000"/>
-                    <a:lumOff val="25000"/>
-                  </a:schemeClr>
-                </a:solidFill>
-                <a:latin typeface="+mn-lt"/>
-                <a:ea typeface="+mn-ea"/>
-                <a:cs typeface="+mn-cs"/>
-              </a:defRPr>
-            </a:lvl1pPr>
-            <a:lvl2pPr marL="685800" indent="-228600" algn="l" defTabSz="914400" rtl="0" eaLnBrk="1" latinLnBrk="0" hangingPunct="1">
-              <a:lnSpc>
-                <a:spcPts val="1800"/>
-              </a:lnSpc>
-              <a:spcBef>
-                <a:spcPts val="1000"/>
-              </a:spcBef>
-              <a:spcAft>
-                <a:spcPts val="1000"/>
-              </a:spcAft>
-              <a:buFont typeface="Arial" panose="020B0604020202020204" pitchFamily="34" charset="0"/>
-              <a:buChar char="•"/>
-              <a:defRPr lang="en-US" sz="1200" kern="1200" smtClean="0">
-                <a:solidFill>
-                  <a:schemeClr val="tx1">
-                    <a:lumMod val="75000"/>
-                    <a:lumOff val="25000"/>
-                  </a:schemeClr>
-                </a:solidFill>
-                <a:latin typeface="+mn-lt"/>
-                <a:ea typeface="+mn-ea"/>
-                <a:cs typeface="+mn-cs"/>
-              </a:defRPr>
-            </a:lvl2pPr>
-            <a:lvl3pPr marL="1143000" indent="-228600" algn="l" defTabSz="914400" rtl="0" eaLnBrk="1" latinLnBrk="0" hangingPunct="1">
-              <a:lnSpc>
-                <a:spcPts val="1800"/>
-              </a:lnSpc>
-              <a:spcBef>
-                <a:spcPts val="1000"/>
-              </a:spcBef>
-              <a:spcAft>
-                <a:spcPts val="1000"/>
-              </a:spcAft>
-              <a:buFont typeface="Arial" panose="020B0604020202020204" pitchFamily="34" charset="0"/>
-              <a:buChar char="•"/>
-              <a:defRPr lang="en-US" sz="1200" kern="1200" smtClean="0">
-                <a:solidFill>
-                  <a:schemeClr val="tx1">
-                    <a:lumMod val="75000"/>
-                    <a:lumOff val="25000"/>
-                  </a:schemeClr>
-                </a:solidFill>
-                <a:latin typeface="+mn-lt"/>
-                <a:ea typeface="+mn-ea"/>
-                <a:cs typeface="+mn-cs"/>
-              </a:defRPr>
-            </a:lvl3pPr>
-            <a:lvl4pPr marL="1600200" indent="-228600" algn="l" defTabSz="914400" rtl="0" eaLnBrk="1" latinLnBrk="0" hangingPunct="1">
-              <a:lnSpc>
-                <a:spcPts val="1800"/>
-              </a:lnSpc>
-              <a:spcBef>
-                <a:spcPts val="1000"/>
-              </a:spcBef>
-              <a:spcAft>
-                <a:spcPts val="1000"/>
-              </a:spcAft>
-              <a:buFont typeface="Arial" panose="020B0604020202020204" pitchFamily="34" charset="0"/>
-              <a:buChar char="•"/>
-              <a:defRPr lang="en-US" sz="1200" kern="1200" smtClean="0">
-                <a:solidFill>
-                  <a:schemeClr val="tx1">
-                    <a:lumMod val="75000"/>
-                    <a:lumOff val="25000"/>
-                  </a:schemeClr>
-                </a:solidFill>
-                <a:latin typeface="+mn-lt"/>
-                <a:ea typeface="+mn-ea"/>
-                <a:cs typeface="+mn-cs"/>
-              </a:defRPr>
-            </a:lvl4pPr>
-            <a:lvl5pPr marL="2057400" indent="-228600" algn="l" defTabSz="914400" rtl="0" eaLnBrk="1" latinLnBrk="0" hangingPunct="1">
-              <a:lnSpc>
-                <a:spcPts val="1800"/>
-              </a:lnSpc>
-              <a:spcBef>
-                <a:spcPts val="1000"/>
-              </a:spcBef>
-              <a:spcAft>
-                <a:spcPts val="1000"/>
-              </a:spcAft>
-              <a:buFont typeface="Arial" panose="020B0604020202020204" pitchFamily="34" charset="0"/>
-              <a:buChar char="•"/>
-              <a:defRPr lang="en-US" sz="1200" kern="1200">
-                <a:solidFill>
-                  <a:schemeClr val="tx1">
-                    <a:lumMod val="75000"/>
-                    <a:lumOff val="25000"/>
-                  </a:schemeClr>
-                </a:solidFill>
-                <a:latin typeface="+mn-lt"/>
-                <a:ea typeface="+mn-ea"/>
-                <a:cs typeface="+mn-cs"/>
-              </a:defRPr>
-            </a:lvl5pPr>
-            <a:lvl6pPr marL="2514600" indent="-228600" algn="l" defTabSz="914400" rtl="0" eaLnBrk="1" latinLnBrk="0" hangingPunct="1">
-              <a:lnSpc>
-                <a:spcPct val="90000"/>
-              </a:lnSpc>
-              <a:spcBef>
-                <a:spcPct val="30000"/>
-              </a:spcBef>
-              <a:buFont typeface="Arial" panose="020B0604020202020204" pitchFamily="34" charset="0"/>
-              <a:buChar char="•"/>
-              <a:defRPr sz="1800" kern="1200">
-                <a:solidFill>
-                  <a:schemeClr val="tx1"/>
-                </a:solidFill>
-                <a:latin typeface="+mn-lt"/>
-                <a:ea typeface="+mn-ea"/>
-                <a:cs typeface="+mn-cs"/>
-              </a:defRPr>
-            </a:lvl6pPr>
-            <a:lvl7pPr marL="2971800" indent="-228600" algn="l" defTabSz="914400" rtl="0" eaLnBrk="1" latinLnBrk="0" hangingPunct="1">
-              <a:lnSpc>
-                <a:spcPct val="90000"/>
-              </a:lnSpc>
-              <a:spcBef>
-                <a:spcPct val="30000"/>
-              </a:spcBef>
-              <a:buFont typeface="Arial" panose="020B0604020202020204" pitchFamily="34" charset="0"/>
-              <a:buChar char="•"/>
-              <a:defRPr sz="1800" kern="1200">
-                <a:solidFill>
-                  <a:schemeClr val="tx1"/>
-                </a:solidFill>
-                <a:latin typeface="+mn-lt"/>
-                <a:ea typeface="+mn-ea"/>
-                <a:cs typeface="+mn-cs"/>
-              </a:defRPr>
-            </a:lvl7pPr>
-            <a:lvl8pPr marL="3429000" indent="-228600" algn="l" defTabSz="914400" rtl="0" eaLnBrk="1" latinLnBrk="0" hangingPunct="1">
-              <a:lnSpc>
-                <a:spcPct val="90000"/>
-              </a:lnSpc>
-              <a:spcBef>
-                <a:spcPct val="30000"/>
-              </a:spcBef>
-              <a:buFont typeface="Arial" panose="020B0604020202020204" pitchFamily="34" charset="0"/>
-              <a:buChar char="•"/>
-              <a:defRPr sz="1800" kern="1200">
-                <a:solidFill>
-                  <a:schemeClr val="tx1"/>
-                </a:solidFill>
-                <a:latin typeface="+mn-lt"/>
-                <a:ea typeface="+mn-ea"/>
-                <a:cs typeface="+mn-cs"/>
-              </a:defRPr>
-            </a:lvl8pPr>
-            <a:lvl9pPr marL="3886200" indent="-228600" algn="l" defTabSz="914400" rtl="0" eaLnBrk="1" latinLnBrk="0" hangingPunct="1">
-              <a:lnSpc>
-                <a:spcPct val="90000"/>
-              </a:lnSpc>
-              <a:spcBef>
-                <a:spcPct val="30000"/>
-              </a:spcBef>
-              <a:buFont typeface="Arial" panose="020B0604020202020204" pitchFamily="34" charset="0"/>
-              <a:buChar char="•"/>
-              <a:defRPr sz="1800" kern="1200">
-                <a:solidFill>
-                  <a:schemeClr val="tx1"/>
-                </a:solidFill>
-                <a:latin typeface="+mn-lt"/>
-                <a:ea typeface="+mn-ea"/>
-                <a:cs typeface="+mn-cs"/>
-              </a:defRPr>
-            </a:lvl9pPr>
-          </a:lstStyle>
-          <a:p>
-            <a:pPr marL="0" lvl="0" indent="0" rtl="0">
-              <a:spcAft>
-                <a:spcPts val="2000"/>
-              </a:spcAft>
-              <a:buNone/>
-              <a:defRPr/>
-            </a:pPr>
-            <a:r>
-              <a:rPr lang="de-DE" sz="1100" dirty="0">
-                <a:solidFill>
-                  <a:prstClr val="black">
-                    <a:lumMod val="75000"/>
-                    <a:lumOff val="25000"/>
-                  </a:prstClr>
-                </a:solidFill>
-                <a:cs typeface="Segoe UI" panose="020B0502040204020203" pitchFamily="34" charset="0"/>
-              </a:rPr>
-              <a:t>Temperatur</a:t>
-            </a:r>
-          </a:p>
-        </p:txBody>
-      </p:sp>
       <p:pic>
         <p:nvPicPr>
-          <p:cNvPr id="29" name="Bild 28" descr="Registerkarte „Einfügen“ mit Option zum Einfügen eines Bilds"/>
+          <p:cNvPr id="3" name="Grafik 2">
+            <a:extLst>
+              <a:ext uri="{FF2B5EF4-FFF2-40B4-BE49-F238E27FC236}">
+                <a16:creationId xmlns:a16="http://schemas.microsoft.com/office/drawing/2014/main" id="{EF43B67D-FFD0-81C4-2B7D-D8CDCAAFB4D3}"/>
+              </a:ext>
+            </a:extLst>
+          </p:cNvPr>
           <p:cNvPicPr>
             <a:picLocks noChangeAspect="1"/>
           </p:cNvPicPr>
@@ -7410,13 +6389,14 @@
         </p:nvPicPr>
         <p:blipFill>
           <a:blip r:embed="rId3"/>
-          <a:srcRect/>
-          <a:stretch/>
+          <a:stretch>
+            <a:fillRect/>
+          </a:stretch>
         </p:blipFill>
         <p:spPr>
           <a:xfrm>
-            <a:off x="6880200" y="1455791"/>
-            <a:ext cx="2795081" cy="1592728"/>
+            <a:off x="521207" y="1862461"/>
+            <a:ext cx="5075581" cy="3133075"/>
           </a:xfrm>
           <a:prstGeom prst="rect">
             <a:avLst/>
@@ -7425,7 +6405,13 @@
       </p:pic>
       <p:pic>
         <p:nvPicPr>
-          <p:cNvPr id="23" name="Bild 22" descr="Dialogfeld „Designideen“ mit Aufforderung zur Benutzerbestätigung zum Abrufen von Designideen"/>
+          <p:cNvPr id="6" name="Grafik 5">
+            <a:extLst>
+              <a:ext uri="{FF2B5EF4-FFF2-40B4-BE49-F238E27FC236}">
+                <a16:creationId xmlns:a16="http://schemas.microsoft.com/office/drawing/2014/main" id="{AA10D6D8-DF7F-B745-CCD3-6CBE1169A35D}"/>
+              </a:ext>
+            </a:extLst>
+          </p:cNvPr>
           <p:cNvPicPr>
             <a:picLocks noChangeAspect="1"/>
           </p:cNvPicPr>
@@ -7433,1494 +6419,24 @@
         </p:nvPicPr>
         <p:blipFill>
           <a:blip r:embed="rId4"/>
-          <a:srcRect/>
-          <a:stretch/>
+          <a:stretch>
+            <a:fillRect/>
+          </a:stretch>
         </p:blipFill>
         <p:spPr>
           <a:xfrm>
-            <a:off x="6693033" y="3067244"/>
-            <a:ext cx="2900886" cy="3506681"/>
+            <a:off x="6096000" y="1862461"/>
+            <a:ext cx="5075582" cy="3133075"/>
           </a:xfrm>
           <a:prstGeom prst="rect">
             <a:avLst/>
           </a:prstGeom>
         </p:spPr>
       </p:pic>
-      <p:grpSp>
-        <p:nvGrpSpPr>
-          <p:cNvPr id="2" name="Gruppieren 1" descr="Kleiner Kreis mit enthaltener Zahl 3 zur Angabe von Schritt 3">
-            <a:extLst>
-              <a:ext uri="{FF2B5EF4-FFF2-40B4-BE49-F238E27FC236}">
-                <a16:creationId xmlns:a16="http://schemas.microsoft.com/office/drawing/2014/main" id="{45EA679F-414B-8C6E-CBCB-0A3086ABE14D}"/>
-              </a:ext>
-            </a:extLst>
-          </p:cNvPr>
-          <p:cNvGrpSpPr/>
-          <p:nvPr/>
-        </p:nvGrpSpPr>
-        <p:grpSpPr bwMode="blackWhite">
-          <a:xfrm>
-            <a:off x="531552" y="3969738"/>
-            <a:ext cx="558179" cy="409838"/>
-            <a:chOff x="6953426" y="711274"/>
-            <a:chExt cx="558179" cy="409838"/>
-          </a:xfrm>
-        </p:grpSpPr>
-        <p:sp>
-          <p:nvSpPr>
-            <p:cNvPr id="3" name="Ellipse 2" descr="Kleiner Kreis">
-              <a:extLst>
-                <a:ext uri="{FF2B5EF4-FFF2-40B4-BE49-F238E27FC236}">
-                  <a16:creationId xmlns:a16="http://schemas.microsoft.com/office/drawing/2014/main" id="{FD340FDB-4BE8-103C-7763-CD02EA49FFB1}"/>
-                </a:ext>
-              </a:extLst>
-            </p:cNvPr>
-            <p:cNvSpPr/>
-            <p:nvPr/>
-          </p:nvSpPr>
-          <p:spPr bwMode="blackWhite">
-            <a:xfrm>
-              <a:off x="7025069" y="711274"/>
-              <a:ext cx="409838" cy="409838"/>
-            </a:xfrm>
-            <a:prstGeom prst="ellipse">
-              <a:avLst/>
-            </a:prstGeom>
-            <a:solidFill>
-              <a:srgbClr val="D24726"/>
-            </a:solidFill>
-            <a:ln>
-              <a:noFill/>
-            </a:ln>
-          </p:spPr>
-          <p:style>
-            <a:lnRef idx="2">
-              <a:schemeClr val="accent1">
-                <a:shade val="50000"/>
-              </a:schemeClr>
-            </a:lnRef>
-            <a:fillRef idx="1">
-              <a:schemeClr val="accent1"/>
-            </a:fillRef>
-            <a:effectRef idx="0">
-              <a:schemeClr val="accent1"/>
-            </a:effectRef>
-            <a:fontRef idx="minor">
-              <a:schemeClr val="lt1"/>
-            </a:fontRef>
-          </p:style>
-          <p:txBody>
-            <a:bodyPr rtlCol="0" anchor="ctr"/>
-            <a:lstStyle/>
-            <a:p>
-              <a:pPr algn="ctr" rtl="0"/>
-              <a:endParaRPr lang="de-DE"/>
-            </a:p>
-          </p:txBody>
-        </p:sp>
-        <p:sp>
-          <p:nvSpPr>
-            <p:cNvPr id="5" name="Textfeld 4" descr="Zahl 3">
-              <a:extLst>
-                <a:ext uri="{FF2B5EF4-FFF2-40B4-BE49-F238E27FC236}">
-                  <a16:creationId xmlns:a16="http://schemas.microsoft.com/office/drawing/2014/main" id="{1E702753-74CD-047A-85A4-64306AA4F1D1}"/>
-                </a:ext>
-              </a:extLst>
-            </p:cNvPr>
-            <p:cNvSpPr txBox="1">
-              <a:spLocks noChangeAspect="1"/>
-            </p:cNvSpPr>
-            <p:nvPr/>
-          </p:nvSpPr>
-          <p:spPr bwMode="blackWhite">
-            <a:xfrm>
-              <a:off x="6953426" y="727564"/>
-              <a:ext cx="558179" cy="369332"/>
-            </a:xfrm>
-            <a:prstGeom prst="rect">
-              <a:avLst/>
-            </a:prstGeom>
-            <a:noFill/>
-          </p:spPr>
-          <p:txBody>
-            <a:bodyPr wrap="square" rtlCol="0">
-              <a:spAutoFit/>
-            </a:bodyPr>
-            <a:lstStyle/>
-            <a:p>
-              <a:pPr algn="ctr" rtl="0"/>
-              <a:r>
-                <a:rPr lang="de-DE" dirty="0">
-                  <a:solidFill>
-                    <a:schemeClr val="bg1"/>
-                  </a:solidFill>
-                  <a:latin typeface="Segoe UI Semibold" panose="020B0702040204020203" pitchFamily="34" charset="0"/>
-                  <a:cs typeface="Segoe UI Semibold" panose="020B0702040204020203" pitchFamily="34" charset="0"/>
-                </a:rPr>
-                <a:t>5</a:t>
-              </a:r>
-            </a:p>
-          </p:txBody>
-        </p:sp>
-      </p:grpSp>
-      <p:sp>
-        <p:nvSpPr>
-          <p:cNvPr id="6" name="Inhaltsplatzhalter 17">
-            <a:extLst>
-              <a:ext uri="{FF2B5EF4-FFF2-40B4-BE49-F238E27FC236}">
-                <a16:creationId xmlns:a16="http://schemas.microsoft.com/office/drawing/2014/main" id="{A8F18E22-B6BE-5480-F86F-5B9E125AAAEE}"/>
-              </a:ext>
-            </a:extLst>
-          </p:cNvPr>
-          <p:cNvSpPr txBox="1">
-            <a:spLocks/>
-          </p:cNvSpPr>
-          <p:nvPr/>
-        </p:nvSpPr>
-        <p:spPr>
-          <a:xfrm>
-            <a:off x="1056514" y="3982496"/>
-            <a:ext cx="5303098" cy="761144"/>
-          </a:xfrm>
-          <a:prstGeom prst="rect">
-            <a:avLst/>
-          </a:prstGeom>
-        </p:spPr>
-        <p:txBody>
-          <a:bodyPr vert="horz" lIns="91440" tIns="45720" rIns="91440" bIns="45720" rtlCol="0">
-            <a:normAutofit/>
-          </a:bodyPr>
-          <a:lstStyle>
-            <a:lvl1pPr marL="228600" indent="-228600" algn="l" defTabSz="914400" rtl="0" eaLnBrk="1" latinLnBrk="0" hangingPunct="1">
-              <a:lnSpc>
-                <a:spcPts val="1800"/>
-              </a:lnSpc>
-              <a:spcBef>
-                <a:spcPts val="1000"/>
-              </a:spcBef>
-              <a:spcAft>
-                <a:spcPts val="1000"/>
-              </a:spcAft>
-              <a:buFont typeface="Arial" panose="020B0604020202020204" pitchFamily="34" charset="0"/>
-              <a:buChar char="•"/>
-              <a:defRPr lang="en-US" sz="1200" kern="1200" smtClean="0">
-                <a:solidFill>
-                  <a:schemeClr val="tx1">
-                    <a:lumMod val="75000"/>
-                    <a:lumOff val="25000"/>
-                  </a:schemeClr>
-                </a:solidFill>
-                <a:latin typeface="+mn-lt"/>
-                <a:ea typeface="+mn-ea"/>
-                <a:cs typeface="+mn-cs"/>
-              </a:defRPr>
-            </a:lvl1pPr>
-            <a:lvl2pPr marL="685800" indent="-228600" algn="l" defTabSz="914400" rtl="0" eaLnBrk="1" latinLnBrk="0" hangingPunct="1">
-              <a:lnSpc>
-                <a:spcPts val="1800"/>
-              </a:lnSpc>
-              <a:spcBef>
-                <a:spcPts val="1000"/>
-              </a:spcBef>
-              <a:spcAft>
-                <a:spcPts val="1000"/>
-              </a:spcAft>
-              <a:buFont typeface="Arial" panose="020B0604020202020204" pitchFamily="34" charset="0"/>
-              <a:buChar char="•"/>
-              <a:defRPr lang="en-US" sz="1200" kern="1200" smtClean="0">
-                <a:solidFill>
-                  <a:schemeClr val="tx1">
-                    <a:lumMod val="75000"/>
-                    <a:lumOff val="25000"/>
-                  </a:schemeClr>
-                </a:solidFill>
-                <a:latin typeface="+mn-lt"/>
-                <a:ea typeface="+mn-ea"/>
-                <a:cs typeface="+mn-cs"/>
-              </a:defRPr>
-            </a:lvl2pPr>
-            <a:lvl3pPr marL="1143000" indent="-228600" algn="l" defTabSz="914400" rtl="0" eaLnBrk="1" latinLnBrk="0" hangingPunct="1">
-              <a:lnSpc>
-                <a:spcPts val="1800"/>
-              </a:lnSpc>
-              <a:spcBef>
-                <a:spcPts val="1000"/>
-              </a:spcBef>
-              <a:spcAft>
-                <a:spcPts val="1000"/>
-              </a:spcAft>
-              <a:buFont typeface="Arial" panose="020B0604020202020204" pitchFamily="34" charset="0"/>
-              <a:buChar char="•"/>
-              <a:defRPr lang="en-US" sz="1200" kern="1200" smtClean="0">
-                <a:solidFill>
-                  <a:schemeClr val="tx1">
-                    <a:lumMod val="75000"/>
-                    <a:lumOff val="25000"/>
-                  </a:schemeClr>
-                </a:solidFill>
-                <a:latin typeface="+mn-lt"/>
-                <a:ea typeface="+mn-ea"/>
-                <a:cs typeface="+mn-cs"/>
-              </a:defRPr>
-            </a:lvl3pPr>
-            <a:lvl4pPr marL="1600200" indent="-228600" algn="l" defTabSz="914400" rtl="0" eaLnBrk="1" latinLnBrk="0" hangingPunct="1">
-              <a:lnSpc>
-                <a:spcPts val="1800"/>
-              </a:lnSpc>
-              <a:spcBef>
-                <a:spcPts val="1000"/>
-              </a:spcBef>
-              <a:spcAft>
-                <a:spcPts val="1000"/>
-              </a:spcAft>
-              <a:buFont typeface="Arial" panose="020B0604020202020204" pitchFamily="34" charset="0"/>
-              <a:buChar char="•"/>
-              <a:defRPr lang="en-US" sz="1200" kern="1200" smtClean="0">
-                <a:solidFill>
-                  <a:schemeClr val="tx1">
-                    <a:lumMod val="75000"/>
-                    <a:lumOff val="25000"/>
-                  </a:schemeClr>
-                </a:solidFill>
-                <a:latin typeface="+mn-lt"/>
-                <a:ea typeface="+mn-ea"/>
-                <a:cs typeface="+mn-cs"/>
-              </a:defRPr>
-            </a:lvl4pPr>
-            <a:lvl5pPr marL="2057400" indent="-228600" algn="l" defTabSz="914400" rtl="0" eaLnBrk="1" latinLnBrk="0" hangingPunct="1">
-              <a:lnSpc>
-                <a:spcPts val="1800"/>
-              </a:lnSpc>
-              <a:spcBef>
-                <a:spcPts val="1000"/>
-              </a:spcBef>
-              <a:spcAft>
-                <a:spcPts val="1000"/>
-              </a:spcAft>
-              <a:buFont typeface="Arial" panose="020B0604020202020204" pitchFamily="34" charset="0"/>
-              <a:buChar char="•"/>
-              <a:defRPr lang="en-US" sz="1200" kern="1200">
-                <a:solidFill>
-                  <a:schemeClr val="tx1">
-                    <a:lumMod val="75000"/>
-                    <a:lumOff val="25000"/>
-                  </a:schemeClr>
-                </a:solidFill>
-                <a:latin typeface="+mn-lt"/>
-                <a:ea typeface="+mn-ea"/>
-                <a:cs typeface="+mn-cs"/>
-              </a:defRPr>
-            </a:lvl5pPr>
-            <a:lvl6pPr marL="2514600" indent="-228600" algn="l" defTabSz="914400" rtl="0" eaLnBrk="1" latinLnBrk="0" hangingPunct="1">
-              <a:lnSpc>
-                <a:spcPct val="90000"/>
-              </a:lnSpc>
-              <a:spcBef>
-                <a:spcPct val="30000"/>
-              </a:spcBef>
-              <a:buFont typeface="Arial" panose="020B0604020202020204" pitchFamily="34" charset="0"/>
-              <a:buChar char="•"/>
-              <a:defRPr sz="1800" kern="1200">
-                <a:solidFill>
-                  <a:schemeClr val="tx1"/>
-                </a:solidFill>
-                <a:latin typeface="+mn-lt"/>
-                <a:ea typeface="+mn-ea"/>
-                <a:cs typeface="+mn-cs"/>
-              </a:defRPr>
-            </a:lvl6pPr>
-            <a:lvl7pPr marL="2971800" indent="-228600" algn="l" defTabSz="914400" rtl="0" eaLnBrk="1" latinLnBrk="0" hangingPunct="1">
-              <a:lnSpc>
-                <a:spcPct val="90000"/>
-              </a:lnSpc>
-              <a:spcBef>
-                <a:spcPct val="30000"/>
-              </a:spcBef>
-              <a:buFont typeface="Arial" panose="020B0604020202020204" pitchFamily="34" charset="0"/>
-              <a:buChar char="•"/>
-              <a:defRPr sz="1800" kern="1200">
-                <a:solidFill>
-                  <a:schemeClr val="tx1"/>
-                </a:solidFill>
-                <a:latin typeface="+mn-lt"/>
-                <a:ea typeface="+mn-ea"/>
-                <a:cs typeface="+mn-cs"/>
-              </a:defRPr>
-            </a:lvl7pPr>
-            <a:lvl8pPr marL="3429000" indent="-228600" algn="l" defTabSz="914400" rtl="0" eaLnBrk="1" latinLnBrk="0" hangingPunct="1">
-              <a:lnSpc>
-                <a:spcPct val="90000"/>
-              </a:lnSpc>
-              <a:spcBef>
-                <a:spcPct val="30000"/>
-              </a:spcBef>
-              <a:buFont typeface="Arial" panose="020B0604020202020204" pitchFamily="34" charset="0"/>
-              <a:buChar char="•"/>
-              <a:defRPr sz="1800" kern="1200">
-                <a:solidFill>
-                  <a:schemeClr val="tx1"/>
-                </a:solidFill>
-                <a:latin typeface="+mn-lt"/>
-                <a:ea typeface="+mn-ea"/>
-                <a:cs typeface="+mn-cs"/>
-              </a:defRPr>
-            </a:lvl8pPr>
-            <a:lvl9pPr marL="3886200" indent="-228600" algn="l" defTabSz="914400" rtl="0" eaLnBrk="1" latinLnBrk="0" hangingPunct="1">
-              <a:lnSpc>
-                <a:spcPct val="90000"/>
-              </a:lnSpc>
-              <a:spcBef>
-                <a:spcPct val="30000"/>
-              </a:spcBef>
-              <a:buFont typeface="Arial" panose="020B0604020202020204" pitchFamily="34" charset="0"/>
-              <a:buChar char="•"/>
-              <a:defRPr sz="1800" kern="1200">
-                <a:solidFill>
-                  <a:schemeClr val="tx1"/>
-                </a:solidFill>
-                <a:latin typeface="+mn-lt"/>
-                <a:ea typeface="+mn-ea"/>
-                <a:cs typeface="+mn-cs"/>
-              </a:defRPr>
-            </a:lvl9pPr>
-          </a:lstStyle>
-          <a:p>
-            <a:pPr marL="0" lvl="0" indent="0" rtl="0">
-              <a:spcAft>
-                <a:spcPts val="600"/>
-              </a:spcAft>
-              <a:buNone/>
-              <a:defRPr/>
-            </a:pPr>
-            <a:r>
-              <a:rPr lang="de-DE" sz="1100" dirty="0">
-                <a:solidFill>
-                  <a:prstClr val="black">
-                    <a:lumMod val="75000"/>
-                    <a:lumOff val="25000"/>
-                  </a:prstClr>
-                </a:solidFill>
-                <a:cs typeface="Segoe UI" panose="020B0502040204020203" pitchFamily="34" charset="0"/>
-              </a:rPr>
-              <a:t>Windgeschwindigkeit</a:t>
-            </a:r>
-            <a:endParaRPr lang="de-DE" sz="1100" dirty="0">
-              <a:solidFill>
-                <a:prstClr val="black">
-                  <a:lumMod val="75000"/>
-                  <a:lumOff val="25000"/>
-                </a:prstClr>
-              </a:solidFill>
-              <a:cs typeface="Segoe UI"/>
-            </a:endParaRPr>
-          </a:p>
-        </p:txBody>
-      </p:sp>
-      <p:grpSp>
-        <p:nvGrpSpPr>
-          <p:cNvPr id="7" name="Gruppieren 6" descr="Kleiner Kreis mit enthaltener Zahl 4 zur Angabe von Schritt 4">
-            <a:extLst>
-              <a:ext uri="{FF2B5EF4-FFF2-40B4-BE49-F238E27FC236}">
-                <a16:creationId xmlns:a16="http://schemas.microsoft.com/office/drawing/2014/main" id="{0F2DDA3D-52BB-8762-2149-DB564BC6933E}"/>
-              </a:ext>
-            </a:extLst>
-          </p:cNvPr>
-          <p:cNvGrpSpPr/>
-          <p:nvPr/>
-        </p:nvGrpSpPr>
-        <p:grpSpPr bwMode="blackWhite">
-          <a:xfrm>
-            <a:off x="521207" y="4646814"/>
-            <a:ext cx="558179" cy="409838"/>
-            <a:chOff x="6953426" y="711274"/>
-            <a:chExt cx="558179" cy="409838"/>
-          </a:xfrm>
-        </p:grpSpPr>
-        <p:sp>
-          <p:nvSpPr>
-            <p:cNvPr id="8" name="Ellipse 7" descr="Kleiner Kreis">
-              <a:extLst>
-                <a:ext uri="{FF2B5EF4-FFF2-40B4-BE49-F238E27FC236}">
-                  <a16:creationId xmlns:a16="http://schemas.microsoft.com/office/drawing/2014/main" id="{6610C740-A587-C0B5-13CA-F5CC96C435E9}"/>
-                </a:ext>
-              </a:extLst>
-            </p:cNvPr>
-            <p:cNvSpPr/>
-            <p:nvPr/>
-          </p:nvSpPr>
-          <p:spPr bwMode="blackWhite">
-            <a:xfrm>
-              <a:off x="7025069" y="711274"/>
-              <a:ext cx="409838" cy="409838"/>
-            </a:xfrm>
-            <a:prstGeom prst="ellipse">
-              <a:avLst/>
-            </a:prstGeom>
-            <a:solidFill>
-              <a:srgbClr val="D24726"/>
-            </a:solidFill>
-            <a:ln>
-              <a:noFill/>
-            </a:ln>
-          </p:spPr>
-          <p:style>
-            <a:lnRef idx="2">
-              <a:schemeClr val="accent1">
-                <a:shade val="50000"/>
-              </a:schemeClr>
-            </a:lnRef>
-            <a:fillRef idx="1">
-              <a:schemeClr val="accent1"/>
-            </a:fillRef>
-            <a:effectRef idx="0">
-              <a:schemeClr val="accent1"/>
-            </a:effectRef>
-            <a:fontRef idx="minor">
-              <a:schemeClr val="lt1"/>
-            </a:fontRef>
-          </p:style>
-          <p:txBody>
-            <a:bodyPr rtlCol="0" anchor="ctr"/>
-            <a:lstStyle/>
-            <a:p>
-              <a:pPr algn="ctr" rtl="0"/>
-              <a:endParaRPr lang="de-DE"/>
-            </a:p>
-          </p:txBody>
-        </p:sp>
-        <p:sp>
-          <p:nvSpPr>
-            <p:cNvPr id="9" name="Textfeld 8" descr="Zahl 4">
-              <a:extLst>
-                <a:ext uri="{FF2B5EF4-FFF2-40B4-BE49-F238E27FC236}">
-                  <a16:creationId xmlns:a16="http://schemas.microsoft.com/office/drawing/2014/main" id="{E59D011B-AD03-8216-ED4F-C4A2F12C4498}"/>
-                </a:ext>
-              </a:extLst>
-            </p:cNvPr>
-            <p:cNvSpPr txBox="1">
-              <a:spLocks noChangeAspect="1"/>
-            </p:cNvSpPr>
-            <p:nvPr/>
-          </p:nvSpPr>
-          <p:spPr bwMode="blackWhite">
-            <a:xfrm>
-              <a:off x="6953426" y="727564"/>
-              <a:ext cx="558179" cy="369332"/>
-            </a:xfrm>
-            <a:prstGeom prst="rect">
-              <a:avLst/>
-            </a:prstGeom>
-            <a:noFill/>
-          </p:spPr>
-          <p:txBody>
-            <a:bodyPr wrap="square" rtlCol="0">
-              <a:spAutoFit/>
-            </a:bodyPr>
-            <a:lstStyle/>
-            <a:p>
-              <a:pPr algn="ctr" rtl="0"/>
-              <a:r>
-                <a:rPr lang="de-DE" dirty="0">
-                  <a:solidFill>
-                    <a:schemeClr val="bg1"/>
-                  </a:solidFill>
-                  <a:latin typeface="Segoe UI Semibold" panose="020B0702040204020203" pitchFamily="34" charset="0"/>
-                  <a:cs typeface="Segoe UI Semibold" panose="020B0702040204020203" pitchFamily="34" charset="0"/>
-                </a:rPr>
-                <a:t>6</a:t>
-              </a:r>
-            </a:p>
-          </p:txBody>
-        </p:sp>
-      </p:grpSp>
-      <p:sp>
-        <p:nvSpPr>
-          <p:cNvPr id="10" name="Inhaltsplatzhalter 17">
-            <a:extLst>
-              <a:ext uri="{FF2B5EF4-FFF2-40B4-BE49-F238E27FC236}">
-                <a16:creationId xmlns:a16="http://schemas.microsoft.com/office/drawing/2014/main" id="{E45821F7-0233-EE16-58FF-1BFFA8950485}"/>
-              </a:ext>
-            </a:extLst>
-          </p:cNvPr>
-          <p:cNvSpPr txBox="1">
-            <a:spLocks/>
-          </p:cNvSpPr>
-          <p:nvPr/>
-        </p:nvSpPr>
-        <p:spPr>
-          <a:xfrm>
-            <a:off x="1046169" y="4663104"/>
-            <a:ext cx="5303098" cy="563538"/>
-          </a:xfrm>
-          <a:prstGeom prst="rect">
-            <a:avLst/>
-          </a:prstGeom>
-        </p:spPr>
-        <p:txBody>
-          <a:bodyPr vert="horz" lIns="91440" tIns="45720" rIns="91440" bIns="45720" rtlCol="0">
-            <a:normAutofit/>
-          </a:bodyPr>
-          <a:lstStyle>
-            <a:lvl1pPr marL="228600" indent="-228600" algn="l" defTabSz="914400" rtl="0" eaLnBrk="1" latinLnBrk="0" hangingPunct="1">
-              <a:lnSpc>
-                <a:spcPts val="1800"/>
-              </a:lnSpc>
-              <a:spcBef>
-                <a:spcPts val="1000"/>
-              </a:spcBef>
-              <a:spcAft>
-                <a:spcPts val="1000"/>
-              </a:spcAft>
-              <a:buFont typeface="Arial" panose="020B0604020202020204" pitchFamily="34" charset="0"/>
-              <a:buChar char="•"/>
-              <a:defRPr lang="en-US" sz="1200" kern="1200" smtClean="0">
-                <a:solidFill>
-                  <a:schemeClr val="tx1">
-                    <a:lumMod val="75000"/>
-                    <a:lumOff val="25000"/>
-                  </a:schemeClr>
-                </a:solidFill>
-                <a:latin typeface="+mn-lt"/>
-                <a:ea typeface="+mn-ea"/>
-                <a:cs typeface="+mn-cs"/>
-              </a:defRPr>
-            </a:lvl1pPr>
-            <a:lvl2pPr marL="685800" indent="-228600" algn="l" defTabSz="914400" rtl="0" eaLnBrk="1" latinLnBrk="0" hangingPunct="1">
-              <a:lnSpc>
-                <a:spcPts val="1800"/>
-              </a:lnSpc>
-              <a:spcBef>
-                <a:spcPts val="1000"/>
-              </a:spcBef>
-              <a:spcAft>
-                <a:spcPts val="1000"/>
-              </a:spcAft>
-              <a:buFont typeface="Arial" panose="020B0604020202020204" pitchFamily="34" charset="0"/>
-              <a:buChar char="•"/>
-              <a:defRPr lang="en-US" sz="1200" kern="1200" smtClean="0">
-                <a:solidFill>
-                  <a:schemeClr val="tx1">
-                    <a:lumMod val="75000"/>
-                    <a:lumOff val="25000"/>
-                  </a:schemeClr>
-                </a:solidFill>
-                <a:latin typeface="+mn-lt"/>
-                <a:ea typeface="+mn-ea"/>
-                <a:cs typeface="+mn-cs"/>
-              </a:defRPr>
-            </a:lvl2pPr>
-            <a:lvl3pPr marL="1143000" indent="-228600" algn="l" defTabSz="914400" rtl="0" eaLnBrk="1" latinLnBrk="0" hangingPunct="1">
-              <a:lnSpc>
-                <a:spcPts val="1800"/>
-              </a:lnSpc>
-              <a:spcBef>
-                <a:spcPts val="1000"/>
-              </a:spcBef>
-              <a:spcAft>
-                <a:spcPts val="1000"/>
-              </a:spcAft>
-              <a:buFont typeface="Arial" panose="020B0604020202020204" pitchFamily="34" charset="0"/>
-              <a:buChar char="•"/>
-              <a:defRPr lang="en-US" sz="1200" kern="1200" smtClean="0">
-                <a:solidFill>
-                  <a:schemeClr val="tx1">
-                    <a:lumMod val="75000"/>
-                    <a:lumOff val="25000"/>
-                  </a:schemeClr>
-                </a:solidFill>
-                <a:latin typeface="+mn-lt"/>
-                <a:ea typeface="+mn-ea"/>
-                <a:cs typeface="+mn-cs"/>
-              </a:defRPr>
-            </a:lvl3pPr>
-            <a:lvl4pPr marL="1600200" indent="-228600" algn="l" defTabSz="914400" rtl="0" eaLnBrk="1" latinLnBrk="0" hangingPunct="1">
-              <a:lnSpc>
-                <a:spcPts val="1800"/>
-              </a:lnSpc>
-              <a:spcBef>
-                <a:spcPts val="1000"/>
-              </a:spcBef>
-              <a:spcAft>
-                <a:spcPts val="1000"/>
-              </a:spcAft>
-              <a:buFont typeface="Arial" panose="020B0604020202020204" pitchFamily="34" charset="0"/>
-              <a:buChar char="•"/>
-              <a:defRPr lang="en-US" sz="1200" kern="1200" smtClean="0">
-                <a:solidFill>
-                  <a:schemeClr val="tx1">
-                    <a:lumMod val="75000"/>
-                    <a:lumOff val="25000"/>
-                  </a:schemeClr>
-                </a:solidFill>
-                <a:latin typeface="+mn-lt"/>
-                <a:ea typeface="+mn-ea"/>
-                <a:cs typeface="+mn-cs"/>
-              </a:defRPr>
-            </a:lvl4pPr>
-            <a:lvl5pPr marL="2057400" indent="-228600" algn="l" defTabSz="914400" rtl="0" eaLnBrk="1" latinLnBrk="0" hangingPunct="1">
-              <a:lnSpc>
-                <a:spcPts val="1800"/>
-              </a:lnSpc>
-              <a:spcBef>
-                <a:spcPts val="1000"/>
-              </a:spcBef>
-              <a:spcAft>
-                <a:spcPts val="1000"/>
-              </a:spcAft>
-              <a:buFont typeface="Arial" panose="020B0604020202020204" pitchFamily="34" charset="0"/>
-              <a:buChar char="•"/>
-              <a:defRPr lang="en-US" sz="1200" kern="1200">
-                <a:solidFill>
-                  <a:schemeClr val="tx1">
-                    <a:lumMod val="75000"/>
-                    <a:lumOff val="25000"/>
-                  </a:schemeClr>
-                </a:solidFill>
-                <a:latin typeface="+mn-lt"/>
-                <a:ea typeface="+mn-ea"/>
-                <a:cs typeface="+mn-cs"/>
-              </a:defRPr>
-            </a:lvl5pPr>
-            <a:lvl6pPr marL="2514600" indent="-228600" algn="l" defTabSz="914400" rtl="0" eaLnBrk="1" latinLnBrk="0" hangingPunct="1">
-              <a:lnSpc>
-                <a:spcPct val="90000"/>
-              </a:lnSpc>
-              <a:spcBef>
-                <a:spcPct val="30000"/>
-              </a:spcBef>
-              <a:buFont typeface="Arial" panose="020B0604020202020204" pitchFamily="34" charset="0"/>
-              <a:buChar char="•"/>
-              <a:defRPr sz="1800" kern="1200">
-                <a:solidFill>
-                  <a:schemeClr val="tx1"/>
-                </a:solidFill>
-                <a:latin typeface="+mn-lt"/>
-                <a:ea typeface="+mn-ea"/>
-                <a:cs typeface="+mn-cs"/>
-              </a:defRPr>
-            </a:lvl6pPr>
-            <a:lvl7pPr marL="2971800" indent="-228600" algn="l" defTabSz="914400" rtl="0" eaLnBrk="1" latinLnBrk="0" hangingPunct="1">
-              <a:lnSpc>
-                <a:spcPct val="90000"/>
-              </a:lnSpc>
-              <a:spcBef>
-                <a:spcPct val="30000"/>
-              </a:spcBef>
-              <a:buFont typeface="Arial" panose="020B0604020202020204" pitchFamily="34" charset="0"/>
-              <a:buChar char="•"/>
-              <a:defRPr sz="1800" kern="1200">
-                <a:solidFill>
-                  <a:schemeClr val="tx1"/>
-                </a:solidFill>
-                <a:latin typeface="+mn-lt"/>
-                <a:ea typeface="+mn-ea"/>
-                <a:cs typeface="+mn-cs"/>
-              </a:defRPr>
-            </a:lvl7pPr>
-            <a:lvl8pPr marL="3429000" indent="-228600" algn="l" defTabSz="914400" rtl="0" eaLnBrk="1" latinLnBrk="0" hangingPunct="1">
-              <a:lnSpc>
-                <a:spcPct val="90000"/>
-              </a:lnSpc>
-              <a:spcBef>
-                <a:spcPct val="30000"/>
-              </a:spcBef>
-              <a:buFont typeface="Arial" panose="020B0604020202020204" pitchFamily="34" charset="0"/>
-              <a:buChar char="•"/>
-              <a:defRPr sz="1800" kern="1200">
-                <a:solidFill>
-                  <a:schemeClr val="tx1"/>
-                </a:solidFill>
-                <a:latin typeface="+mn-lt"/>
-                <a:ea typeface="+mn-ea"/>
-                <a:cs typeface="+mn-cs"/>
-              </a:defRPr>
-            </a:lvl8pPr>
-            <a:lvl9pPr marL="3886200" indent="-228600" algn="l" defTabSz="914400" rtl="0" eaLnBrk="1" latinLnBrk="0" hangingPunct="1">
-              <a:lnSpc>
-                <a:spcPct val="90000"/>
-              </a:lnSpc>
-              <a:spcBef>
-                <a:spcPct val="30000"/>
-              </a:spcBef>
-              <a:buFont typeface="Arial" panose="020B0604020202020204" pitchFamily="34" charset="0"/>
-              <a:buChar char="•"/>
-              <a:defRPr sz="1800" kern="1200">
-                <a:solidFill>
-                  <a:schemeClr val="tx1"/>
-                </a:solidFill>
-                <a:latin typeface="+mn-lt"/>
-                <a:ea typeface="+mn-ea"/>
-                <a:cs typeface="+mn-cs"/>
-              </a:defRPr>
-            </a:lvl9pPr>
-          </a:lstStyle>
-          <a:p>
-            <a:pPr marL="0" lvl="0" indent="0" rtl="0">
-              <a:spcAft>
-                <a:spcPts val="2000"/>
-              </a:spcAft>
-              <a:buNone/>
-              <a:defRPr/>
-            </a:pPr>
-            <a:r>
-              <a:rPr lang="de-DE" sz="1100" dirty="0">
-                <a:solidFill>
-                  <a:prstClr val="black">
-                    <a:lumMod val="75000"/>
-                    <a:lumOff val="25000"/>
-                  </a:prstClr>
-                </a:solidFill>
-                <a:cs typeface="Segoe UI" panose="020B0502040204020203" pitchFamily="34" charset="0"/>
-              </a:rPr>
-              <a:t>Wettercode</a:t>
-            </a:r>
-          </a:p>
-        </p:txBody>
-      </p:sp>
-      <p:grpSp>
-        <p:nvGrpSpPr>
-          <p:cNvPr id="11" name="Gruppieren 10" descr="Kleiner Kreis mit enthaltener Zahl 3 zur Angabe von Schritt 3">
-            <a:extLst>
-              <a:ext uri="{FF2B5EF4-FFF2-40B4-BE49-F238E27FC236}">
-                <a16:creationId xmlns:a16="http://schemas.microsoft.com/office/drawing/2014/main" id="{1C123C2D-1A23-421D-0F2C-78CB603B8CB2}"/>
-              </a:ext>
-            </a:extLst>
-          </p:cNvPr>
-          <p:cNvGrpSpPr/>
-          <p:nvPr/>
-        </p:nvGrpSpPr>
-        <p:grpSpPr bwMode="blackWhite">
-          <a:xfrm>
-            <a:off x="531552" y="5276370"/>
-            <a:ext cx="558179" cy="409838"/>
-            <a:chOff x="6953426" y="711274"/>
-            <a:chExt cx="558179" cy="409838"/>
-          </a:xfrm>
-        </p:grpSpPr>
-        <p:sp>
-          <p:nvSpPr>
-            <p:cNvPr id="12" name="Ellipse 11" descr="Kleiner Kreis">
-              <a:extLst>
-                <a:ext uri="{FF2B5EF4-FFF2-40B4-BE49-F238E27FC236}">
-                  <a16:creationId xmlns:a16="http://schemas.microsoft.com/office/drawing/2014/main" id="{3B6DD10F-516B-A099-7519-4F458A32130A}"/>
-                </a:ext>
-              </a:extLst>
-            </p:cNvPr>
-            <p:cNvSpPr/>
-            <p:nvPr/>
-          </p:nvSpPr>
-          <p:spPr bwMode="blackWhite">
-            <a:xfrm>
-              <a:off x="7025069" y="711274"/>
-              <a:ext cx="409838" cy="409838"/>
-            </a:xfrm>
-            <a:prstGeom prst="ellipse">
-              <a:avLst/>
-            </a:prstGeom>
-            <a:solidFill>
-              <a:srgbClr val="D24726"/>
-            </a:solidFill>
-            <a:ln>
-              <a:noFill/>
-            </a:ln>
-          </p:spPr>
-          <p:style>
-            <a:lnRef idx="2">
-              <a:schemeClr val="accent1">
-                <a:shade val="50000"/>
-              </a:schemeClr>
-            </a:lnRef>
-            <a:fillRef idx="1">
-              <a:schemeClr val="accent1"/>
-            </a:fillRef>
-            <a:effectRef idx="0">
-              <a:schemeClr val="accent1"/>
-            </a:effectRef>
-            <a:fontRef idx="minor">
-              <a:schemeClr val="lt1"/>
-            </a:fontRef>
-          </p:style>
-          <p:txBody>
-            <a:bodyPr rtlCol="0" anchor="ctr"/>
-            <a:lstStyle/>
-            <a:p>
-              <a:pPr algn="ctr" rtl="0"/>
-              <a:endParaRPr lang="de-DE"/>
-            </a:p>
-          </p:txBody>
-        </p:sp>
-        <p:sp>
-          <p:nvSpPr>
-            <p:cNvPr id="13" name="Textfeld 12" descr="Zahl 3">
-              <a:extLst>
-                <a:ext uri="{FF2B5EF4-FFF2-40B4-BE49-F238E27FC236}">
-                  <a16:creationId xmlns:a16="http://schemas.microsoft.com/office/drawing/2014/main" id="{146ABDAB-7E29-59D8-72DA-5C049AFC1673}"/>
-                </a:ext>
-              </a:extLst>
-            </p:cNvPr>
-            <p:cNvSpPr txBox="1">
-              <a:spLocks noChangeAspect="1"/>
-            </p:cNvSpPr>
-            <p:nvPr/>
-          </p:nvSpPr>
-          <p:spPr bwMode="blackWhite">
-            <a:xfrm>
-              <a:off x="6953426" y="727564"/>
-              <a:ext cx="558179" cy="369332"/>
-            </a:xfrm>
-            <a:prstGeom prst="rect">
-              <a:avLst/>
-            </a:prstGeom>
-            <a:noFill/>
-          </p:spPr>
-          <p:txBody>
-            <a:bodyPr wrap="square" rtlCol="0">
-              <a:spAutoFit/>
-            </a:bodyPr>
-            <a:lstStyle/>
-            <a:p>
-              <a:pPr algn="ctr" rtl="0"/>
-              <a:r>
-                <a:rPr lang="de-DE" dirty="0">
-                  <a:solidFill>
-                    <a:schemeClr val="bg1"/>
-                  </a:solidFill>
-                  <a:latin typeface="Segoe UI Semibold" panose="020B0702040204020203" pitchFamily="34" charset="0"/>
-                  <a:cs typeface="Segoe UI Semibold" panose="020B0702040204020203" pitchFamily="34" charset="0"/>
-                </a:rPr>
-                <a:t>7</a:t>
-              </a:r>
-            </a:p>
-          </p:txBody>
-        </p:sp>
-      </p:grpSp>
-      <p:sp>
-        <p:nvSpPr>
-          <p:cNvPr id="14" name="Inhaltsplatzhalter 17">
-            <a:extLst>
-              <a:ext uri="{FF2B5EF4-FFF2-40B4-BE49-F238E27FC236}">
-                <a16:creationId xmlns:a16="http://schemas.microsoft.com/office/drawing/2014/main" id="{922DBD11-E6EB-DD15-CEA2-821DDC94186E}"/>
-              </a:ext>
-            </a:extLst>
-          </p:cNvPr>
-          <p:cNvSpPr txBox="1">
-            <a:spLocks/>
-          </p:cNvSpPr>
-          <p:nvPr/>
-        </p:nvSpPr>
-        <p:spPr>
-          <a:xfrm>
-            <a:off x="1056514" y="5289128"/>
-            <a:ext cx="5303098" cy="761144"/>
-          </a:xfrm>
-          <a:prstGeom prst="rect">
-            <a:avLst/>
-          </a:prstGeom>
-        </p:spPr>
-        <p:txBody>
-          <a:bodyPr vert="horz" lIns="91440" tIns="45720" rIns="91440" bIns="45720" rtlCol="0">
-            <a:normAutofit/>
-          </a:bodyPr>
-          <a:lstStyle>
-            <a:lvl1pPr marL="228600" indent="-228600" algn="l" defTabSz="914400" rtl="0" eaLnBrk="1" latinLnBrk="0" hangingPunct="1">
-              <a:lnSpc>
-                <a:spcPts val="1800"/>
-              </a:lnSpc>
-              <a:spcBef>
-                <a:spcPts val="1000"/>
-              </a:spcBef>
-              <a:spcAft>
-                <a:spcPts val="1000"/>
-              </a:spcAft>
-              <a:buFont typeface="Arial" panose="020B0604020202020204" pitchFamily="34" charset="0"/>
-              <a:buChar char="•"/>
-              <a:defRPr lang="en-US" sz="1200" kern="1200" smtClean="0">
-                <a:solidFill>
-                  <a:schemeClr val="tx1">
-                    <a:lumMod val="75000"/>
-                    <a:lumOff val="25000"/>
-                  </a:schemeClr>
-                </a:solidFill>
-                <a:latin typeface="+mn-lt"/>
-                <a:ea typeface="+mn-ea"/>
-                <a:cs typeface="+mn-cs"/>
-              </a:defRPr>
-            </a:lvl1pPr>
-            <a:lvl2pPr marL="685800" indent="-228600" algn="l" defTabSz="914400" rtl="0" eaLnBrk="1" latinLnBrk="0" hangingPunct="1">
-              <a:lnSpc>
-                <a:spcPts val="1800"/>
-              </a:lnSpc>
-              <a:spcBef>
-                <a:spcPts val="1000"/>
-              </a:spcBef>
-              <a:spcAft>
-                <a:spcPts val="1000"/>
-              </a:spcAft>
-              <a:buFont typeface="Arial" panose="020B0604020202020204" pitchFamily="34" charset="0"/>
-              <a:buChar char="•"/>
-              <a:defRPr lang="en-US" sz="1200" kern="1200" smtClean="0">
-                <a:solidFill>
-                  <a:schemeClr val="tx1">
-                    <a:lumMod val="75000"/>
-                    <a:lumOff val="25000"/>
-                  </a:schemeClr>
-                </a:solidFill>
-                <a:latin typeface="+mn-lt"/>
-                <a:ea typeface="+mn-ea"/>
-                <a:cs typeface="+mn-cs"/>
-              </a:defRPr>
-            </a:lvl2pPr>
-            <a:lvl3pPr marL="1143000" indent="-228600" algn="l" defTabSz="914400" rtl="0" eaLnBrk="1" latinLnBrk="0" hangingPunct="1">
-              <a:lnSpc>
-                <a:spcPts val="1800"/>
-              </a:lnSpc>
-              <a:spcBef>
-                <a:spcPts val="1000"/>
-              </a:spcBef>
-              <a:spcAft>
-                <a:spcPts val="1000"/>
-              </a:spcAft>
-              <a:buFont typeface="Arial" panose="020B0604020202020204" pitchFamily="34" charset="0"/>
-              <a:buChar char="•"/>
-              <a:defRPr lang="en-US" sz="1200" kern="1200" smtClean="0">
-                <a:solidFill>
-                  <a:schemeClr val="tx1">
-                    <a:lumMod val="75000"/>
-                    <a:lumOff val="25000"/>
-                  </a:schemeClr>
-                </a:solidFill>
-                <a:latin typeface="+mn-lt"/>
-                <a:ea typeface="+mn-ea"/>
-                <a:cs typeface="+mn-cs"/>
-              </a:defRPr>
-            </a:lvl3pPr>
-            <a:lvl4pPr marL="1600200" indent="-228600" algn="l" defTabSz="914400" rtl="0" eaLnBrk="1" latinLnBrk="0" hangingPunct="1">
-              <a:lnSpc>
-                <a:spcPts val="1800"/>
-              </a:lnSpc>
-              <a:spcBef>
-                <a:spcPts val="1000"/>
-              </a:spcBef>
-              <a:spcAft>
-                <a:spcPts val="1000"/>
-              </a:spcAft>
-              <a:buFont typeface="Arial" panose="020B0604020202020204" pitchFamily="34" charset="0"/>
-              <a:buChar char="•"/>
-              <a:defRPr lang="en-US" sz="1200" kern="1200" smtClean="0">
-                <a:solidFill>
-                  <a:schemeClr val="tx1">
-                    <a:lumMod val="75000"/>
-                    <a:lumOff val="25000"/>
-                  </a:schemeClr>
-                </a:solidFill>
-                <a:latin typeface="+mn-lt"/>
-                <a:ea typeface="+mn-ea"/>
-                <a:cs typeface="+mn-cs"/>
-              </a:defRPr>
-            </a:lvl4pPr>
-            <a:lvl5pPr marL="2057400" indent="-228600" algn="l" defTabSz="914400" rtl="0" eaLnBrk="1" latinLnBrk="0" hangingPunct="1">
-              <a:lnSpc>
-                <a:spcPts val="1800"/>
-              </a:lnSpc>
-              <a:spcBef>
-                <a:spcPts val="1000"/>
-              </a:spcBef>
-              <a:spcAft>
-                <a:spcPts val="1000"/>
-              </a:spcAft>
-              <a:buFont typeface="Arial" panose="020B0604020202020204" pitchFamily="34" charset="0"/>
-              <a:buChar char="•"/>
-              <a:defRPr lang="en-US" sz="1200" kern="1200">
-                <a:solidFill>
-                  <a:schemeClr val="tx1">
-                    <a:lumMod val="75000"/>
-                    <a:lumOff val="25000"/>
-                  </a:schemeClr>
-                </a:solidFill>
-                <a:latin typeface="+mn-lt"/>
-                <a:ea typeface="+mn-ea"/>
-                <a:cs typeface="+mn-cs"/>
-              </a:defRPr>
-            </a:lvl5pPr>
-            <a:lvl6pPr marL="2514600" indent="-228600" algn="l" defTabSz="914400" rtl="0" eaLnBrk="1" latinLnBrk="0" hangingPunct="1">
-              <a:lnSpc>
-                <a:spcPct val="90000"/>
-              </a:lnSpc>
-              <a:spcBef>
-                <a:spcPct val="30000"/>
-              </a:spcBef>
-              <a:buFont typeface="Arial" panose="020B0604020202020204" pitchFamily="34" charset="0"/>
-              <a:buChar char="•"/>
-              <a:defRPr sz="1800" kern="1200">
-                <a:solidFill>
-                  <a:schemeClr val="tx1"/>
-                </a:solidFill>
-                <a:latin typeface="+mn-lt"/>
-                <a:ea typeface="+mn-ea"/>
-                <a:cs typeface="+mn-cs"/>
-              </a:defRPr>
-            </a:lvl6pPr>
-            <a:lvl7pPr marL="2971800" indent="-228600" algn="l" defTabSz="914400" rtl="0" eaLnBrk="1" latinLnBrk="0" hangingPunct="1">
-              <a:lnSpc>
-                <a:spcPct val="90000"/>
-              </a:lnSpc>
-              <a:spcBef>
-                <a:spcPct val="30000"/>
-              </a:spcBef>
-              <a:buFont typeface="Arial" panose="020B0604020202020204" pitchFamily="34" charset="0"/>
-              <a:buChar char="•"/>
-              <a:defRPr sz="1800" kern="1200">
-                <a:solidFill>
-                  <a:schemeClr val="tx1"/>
-                </a:solidFill>
-                <a:latin typeface="+mn-lt"/>
-                <a:ea typeface="+mn-ea"/>
-                <a:cs typeface="+mn-cs"/>
-              </a:defRPr>
-            </a:lvl7pPr>
-            <a:lvl8pPr marL="3429000" indent="-228600" algn="l" defTabSz="914400" rtl="0" eaLnBrk="1" latinLnBrk="0" hangingPunct="1">
-              <a:lnSpc>
-                <a:spcPct val="90000"/>
-              </a:lnSpc>
-              <a:spcBef>
-                <a:spcPct val="30000"/>
-              </a:spcBef>
-              <a:buFont typeface="Arial" panose="020B0604020202020204" pitchFamily="34" charset="0"/>
-              <a:buChar char="•"/>
-              <a:defRPr sz="1800" kern="1200">
-                <a:solidFill>
-                  <a:schemeClr val="tx1"/>
-                </a:solidFill>
-                <a:latin typeface="+mn-lt"/>
-                <a:ea typeface="+mn-ea"/>
-                <a:cs typeface="+mn-cs"/>
-              </a:defRPr>
-            </a:lvl8pPr>
-            <a:lvl9pPr marL="3886200" indent="-228600" algn="l" defTabSz="914400" rtl="0" eaLnBrk="1" latinLnBrk="0" hangingPunct="1">
-              <a:lnSpc>
-                <a:spcPct val="90000"/>
-              </a:lnSpc>
-              <a:spcBef>
-                <a:spcPct val="30000"/>
-              </a:spcBef>
-              <a:buFont typeface="Arial" panose="020B0604020202020204" pitchFamily="34" charset="0"/>
-              <a:buChar char="•"/>
-              <a:defRPr sz="1800" kern="1200">
-                <a:solidFill>
-                  <a:schemeClr val="tx1"/>
-                </a:solidFill>
-                <a:latin typeface="+mn-lt"/>
-                <a:ea typeface="+mn-ea"/>
-                <a:cs typeface="+mn-cs"/>
-              </a:defRPr>
-            </a:lvl9pPr>
-          </a:lstStyle>
-          <a:p>
-            <a:pPr marL="0" lvl="0" indent="0" rtl="0">
-              <a:spcAft>
-                <a:spcPts val="600"/>
-              </a:spcAft>
-              <a:buNone/>
-              <a:defRPr/>
-            </a:pPr>
-            <a:r>
-              <a:rPr lang="de-DE" sz="1100" dirty="0">
-                <a:solidFill>
-                  <a:prstClr val="black">
-                    <a:lumMod val="75000"/>
-                    <a:lumOff val="25000"/>
-                  </a:prstClr>
-                </a:solidFill>
-                <a:cs typeface="Segoe UI" panose="020B0502040204020203" pitchFamily="34" charset="0"/>
-              </a:rPr>
-              <a:t>Schulferien: Betroffenes Datum mit Wahrheitswert 1 versehen</a:t>
-            </a:r>
-            <a:endParaRPr lang="de-DE" sz="1100" dirty="0">
-              <a:solidFill>
-                <a:prstClr val="black">
-                  <a:lumMod val="75000"/>
-                  <a:lumOff val="25000"/>
-                </a:prstClr>
-              </a:solidFill>
-              <a:cs typeface="Segoe UI"/>
-            </a:endParaRPr>
-          </a:p>
-        </p:txBody>
-      </p:sp>
-      <p:grpSp>
-        <p:nvGrpSpPr>
-          <p:cNvPr id="27" name="Gruppieren 26" descr="Kleiner Kreis mit enthaltener Zahl 3 zur Angabe von Schritt 3">
-            <a:extLst>
-              <a:ext uri="{FF2B5EF4-FFF2-40B4-BE49-F238E27FC236}">
-                <a16:creationId xmlns:a16="http://schemas.microsoft.com/office/drawing/2014/main" id="{5E898050-F948-990C-4666-327D925937D0}"/>
-              </a:ext>
-            </a:extLst>
-          </p:cNvPr>
-          <p:cNvGrpSpPr/>
-          <p:nvPr/>
-        </p:nvGrpSpPr>
-        <p:grpSpPr bwMode="blackWhite">
-          <a:xfrm>
-            <a:off x="531552" y="5872947"/>
-            <a:ext cx="558179" cy="409838"/>
-            <a:chOff x="6953426" y="711274"/>
-            <a:chExt cx="558179" cy="409838"/>
-          </a:xfrm>
-        </p:grpSpPr>
-        <p:sp>
-          <p:nvSpPr>
-            <p:cNvPr id="28" name="Ellipse 27" descr="Kleiner Kreis">
-              <a:extLst>
-                <a:ext uri="{FF2B5EF4-FFF2-40B4-BE49-F238E27FC236}">
-                  <a16:creationId xmlns:a16="http://schemas.microsoft.com/office/drawing/2014/main" id="{7D09B161-0F23-C75C-9193-2DB16A298A3A}"/>
-                </a:ext>
-              </a:extLst>
-            </p:cNvPr>
-            <p:cNvSpPr/>
-            <p:nvPr/>
-          </p:nvSpPr>
-          <p:spPr bwMode="blackWhite">
-            <a:xfrm>
-              <a:off x="7025069" y="711274"/>
-              <a:ext cx="409838" cy="409838"/>
-            </a:xfrm>
-            <a:prstGeom prst="ellipse">
-              <a:avLst/>
-            </a:prstGeom>
-            <a:solidFill>
-              <a:srgbClr val="D24726"/>
-            </a:solidFill>
-            <a:ln>
-              <a:noFill/>
-            </a:ln>
-          </p:spPr>
-          <p:style>
-            <a:lnRef idx="2">
-              <a:schemeClr val="accent1">
-                <a:shade val="50000"/>
-              </a:schemeClr>
-            </a:lnRef>
-            <a:fillRef idx="1">
-              <a:schemeClr val="accent1"/>
-            </a:fillRef>
-            <a:effectRef idx="0">
-              <a:schemeClr val="accent1"/>
-            </a:effectRef>
-            <a:fontRef idx="minor">
-              <a:schemeClr val="lt1"/>
-            </a:fontRef>
-          </p:style>
-          <p:txBody>
-            <a:bodyPr rtlCol="0" anchor="ctr"/>
-            <a:lstStyle/>
-            <a:p>
-              <a:pPr algn="ctr" rtl="0"/>
-              <a:endParaRPr lang="de-DE"/>
-            </a:p>
-          </p:txBody>
-        </p:sp>
-        <p:sp>
-          <p:nvSpPr>
-            <p:cNvPr id="31" name="Textfeld 30" descr="Zahl 3">
-              <a:extLst>
-                <a:ext uri="{FF2B5EF4-FFF2-40B4-BE49-F238E27FC236}">
-                  <a16:creationId xmlns:a16="http://schemas.microsoft.com/office/drawing/2014/main" id="{81306A9F-936C-B05D-B293-78F6875CB065}"/>
-                </a:ext>
-              </a:extLst>
-            </p:cNvPr>
-            <p:cNvSpPr txBox="1">
-              <a:spLocks noChangeAspect="1"/>
-            </p:cNvSpPr>
-            <p:nvPr/>
-          </p:nvSpPr>
-          <p:spPr bwMode="blackWhite">
-            <a:xfrm>
-              <a:off x="6953426" y="727564"/>
-              <a:ext cx="558179" cy="369332"/>
-            </a:xfrm>
-            <a:prstGeom prst="rect">
-              <a:avLst/>
-            </a:prstGeom>
-            <a:noFill/>
-          </p:spPr>
-          <p:txBody>
-            <a:bodyPr wrap="square" rtlCol="0">
-              <a:spAutoFit/>
-            </a:bodyPr>
-            <a:lstStyle/>
-            <a:p>
-              <a:pPr algn="ctr" rtl="0"/>
-              <a:r>
-                <a:rPr lang="de-DE" dirty="0">
-                  <a:solidFill>
-                    <a:schemeClr val="bg1"/>
-                  </a:solidFill>
-                  <a:latin typeface="Segoe UI Semibold" panose="020B0702040204020203" pitchFamily="34" charset="0"/>
-                  <a:cs typeface="Segoe UI Semibold" panose="020B0702040204020203" pitchFamily="34" charset="0"/>
-                </a:rPr>
-                <a:t>8</a:t>
-              </a:r>
-            </a:p>
-          </p:txBody>
-        </p:sp>
-      </p:grpSp>
-      <p:sp>
-        <p:nvSpPr>
-          <p:cNvPr id="41" name="Inhaltsplatzhalter 17">
-            <a:extLst>
-              <a:ext uri="{FF2B5EF4-FFF2-40B4-BE49-F238E27FC236}">
-                <a16:creationId xmlns:a16="http://schemas.microsoft.com/office/drawing/2014/main" id="{2BFBB399-2AE2-DCEA-0503-A5FEE510F7CB}"/>
-              </a:ext>
-            </a:extLst>
-          </p:cNvPr>
-          <p:cNvSpPr txBox="1">
-            <a:spLocks/>
-          </p:cNvSpPr>
-          <p:nvPr/>
-        </p:nvSpPr>
-        <p:spPr>
-          <a:xfrm>
-            <a:off x="1056514" y="5885705"/>
-            <a:ext cx="5303098" cy="761144"/>
-          </a:xfrm>
-          <a:prstGeom prst="rect">
-            <a:avLst/>
-          </a:prstGeom>
-        </p:spPr>
-        <p:txBody>
-          <a:bodyPr vert="horz" lIns="91440" tIns="45720" rIns="91440" bIns="45720" rtlCol="0">
-            <a:normAutofit/>
-          </a:bodyPr>
-          <a:lstStyle>
-            <a:lvl1pPr marL="228600" indent="-228600" algn="l" defTabSz="914400" rtl="0" eaLnBrk="1" latinLnBrk="0" hangingPunct="1">
-              <a:lnSpc>
-                <a:spcPts val="1800"/>
-              </a:lnSpc>
-              <a:spcBef>
-                <a:spcPts val="1000"/>
-              </a:spcBef>
-              <a:spcAft>
-                <a:spcPts val="1000"/>
-              </a:spcAft>
-              <a:buFont typeface="Arial" panose="020B0604020202020204" pitchFamily="34" charset="0"/>
-              <a:buChar char="•"/>
-              <a:defRPr lang="en-US" sz="1200" kern="1200" smtClean="0">
-                <a:solidFill>
-                  <a:schemeClr val="tx1">
-                    <a:lumMod val="75000"/>
-                    <a:lumOff val="25000"/>
-                  </a:schemeClr>
-                </a:solidFill>
-                <a:latin typeface="+mn-lt"/>
-                <a:ea typeface="+mn-ea"/>
-                <a:cs typeface="+mn-cs"/>
-              </a:defRPr>
-            </a:lvl1pPr>
-            <a:lvl2pPr marL="685800" indent="-228600" algn="l" defTabSz="914400" rtl="0" eaLnBrk="1" latinLnBrk="0" hangingPunct="1">
-              <a:lnSpc>
-                <a:spcPts val="1800"/>
-              </a:lnSpc>
-              <a:spcBef>
-                <a:spcPts val="1000"/>
-              </a:spcBef>
-              <a:spcAft>
-                <a:spcPts val="1000"/>
-              </a:spcAft>
-              <a:buFont typeface="Arial" panose="020B0604020202020204" pitchFamily="34" charset="0"/>
-              <a:buChar char="•"/>
-              <a:defRPr lang="en-US" sz="1200" kern="1200" smtClean="0">
-                <a:solidFill>
-                  <a:schemeClr val="tx1">
-                    <a:lumMod val="75000"/>
-                    <a:lumOff val="25000"/>
-                  </a:schemeClr>
-                </a:solidFill>
-                <a:latin typeface="+mn-lt"/>
-                <a:ea typeface="+mn-ea"/>
-                <a:cs typeface="+mn-cs"/>
-              </a:defRPr>
-            </a:lvl2pPr>
-            <a:lvl3pPr marL="1143000" indent="-228600" algn="l" defTabSz="914400" rtl="0" eaLnBrk="1" latinLnBrk="0" hangingPunct="1">
-              <a:lnSpc>
-                <a:spcPts val="1800"/>
-              </a:lnSpc>
-              <a:spcBef>
-                <a:spcPts val="1000"/>
-              </a:spcBef>
-              <a:spcAft>
-                <a:spcPts val="1000"/>
-              </a:spcAft>
-              <a:buFont typeface="Arial" panose="020B0604020202020204" pitchFamily="34" charset="0"/>
-              <a:buChar char="•"/>
-              <a:defRPr lang="en-US" sz="1200" kern="1200" smtClean="0">
-                <a:solidFill>
-                  <a:schemeClr val="tx1">
-                    <a:lumMod val="75000"/>
-                    <a:lumOff val="25000"/>
-                  </a:schemeClr>
-                </a:solidFill>
-                <a:latin typeface="+mn-lt"/>
-                <a:ea typeface="+mn-ea"/>
-                <a:cs typeface="+mn-cs"/>
-              </a:defRPr>
-            </a:lvl3pPr>
-            <a:lvl4pPr marL="1600200" indent="-228600" algn="l" defTabSz="914400" rtl="0" eaLnBrk="1" latinLnBrk="0" hangingPunct="1">
-              <a:lnSpc>
-                <a:spcPts val="1800"/>
-              </a:lnSpc>
-              <a:spcBef>
-                <a:spcPts val="1000"/>
-              </a:spcBef>
-              <a:spcAft>
-                <a:spcPts val="1000"/>
-              </a:spcAft>
-              <a:buFont typeface="Arial" panose="020B0604020202020204" pitchFamily="34" charset="0"/>
-              <a:buChar char="•"/>
-              <a:defRPr lang="en-US" sz="1200" kern="1200" smtClean="0">
-                <a:solidFill>
-                  <a:schemeClr val="tx1">
-                    <a:lumMod val="75000"/>
-                    <a:lumOff val="25000"/>
-                  </a:schemeClr>
-                </a:solidFill>
-                <a:latin typeface="+mn-lt"/>
-                <a:ea typeface="+mn-ea"/>
-                <a:cs typeface="+mn-cs"/>
-              </a:defRPr>
-            </a:lvl4pPr>
-            <a:lvl5pPr marL="2057400" indent="-228600" algn="l" defTabSz="914400" rtl="0" eaLnBrk="1" latinLnBrk="0" hangingPunct="1">
-              <a:lnSpc>
-                <a:spcPts val="1800"/>
-              </a:lnSpc>
-              <a:spcBef>
-                <a:spcPts val="1000"/>
-              </a:spcBef>
-              <a:spcAft>
-                <a:spcPts val="1000"/>
-              </a:spcAft>
-              <a:buFont typeface="Arial" panose="020B0604020202020204" pitchFamily="34" charset="0"/>
-              <a:buChar char="•"/>
-              <a:defRPr lang="en-US" sz="1200" kern="1200">
-                <a:solidFill>
-                  <a:schemeClr val="tx1">
-                    <a:lumMod val="75000"/>
-                    <a:lumOff val="25000"/>
-                  </a:schemeClr>
-                </a:solidFill>
-                <a:latin typeface="+mn-lt"/>
-                <a:ea typeface="+mn-ea"/>
-                <a:cs typeface="+mn-cs"/>
-              </a:defRPr>
-            </a:lvl5pPr>
-            <a:lvl6pPr marL="2514600" indent="-228600" algn="l" defTabSz="914400" rtl="0" eaLnBrk="1" latinLnBrk="0" hangingPunct="1">
-              <a:lnSpc>
-                <a:spcPct val="90000"/>
-              </a:lnSpc>
-              <a:spcBef>
-                <a:spcPct val="30000"/>
-              </a:spcBef>
-              <a:buFont typeface="Arial" panose="020B0604020202020204" pitchFamily="34" charset="0"/>
-              <a:buChar char="•"/>
-              <a:defRPr sz="1800" kern="1200">
-                <a:solidFill>
-                  <a:schemeClr val="tx1"/>
-                </a:solidFill>
-                <a:latin typeface="+mn-lt"/>
-                <a:ea typeface="+mn-ea"/>
-                <a:cs typeface="+mn-cs"/>
-              </a:defRPr>
-            </a:lvl6pPr>
-            <a:lvl7pPr marL="2971800" indent="-228600" algn="l" defTabSz="914400" rtl="0" eaLnBrk="1" latinLnBrk="0" hangingPunct="1">
-              <a:lnSpc>
-                <a:spcPct val="90000"/>
-              </a:lnSpc>
-              <a:spcBef>
-                <a:spcPct val="30000"/>
-              </a:spcBef>
-              <a:buFont typeface="Arial" panose="020B0604020202020204" pitchFamily="34" charset="0"/>
-              <a:buChar char="•"/>
-              <a:defRPr sz="1800" kern="1200">
-                <a:solidFill>
-                  <a:schemeClr val="tx1"/>
-                </a:solidFill>
-                <a:latin typeface="+mn-lt"/>
-                <a:ea typeface="+mn-ea"/>
-                <a:cs typeface="+mn-cs"/>
-              </a:defRPr>
-            </a:lvl7pPr>
-            <a:lvl8pPr marL="3429000" indent="-228600" algn="l" defTabSz="914400" rtl="0" eaLnBrk="1" latinLnBrk="0" hangingPunct="1">
-              <a:lnSpc>
-                <a:spcPct val="90000"/>
-              </a:lnSpc>
-              <a:spcBef>
-                <a:spcPct val="30000"/>
-              </a:spcBef>
-              <a:buFont typeface="Arial" panose="020B0604020202020204" pitchFamily="34" charset="0"/>
-              <a:buChar char="•"/>
-              <a:defRPr sz="1800" kern="1200">
-                <a:solidFill>
-                  <a:schemeClr val="tx1"/>
-                </a:solidFill>
-                <a:latin typeface="+mn-lt"/>
-                <a:ea typeface="+mn-ea"/>
-                <a:cs typeface="+mn-cs"/>
-              </a:defRPr>
-            </a:lvl8pPr>
-            <a:lvl9pPr marL="3886200" indent="-228600" algn="l" defTabSz="914400" rtl="0" eaLnBrk="1" latinLnBrk="0" hangingPunct="1">
-              <a:lnSpc>
-                <a:spcPct val="90000"/>
-              </a:lnSpc>
-              <a:spcBef>
-                <a:spcPct val="30000"/>
-              </a:spcBef>
-              <a:buFont typeface="Arial" panose="020B0604020202020204" pitchFamily="34" charset="0"/>
-              <a:buChar char="•"/>
-              <a:defRPr sz="1800" kern="1200">
-                <a:solidFill>
-                  <a:schemeClr val="tx1"/>
-                </a:solidFill>
-                <a:latin typeface="+mn-lt"/>
-                <a:ea typeface="+mn-ea"/>
-                <a:cs typeface="+mn-cs"/>
-              </a:defRPr>
-            </a:lvl9pPr>
-          </a:lstStyle>
-          <a:p>
-            <a:pPr marL="0" lvl="0" indent="0" rtl="0">
-              <a:spcAft>
-                <a:spcPts val="600"/>
-              </a:spcAft>
-              <a:buNone/>
-              <a:defRPr/>
-            </a:pPr>
-            <a:r>
-              <a:rPr lang="de-DE" sz="1100" dirty="0">
-                <a:solidFill>
-                  <a:prstClr val="black">
-                    <a:lumMod val="75000"/>
-                    <a:lumOff val="25000"/>
-                  </a:prstClr>
-                </a:solidFill>
-                <a:cs typeface="Segoe UI" panose="020B0502040204020203" pitchFamily="34" charset="0"/>
-              </a:rPr>
-              <a:t>Wochenende: Betroffenes Datum mit Wahrheitswert 1 versehen</a:t>
-            </a:r>
-            <a:endParaRPr lang="de-DE" sz="1100" dirty="0">
-              <a:solidFill>
-                <a:prstClr val="black">
-                  <a:lumMod val="75000"/>
-                  <a:lumOff val="25000"/>
-                </a:prstClr>
-              </a:solidFill>
-              <a:cs typeface="Segoe UI"/>
-            </a:endParaRPr>
-          </a:p>
-        </p:txBody>
-      </p:sp>
     </p:spTree>
     <p:extLst>
       <p:ext uri="{BB962C8B-B14F-4D97-AF65-F5344CB8AC3E}">
-        <p14:creationId xmlns:p14="http://schemas.microsoft.com/office/powerpoint/2010/main" val="56762546"/>
+        <p14:creationId xmlns:p14="http://schemas.microsoft.com/office/powerpoint/2010/main" val="2059632117"/>
       </p:ext>
     </p:extLst>
   </p:cSld>
@@ -8939,6 +6455,1155 @@
 </file>
 
 <file path=ppt/slides/slide5.xml><?xml version="1.0" encoding="utf-8"?>
+<p:sld xmlns:a="http://schemas.openxmlformats.org/drawingml/2006/main" xmlns:r="http://schemas.openxmlformats.org/officeDocument/2006/relationships" xmlns:p="http://schemas.openxmlformats.org/presentationml/2006/main">
+  <p:cSld>
+    <p:spTree>
+      <p:nvGrpSpPr>
+        <p:cNvPr id="1" name=""/>
+        <p:cNvGrpSpPr/>
+        <p:nvPr/>
+      </p:nvGrpSpPr>
+      <p:grpSpPr>
+        <a:xfrm>
+          <a:off x="0" y="0"/>
+          <a:ext cx="0" cy="0"/>
+          <a:chOff x="0" y="0"/>
+          <a:chExt cx="0" cy="0"/>
+        </a:xfrm>
+      </p:grpSpPr>
+      <p:sp>
+        <p:nvSpPr>
+          <p:cNvPr id="4" name="Titel 3"/>
+          <p:cNvSpPr>
+            <a:spLocks noGrp="1"/>
+          </p:cNvSpPr>
+          <p:nvPr>
+            <p:ph type="title"/>
+          </p:nvPr>
+        </p:nvSpPr>
+        <p:spPr>
+          <a:xfrm>
+            <a:off x="521207" y="448056"/>
+            <a:ext cx="8188684" cy="640080"/>
+          </a:xfrm>
+        </p:spPr>
+        <p:txBody>
+          <a:bodyPr rtlCol="0">
+            <a:normAutofit fontScale="90000"/>
+          </a:bodyPr>
+          <a:lstStyle/>
+          <a:p>
+            <a:pPr marL="0" lvl="0" indent="0" rtl="0">
+              <a:lnSpc>
+                <a:spcPct val="100000"/>
+              </a:lnSpc>
+              <a:spcAft>
+                <a:spcPts val="2000"/>
+              </a:spcAft>
+              <a:buNone/>
+              <a:defRPr/>
+            </a:pPr>
+            <a:r>
+              <a:rPr lang="de-DE" sz="2800" dirty="0">
+                <a:solidFill>
+                  <a:prstClr val="black">
+                    <a:lumMod val="75000"/>
+                    <a:lumOff val="25000"/>
+                  </a:prstClr>
+                </a:solidFill>
+                <a:cs typeface="Segoe UI" panose="020B0502040204020203" pitchFamily="34" charset="0"/>
+              </a:rPr>
+              <a:t>Zugehörige Balkendiagramme mit Konfidenzintervallen</a:t>
+            </a:r>
+          </a:p>
+        </p:txBody>
+      </p:sp>
+      <p:pic>
+        <p:nvPicPr>
+          <p:cNvPr id="5" name="Grafik 4">
+            <a:extLst>
+              <a:ext uri="{FF2B5EF4-FFF2-40B4-BE49-F238E27FC236}">
+                <a16:creationId xmlns:a16="http://schemas.microsoft.com/office/drawing/2014/main" id="{6173FDED-5DB9-3146-D809-8E3027835797}"/>
+              </a:ext>
+            </a:extLst>
+          </p:cNvPr>
+          <p:cNvPicPr>
+            <a:picLocks noChangeAspect="1"/>
+          </p:cNvPicPr>
+          <p:nvPr/>
+        </p:nvPicPr>
+        <p:blipFill>
+          <a:blip r:embed="rId3"/>
+          <a:stretch>
+            <a:fillRect/>
+          </a:stretch>
+        </p:blipFill>
+        <p:spPr>
+          <a:xfrm>
+            <a:off x="302482" y="1673598"/>
+            <a:ext cx="5687502" cy="3510804"/>
+          </a:xfrm>
+          <a:prstGeom prst="rect">
+            <a:avLst/>
+          </a:prstGeom>
+        </p:spPr>
+      </p:pic>
+      <p:pic>
+        <p:nvPicPr>
+          <p:cNvPr id="8" name="Grafik 7">
+            <a:extLst>
+              <a:ext uri="{FF2B5EF4-FFF2-40B4-BE49-F238E27FC236}">
+                <a16:creationId xmlns:a16="http://schemas.microsoft.com/office/drawing/2014/main" id="{DB2E7519-17C1-F184-AD77-A76A4D40F8BD}"/>
+              </a:ext>
+            </a:extLst>
+          </p:cNvPr>
+          <p:cNvPicPr>
+            <a:picLocks noChangeAspect="1"/>
+          </p:cNvPicPr>
+          <p:nvPr/>
+        </p:nvPicPr>
+        <p:blipFill>
+          <a:blip r:embed="rId4"/>
+          <a:stretch>
+            <a:fillRect/>
+          </a:stretch>
+        </p:blipFill>
+        <p:spPr>
+          <a:xfrm>
+            <a:off x="5989984" y="1673598"/>
+            <a:ext cx="5687503" cy="3510804"/>
+          </a:xfrm>
+          <a:prstGeom prst="rect">
+            <a:avLst/>
+          </a:prstGeom>
+        </p:spPr>
+      </p:pic>
+    </p:spTree>
+    <p:extLst>
+      <p:ext uri="{BB962C8B-B14F-4D97-AF65-F5344CB8AC3E}">
+        <p14:creationId xmlns:p14="http://schemas.microsoft.com/office/powerpoint/2010/main" val="3462103504"/>
+      </p:ext>
+    </p:extLst>
+  </p:cSld>
+  <p:clrMapOvr>
+    <a:masterClrMapping/>
+  </p:clrMapOvr>
+  <mc:AlternateContent xmlns:mc="http://schemas.openxmlformats.org/markup-compatibility/2006" xmlns:p14="http://schemas.microsoft.com/office/powerpoint/2010/main">
+    <mc:Choice Requires="p14">
+      <p:transition p14:dur="10"/>
+    </mc:Choice>
+    <mc:Fallback xmlns="">
+      <p:transition/>
+    </mc:Fallback>
+  </mc:AlternateContent>
+</p:sld>
+</file>
+
+<file path=ppt/slides/slide6.xml><?xml version="1.0" encoding="utf-8"?>
+<p:sld xmlns:a="http://schemas.openxmlformats.org/drawingml/2006/main" xmlns:r="http://schemas.openxmlformats.org/officeDocument/2006/relationships" xmlns:p="http://schemas.openxmlformats.org/presentationml/2006/main">
+  <p:cSld>
+    <p:spTree>
+      <p:nvGrpSpPr>
+        <p:cNvPr id="1" name=""/>
+        <p:cNvGrpSpPr/>
+        <p:nvPr/>
+      </p:nvGrpSpPr>
+      <p:grpSpPr>
+        <a:xfrm>
+          <a:off x="0" y="0"/>
+          <a:ext cx="0" cy="0"/>
+          <a:chOff x="0" y="0"/>
+          <a:chExt cx="0" cy="0"/>
+        </a:xfrm>
+      </p:grpSpPr>
+      <p:sp>
+        <p:nvSpPr>
+          <p:cNvPr id="4" name="Titel 3"/>
+          <p:cNvSpPr>
+            <a:spLocks noGrp="1"/>
+          </p:cNvSpPr>
+          <p:nvPr>
+            <p:ph type="title"/>
+          </p:nvPr>
+        </p:nvSpPr>
+        <p:spPr>
+          <a:xfrm>
+            <a:off x="521207" y="448056"/>
+            <a:ext cx="8188684" cy="640080"/>
+          </a:xfrm>
+        </p:spPr>
+        <p:txBody>
+          <a:bodyPr rtlCol="0">
+            <a:normAutofit fontScale="90000"/>
+          </a:bodyPr>
+          <a:lstStyle/>
+          <a:p>
+            <a:pPr marL="0" lvl="0" indent="0" rtl="0">
+              <a:lnSpc>
+                <a:spcPct val="100000"/>
+              </a:lnSpc>
+              <a:spcAft>
+                <a:spcPts val="2000"/>
+              </a:spcAft>
+              <a:buNone/>
+              <a:defRPr/>
+            </a:pPr>
+            <a:r>
+              <a:rPr lang="de-DE" sz="2800" dirty="0">
+                <a:solidFill>
+                  <a:prstClr val="black">
+                    <a:lumMod val="75000"/>
+                    <a:lumOff val="25000"/>
+                  </a:prstClr>
+                </a:solidFill>
+                <a:cs typeface="Segoe UI" panose="020B0502040204020203" pitchFamily="34" charset="0"/>
+              </a:rPr>
+              <a:t>Zugehörige Balkendiagramme mit Konfidenzintervallen</a:t>
+            </a:r>
+          </a:p>
+        </p:txBody>
+      </p:sp>
+      <p:pic>
+        <p:nvPicPr>
+          <p:cNvPr id="5" name="Grafik 4">
+            <a:extLst>
+              <a:ext uri="{FF2B5EF4-FFF2-40B4-BE49-F238E27FC236}">
+                <a16:creationId xmlns:a16="http://schemas.microsoft.com/office/drawing/2014/main" id="{3256DB96-C9B4-6B59-E7C2-AADCFD18C876}"/>
+              </a:ext>
+            </a:extLst>
+          </p:cNvPr>
+          <p:cNvPicPr>
+            <a:picLocks noChangeAspect="1"/>
+          </p:cNvPicPr>
+          <p:nvPr/>
+        </p:nvPicPr>
+        <p:blipFill>
+          <a:blip r:embed="rId3"/>
+          <a:stretch>
+            <a:fillRect/>
+          </a:stretch>
+        </p:blipFill>
+        <p:spPr>
+          <a:xfrm>
+            <a:off x="521206" y="1291792"/>
+            <a:ext cx="9099871" cy="5617205"/>
+          </a:xfrm>
+          <a:prstGeom prst="rect">
+            <a:avLst/>
+          </a:prstGeom>
+        </p:spPr>
+      </p:pic>
+    </p:spTree>
+    <p:extLst>
+      <p:ext uri="{BB962C8B-B14F-4D97-AF65-F5344CB8AC3E}">
+        <p14:creationId xmlns:p14="http://schemas.microsoft.com/office/powerpoint/2010/main" val="1671665625"/>
+      </p:ext>
+    </p:extLst>
+  </p:cSld>
+  <p:clrMapOvr>
+    <a:masterClrMapping/>
+  </p:clrMapOvr>
+  <mc:AlternateContent xmlns:mc="http://schemas.openxmlformats.org/markup-compatibility/2006" xmlns:p14="http://schemas.microsoft.com/office/powerpoint/2010/main">
+    <mc:Choice Requires="p14">
+      <p:transition p14:dur="10"/>
+    </mc:Choice>
+    <mc:Fallback xmlns="">
+      <p:transition/>
+    </mc:Fallback>
+  </mc:AlternateContent>
+</p:sld>
+</file>
+
+<file path=ppt/slides/slide7.xml><?xml version="1.0" encoding="utf-8"?>
+<p:sld xmlns:a="http://schemas.openxmlformats.org/drawingml/2006/main" xmlns:r="http://schemas.openxmlformats.org/officeDocument/2006/relationships" xmlns:p="http://schemas.openxmlformats.org/presentationml/2006/main">
+  <p:cSld>
+    <p:spTree>
+      <p:nvGrpSpPr>
+        <p:cNvPr id="1" name=""/>
+        <p:cNvGrpSpPr/>
+        <p:nvPr/>
+      </p:nvGrpSpPr>
+      <p:grpSpPr>
+        <a:xfrm>
+          <a:off x="0" y="0"/>
+          <a:ext cx="0" cy="0"/>
+          <a:chOff x="0" y="0"/>
+          <a:chExt cx="0" cy="0"/>
+        </a:xfrm>
+      </p:grpSpPr>
+      <p:sp>
+        <p:nvSpPr>
+          <p:cNvPr id="4" name="Titel 3"/>
+          <p:cNvSpPr>
+            <a:spLocks noGrp="1"/>
+          </p:cNvSpPr>
+          <p:nvPr>
+            <p:ph type="title"/>
+          </p:nvPr>
+        </p:nvSpPr>
+        <p:spPr>
+          <a:xfrm>
+            <a:off x="521207" y="448056"/>
+            <a:ext cx="8188684" cy="640080"/>
+          </a:xfrm>
+        </p:spPr>
+        <p:txBody>
+          <a:bodyPr rtlCol="0">
+            <a:normAutofit/>
+          </a:bodyPr>
+          <a:lstStyle/>
+          <a:p>
+            <a:pPr marL="0" lvl="0" indent="0" rtl="0">
+              <a:lnSpc>
+                <a:spcPct val="100000"/>
+              </a:lnSpc>
+              <a:spcAft>
+                <a:spcPts val="600"/>
+              </a:spcAft>
+              <a:buNone/>
+              <a:defRPr/>
+            </a:pPr>
+            <a:r>
+              <a:rPr lang="de-DE" sz="2800" dirty="0">
+                <a:solidFill>
+                  <a:prstClr val="black">
+                    <a:lumMod val="75000"/>
+                    <a:lumOff val="25000"/>
+                  </a:prstClr>
+                </a:solidFill>
+                <a:cs typeface="Segoe UI" panose="020B0502040204020203" pitchFamily="34" charset="0"/>
+              </a:rPr>
+              <a:t>Optimierung eines linearen Modells</a:t>
+            </a:r>
+          </a:p>
+        </p:txBody>
+      </p:sp>
+      <p:graphicFrame>
+        <p:nvGraphicFramePr>
+          <p:cNvPr id="17" name="Tabelle 16">
+            <a:extLst>
+              <a:ext uri="{FF2B5EF4-FFF2-40B4-BE49-F238E27FC236}">
+                <a16:creationId xmlns:a16="http://schemas.microsoft.com/office/drawing/2014/main" id="{E506729D-5FB9-7788-DA19-9C4B1C4CCCE5}"/>
+              </a:ext>
+            </a:extLst>
+          </p:cNvPr>
+          <p:cNvGraphicFramePr>
+            <a:graphicFrameLocks noGrp="1"/>
+          </p:cNvGraphicFramePr>
+          <p:nvPr>
+            <p:extLst>
+              <p:ext uri="{D42A27DB-BD31-4B8C-83A1-F6EECF244321}">
+                <p14:modId xmlns:p14="http://schemas.microsoft.com/office/powerpoint/2010/main" val="4069399743"/>
+              </p:ext>
+            </p:extLst>
+          </p:nvPr>
+        </p:nvGraphicFramePr>
+        <p:xfrm>
+          <a:off x="613713" y="2087896"/>
+          <a:ext cx="10876671" cy="2929640"/>
+        </p:xfrm>
+        <a:graphic>
+          <a:graphicData uri="http://schemas.openxmlformats.org/drawingml/2006/table">
+            <a:tbl>
+              <a:tblPr firstRow="1" bandRow="1">
+                <a:tableStyleId>{5C22544A-7EE6-4342-B048-85BDC9FD1C3A}</a:tableStyleId>
+              </a:tblPr>
+              <a:tblGrid>
+                <a:gridCol w="9177267">
+                  <a:extLst>
+                    <a:ext uri="{9D8B030D-6E8A-4147-A177-3AD203B41FA5}">
+                      <a16:colId xmlns:a16="http://schemas.microsoft.com/office/drawing/2014/main" val="799211057"/>
+                    </a:ext>
+                  </a:extLst>
+                </a:gridCol>
+                <a:gridCol w="1699404">
+                  <a:extLst>
+                    <a:ext uri="{9D8B030D-6E8A-4147-A177-3AD203B41FA5}">
+                      <a16:colId xmlns:a16="http://schemas.microsoft.com/office/drawing/2014/main" val="1421066136"/>
+                    </a:ext>
+                  </a:extLst>
+                </a:gridCol>
+              </a:tblGrid>
+              <a:tr h="0">
+                <a:tc>
+                  <a:txBody>
+                    <a:bodyPr/>
+                    <a:lstStyle/>
+                    <a:p>
+                      <a:r>
+                        <a:rPr lang="de-DE" sz="1200" dirty="0">
+                          <a:solidFill>
+                            <a:prstClr val="black">
+                              <a:lumMod val="75000"/>
+                              <a:lumOff val="25000"/>
+                            </a:prstClr>
+                          </a:solidFill>
+                          <a:cs typeface="Segoe UI"/>
+                        </a:rPr>
+                        <a:t>Modellgleichung</a:t>
+                      </a:r>
+                      <a:endParaRPr lang="de-DE" sz="1200" dirty="0"/>
+                    </a:p>
+                  </a:txBody>
+                  <a:tcPr>
+                    <a:solidFill>
+                      <a:schemeClr val="accent2"/>
+                    </a:solidFill>
+                  </a:tcPr>
+                </a:tc>
+                <a:tc>
+                  <a:txBody>
+                    <a:bodyPr/>
+                    <a:lstStyle/>
+                    <a:p>
+                      <a:r>
+                        <a:rPr lang="de-DE" sz="1200" dirty="0" err="1">
+                          <a:solidFill>
+                            <a:prstClr val="black">
+                              <a:lumMod val="75000"/>
+                              <a:lumOff val="25000"/>
+                            </a:prstClr>
+                          </a:solidFill>
+                          <a:cs typeface="Segoe UI"/>
+                        </a:rPr>
+                        <a:t>Adjusted</a:t>
+                      </a:r>
+                      <a:r>
+                        <a:rPr lang="de-DE" sz="1200" dirty="0">
+                          <a:solidFill>
+                            <a:prstClr val="black">
+                              <a:lumMod val="75000"/>
+                              <a:lumOff val="25000"/>
+                            </a:prstClr>
+                          </a:solidFill>
+                          <a:cs typeface="Segoe UI"/>
+                        </a:rPr>
+                        <a:t> R²</a:t>
+                      </a:r>
+                      <a:endParaRPr lang="de-DE" sz="1200" dirty="0"/>
+                    </a:p>
+                  </a:txBody>
+                  <a:tcPr>
+                    <a:solidFill>
+                      <a:schemeClr val="accent2"/>
+                    </a:solidFill>
+                  </a:tcPr>
+                </a:tc>
+                <a:extLst>
+                  <a:ext uri="{0D108BD9-81ED-4DB2-BD59-A6C34878D82A}">
+                    <a16:rowId xmlns:a16="http://schemas.microsoft.com/office/drawing/2014/main" val="1384721855"/>
+                  </a:ext>
+                </a:extLst>
+              </a:tr>
+              <a:tr h="0">
+                <a:tc>
+                  <a:txBody>
+                    <a:bodyPr/>
+                    <a:lstStyle/>
+                    <a:p>
+                      <a:pPr marL="0" marR="0" lvl="0" indent="0" algn="l" defTabSz="914400" rtl="0" eaLnBrk="1" fontAlgn="auto" latinLnBrk="0" hangingPunct="1">
+                        <a:lnSpc>
+                          <a:spcPct val="100000"/>
+                        </a:lnSpc>
+                        <a:spcBef>
+                          <a:spcPts val="0"/>
+                        </a:spcBef>
+                        <a:spcAft>
+                          <a:spcPts val="0"/>
+                        </a:spcAft>
+                        <a:buClrTx/>
+                        <a:buSzTx/>
+                        <a:buFontTx/>
+                        <a:buNone/>
+                        <a:tabLst/>
+                        <a:defRPr/>
+                      </a:pPr>
+                      <a:r>
+                        <a:rPr lang="de-DE" sz="1200" dirty="0"/>
+                        <a:t>mod1 &lt;- lm(Umsatz ~ </a:t>
+                      </a:r>
+                      <a:r>
+                        <a:rPr lang="de-DE" sz="1200" dirty="0" err="1"/>
+                        <a:t>as.factor</a:t>
+                      </a:r>
+                      <a:r>
+                        <a:rPr lang="de-DE" sz="1200" dirty="0"/>
+                        <a:t>(Warengruppe) + </a:t>
+                      </a:r>
+                      <a:r>
+                        <a:rPr lang="de-DE" sz="1200" dirty="0" err="1"/>
+                        <a:t>Temperatur_bins</a:t>
+                      </a:r>
+                      <a:r>
+                        <a:rPr lang="de-DE" sz="1200" dirty="0"/>
+                        <a:t>, training_data1)</a:t>
+                      </a:r>
+                    </a:p>
+                  </a:txBody>
+                  <a:tcPr/>
+                </a:tc>
+                <a:tc>
+                  <a:txBody>
+                    <a:bodyPr/>
+                    <a:lstStyle/>
+                    <a:p>
+                      <a:r>
+                        <a:rPr lang="de-DE" sz="1200" dirty="0"/>
+                        <a:t>0.6876 </a:t>
+                      </a:r>
+                    </a:p>
+                  </a:txBody>
+                  <a:tcPr/>
+                </a:tc>
+                <a:extLst>
+                  <a:ext uri="{0D108BD9-81ED-4DB2-BD59-A6C34878D82A}">
+                    <a16:rowId xmlns:a16="http://schemas.microsoft.com/office/drawing/2014/main" val="3364279714"/>
+                  </a:ext>
+                </a:extLst>
+              </a:tr>
+              <a:tr h="445540">
+                <a:tc>
+                  <a:txBody>
+                    <a:bodyPr/>
+                    <a:lstStyle/>
+                    <a:p>
+                      <a:pPr marL="0" marR="0" lvl="0" indent="0" algn="l" defTabSz="914400" rtl="0" eaLnBrk="1" fontAlgn="auto" latinLnBrk="0" hangingPunct="1">
+                        <a:lnSpc>
+                          <a:spcPct val="100000"/>
+                        </a:lnSpc>
+                        <a:spcBef>
+                          <a:spcPts val="0"/>
+                        </a:spcBef>
+                        <a:spcAft>
+                          <a:spcPts val="0"/>
+                        </a:spcAft>
+                        <a:buClrTx/>
+                        <a:buSzTx/>
+                        <a:buFontTx/>
+                        <a:buNone/>
+                        <a:tabLst/>
+                        <a:defRPr/>
+                      </a:pPr>
+                      <a:r>
+                        <a:rPr lang="de-DE" sz="1200" dirty="0"/>
+                        <a:t>mod2 &lt;- lm(Umsatz ~ </a:t>
+                      </a:r>
+                      <a:r>
+                        <a:rPr lang="de-DE" sz="1200" dirty="0" err="1"/>
+                        <a:t>as.factor</a:t>
+                      </a:r>
+                      <a:r>
+                        <a:rPr lang="de-DE" sz="1200" dirty="0"/>
+                        <a:t>(Warengruppe) + </a:t>
+                      </a:r>
+                      <a:r>
+                        <a:rPr lang="de-DE" sz="1200" dirty="0" err="1"/>
+                        <a:t>Temperatur_bins</a:t>
+                      </a:r>
+                      <a:r>
+                        <a:rPr lang="de-DE" sz="1200" dirty="0"/>
+                        <a:t> + </a:t>
+                      </a:r>
+                      <a:r>
+                        <a:rPr lang="de-DE" sz="1200" dirty="0" err="1"/>
+                        <a:t>Bewoelkung</a:t>
+                      </a:r>
+                      <a:r>
+                        <a:rPr lang="de-DE" sz="1200" dirty="0"/>
+                        <a:t>, training_data1)</a:t>
+                      </a:r>
+                    </a:p>
+                  </a:txBody>
+                  <a:tcPr/>
+                </a:tc>
+                <a:tc>
+                  <a:txBody>
+                    <a:bodyPr/>
+                    <a:lstStyle/>
+                    <a:p>
+                      <a:r>
+                        <a:rPr lang="de-DE" sz="1200" dirty="0"/>
+                        <a:t>0.6877</a:t>
+                      </a:r>
+                    </a:p>
+                  </a:txBody>
+                  <a:tcPr/>
+                </a:tc>
+                <a:extLst>
+                  <a:ext uri="{0D108BD9-81ED-4DB2-BD59-A6C34878D82A}">
+                    <a16:rowId xmlns:a16="http://schemas.microsoft.com/office/drawing/2014/main" val="250804038"/>
+                  </a:ext>
+                </a:extLst>
+              </a:tr>
+              <a:tr h="369565">
+                <a:tc>
+                  <a:txBody>
+                    <a:bodyPr/>
+                    <a:lstStyle/>
+                    <a:p>
+                      <a:r>
+                        <a:rPr lang="de-DE" sz="1200" dirty="0"/>
+                        <a:t>mod3 &lt;- lm(Umsatz ~ </a:t>
+                      </a:r>
+                      <a:r>
+                        <a:rPr lang="de-DE" sz="1200" dirty="0" err="1"/>
+                        <a:t>as.factor</a:t>
+                      </a:r>
+                      <a:r>
+                        <a:rPr lang="de-DE" sz="1200" dirty="0"/>
+                        <a:t>(Warengruppe) + </a:t>
+                      </a:r>
+                      <a:r>
+                        <a:rPr lang="de-DE" sz="1200" dirty="0" err="1"/>
+                        <a:t>Temperatur_bins</a:t>
+                      </a:r>
+                      <a:r>
+                        <a:rPr lang="de-DE" sz="1200" dirty="0"/>
+                        <a:t> + Windgeschwindigkeit, training_data1)</a:t>
+                      </a:r>
+                    </a:p>
+                  </a:txBody>
+                  <a:tcPr/>
+                </a:tc>
+                <a:tc>
+                  <a:txBody>
+                    <a:bodyPr/>
+                    <a:lstStyle/>
+                    <a:p>
+                      <a:r>
+                        <a:rPr lang="de-DE" sz="1200" dirty="0"/>
+                        <a:t>0.6878</a:t>
+                      </a:r>
+                    </a:p>
+                  </a:txBody>
+                  <a:tcPr/>
+                </a:tc>
+                <a:extLst>
+                  <a:ext uri="{0D108BD9-81ED-4DB2-BD59-A6C34878D82A}">
+                    <a16:rowId xmlns:a16="http://schemas.microsoft.com/office/drawing/2014/main" val="4143313301"/>
+                  </a:ext>
+                </a:extLst>
+              </a:tr>
+              <a:tr h="369565">
+                <a:tc>
+                  <a:txBody>
+                    <a:bodyPr/>
+                    <a:lstStyle/>
+                    <a:p>
+                      <a:r>
+                        <a:rPr lang="de-DE" sz="1200" dirty="0"/>
+                        <a:t>mod4 &lt;- lm(Umsatz ~ </a:t>
+                      </a:r>
+                      <a:r>
+                        <a:rPr lang="de-DE" sz="1200" dirty="0" err="1"/>
+                        <a:t>as.factor</a:t>
+                      </a:r>
+                      <a:r>
+                        <a:rPr lang="de-DE" sz="1200" dirty="0"/>
+                        <a:t>(Warengruppe) + </a:t>
+                      </a:r>
+                      <a:r>
+                        <a:rPr lang="de-DE" sz="1200" dirty="0" err="1"/>
+                        <a:t>Temperatur_bins</a:t>
+                      </a:r>
+                      <a:r>
+                        <a:rPr lang="de-DE" sz="1200" dirty="0"/>
+                        <a:t> + Windgeschwindigkeit + Wochenende, training_data1)</a:t>
+                      </a:r>
+                    </a:p>
+                  </a:txBody>
+                  <a:tcPr/>
+                </a:tc>
+                <a:tc>
+                  <a:txBody>
+                    <a:bodyPr/>
+                    <a:lstStyle/>
+                    <a:p>
+                      <a:r>
+                        <a:rPr lang="de-DE" sz="1200" dirty="0"/>
+                        <a:t>0.713</a:t>
+                      </a:r>
+                    </a:p>
+                  </a:txBody>
+                  <a:tcPr/>
+                </a:tc>
+                <a:extLst>
+                  <a:ext uri="{0D108BD9-81ED-4DB2-BD59-A6C34878D82A}">
+                    <a16:rowId xmlns:a16="http://schemas.microsoft.com/office/drawing/2014/main" val="408044700"/>
+                  </a:ext>
+                </a:extLst>
+              </a:tr>
+              <a:tr h="369565">
+                <a:tc>
+                  <a:txBody>
+                    <a:bodyPr/>
+                    <a:lstStyle/>
+                    <a:p>
+                      <a:pPr marL="0" marR="0" lvl="0" indent="0" algn="l" defTabSz="914400" rtl="0" eaLnBrk="1" fontAlgn="auto" latinLnBrk="0" hangingPunct="1">
+                        <a:lnSpc>
+                          <a:spcPct val="100000"/>
+                        </a:lnSpc>
+                        <a:spcBef>
+                          <a:spcPts val="0"/>
+                        </a:spcBef>
+                        <a:spcAft>
+                          <a:spcPts val="0"/>
+                        </a:spcAft>
+                        <a:buClrTx/>
+                        <a:buSzTx/>
+                        <a:buFontTx/>
+                        <a:buNone/>
+                        <a:tabLst/>
+                        <a:defRPr/>
+                      </a:pPr>
+                      <a:r>
+                        <a:rPr lang="de-DE" sz="1200" dirty="0"/>
+                        <a:t>mod5 &lt;- lm(Umsatz ~ </a:t>
+                      </a:r>
+                      <a:r>
+                        <a:rPr lang="de-DE" sz="1200" dirty="0" err="1"/>
+                        <a:t>as.factor</a:t>
+                      </a:r>
+                      <a:r>
+                        <a:rPr lang="de-DE" sz="1200" dirty="0"/>
+                        <a:t>(Warengruppe) + </a:t>
+                      </a:r>
+                      <a:r>
+                        <a:rPr lang="de-DE" sz="1200" dirty="0" err="1"/>
+                        <a:t>Temperatur_bins</a:t>
+                      </a:r>
+                      <a:r>
+                        <a:rPr lang="de-DE" sz="1200" dirty="0"/>
+                        <a:t> + Wochenende, training_data1)</a:t>
+                      </a:r>
+                    </a:p>
+                    <a:p>
+                      <a:endParaRPr lang="de-DE" sz="1200" dirty="0"/>
+                    </a:p>
+                  </a:txBody>
+                  <a:tcPr/>
+                </a:tc>
+                <a:tc>
+                  <a:txBody>
+                    <a:bodyPr/>
+                    <a:lstStyle/>
+                    <a:p>
+                      <a:pPr marL="0" marR="0" lvl="0" indent="0" algn="l" defTabSz="914400" rtl="0" eaLnBrk="1" fontAlgn="auto" latinLnBrk="0" hangingPunct="1">
+                        <a:lnSpc>
+                          <a:spcPct val="100000"/>
+                        </a:lnSpc>
+                        <a:spcBef>
+                          <a:spcPts val="0"/>
+                        </a:spcBef>
+                        <a:spcAft>
+                          <a:spcPts val="0"/>
+                        </a:spcAft>
+                        <a:buClrTx/>
+                        <a:buSzTx/>
+                        <a:buFontTx/>
+                        <a:buNone/>
+                        <a:tabLst/>
+                        <a:defRPr/>
+                      </a:pPr>
+                      <a:r>
+                        <a:rPr lang="de-DE" sz="1200" dirty="0"/>
+                        <a:t>0.7129 </a:t>
+                      </a:r>
+                    </a:p>
+                    <a:p>
+                      <a:endParaRPr lang="de-DE" sz="1200" dirty="0"/>
+                    </a:p>
+                  </a:txBody>
+                  <a:tcPr/>
+                </a:tc>
+                <a:extLst>
+                  <a:ext uri="{0D108BD9-81ED-4DB2-BD59-A6C34878D82A}">
+                    <a16:rowId xmlns:a16="http://schemas.microsoft.com/office/drawing/2014/main" val="2775509448"/>
+                  </a:ext>
+                </a:extLst>
+              </a:tr>
+              <a:tr h="369565">
+                <a:tc>
+                  <a:txBody>
+                    <a:bodyPr/>
+                    <a:lstStyle/>
+                    <a:p>
+                      <a:r>
+                        <a:rPr lang="de-DE" sz="1200" dirty="0"/>
+                        <a:t>mod6 &lt;- lm(Umsatz ~ </a:t>
+                      </a:r>
+                      <a:r>
+                        <a:rPr lang="de-DE" sz="1200" dirty="0" err="1"/>
+                        <a:t>as.factor</a:t>
+                      </a:r>
+                      <a:r>
+                        <a:rPr lang="de-DE" sz="1200" dirty="0"/>
+                        <a:t>(Warengruppe) + </a:t>
+                      </a:r>
+                      <a:r>
+                        <a:rPr lang="de-DE" sz="1200" dirty="0" err="1"/>
+                        <a:t>Temperatur_bins</a:t>
+                      </a:r>
+                      <a:r>
+                        <a:rPr lang="de-DE" sz="1200" dirty="0"/>
+                        <a:t> + Wochenende + </a:t>
+                      </a:r>
+                      <a:r>
+                        <a:rPr lang="de-DE" sz="1200" dirty="0" err="1"/>
+                        <a:t>KielerWoche</a:t>
+                      </a:r>
+                      <a:r>
+                        <a:rPr lang="de-DE" sz="1200" dirty="0"/>
+                        <a:t> + Schulferien, training_data1)</a:t>
+                      </a:r>
+                    </a:p>
+                  </a:txBody>
+                  <a:tcPr/>
+                </a:tc>
+                <a:tc>
+                  <a:txBody>
+                    <a:bodyPr/>
+                    <a:lstStyle/>
+                    <a:p>
+                      <a:r>
+                        <a:rPr lang="de-DE" sz="1200" dirty="0"/>
+                        <a:t>0.7311</a:t>
+                      </a:r>
+                    </a:p>
+                  </a:txBody>
+                  <a:tcPr/>
+                </a:tc>
+                <a:extLst>
+                  <a:ext uri="{0D108BD9-81ED-4DB2-BD59-A6C34878D82A}">
+                    <a16:rowId xmlns:a16="http://schemas.microsoft.com/office/drawing/2014/main" val="2166313177"/>
+                  </a:ext>
+                </a:extLst>
+              </a:tr>
+              <a:tr h="369565">
+                <a:tc>
+                  <a:txBody>
+                    <a:bodyPr/>
+                    <a:lstStyle/>
+                    <a:p>
+                      <a:r>
+                        <a:rPr lang="de-DE" sz="1200" dirty="0"/>
+                        <a:t>mod7 &lt;- lm(Umsatz ~ </a:t>
+                      </a:r>
+                      <a:r>
+                        <a:rPr lang="de-DE" sz="1200" dirty="0" err="1"/>
+                        <a:t>as.factor</a:t>
+                      </a:r>
+                      <a:r>
+                        <a:rPr lang="de-DE" sz="1200" dirty="0"/>
+                        <a:t>(Warengruppe) + </a:t>
+                      </a:r>
+                      <a:r>
+                        <a:rPr lang="de-DE" sz="1200" dirty="0" err="1"/>
+                        <a:t>Temperatur_bins</a:t>
+                      </a:r>
+                      <a:r>
+                        <a:rPr lang="de-DE" sz="1200" dirty="0"/>
+                        <a:t> + Wochenende + </a:t>
+                      </a:r>
+                      <a:r>
+                        <a:rPr lang="de-DE" sz="1200" dirty="0" err="1"/>
+                        <a:t>KielerWoche</a:t>
+                      </a:r>
+                      <a:r>
+                        <a:rPr lang="de-DE" sz="1200" dirty="0"/>
+                        <a:t> + Schulferien, training_data2)</a:t>
+                      </a:r>
+                    </a:p>
+                  </a:txBody>
+                  <a:tcPr/>
+                </a:tc>
+                <a:tc>
+                  <a:txBody>
+                    <a:bodyPr/>
+                    <a:lstStyle/>
+                    <a:p>
+                      <a:r>
+                        <a:rPr lang="de-DE" sz="1200" dirty="0"/>
+                        <a:t>0.7318</a:t>
+                      </a:r>
+                    </a:p>
+                  </a:txBody>
+                  <a:tcPr/>
+                </a:tc>
+                <a:extLst>
+                  <a:ext uri="{0D108BD9-81ED-4DB2-BD59-A6C34878D82A}">
+                    <a16:rowId xmlns:a16="http://schemas.microsoft.com/office/drawing/2014/main" val="1738314238"/>
+                  </a:ext>
+                </a:extLst>
+              </a:tr>
+            </a:tbl>
+          </a:graphicData>
+        </a:graphic>
+      </p:graphicFrame>
+      <p:sp>
+        <p:nvSpPr>
+          <p:cNvPr id="19" name="Textfeld 18">
+            <a:extLst>
+              <a:ext uri="{FF2B5EF4-FFF2-40B4-BE49-F238E27FC236}">
+                <a16:creationId xmlns:a16="http://schemas.microsoft.com/office/drawing/2014/main" id="{250B2B28-C105-921F-5A11-8FD223A2868A}"/>
+              </a:ext>
+            </a:extLst>
+          </p:cNvPr>
+          <p:cNvSpPr txBox="1"/>
+          <p:nvPr/>
+        </p:nvSpPr>
+        <p:spPr>
+          <a:xfrm flipH="1">
+            <a:off x="613713" y="1164566"/>
+            <a:ext cx="7156381" cy="923330"/>
+          </a:xfrm>
+          <a:prstGeom prst="rect">
+            <a:avLst/>
+          </a:prstGeom>
+          <a:noFill/>
+        </p:spPr>
+        <p:txBody>
+          <a:bodyPr wrap="square" rtlCol="0">
+            <a:spAutoFit/>
+          </a:bodyPr>
+          <a:lstStyle/>
+          <a:p>
+            <a:r>
+              <a:rPr lang="en-US" dirty="0" err="1"/>
+              <a:t>Trainingsdatenset</a:t>
+            </a:r>
+            <a:r>
+              <a:rPr lang="en-US" dirty="0"/>
+              <a:t>: 01.07.2013 - 31.07.2017</a:t>
+            </a:r>
+          </a:p>
+          <a:p>
+            <a:endParaRPr lang="en-US" dirty="0"/>
+          </a:p>
+          <a:p>
+            <a:r>
+              <a:rPr lang="en-US" dirty="0" err="1"/>
+              <a:t>Validierungsdatenset</a:t>
+            </a:r>
+            <a:r>
+              <a:rPr lang="en-US" dirty="0"/>
+              <a:t>: 01.08.2017 - 31.07.2018</a:t>
+            </a:r>
+            <a:endParaRPr lang="de-DE" dirty="0"/>
+          </a:p>
+        </p:txBody>
+      </p:sp>
+    </p:spTree>
+    <p:extLst>
+      <p:ext uri="{BB962C8B-B14F-4D97-AF65-F5344CB8AC3E}">
+        <p14:creationId xmlns:p14="http://schemas.microsoft.com/office/powerpoint/2010/main" val="2243886138"/>
+      </p:ext>
+    </p:extLst>
+  </p:cSld>
+  <p:clrMapOvr>
+    <a:masterClrMapping/>
+  </p:clrMapOvr>
+  <mc:AlternateContent xmlns:mc="http://schemas.openxmlformats.org/markup-compatibility/2006" xmlns:p14="http://schemas.microsoft.com/office/powerpoint/2010/main">
+    <mc:Choice Requires="p14">
+      <p:transition p14:dur="10"/>
+    </mc:Choice>
+    <mc:Fallback xmlns="">
+      <p:transition/>
+    </mc:Fallback>
+  </mc:AlternateContent>
+</p:sld>
+</file>
+
+<file path=ppt/slides/slide8.xml><?xml version="1.0" encoding="utf-8"?>
+<p:sld xmlns:a="http://schemas.openxmlformats.org/drawingml/2006/main" xmlns:r="http://schemas.openxmlformats.org/officeDocument/2006/relationships" xmlns:p="http://schemas.openxmlformats.org/presentationml/2006/main">
+  <p:cSld>
+    <p:spTree>
+      <p:nvGrpSpPr>
+        <p:cNvPr id="1" name=""/>
+        <p:cNvGrpSpPr/>
+        <p:nvPr/>
+      </p:nvGrpSpPr>
+      <p:grpSpPr>
+        <a:xfrm>
+          <a:off x="0" y="0"/>
+          <a:ext cx="0" cy="0"/>
+          <a:chOff x="0" y="0"/>
+          <a:chExt cx="0" cy="0"/>
+        </a:xfrm>
+      </p:grpSpPr>
+      <p:sp>
+        <p:nvSpPr>
+          <p:cNvPr id="4" name="Titel 3"/>
+          <p:cNvSpPr>
+            <a:spLocks noGrp="1"/>
+          </p:cNvSpPr>
+          <p:nvPr>
+            <p:ph type="title"/>
+          </p:nvPr>
+        </p:nvSpPr>
+        <p:spPr>
+          <a:xfrm>
+            <a:off x="521207" y="448056"/>
+            <a:ext cx="9882250" cy="640080"/>
+          </a:xfrm>
+        </p:spPr>
+        <p:txBody>
+          <a:bodyPr rtlCol="0">
+            <a:noAutofit/>
+          </a:bodyPr>
+          <a:lstStyle/>
+          <a:p>
+            <a:pPr lvl="1">
+              <a:lnSpc>
+                <a:spcPct val="100000"/>
+              </a:lnSpc>
+              <a:spcAft>
+                <a:spcPts val="600"/>
+              </a:spcAft>
+              <a:defRPr/>
+            </a:pPr>
+            <a:r>
+              <a:rPr lang="de-DE" sz="2800" dirty="0">
+                <a:solidFill>
+                  <a:prstClr val="black">
+                    <a:lumMod val="75000"/>
+                    <a:lumOff val="25000"/>
+                  </a:prstClr>
+                </a:solidFill>
+                <a:latin typeface="+mj-lt"/>
+                <a:cs typeface="Segoe UI"/>
+              </a:rPr>
+              <a:t>(M)</a:t>
+            </a:r>
+            <a:r>
+              <a:rPr lang="de-DE" sz="2800" dirty="0" err="1">
+                <a:solidFill>
+                  <a:prstClr val="black">
+                    <a:lumMod val="75000"/>
+                    <a:lumOff val="25000"/>
+                  </a:prstClr>
+                </a:solidFill>
+                <a:latin typeface="+mj-lt"/>
+                <a:cs typeface="Segoe UI"/>
+              </a:rPr>
+              <a:t>ean</a:t>
+            </a:r>
+            <a:r>
+              <a:rPr lang="de-DE" sz="2800" dirty="0">
+                <a:solidFill>
+                  <a:prstClr val="black">
+                    <a:lumMod val="75000"/>
+                    <a:lumOff val="25000"/>
+                  </a:prstClr>
+                </a:solidFill>
+                <a:latin typeface="+mj-lt"/>
+                <a:cs typeface="Segoe UI"/>
+              </a:rPr>
+              <a:t> (A)</a:t>
+            </a:r>
+            <a:r>
+              <a:rPr lang="de-DE" sz="2800" dirty="0" err="1">
+                <a:solidFill>
+                  <a:prstClr val="black">
+                    <a:lumMod val="75000"/>
+                    <a:lumOff val="25000"/>
+                  </a:prstClr>
+                </a:solidFill>
+                <a:latin typeface="+mj-lt"/>
+                <a:cs typeface="Segoe UI"/>
+              </a:rPr>
+              <a:t>bsolute</a:t>
+            </a:r>
+            <a:r>
+              <a:rPr lang="de-DE" sz="2800" dirty="0">
+                <a:solidFill>
+                  <a:prstClr val="black">
+                    <a:lumMod val="75000"/>
+                    <a:lumOff val="25000"/>
+                  </a:prstClr>
+                </a:solidFill>
+                <a:latin typeface="+mj-lt"/>
+                <a:cs typeface="Segoe UI"/>
+              </a:rPr>
+              <a:t> (P)</a:t>
+            </a:r>
+            <a:r>
+              <a:rPr lang="de-DE" sz="2800" dirty="0" err="1">
+                <a:solidFill>
+                  <a:prstClr val="black">
+                    <a:lumMod val="75000"/>
+                    <a:lumOff val="25000"/>
+                  </a:prstClr>
+                </a:solidFill>
+                <a:latin typeface="+mj-lt"/>
+                <a:cs typeface="Segoe UI"/>
+              </a:rPr>
+              <a:t>ercentage</a:t>
+            </a:r>
+            <a:r>
+              <a:rPr lang="de-DE" sz="2800" dirty="0">
+                <a:solidFill>
+                  <a:prstClr val="black">
+                    <a:lumMod val="75000"/>
+                    <a:lumOff val="25000"/>
+                  </a:prstClr>
+                </a:solidFill>
+                <a:latin typeface="+mj-lt"/>
+                <a:cs typeface="Segoe UI"/>
+              </a:rPr>
+              <a:t> (E)</a:t>
+            </a:r>
+            <a:r>
+              <a:rPr lang="de-DE" sz="2800" dirty="0" err="1">
+                <a:solidFill>
+                  <a:prstClr val="black">
+                    <a:lumMod val="75000"/>
+                    <a:lumOff val="25000"/>
+                  </a:prstClr>
+                </a:solidFill>
+                <a:latin typeface="+mj-lt"/>
+                <a:cs typeface="Segoe UI"/>
+              </a:rPr>
+              <a:t>rror</a:t>
+            </a:r>
+            <a:r>
+              <a:rPr lang="de-DE" sz="2800" dirty="0">
+                <a:solidFill>
+                  <a:prstClr val="black">
+                    <a:lumMod val="75000"/>
+                    <a:lumOff val="25000"/>
+                  </a:prstClr>
+                </a:solidFill>
+                <a:latin typeface="+mj-lt"/>
+                <a:cs typeface="Segoe UI"/>
+              </a:rPr>
+              <a:t> für den Zeitraum 09.06.2019 - 30.07.2019</a:t>
+            </a:r>
+          </a:p>
+        </p:txBody>
+      </p:sp>
+    </p:spTree>
+    <p:extLst>
+      <p:ext uri="{BB962C8B-B14F-4D97-AF65-F5344CB8AC3E}">
+        <p14:creationId xmlns:p14="http://schemas.microsoft.com/office/powerpoint/2010/main" val="1451811800"/>
+      </p:ext>
+    </p:extLst>
+  </p:cSld>
+  <p:clrMapOvr>
+    <a:masterClrMapping/>
+  </p:clrMapOvr>
+  <mc:AlternateContent xmlns:mc="http://schemas.openxmlformats.org/markup-compatibility/2006" xmlns:p14="http://schemas.microsoft.com/office/powerpoint/2010/main">
+    <mc:Choice Requires="p14">
+      <p:transition p14:dur="10"/>
+    </mc:Choice>
+    <mc:Fallback xmlns="">
+      <p:transition/>
+    </mc:Fallback>
+  </mc:AlternateContent>
+</p:sld>
+</file>
+
+<file path=ppt/slides/slide9.xml><?xml version="1.0" encoding="utf-8"?>
 <p:sld xmlns:a="http://schemas.openxmlformats.org/drawingml/2006/main" xmlns:r="http://schemas.openxmlformats.org/officeDocument/2006/relationships" xmlns:p="http://schemas.openxmlformats.org/presentationml/2006/main">
   <p:cSld>
     <p:spTree>

--- a/4_Presentation/Präsentation.pptx
+++ b/4_Presentation/Präsentation.pptx
@@ -255,7 +255,7 @@
             <a:pPr rtl="0"/>
             <a:fld id="{A271CF6F-B353-47EF-80E6-4EDFE82542AA}" type="datetime1">
               <a:rPr lang="de-DE" smtClean="0"/>
-              <a:t>09.01.2024</a:t>
+              <a:t>10.01.2024</a:t>
             </a:fld>
             <a:endParaRPr lang="de-DE"/>
           </a:p>
@@ -425,7 +425,7 @@
             <a:fld id="{0D6A315A-AEB2-48A1-84FA-B4A8FE58B7D2}" type="datetime1">
               <a:rPr lang="de-DE" smtClean="0"/>
               <a:pPr/>
-              <a:t>09.01.2024</a:t>
+              <a:t>10.01.2024</a:t>
             </a:fld>
             <a:endParaRPr lang="de-DE" dirty="0"/>
           </a:p>
@@ -1911,7 +1911,7 @@
             <a:pPr rtl="0"/>
             <a:fld id="{A8748828-F6EB-4704-9353-51DD373A1B63}" type="datetime1">
               <a:rPr lang="de-DE" noProof="0" smtClean="0"/>
-              <a:t>09.01.2024</a:t>
+              <a:t>10.01.2024</a:t>
             </a:fld>
             <a:endParaRPr lang="de-DE" noProof="0"/>
           </a:p>
@@ -2537,7 +2537,7 @@
             <a:pPr rtl="0"/>
             <a:fld id="{3BAA270F-9618-4C37-A567-2E8C03DB9594}" type="datetime1">
               <a:rPr lang="de-DE" noProof="0" smtClean="0"/>
-              <a:t>09.01.2024</a:t>
+              <a:t>10.01.2024</a:t>
             </a:fld>
             <a:endParaRPr lang="de-DE" noProof="0" dirty="0"/>
           </a:p>
@@ -3516,7 +3516,7 @@
               <a:defRPr/>
             </a:pPr>
             <a:r>
-              <a:rPr lang="de-DE" sz="1100" dirty="0">
+              <a:rPr lang="de-DE" sz="1050" dirty="0">
                 <a:solidFill>
                   <a:prstClr val="black">
                     <a:lumMod val="75000"/>
@@ -3856,7 +3856,7 @@
               <a:defRPr/>
             </a:pPr>
             <a:r>
-              <a:rPr lang="de-DE" sz="1100" dirty="0">
+              <a:rPr lang="de-DE" sz="1050" dirty="0">
                 <a:solidFill>
                   <a:prstClr val="black">
                     <a:lumMod val="75000"/>
@@ -3988,7 +3988,7 @@
         </p:spPr>
         <p:txBody>
           <a:bodyPr vert="horz" lIns="91440" tIns="45720" rIns="91440" bIns="45720" rtlCol="0">
-            <a:normAutofit lnSpcReduction="10000"/>
+            <a:normAutofit fontScale="92500" lnSpcReduction="10000"/>
           </a:bodyPr>
           <a:lstStyle>
             <a:lvl1pPr marL="228600" indent="-228600" algn="l" defTabSz="914400" rtl="0" eaLnBrk="1" latinLnBrk="0" hangingPunct="1">
@@ -4187,7 +4187,7 @@
           <a:p>
             <a:pPr marL="0" lvl="0" indent="0" rtl="0">
               <a:lnSpc>
-                <a:spcPct val="100000"/>
+                <a:spcPct val="110000"/>
               </a:lnSpc>
               <a:spcAft>
                 <a:spcPts val="600"/>
@@ -4211,7 +4211,7 @@
           <a:p>
             <a:pPr lvl="1">
               <a:lnSpc>
-                <a:spcPct val="100000"/>
+                <a:spcPct val="110000"/>
               </a:lnSpc>
               <a:spcAft>
                 <a:spcPts val="600"/>
@@ -4235,7 +4235,7 @@
           <a:p>
             <a:pPr lvl="1">
               <a:lnSpc>
-                <a:spcPct val="100000"/>
+                <a:spcPct val="110000"/>
               </a:lnSpc>
               <a:spcAft>
                 <a:spcPts val="600"/>
@@ -4271,7 +4271,7 @@
           <a:p>
             <a:pPr lvl="1">
               <a:lnSpc>
-                <a:spcPct val="100000"/>
+                <a:spcPct val="110000"/>
               </a:lnSpc>
               <a:spcAft>
                 <a:spcPts val="600"/>
@@ -4391,7 +4391,7 @@
           <a:p>
             <a:pPr marL="457200" lvl="1" indent="0">
               <a:lnSpc>
-                <a:spcPct val="100000"/>
+                <a:spcPct val="110000"/>
               </a:lnSpc>
               <a:spcAft>
                 <a:spcPts val="600"/>
@@ -4523,7 +4523,7 @@
         </p:nvSpPr>
         <p:spPr>
           <a:xfrm>
-            <a:off x="1046169" y="4210287"/>
+            <a:off x="1046169" y="4251136"/>
             <a:ext cx="5303098" cy="2363638"/>
           </a:xfrm>
           <a:prstGeom prst="rect">
@@ -4740,7 +4740,7 @@
               <a:defRPr/>
             </a:pPr>
             <a:r>
-              <a:rPr lang="de-DE" sz="1100" dirty="0">
+              <a:rPr lang="de-DE" sz="1000" dirty="0">
                 <a:solidFill>
                   <a:prstClr val="black">
                     <a:lumMod val="75000"/>
@@ -4764,7 +4764,7 @@
               <a:defRPr/>
             </a:pPr>
             <a:r>
-              <a:rPr lang="de-DE" sz="1100" dirty="0">
+              <a:rPr lang="de-DE" sz="1000" dirty="0">
                 <a:solidFill>
                   <a:prstClr val="black">
                     <a:lumMod val="75000"/>
@@ -4788,7 +4788,7 @@
               <a:defRPr/>
             </a:pPr>
             <a:r>
-              <a:rPr lang="de-DE" sz="1100" dirty="0">
+              <a:rPr lang="de-DE" sz="1000" dirty="0">
                 <a:solidFill>
                   <a:prstClr val="black">
                     <a:lumMod val="75000"/>
@@ -4812,7 +4812,7 @@
               <a:defRPr/>
             </a:pPr>
             <a:r>
-              <a:rPr lang="de-DE" sz="1100" dirty="0">
+              <a:rPr lang="de-DE" sz="1000" dirty="0">
                 <a:solidFill>
                   <a:prstClr val="black">
                     <a:lumMod val="75000"/>
@@ -4824,7 +4824,7 @@
               <a:t>(M)</a:t>
             </a:r>
             <a:r>
-              <a:rPr lang="de-DE" sz="1100" dirty="0" err="1">
+              <a:rPr lang="de-DE" sz="1000" dirty="0" err="1">
                 <a:solidFill>
                   <a:prstClr val="black">
                     <a:lumMod val="75000"/>
@@ -4836,7 +4836,7 @@
               <a:t>ean</a:t>
             </a:r>
             <a:r>
-              <a:rPr lang="de-DE" sz="1100" dirty="0">
+              <a:rPr lang="de-DE" sz="1000" dirty="0">
                 <a:solidFill>
                   <a:prstClr val="black">
                     <a:lumMod val="75000"/>
@@ -4848,7 +4848,7 @@
               <a:t> (A)</a:t>
             </a:r>
             <a:r>
-              <a:rPr lang="de-DE" sz="1100" dirty="0" err="1">
+              <a:rPr lang="de-DE" sz="1000" dirty="0" err="1">
                 <a:solidFill>
                   <a:prstClr val="black">
                     <a:lumMod val="75000"/>
@@ -4860,7 +4860,7 @@
               <a:t>bsolute</a:t>
             </a:r>
             <a:r>
-              <a:rPr lang="de-DE" sz="1100" dirty="0">
+              <a:rPr lang="de-DE" sz="1000" dirty="0">
                 <a:solidFill>
                   <a:prstClr val="black">
                     <a:lumMod val="75000"/>
@@ -4872,7 +4872,7 @@
               <a:t> (P)</a:t>
             </a:r>
             <a:r>
-              <a:rPr lang="de-DE" sz="1100" dirty="0" err="1">
+              <a:rPr lang="de-DE" sz="1000" dirty="0" err="1">
                 <a:solidFill>
                   <a:prstClr val="black">
                     <a:lumMod val="75000"/>
@@ -4884,7 +4884,7 @@
               <a:t>ercentage</a:t>
             </a:r>
             <a:r>
-              <a:rPr lang="de-DE" sz="1100" dirty="0">
+              <a:rPr lang="de-DE" sz="1000" dirty="0">
                 <a:solidFill>
                   <a:prstClr val="black">
                     <a:lumMod val="75000"/>
@@ -4896,7 +4896,7 @@
               <a:t> (E)</a:t>
             </a:r>
             <a:r>
-              <a:rPr lang="de-DE" sz="1100" dirty="0" err="1">
+              <a:rPr lang="de-DE" sz="1000" dirty="0" err="1">
                 <a:solidFill>
                   <a:prstClr val="black">
                     <a:lumMod val="75000"/>
@@ -4908,7 +4908,7 @@
               <a:t>rror</a:t>
             </a:r>
             <a:r>
-              <a:rPr lang="de-DE" sz="1100" dirty="0">
+              <a:rPr lang="de-DE" sz="1000" dirty="0">
                 <a:solidFill>
                   <a:prstClr val="black">
                     <a:lumMod val="75000"/>
@@ -4932,7 +4932,7 @@
               <a:defRPr/>
             </a:pPr>
             <a:r>
-              <a:rPr lang="de-DE" sz="1100" dirty="0">
+              <a:rPr lang="de-DE" sz="1000" dirty="0">
                 <a:solidFill>
                   <a:prstClr val="black">
                     <a:lumMod val="75000"/>
@@ -4943,7 +4943,7 @@
               </a:rPr>
               <a:t>09.06.2019 - 30.07.2019</a:t>
             </a:r>
-            <a:endParaRPr lang="de-DE" sz="1100" dirty="0">
+            <a:endParaRPr lang="de-DE" sz="1000" dirty="0">
               <a:solidFill>
                 <a:prstClr val="black">
                   <a:lumMod val="75000"/>
@@ -5372,7 +5372,7 @@
                 </a:solidFill>
                 <a:cs typeface="Segoe UI"/>
               </a:rPr>
-              <a:t>Umsatzdaten nach Warengruppen sortiert (Kategorie)</a:t>
+              <a:t>Umsatzdaten nach Warengruppen sortiert (Gruppierte Kategorie)</a:t>
             </a:r>
           </a:p>
         </p:txBody>
@@ -6148,53 +6148,8 @@
                 </a:solidFill>
                 <a:cs typeface="Segoe UI" panose="020B0502040204020203" pitchFamily="34" charset="0"/>
               </a:rPr>
-              <a:t>Temperatur (</a:t>
-            </a:r>
-            <a:r>
-              <a:rPr lang="en-US" sz="1100" dirty="0">
-                <a:solidFill>
-                  <a:prstClr val="black">
-                    <a:lumMod val="75000"/>
-                    <a:lumOff val="25000"/>
-                  </a:prstClr>
-                </a:solidFill>
-                <a:cs typeface="Segoe UI" panose="020B0502040204020203" pitchFamily="34" charset="0"/>
-              </a:rPr>
-              <a:t>is not linear, needs to be used as a binned category,-8.475 to 31.438 degrees) (</a:t>
-            </a:r>
-            <a:r>
-              <a:rPr lang="en-US" sz="1100" dirty="0" err="1">
-                <a:solidFill>
-                  <a:prstClr val="black">
-                    <a:lumMod val="75000"/>
-                    <a:lumOff val="25000"/>
-                  </a:prstClr>
-                </a:solidFill>
-                <a:cs typeface="Segoe UI" panose="020B0502040204020203" pitchFamily="34" charset="0"/>
-              </a:rPr>
-              <a:t>Manuell</a:t>
-            </a:r>
-            <a:r>
-              <a:rPr lang="en-US" sz="1100" dirty="0">
-                <a:solidFill>
-                  <a:prstClr val="black">
-                    <a:lumMod val="75000"/>
-                    <a:lumOff val="25000"/>
-                  </a:prstClr>
-                </a:solidFill>
-                <a:cs typeface="Segoe UI" panose="020B0502040204020203" pitchFamily="34" charset="0"/>
-              </a:rPr>
-              <a:t>:(-10, 0, 5, 10, 15, 20, 25, 35))</a:t>
-            </a:r>
-            <a:endParaRPr lang="de-DE" sz="1100" dirty="0">
-              <a:solidFill>
-                <a:prstClr val="black">
-                  <a:lumMod val="75000"/>
-                  <a:lumOff val="25000"/>
-                </a:prstClr>
-              </a:solidFill>
-              <a:cs typeface="Segoe UI" panose="020B0502040204020203" pitchFamily="34" charset="0"/>
-            </a:endParaRPr>
+              <a:t>Temperatur (linear, gruppierte Kategorie)</a:t>
+            </a:r>
           </a:p>
           <a:p>
             <a:pPr lvl="0" rtl="0">
@@ -6217,29 +6172,8 @@
                 </a:solidFill>
                 <a:cs typeface="Segoe UI" panose="020B0502040204020203" pitchFamily="34" charset="0"/>
               </a:rPr>
-              <a:t>Windgeschwindigkeit (</a:t>
-            </a:r>
-            <a:r>
-              <a:rPr lang="en-US" sz="1100" dirty="0">
-                <a:solidFill>
-                  <a:prstClr val="black">
-                    <a:lumMod val="75000"/>
-                    <a:lumOff val="25000"/>
-                  </a:prstClr>
-                </a:solidFill>
-                <a:cs typeface="Segoe UI" panose="020B0502040204020203" pitchFamily="34" charset="0"/>
-              </a:rPr>
-              <a:t>is linear, use as it is)</a:t>
-            </a:r>
-            <a:endParaRPr lang="de-DE" sz="1100" dirty="0">
-              <a:solidFill>
-                <a:prstClr val="black">
-                  <a:lumMod val="75000"/>
-                  <a:lumOff val="25000"/>
-                </a:prstClr>
-              </a:solidFill>
-              <a:cs typeface="Segoe UI" panose="020B0502040204020203" pitchFamily="34" charset="0"/>
-            </a:endParaRPr>
+              <a:t>Bewölkung</a:t>
+            </a:r>
           </a:p>
           <a:p>
             <a:pPr lvl="0" rtl="0">
@@ -6262,29 +6196,8 @@
                 </a:solidFill>
                 <a:cs typeface="Segoe UI" panose="020B0502040204020203" pitchFamily="34" charset="0"/>
               </a:rPr>
-              <a:t>Wettercode (</a:t>
-            </a:r>
-            <a:r>
-              <a:rPr lang="en-US" sz="1100" dirty="0">
-                <a:solidFill>
-                  <a:prstClr val="black">
-                    <a:lumMod val="75000"/>
-                    <a:lumOff val="25000"/>
-                  </a:prstClr>
-                </a:solidFill>
-                <a:cs typeface="Segoe UI" panose="020B0502040204020203" pitchFamily="34" charset="0"/>
-              </a:rPr>
-              <a:t>too many missing values and therefore currently not useful)</a:t>
-            </a:r>
-            <a:endParaRPr lang="de-DE" sz="1100" dirty="0">
-              <a:solidFill>
-                <a:prstClr val="black">
-                  <a:lumMod val="75000"/>
-                  <a:lumOff val="25000"/>
-                </a:prstClr>
-              </a:solidFill>
-              <a:cs typeface="Segoe UI" panose="020B0502040204020203" pitchFamily="34" charset="0"/>
-            </a:endParaRPr>
+              <a:t>Wettercode</a:t>
+            </a:r>
           </a:p>
         </p:txBody>
       </p:sp>
@@ -6793,14 +6706,14 @@
           <p:nvPr>
             <p:extLst>
               <p:ext uri="{D42A27DB-BD31-4B8C-83A1-F6EECF244321}">
-                <p14:modId xmlns:p14="http://schemas.microsoft.com/office/powerpoint/2010/main" val="4069399743"/>
+                <p14:modId xmlns:p14="http://schemas.microsoft.com/office/powerpoint/2010/main" val="2252088184"/>
               </p:ext>
             </p:extLst>
           </p:nvPr>
         </p:nvGraphicFramePr>
         <p:xfrm>
           <a:off x="613713" y="2087896"/>
-          <a:ext cx="10876671" cy="2929640"/>
+          <a:ext cx="10876671" cy="3482085"/>
         </p:xfrm>
         <a:graphic>
           <a:graphicData uri="http://schemas.openxmlformats.org/drawingml/2006/table">
@@ -6880,6 +6793,20 @@
                         </a:rPr>
                         <a:t> R²</a:t>
                       </a:r>
+                    </a:p>
+                    <a:p>
+                      <a:r>
+                        <a:rPr lang="de-DE" sz="1200" dirty="0">
+                          <a:solidFill>
+                            <a:prstClr val="black">
+                              <a:lumMod val="75000"/>
+                              <a:lumOff val="25000"/>
+                            </a:prstClr>
+                          </a:solidFill>
+                          <a:cs typeface="Segoe UI"/>
+                        </a:rPr>
+                        <a:t>(Güte Regression)</a:t>
+                      </a:r>
                       <a:endParaRPr lang="de-DE" sz="1200" dirty="0"/>
                     </a:p>
                   </a:txBody>
@@ -6949,7 +6876,7 @@
                     <a:p>
                       <a:r>
                         <a:rPr lang="de-DE" sz="1200" dirty="0"/>
-                        <a:t>0.6876 </a:t>
+                        <a:t>0.6876</a:t>
                       </a:r>
                     </a:p>
                   </a:txBody>
@@ -7207,7 +7134,7 @@
                       </a:pPr>
                       <a:r>
                         <a:rPr lang="de-DE" sz="1200" dirty="0"/>
-                        <a:t>0.7129 </a:t>
+                        <a:t>0.7129</a:t>
                       </a:r>
                     </a:p>
                     <a:p>
@@ -7336,6 +7263,63 @@
                   </a:ext>
                 </a:extLst>
               </a:tr>
+              <a:tr h="369565">
+                <a:tc>
+                  <a:txBody>
+                    <a:bodyPr/>
+                    <a:lstStyle/>
+                    <a:p>
+                      <a:r>
+                        <a:rPr lang="de-DE" sz="1200" dirty="0"/>
+                        <a:t>mod8 &lt;- lm(Umsatz ~ </a:t>
+                      </a:r>
+                      <a:r>
+                        <a:rPr lang="de-DE" sz="1200" dirty="0" err="1"/>
+                        <a:t>as.factor</a:t>
+                      </a:r>
+                      <a:r>
+                        <a:rPr lang="de-DE" sz="1200" dirty="0"/>
+                        <a:t>(Warengruppe) + </a:t>
+                      </a:r>
+                      <a:r>
+                        <a:rPr lang="de-DE" sz="1200" dirty="0" err="1"/>
+                        <a:t>Temperatur_bins</a:t>
+                      </a:r>
+                      <a:r>
+                        <a:rPr lang="de-DE" sz="1200" dirty="0"/>
+                        <a:t> + Wochenende + </a:t>
+                      </a:r>
+                      <a:r>
+                        <a:rPr lang="de-DE" sz="1200" dirty="0" err="1"/>
+                        <a:t>KielerWoche</a:t>
+                      </a:r>
+                      <a:r>
+                        <a:rPr lang="de-DE" sz="1200" dirty="0"/>
+                        <a:t> + Schulferien, training_data3)</a:t>
+                      </a:r>
+                    </a:p>
+                  </a:txBody>
+                  <a:tcPr/>
+                </a:tc>
+                <a:tc>
+                  <a:txBody>
+                    <a:bodyPr/>
+                    <a:lstStyle/>
+                    <a:p>
+                      <a:r>
+                        <a:rPr lang="de-DE" sz="1200" dirty="0"/>
+                        <a:t>0.7274</a:t>
+                      </a:r>
+                    </a:p>
+                  </a:txBody>
+                  <a:tcPr/>
+                </a:tc>
+                <a:extLst>
+                  <a:ext uri="{0D108BD9-81ED-4DB2-BD59-A6C34878D82A}">
+                    <a16:rowId xmlns:a16="http://schemas.microsoft.com/office/drawing/2014/main" val="447189459"/>
+                  </a:ext>
+                </a:extLst>
+              </a:tr>
             </a:tbl>
           </a:graphicData>
         </a:graphic>
@@ -7582,6 +7566,119 @@
           </a:p>
         </p:txBody>
       </p:sp>
+      <p:sp>
+        <p:nvSpPr>
+          <p:cNvPr id="2" name="Textfeld 1">
+            <a:extLst>
+              <a:ext uri="{FF2B5EF4-FFF2-40B4-BE49-F238E27FC236}">
+                <a16:creationId xmlns:a16="http://schemas.microsoft.com/office/drawing/2014/main" id="{15FA6A0B-DD36-9EA6-0061-734E8B7CF91A}"/>
+              </a:ext>
+            </a:extLst>
+          </p:cNvPr>
+          <p:cNvSpPr txBox="1"/>
+          <p:nvPr/>
+        </p:nvSpPr>
+        <p:spPr>
+          <a:xfrm>
+            <a:off x="521207" y="2649809"/>
+            <a:ext cx="8893781" cy="276999"/>
+          </a:xfrm>
+          <a:prstGeom prst="rect">
+            <a:avLst/>
+          </a:prstGeom>
+          <a:noFill/>
+        </p:spPr>
+        <p:txBody>
+          <a:bodyPr wrap="none" rtlCol="0">
+            <a:spAutoFit/>
+          </a:bodyPr>
+          <a:lstStyle/>
+          <a:p>
+            <a:r>
+              <a:rPr lang="de-DE" sz="1200" b="0" i="0" dirty="0">
+                <a:effectLst/>
+              </a:rPr>
+              <a:t>Differenz zwischen prognostizierten Werten und wahren Werten, geteilt durch den wahren Wert. Nicht effizient bei Extremwerten.</a:t>
+            </a:r>
+            <a:endParaRPr lang="de-DE" sz="1200" dirty="0"/>
+          </a:p>
+        </p:txBody>
+      </p:sp>
+      <p:sp>
+        <p:nvSpPr>
+          <p:cNvPr id="3" name="AutoShape 2">
+            <a:extLst>
+              <a:ext uri="{FF2B5EF4-FFF2-40B4-BE49-F238E27FC236}">
+                <a16:creationId xmlns:a16="http://schemas.microsoft.com/office/drawing/2014/main" id="{FCFDB311-2C6A-BE1C-DF6A-F9222FD21152}"/>
+              </a:ext>
+            </a:extLst>
+          </p:cNvPr>
+          <p:cNvSpPr>
+            <a:spLocks noChangeAspect="1" noChangeArrowheads="1"/>
+          </p:cNvSpPr>
+          <p:nvPr/>
+        </p:nvSpPr>
+        <p:spPr bwMode="auto">
+          <a:xfrm>
+            <a:off x="5943600" y="3276600"/>
+            <a:ext cx="304800" cy="304800"/>
+          </a:xfrm>
+          <a:prstGeom prst="rect">
+            <a:avLst/>
+          </a:prstGeom>
+          <a:noFill/>
+          <a:extLst>
+            <a:ext uri="{909E8E84-426E-40DD-AFC4-6F175D3DCCD1}">
+              <a14:hiddenFill xmlns:a14="http://schemas.microsoft.com/office/drawing/2010/main">
+                <a:solidFill>
+                  <a:srgbClr val="FFFFFF"/>
+                </a:solidFill>
+              </a14:hiddenFill>
+            </a:ext>
+          </a:extLst>
+        </p:spPr>
+        <p:txBody>
+          <a:bodyPr vert="horz" wrap="square" lIns="91440" tIns="45720" rIns="91440" bIns="45720" numCol="1" anchor="t" anchorCtr="0" compatLnSpc="1">
+            <a:prstTxWarp prst="textNoShape">
+              <a:avLst/>
+            </a:prstTxWarp>
+          </a:bodyPr>
+          <a:lstStyle/>
+          <a:p>
+            <a:endParaRPr lang="de-DE"/>
+          </a:p>
+        </p:txBody>
+      </p:sp>
+      <p:pic>
+        <p:nvPicPr>
+          <p:cNvPr id="8" name="Grafik 7">
+            <a:extLst>
+              <a:ext uri="{FF2B5EF4-FFF2-40B4-BE49-F238E27FC236}">
+                <a16:creationId xmlns:a16="http://schemas.microsoft.com/office/drawing/2014/main" id="{1C7911B3-95CE-D688-CF4C-21598444CADF}"/>
+              </a:ext>
+            </a:extLst>
+          </p:cNvPr>
+          <p:cNvPicPr>
+            <a:picLocks noChangeAspect="1"/>
+          </p:cNvPicPr>
+          <p:nvPr/>
+        </p:nvPicPr>
+        <p:blipFill>
+          <a:blip r:embed="rId3"/>
+          <a:stretch>
+            <a:fillRect/>
+          </a:stretch>
+        </p:blipFill>
+        <p:spPr>
+          <a:xfrm>
+            <a:off x="521207" y="1268491"/>
+            <a:ext cx="4229690" cy="1381318"/>
+          </a:xfrm>
+          <a:prstGeom prst="rect">
+            <a:avLst/>
+          </a:prstGeom>
+        </p:spPr>
+      </p:pic>
     </p:spTree>
     <p:extLst>
       <p:ext uri="{BB962C8B-B14F-4D97-AF65-F5344CB8AC3E}">
